--- a/Report/FuncDecomp.pptx
+++ b/Report/FuncDecomp.pptx
@@ -6,23 +6,24 @@
   </p:sldMasterIdLst>
   <p:sldIdLst>
     <p:sldId id="269" r:id="rId2"/>
-    <p:sldId id="270" r:id="rId3"/>
-    <p:sldId id="256" r:id="rId4"/>
-    <p:sldId id="258" r:id="rId5"/>
-    <p:sldId id="262" r:id="rId6"/>
-    <p:sldId id="263" r:id="rId7"/>
-    <p:sldId id="264" r:id="rId8"/>
-    <p:sldId id="257" r:id="rId9"/>
-    <p:sldId id="271" r:id="rId10"/>
-    <p:sldId id="272" r:id="rId11"/>
-    <p:sldId id="273" r:id="rId12"/>
-    <p:sldId id="259" r:id="rId13"/>
-    <p:sldId id="260" r:id="rId14"/>
-    <p:sldId id="266" r:id="rId15"/>
-    <p:sldId id="261" r:id="rId16"/>
-    <p:sldId id="267" r:id="rId17"/>
-    <p:sldId id="268" r:id="rId18"/>
-    <p:sldId id="265" r:id="rId19"/>
+    <p:sldId id="274" r:id="rId3"/>
+    <p:sldId id="270" r:id="rId4"/>
+    <p:sldId id="256" r:id="rId5"/>
+    <p:sldId id="258" r:id="rId6"/>
+    <p:sldId id="262" r:id="rId7"/>
+    <p:sldId id="263" r:id="rId8"/>
+    <p:sldId id="264" r:id="rId9"/>
+    <p:sldId id="257" r:id="rId10"/>
+    <p:sldId id="271" r:id="rId11"/>
+    <p:sldId id="272" r:id="rId12"/>
+    <p:sldId id="273" r:id="rId13"/>
+    <p:sldId id="259" r:id="rId14"/>
+    <p:sldId id="260" r:id="rId15"/>
+    <p:sldId id="266" r:id="rId16"/>
+    <p:sldId id="261" r:id="rId17"/>
+    <p:sldId id="267" r:id="rId18"/>
+    <p:sldId id="268" r:id="rId19"/>
+    <p:sldId id="265" r:id="rId20"/>
   </p:sldIdLst>
   <p:sldSz cx="9906000" cy="6858000" type="A4"/>
   <p:notesSz cx="6858000" cy="9144000"/>
@@ -260,7 +261,7 @@
           <a:p>
             <a:fld id="{B0718091-353A-4726-AFD1-15211AE32140}" type="datetimeFigureOut">
               <a:rPr lang="en-AU" smtClean="0"/>
-              <a:t>2/06/2018</a:t>
+              <a:t>4/06/2018</a:t>
             </a:fld>
             <a:endParaRPr lang="en-AU" dirty="0"/>
           </a:p>
@@ -430,7 +431,7 @@
           <a:p>
             <a:fld id="{B0718091-353A-4726-AFD1-15211AE32140}" type="datetimeFigureOut">
               <a:rPr lang="en-AU" smtClean="0"/>
-              <a:t>2/06/2018</a:t>
+              <a:t>4/06/2018</a:t>
             </a:fld>
             <a:endParaRPr lang="en-AU" dirty="0"/>
           </a:p>
@@ -610,7 +611,7 @@
           <a:p>
             <a:fld id="{B0718091-353A-4726-AFD1-15211AE32140}" type="datetimeFigureOut">
               <a:rPr lang="en-AU" smtClean="0"/>
-              <a:t>2/06/2018</a:t>
+              <a:t>4/06/2018</a:t>
             </a:fld>
             <a:endParaRPr lang="en-AU" dirty="0"/>
           </a:p>
@@ -780,7 +781,7 @@
           <a:p>
             <a:fld id="{B0718091-353A-4726-AFD1-15211AE32140}" type="datetimeFigureOut">
               <a:rPr lang="en-AU" smtClean="0"/>
-              <a:t>2/06/2018</a:t>
+              <a:t>4/06/2018</a:t>
             </a:fld>
             <a:endParaRPr lang="en-AU" dirty="0"/>
           </a:p>
@@ -1024,7 +1025,7 @@
           <a:p>
             <a:fld id="{B0718091-353A-4726-AFD1-15211AE32140}" type="datetimeFigureOut">
               <a:rPr lang="en-AU" smtClean="0"/>
-              <a:t>2/06/2018</a:t>
+              <a:t>4/06/2018</a:t>
             </a:fld>
             <a:endParaRPr lang="en-AU" dirty="0"/>
           </a:p>
@@ -1256,7 +1257,7 @@
           <a:p>
             <a:fld id="{B0718091-353A-4726-AFD1-15211AE32140}" type="datetimeFigureOut">
               <a:rPr lang="en-AU" smtClean="0"/>
-              <a:t>2/06/2018</a:t>
+              <a:t>4/06/2018</a:t>
             </a:fld>
             <a:endParaRPr lang="en-AU" dirty="0"/>
           </a:p>
@@ -1623,7 +1624,7 @@
           <a:p>
             <a:fld id="{B0718091-353A-4726-AFD1-15211AE32140}" type="datetimeFigureOut">
               <a:rPr lang="en-AU" smtClean="0"/>
-              <a:t>2/06/2018</a:t>
+              <a:t>4/06/2018</a:t>
             </a:fld>
             <a:endParaRPr lang="en-AU" dirty="0"/>
           </a:p>
@@ -1741,7 +1742,7 @@
           <a:p>
             <a:fld id="{B0718091-353A-4726-AFD1-15211AE32140}" type="datetimeFigureOut">
               <a:rPr lang="en-AU" smtClean="0"/>
-              <a:t>2/06/2018</a:t>
+              <a:t>4/06/2018</a:t>
             </a:fld>
             <a:endParaRPr lang="en-AU" dirty="0"/>
           </a:p>
@@ -1836,7 +1837,7 @@
           <a:p>
             <a:fld id="{B0718091-353A-4726-AFD1-15211AE32140}" type="datetimeFigureOut">
               <a:rPr lang="en-AU" smtClean="0"/>
-              <a:t>2/06/2018</a:t>
+              <a:t>4/06/2018</a:t>
             </a:fld>
             <a:endParaRPr lang="en-AU" dirty="0"/>
           </a:p>
@@ -2113,7 +2114,7 @@
           <a:p>
             <a:fld id="{B0718091-353A-4726-AFD1-15211AE32140}" type="datetimeFigureOut">
               <a:rPr lang="en-AU" smtClean="0"/>
-              <a:t>2/06/2018</a:t>
+              <a:t>4/06/2018</a:t>
             </a:fld>
             <a:endParaRPr lang="en-AU" dirty="0"/>
           </a:p>
@@ -2369,7 +2370,7 @@
           <a:p>
             <a:fld id="{B0718091-353A-4726-AFD1-15211AE32140}" type="datetimeFigureOut">
               <a:rPr lang="en-AU" smtClean="0"/>
-              <a:t>2/06/2018</a:t>
+              <a:t>4/06/2018</a:t>
             </a:fld>
             <a:endParaRPr lang="en-AU" dirty="0"/>
           </a:p>
@@ -2582,7 +2583,7 @@
           <a:p>
             <a:fld id="{B0718091-353A-4726-AFD1-15211AE32140}" type="datetimeFigureOut">
               <a:rPr lang="en-AU" smtClean="0"/>
-              <a:t>2/06/2018</a:t>
+              <a:t>4/06/2018</a:t>
             </a:fld>
             <a:endParaRPr lang="en-AU" dirty="0"/>
           </a:p>
@@ -3922,6 +3923,4174 @@
       </p:grpSpPr>
       <p:grpSp>
         <p:nvGrpSpPr>
+          <p:cNvPr id="385" name="Group 384">
+            <a:extLst>
+              <a:ext uri="{FF2B5EF4-FFF2-40B4-BE49-F238E27FC236}">
+                <a16:creationId xmlns:a16="http://schemas.microsoft.com/office/drawing/2014/main" id="{D088E8E0-ACD6-4933-8BB0-FDFBB04DB17B}"/>
+              </a:ext>
+            </a:extLst>
+          </p:cNvPr>
+          <p:cNvGrpSpPr/>
+          <p:nvPr/>
+        </p:nvGrpSpPr>
+        <p:grpSpPr>
+          <a:xfrm>
+            <a:off x="1308798" y="1783202"/>
+            <a:ext cx="3847377" cy="4500000"/>
+            <a:chOff x="1308798" y="1783202"/>
+            <a:chExt cx="3847377" cy="4500000"/>
+          </a:xfrm>
+        </p:grpSpPr>
+        <p:grpSp>
+          <p:nvGrpSpPr>
+            <p:cNvPr id="282" name="Group 281">
+              <a:extLst>
+                <a:ext uri="{FF2B5EF4-FFF2-40B4-BE49-F238E27FC236}">
+                  <a16:creationId xmlns:a16="http://schemas.microsoft.com/office/drawing/2014/main" id="{862CBD16-6D73-406E-A025-7FC20A99D522}"/>
+                </a:ext>
+              </a:extLst>
+            </p:cNvPr>
+            <p:cNvGrpSpPr/>
+            <p:nvPr/>
+          </p:nvGrpSpPr>
+          <p:grpSpPr>
+            <a:xfrm>
+              <a:off x="2362507" y="1783202"/>
+              <a:ext cx="2793668" cy="4500000"/>
+              <a:chOff x="3639712" y="1783202"/>
+              <a:chExt cx="900000" cy="4500000"/>
+            </a:xfrm>
+          </p:grpSpPr>
+          <p:sp>
+            <p:nvSpPr>
+              <p:cNvPr id="276" name="Flowchart: Alternate Process 275">
+                <a:extLst>
+                  <a:ext uri="{FF2B5EF4-FFF2-40B4-BE49-F238E27FC236}">
+                    <a16:creationId xmlns:a16="http://schemas.microsoft.com/office/drawing/2014/main" id="{92CE3669-D777-4A32-B791-04B241625566}"/>
+                  </a:ext>
+                </a:extLst>
+              </p:cNvPr>
+              <p:cNvSpPr/>
+              <p:nvPr/>
+            </p:nvSpPr>
+            <p:spPr>
+              <a:xfrm>
+                <a:off x="3639712" y="1783202"/>
+                <a:ext cx="900000" cy="900000"/>
+              </a:xfrm>
+              <a:prstGeom prst="flowChartAlternateProcess">
+                <a:avLst/>
+              </a:prstGeom>
+              <a:ln w="19050"/>
+            </p:spPr>
+            <p:style>
+              <a:lnRef idx="2">
+                <a:schemeClr val="dk1"/>
+              </a:lnRef>
+              <a:fillRef idx="1">
+                <a:schemeClr val="lt1"/>
+              </a:fillRef>
+              <a:effectRef idx="0">
+                <a:schemeClr val="dk1"/>
+              </a:effectRef>
+              <a:fontRef idx="minor">
+                <a:schemeClr val="dk1"/>
+              </a:fontRef>
+            </p:style>
+            <p:txBody>
+              <a:bodyPr rot="0" spcFirstLastPara="0" vertOverflow="overflow" horzOverflow="overflow" vert="horz" wrap="square" lIns="0" tIns="0" rIns="0" bIns="0" numCol="1" spcCol="0" rtlCol="0" fromWordArt="0" anchor="ctr" anchorCtr="0" forceAA="0" compatLnSpc="1">
+                <a:prstTxWarp prst="textNoShape">
+                  <a:avLst/>
+                </a:prstTxWarp>
+                <a:noAutofit/>
+              </a:bodyPr>
+              <a:lstStyle/>
+              <a:p>
+                <a:pPr algn="ctr"/>
+                <a:r>
+                  <a:rPr lang="en-AU" sz="5400" dirty="0">
+                    <a:solidFill>
+                      <a:schemeClr val="bg1">
+                        <a:lumMod val="50000"/>
+                      </a:schemeClr>
+                    </a:solidFill>
+                    <a:latin typeface="Consolas" panose="020B0609020204030204" pitchFamily="49" charset="0"/>
+                    <a:ea typeface="Yu Gothic" panose="020B0400000000000000" pitchFamily="34" charset="-128"/>
+                  </a:rPr>
+                  <a:t>White/+</a:t>
+                </a:r>
+              </a:p>
+            </p:txBody>
+          </p:sp>
+          <p:sp>
+            <p:nvSpPr>
+              <p:cNvPr id="277" name="Flowchart: Alternate Process 276">
+                <a:extLst>
+                  <a:ext uri="{FF2B5EF4-FFF2-40B4-BE49-F238E27FC236}">
+                    <a16:creationId xmlns:a16="http://schemas.microsoft.com/office/drawing/2014/main" id="{67263056-B7BB-40A3-B8A8-AA32A142F093}"/>
+                  </a:ext>
+                </a:extLst>
+              </p:cNvPr>
+              <p:cNvSpPr/>
+              <p:nvPr/>
+            </p:nvSpPr>
+            <p:spPr>
+              <a:xfrm>
+                <a:off x="3639712" y="3583202"/>
+                <a:ext cx="900000" cy="900000"/>
+              </a:xfrm>
+              <a:prstGeom prst="flowChartAlternateProcess">
+                <a:avLst/>
+              </a:prstGeom>
+              <a:ln w="19050"/>
+            </p:spPr>
+            <p:style>
+              <a:lnRef idx="2">
+                <a:schemeClr val="dk1"/>
+              </a:lnRef>
+              <a:fillRef idx="1">
+                <a:schemeClr val="lt1"/>
+              </a:fillRef>
+              <a:effectRef idx="0">
+                <a:schemeClr val="dk1"/>
+              </a:effectRef>
+              <a:fontRef idx="minor">
+                <a:schemeClr val="dk1"/>
+              </a:fontRef>
+            </p:style>
+            <p:txBody>
+              <a:bodyPr rot="0" spcFirstLastPara="0" vertOverflow="overflow" horzOverflow="overflow" vert="horz" wrap="square" lIns="0" tIns="0" rIns="0" bIns="0" numCol="1" spcCol="0" rtlCol="0" fromWordArt="0" anchor="ctr" anchorCtr="0" forceAA="0" compatLnSpc="1">
+                <a:prstTxWarp prst="textNoShape">
+                  <a:avLst/>
+                </a:prstTxWarp>
+                <a:noAutofit/>
+              </a:bodyPr>
+              <a:lstStyle/>
+              <a:p>
+                <a:pPr algn="ctr"/>
+                <a:r>
+                  <a:rPr lang="en-AU" sz="5400" dirty="0">
+                    <a:solidFill>
+                      <a:srgbClr val="C00000"/>
+                    </a:solidFill>
+                    <a:latin typeface="Consolas" panose="020B0609020204030204" pitchFamily="49" charset="0"/>
+                    <a:ea typeface="Yu Gothic" panose="020B0400000000000000" pitchFamily="34" charset="-128"/>
+                  </a:rPr>
+                  <a:t>Red/C</a:t>
+                </a:r>
+              </a:p>
+            </p:txBody>
+          </p:sp>
+          <p:sp>
+            <p:nvSpPr>
+              <p:cNvPr id="278" name="Flowchart: Alternate Process 277">
+                <a:extLst>
+                  <a:ext uri="{FF2B5EF4-FFF2-40B4-BE49-F238E27FC236}">
+                    <a16:creationId xmlns:a16="http://schemas.microsoft.com/office/drawing/2014/main" id="{1018CEBE-4FA6-4073-AC5D-A898B98BF12B}"/>
+                  </a:ext>
+                </a:extLst>
+              </p:cNvPr>
+              <p:cNvSpPr/>
+              <p:nvPr/>
+            </p:nvSpPr>
+            <p:spPr>
+              <a:xfrm>
+                <a:off x="3639712" y="5383202"/>
+                <a:ext cx="900000" cy="900000"/>
+              </a:xfrm>
+              <a:prstGeom prst="flowChartAlternateProcess">
+                <a:avLst/>
+              </a:prstGeom>
+              <a:ln w="19050"/>
+            </p:spPr>
+            <p:style>
+              <a:lnRef idx="2">
+                <a:schemeClr val="dk1"/>
+              </a:lnRef>
+              <a:fillRef idx="1">
+                <a:schemeClr val="lt1"/>
+              </a:fillRef>
+              <a:effectRef idx="0">
+                <a:schemeClr val="dk1"/>
+              </a:effectRef>
+              <a:fontRef idx="minor">
+                <a:schemeClr val="dk1"/>
+              </a:fontRef>
+            </p:style>
+            <p:txBody>
+              <a:bodyPr rot="0" spcFirstLastPara="0" vertOverflow="overflow" horzOverflow="overflow" vert="horz" wrap="square" lIns="0" tIns="0" rIns="0" bIns="0" numCol="1" spcCol="0" rtlCol="0" fromWordArt="0" anchor="ctr" anchorCtr="0" forceAA="0" compatLnSpc="1">
+                <a:prstTxWarp prst="textNoShape">
+                  <a:avLst/>
+                </a:prstTxWarp>
+                <a:noAutofit/>
+              </a:bodyPr>
+              <a:lstStyle/>
+              <a:p>
+                <a:pPr algn="ctr"/>
+                <a:r>
+                  <a:rPr lang="en-AU" sz="5400" dirty="0">
+                    <a:solidFill>
+                      <a:schemeClr val="tx1"/>
+                    </a:solidFill>
+                    <a:latin typeface="Consolas" panose="020B0609020204030204" pitchFamily="49" charset="0"/>
+                    <a:ea typeface="Yu Gothic" panose="020B0400000000000000" pitchFamily="34" charset="-128"/>
+                  </a:rPr>
+                  <a:t>Black/-</a:t>
+                </a:r>
+              </a:p>
+            </p:txBody>
+          </p:sp>
+        </p:grpSp>
+        <p:cxnSp>
+          <p:nvCxnSpPr>
+            <p:cNvPr id="284" name="Connector: Elbow 283">
+              <a:extLst>
+                <a:ext uri="{FF2B5EF4-FFF2-40B4-BE49-F238E27FC236}">
+                  <a16:creationId xmlns:a16="http://schemas.microsoft.com/office/drawing/2014/main" id="{0F38A60D-FE9A-499C-BF38-1DF06F438071}"/>
+                </a:ext>
+              </a:extLst>
+            </p:cNvPr>
+            <p:cNvCxnSpPr>
+              <a:stCxn id="276" idx="1"/>
+              <a:endCxn id="277" idx="1"/>
+            </p:cNvCxnSpPr>
+            <p:nvPr/>
+          </p:nvCxnSpPr>
+          <p:spPr>
+            <a:xfrm rot="10800000" flipV="1">
+              <a:off x="2362507" y="2233202"/>
+              <a:ext cx="12700" cy="1800000"/>
+            </a:xfrm>
+            <a:prstGeom prst="bentConnector3">
+              <a:avLst>
+                <a:gd name="adj1" fmla="val 1800000"/>
+              </a:avLst>
+            </a:prstGeom>
+            <a:ln w="76200">
+              <a:solidFill>
+                <a:schemeClr val="tx1"/>
+              </a:solidFill>
+            </a:ln>
+          </p:spPr>
+          <p:style>
+            <a:lnRef idx="1">
+              <a:schemeClr val="accent1"/>
+            </a:lnRef>
+            <a:fillRef idx="0">
+              <a:schemeClr val="accent1"/>
+            </a:fillRef>
+            <a:effectRef idx="0">
+              <a:schemeClr val="accent1"/>
+            </a:effectRef>
+            <a:fontRef idx="minor">
+              <a:schemeClr val="tx1"/>
+            </a:fontRef>
+          </p:style>
+        </p:cxnSp>
+        <p:cxnSp>
+          <p:nvCxnSpPr>
+            <p:cNvPr id="286" name="Connector: Elbow 285">
+              <a:extLst>
+                <a:ext uri="{FF2B5EF4-FFF2-40B4-BE49-F238E27FC236}">
+                  <a16:creationId xmlns:a16="http://schemas.microsoft.com/office/drawing/2014/main" id="{1F16C0FE-946C-45D9-96FF-396BA6013911}"/>
+                </a:ext>
+              </a:extLst>
+            </p:cNvPr>
+            <p:cNvCxnSpPr>
+              <a:stCxn id="277" idx="1"/>
+              <a:endCxn id="278" idx="1"/>
+            </p:cNvCxnSpPr>
+            <p:nvPr/>
+          </p:nvCxnSpPr>
+          <p:spPr>
+            <a:xfrm rot="10800000" flipV="1">
+              <a:off x="2362507" y="4033202"/>
+              <a:ext cx="12700" cy="1800000"/>
+            </a:xfrm>
+            <a:prstGeom prst="bentConnector3">
+              <a:avLst>
+                <a:gd name="adj1" fmla="val 1800000"/>
+              </a:avLst>
+            </a:prstGeom>
+            <a:ln w="76200">
+              <a:solidFill>
+                <a:schemeClr val="tx1"/>
+              </a:solidFill>
+            </a:ln>
+          </p:spPr>
+          <p:style>
+            <a:lnRef idx="1">
+              <a:schemeClr val="accent1"/>
+            </a:lnRef>
+            <a:fillRef idx="0">
+              <a:schemeClr val="accent1"/>
+            </a:fillRef>
+            <a:effectRef idx="0">
+              <a:schemeClr val="accent1"/>
+            </a:effectRef>
+            <a:fontRef idx="minor">
+              <a:schemeClr val="tx1"/>
+            </a:fontRef>
+          </p:style>
+        </p:cxnSp>
+        <p:grpSp>
+          <p:nvGrpSpPr>
+            <p:cNvPr id="287" name="Group 286">
+              <a:extLst>
+                <a:ext uri="{FF2B5EF4-FFF2-40B4-BE49-F238E27FC236}">
+                  <a16:creationId xmlns:a16="http://schemas.microsoft.com/office/drawing/2014/main" id="{3AE85EFD-916F-40C6-93AB-9E7C195C4F17}"/>
+                </a:ext>
+              </a:extLst>
+            </p:cNvPr>
+            <p:cNvGrpSpPr/>
+            <p:nvPr/>
+          </p:nvGrpSpPr>
+          <p:grpSpPr>
+            <a:xfrm>
+              <a:off x="1308798" y="2873891"/>
+              <a:ext cx="1543501" cy="2318622"/>
+              <a:chOff x="2966357" y="2873891"/>
+              <a:chExt cx="1543501" cy="2318622"/>
+            </a:xfrm>
+          </p:grpSpPr>
+          <mc:AlternateContent xmlns:mc="http://schemas.openxmlformats.org/markup-compatibility/2006" xmlns:a14="http://schemas.microsoft.com/office/drawing/2010/main">
+            <mc:Choice Requires="a14">
+              <p:sp>
+                <p:nvSpPr>
+                  <p:cNvPr id="279" name="Rectangle 278">
+                    <a:extLst>
+                      <a:ext uri="{FF2B5EF4-FFF2-40B4-BE49-F238E27FC236}">
+                        <a16:creationId xmlns:a16="http://schemas.microsoft.com/office/drawing/2014/main" id="{0555249A-0FF1-4701-8936-19A591A41E36}"/>
+                      </a:ext>
+                    </a:extLst>
+                  </p:cNvPr>
+                  <p:cNvSpPr/>
+                  <p:nvPr/>
+                </p:nvSpPr>
+                <p:spPr>
+                  <a:xfrm>
+                    <a:off x="2966357" y="2873891"/>
+                    <a:ext cx="1543501" cy="518622"/>
+                  </a:xfrm>
+                  <a:prstGeom prst="rect">
+                    <a:avLst/>
+                  </a:prstGeom>
+                  <a:ln>
+                    <a:noFill/>
+                  </a:ln>
+                </p:spPr>
+                <p:style>
+                  <a:lnRef idx="2">
+                    <a:schemeClr val="dk1"/>
+                  </a:lnRef>
+                  <a:fillRef idx="1">
+                    <a:schemeClr val="lt1"/>
+                  </a:fillRef>
+                  <a:effectRef idx="0">
+                    <a:schemeClr val="dk1"/>
+                  </a:effectRef>
+                  <a:fontRef idx="minor">
+                    <a:schemeClr val="dk1"/>
+                  </a:fontRef>
+                </p:style>
+                <p:txBody>
+                  <a:bodyPr lIns="0" tIns="0" rIns="0" bIns="0" rtlCol="0" anchor="ctr"/>
+                  <a:lstStyle/>
+                  <a:p>
+                    <a:pPr algn="ctr"/>
+                    <a14:m>
+                      <m:oMathPara xmlns:m="http://schemas.openxmlformats.org/officeDocument/2006/math">
+                        <m:oMathParaPr>
+                          <m:jc m:val="centerGroup"/>
+                        </m:oMathParaPr>
+                        <m:oMath xmlns:m="http://schemas.openxmlformats.org/officeDocument/2006/math">
+                          <m:r>
+                            <a:rPr lang="en-AU" sz="4400" i="1">
+                              <a:ln w="0"/>
+                              <a:solidFill>
+                                <a:schemeClr val="tx1"/>
+                              </a:solidFill>
+                              <a:effectLst>
+                                <a:outerShdw blurRad="38100" dist="19050" dir="2700000" algn="tl" rotWithShape="0">
+                                  <a:schemeClr val="dk1">
+                                    <a:alpha val="40000"/>
+                                  </a:schemeClr>
+                                </a:outerShdw>
+                              </a:effectLst>
+                              <a:latin typeface="Cambria Math" panose="02040503050406030204" pitchFamily="18" charset="0"/>
+                              <a:ea typeface="Cambria Math" panose="02040503050406030204" pitchFamily="18" charset="0"/>
+                            </a:rPr>
+                            <m:t>𝜀</m:t>
+                          </m:r>
+                          <m:r>
+                            <a:rPr lang="en-AU" sz="4400" i="1">
+                              <a:ln w="0"/>
+                              <a:solidFill>
+                                <a:schemeClr val="tx1"/>
+                              </a:solidFill>
+                              <a:effectLst>
+                                <a:outerShdw blurRad="38100" dist="19050" dir="2700000" algn="tl" rotWithShape="0">
+                                  <a:schemeClr val="dk1">
+                                    <a:alpha val="40000"/>
+                                  </a:schemeClr>
+                                </a:outerShdw>
+                              </a:effectLst>
+                              <a:latin typeface="Cambria Math" panose="02040503050406030204" pitchFamily="18" charset="0"/>
+                              <a:ea typeface="Cambria Math" panose="02040503050406030204" pitchFamily="18" charset="0"/>
+                            </a:rPr>
+                            <m:t> </m:t>
+                          </m:r>
+                          <m:r>
+                            <m:rPr>
+                              <m:nor/>
+                            </m:rPr>
+                            <a:rPr lang="en-AU" sz="4400" dirty="0">
+                              <a:ln w="0"/>
+                              <a:solidFill>
+                                <a:schemeClr val="tx1"/>
+                              </a:solidFill>
+                              <a:effectLst>
+                                <a:outerShdw blurRad="38100" dist="19050" dir="2700000" algn="tl" rotWithShape="0">
+                                  <a:schemeClr val="dk1">
+                                    <a:alpha val="40000"/>
+                                  </a:schemeClr>
+                                </a:outerShdw>
+                              </a:effectLst>
+                            </a:rPr>
+                            <m:t>(+</m:t>
+                          </m:r>
+                          <m:r>
+                            <m:rPr>
+                              <m:nor/>
+                            </m:rPr>
+                            <a:rPr lang="en-AU" sz="4400" dirty="0" err="1">
+                              <a:ln w="0"/>
+                              <a:solidFill>
+                                <a:schemeClr val="tx1"/>
+                              </a:solidFill>
+                              <a:effectLst>
+                                <a:outerShdw blurRad="38100" dist="19050" dir="2700000" algn="tl" rotWithShape="0">
+                                  <a:schemeClr val="dk1">
+                                    <a:alpha val="40000"/>
+                                  </a:schemeClr>
+                                </a:outerShdw>
+                              </a:effectLst>
+                            </a:rPr>
+                            <m:t>ve</m:t>
+                          </m:r>
+                          <m:r>
+                            <m:rPr>
+                              <m:nor/>
+                            </m:rPr>
+                            <a:rPr lang="en-AU" sz="4400" dirty="0">
+                              <a:ln w="0"/>
+                              <a:solidFill>
+                                <a:schemeClr val="tx1"/>
+                              </a:solidFill>
+                              <a:effectLst>
+                                <a:outerShdw blurRad="38100" dist="19050" dir="2700000" algn="tl" rotWithShape="0">
+                                  <a:schemeClr val="dk1">
+                                    <a:alpha val="40000"/>
+                                  </a:schemeClr>
+                                </a:outerShdw>
+                              </a:effectLst>
+                            </a:rPr>
+                            <m:t>)</m:t>
+                          </m:r>
+                        </m:oMath>
+                      </m:oMathPara>
+                    </a14:m>
+                    <a:endParaRPr lang="en-AU" sz="4400" dirty="0">
+                      <a:ln w="0"/>
+                      <a:solidFill>
+                        <a:schemeClr val="tx1"/>
+                      </a:solidFill>
+                      <a:effectLst>
+                        <a:outerShdw blurRad="38100" dist="19050" dir="2700000" algn="tl" rotWithShape="0">
+                          <a:schemeClr val="dk1">
+                            <a:alpha val="40000"/>
+                          </a:schemeClr>
+                        </a:outerShdw>
+                      </a:effectLst>
+                    </a:endParaRPr>
+                  </a:p>
+                </p:txBody>
+              </p:sp>
+            </mc:Choice>
+            <mc:Fallback xmlns="">
+              <p:sp>
+                <p:nvSpPr>
+                  <p:cNvPr id="279" name="Rectangle 278">
+                    <a:extLst>
+                      <a:ext uri="{FF2B5EF4-FFF2-40B4-BE49-F238E27FC236}">
+                        <a16:creationId xmlns:a16="http://schemas.microsoft.com/office/drawing/2014/main" id="{0555249A-0FF1-4701-8936-19A591A41E36}"/>
+                      </a:ext>
+                    </a:extLst>
+                  </p:cNvPr>
+                  <p:cNvSpPr>
+                    <a:spLocks noRot="1" noChangeAspect="1" noMove="1" noResize="1" noEditPoints="1" noAdjustHandles="1" noChangeArrowheads="1" noChangeShapeType="1" noTextEdit="1"/>
+                  </p:cNvSpPr>
+                  <p:nvPr/>
+                </p:nvSpPr>
+                <p:spPr>
+                  <a:xfrm>
+                    <a:off x="2966357" y="2873891"/>
+                    <a:ext cx="1543501" cy="518622"/>
+                  </a:xfrm>
+                  <a:prstGeom prst="rect">
+                    <a:avLst/>
+                  </a:prstGeom>
+                  <a:blipFill>
+                    <a:blip r:embed="rId2"/>
+                    <a:stretch>
+                      <a:fillRect l="-3953" b="-11628"/>
+                    </a:stretch>
+                  </a:blipFill>
+                  <a:ln>
+                    <a:noFill/>
+                  </a:ln>
+                </p:spPr>
+                <p:txBody>
+                  <a:bodyPr/>
+                  <a:lstStyle/>
+                  <a:p>
+                    <a:r>
+                      <a:rPr lang="en-AU">
+                        <a:noFill/>
+                      </a:rPr>
+                      <a:t> </a:t>
+                    </a:r>
+                  </a:p>
+                </p:txBody>
+              </p:sp>
+            </mc:Fallback>
+          </mc:AlternateContent>
+          <mc:AlternateContent xmlns:mc="http://schemas.openxmlformats.org/markup-compatibility/2006" xmlns:a14="http://schemas.microsoft.com/office/drawing/2010/main">
+            <mc:Choice Requires="a14">
+              <p:sp>
+                <p:nvSpPr>
+                  <p:cNvPr id="280" name="Rectangle 279">
+                    <a:extLst>
+                      <a:ext uri="{FF2B5EF4-FFF2-40B4-BE49-F238E27FC236}">
+                        <a16:creationId xmlns:a16="http://schemas.microsoft.com/office/drawing/2014/main" id="{18B53EC6-A027-407A-A53C-F30602242756}"/>
+                      </a:ext>
+                    </a:extLst>
+                  </p:cNvPr>
+                  <p:cNvSpPr/>
+                  <p:nvPr/>
+                </p:nvSpPr>
+                <p:spPr>
+                  <a:xfrm>
+                    <a:off x="2966357" y="4673891"/>
+                    <a:ext cx="1543501" cy="518622"/>
+                  </a:xfrm>
+                  <a:prstGeom prst="rect">
+                    <a:avLst/>
+                  </a:prstGeom>
+                  <a:ln>
+                    <a:noFill/>
+                  </a:ln>
+                </p:spPr>
+                <p:style>
+                  <a:lnRef idx="2">
+                    <a:schemeClr val="dk1"/>
+                  </a:lnRef>
+                  <a:fillRef idx="1">
+                    <a:schemeClr val="lt1"/>
+                  </a:fillRef>
+                  <a:effectRef idx="0">
+                    <a:schemeClr val="dk1"/>
+                  </a:effectRef>
+                  <a:fontRef idx="minor">
+                    <a:schemeClr val="dk1"/>
+                  </a:fontRef>
+                </p:style>
+                <p:txBody>
+                  <a:bodyPr lIns="0" tIns="0" rIns="0" bIns="0" rtlCol="0" anchor="ctr"/>
+                  <a:lstStyle/>
+                  <a:p>
+                    <a:pPr algn="ctr"/>
+                    <a14:m>
+                      <m:oMath xmlns:m="http://schemas.openxmlformats.org/officeDocument/2006/math">
+                        <m:r>
+                          <a:rPr lang="en-AU" sz="4400" i="1">
+                            <a:ln w="0"/>
+                            <a:solidFill>
+                              <a:schemeClr val="tx1"/>
+                            </a:solidFill>
+                            <a:effectLst>
+                              <a:outerShdw blurRad="38100" dist="19050" dir="2700000" algn="tl" rotWithShape="0">
+                                <a:schemeClr val="dk1">
+                                  <a:alpha val="40000"/>
+                                </a:schemeClr>
+                              </a:outerShdw>
+                            </a:effectLst>
+                            <a:latin typeface="Cambria Math" panose="02040503050406030204" pitchFamily="18" charset="0"/>
+                            <a:ea typeface="Cambria Math" panose="02040503050406030204" pitchFamily="18" charset="0"/>
+                          </a:rPr>
+                          <m:t>𝜀</m:t>
+                        </m:r>
+                        <m:r>
+                          <a:rPr lang="en-AU" sz="4400" i="1">
+                            <a:ln w="0"/>
+                            <a:solidFill>
+                              <a:schemeClr val="tx1"/>
+                            </a:solidFill>
+                            <a:effectLst>
+                              <a:outerShdw blurRad="38100" dist="19050" dir="2700000" algn="tl" rotWithShape="0">
+                                <a:schemeClr val="dk1">
+                                  <a:alpha val="40000"/>
+                                </a:schemeClr>
+                              </a:outerShdw>
+                            </a:effectLst>
+                            <a:latin typeface="Cambria Math" panose="02040503050406030204" pitchFamily="18" charset="0"/>
+                            <a:ea typeface="Cambria Math" panose="02040503050406030204" pitchFamily="18" charset="0"/>
+                          </a:rPr>
+                          <m:t> </m:t>
+                        </m:r>
+                      </m:oMath>
+                    </a14:m>
+                    <a:r>
+                      <a:rPr lang="en-AU" sz="4400" dirty="0">
+                        <a:ln w="0"/>
+                        <a:solidFill>
+                          <a:schemeClr val="tx1"/>
+                        </a:solidFill>
+                        <a:effectLst>
+                          <a:outerShdw blurRad="38100" dist="19050" dir="2700000" algn="tl" rotWithShape="0">
+                            <a:schemeClr val="dk1">
+                              <a:alpha val="40000"/>
+                            </a:schemeClr>
+                          </a:outerShdw>
+                        </a:effectLst>
+                      </a:rPr>
+                      <a:t>(-ve)</a:t>
+                    </a:r>
+                  </a:p>
+                </p:txBody>
+              </p:sp>
+            </mc:Choice>
+            <mc:Fallback xmlns="">
+              <p:sp>
+                <p:nvSpPr>
+                  <p:cNvPr id="280" name="Rectangle 279">
+                    <a:extLst>
+                      <a:ext uri="{FF2B5EF4-FFF2-40B4-BE49-F238E27FC236}">
+                        <a16:creationId xmlns:a16="http://schemas.microsoft.com/office/drawing/2014/main" id="{18B53EC6-A027-407A-A53C-F30602242756}"/>
+                      </a:ext>
+                    </a:extLst>
+                  </p:cNvPr>
+                  <p:cNvSpPr>
+                    <a:spLocks noRot="1" noChangeAspect="1" noMove="1" noResize="1" noEditPoints="1" noAdjustHandles="1" noChangeArrowheads="1" noChangeShapeType="1" noTextEdit="1"/>
+                  </p:cNvSpPr>
+                  <p:nvPr/>
+                </p:nvSpPr>
+                <p:spPr>
+                  <a:xfrm>
+                    <a:off x="2966357" y="4673891"/>
+                    <a:ext cx="1543501" cy="518622"/>
+                  </a:xfrm>
+                  <a:prstGeom prst="rect">
+                    <a:avLst/>
+                  </a:prstGeom>
+                  <a:blipFill>
+                    <a:blip r:embed="rId3"/>
+                    <a:stretch>
+                      <a:fillRect t="-51765" r="-20553" b="-87059"/>
+                    </a:stretch>
+                  </a:blipFill>
+                  <a:ln>
+                    <a:noFill/>
+                  </a:ln>
+                </p:spPr>
+                <p:txBody>
+                  <a:bodyPr/>
+                  <a:lstStyle/>
+                  <a:p>
+                    <a:r>
+                      <a:rPr lang="en-AU">
+                        <a:noFill/>
+                      </a:rPr>
+                      <a:t> </a:t>
+                    </a:r>
+                  </a:p>
+                </p:txBody>
+              </p:sp>
+            </mc:Fallback>
+          </mc:AlternateContent>
+        </p:grpSp>
+      </p:grpSp>
+      <p:grpSp>
+        <p:nvGrpSpPr>
+          <p:cNvPr id="316" name="Group 315">
+            <a:extLst>
+              <a:ext uri="{FF2B5EF4-FFF2-40B4-BE49-F238E27FC236}">
+                <a16:creationId xmlns:a16="http://schemas.microsoft.com/office/drawing/2014/main" id="{7C0C3EB0-4600-4F8E-910F-93D8DA178755}"/>
+              </a:ext>
+            </a:extLst>
+          </p:cNvPr>
+          <p:cNvGrpSpPr/>
+          <p:nvPr/>
+        </p:nvGrpSpPr>
+        <p:grpSpPr>
+          <a:xfrm>
+            <a:off x="5386994" y="-394026"/>
+            <a:ext cx="14025112" cy="7502992"/>
+            <a:chOff x="5386994" y="-394026"/>
+            <a:chExt cx="14025112" cy="7502992"/>
+          </a:xfrm>
+        </p:grpSpPr>
+        <p:sp>
+          <p:nvSpPr>
+            <p:cNvPr id="265" name="Rectangle: Rounded Corners 264">
+              <a:extLst>
+                <a:ext uri="{FF2B5EF4-FFF2-40B4-BE49-F238E27FC236}">
+                  <a16:creationId xmlns:a16="http://schemas.microsoft.com/office/drawing/2014/main" id="{4A9851E3-EA0A-4FF7-97ED-6FF99B3BC401}"/>
+                </a:ext>
+              </a:extLst>
+            </p:cNvPr>
+            <p:cNvSpPr/>
+            <p:nvPr/>
+          </p:nvSpPr>
+          <p:spPr>
+            <a:xfrm>
+              <a:off x="8986994" y="1539439"/>
+              <a:ext cx="1453656" cy="5569527"/>
+            </a:xfrm>
+            <a:prstGeom prst="roundRect">
+              <a:avLst/>
+            </a:prstGeom>
+            <a:ln w="28575">
+              <a:solidFill>
+                <a:schemeClr val="accent2"/>
+              </a:solidFill>
+              <a:prstDash val="sysDot"/>
+              <a:headEnd type="none" w="med" len="med"/>
+              <a:tailEnd type="none" w="med" len="med"/>
+            </a:ln>
+          </p:spPr>
+          <p:style>
+            <a:lnRef idx="3">
+              <a:schemeClr val="dk1"/>
+            </a:lnRef>
+            <a:fillRef idx="0">
+              <a:schemeClr val="dk1"/>
+            </a:fillRef>
+            <a:effectRef idx="2">
+              <a:schemeClr val="dk1"/>
+            </a:effectRef>
+            <a:fontRef idx="minor">
+              <a:schemeClr val="tx1"/>
+            </a:fontRef>
+          </p:style>
+          <p:txBody>
+            <a:bodyPr rot="0" spcFirstLastPara="0" vertOverflow="overflow" horzOverflow="overflow" vert="horz" wrap="square" lIns="91440" tIns="45720" rIns="91440" bIns="45720" numCol="1" spcCol="0" rtlCol="0" fromWordArt="0" anchor="b" anchorCtr="0" forceAA="0" compatLnSpc="1">
+              <a:prstTxWarp prst="textNoShape">
+                <a:avLst/>
+              </a:prstTxWarp>
+              <a:noAutofit/>
+            </a:bodyPr>
+            <a:lstStyle/>
+            <a:p>
+              <a:pPr algn="ctr"/>
+              <a:r>
+                <a:rPr lang="en-AU" dirty="0">
+                  <a:solidFill>
+                    <a:schemeClr val="accent2"/>
+                  </a:solidFill>
+                  <a:latin typeface="Consolas" panose="020B0609020204030204" pitchFamily="49" charset="0"/>
+                </a:rPr>
+                <a:t>Sensor 3</a:t>
+              </a:r>
+            </a:p>
+          </p:txBody>
+        </p:sp>
+        <p:sp>
+          <p:nvSpPr>
+            <p:cNvPr id="35" name="Flowchart: Alternate Process 34">
+              <a:extLst>
+                <a:ext uri="{FF2B5EF4-FFF2-40B4-BE49-F238E27FC236}">
+                  <a16:creationId xmlns:a16="http://schemas.microsoft.com/office/drawing/2014/main" id="{3B765207-A2AC-41BC-9794-E4840C8870CE}"/>
+                </a:ext>
+              </a:extLst>
+            </p:cNvPr>
+            <p:cNvSpPr/>
+            <p:nvPr/>
+          </p:nvSpPr>
+          <p:spPr>
+            <a:xfrm>
+              <a:off x="5657472" y="-16798"/>
+              <a:ext cx="900000" cy="900000"/>
+            </a:xfrm>
+            <a:prstGeom prst="flowChartAlternateProcess">
+              <a:avLst/>
+            </a:prstGeom>
+            <a:ln w="19050"/>
+          </p:spPr>
+          <p:style>
+            <a:lnRef idx="2">
+              <a:schemeClr val="dk1"/>
+            </a:lnRef>
+            <a:fillRef idx="1">
+              <a:schemeClr val="lt1"/>
+            </a:fillRef>
+            <a:effectRef idx="0">
+              <a:schemeClr val="dk1"/>
+            </a:effectRef>
+            <a:fontRef idx="minor">
+              <a:schemeClr val="dk1"/>
+            </a:fontRef>
+          </p:style>
+          <p:txBody>
+            <a:bodyPr rot="0" spcFirstLastPara="0" vertOverflow="overflow" horzOverflow="overflow" vert="horz" wrap="square" lIns="0" tIns="0" rIns="0" bIns="0" numCol="1" spcCol="0" rtlCol="0" fromWordArt="0" anchor="ctr" anchorCtr="0" forceAA="0" compatLnSpc="1">
+              <a:prstTxWarp prst="textNoShape">
+                <a:avLst/>
+              </a:prstTxWarp>
+              <a:noAutofit/>
+            </a:bodyPr>
+            <a:lstStyle/>
+            <a:p>
+              <a:pPr algn="ctr"/>
+              <a:r>
+                <a:rPr lang="en-AU" sz="5400" dirty="0">
+                  <a:solidFill>
+                    <a:srgbClr val="C00000"/>
+                  </a:solidFill>
+                  <a:latin typeface="Consolas" panose="020B0609020204030204" pitchFamily="49" charset="0"/>
+                  <a:ea typeface="Yu Gothic" panose="020B0400000000000000" pitchFamily="34" charset="-128"/>
+                </a:rPr>
+                <a:t>E+</a:t>
+              </a:r>
+            </a:p>
+          </p:txBody>
+        </p:sp>
+        <p:sp>
+          <p:nvSpPr>
+            <p:cNvPr id="41" name="Flowchart: Alternate Process 40">
+              <a:extLst>
+                <a:ext uri="{FF2B5EF4-FFF2-40B4-BE49-F238E27FC236}">
+                  <a16:creationId xmlns:a16="http://schemas.microsoft.com/office/drawing/2014/main" id="{94ED04FA-6AD4-4482-BCDC-FB195B49E4F6}"/>
+                </a:ext>
+              </a:extLst>
+            </p:cNvPr>
+            <p:cNvSpPr/>
+            <p:nvPr/>
+          </p:nvSpPr>
+          <p:spPr>
+            <a:xfrm>
+              <a:off x="7457472" y="-16798"/>
+              <a:ext cx="900000" cy="900000"/>
+            </a:xfrm>
+            <a:prstGeom prst="flowChartAlternateProcess">
+              <a:avLst/>
+            </a:prstGeom>
+            <a:ln w="19050"/>
+          </p:spPr>
+          <p:style>
+            <a:lnRef idx="2">
+              <a:schemeClr val="dk1"/>
+            </a:lnRef>
+            <a:fillRef idx="1">
+              <a:schemeClr val="lt1"/>
+            </a:fillRef>
+            <a:effectRef idx="0">
+              <a:schemeClr val="dk1"/>
+            </a:effectRef>
+            <a:fontRef idx="minor">
+              <a:schemeClr val="dk1"/>
+            </a:fontRef>
+          </p:style>
+          <p:txBody>
+            <a:bodyPr rot="0" spcFirstLastPara="0" vertOverflow="overflow" horzOverflow="overflow" vert="horz" wrap="square" lIns="0" tIns="0" rIns="0" bIns="0" numCol="1" spcCol="0" rtlCol="0" fromWordArt="0" anchor="ctr" anchorCtr="0" forceAA="0" compatLnSpc="1">
+              <a:prstTxWarp prst="textNoShape">
+                <a:avLst/>
+              </a:prstTxWarp>
+              <a:noAutofit/>
+            </a:bodyPr>
+            <a:lstStyle/>
+            <a:p>
+              <a:pPr algn="ctr"/>
+              <a:r>
+                <a:rPr lang="en-AU" sz="5400" dirty="0">
+                  <a:solidFill>
+                    <a:schemeClr val="accent5"/>
+                  </a:solidFill>
+                  <a:latin typeface="Consolas" panose="020B0609020204030204" pitchFamily="49" charset="0"/>
+                  <a:ea typeface="Yu Gothic" panose="020B0400000000000000" pitchFamily="34" charset="-128"/>
+                </a:rPr>
+                <a:t>A+</a:t>
+              </a:r>
+            </a:p>
+          </p:txBody>
+        </p:sp>
+        <p:sp>
+          <p:nvSpPr>
+            <p:cNvPr id="47" name="Flowchart: Alternate Process 46">
+              <a:extLst>
+                <a:ext uri="{FF2B5EF4-FFF2-40B4-BE49-F238E27FC236}">
+                  <a16:creationId xmlns:a16="http://schemas.microsoft.com/office/drawing/2014/main" id="{16C2E3F7-30EF-4F0C-95B7-9F19DA7CB21C}"/>
+                </a:ext>
+              </a:extLst>
+            </p:cNvPr>
+            <p:cNvSpPr/>
+            <p:nvPr/>
+          </p:nvSpPr>
+          <p:spPr>
+            <a:xfrm>
+              <a:off x="9257472" y="-16798"/>
+              <a:ext cx="900000" cy="900000"/>
+            </a:xfrm>
+            <a:prstGeom prst="flowChartAlternateProcess">
+              <a:avLst/>
+            </a:prstGeom>
+            <a:ln w="19050"/>
+          </p:spPr>
+          <p:style>
+            <a:lnRef idx="2">
+              <a:schemeClr val="dk1"/>
+            </a:lnRef>
+            <a:fillRef idx="1">
+              <a:schemeClr val="lt1"/>
+            </a:fillRef>
+            <a:effectRef idx="0">
+              <a:schemeClr val="dk1"/>
+            </a:effectRef>
+            <a:fontRef idx="minor">
+              <a:schemeClr val="dk1"/>
+            </a:fontRef>
+          </p:style>
+          <p:txBody>
+            <a:bodyPr rot="0" spcFirstLastPara="0" vertOverflow="overflow" horzOverflow="overflow" vert="horz" wrap="square" lIns="0" tIns="0" rIns="0" bIns="0" numCol="1" spcCol="0" rtlCol="0" fromWordArt="0" anchor="ctr" anchorCtr="0" forceAA="0" compatLnSpc="1">
+              <a:prstTxWarp prst="textNoShape">
+                <a:avLst/>
+              </a:prstTxWarp>
+              <a:noAutofit/>
+            </a:bodyPr>
+            <a:lstStyle/>
+            <a:p>
+              <a:pPr algn="ctr"/>
+              <a:r>
+                <a:rPr lang="en-AU" sz="5400" dirty="0">
+                  <a:solidFill>
+                    <a:schemeClr val="accent5"/>
+                  </a:solidFill>
+                  <a:latin typeface="Consolas" panose="020B0609020204030204" pitchFamily="49" charset="0"/>
+                  <a:ea typeface="Yu Gothic" panose="020B0400000000000000" pitchFamily="34" charset="-128"/>
+                </a:rPr>
+                <a:t>A-</a:t>
+              </a:r>
+            </a:p>
+          </p:txBody>
+        </p:sp>
+        <p:sp>
+          <p:nvSpPr>
+            <p:cNvPr id="53" name="Flowchart: Alternate Process 52">
+              <a:extLst>
+                <a:ext uri="{FF2B5EF4-FFF2-40B4-BE49-F238E27FC236}">
+                  <a16:creationId xmlns:a16="http://schemas.microsoft.com/office/drawing/2014/main" id="{5C493EF2-888A-4116-A7BF-1410E81A54E0}"/>
+                </a:ext>
+              </a:extLst>
+            </p:cNvPr>
+            <p:cNvSpPr/>
+            <p:nvPr/>
+          </p:nvSpPr>
+          <p:spPr>
+            <a:xfrm>
+              <a:off x="11057472" y="-16798"/>
+              <a:ext cx="900000" cy="900000"/>
+            </a:xfrm>
+            <a:prstGeom prst="flowChartAlternateProcess">
+              <a:avLst/>
+            </a:prstGeom>
+            <a:ln w="19050"/>
+          </p:spPr>
+          <p:style>
+            <a:lnRef idx="2">
+              <a:schemeClr val="dk1"/>
+            </a:lnRef>
+            <a:fillRef idx="1">
+              <a:schemeClr val="lt1"/>
+            </a:fillRef>
+            <a:effectRef idx="0">
+              <a:schemeClr val="dk1"/>
+            </a:effectRef>
+            <a:fontRef idx="minor">
+              <a:schemeClr val="dk1"/>
+            </a:fontRef>
+          </p:style>
+          <p:txBody>
+            <a:bodyPr rot="0" spcFirstLastPara="0" vertOverflow="overflow" horzOverflow="overflow" vert="horz" wrap="square" lIns="0" tIns="0" rIns="0" bIns="0" numCol="1" spcCol="0" rtlCol="0" fromWordArt="0" anchor="ctr" anchorCtr="0" forceAA="0" compatLnSpc="1">
+              <a:prstTxWarp prst="textNoShape">
+                <a:avLst/>
+              </a:prstTxWarp>
+              <a:noAutofit/>
+            </a:bodyPr>
+            <a:lstStyle/>
+            <a:p>
+              <a:pPr algn="ctr"/>
+              <a:r>
+                <a:rPr lang="en-AU" sz="5400" dirty="0">
+                  <a:solidFill>
+                    <a:srgbClr val="C00000"/>
+                  </a:solidFill>
+                  <a:latin typeface="Consolas" panose="020B0609020204030204" pitchFamily="49" charset="0"/>
+                  <a:ea typeface="Yu Gothic" panose="020B0400000000000000" pitchFamily="34" charset="-128"/>
+                </a:rPr>
+                <a:t>E-</a:t>
+              </a:r>
+            </a:p>
+          </p:txBody>
+        </p:sp>
+        <p:sp>
+          <p:nvSpPr>
+            <p:cNvPr id="56" name="Flowchart: Alternate Process 55">
+              <a:extLst>
+                <a:ext uri="{FF2B5EF4-FFF2-40B4-BE49-F238E27FC236}">
+                  <a16:creationId xmlns:a16="http://schemas.microsoft.com/office/drawing/2014/main" id="{52813CBD-666A-4C35-95A9-28BA6A071711}"/>
+                </a:ext>
+              </a:extLst>
+            </p:cNvPr>
+            <p:cNvSpPr/>
+            <p:nvPr/>
+          </p:nvSpPr>
+          <p:spPr>
+            <a:xfrm>
+              <a:off x="5657472" y="1783202"/>
+              <a:ext cx="900000" cy="900000"/>
+            </a:xfrm>
+            <a:prstGeom prst="flowChartAlternateProcess">
+              <a:avLst/>
+            </a:prstGeom>
+            <a:ln w="19050"/>
+          </p:spPr>
+          <p:style>
+            <a:lnRef idx="2">
+              <a:schemeClr val="dk1"/>
+            </a:lnRef>
+            <a:fillRef idx="1">
+              <a:schemeClr val="lt1"/>
+            </a:fillRef>
+            <a:effectRef idx="0">
+              <a:schemeClr val="dk1"/>
+            </a:effectRef>
+            <a:fontRef idx="minor">
+              <a:schemeClr val="dk1"/>
+            </a:fontRef>
+          </p:style>
+          <p:txBody>
+            <a:bodyPr rot="0" spcFirstLastPara="0" vertOverflow="overflow" horzOverflow="overflow" vert="horz" wrap="square" lIns="0" tIns="0" rIns="0" bIns="0" numCol="1" spcCol="0" rtlCol="0" fromWordArt="0" anchor="ctr" anchorCtr="0" forceAA="0" compatLnSpc="1">
+              <a:prstTxWarp prst="textNoShape">
+                <a:avLst/>
+              </a:prstTxWarp>
+              <a:noAutofit/>
+            </a:bodyPr>
+            <a:lstStyle/>
+            <a:p>
+              <a:pPr algn="ctr"/>
+              <a:r>
+                <a:rPr lang="en-AU" sz="5400" dirty="0">
+                  <a:solidFill>
+                    <a:srgbClr val="C00000"/>
+                  </a:solidFill>
+                  <a:latin typeface="Consolas" panose="020B0609020204030204" pitchFamily="49" charset="0"/>
+                  <a:ea typeface="Yu Gothic" panose="020B0400000000000000" pitchFamily="34" charset="-128"/>
+                </a:rPr>
+                <a:t>C1</a:t>
+              </a:r>
+            </a:p>
+          </p:txBody>
+        </p:sp>
+        <p:sp>
+          <p:nvSpPr>
+            <p:cNvPr id="57" name="Flowchart: Alternate Process 56">
+              <a:extLst>
+                <a:ext uri="{FF2B5EF4-FFF2-40B4-BE49-F238E27FC236}">
+                  <a16:creationId xmlns:a16="http://schemas.microsoft.com/office/drawing/2014/main" id="{C4EC0FB6-179A-4C0F-9800-21B42456FF23}"/>
+                </a:ext>
+              </a:extLst>
+            </p:cNvPr>
+            <p:cNvSpPr/>
+            <p:nvPr/>
+          </p:nvSpPr>
+          <p:spPr>
+            <a:xfrm>
+              <a:off x="5657472" y="3583202"/>
+              <a:ext cx="900000" cy="900000"/>
+            </a:xfrm>
+            <a:prstGeom prst="flowChartAlternateProcess">
+              <a:avLst/>
+            </a:prstGeom>
+            <a:ln w="19050"/>
+          </p:spPr>
+          <p:style>
+            <a:lnRef idx="2">
+              <a:schemeClr val="dk1"/>
+            </a:lnRef>
+            <a:fillRef idx="1">
+              <a:schemeClr val="lt1"/>
+            </a:fillRef>
+            <a:effectRef idx="0">
+              <a:schemeClr val="dk1"/>
+            </a:effectRef>
+            <a:fontRef idx="minor">
+              <a:schemeClr val="dk1"/>
+            </a:fontRef>
+          </p:style>
+          <p:txBody>
+            <a:bodyPr rot="0" spcFirstLastPara="0" vertOverflow="overflow" horzOverflow="overflow" vert="horz" wrap="square" lIns="0" tIns="0" rIns="0" bIns="0" numCol="1" spcCol="0" rtlCol="0" fromWordArt="0" anchor="ctr" anchorCtr="0" forceAA="0" compatLnSpc="1">
+              <a:prstTxWarp prst="textNoShape">
+                <a:avLst/>
+              </a:prstTxWarp>
+              <a:noAutofit/>
+            </a:bodyPr>
+            <a:lstStyle/>
+            <a:p>
+              <a:pPr algn="ctr"/>
+              <a:r>
+                <a:rPr lang="en-AU" sz="5400" dirty="0">
+                  <a:solidFill>
+                    <a:schemeClr val="accent2"/>
+                  </a:solidFill>
+                  <a:latin typeface="Consolas" panose="020B0609020204030204" pitchFamily="49" charset="0"/>
+                  <a:ea typeface="Yu Gothic" panose="020B0400000000000000" pitchFamily="34" charset="-128"/>
+                </a:rPr>
+                <a:t>+1</a:t>
+              </a:r>
+            </a:p>
+          </p:txBody>
+        </p:sp>
+        <p:sp>
+          <p:nvSpPr>
+            <p:cNvPr id="58" name="Flowchart: Alternate Process 57">
+              <a:extLst>
+                <a:ext uri="{FF2B5EF4-FFF2-40B4-BE49-F238E27FC236}">
+                  <a16:creationId xmlns:a16="http://schemas.microsoft.com/office/drawing/2014/main" id="{32DEA306-881E-4C26-87E5-FAE921B25507}"/>
+                </a:ext>
+              </a:extLst>
+            </p:cNvPr>
+            <p:cNvSpPr/>
+            <p:nvPr/>
+          </p:nvSpPr>
+          <p:spPr>
+            <a:xfrm>
+              <a:off x="5657472" y="5383202"/>
+              <a:ext cx="900000" cy="900000"/>
+            </a:xfrm>
+            <a:prstGeom prst="flowChartAlternateProcess">
+              <a:avLst/>
+            </a:prstGeom>
+            <a:ln w="19050"/>
+          </p:spPr>
+          <p:style>
+            <a:lnRef idx="2">
+              <a:schemeClr val="dk1"/>
+            </a:lnRef>
+            <a:fillRef idx="1">
+              <a:schemeClr val="lt1"/>
+            </a:fillRef>
+            <a:effectRef idx="0">
+              <a:schemeClr val="dk1"/>
+            </a:effectRef>
+            <a:fontRef idx="minor">
+              <a:schemeClr val="dk1"/>
+            </a:fontRef>
+          </p:style>
+          <p:txBody>
+            <a:bodyPr rot="0" spcFirstLastPara="0" vertOverflow="overflow" horzOverflow="overflow" vert="horz" wrap="square" lIns="0" tIns="0" rIns="0" bIns="0" numCol="1" spcCol="0" rtlCol="0" fromWordArt="0" anchor="ctr" anchorCtr="0" forceAA="0" compatLnSpc="1">
+              <a:prstTxWarp prst="textNoShape">
+                <a:avLst/>
+              </a:prstTxWarp>
+              <a:noAutofit/>
+            </a:bodyPr>
+            <a:lstStyle/>
+            <a:p>
+              <a:pPr algn="ctr"/>
+              <a:r>
+                <a:rPr lang="en-AU" sz="5400" dirty="0">
+                  <a:solidFill>
+                    <a:schemeClr val="accent6"/>
+                  </a:solidFill>
+                  <a:latin typeface="Consolas" panose="020B0609020204030204" pitchFamily="49" charset="0"/>
+                  <a:ea typeface="Yu Gothic" panose="020B0400000000000000" pitchFamily="34" charset="-128"/>
+                </a:rPr>
+                <a:t>-1</a:t>
+              </a:r>
+            </a:p>
+          </p:txBody>
+        </p:sp>
+        <p:sp>
+          <p:nvSpPr>
+            <p:cNvPr id="59" name="Flowchart: Alternate Process 58">
+              <a:extLst>
+                <a:ext uri="{FF2B5EF4-FFF2-40B4-BE49-F238E27FC236}">
+                  <a16:creationId xmlns:a16="http://schemas.microsoft.com/office/drawing/2014/main" id="{4157983E-711F-4F57-B1E2-C0987C79ADCB}"/>
+                </a:ext>
+              </a:extLst>
+            </p:cNvPr>
+            <p:cNvSpPr/>
+            <p:nvPr/>
+          </p:nvSpPr>
+          <p:spPr>
+            <a:xfrm>
+              <a:off x="7457472" y="1783202"/>
+              <a:ext cx="900000" cy="900000"/>
+            </a:xfrm>
+            <a:prstGeom prst="flowChartAlternateProcess">
+              <a:avLst/>
+            </a:prstGeom>
+            <a:ln w="19050"/>
+          </p:spPr>
+          <p:style>
+            <a:lnRef idx="2">
+              <a:schemeClr val="dk1"/>
+            </a:lnRef>
+            <a:fillRef idx="1">
+              <a:schemeClr val="lt1"/>
+            </a:fillRef>
+            <a:effectRef idx="0">
+              <a:schemeClr val="dk1"/>
+            </a:effectRef>
+            <a:fontRef idx="minor">
+              <a:schemeClr val="dk1"/>
+            </a:fontRef>
+          </p:style>
+          <p:txBody>
+            <a:bodyPr rot="0" spcFirstLastPara="0" vertOverflow="overflow" horzOverflow="overflow" vert="horz" wrap="square" lIns="0" tIns="0" rIns="0" bIns="0" numCol="1" spcCol="0" rtlCol="0" fromWordArt="0" anchor="ctr" anchorCtr="0" forceAA="0" compatLnSpc="1">
+              <a:prstTxWarp prst="textNoShape">
+                <a:avLst/>
+              </a:prstTxWarp>
+              <a:noAutofit/>
+            </a:bodyPr>
+            <a:lstStyle/>
+            <a:p>
+              <a:pPr algn="ctr"/>
+              <a:r>
+                <a:rPr lang="en-AU" sz="5400" dirty="0">
+                  <a:solidFill>
+                    <a:schemeClr val="accent5"/>
+                  </a:solidFill>
+                  <a:latin typeface="Consolas" panose="020B0609020204030204" pitchFamily="49" charset="0"/>
+                  <a:ea typeface="Yu Gothic" panose="020B0400000000000000" pitchFamily="34" charset="-128"/>
+                </a:rPr>
+                <a:t>C2</a:t>
+              </a:r>
+            </a:p>
+          </p:txBody>
+        </p:sp>
+        <p:sp>
+          <p:nvSpPr>
+            <p:cNvPr id="60" name="Flowchart: Alternate Process 59">
+              <a:extLst>
+                <a:ext uri="{FF2B5EF4-FFF2-40B4-BE49-F238E27FC236}">
+                  <a16:creationId xmlns:a16="http://schemas.microsoft.com/office/drawing/2014/main" id="{B3EC1E91-EFA1-40D1-9085-BA505872147E}"/>
+                </a:ext>
+              </a:extLst>
+            </p:cNvPr>
+            <p:cNvSpPr/>
+            <p:nvPr/>
+          </p:nvSpPr>
+          <p:spPr>
+            <a:xfrm>
+              <a:off x="7457472" y="3583202"/>
+              <a:ext cx="900000" cy="900000"/>
+            </a:xfrm>
+            <a:prstGeom prst="flowChartAlternateProcess">
+              <a:avLst/>
+            </a:prstGeom>
+            <a:ln w="19050"/>
+          </p:spPr>
+          <p:style>
+            <a:lnRef idx="2">
+              <a:schemeClr val="dk1"/>
+            </a:lnRef>
+            <a:fillRef idx="1">
+              <a:schemeClr val="lt1"/>
+            </a:fillRef>
+            <a:effectRef idx="0">
+              <a:schemeClr val="dk1"/>
+            </a:effectRef>
+            <a:fontRef idx="minor">
+              <a:schemeClr val="dk1"/>
+            </a:fontRef>
+          </p:style>
+          <p:txBody>
+            <a:bodyPr rot="0" spcFirstLastPara="0" vertOverflow="overflow" horzOverflow="overflow" vert="horz" wrap="square" lIns="0" tIns="0" rIns="0" bIns="0" numCol="1" spcCol="0" rtlCol="0" fromWordArt="0" anchor="ctr" anchorCtr="0" forceAA="0" compatLnSpc="1">
+              <a:prstTxWarp prst="textNoShape">
+                <a:avLst/>
+              </a:prstTxWarp>
+              <a:noAutofit/>
+            </a:bodyPr>
+            <a:lstStyle/>
+            <a:p>
+              <a:pPr algn="ctr"/>
+              <a:r>
+                <a:rPr lang="en-AU" sz="5400" dirty="0">
+                  <a:solidFill>
+                    <a:schemeClr val="accent2"/>
+                  </a:solidFill>
+                  <a:latin typeface="Consolas" panose="020B0609020204030204" pitchFamily="49" charset="0"/>
+                  <a:ea typeface="Yu Gothic" panose="020B0400000000000000" pitchFamily="34" charset="-128"/>
+                </a:rPr>
+                <a:t>+2</a:t>
+              </a:r>
+            </a:p>
+          </p:txBody>
+        </p:sp>
+        <p:sp>
+          <p:nvSpPr>
+            <p:cNvPr id="61" name="Flowchart: Alternate Process 60">
+              <a:extLst>
+                <a:ext uri="{FF2B5EF4-FFF2-40B4-BE49-F238E27FC236}">
+                  <a16:creationId xmlns:a16="http://schemas.microsoft.com/office/drawing/2014/main" id="{186990A6-15D1-47F1-A358-5E09A3AD1307}"/>
+                </a:ext>
+              </a:extLst>
+            </p:cNvPr>
+            <p:cNvSpPr/>
+            <p:nvPr/>
+          </p:nvSpPr>
+          <p:spPr>
+            <a:xfrm>
+              <a:off x="7457472" y="5383202"/>
+              <a:ext cx="900000" cy="900000"/>
+            </a:xfrm>
+            <a:prstGeom prst="flowChartAlternateProcess">
+              <a:avLst/>
+            </a:prstGeom>
+            <a:ln w="19050"/>
+          </p:spPr>
+          <p:style>
+            <a:lnRef idx="2">
+              <a:schemeClr val="dk1"/>
+            </a:lnRef>
+            <a:fillRef idx="1">
+              <a:schemeClr val="lt1"/>
+            </a:fillRef>
+            <a:effectRef idx="0">
+              <a:schemeClr val="dk1"/>
+            </a:effectRef>
+            <a:fontRef idx="minor">
+              <a:schemeClr val="dk1"/>
+            </a:fontRef>
+          </p:style>
+          <p:txBody>
+            <a:bodyPr rot="0" spcFirstLastPara="0" vertOverflow="overflow" horzOverflow="overflow" vert="horz" wrap="square" lIns="0" tIns="0" rIns="0" bIns="0" numCol="1" spcCol="0" rtlCol="0" fromWordArt="0" anchor="ctr" anchorCtr="0" forceAA="0" compatLnSpc="1">
+              <a:prstTxWarp prst="textNoShape">
+                <a:avLst/>
+              </a:prstTxWarp>
+              <a:noAutofit/>
+            </a:bodyPr>
+            <a:lstStyle/>
+            <a:p>
+              <a:pPr algn="ctr"/>
+              <a:r>
+                <a:rPr lang="en-AU" sz="5400" dirty="0">
+                  <a:solidFill>
+                    <a:schemeClr val="accent4"/>
+                  </a:solidFill>
+                  <a:latin typeface="Consolas" panose="020B0609020204030204" pitchFamily="49" charset="0"/>
+                  <a:ea typeface="Yu Gothic" panose="020B0400000000000000" pitchFamily="34" charset="-128"/>
+                </a:rPr>
+                <a:t>-2</a:t>
+              </a:r>
+            </a:p>
+          </p:txBody>
+        </p:sp>
+        <p:sp>
+          <p:nvSpPr>
+            <p:cNvPr id="62" name="Flowchart: Alternate Process 61">
+              <a:extLst>
+                <a:ext uri="{FF2B5EF4-FFF2-40B4-BE49-F238E27FC236}">
+                  <a16:creationId xmlns:a16="http://schemas.microsoft.com/office/drawing/2014/main" id="{09226B8D-B2AD-47E1-BD36-43BEBF4EE78B}"/>
+                </a:ext>
+              </a:extLst>
+            </p:cNvPr>
+            <p:cNvSpPr/>
+            <p:nvPr/>
+          </p:nvSpPr>
+          <p:spPr>
+            <a:xfrm>
+              <a:off x="9257472" y="1783202"/>
+              <a:ext cx="900000" cy="900000"/>
+            </a:xfrm>
+            <a:prstGeom prst="flowChartAlternateProcess">
+              <a:avLst/>
+            </a:prstGeom>
+            <a:ln w="19050"/>
+          </p:spPr>
+          <p:style>
+            <a:lnRef idx="2">
+              <a:schemeClr val="dk1"/>
+            </a:lnRef>
+            <a:fillRef idx="1">
+              <a:schemeClr val="lt1"/>
+            </a:fillRef>
+            <a:effectRef idx="0">
+              <a:schemeClr val="dk1"/>
+            </a:effectRef>
+            <a:fontRef idx="minor">
+              <a:schemeClr val="dk1"/>
+            </a:fontRef>
+          </p:style>
+          <p:txBody>
+            <a:bodyPr rot="0" spcFirstLastPara="0" vertOverflow="overflow" horzOverflow="overflow" vert="horz" wrap="square" lIns="0" tIns="0" rIns="0" bIns="0" numCol="1" spcCol="0" rtlCol="0" fromWordArt="0" anchor="ctr" anchorCtr="0" forceAA="0" compatLnSpc="1">
+              <a:prstTxWarp prst="textNoShape">
+                <a:avLst/>
+              </a:prstTxWarp>
+              <a:noAutofit/>
+            </a:bodyPr>
+            <a:lstStyle/>
+            <a:p>
+              <a:pPr algn="ctr"/>
+              <a:r>
+                <a:rPr lang="en-AU" sz="5400" dirty="0">
+                  <a:solidFill>
+                    <a:schemeClr val="accent5"/>
+                  </a:solidFill>
+                  <a:latin typeface="Consolas" panose="020B0609020204030204" pitchFamily="49" charset="0"/>
+                  <a:ea typeface="Yu Gothic" panose="020B0400000000000000" pitchFamily="34" charset="-128"/>
+                </a:rPr>
+                <a:t>C3</a:t>
+              </a:r>
+            </a:p>
+          </p:txBody>
+        </p:sp>
+        <p:sp>
+          <p:nvSpPr>
+            <p:cNvPr id="63" name="Flowchart: Alternate Process 62">
+              <a:extLst>
+                <a:ext uri="{FF2B5EF4-FFF2-40B4-BE49-F238E27FC236}">
+                  <a16:creationId xmlns:a16="http://schemas.microsoft.com/office/drawing/2014/main" id="{39482AA9-F347-4FDE-BB3C-80AAF6B4AF95}"/>
+                </a:ext>
+              </a:extLst>
+            </p:cNvPr>
+            <p:cNvSpPr/>
+            <p:nvPr/>
+          </p:nvSpPr>
+          <p:spPr>
+            <a:xfrm>
+              <a:off x="9257472" y="3583202"/>
+              <a:ext cx="900000" cy="900000"/>
+            </a:xfrm>
+            <a:prstGeom prst="flowChartAlternateProcess">
+              <a:avLst/>
+            </a:prstGeom>
+            <a:ln w="19050"/>
+          </p:spPr>
+          <p:style>
+            <a:lnRef idx="2">
+              <a:schemeClr val="dk1"/>
+            </a:lnRef>
+            <a:fillRef idx="1">
+              <a:schemeClr val="lt1"/>
+            </a:fillRef>
+            <a:effectRef idx="0">
+              <a:schemeClr val="dk1"/>
+            </a:effectRef>
+            <a:fontRef idx="minor">
+              <a:schemeClr val="dk1"/>
+            </a:fontRef>
+          </p:style>
+          <p:txBody>
+            <a:bodyPr rot="0" spcFirstLastPara="0" vertOverflow="overflow" horzOverflow="overflow" vert="horz" wrap="square" lIns="0" tIns="0" rIns="0" bIns="0" numCol="1" spcCol="0" rtlCol="0" fromWordArt="0" anchor="ctr" anchorCtr="0" forceAA="0" compatLnSpc="1">
+              <a:prstTxWarp prst="textNoShape">
+                <a:avLst/>
+              </a:prstTxWarp>
+              <a:noAutofit/>
+            </a:bodyPr>
+            <a:lstStyle/>
+            <a:p>
+              <a:pPr algn="ctr"/>
+              <a:r>
+                <a:rPr lang="en-AU" sz="5400" dirty="0">
+                  <a:solidFill>
+                    <a:srgbClr val="7030A0"/>
+                  </a:solidFill>
+                  <a:latin typeface="Consolas" panose="020B0609020204030204" pitchFamily="49" charset="0"/>
+                  <a:ea typeface="Yu Gothic" panose="020B0400000000000000" pitchFamily="34" charset="-128"/>
+                </a:rPr>
+                <a:t>+3</a:t>
+              </a:r>
+            </a:p>
+          </p:txBody>
+        </p:sp>
+        <p:sp>
+          <p:nvSpPr>
+            <p:cNvPr id="64" name="Flowchart: Alternate Process 63">
+              <a:extLst>
+                <a:ext uri="{FF2B5EF4-FFF2-40B4-BE49-F238E27FC236}">
+                  <a16:creationId xmlns:a16="http://schemas.microsoft.com/office/drawing/2014/main" id="{F4D0AF00-A2A5-444A-947B-1B5DB47B67AF}"/>
+                </a:ext>
+              </a:extLst>
+            </p:cNvPr>
+            <p:cNvSpPr/>
+            <p:nvPr/>
+          </p:nvSpPr>
+          <p:spPr>
+            <a:xfrm>
+              <a:off x="9257472" y="5383202"/>
+              <a:ext cx="900000" cy="900000"/>
+            </a:xfrm>
+            <a:prstGeom prst="flowChartAlternateProcess">
+              <a:avLst/>
+            </a:prstGeom>
+            <a:ln w="19050"/>
+          </p:spPr>
+          <p:style>
+            <a:lnRef idx="2">
+              <a:schemeClr val="dk1"/>
+            </a:lnRef>
+            <a:fillRef idx="1">
+              <a:schemeClr val="lt1"/>
+            </a:fillRef>
+            <a:effectRef idx="0">
+              <a:schemeClr val="dk1"/>
+            </a:effectRef>
+            <a:fontRef idx="minor">
+              <a:schemeClr val="dk1"/>
+            </a:fontRef>
+          </p:style>
+          <p:txBody>
+            <a:bodyPr rot="0" spcFirstLastPara="0" vertOverflow="overflow" horzOverflow="overflow" vert="horz" wrap="square" lIns="0" tIns="0" rIns="0" bIns="0" numCol="1" spcCol="0" rtlCol="0" fromWordArt="0" anchor="ctr" anchorCtr="0" forceAA="0" compatLnSpc="1">
+              <a:prstTxWarp prst="textNoShape">
+                <a:avLst/>
+              </a:prstTxWarp>
+              <a:noAutofit/>
+            </a:bodyPr>
+            <a:lstStyle/>
+            <a:p>
+              <a:pPr algn="ctr"/>
+              <a:r>
+                <a:rPr lang="en-AU" sz="5400" dirty="0">
+                  <a:solidFill>
+                    <a:schemeClr val="accent6"/>
+                  </a:solidFill>
+                  <a:latin typeface="Consolas" panose="020B0609020204030204" pitchFamily="49" charset="0"/>
+                  <a:ea typeface="Yu Gothic" panose="020B0400000000000000" pitchFamily="34" charset="-128"/>
+                </a:rPr>
+                <a:t>-3</a:t>
+              </a:r>
+            </a:p>
+          </p:txBody>
+        </p:sp>
+        <p:sp>
+          <p:nvSpPr>
+            <p:cNvPr id="65" name="Flowchart: Alternate Process 64">
+              <a:extLst>
+                <a:ext uri="{FF2B5EF4-FFF2-40B4-BE49-F238E27FC236}">
+                  <a16:creationId xmlns:a16="http://schemas.microsoft.com/office/drawing/2014/main" id="{1FF6254E-5241-4DEE-BF64-5FE8E7484059}"/>
+                </a:ext>
+              </a:extLst>
+            </p:cNvPr>
+            <p:cNvSpPr/>
+            <p:nvPr/>
+          </p:nvSpPr>
+          <p:spPr>
+            <a:xfrm>
+              <a:off x="11057472" y="1783202"/>
+              <a:ext cx="900000" cy="900000"/>
+            </a:xfrm>
+            <a:prstGeom prst="flowChartAlternateProcess">
+              <a:avLst/>
+            </a:prstGeom>
+            <a:ln w="19050"/>
+          </p:spPr>
+          <p:style>
+            <a:lnRef idx="2">
+              <a:schemeClr val="dk1"/>
+            </a:lnRef>
+            <a:fillRef idx="1">
+              <a:schemeClr val="lt1"/>
+            </a:fillRef>
+            <a:effectRef idx="0">
+              <a:schemeClr val="dk1"/>
+            </a:effectRef>
+            <a:fontRef idx="minor">
+              <a:schemeClr val="dk1"/>
+            </a:fontRef>
+          </p:style>
+          <p:txBody>
+            <a:bodyPr rot="0" spcFirstLastPara="0" vertOverflow="overflow" horzOverflow="overflow" vert="horz" wrap="square" lIns="0" tIns="0" rIns="0" bIns="0" numCol="1" spcCol="0" rtlCol="0" fromWordArt="0" anchor="ctr" anchorCtr="0" forceAA="0" compatLnSpc="1">
+              <a:prstTxWarp prst="textNoShape">
+                <a:avLst/>
+              </a:prstTxWarp>
+              <a:noAutofit/>
+            </a:bodyPr>
+            <a:lstStyle/>
+            <a:p>
+              <a:pPr algn="ctr"/>
+              <a:r>
+                <a:rPr lang="en-AU" sz="5400" dirty="0">
+                  <a:solidFill>
+                    <a:srgbClr val="C00000"/>
+                  </a:solidFill>
+                  <a:latin typeface="Consolas" panose="020B0609020204030204" pitchFamily="49" charset="0"/>
+                  <a:ea typeface="Yu Gothic" panose="020B0400000000000000" pitchFamily="34" charset="-128"/>
+                </a:rPr>
+                <a:t>C4</a:t>
+              </a:r>
+            </a:p>
+          </p:txBody>
+        </p:sp>
+        <p:sp>
+          <p:nvSpPr>
+            <p:cNvPr id="66" name="Flowchart: Alternate Process 65">
+              <a:extLst>
+                <a:ext uri="{FF2B5EF4-FFF2-40B4-BE49-F238E27FC236}">
+                  <a16:creationId xmlns:a16="http://schemas.microsoft.com/office/drawing/2014/main" id="{DA70B6DA-97B5-4E2C-BBFF-6A1A53AB0B2C}"/>
+                </a:ext>
+              </a:extLst>
+            </p:cNvPr>
+            <p:cNvSpPr/>
+            <p:nvPr/>
+          </p:nvSpPr>
+          <p:spPr>
+            <a:xfrm>
+              <a:off x="11057472" y="3583202"/>
+              <a:ext cx="900000" cy="900000"/>
+            </a:xfrm>
+            <a:prstGeom prst="flowChartAlternateProcess">
+              <a:avLst/>
+            </a:prstGeom>
+            <a:ln w="19050"/>
+          </p:spPr>
+          <p:style>
+            <a:lnRef idx="2">
+              <a:schemeClr val="dk1"/>
+            </a:lnRef>
+            <a:fillRef idx="1">
+              <a:schemeClr val="lt1"/>
+            </a:fillRef>
+            <a:effectRef idx="0">
+              <a:schemeClr val="dk1"/>
+            </a:effectRef>
+            <a:fontRef idx="minor">
+              <a:schemeClr val="dk1"/>
+            </a:fontRef>
+          </p:style>
+          <p:txBody>
+            <a:bodyPr rot="0" spcFirstLastPara="0" vertOverflow="overflow" horzOverflow="overflow" vert="horz" wrap="square" lIns="0" tIns="0" rIns="0" bIns="0" numCol="1" spcCol="0" rtlCol="0" fromWordArt="0" anchor="ctr" anchorCtr="0" forceAA="0" compatLnSpc="1">
+              <a:prstTxWarp prst="textNoShape">
+                <a:avLst/>
+              </a:prstTxWarp>
+              <a:noAutofit/>
+            </a:bodyPr>
+            <a:lstStyle/>
+            <a:p>
+              <a:pPr algn="ctr"/>
+              <a:r>
+                <a:rPr lang="en-AU" sz="5400" dirty="0">
+                  <a:solidFill>
+                    <a:srgbClr val="7030A0"/>
+                  </a:solidFill>
+                  <a:latin typeface="Consolas" panose="020B0609020204030204" pitchFamily="49" charset="0"/>
+                  <a:ea typeface="Yu Gothic" panose="020B0400000000000000" pitchFamily="34" charset="-128"/>
+                </a:rPr>
+                <a:t>+4</a:t>
+              </a:r>
+            </a:p>
+          </p:txBody>
+        </p:sp>
+        <p:sp>
+          <p:nvSpPr>
+            <p:cNvPr id="67" name="Flowchart: Alternate Process 66">
+              <a:extLst>
+                <a:ext uri="{FF2B5EF4-FFF2-40B4-BE49-F238E27FC236}">
+                  <a16:creationId xmlns:a16="http://schemas.microsoft.com/office/drawing/2014/main" id="{D80DEC31-C23D-45F9-80C9-8F2C2B91844A}"/>
+                </a:ext>
+              </a:extLst>
+            </p:cNvPr>
+            <p:cNvSpPr/>
+            <p:nvPr/>
+          </p:nvSpPr>
+          <p:spPr>
+            <a:xfrm>
+              <a:off x="11057472" y="5383202"/>
+              <a:ext cx="900000" cy="900000"/>
+            </a:xfrm>
+            <a:prstGeom prst="flowChartAlternateProcess">
+              <a:avLst/>
+            </a:prstGeom>
+            <a:ln w="19050"/>
+          </p:spPr>
+          <p:style>
+            <a:lnRef idx="2">
+              <a:schemeClr val="dk1"/>
+            </a:lnRef>
+            <a:fillRef idx="1">
+              <a:schemeClr val="lt1"/>
+            </a:fillRef>
+            <a:effectRef idx="0">
+              <a:schemeClr val="dk1"/>
+            </a:effectRef>
+            <a:fontRef idx="minor">
+              <a:schemeClr val="dk1"/>
+            </a:fontRef>
+          </p:style>
+          <p:txBody>
+            <a:bodyPr rot="0" spcFirstLastPara="0" vertOverflow="overflow" horzOverflow="overflow" vert="horz" wrap="square" lIns="0" tIns="0" rIns="0" bIns="0" numCol="1" spcCol="0" rtlCol="0" fromWordArt="0" anchor="ctr" anchorCtr="0" forceAA="0" compatLnSpc="1">
+              <a:prstTxWarp prst="textNoShape">
+                <a:avLst/>
+              </a:prstTxWarp>
+              <a:noAutofit/>
+            </a:bodyPr>
+            <a:lstStyle/>
+            <a:p>
+              <a:pPr algn="ctr"/>
+              <a:r>
+                <a:rPr lang="en-AU" sz="5400" dirty="0">
+                  <a:solidFill>
+                    <a:schemeClr val="accent4"/>
+                  </a:solidFill>
+                  <a:latin typeface="Consolas" panose="020B0609020204030204" pitchFamily="49" charset="0"/>
+                  <a:ea typeface="Yu Gothic" panose="020B0400000000000000" pitchFamily="34" charset="-128"/>
+                </a:rPr>
+                <a:t>-4</a:t>
+              </a:r>
+            </a:p>
+          </p:txBody>
+        </p:sp>
+        <p:cxnSp>
+          <p:nvCxnSpPr>
+            <p:cNvPr id="69" name="Straight Arrow Connector 68">
+              <a:extLst>
+                <a:ext uri="{FF2B5EF4-FFF2-40B4-BE49-F238E27FC236}">
+                  <a16:creationId xmlns:a16="http://schemas.microsoft.com/office/drawing/2014/main" id="{0CEDD8DE-1CA7-4E04-99D5-E3401B2FAD28}"/>
+                </a:ext>
+              </a:extLst>
+            </p:cNvPr>
+            <p:cNvCxnSpPr>
+              <a:stCxn id="56" idx="0"/>
+              <a:endCxn id="35" idx="2"/>
+            </p:cNvCxnSpPr>
+            <p:nvPr/>
+          </p:nvCxnSpPr>
+          <p:spPr>
+            <a:xfrm flipV="1">
+              <a:off x="6107472" y="883202"/>
+              <a:ext cx="0" cy="900000"/>
+            </a:xfrm>
+            <a:prstGeom prst="straightConnector1">
+              <a:avLst/>
+            </a:prstGeom>
+            <a:ln w="76200">
+              <a:solidFill>
+                <a:srgbClr val="C00000"/>
+              </a:solidFill>
+              <a:headEnd type="none" w="med" len="med"/>
+              <a:tailEnd type="none" w="med" len="med"/>
+            </a:ln>
+          </p:spPr>
+          <p:style>
+            <a:lnRef idx="1">
+              <a:schemeClr val="accent1"/>
+            </a:lnRef>
+            <a:fillRef idx="0">
+              <a:schemeClr val="accent1"/>
+            </a:fillRef>
+            <a:effectRef idx="0">
+              <a:schemeClr val="accent1"/>
+            </a:effectRef>
+            <a:fontRef idx="minor">
+              <a:schemeClr val="tx1"/>
+            </a:fontRef>
+          </p:style>
+        </p:cxnSp>
+        <p:cxnSp>
+          <p:nvCxnSpPr>
+            <p:cNvPr id="70" name="Straight Arrow Connector 69">
+              <a:extLst>
+                <a:ext uri="{FF2B5EF4-FFF2-40B4-BE49-F238E27FC236}">
+                  <a16:creationId xmlns:a16="http://schemas.microsoft.com/office/drawing/2014/main" id="{D01470C9-94CC-45F7-9F11-3A073897A820}"/>
+                </a:ext>
+              </a:extLst>
+            </p:cNvPr>
+            <p:cNvCxnSpPr>
+              <a:cxnSpLocks/>
+              <a:stCxn id="59" idx="0"/>
+              <a:endCxn id="41" idx="2"/>
+            </p:cNvCxnSpPr>
+            <p:nvPr/>
+          </p:nvCxnSpPr>
+          <p:spPr>
+            <a:xfrm flipV="1">
+              <a:off x="7907472" y="883202"/>
+              <a:ext cx="0" cy="900000"/>
+            </a:xfrm>
+            <a:prstGeom prst="straightConnector1">
+              <a:avLst/>
+            </a:prstGeom>
+            <a:ln w="76200">
+              <a:solidFill>
+                <a:schemeClr val="accent5"/>
+              </a:solidFill>
+              <a:headEnd type="none" w="med" len="med"/>
+              <a:tailEnd type="none" w="med" len="med"/>
+            </a:ln>
+          </p:spPr>
+          <p:style>
+            <a:lnRef idx="1">
+              <a:schemeClr val="accent1"/>
+            </a:lnRef>
+            <a:fillRef idx="0">
+              <a:schemeClr val="accent1"/>
+            </a:fillRef>
+            <a:effectRef idx="0">
+              <a:schemeClr val="accent1"/>
+            </a:effectRef>
+            <a:fontRef idx="minor">
+              <a:schemeClr val="tx1"/>
+            </a:fontRef>
+          </p:style>
+        </p:cxnSp>
+        <p:cxnSp>
+          <p:nvCxnSpPr>
+            <p:cNvPr id="71" name="Straight Arrow Connector 70">
+              <a:extLst>
+                <a:ext uri="{FF2B5EF4-FFF2-40B4-BE49-F238E27FC236}">
+                  <a16:creationId xmlns:a16="http://schemas.microsoft.com/office/drawing/2014/main" id="{419A9D7E-161E-4AAF-A084-1D35C0239315}"/>
+                </a:ext>
+              </a:extLst>
+            </p:cNvPr>
+            <p:cNvCxnSpPr>
+              <a:cxnSpLocks/>
+              <a:stCxn id="62" idx="0"/>
+              <a:endCxn id="47" idx="2"/>
+            </p:cNvCxnSpPr>
+            <p:nvPr/>
+          </p:nvCxnSpPr>
+          <p:spPr>
+            <a:xfrm flipV="1">
+              <a:off x="9707472" y="883202"/>
+              <a:ext cx="0" cy="900000"/>
+            </a:xfrm>
+            <a:prstGeom prst="straightConnector1">
+              <a:avLst/>
+            </a:prstGeom>
+            <a:ln w="76200">
+              <a:solidFill>
+                <a:schemeClr val="accent5"/>
+              </a:solidFill>
+              <a:headEnd type="none" w="med" len="med"/>
+              <a:tailEnd type="none" w="med" len="med"/>
+            </a:ln>
+          </p:spPr>
+          <p:style>
+            <a:lnRef idx="1">
+              <a:schemeClr val="accent1"/>
+            </a:lnRef>
+            <a:fillRef idx="0">
+              <a:schemeClr val="accent1"/>
+            </a:fillRef>
+            <a:effectRef idx="0">
+              <a:schemeClr val="accent1"/>
+            </a:effectRef>
+            <a:fontRef idx="minor">
+              <a:schemeClr val="tx1"/>
+            </a:fontRef>
+          </p:style>
+        </p:cxnSp>
+        <p:cxnSp>
+          <p:nvCxnSpPr>
+            <p:cNvPr id="72" name="Straight Arrow Connector 71">
+              <a:extLst>
+                <a:ext uri="{FF2B5EF4-FFF2-40B4-BE49-F238E27FC236}">
+                  <a16:creationId xmlns:a16="http://schemas.microsoft.com/office/drawing/2014/main" id="{34ED7A73-EC96-4555-AFB4-84CCD3401DD5}"/>
+                </a:ext>
+              </a:extLst>
+            </p:cNvPr>
+            <p:cNvCxnSpPr>
+              <a:cxnSpLocks/>
+              <a:stCxn id="65" idx="0"/>
+              <a:endCxn id="53" idx="2"/>
+            </p:cNvCxnSpPr>
+            <p:nvPr/>
+          </p:nvCxnSpPr>
+          <p:spPr>
+            <a:xfrm flipV="1">
+              <a:off x="11507472" y="883202"/>
+              <a:ext cx="0" cy="900000"/>
+            </a:xfrm>
+            <a:prstGeom prst="straightConnector1">
+              <a:avLst/>
+            </a:prstGeom>
+            <a:ln w="76200">
+              <a:solidFill>
+                <a:srgbClr val="C00000"/>
+              </a:solidFill>
+              <a:headEnd type="none" w="med" len="med"/>
+              <a:tailEnd type="none" w="med" len="med"/>
+            </a:ln>
+          </p:spPr>
+          <p:style>
+            <a:lnRef idx="1">
+              <a:schemeClr val="accent1"/>
+            </a:lnRef>
+            <a:fillRef idx="0">
+              <a:schemeClr val="accent1"/>
+            </a:fillRef>
+            <a:effectRef idx="0">
+              <a:schemeClr val="accent1"/>
+            </a:effectRef>
+            <a:fontRef idx="minor">
+              <a:schemeClr val="tx1"/>
+            </a:fontRef>
+          </p:style>
+        </p:cxnSp>
+        <p:cxnSp>
+          <p:nvCxnSpPr>
+            <p:cNvPr id="81" name="Connector: Elbow 80">
+              <a:extLst>
+                <a:ext uri="{FF2B5EF4-FFF2-40B4-BE49-F238E27FC236}">
+                  <a16:creationId xmlns:a16="http://schemas.microsoft.com/office/drawing/2014/main" id="{57A4B53B-20DA-4634-8EC0-7488EA363829}"/>
+                </a:ext>
+              </a:extLst>
+            </p:cNvPr>
+            <p:cNvCxnSpPr>
+              <a:cxnSpLocks/>
+              <a:stCxn id="58" idx="2"/>
+              <a:endCxn id="64" idx="2"/>
+            </p:cNvCxnSpPr>
+            <p:nvPr/>
+          </p:nvCxnSpPr>
+          <p:spPr>
+            <a:xfrm rot="16200000" flipH="1">
+              <a:off x="7907472" y="4483202"/>
+              <a:ext cx="12700" cy="3600000"/>
+            </a:xfrm>
+            <a:prstGeom prst="bentConnector3">
+              <a:avLst>
+                <a:gd name="adj1" fmla="val 1800000"/>
+              </a:avLst>
+            </a:prstGeom>
+            <a:ln w="76200">
+              <a:solidFill>
+                <a:schemeClr val="accent6"/>
+              </a:solidFill>
+              <a:headEnd type="none" w="med" len="med"/>
+              <a:tailEnd type="none" w="med" len="med"/>
+            </a:ln>
+          </p:spPr>
+          <p:style>
+            <a:lnRef idx="1">
+              <a:schemeClr val="accent1"/>
+            </a:lnRef>
+            <a:fillRef idx="0">
+              <a:schemeClr val="accent1"/>
+            </a:fillRef>
+            <a:effectRef idx="0">
+              <a:schemeClr val="accent1"/>
+            </a:effectRef>
+            <a:fontRef idx="minor">
+              <a:schemeClr val="tx1"/>
+            </a:fontRef>
+          </p:style>
+        </p:cxnSp>
+        <p:cxnSp>
+          <p:nvCxnSpPr>
+            <p:cNvPr id="84" name="Connector: Elbow 83">
+              <a:extLst>
+                <a:ext uri="{FF2B5EF4-FFF2-40B4-BE49-F238E27FC236}">
+                  <a16:creationId xmlns:a16="http://schemas.microsoft.com/office/drawing/2014/main" id="{2CF9C18B-DD11-4E14-B37C-E377A453A029}"/>
+                </a:ext>
+              </a:extLst>
+            </p:cNvPr>
+            <p:cNvCxnSpPr>
+              <a:cxnSpLocks/>
+              <a:stCxn id="61" idx="0"/>
+              <a:endCxn id="67" idx="0"/>
+            </p:cNvCxnSpPr>
+            <p:nvPr/>
+          </p:nvCxnSpPr>
+          <p:spPr>
+            <a:xfrm rot="5400000" flipH="1" flipV="1">
+              <a:off x="9707472" y="3583202"/>
+              <a:ext cx="12700" cy="3600000"/>
+            </a:xfrm>
+            <a:prstGeom prst="bentConnector3">
+              <a:avLst>
+                <a:gd name="adj1" fmla="val 1800000"/>
+              </a:avLst>
+            </a:prstGeom>
+            <a:ln w="76200">
+              <a:solidFill>
+                <a:schemeClr val="accent4"/>
+              </a:solidFill>
+              <a:headEnd type="none" w="med" len="med"/>
+              <a:tailEnd type="none" w="med" len="med"/>
+            </a:ln>
+          </p:spPr>
+          <p:style>
+            <a:lnRef idx="1">
+              <a:schemeClr val="accent1"/>
+            </a:lnRef>
+            <a:fillRef idx="0">
+              <a:schemeClr val="accent1"/>
+            </a:fillRef>
+            <a:effectRef idx="0">
+              <a:schemeClr val="accent1"/>
+            </a:effectRef>
+            <a:fontRef idx="minor">
+              <a:schemeClr val="tx1"/>
+            </a:fontRef>
+          </p:style>
+        </p:cxnSp>
+        <p:cxnSp>
+          <p:nvCxnSpPr>
+            <p:cNvPr id="86" name="Straight Arrow Connector 85">
+              <a:extLst>
+                <a:ext uri="{FF2B5EF4-FFF2-40B4-BE49-F238E27FC236}">
+                  <a16:creationId xmlns:a16="http://schemas.microsoft.com/office/drawing/2014/main" id="{A6CAFD14-DE4F-46E8-8A83-19CFC434F1F2}"/>
+                </a:ext>
+              </a:extLst>
+            </p:cNvPr>
+            <p:cNvCxnSpPr>
+              <a:stCxn id="57" idx="3"/>
+              <a:endCxn id="60" idx="1"/>
+            </p:cNvCxnSpPr>
+            <p:nvPr/>
+          </p:nvCxnSpPr>
+          <p:spPr>
+            <a:xfrm>
+              <a:off x="6557472" y="4033202"/>
+              <a:ext cx="900000" cy="0"/>
+            </a:xfrm>
+            <a:prstGeom prst="straightConnector1">
+              <a:avLst/>
+            </a:prstGeom>
+            <a:ln w="76200">
+              <a:solidFill>
+                <a:schemeClr val="accent2"/>
+              </a:solidFill>
+              <a:headEnd type="none" w="med" len="med"/>
+              <a:tailEnd type="none" w="med" len="med"/>
+            </a:ln>
+          </p:spPr>
+          <p:style>
+            <a:lnRef idx="1">
+              <a:schemeClr val="accent1"/>
+            </a:lnRef>
+            <a:fillRef idx="0">
+              <a:schemeClr val="accent1"/>
+            </a:fillRef>
+            <a:effectRef idx="0">
+              <a:schemeClr val="accent1"/>
+            </a:effectRef>
+            <a:fontRef idx="minor">
+              <a:schemeClr val="tx1"/>
+            </a:fontRef>
+          </p:style>
+        </p:cxnSp>
+        <p:cxnSp>
+          <p:nvCxnSpPr>
+            <p:cNvPr id="88" name="Straight Arrow Connector 87">
+              <a:extLst>
+                <a:ext uri="{FF2B5EF4-FFF2-40B4-BE49-F238E27FC236}">
+                  <a16:creationId xmlns:a16="http://schemas.microsoft.com/office/drawing/2014/main" id="{1600BC2B-19C0-4B77-B6FB-49B7E797587B}"/>
+                </a:ext>
+              </a:extLst>
+            </p:cNvPr>
+            <p:cNvCxnSpPr>
+              <a:stCxn id="63" idx="3"/>
+              <a:endCxn id="66" idx="1"/>
+            </p:cNvCxnSpPr>
+            <p:nvPr/>
+          </p:nvCxnSpPr>
+          <p:spPr>
+            <a:xfrm>
+              <a:off x="10157472" y="4033202"/>
+              <a:ext cx="900000" cy="0"/>
+            </a:xfrm>
+            <a:prstGeom prst="straightConnector1">
+              <a:avLst/>
+            </a:prstGeom>
+            <a:ln w="76200">
+              <a:solidFill>
+                <a:srgbClr val="7030A0"/>
+              </a:solidFill>
+              <a:headEnd type="none" w="med" len="med"/>
+              <a:tailEnd type="none" w="med" len="med"/>
+            </a:ln>
+          </p:spPr>
+          <p:style>
+            <a:lnRef idx="1">
+              <a:schemeClr val="accent1"/>
+            </a:lnRef>
+            <a:fillRef idx="0">
+              <a:schemeClr val="accent1"/>
+            </a:fillRef>
+            <a:effectRef idx="0">
+              <a:schemeClr val="accent1"/>
+            </a:effectRef>
+            <a:fontRef idx="minor">
+              <a:schemeClr val="tx1"/>
+            </a:fontRef>
+          </p:style>
+        </p:cxnSp>
+        <p:grpSp>
+          <p:nvGrpSpPr>
+            <p:cNvPr id="218" name="Group 217">
+              <a:extLst>
+                <a:ext uri="{FF2B5EF4-FFF2-40B4-BE49-F238E27FC236}">
+                  <a16:creationId xmlns:a16="http://schemas.microsoft.com/office/drawing/2014/main" id="{A1A3347E-4594-4554-8C4E-FA7100A58749}"/>
+                </a:ext>
+              </a:extLst>
+            </p:cNvPr>
+            <p:cNvGrpSpPr/>
+            <p:nvPr/>
+          </p:nvGrpSpPr>
+          <p:grpSpPr>
+            <a:xfrm>
+              <a:off x="13958625" y="1213299"/>
+              <a:ext cx="3846156" cy="3846156"/>
+              <a:chOff x="6885942" y="4554068"/>
+              <a:chExt cx="3846156" cy="3846156"/>
+            </a:xfrm>
+          </p:grpSpPr>
+          <p:sp>
+            <p:nvSpPr>
+              <p:cNvPr id="201" name="Oval 200">
+                <a:extLst>
+                  <a:ext uri="{FF2B5EF4-FFF2-40B4-BE49-F238E27FC236}">
+                    <a16:creationId xmlns:a16="http://schemas.microsoft.com/office/drawing/2014/main" id="{B883CD1D-3A5E-45BF-9B58-7A6D47F651AC}"/>
+                  </a:ext>
+                </a:extLst>
+              </p:cNvPr>
+              <p:cNvSpPr/>
+              <p:nvPr/>
+            </p:nvSpPr>
+            <p:spPr>
+              <a:xfrm>
+                <a:off x="8685942" y="4554068"/>
+                <a:ext cx="246156" cy="246156"/>
+              </a:xfrm>
+              <a:prstGeom prst="ellipse">
+                <a:avLst/>
+              </a:prstGeom>
+            </p:spPr>
+            <p:style>
+              <a:lnRef idx="2">
+                <a:schemeClr val="dk1">
+                  <a:shade val="50000"/>
+                </a:schemeClr>
+              </a:lnRef>
+              <a:fillRef idx="1">
+                <a:schemeClr val="dk1"/>
+              </a:fillRef>
+              <a:effectRef idx="0">
+                <a:schemeClr val="dk1"/>
+              </a:effectRef>
+              <a:fontRef idx="minor">
+                <a:schemeClr val="lt1"/>
+              </a:fontRef>
+            </p:style>
+            <p:txBody>
+              <a:bodyPr rtlCol="0" anchor="ctr"/>
+              <a:lstStyle/>
+              <a:p>
+                <a:pPr algn="ctr"/>
+                <a:endParaRPr lang="en-AU">
+                  <a:solidFill>
+                    <a:schemeClr val="accent6"/>
+                  </a:solidFill>
+                </a:endParaRPr>
+              </a:p>
+            </p:txBody>
+          </p:sp>
+          <p:sp>
+            <p:nvSpPr>
+              <p:cNvPr id="202" name="Oval 201">
+                <a:extLst>
+                  <a:ext uri="{FF2B5EF4-FFF2-40B4-BE49-F238E27FC236}">
+                    <a16:creationId xmlns:a16="http://schemas.microsoft.com/office/drawing/2014/main" id="{C750EF86-F770-40B6-AE8E-6D02776082FC}"/>
+                  </a:ext>
+                </a:extLst>
+              </p:cNvPr>
+              <p:cNvSpPr/>
+              <p:nvPr/>
+            </p:nvSpPr>
+            <p:spPr>
+              <a:xfrm>
+                <a:off x="6885942" y="6354068"/>
+                <a:ext cx="246156" cy="246156"/>
+              </a:xfrm>
+              <a:prstGeom prst="ellipse">
+                <a:avLst/>
+              </a:prstGeom>
+            </p:spPr>
+            <p:style>
+              <a:lnRef idx="2">
+                <a:schemeClr val="dk1">
+                  <a:shade val="50000"/>
+                </a:schemeClr>
+              </a:lnRef>
+              <a:fillRef idx="1">
+                <a:schemeClr val="dk1"/>
+              </a:fillRef>
+              <a:effectRef idx="0">
+                <a:schemeClr val="dk1"/>
+              </a:effectRef>
+              <a:fontRef idx="minor">
+                <a:schemeClr val="lt1"/>
+              </a:fontRef>
+            </p:style>
+            <p:txBody>
+              <a:bodyPr rtlCol="0" anchor="ctr"/>
+              <a:lstStyle/>
+              <a:p>
+                <a:pPr algn="ctr"/>
+                <a:endParaRPr lang="en-AU">
+                  <a:solidFill>
+                    <a:schemeClr val="accent6"/>
+                  </a:solidFill>
+                </a:endParaRPr>
+              </a:p>
+            </p:txBody>
+          </p:sp>
+          <p:sp>
+            <p:nvSpPr>
+              <p:cNvPr id="203" name="Oval 202">
+                <a:extLst>
+                  <a:ext uri="{FF2B5EF4-FFF2-40B4-BE49-F238E27FC236}">
+                    <a16:creationId xmlns:a16="http://schemas.microsoft.com/office/drawing/2014/main" id="{25ECA1BF-FA9E-4799-B793-C034256A129A}"/>
+                  </a:ext>
+                </a:extLst>
+              </p:cNvPr>
+              <p:cNvSpPr/>
+              <p:nvPr/>
+            </p:nvSpPr>
+            <p:spPr>
+              <a:xfrm>
+                <a:off x="10485942" y="6354068"/>
+                <a:ext cx="246156" cy="246156"/>
+              </a:xfrm>
+              <a:prstGeom prst="ellipse">
+                <a:avLst/>
+              </a:prstGeom>
+            </p:spPr>
+            <p:style>
+              <a:lnRef idx="2">
+                <a:schemeClr val="dk1">
+                  <a:shade val="50000"/>
+                </a:schemeClr>
+              </a:lnRef>
+              <a:fillRef idx="1">
+                <a:schemeClr val="dk1"/>
+              </a:fillRef>
+              <a:effectRef idx="0">
+                <a:schemeClr val="dk1"/>
+              </a:effectRef>
+              <a:fontRef idx="minor">
+                <a:schemeClr val="lt1"/>
+              </a:fontRef>
+            </p:style>
+            <p:txBody>
+              <a:bodyPr rtlCol="0" anchor="ctr"/>
+              <a:lstStyle/>
+              <a:p>
+                <a:pPr algn="ctr"/>
+                <a:endParaRPr lang="en-AU">
+                  <a:solidFill>
+                    <a:schemeClr val="accent6"/>
+                  </a:solidFill>
+                </a:endParaRPr>
+              </a:p>
+            </p:txBody>
+          </p:sp>
+          <p:sp>
+            <p:nvSpPr>
+              <p:cNvPr id="204" name="Oval 203">
+                <a:extLst>
+                  <a:ext uri="{FF2B5EF4-FFF2-40B4-BE49-F238E27FC236}">
+                    <a16:creationId xmlns:a16="http://schemas.microsoft.com/office/drawing/2014/main" id="{BBB9DD7C-9609-4850-9413-2C15D819FE46}"/>
+                  </a:ext>
+                </a:extLst>
+              </p:cNvPr>
+              <p:cNvSpPr/>
+              <p:nvPr/>
+            </p:nvSpPr>
+            <p:spPr>
+              <a:xfrm>
+                <a:off x="8685942" y="8154068"/>
+                <a:ext cx="246156" cy="246156"/>
+              </a:xfrm>
+              <a:prstGeom prst="ellipse">
+                <a:avLst/>
+              </a:prstGeom>
+            </p:spPr>
+            <p:style>
+              <a:lnRef idx="2">
+                <a:schemeClr val="dk1">
+                  <a:shade val="50000"/>
+                </a:schemeClr>
+              </a:lnRef>
+              <a:fillRef idx="1">
+                <a:schemeClr val="dk1"/>
+              </a:fillRef>
+              <a:effectRef idx="0">
+                <a:schemeClr val="dk1"/>
+              </a:effectRef>
+              <a:fontRef idx="minor">
+                <a:schemeClr val="lt1"/>
+              </a:fontRef>
+            </p:style>
+            <p:txBody>
+              <a:bodyPr rtlCol="0" anchor="ctr"/>
+              <a:lstStyle/>
+              <a:p>
+                <a:pPr algn="ctr"/>
+                <a:endParaRPr lang="en-AU">
+                  <a:solidFill>
+                    <a:schemeClr val="accent6"/>
+                  </a:solidFill>
+                </a:endParaRPr>
+              </a:p>
+            </p:txBody>
+          </p:sp>
+          <p:cxnSp>
+            <p:nvCxnSpPr>
+              <p:cNvPr id="206" name="Straight Connector 205">
+                <a:extLst>
+                  <a:ext uri="{FF2B5EF4-FFF2-40B4-BE49-F238E27FC236}">
+                    <a16:creationId xmlns:a16="http://schemas.microsoft.com/office/drawing/2014/main" id="{B3F46B9B-67F4-4378-9E80-7F9F10FF5A81}"/>
+                  </a:ext>
+                </a:extLst>
+              </p:cNvPr>
+              <p:cNvCxnSpPr>
+                <a:cxnSpLocks/>
+                <a:stCxn id="201" idx="3"/>
+                <a:endCxn id="202" idx="7"/>
+              </p:cNvCxnSpPr>
+              <p:nvPr/>
+            </p:nvCxnSpPr>
+            <p:spPr>
+              <a:xfrm flipH="1">
+                <a:off x="7096049" y="4764175"/>
+                <a:ext cx="1625942" cy="1625942"/>
+              </a:xfrm>
+              <a:prstGeom prst="line">
+                <a:avLst/>
+              </a:prstGeom>
+              <a:ln w="76200">
+                <a:solidFill>
+                  <a:schemeClr val="tx1"/>
+                </a:solidFill>
+              </a:ln>
+            </p:spPr>
+            <p:style>
+              <a:lnRef idx="1">
+                <a:schemeClr val="accent1"/>
+              </a:lnRef>
+              <a:fillRef idx="0">
+                <a:schemeClr val="accent1"/>
+              </a:fillRef>
+              <a:effectRef idx="0">
+                <a:schemeClr val="accent1"/>
+              </a:effectRef>
+              <a:fontRef idx="minor">
+                <a:schemeClr val="tx1"/>
+              </a:fontRef>
+            </p:style>
+          </p:cxnSp>
+          <p:cxnSp>
+            <p:nvCxnSpPr>
+              <p:cNvPr id="208" name="Straight Connector 207">
+                <a:extLst>
+                  <a:ext uri="{FF2B5EF4-FFF2-40B4-BE49-F238E27FC236}">
+                    <a16:creationId xmlns:a16="http://schemas.microsoft.com/office/drawing/2014/main" id="{A70CA9EA-88E1-457F-8B4E-B7C60366D28A}"/>
+                  </a:ext>
+                </a:extLst>
+              </p:cNvPr>
+              <p:cNvCxnSpPr>
+                <a:cxnSpLocks/>
+                <a:stCxn id="201" idx="5"/>
+                <a:endCxn id="203" idx="1"/>
+              </p:cNvCxnSpPr>
+              <p:nvPr/>
+            </p:nvCxnSpPr>
+            <p:spPr>
+              <a:xfrm>
+                <a:off x="8896049" y="4764175"/>
+                <a:ext cx="1625942" cy="1625942"/>
+              </a:xfrm>
+              <a:prstGeom prst="line">
+                <a:avLst/>
+              </a:prstGeom>
+              <a:ln w="76200">
+                <a:solidFill>
+                  <a:schemeClr val="tx1"/>
+                </a:solidFill>
+              </a:ln>
+            </p:spPr>
+            <p:style>
+              <a:lnRef idx="1">
+                <a:schemeClr val="accent1"/>
+              </a:lnRef>
+              <a:fillRef idx="0">
+                <a:schemeClr val="accent1"/>
+              </a:fillRef>
+              <a:effectRef idx="0">
+                <a:schemeClr val="accent1"/>
+              </a:effectRef>
+              <a:fontRef idx="minor">
+                <a:schemeClr val="tx1"/>
+              </a:fontRef>
+            </p:style>
+          </p:cxnSp>
+          <p:cxnSp>
+            <p:nvCxnSpPr>
+              <p:cNvPr id="211" name="Straight Connector 210">
+                <a:extLst>
+                  <a:ext uri="{FF2B5EF4-FFF2-40B4-BE49-F238E27FC236}">
+                    <a16:creationId xmlns:a16="http://schemas.microsoft.com/office/drawing/2014/main" id="{5793B8B1-E567-40F1-9307-1D566D5C7533}"/>
+                  </a:ext>
+                </a:extLst>
+              </p:cNvPr>
+              <p:cNvCxnSpPr>
+                <a:cxnSpLocks/>
+                <a:stCxn id="202" idx="5"/>
+                <a:endCxn id="204" idx="1"/>
+              </p:cNvCxnSpPr>
+              <p:nvPr/>
+            </p:nvCxnSpPr>
+            <p:spPr>
+              <a:xfrm>
+                <a:off x="7096049" y="6564175"/>
+                <a:ext cx="1625942" cy="1625942"/>
+              </a:xfrm>
+              <a:prstGeom prst="line">
+                <a:avLst/>
+              </a:prstGeom>
+              <a:ln w="76200">
+                <a:solidFill>
+                  <a:schemeClr val="tx1"/>
+                </a:solidFill>
+              </a:ln>
+            </p:spPr>
+            <p:style>
+              <a:lnRef idx="1">
+                <a:schemeClr val="accent1"/>
+              </a:lnRef>
+              <a:fillRef idx="0">
+                <a:schemeClr val="accent1"/>
+              </a:fillRef>
+              <a:effectRef idx="0">
+                <a:schemeClr val="accent1"/>
+              </a:effectRef>
+              <a:fontRef idx="minor">
+                <a:schemeClr val="tx1"/>
+              </a:fontRef>
+            </p:style>
+          </p:cxnSp>
+          <p:cxnSp>
+            <p:nvCxnSpPr>
+              <p:cNvPr id="215" name="Straight Connector 214">
+                <a:extLst>
+                  <a:ext uri="{FF2B5EF4-FFF2-40B4-BE49-F238E27FC236}">
+                    <a16:creationId xmlns:a16="http://schemas.microsoft.com/office/drawing/2014/main" id="{BE2879A7-F462-49C9-A8DF-C324FE6420EC}"/>
+                  </a:ext>
+                </a:extLst>
+              </p:cNvPr>
+              <p:cNvCxnSpPr>
+                <a:cxnSpLocks/>
+                <a:stCxn id="203" idx="3"/>
+                <a:endCxn id="204" idx="7"/>
+              </p:cNvCxnSpPr>
+              <p:nvPr/>
+            </p:nvCxnSpPr>
+            <p:spPr>
+              <a:xfrm flipH="1">
+                <a:off x="8896049" y="6564175"/>
+                <a:ext cx="1625942" cy="1625942"/>
+              </a:xfrm>
+              <a:prstGeom prst="line">
+                <a:avLst/>
+              </a:prstGeom>
+              <a:ln w="76200">
+                <a:solidFill>
+                  <a:schemeClr val="tx1"/>
+                </a:solidFill>
+              </a:ln>
+            </p:spPr>
+            <p:style>
+              <a:lnRef idx="1">
+                <a:schemeClr val="accent1"/>
+              </a:lnRef>
+              <a:fillRef idx="0">
+                <a:schemeClr val="accent1"/>
+              </a:fillRef>
+              <a:effectRef idx="0">
+                <a:schemeClr val="accent1"/>
+              </a:effectRef>
+              <a:fontRef idx="minor">
+                <a:schemeClr val="tx1"/>
+              </a:fontRef>
+            </p:style>
+          </p:cxnSp>
+        </p:grpSp>
+        <p:cxnSp>
+          <p:nvCxnSpPr>
+            <p:cNvPr id="253" name="Connector: Elbow 252">
+              <a:extLst>
+                <a:ext uri="{FF2B5EF4-FFF2-40B4-BE49-F238E27FC236}">
+                  <a16:creationId xmlns:a16="http://schemas.microsoft.com/office/drawing/2014/main" id="{2A71361A-0B19-4AAC-9279-E288A52A1788}"/>
+                </a:ext>
+              </a:extLst>
+            </p:cNvPr>
+            <p:cNvCxnSpPr>
+              <a:cxnSpLocks/>
+              <a:stCxn id="243" idx="1"/>
+              <a:endCxn id="231" idx="0"/>
+            </p:cNvCxnSpPr>
+            <p:nvPr/>
+          </p:nvCxnSpPr>
+          <p:spPr>
+            <a:xfrm rot="10800000" flipV="1">
+              <a:off x="12801301" y="2196672"/>
+              <a:ext cx="290911" cy="489705"/>
+            </a:xfrm>
+            <a:prstGeom prst="bentConnector2">
+              <a:avLst/>
+            </a:prstGeom>
+            <a:ln w="28575">
+              <a:solidFill>
+                <a:schemeClr val="accent2"/>
+              </a:solidFill>
+              <a:prstDash val="sysDot"/>
+              <a:headEnd type="none" w="med" len="med"/>
+              <a:tailEnd type="none" w="med" len="med"/>
+            </a:ln>
+          </p:spPr>
+          <p:style>
+            <a:lnRef idx="3">
+              <a:schemeClr val="dk1"/>
+            </a:lnRef>
+            <a:fillRef idx="0">
+              <a:schemeClr val="dk1"/>
+            </a:fillRef>
+            <a:effectRef idx="2">
+              <a:schemeClr val="dk1"/>
+            </a:effectRef>
+            <a:fontRef idx="minor">
+              <a:schemeClr val="tx1"/>
+            </a:fontRef>
+          </p:style>
+        </p:cxnSp>
+        <p:cxnSp>
+          <p:nvCxnSpPr>
+            <p:cNvPr id="258" name="Straight Connector 257">
+              <a:extLst>
+                <a:ext uri="{FF2B5EF4-FFF2-40B4-BE49-F238E27FC236}">
+                  <a16:creationId xmlns:a16="http://schemas.microsoft.com/office/drawing/2014/main" id="{FF12F6FB-24F9-46FD-BC08-BA5A873E7E42}"/>
+                </a:ext>
+              </a:extLst>
+            </p:cNvPr>
+            <p:cNvCxnSpPr>
+              <a:stCxn id="228" idx="3"/>
+              <a:endCxn id="241" idx="1"/>
+            </p:cNvCxnSpPr>
+            <p:nvPr/>
+          </p:nvCxnSpPr>
+          <p:spPr>
+            <a:xfrm>
+              <a:off x="16331703" y="55974"/>
+              <a:ext cx="714329" cy="0"/>
+            </a:xfrm>
+            <a:prstGeom prst="line">
+              <a:avLst/>
+            </a:prstGeom>
+            <a:ln w="28575">
+              <a:solidFill>
+                <a:schemeClr val="accent2"/>
+              </a:solidFill>
+              <a:prstDash val="sysDot"/>
+            </a:ln>
+          </p:spPr>
+          <p:style>
+            <a:lnRef idx="1">
+              <a:schemeClr val="accent1"/>
+            </a:lnRef>
+            <a:fillRef idx="0">
+              <a:schemeClr val="accent1"/>
+            </a:fillRef>
+            <a:effectRef idx="0">
+              <a:schemeClr val="accent1"/>
+            </a:effectRef>
+            <a:fontRef idx="minor">
+              <a:schemeClr val="tx1"/>
+            </a:fontRef>
+          </p:style>
+        </p:cxnSp>
+        <p:grpSp>
+          <p:nvGrpSpPr>
+            <p:cNvPr id="315" name="Group 314">
+              <a:extLst>
+                <a:ext uri="{FF2B5EF4-FFF2-40B4-BE49-F238E27FC236}">
+                  <a16:creationId xmlns:a16="http://schemas.microsoft.com/office/drawing/2014/main" id="{09C27D2D-A0D6-43C2-8F40-ED7A3F5A8B1C}"/>
+                </a:ext>
+              </a:extLst>
+            </p:cNvPr>
+            <p:cNvGrpSpPr/>
+            <p:nvPr/>
+          </p:nvGrpSpPr>
+          <p:grpSpPr>
+            <a:xfrm>
+              <a:off x="12351300" y="-394026"/>
+              <a:ext cx="7060806" cy="7060806"/>
+              <a:chOff x="12351300" y="-394026"/>
+              <a:chExt cx="7060806" cy="7060806"/>
+            </a:xfrm>
+          </p:grpSpPr>
+          <p:grpSp>
+            <p:nvGrpSpPr>
+              <p:cNvPr id="238" name="Group 237">
+                <a:extLst>
+                  <a:ext uri="{FF2B5EF4-FFF2-40B4-BE49-F238E27FC236}">
+                    <a16:creationId xmlns:a16="http://schemas.microsoft.com/office/drawing/2014/main" id="{20ED3AFB-4064-4639-B326-AD7D127BD4FD}"/>
+                  </a:ext>
+                </a:extLst>
+              </p:cNvPr>
+              <p:cNvGrpSpPr/>
+              <p:nvPr/>
+            </p:nvGrpSpPr>
+            <p:grpSpPr>
+              <a:xfrm>
+                <a:off x="13238625" y="493299"/>
+                <a:ext cx="5286156" cy="5286156"/>
+                <a:chOff x="3253855" y="3920509"/>
+                <a:chExt cx="5286156" cy="5286156"/>
+              </a:xfrm>
+            </p:grpSpPr>
+            <p:cxnSp>
+              <p:nvCxnSpPr>
+                <p:cNvPr id="221" name="Straight Connector 220">
+                  <a:extLst>
+                    <a:ext uri="{FF2B5EF4-FFF2-40B4-BE49-F238E27FC236}">
+                      <a16:creationId xmlns:a16="http://schemas.microsoft.com/office/drawing/2014/main" id="{07B1FD80-144E-42B6-915A-CE3C0D2E817F}"/>
+                    </a:ext>
+                  </a:extLst>
+                </p:cNvPr>
+                <p:cNvCxnSpPr>
+                  <a:cxnSpLocks/>
+                </p:cNvCxnSpPr>
+                <p:nvPr/>
+              </p:nvCxnSpPr>
+              <p:spPr>
+                <a:xfrm>
+                  <a:off x="5894601" y="3920509"/>
+                  <a:ext cx="0" cy="720000"/>
+                </a:xfrm>
+                <a:prstGeom prst="line">
+                  <a:avLst/>
+                </a:prstGeom>
+                <a:ln w="76200">
+                  <a:solidFill>
+                    <a:schemeClr val="tx1"/>
+                  </a:solidFill>
+                </a:ln>
+              </p:spPr>
+              <p:style>
+                <a:lnRef idx="1">
+                  <a:schemeClr val="accent1"/>
+                </a:lnRef>
+                <a:fillRef idx="0">
+                  <a:schemeClr val="accent1"/>
+                </a:fillRef>
+                <a:effectRef idx="0">
+                  <a:schemeClr val="accent1"/>
+                </a:effectRef>
+                <a:fontRef idx="minor">
+                  <a:schemeClr val="tx1"/>
+                </a:fontRef>
+              </p:style>
+            </p:cxnSp>
+            <p:cxnSp>
+              <p:nvCxnSpPr>
+                <p:cNvPr id="224" name="Straight Connector 223">
+                  <a:extLst>
+                    <a:ext uri="{FF2B5EF4-FFF2-40B4-BE49-F238E27FC236}">
+                      <a16:creationId xmlns:a16="http://schemas.microsoft.com/office/drawing/2014/main" id="{550D60C9-2278-430B-B6F2-F23ABC566E38}"/>
+                    </a:ext>
+                  </a:extLst>
+                </p:cNvPr>
+                <p:cNvCxnSpPr>
+                  <a:cxnSpLocks/>
+                </p:cNvCxnSpPr>
+                <p:nvPr/>
+              </p:nvCxnSpPr>
+              <p:spPr>
+                <a:xfrm>
+                  <a:off x="5894601" y="8486665"/>
+                  <a:ext cx="0" cy="720000"/>
+                </a:xfrm>
+                <a:prstGeom prst="line">
+                  <a:avLst/>
+                </a:prstGeom>
+                <a:ln w="76200">
+                  <a:solidFill>
+                    <a:schemeClr val="tx1"/>
+                  </a:solidFill>
+                </a:ln>
+              </p:spPr>
+              <p:style>
+                <a:lnRef idx="1">
+                  <a:schemeClr val="accent1"/>
+                </a:lnRef>
+                <a:fillRef idx="0">
+                  <a:schemeClr val="accent1"/>
+                </a:fillRef>
+                <a:effectRef idx="0">
+                  <a:schemeClr val="accent1"/>
+                </a:effectRef>
+                <a:fontRef idx="minor">
+                  <a:schemeClr val="tx1"/>
+                </a:fontRef>
+              </p:style>
+            </p:cxnSp>
+            <p:cxnSp>
+              <p:nvCxnSpPr>
+                <p:cNvPr id="225" name="Straight Connector 224">
+                  <a:extLst>
+                    <a:ext uri="{FF2B5EF4-FFF2-40B4-BE49-F238E27FC236}">
+                      <a16:creationId xmlns:a16="http://schemas.microsoft.com/office/drawing/2014/main" id="{D4E09308-4C8A-4500-996F-CC2A551AB2B1}"/>
+                    </a:ext>
+                  </a:extLst>
+                </p:cNvPr>
+                <p:cNvCxnSpPr>
+                  <a:cxnSpLocks/>
+                </p:cNvCxnSpPr>
+                <p:nvPr/>
+              </p:nvCxnSpPr>
+              <p:spPr>
+                <a:xfrm>
+                  <a:off x="3253855" y="6563587"/>
+                  <a:ext cx="720000" cy="0"/>
+                </a:xfrm>
+                <a:prstGeom prst="line">
+                  <a:avLst/>
+                </a:prstGeom>
+                <a:ln w="76200">
+                  <a:solidFill>
+                    <a:schemeClr val="tx1"/>
+                  </a:solidFill>
+                </a:ln>
+              </p:spPr>
+              <p:style>
+                <a:lnRef idx="1">
+                  <a:schemeClr val="accent1"/>
+                </a:lnRef>
+                <a:fillRef idx="0">
+                  <a:schemeClr val="accent1"/>
+                </a:fillRef>
+                <a:effectRef idx="0">
+                  <a:schemeClr val="accent1"/>
+                </a:effectRef>
+                <a:fontRef idx="minor">
+                  <a:schemeClr val="tx1"/>
+                </a:fontRef>
+              </p:style>
+            </p:cxnSp>
+            <p:cxnSp>
+              <p:nvCxnSpPr>
+                <p:cNvPr id="226" name="Straight Connector 225">
+                  <a:extLst>
+                    <a:ext uri="{FF2B5EF4-FFF2-40B4-BE49-F238E27FC236}">
+                      <a16:creationId xmlns:a16="http://schemas.microsoft.com/office/drawing/2014/main" id="{B7F7F0CB-0B67-4829-8EC4-18A6CFCF4F52}"/>
+                    </a:ext>
+                  </a:extLst>
+                </p:cNvPr>
+                <p:cNvCxnSpPr>
+                  <a:cxnSpLocks/>
+                </p:cNvCxnSpPr>
+                <p:nvPr/>
+              </p:nvCxnSpPr>
+              <p:spPr>
+                <a:xfrm>
+                  <a:off x="7820011" y="6563587"/>
+                  <a:ext cx="720000" cy="0"/>
+                </a:xfrm>
+                <a:prstGeom prst="line">
+                  <a:avLst/>
+                </a:prstGeom>
+                <a:ln w="76200">
+                  <a:solidFill>
+                    <a:schemeClr val="tx1"/>
+                  </a:solidFill>
+                </a:ln>
+              </p:spPr>
+              <p:style>
+                <a:lnRef idx="1">
+                  <a:schemeClr val="accent1"/>
+                </a:lnRef>
+                <a:fillRef idx="0">
+                  <a:schemeClr val="accent1"/>
+                </a:fillRef>
+                <a:effectRef idx="0">
+                  <a:schemeClr val="accent1"/>
+                </a:effectRef>
+                <a:fontRef idx="minor">
+                  <a:schemeClr val="tx1"/>
+                </a:fontRef>
+              </p:style>
+            </p:cxnSp>
+          </p:grpSp>
+          <p:sp>
+            <p:nvSpPr>
+              <p:cNvPr id="230" name="Flowchart: Alternate Process 229">
+                <a:extLst>
+                  <a:ext uri="{FF2B5EF4-FFF2-40B4-BE49-F238E27FC236}">
+                    <a16:creationId xmlns:a16="http://schemas.microsoft.com/office/drawing/2014/main" id="{B6C5019D-323F-4D40-8120-8580C61D069F}"/>
+                  </a:ext>
+                </a:extLst>
+              </p:cNvPr>
+              <p:cNvSpPr/>
+              <p:nvPr/>
+            </p:nvSpPr>
+            <p:spPr>
+              <a:xfrm>
+                <a:off x="18512106" y="2686378"/>
+                <a:ext cx="900000" cy="900000"/>
+              </a:xfrm>
+              <a:prstGeom prst="flowChartAlternateProcess">
+                <a:avLst/>
+              </a:prstGeom>
+              <a:ln w="19050"/>
+            </p:spPr>
+            <p:style>
+              <a:lnRef idx="2">
+                <a:schemeClr val="dk1"/>
+              </a:lnRef>
+              <a:fillRef idx="1">
+                <a:schemeClr val="lt1"/>
+              </a:fillRef>
+              <a:effectRef idx="0">
+                <a:schemeClr val="dk1"/>
+              </a:effectRef>
+              <a:fontRef idx="minor">
+                <a:schemeClr val="dk1"/>
+              </a:fontRef>
+            </p:style>
+            <p:txBody>
+              <a:bodyPr rot="0" spcFirstLastPara="0" vertOverflow="overflow" horzOverflow="overflow" vert="horz" wrap="square" lIns="0" tIns="0" rIns="0" bIns="0" numCol="1" spcCol="0" rtlCol="0" fromWordArt="0" anchor="ctr" anchorCtr="0" forceAA="0" compatLnSpc="1">
+                <a:prstTxWarp prst="textNoShape">
+                  <a:avLst/>
+                </a:prstTxWarp>
+                <a:noAutofit/>
+              </a:bodyPr>
+              <a:lstStyle/>
+              <a:p>
+                <a:pPr algn="ctr"/>
+                <a:r>
+                  <a:rPr lang="en-AU" sz="5400" dirty="0">
+                    <a:solidFill>
+                      <a:schemeClr val="accent5"/>
+                    </a:solidFill>
+                    <a:latin typeface="Consolas" panose="020B0609020204030204" pitchFamily="49" charset="0"/>
+                    <a:ea typeface="Yu Gothic" panose="020B0400000000000000" pitchFamily="34" charset="-128"/>
+                  </a:rPr>
+                  <a:t>A+</a:t>
+                </a:r>
+              </a:p>
+            </p:txBody>
+          </p:sp>
+          <p:sp>
+            <p:nvSpPr>
+              <p:cNvPr id="231" name="Flowchart: Alternate Process 230">
+                <a:extLst>
+                  <a:ext uri="{FF2B5EF4-FFF2-40B4-BE49-F238E27FC236}">
+                    <a16:creationId xmlns:a16="http://schemas.microsoft.com/office/drawing/2014/main" id="{25DFDA24-74B7-4286-9964-66DB001CA321}"/>
+                  </a:ext>
+                </a:extLst>
+              </p:cNvPr>
+              <p:cNvSpPr/>
+              <p:nvPr/>
+            </p:nvSpPr>
+            <p:spPr>
+              <a:xfrm>
+                <a:off x="12351300" y="2686378"/>
+                <a:ext cx="900000" cy="900000"/>
+              </a:xfrm>
+              <a:prstGeom prst="flowChartAlternateProcess">
+                <a:avLst/>
+              </a:prstGeom>
+              <a:ln w="19050"/>
+            </p:spPr>
+            <p:style>
+              <a:lnRef idx="2">
+                <a:schemeClr val="dk1"/>
+              </a:lnRef>
+              <a:fillRef idx="1">
+                <a:schemeClr val="lt1"/>
+              </a:fillRef>
+              <a:effectRef idx="0">
+                <a:schemeClr val="dk1"/>
+              </a:effectRef>
+              <a:fontRef idx="minor">
+                <a:schemeClr val="dk1"/>
+              </a:fontRef>
+            </p:style>
+            <p:txBody>
+              <a:bodyPr rot="0" spcFirstLastPara="0" vertOverflow="overflow" horzOverflow="overflow" vert="horz" wrap="square" lIns="0" tIns="0" rIns="0" bIns="0" numCol="1" spcCol="0" rtlCol="0" fromWordArt="0" anchor="ctr" anchorCtr="0" forceAA="0" compatLnSpc="1">
+                <a:prstTxWarp prst="textNoShape">
+                  <a:avLst/>
+                </a:prstTxWarp>
+                <a:noAutofit/>
+              </a:bodyPr>
+              <a:lstStyle/>
+              <a:p>
+                <a:pPr algn="ctr"/>
+                <a:r>
+                  <a:rPr lang="en-AU" sz="5400" dirty="0">
+                    <a:solidFill>
+                      <a:schemeClr val="accent5"/>
+                    </a:solidFill>
+                    <a:latin typeface="Consolas" panose="020B0609020204030204" pitchFamily="49" charset="0"/>
+                    <a:ea typeface="Yu Gothic" panose="020B0400000000000000" pitchFamily="34" charset="-128"/>
+                  </a:rPr>
+                  <a:t>A-</a:t>
+                </a:r>
+              </a:p>
+            </p:txBody>
+          </p:sp>
+          <p:sp>
+            <p:nvSpPr>
+              <p:cNvPr id="227" name="Flowchart: Alternate Process 226">
+                <a:extLst>
+                  <a:ext uri="{FF2B5EF4-FFF2-40B4-BE49-F238E27FC236}">
+                    <a16:creationId xmlns:a16="http://schemas.microsoft.com/office/drawing/2014/main" id="{40B0B6CF-0460-43B5-A878-D82696A567C6}"/>
+                  </a:ext>
+                </a:extLst>
+              </p:cNvPr>
+              <p:cNvSpPr/>
+              <p:nvPr/>
+            </p:nvSpPr>
+            <p:spPr>
+              <a:xfrm>
+                <a:off x="15431703" y="5766780"/>
+                <a:ext cx="900000" cy="900000"/>
+              </a:xfrm>
+              <a:prstGeom prst="flowChartAlternateProcess">
+                <a:avLst/>
+              </a:prstGeom>
+              <a:ln w="19050"/>
+            </p:spPr>
+            <p:style>
+              <a:lnRef idx="2">
+                <a:schemeClr val="dk1"/>
+              </a:lnRef>
+              <a:fillRef idx="1">
+                <a:schemeClr val="lt1"/>
+              </a:fillRef>
+              <a:effectRef idx="0">
+                <a:schemeClr val="dk1"/>
+              </a:effectRef>
+              <a:fontRef idx="minor">
+                <a:schemeClr val="dk1"/>
+              </a:fontRef>
+            </p:style>
+            <p:txBody>
+              <a:bodyPr rot="0" spcFirstLastPara="0" vertOverflow="overflow" horzOverflow="overflow" vert="horz" wrap="square" lIns="0" tIns="0" rIns="0" bIns="0" numCol="1" spcCol="0" rtlCol="0" fromWordArt="0" anchor="ctr" anchorCtr="0" forceAA="0" compatLnSpc="1">
+                <a:prstTxWarp prst="textNoShape">
+                  <a:avLst/>
+                </a:prstTxWarp>
+                <a:noAutofit/>
+              </a:bodyPr>
+              <a:lstStyle/>
+              <a:p>
+                <a:pPr algn="ctr"/>
+                <a:r>
+                  <a:rPr lang="en-AU" sz="5400" dirty="0">
+                    <a:solidFill>
+                      <a:srgbClr val="C00000"/>
+                    </a:solidFill>
+                    <a:latin typeface="Consolas" panose="020B0609020204030204" pitchFamily="49" charset="0"/>
+                    <a:ea typeface="Yu Gothic" panose="020B0400000000000000" pitchFamily="34" charset="-128"/>
+                  </a:rPr>
+                  <a:t>E-</a:t>
+                </a:r>
+              </a:p>
+            </p:txBody>
+          </p:sp>
+          <p:sp>
+            <p:nvSpPr>
+              <p:cNvPr id="228" name="Flowchart: Alternate Process 227">
+                <a:extLst>
+                  <a:ext uri="{FF2B5EF4-FFF2-40B4-BE49-F238E27FC236}">
+                    <a16:creationId xmlns:a16="http://schemas.microsoft.com/office/drawing/2014/main" id="{BF7B5FC4-9F25-446B-9EE4-EBD760AF18D9}"/>
+                  </a:ext>
+                </a:extLst>
+              </p:cNvPr>
+              <p:cNvSpPr/>
+              <p:nvPr/>
+            </p:nvSpPr>
+            <p:spPr>
+              <a:xfrm>
+                <a:off x="15431703" y="-394026"/>
+                <a:ext cx="900000" cy="900000"/>
+              </a:xfrm>
+              <a:prstGeom prst="flowChartAlternateProcess">
+                <a:avLst/>
+              </a:prstGeom>
+              <a:ln w="19050"/>
+            </p:spPr>
+            <p:style>
+              <a:lnRef idx="2">
+                <a:schemeClr val="dk1"/>
+              </a:lnRef>
+              <a:fillRef idx="1">
+                <a:schemeClr val="lt1"/>
+              </a:fillRef>
+              <a:effectRef idx="0">
+                <a:schemeClr val="dk1"/>
+              </a:effectRef>
+              <a:fontRef idx="minor">
+                <a:schemeClr val="dk1"/>
+              </a:fontRef>
+            </p:style>
+            <p:txBody>
+              <a:bodyPr rot="0" spcFirstLastPara="0" vertOverflow="overflow" horzOverflow="overflow" vert="horz" wrap="square" lIns="0" tIns="0" rIns="0" bIns="0" numCol="1" spcCol="0" rtlCol="0" fromWordArt="0" anchor="ctr" anchorCtr="0" forceAA="0" compatLnSpc="1">
+                <a:prstTxWarp prst="textNoShape">
+                  <a:avLst/>
+                </a:prstTxWarp>
+                <a:noAutofit/>
+              </a:bodyPr>
+              <a:lstStyle/>
+              <a:p>
+                <a:pPr algn="ctr"/>
+                <a:r>
+                  <a:rPr lang="en-AU" sz="5400" dirty="0">
+                    <a:solidFill>
+                      <a:srgbClr val="C00000"/>
+                    </a:solidFill>
+                    <a:latin typeface="Consolas" panose="020B0609020204030204" pitchFamily="49" charset="0"/>
+                    <a:ea typeface="Yu Gothic" panose="020B0400000000000000" pitchFamily="34" charset="-128"/>
+                  </a:rPr>
+                  <a:t>E+</a:t>
+                </a:r>
+              </a:p>
+            </p:txBody>
+          </p:sp>
+          <p:sp>
+            <p:nvSpPr>
+              <p:cNvPr id="241" name="Flowchart: Alternate Process 240">
+                <a:extLst>
+                  <a:ext uri="{FF2B5EF4-FFF2-40B4-BE49-F238E27FC236}">
+                    <a16:creationId xmlns:a16="http://schemas.microsoft.com/office/drawing/2014/main" id="{8C6BAC55-9542-4B0D-91A9-6083CAC3AEDF}"/>
+                  </a:ext>
+                </a:extLst>
+              </p:cNvPr>
+              <p:cNvSpPr/>
+              <p:nvPr/>
+            </p:nvSpPr>
+            <p:spPr>
+              <a:xfrm>
+                <a:off x="17046032" y="-67104"/>
+                <a:ext cx="794564" cy="246156"/>
+              </a:xfrm>
+              <a:prstGeom prst="flowChartAlternateProcess">
+                <a:avLst/>
+              </a:prstGeom>
+              <a:noFill/>
+              <a:ln>
+                <a:noFill/>
+              </a:ln>
+            </p:spPr>
+            <p:style>
+              <a:lnRef idx="2">
+                <a:schemeClr val="dk1"/>
+              </a:lnRef>
+              <a:fillRef idx="1">
+                <a:schemeClr val="lt1"/>
+              </a:fillRef>
+              <a:effectRef idx="0">
+                <a:schemeClr val="dk1"/>
+              </a:effectRef>
+              <a:fontRef idx="minor">
+                <a:schemeClr val="dk1"/>
+              </a:fontRef>
+            </p:style>
+            <p:txBody>
+              <a:bodyPr rot="0" spcFirstLastPara="0" vertOverflow="overflow" horzOverflow="overflow" vert="horz" wrap="square" lIns="0" tIns="0" rIns="0" bIns="0" numCol="1" spcCol="0" rtlCol="0" fromWordArt="0" anchor="ctr" anchorCtr="0" forceAA="0" compatLnSpc="1">
+                <a:prstTxWarp prst="textNoShape">
+                  <a:avLst/>
+                </a:prstTxWarp>
+                <a:noAutofit/>
+              </a:bodyPr>
+              <a:lstStyle/>
+              <a:p>
+                <a:pPr algn="ctr"/>
+                <a:r>
+                  <a:rPr lang="en-AU" dirty="0">
+                    <a:solidFill>
+                      <a:schemeClr val="accent2"/>
+                    </a:solidFill>
+                    <a:latin typeface="Consolas" panose="020B0609020204030204" pitchFamily="49" charset="0"/>
+                    <a:ea typeface="Yu Gothic" panose="020B0400000000000000" pitchFamily="34" charset="-128"/>
+                  </a:rPr>
+                  <a:t>To 5V</a:t>
+                </a:r>
+              </a:p>
+            </p:txBody>
+          </p:sp>
+          <p:sp>
+            <p:nvSpPr>
+              <p:cNvPr id="242" name="Flowchart: Alternate Process 241">
+                <a:extLst>
+                  <a:ext uri="{FF2B5EF4-FFF2-40B4-BE49-F238E27FC236}">
+                    <a16:creationId xmlns:a16="http://schemas.microsoft.com/office/drawing/2014/main" id="{0B903B88-B5F9-4EA9-A720-B68F9CA7D92D}"/>
+                  </a:ext>
+                </a:extLst>
+              </p:cNvPr>
+              <p:cNvSpPr/>
+              <p:nvPr/>
+            </p:nvSpPr>
+            <p:spPr>
+              <a:xfrm>
+                <a:off x="17046032" y="6093702"/>
+                <a:ext cx="794564" cy="246156"/>
+              </a:xfrm>
+              <a:prstGeom prst="flowChartAlternateProcess">
+                <a:avLst/>
+              </a:prstGeom>
+              <a:noFill/>
+              <a:ln>
+                <a:noFill/>
+              </a:ln>
+            </p:spPr>
+            <p:style>
+              <a:lnRef idx="2">
+                <a:schemeClr val="dk1"/>
+              </a:lnRef>
+              <a:fillRef idx="1">
+                <a:schemeClr val="lt1"/>
+              </a:fillRef>
+              <a:effectRef idx="0">
+                <a:schemeClr val="dk1"/>
+              </a:effectRef>
+              <a:fontRef idx="minor">
+                <a:schemeClr val="dk1"/>
+              </a:fontRef>
+            </p:style>
+            <p:txBody>
+              <a:bodyPr rot="0" spcFirstLastPara="0" vertOverflow="overflow" horzOverflow="overflow" vert="horz" wrap="square" lIns="0" tIns="0" rIns="0" bIns="0" numCol="1" spcCol="0" rtlCol="0" fromWordArt="0" anchor="ctr" anchorCtr="0" forceAA="0" compatLnSpc="1">
+                <a:prstTxWarp prst="textNoShape">
+                  <a:avLst/>
+                </a:prstTxWarp>
+                <a:noAutofit/>
+              </a:bodyPr>
+              <a:lstStyle/>
+              <a:p>
+                <a:pPr algn="ctr"/>
+                <a:r>
+                  <a:rPr lang="en-AU" dirty="0">
+                    <a:solidFill>
+                      <a:schemeClr val="accent2"/>
+                    </a:solidFill>
+                    <a:latin typeface="Consolas" panose="020B0609020204030204" pitchFamily="49" charset="0"/>
+                    <a:ea typeface="Yu Gothic" panose="020B0400000000000000" pitchFamily="34" charset="-128"/>
+                  </a:rPr>
+                  <a:t>To Ground</a:t>
+                </a:r>
+              </a:p>
+            </p:txBody>
+          </p:sp>
+          <p:sp>
+            <p:nvSpPr>
+              <p:cNvPr id="243" name="Flowchart: Alternate Process 242">
+                <a:extLst>
+                  <a:ext uri="{FF2B5EF4-FFF2-40B4-BE49-F238E27FC236}">
+                    <a16:creationId xmlns:a16="http://schemas.microsoft.com/office/drawing/2014/main" id="{89BC14E5-F4AC-4D78-B5F8-846BD32FDE51}"/>
+                  </a:ext>
+                </a:extLst>
+              </p:cNvPr>
+              <p:cNvSpPr/>
+              <p:nvPr/>
+            </p:nvSpPr>
+            <p:spPr>
+              <a:xfrm>
+                <a:off x="13092211" y="2073595"/>
+                <a:ext cx="794564" cy="246156"/>
+              </a:xfrm>
+              <a:prstGeom prst="flowChartAlternateProcess">
+                <a:avLst/>
+              </a:prstGeom>
+              <a:noFill/>
+              <a:ln>
+                <a:noFill/>
+              </a:ln>
+            </p:spPr>
+            <p:style>
+              <a:lnRef idx="2">
+                <a:schemeClr val="dk1"/>
+              </a:lnRef>
+              <a:fillRef idx="1">
+                <a:schemeClr val="lt1"/>
+              </a:fillRef>
+              <a:effectRef idx="0">
+                <a:schemeClr val="dk1"/>
+              </a:effectRef>
+              <a:fontRef idx="minor">
+                <a:schemeClr val="dk1"/>
+              </a:fontRef>
+            </p:style>
+            <p:txBody>
+              <a:bodyPr rot="0" spcFirstLastPara="0" vertOverflow="overflow" horzOverflow="overflow" vert="horz" wrap="square" lIns="0" tIns="0" rIns="0" bIns="0" numCol="1" spcCol="0" rtlCol="0" fromWordArt="0" anchor="ctr" anchorCtr="0" forceAA="0" compatLnSpc="1">
+                <a:prstTxWarp prst="textNoShape">
+                  <a:avLst/>
+                </a:prstTxWarp>
+                <a:noAutofit/>
+              </a:bodyPr>
+              <a:lstStyle/>
+              <a:p>
+                <a:pPr algn="ctr"/>
+                <a:r>
+                  <a:rPr lang="en-AU" dirty="0">
+                    <a:solidFill>
+                      <a:schemeClr val="accent2"/>
+                    </a:solidFill>
+                    <a:latin typeface="Consolas" panose="020B0609020204030204" pitchFamily="49" charset="0"/>
+                    <a:ea typeface="Yu Gothic" panose="020B0400000000000000" pitchFamily="34" charset="-128"/>
+                  </a:rPr>
+                  <a:t>Signal Low</a:t>
+                </a:r>
+              </a:p>
+            </p:txBody>
+          </p:sp>
+          <p:sp>
+            <p:nvSpPr>
+              <p:cNvPr id="244" name="Flowchart: Alternate Process 243">
+                <a:extLst>
+                  <a:ext uri="{FF2B5EF4-FFF2-40B4-BE49-F238E27FC236}">
+                    <a16:creationId xmlns:a16="http://schemas.microsoft.com/office/drawing/2014/main" id="{F20C236A-5CD2-464C-9A0B-29374F90D55F}"/>
+                  </a:ext>
+                </a:extLst>
+              </p:cNvPr>
+              <p:cNvSpPr/>
+              <p:nvPr/>
+            </p:nvSpPr>
+            <p:spPr>
+              <a:xfrm>
+                <a:off x="17876632" y="2073595"/>
+                <a:ext cx="794564" cy="246156"/>
+              </a:xfrm>
+              <a:prstGeom prst="flowChartAlternateProcess">
+                <a:avLst/>
+              </a:prstGeom>
+              <a:noFill/>
+              <a:ln>
+                <a:noFill/>
+              </a:ln>
+            </p:spPr>
+            <p:style>
+              <a:lnRef idx="2">
+                <a:schemeClr val="dk1"/>
+              </a:lnRef>
+              <a:fillRef idx="1">
+                <a:schemeClr val="lt1"/>
+              </a:fillRef>
+              <a:effectRef idx="0">
+                <a:schemeClr val="dk1"/>
+              </a:effectRef>
+              <a:fontRef idx="minor">
+                <a:schemeClr val="dk1"/>
+              </a:fontRef>
+            </p:style>
+            <p:txBody>
+              <a:bodyPr rot="0" spcFirstLastPara="0" vertOverflow="overflow" horzOverflow="overflow" vert="horz" wrap="square" lIns="0" tIns="0" rIns="0" bIns="0" numCol="1" spcCol="0" rtlCol="0" fromWordArt="0" anchor="ctr" anchorCtr="0" forceAA="0" compatLnSpc="1">
+                <a:prstTxWarp prst="textNoShape">
+                  <a:avLst/>
+                </a:prstTxWarp>
+                <a:noAutofit/>
+              </a:bodyPr>
+              <a:lstStyle/>
+              <a:p>
+                <a:pPr algn="ctr"/>
+                <a:r>
+                  <a:rPr lang="en-AU" dirty="0">
+                    <a:solidFill>
+                      <a:schemeClr val="accent2"/>
+                    </a:solidFill>
+                    <a:latin typeface="Consolas" panose="020B0609020204030204" pitchFamily="49" charset="0"/>
+                    <a:ea typeface="Yu Gothic" panose="020B0400000000000000" pitchFamily="34" charset="-128"/>
+                  </a:rPr>
+                  <a:t>Signal High</a:t>
+                </a:r>
+              </a:p>
+            </p:txBody>
+          </p:sp>
+          <p:cxnSp>
+            <p:nvCxnSpPr>
+              <p:cNvPr id="249" name="Connector: Elbow 248">
+                <a:extLst>
+                  <a:ext uri="{FF2B5EF4-FFF2-40B4-BE49-F238E27FC236}">
+                    <a16:creationId xmlns:a16="http://schemas.microsoft.com/office/drawing/2014/main" id="{8EEE6C94-7805-45D5-9AC6-3F99331008A2}"/>
+                  </a:ext>
+                </a:extLst>
+              </p:cNvPr>
+              <p:cNvCxnSpPr>
+                <a:cxnSpLocks/>
+                <a:stCxn id="244" idx="3"/>
+                <a:endCxn id="230" idx="0"/>
+              </p:cNvCxnSpPr>
+              <p:nvPr/>
+            </p:nvCxnSpPr>
+            <p:spPr>
+              <a:xfrm>
+                <a:off x="18671196" y="2196673"/>
+                <a:ext cx="290910" cy="489705"/>
+              </a:xfrm>
+              <a:prstGeom prst="bentConnector2">
+                <a:avLst/>
+              </a:prstGeom>
+              <a:ln w="28575">
+                <a:solidFill>
+                  <a:schemeClr val="accent2"/>
+                </a:solidFill>
+                <a:prstDash val="sysDot"/>
+                <a:headEnd type="none" w="med" len="med"/>
+                <a:tailEnd type="none" w="med" len="med"/>
+              </a:ln>
+            </p:spPr>
+            <p:style>
+              <a:lnRef idx="3">
+                <a:schemeClr val="dk1"/>
+              </a:lnRef>
+              <a:fillRef idx="0">
+                <a:schemeClr val="dk1"/>
+              </a:fillRef>
+              <a:effectRef idx="2">
+                <a:schemeClr val="dk1"/>
+              </a:effectRef>
+              <a:fontRef idx="minor">
+                <a:schemeClr val="tx1"/>
+              </a:fontRef>
+            </p:style>
+          </p:cxnSp>
+          <p:cxnSp>
+            <p:nvCxnSpPr>
+              <p:cNvPr id="259" name="Straight Connector 258">
+                <a:extLst>
+                  <a:ext uri="{FF2B5EF4-FFF2-40B4-BE49-F238E27FC236}">
+                    <a16:creationId xmlns:a16="http://schemas.microsoft.com/office/drawing/2014/main" id="{7678571D-7714-4E96-B9DE-220984C846A9}"/>
+                  </a:ext>
+                </a:extLst>
+              </p:cNvPr>
+              <p:cNvCxnSpPr>
+                <a:cxnSpLocks/>
+                <a:stCxn id="227" idx="3"/>
+                <a:endCxn id="242" idx="1"/>
+              </p:cNvCxnSpPr>
+              <p:nvPr/>
+            </p:nvCxnSpPr>
+            <p:spPr>
+              <a:xfrm>
+                <a:off x="16331703" y="6216780"/>
+                <a:ext cx="714329" cy="0"/>
+              </a:xfrm>
+              <a:prstGeom prst="line">
+                <a:avLst/>
+              </a:prstGeom>
+              <a:ln w="28575">
+                <a:solidFill>
+                  <a:schemeClr val="accent2"/>
+                </a:solidFill>
+                <a:prstDash val="sysDot"/>
+              </a:ln>
+            </p:spPr>
+            <p:style>
+              <a:lnRef idx="1">
+                <a:schemeClr val="accent1"/>
+              </a:lnRef>
+              <a:fillRef idx="0">
+                <a:schemeClr val="accent1"/>
+              </a:fillRef>
+              <a:effectRef idx="0">
+                <a:schemeClr val="accent1"/>
+              </a:effectRef>
+              <a:fontRef idx="minor">
+                <a:schemeClr val="tx1"/>
+              </a:fontRef>
+            </p:style>
+          </p:cxnSp>
+        </p:grpSp>
+        <p:sp>
+          <p:nvSpPr>
+            <p:cNvPr id="266" name="Rectangle: Rounded Corners 265">
+              <a:extLst>
+                <a:ext uri="{FF2B5EF4-FFF2-40B4-BE49-F238E27FC236}">
+                  <a16:creationId xmlns:a16="http://schemas.microsoft.com/office/drawing/2014/main" id="{C00102F9-AC62-4FD0-83E2-52BEF5736383}"/>
+                </a:ext>
+              </a:extLst>
+            </p:cNvPr>
+            <p:cNvSpPr/>
+            <p:nvPr/>
+          </p:nvSpPr>
+          <p:spPr>
+            <a:xfrm>
+              <a:off x="5386994" y="1539439"/>
+              <a:ext cx="1453656" cy="5569527"/>
+            </a:xfrm>
+            <a:prstGeom prst="roundRect">
+              <a:avLst/>
+            </a:prstGeom>
+            <a:ln w="28575">
+              <a:solidFill>
+                <a:schemeClr val="accent2"/>
+              </a:solidFill>
+              <a:prstDash val="sysDot"/>
+              <a:headEnd type="none" w="med" len="med"/>
+              <a:tailEnd type="none" w="med" len="med"/>
+            </a:ln>
+          </p:spPr>
+          <p:style>
+            <a:lnRef idx="3">
+              <a:schemeClr val="dk1"/>
+            </a:lnRef>
+            <a:fillRef idx="0">
+              <a:schemeClr val="dk1"/>
+            </a:fillRef>
+            <a:effectRef idx="2">
+              <a:schemeClr val="dk1"/>
+            </a:effectRef>
+            <a:fontRef idx="minor">
+              <a:schemeClr val="tx1"/>
+            </a:fontRef>
+          </p:style>
+          <p:txBody>
+            <a:bodyPr rtlCol="0" anchor="b"/>
+            <a:lstStyle/>
+            <a:p>
+              <a:pPr algn="ctr"/>
+              <a:r>
+                <a:rPr lang="en-AU" dirty="0">
+                  <a:solidFill>
+                    <a:schemeClr val="accent2"/>
+                  </a:solidFill>
+                  <a:latin typeface="Consolas" panose="020B0609020204030204" pitchFamily="49" charset="0"/>
+                </a:rPr>
+                <a:t>Sensor 1</a:t>
+              </a:r>
+            </a:p>
+          </p:txBody>
+        </p:sp>
+        <p:sp>
+          <p:nvSpPr>
+            <p:cNvPr id="267" name="Rectangle: Rounded Corners 266">
+              <a:extLst>
+                <a:ext uri="{FF2B5EF4-FFF2-40B4-BE49-F238E27FC236}">
+                  <a16:creationId xmlns:a16="http://schemas.microsoft.com/office/drawing/2014/main" id="{C99DE8A4-4BEC-4CAB-8E9D-F7E869223928}"/>
+                </a:ext>
+              </a:extLst>
+            </p:cNvPr>
+            <p:cNvSpPr/>
+            <p:nvPr/>
+          </p:nvSpPr>
+          <p:spPr>
+            <a:xfrm>
+              <a:off x="10782782" y="1539439"/>
+              <a:ext cx="1453656" cy="5569527"/>
+            </a:xfrm>
+            <a:prstGeom prst="roundRect">
+              <a:avLst/>
+            </a:prstGeom>
+            <a:ln w="28575">
+              <a:solidFill>
+                <a:schemeClr val="accent2"/>
+              </a:solidFill>
+              <a:prstDash val="sysDot"/>
+              <a:headEnd type="none" w="med" len="med"/>
+              <a:tailEnd type="none" w="med" len="med"/>
+            </a:ln>
+          </p:spPr>
+          <p:style>
+            <a:lnRef idx="3">
+              <a:schemeClr val="dk1"/>
+            </a:lnRef>
+            <a:fillRef idx="0">
+              <a:schemeClr val="dk1"/>
+            </a:fillRef>
+            <a:effectRef idx="2">
+              <a:schemeClr val="dk1"/>
+            </a:effectRef>
+            <a:fontRef idx="minor">
+              <a:schemeClr val="tx1"/>
+            </a:fontRef>
+          </p:style>
+          <p:txBody>
+            <a:bodyPr rot="0" spcFirstLastPara="0" vertOverflow="overflow" horzOverflow="overflow" vert="horz" wrap="square" lIns="91440" tIns="45720" rIns="91440" bIns="45720" numCol="1" spcCol="0" rtlCol="0" fromWordArt="0" anchor="b" anchorCtr="0" forceAA="0" compatLnSpc="1">
+              <a:prstTxWarp prst="textNoShape">
+                <a:avLst/>
+              </a:prstTxWarp>
+              <a:noAutofit/>
+            </a:bodyPr>
+            <a:lstStyle/>
+            <a:p>
+              <a:pPr algn="ctr"/>
+              <a:r>
+                <a:rPr lang="en-AU" dirty="0">
+                  <a:solidFill>
+                    <a:schemeClr val="accent2"/>
+                  </a:solidFill>
+                  <a:latin typeface="Consolas" panose="020B0609020204030204" pitchFamily="49" charset="0"/>
+                </a:rPr>
+                <a:t>Sensor 4</a:t>
+              </a:r>
+            </a:p>
+          </p:txBody>
+        </p:sp>
+        <p:sp>
+          <p:nvSpPr>
+            <p:cNvPr id="268" name="Rectangle: Rounded Corners 267">
+              <a:extLst>
+                <a:ext uri="{FF2B5EF4-FFF2-40B4-BE49-F238E27FC236}">
+                  <a16:creationId xmlns:a16="http://schemas.microsoft.com/office/drawing/2014/main" id="{F99C75B4-0658-4AC7-990F-A96E758F4063}"/>
+                </a:ext>
+              </a:extLst>
+            </p:cNvPr>
+            <p:cNvSpPr/>
+            <p:nvPr/>
+          </p:nvSpPr>
+          <p:spPr>
+            <a:xfrm>
+              <a:off x="7193343" y="1539439"/>
+              <a:ext cx="1453656" cy="5569527"/>
+            </a:xfrm>
+            <a:prstGeom prst="roundRect">
+              <a:avLst/>
+            </a:prstGeom>
+            <a:ln w="28575">
+              <a:solidFill>
+                <a:schemeClr val="accent2"/>
+              </a:solidFill>
+              <a:prstDash val="sysDot"/>
+              <a:headEnd type="none" w="med" len="med"/>
+              <a:tailEnd type="none" w="med" len="med"/>
+            </a:ln>
+          </p:spPr>
+          <p:style>
+            <a:lnRef idx="3">
+              <a:schemeClr val="dk1"/>
+            </a:lnRef>
+            <a:fillRef idx="0">
+              <a:schemeClr val="dk1"/>
+            </a:fillRef>
+            <a:effectRef idx="2">
+              <a:schemeClr val="dk1"/>
+            </a:effectRef>
+            <a:fontRef idx="minor">
+              <a:schemeClr val="tx1"/>
+            </a:fontRef>
+          </p:style>
+          <p:txBody>
+            <a:bodyPr rot="0" spcFirstLastPara="0" vertOverflow="overflow" horzOverflow="overflow" vert="horz" wrap="square" lIns="91440" tIns="45720" rIns="91440" bIns="45720" numCol="1" spcCol="0" rtlCol="0" fromWordArt="0" anchor="b" anchorCtr="0" forceAA="0" compatLnSpc="1">
+              <a:prstTxWarp prst="textNoShape">
+                <a:avLst/>
+              </a:prstTxWarp>
+              <a:noAutofit/>
+            </a:bodyPr>
+            <a:lstStyle/>
+            <a:p>
+              <a:pPr algn="ctr"/>
+              <a:r>
+                <a:rPr lang="en-AU" dirty="0">
+                  <a:solidFill>
+                    <a:schemeClr val="accent2"/>
+                  </a:solidFill>
+                  <a:latin typeface="Consolas" panose="020B0609020204030204" pitchFamily="49" charset="0"/>
+                </a:rPr>
+                <a:t>Sensor 2</a:t>
+              </a:r>
+            </a:p>
+          </p:txBody>
+        </p:sp>
+        <p:grpSp>
+          <p:nvGrpSpPr>
+            <p:cNvPr id="293" name="Group 292">
+              <a:extLst>
+                <a:ext uri="{FF2B5EF4-FFF2-40B4-BE49-F238E27FC236}">
+                  <a16:creationId xmlns:a16="http://schemas.microsoft.com/office/drawing/2014/main" id="{EDBEDFF0-9DDE-4CE9-852C-AB4C07C09955}"/>
+                </a:ext>
+              </a:extLst>
+            </p:cNvPr>
+            <p:cNvGrpSpPr/>
+            <p:nvPr/>
+          </p:nvGrpSpPr>
+          <p:grpSpPr>
+            <a:xfrm rot="18900000">
+              <a:off x="13940376" y="1978220"/>
+              <a:ext cx="2103874" cy="478970"/>
+              <a:chOff x="13403700" y="420914"/>
+              <a:chExt cx="2103874" cy="478970"/>
+            </a:xfrm>
+          </p:grpSpPr>
+          <p:sp>
+            <p:nvSpPr>
+              <p:cNvPr id="291" name="Rectangle 290">
+                <a:extLst>
+                  <a:ext uri="{FF2B5EF4-FFF2-40B4-BE49-F238E27FC236}">
+                    <a16:creationId xmlns:a16="http://schemas.microsoft.com/office/drawing/2014/main" id="{EEDD62E2-00EB-4D67-ADE1-5219094350EC}"/>
+                  </a:ext>
+                </a:extLst>
+              </p:cNvPr>
+              <p:cNvSpPr/>
+              <p:nvPr/>
+            </p:nvSpPr>
+            <p:spPr>
+              <a:xfrm>
+                <a:off x="13403700" y="420914"/>
+                <a:ext cx="899988" cy="478970"/>
+              </a:xfrm>
+              <a:prstGeom prst="rect">
+                <a:avLst/>
+              </a:prstGeom>
+              <a:ln w="19050"/>
+            </p:spPr>
+            <p:style>
+              <a:lnRef idx="2">
+                <a:schemeClr val="dk1"/>
+              </a:lnRef>
+              <a:fillRef idx="1">
+                <a:schemeClr val="lt1"/>
+              </a:fillRef>
+              <a:effectRef idx="0">
+                <a:schemeClr val="dk1"/>
+              </a:effectRef>
+              <a:fontRef idx="minor">
+                <a:schemeClr val="dk1"/>
+              </a:fontRef>
+            </p:style>
+            <p:txBody>
+              <a:bodyPr rot="0" spcFirstLastPara="0" vertOverflow="overflow" horzOverflow="overflow" vert="horz" wrap="square" lIns="0" tIns="0" rIns="0" bIns="0" numCol="1" spcCol="0" rtlCol="0" fromWordArt="0" anchor="ctr" anchorCtr="0" forceAA="0" compatLnSpc="1">
+                <a:prstTxWarp prst="textNoShape">
+                  <a:avLst/>
+                </a:prstTxWarp>
+                <a:noAutofit/>
+              </a:bodyPr>
+              <a:lstStyle/>
+              <a:p>
+                <a:pPr algn="ctr"/>
+                <a:r>
+                  <a:rPr lang="en-AU" sz="3600" dirty="0">
+                    <a:solidFill>
+                      <a:schemeClr val="accent6"/>
+                    </a:solidFill>
+                    <a:latin typeface="Consolas" panose="020B0609020204030204" pitchFamily="49" charset="0"/>
+                    <a:ea typeface="Yu Gothic" panose="020B0400000000000000" pitchFamily="34" charset="-128"/>
+                  </a:rPr>
+                  <a:t>Z-3</a:t>
+                </a:r>
+              </a:p>
+            </p:txBody>
+          </p:sp>
+          <p:sp>
+            <p:nvSpPr>
+              <p:cNvPr id="292" name="Rectangle 291">
+                <a:extLst>
+                  <a:ext uri="{FF2B5EF4-FFF2-40B4-BE49-F238E27FC236}">
+                    <a16:creationId xmlns:a16="http://schemas.microsoft.com/office/drawing/2014/main" id="{9ADCB012-5956-4F93-A351-F4C6719B206A}"/>
+                  </a:ext>
+                </a:extLst>
+              </p:cNvPr>
+              <p:cNvSpPr/>
+              <p:nvPr/>
+            </p:nvSpPr>
+            <p:spPr>
+              <a:xfrm>
+                <a:off x="14607586" y="420914"/>
+                <a:ext cx="899988" cy="478970"/>
+              </a:xfrm>
+              <a:prstGeom prst="rect">
+                <a:avLst/>
+              </a:prstGeom>
+              <a:ln w="19050"/>
+            </p:spPr>
+            <p:style>
+              <a:lnRef idx="2">
+                <a:schemeClr val="dk1"/>
+              </a:lnRef>
+              <a:fillRef idx="1">
+                <a:schemeClr val="lt1"/>
+              </a:fillRef>
+              <a:effectRef idx="0">
+                <a:schemeClr val="dk1"/>
+              </a:effectRef>
+              <a:fontRef idx="minor">
+                <a:schemeClr val="dk1"/>
+              </a:fontRef>
+            </p:style>
+            <p:txBody>
+              <a:bodyPr rot="0" spcFirstLastPara="0" vertOverflow="overflow" horzOverflow="overflow" vert="horz" wrap="square" lIns="0" tIns="0" rIns="0" bIns="0" numCol="1" spcCol="0" rtlCol="0" fromWordArt="0" anchor="ctr" anchorCtr="0" forceAA="0" compatLnSpc="1">
+                <a:prstTxWarp prst="textNoShape">
+                  <a:avLst/>
+                </a:prstTxWarp>
+                <a:noAutofit/>
+              </a:bodyPr>
+              <a:lstStyle/>
+              <a:p>
+                <a:pPr algn="ctr"/>
+                <a:r>
+                  <a:rPr lang="en-AU" sz="3600" dirty="0">
+                    <a:solidFill>
+                      <a:schemeClr val="accent6"/>
+                    </a:solidFill>
+                    <a:latin typeface="Consolas" panose="020B0609020204030204" pitchFamily="49" charset="0"/>
+                    <a:ea typeface="Yu Gothic" panose="020B0400000000000000" pitchFamily="34" charset="-128"/>
+                  </a:rPr>
+                  <a:t>Z-1</a:t>
+                </a:r>
+              </a:p>
+            </p:txBody>
+          </p:sp>
+        </p:grpSp>
+        <p:grpSp>
+          <p:nvGrpSpPr>
+            <p:cNvPr id="294" name="Group 293">
+              <a:extLst>
+                <a:ext uri="{FF2B5EF4-FFF2-40B4-BE49-F238E27FC236}">
+                  <a16:creationId xmlns:a16="http://schemas.microsoft.com/office/drawing/2014/main" id="{9E667EEB-8B22-478A-8DB7-AAC058304479}"/>
+                </a:ext>
+              </a:extLst>
+            </p:cNvPr>
+            <p:cNvGrpSpPr/>
+            <p:nvPr/>
+          </p:nvGrpSpPr>
+          <p:grpSpPr>
+            <a:xfrm rot="18900000">
+              <a:off x="15719156" y="3815563"/>
+              <a:ext cx="2103874" cy="478970"/>
+              <a:chOff x="13403700" y="420914"/>
+              <a:chExt cx="2103874" cy="478970"/>
+            </a:xfrm>
+          </p:grpSpPr>
+          <p:sp>
+            <p:nvSpPr>
+              <p:cNvPr id="295" name="Rectangle 294">
+                <a:extLst>
+                  <a:ext uri="{FF2B5EF4-FFF2-40B4-BE49-F238E27FC236}">
+                    <a16:creationId xmlns:a16="http://schemas.microsoft.com/office/drawing/2014/main" id="{841F2FF2-AF9D-4645-944D-339C00D85A61}"/>
+                  </a:ext>
+                </a:extLst>
+              </p:cNvPr>
+              <p:cNvSpPr/>
+              <p:nvPr/>
+            </p:nvSpPr>
+            <p:spPr>
+              <a:xfrm>
+                <a:off x="13403700" y="420914"/>
+                <a:ext cx="899988" cy="478970"/>
+              </a:xfrm>
+              <a:prstGeom prst="rect">
+                <a:avLst/>
+              </a:prstGeom>
+              <a:ln w="19050"/>
+            </p:spPr>
+            <p:style>
+              <a:lnRef idx="2">
+                <a:schemeClr val="dk1"/>
+              </a:lnRef>
+              <a:fillRef idx="1">
+                <a:schemeClr val="lt1"/>
+              </a:fillRef>
+              <a:effectRef idx="0">
+                <a:schemeClr val="dk1"/>
+              </a:effectRef>
+              <a:fontRef idx="minor">
+                <a:schemeClr val="dk1"/>
+              </a:fontRef>
+            </p:style>
+            <p:txBody>
+              <a:bodyPr rot="0" spcFirstLastPara="0" vertOverflow="overflow" horzOverflow="overflow" vert="horz" wrap="square" lIns="0" tIns="0" rIns="0" bIns="0" numCol="1" spcCol="0" rtlCol="0" fromWordArt="0" anchor="ctr" anchorCtr="0" forceAA="0" compatLnSpc="1">
+                <a:prstTxWarp prst="textNoShape">
+                  <a:avLst/>
+                </a:prstTxWarp>
+                <a:noAutofit/>
+              </a:bodyPr>
+              <a:lstStyle/>
+              <a:p>
+                <a:pPr algn="ctr"/>
+                <a:r>
+                  <a:rPr lang="en-AU" sz="3600" dirty="0">
+                    <a:solidFill>
+                      <a:schemeClr val="accent4"/>
+                    </a:solidFill>
+                    <a:latin typeface="Consolas" panose="020B0609020204030204" pitchFamily="49" charset="0"/>
+                    <a:ea typeface="Yu Gothic" panose="020B0400000000000000" pitchFamily="34" charset="-128"/>
+                  </a:rPr>
+                  <a:t>Z-4</a:t>
+                </a:r>
+              </a:p>
+            </p:txBody>
+          </p:sp>
+          <p:sp>
+            <p:nvSpPr>
+              <p:cNvPr id="296" name="Rectangle 295">
+                <a:extLst>
+                  <a:ext uri="{FF2B5EF4-FFF2-40B4-BE49-F238E27FC236}">
+                    <a16:creationId xmlns:a16="http://schemas.microsoft.com/office/drawing/2014/main" id="{E2A41423-1604-418E-818A-07DCE280754A}"/>
+                  </a:ext>
+                </a:extLst>
+              </p:cNvPr>
+              <p:cNvSpPr/>
+              <p:nvPr/>
+            </p:nvSpPr>
+            <p:spPr>
+              <a:xfrm>
+                <a:off x="14607586" y="420914"/>
+                <a:ext cx="899988" cy="478970"/>
+              </a:xfrm>
+              <a:prstGeom prst="rect">
+                <a:avLst/>
+              </a:prstGeom>
+              <a:ln w="19050"/>
+            </p:spPr>
+            <p:style>
+              <a:lnRef idx="2">
+                <a:schemeClr val="dk1"/>
+              </a:lnRef>
+              <a:fillRef idx="1">
+                <a:schemeClr val="lt1"/>
+              </a:fillRef>
+              <a:effectRef idx="0">
+                <a:schemeClr val="dk1"/>
+              </a:effectRef>
+              <a:fontRef idx="minor">
+                <a:schemeClr val="dk1"/>
+              </a:fontRef>
+            </p:style>
+            <p:txBody>
+              <a:bodyPr rot="0" spcFirstLastPara="0" vertOverflow="overflow" horzOverflow="overflow" vert="horz" wrap="square" lIns="0" tIns="0" rIns="0" bIns="0" numCol="1" spcCol="0" rtlCol="0" fromWordArt="0" anchor="ctr" anchorCtr="0" forceAA="0" compatLnSpc="1">
+                <a:prstTxWarp prst="textNoShape">
+                  <a:avLst/>
+                </a:prstTxWarp>
+                <a:noAutofit/>
+              </a:bodyPr>
+              <a:lstStyle/>
+              <a:p>
+                <a:pPr algn="ctr"/>
+                <a:r>
+                  <a:rPr lang="en-AU" sz="3600" dirty="0">
+                    <a:solidFill>
+                      <a:schemeClr val="accent4"/>
+                    </a:solidFill>
+                    <a:latin typeface="Consolas" panose="020B0609020204030204" pitchFamily="49" charset="0"/>
+                    <a:ea typeface="Yu Gothic" panose="020B0400000000000000" pitchFamily="34" charset="-128"/>
+                  </a:rPr>
+                  <a:t>Z-2</a:t>
+                </a:r>
+              </a:p>
+            </p:txBody>
+          </p:sp>
+        </p:grpSp>
+        <p:grpSp>
+          <p:nvGrpSpPr>
+            <p:cNvPr id="299" name="Group 298">
+              <a:extLst>
+                <a:ext uri="{FF2B5EF4-FFF2-40B4-BE49-F238E27FC236}">
+                  <a16:creationId xmlns:a16="http://schemas.microsoft.com/office/drawing/2014/main" id="{40838094-4C7D-468F-8C5E-3D3CED8BE309}"/>
+                </a:ext>
+              </a:extLst>
+            </p:cNvPr>
+            <p:cNvGrpSpPr/>
+            <p:nvPr/>
+          </p:nvGrpSpPr>
+          <p:grpSpPr>
+            <a:xfrm rot="2700000">
+              <a:off x="15748438" y="2007502"/>
+              <a:ext cx="2103874" cy="478970"/>
+              <a:chOff x="13403700" y="420914"/>
+              <a:chExt cx="2103874" cy="478970"/>
+            </a:xfrm>
+          </p:grpSpPr>
+          <p:sp>
+            <p:nvSpPr>
+              <p:cNvPr id="303" name="Rectangle 302">
+                <a:extLst>
+                  <a:ext uri="{FF2B5EF4-FFF2-40B4-BE49-F238E27FC236}">
+                    <a16:creationId xmlns:a16="http://schemas.microsoft.com/office/drawing/2014/main" id="{5215F98F-49F9-481C-A95F-29857925BDC0}"/>
+                  </a:ext>
+                </a:extLst>
+              </p:cNvPr>
+              <p:cNvSpPr/>
+              <p:nvPr/>
+            </p:nvSpPr>
+            <p:spPr>
+              <a:xfrm>
+                <a:off x="13403700" y="420914"/>
+                <a:ext cx="899988" cy="478970"/>
+              </a:xfrm>
+              <a:prstGeom prst="rect">
+                <a:avLst/>
+              </a:prstGeom>
+              <a:ln w="19050"/>
+            </p:spPr>
+            <p:style>
+              <a:lnRef idx="2">
+                <a:schemeClr val="dk1"/>
+              </a:lnRef>
+              <a:fillRef idx="1">
+                <a:schemeClr val="lt1"/>
+              </a:fillRef>
+              <a:effectRef idx="0">
+                <a:schemeClr val="dk1"/>
+              </a:effectRef>
+              <a:fontRef idx="minor">
+                <a:schemeClr val="dk1"/>
+              </a:fontRef>
+            </p:style>
+            <p:txBody>
+              <a:bodyPr rot="0" spcFirstLastPara="0" vertOverflow="overflow" horzOverflow="overflow" vert="horz" wrap="square" lIns="0" tIns="0" rIns="0" bIns="0" numCol="1" spcCol="0" rtlCol="0" fromWordArt="0" anchor="ctr" anchorCtr="0" forceAA="0" compatLnSpc="1">
+                <a:prstTxWarp prst="textNoShape">
+                  <a:avLst/>
+                </a:prstTxWarp>
+                <a:noAutofit/>
+              </a:bodyPr>
+              <a:lstStyle/>
+              <a:p>
+                <a:pPr algn="ctr"/>
+                <a:r>
+                  <a:rPr lang="en-AU" sz="3600" dirty="0">
+                    <a:solidFill>
+                      <a:schemeClr val="accent2"/>
+                    </a:solidFill>
+                    <a:latin typeface="Consolas" panose="020B0609020204030204" pitchFamily="49" charset="0"/>
+                    <a:ea typeface="Yu Gothic" panose="020B0400000000000000" pitchFamily="34" charset="-128"/>
+                  </a:rPr>
+                  <a:t>Z+1</a:t>
+                </a:r>
+              </a:p>
+            </p:txBody>
+          </p:sp>
+          <p:sp>
+            <p:nvSpPr>
+              <p:cNvPr id="304" name="Rectangle 303">
+                <a:extLst>
+                  <a:ext uri="{FF2B5EF4-FFF2-40B4-BE49-F238E27FC236}">
+                    <a16:creationId xmlns:a16="http://schemas.microsoft.com/office/drawing/2014/main" id="{D97E620E-F895-4FD6-99C6-2B4257DDA400}"/>
+                  </a:ext>
+                </a:extLst>
+              </p:cNvPr>
+              <p:cNvSpPr/>
+              <p:nvPr/>
+            </p:nvSpPr>
+            <p:spPr>
+              <a:xfrm>
+                <a:off x="14607586" y="420914"/>
+                <a:ext cx="899988" cy="478970"/>
+              </a:xfrm>
+              <a:prstGeom prst="rect">
+                <a:avLst/>
+              </a:prstGeom>
+              <a:ln w="19050"/>
+            </p:spPr>
+            <p:style>
+              <a:lnRef idx="2">
+                <a:schemeClr val="dk1"/>
+              </a:lnRef>
+              <a:fillRef idx="1">
+                <a:schemeClr val="lt1"/>
+              </a:fillRef>
+              <a:effectRef idx="0">
+                <a:schemeClr val="dk1"/>
+              </a:effectRef>
+              <a:fontRef idx="minor">
+                <a:schemeClr val="dk1"/>
+              </a:fontRef>
+            </p:style>
+            <p:txBody>
+              <a:bodyPr rot="0" spcFirstLastPara="0" vertOverflow="overflow" horzOverflow="overflow" vert="horz" wrap="square" lIns="0" tIns="0" rIns="0" bIns="0" numCol="1" spcCol="0" rtlCol="0" fromWordArt="0" anchor="ctr" anchorCtr="0" forceAA="0" compatLnSpc="1">
+                <a:prstTxWarp prst="textNoShape">
+                  <a:avLst/>
+                </a:prstTxWarp>
+                <a:noAutofit/>
+              </a:bodyPr>
+              <a:lstStyle/>
+              <a:p>
+                <a:pPr algn="ctr"/>
+                <a:r>
+                  <a:rPr lang="en-AU" sz="3600" dirty="0">
+                    <a:solidFill>
+                      <a:schemeClr val="accent2"/>
+                    </a:solidFill>
+                    <a:latin typeface="Consolas" panose="020B0609020204030204" pitchFamily="49" charset="0"/>
+                    <a:ea typeface="Yu Gothic" panose="020B0400000000000000" pitchFamily="34" charset="-128"/>
+                  </a:rPr>
+                  <a:t>Z+2</a:t>
+                </a:r>
+              </a:p>
+            </p:txBody>
+          </p:sp>
+        </p:grpSp>
+        <p:grpSp>
+          <p:nvGrpSpPr>
+            <p:cNvPr id="300" name="Group 299">
+              <a:extLst>
+                <a:ext uri="{FF2B5EF4-FFF2-40B4-BE49-F238E27FC236}">
+                  <a16:creationId xmlns:a16="http://schemas.microsoft.com/office/drawing/2014/main" id="{C39F0515-5DA9-4D51-8FFA-3EA7EB26C654}"/>
+                </a:ext>
+              </a:extLst>
+            </p:cNvPr>
+            <p:cNvGrpSpPr/>
+            <p:nvPr/>
+          </p:nvGrpSpPr>
+          <p:grpSpPr>
+            <a:xfrm rot="2700000">
+              <a:off x="13911095" y="3786282"/>
+              <a:ext cx="2103874" cy="478970"/>
+              <a:chOff x="13403700" y="420914"/>
+              <a:chExt cx="2103874" cy="478970"/>
+            </a:xfrm>
+          </p:grpSpPr>
+          <p:sp>
+            <p:nvSpPr>
+              <p:cNvPr id="301" name="Rectangle 300">
+                <a:extLst>
+                  <a:ext uri="{FF2B5EF4-FFF2-40B4-BE49-F238E27FC236}">
+                    <a16:creationId xmlns:a16="http://schemas.microsoft.com/office/drawing/2014/main" id="{3E0FCA74-3EC7-431D-8CBE-56778306B8BC}"/>
+                  </a:ext>
+                </a:extLst>
+              </p:cNvPr>
+              <p:cNvSpPr/>
+              <p:nvPr/>
+            </p:nvSpPr>
+            <p:spPr>
+              <a:xfrm>
+                <a:off x="13403700" y="420914"/>
+                <a:ext cx="899988" cy="478970"/>
+              </a:xfrm>
+              <a:prstGeom prst="rect">
+                <a:avLst/>
+              </a:prstGeom>
+              <a:ln w="19050"/>
+            </p:spPr>
+            <p:style>
+              <a:lnRef idx="2">
+                <a:schemeClr val="dk1"/>
+              </a:lnRef>
+              <a:fillRef idx="1">
+                <a:schemeClr val="lt1"/>
+              </a:fillRef>
+              <a:effectRef idx="0">
+                <a:schemeClr val="dk1"/>
+              </a:effectRef>
+              <a:fontRef idx="minor">
+                <a:schemeClr val="dk1"/>
+              </a:fontRef>
+            </p:style>
+            <p:txBody>
+              <a:bodyPr rot="0" spcFirstLastPara="0" vertOverflow="overflow" horzOverflow="overflow" vert="horz" wrap="square" lIns="0" tIns="0" rIns="0" bIns="0" numCol="1" spcCol="0" rtlCol="0" fromWordArt="0" anchor="ctr" anchorCtr="0" forceAA="0" compatLnSpc="1">
+                <a:prstTxWarp prst="textNoShape">
+                  <a:avLst/>
+                </a:prstTxWarp>
+                <a:noAutofit/>
+              </a:bodyPr>
+              <a:lstStyle/>
+              <a:p>
+                <a:pPr algn="ctr"/>
+                <a:r>
+                  <a:rPr lang="en-AU" sz="3600" dirty="0">
+                    <a:solidFill>
+                      <a:srgbClr val="7030A0"/>
+                    </a:solidFill>
+                    <a:latin typeface="Consolas" panose="020B0609020204030204" pitchFamily="49" charset="0"/>
+                    <a:ea typeface="Yu Gothic" panose="020B0400000000000000" pitchFamily="34" charset="-128"/>
+                  </a:rPr>
+                  <a:t>Z+3</a:t>
+                </a:r>
+              </a:p>
+            </p:txBody>
+          </p:sp>
+          <p:sp>
+            <p:nvSpPr>
+              <p:cNvPr id="302" name="Rectangle 301">
+                <a:extLst>
+                  <a:ext uri="{FF2B5EF4-FFF2-40B4-BE49-F238E27FC236}">
+                    <a16:creationId xmlns:a16="http://schemas.microsoft.com/office/drawing/2014/main" id="{5DA22C4E-ABAB-45A5-80D2-A815AAE3A607}"/>
+                  </a:ext>
+                </a:extLst>
+              </p:cNvPr>
+              <p:cNvSpPr/>
+              <p:nvPr/>
+            </p:nvSpPr>
+            <p:spPr>
+              <a:xfrm>
+                <a:off x="14607586" y="420914"/>
+                <a:ext cx="899988" cy="478970"/>
+              </a:xfrm>
+              <a:prstGeom prst="rect">
+                <a:avLst/>
+              </a:prstGeom>
+              <a:ln w="19050"/>
+            </p:spPr>
+            <p:style>
+              <a:lnRef idx="2">
+                <a:schemeClr val="dk1"/>
+              </a:lnRef>
+              <a:fillRef idx="1">
+                <a:schemeClr val="lt1"/>
+              </a:fillRef>
+              <a:effectRef idx="0">
+                <a:schemeClr val="dk1"/>
+              </a:effectRef>
+              <a:fontRef idx="minor">
+                <a:schemeClr val="dk1"/>
+              </a:fontRef>
+            </p:style>
+            <p:txBody>
+              <a:bodyPr rot="0" spcFirstLastPara="0" vertOverflow="overflow" horzOverflow="overflow" vert="horz" wrap="square" lIns="0" tIns="0" rIns="0" bIns="0" numCol="1" spcCol="0" rtlCol="0" fromWordArt="0" anchor="ctr" anchorCtr="0" forceAA="0" compatLnSpc="1">
+                <a:prstTxWarp prst="textNoShape">
+                  <a:avLst/>
+                </a:prstTxWarp>
+                <a:noAutofit/>
+              </a:bodyPr>
+              <a:lstStyle/>
+              <a:p>
+                <a:pPr algn="ctr"/>
+                <a:r>
+                  <a:rPr lang="en-AU" sz="3600" dirty="0">
+                    <a:solidFill>
+                      <a:srgbClr val="7030A0"/>
+                    </a:solidFill>
+                    <a:latin typeface="Consolas" panose="020B0609020204030204" pitchFamily="49" charset="0"/>
+                    <a:ea typeface="Yu Gothic" panose="020B0400000000000000" pitchFamily="34" charset="-128"/>
+                  </a:rPr>
+                  <a:t>Z+4</a:t>
+                </a:r>
+              </a:p>
+            </p:txBody>
+          </p:sp>
+        </p:grpSp>
+      </p:grpSp>
+    </p:spTree>
+    <p:extLst>
+      <p:ext uri="{BB962C8B-B14F-4D97-AF65-F5344CB8AC3E}">
+        <p14:creationId xmlns:p14="http://schemas.microsoft.com/office/powerpoint/2010/main" val="23005190"/>
+      </p:ext>
+    </p:extLst>
+  </p:cSld>
+  <p:clrMapOvr>
+    <a:masterClrMapping/>
+  </p:clrMapOvr>
+</p:sld>
+</file>
+
+<file path=ppt/slides/slide11.xml><?xml version="1.0" encoding="utf-8"?>
+<p:sld xmlns:a="http://schemas.openxmlformats.org/drawingml/2006/main" xmlns:r="http://schemas.openxmlformats.org/officeDocument/2006/relationships" xmlns:p="http://schemas.openxmlformats.org/presentationml/2006/main">
+  <p:cSld>
+    <p:spTree>
+      <p:nvGrpSpPr>
+        <p:cNvPr id="1" name=""/>
+        <p:cNvGrpSpPr/>
+        <p:nvPr/>
+      </p:nvGrpSpPr>
+      <p:grpSpPr>
+        <a:xfrm>
+          <a:off x="0" y="0"/>
+          <a:ext cx="0" cy="0"/>
+          <a:chOff x="0" y="0"/>
+          <a:chExt cx="0" cy="0"/>
+        </a:xfrm>
+      </p:grpSpPr>
+      <p:grpSp>
+        <p:nvGrpSpPr>
           <p:cNvPr id="44" name="Group 43">
             <a:extLst>
               <a:ext uri="{FF2B5EF4-FFF2-40B4-BE49-F238E27FC236}">
@@ -6061,7 +10230,7 @@
 </p:sld>
 </file>
 
-<file path=ppt/slides/slide11.xml><?xml version="1.0" encoding="utf-8"?>
+<file path=ppt/slides/slide12.xml><?xml version="1.0" encoding="utf-8"?>
 <p:sld xmlns:a="http://schemas.openxmlformats.org/drawingml/2006/main" xmlns:r="http://schemas.openxmlformats.org/officeDocument/2006/relationships" xmlns:p="http://schemas.openxmlformats.org/presentationml/2006/main">
   <p:cSld>
     <p:spTree>
@@ -8914,7 +13083,7 @@
 </p:sld>
 </file>
 
-<file path=ppt/slides/slide12.xml><?xml version="1.0" encoding="utf-8"?>
+<file path=ppt/slides/slide13.xml><?xml version="1.0" encoding="utf-8"?>
 <p:sld xmlns:a="http://schemas.openxmlformats.org/drawingml/2006/main" xmlns:r="http://schemas.openxmlformats.org/officeDocument/2006/relationships" xmlns:p="http://schemas.openxmlformats.org/presentationml/2006/main">
   <p:cSld>
     <p:spTree>
@@ -9646,8 +13815,8 @@
               </a:p>
             </p:txBody>
           </p:sp>
-          <mc:AlternateContent xmlns:mc="http://schemas.openxmlformats.org/markup-compatibility/2006">
-            <mc:Choice xmlns:a14="http://schemas.microsoft.com/office/drawing/2010/main" Requires="a14">
+          <mc:AlternateContent xmlns:mc="http://schemas.openxmlformats.org/markup-compatibility/2006" xmlns:a14="http://schemas.microsoft.com/office/drawing/2010/main">
+            <mc:Choice Requires="a14">
               <p:sp>
                 <p:nvSpPr>
                   <p:cNvPr id="22" name="Flowchart: Alternate Process 21">
@@ -9740,7 +13909,7 @@
                 </p:txBody>
               </p:sp>
             </mc:Choice>
-            <mc:Fallback>
+            <mc:Fallback xmlns="">
               <p:sp>
                 <p:nvSpPr>
                   <p:cNvPr id="22" name="Flowchart: Alternate Process 21">
@@ -10332,7 +14501,7 @@
 </p:sld>
 </file>
 
-<file path=ppt/slides/slide13.xml><?xml version="1.0" encoding="utf-8"?>
+<file path=ppt/slides/slide14.xml><?xml version="1.0" encoding="utf-8"?>
 <p:sld xmlns:a="http://schemas.openxmlformats.org/drawingml/2006/main" xmlns:r="http://schemas.openxmlformats.org/officeDocument/2006/relationships" xmlns:p="http://schemas.openxmlformats.org/presentationml/2006/main">
   <p:cSld>
     <p:spTree>
@@ -11784,7 +15953,7 @@
 </p:sld>
 </file>
 
-<file path=ppt/slides/slide14.xml><?xml version="1.0" encoding="utf-8"?>
+<file path=ppt/slides/slide15.xml><?xml version="1.0" encoding="utf-8"?>
 <p:sld xmlns:a="http://schemas.openxmlformats.org/drawingml/2006/main" xmlns:r="http://schemas.openxmlformats.org/officeDocument/2006/relationships" xmlns:p="http://schemas.openxmlformats.org/presentationml/2006/main">
   <p:cSld>
     <p:spTree>
@@ -13258,7 +17427,7 @@
 </p:sld>
 </file>
 
-<file path=ppt/slides/slide15.xml><?xml version="1.0" encoding="utf-8"?>
+<file path=ppt/slides/slide16.xml><?xml version="1.0" encoding="utf-8"?>
 <p:sld xmlns:a="http://schemas.openxmlformats.org/drawingml/2006/main" xmlns:r="http://schemas.openxmlformats.org/officeDocument/2006/relationships" xmlns:p="http://schemas.openxmlformats.org/presentationml/2006/main">
   <p:cSld>
     <p:spTree>
@@ -15454,7 +19623,7 @@
 </p:sld>
 </file>
 
-<file path=ppt/slides/slide16.xml><?xml version="1.0" encoding="utf-8"?>
+<file path=ppt/slides/slide17.xml><?xml version="1.0" encoding="utf-8"?>
 <p:sld xmlns:a="http://schemas.openxmlformats.org/drawingml/2006/main" xmlns:r="http://schemas.openxmlformats.org/officeDocument/2006/relationships" xmlns:p="http://schemas.openxmlformats.org/presentationml/2006/main">
   <p:cSld>
     <p:spTree>
@@ -16762,7 +20931,7 @@
 </p:sld>
 </file>
 
-<file path=ppt/slides/slide17.xml><?xml version="1.0" encoding="utf-8"?>
+<file path=ppt/slides/slide18.xml><?xml version="1.0" encoding="utf-8"?>
 <p:sld xmlns:a="http://schemas.openxmlformats.org/drawingml/2006/main" xmlns:r="http://schemas.openxmlformats.org/officeDocument/2006/relationships" xmlns:p="http://schemas.openxmlformats.org/presentationml/2006/main">
   <p:cSld>
     <p:spTree>
@@ -18196,7 +22365,7 @@
 </p:sld>
 </file>
 
-<file path=ppt/slides/slide18.xml><?xml version="1.0" encoding="utf-8"?>
+<file path=ppt/slides/slide19.xml><?xml version="1.0" encoding="utf-8"?>
 <p:sld xmlns:a="http://schemas.openxmlformats.org/drawingml/2006/main" xmlns:r="http://schemas.openxmlformats.org/officeDocument/2006/relationships" xmlns:p="http://schemas.openxmlformats.org/presentationml/2006/main">
   <p:cSld>
     <p:spTree>
@@ -18227,6 +22396,976 @@
 </file>
 
 <file path=ppt/slides/slide2.xml><?xml version="1.0" encoding="utf-8"?>
+<p:sld xmlns:a="http://schemas.openxmlformats.org/drawingml/2006/main" xmlns:r="http://schemas.openxmlformats.org/officeDocument/2006/relationships" xmlns:p="http://schemas.openxmlformats.org/presentationml/2006/main">
+  <p:cSld>
+    <p:spTree>
+      <p:nvGrpSpPr>
+        <p:cNvPr id="1" name=""/>
+        <p:cNvGrpSpPr/>
+        <p:nvPr/>
+      </p:nvGrpSpPr>
+      <p:grpSpPr>
+        <a:xfrm>
+          <a:off x="0" y="0"/>
+          <a:ext cx="0" cy="0"/>
+          <a:chOff x="0" y="0"/>
+          <a:chExt cx="0" cy="0"/>
+        </a:xfrm>
+      </p:grpSpPr>
+      <p:sp>
+        <p:nvSpPr>
+          <p:cNvPr id="4" name="Flowchart: Process 3">
+            <a:extLst>
+              <a:ext uri="{FF2B5EF4-FFF2-40B4-BE49-F238E27FC236}">
+                <a16:creationId xmlns:a16="http://schemas.microsoft.com/office/drawing/2014/main" id="{D6766ACB-BF70-4AF6-8C01-7AC947309FD9}"/>
+              </a:ext>
+            </a:extLst>
+          </p:cNvPr>
+          <p:cNvSpPr/>
+          <p:nvPr/>
+        </p:nvSpPr>
+        <p:spPr>
+          <a:xfrm>
+            <a:off x="1975518" y="2081397"/>
+            <a:ext cx="1298346" cy="612648"/>
+          </a:xfrm>
+          <a:prstGeom prst="flowChartProcess">
+            <a:avLst/>
+          </a:prstGeom>
+          <a:ln w="28575"/>
+        </p:spPr>
+        <p:style>
+          <a:lnRef idx="2">
+            <a:schemeClr val="dk1"/>
+          </a:lnRef>
+          <a:fillRef idx="1">
+            <a:schemeClr val="lt1"/>
+          </a:fillRef>
+          <a:effectRef idx="0">
+            <a:schemeClr val="dk1"/>
+          </a:effectRef>
+          <a:fontRef idx="minor">
+            <a:schemeClr val="dk1"/>
+          </a:fontRef>
+        </p:style>
+        <p:txBody>
+          <a:bodyPr rtlCol="0" anchor="ctr"/>
+          <a:lstStyle/>
+          <a:p>
+            <a:pPr algn="ctr"/>
+            <a:r>
+              <a:rPr lang="en-AU" sz="1400" dirty="0">
+                <a:solidFill>
+                  <a:schemeClr val="accent2"/>
+                </a:solidFill>
+                <a:latin typeface="Consolas" panose="020B0609020204030204" pitchFamily="49" charset="0"/>
+              </a:rPr>
+              <a:t>Controller</a:t>
+            </a:r>
+          </a:p>
+        </p:txBody>
+      </p:sp>
+      <p:sp>
+        <p:nvSpPr>
+          <p:cNvPr id="5" name="Flowchart: Process 4">
+            <a:extLst>
+              <a:ext uri="{FF2B5EF4-FFF2-40B4-BE49-F238E27FC236}">
+                <a16:creationId xmlns:a16="http://schemas.microsoft.com/office/drawing/2014/main" id="{009EA9DD-8085-49AF-975E-86659B72F17B}"/>
+              </a:ext>
+            </a:extLst>
+          </p:cNvPr>
+          <p:cNvSpPr/>
+          <p:nvPr/>
+        </p:nvSpPr>
+        <p:spPr>
+          <a:xfrm>
+            <a:off x="3594873" y="2081397"/>
+            <a:ext cx="1298346" cy="612648"/>
+          </a:xfrm>
+          <a:prstGeom prst="flowChartProcess">
+            <a:avLst/>
+          </a:prstGeom>
+          <a:ln w="28575"/>
+        </p:spPr>
+        <p:style>
+          <a:lnRef idx="2">
+            <a:schemeClr val="dk1"/>
+          </a:lnRef>
+          <a:fillRef idx="1">
+            <a:schemeClr val="lt1"/>
+          </a:fillRef>
+          <a:effectRef idx="0">
+            <a:schemeClr val="dk1"/>
+          </a:effectRef>
+          <a:fontRef idx="minor">
+            <a:schemeClr val="dk1"/>
+          </a:fontRef>
+        </p:style>
+        <p:txBody>
+          <a:bodyPr rtlCol="0" anchor="ctr"/>
+          <a:lstStyle/>
+          <a:p>
+            <a:pPr algn="ctr"/>
+            <a:r>
+              <a:rPr lang="en-AU" sz="1400" dirty="0">
+                <a:solidFill>
+                  <a:schemeClr val="accent2"/>
+                </a:solidFill>
+                <a:latin typeface="Consolas" panose="020B0609020204030204" pitchFamily="49" charset="0"/>
+              </a:rPr>
+              <a:t>Actuator</a:t>
+            </a:r>
+          </a:p>
+        </p:txBody>
+      </p:sp>
+      <p:sp>
+        <p:nvSpPr>
+          <p:cNvPr id="6" name="Flowchart: Process 5">
+            <a:extLst>
+              <a:ext uri="{FF2B5EF4-FFF2-40B4-BE49-F238E27FC236}">
+                <a16:creationId xmlns:a16="http://schemas.microsoft.com/office/drawing/2014/main" id="{BAA8F988-C85B-43C3-ACA5-D7E65EFD336A}"/>
+              </a:ext>
+            </a:extLst>
+          </p:cNvPr>
+          <p:cNvSpPr/>
+          <p:nvPr/>
+        </p:nvSpPr>
+        <p:spPr>
+          <a:xfrm>
+            <a:off x="5214228" y="2081397"/>
+            <a:ext cx="1298346" cy="612648"/>
+          </a:xfrm>
+          <a:prstGeom prst="flowChartProcess">
+            <a:avLst/>
+          </a:prstGeom>
+          <a:ln w="28575"/>
+        </p:spPr>
+        <p:style>
+          <a:lnRef idx="2">
+            <a:schemeClr val="dk1"/>
+          </a:lnRef>
+          <a:fillRef idx="1">
+            <a:schemeClr val="lt1"/>
+          </a:fillRef>
+          <a:effectRef idx="0">
+            <a:schemeClr val="dk1"/>
+          </a:effectRef>
+          <a:fontRef idx="minor">
+            <a:schemeClr val="dk1"/>
+          </a:fontRef>
+        </p:style>
+        <p:txBody>
+          <a:bodyPr rtlCol="0" anchor="ctr"/>
+          <a:lstStyle/>
+          <a:p>
+            <a:pPr algn="ctr"/>
+            <a:r>
+              <a:rPr lang="en-AU" sz="1400" dirty="0">
+                <a:solidFill>
+                  <a:schemeClr val="accent2"/>
+                </a:solidFill>
+                <a:latin typeface="Consolas" panose="020B0609020204030204" pitchFamily="49" charset="0"/>
+              </a:rPr>
+              <a:t>Process</a:t>
+            </a:r>
+          </a:p>
+        </p:txBody>
+      </p:sp>
+      <p:sp>
+        <p:nvSpPr>
+          <p:cNvPr id="10" name="Flowchart: Process 9">
+            <a:extLst>
+              <a:ext uri="{FF2B5EF4-FFF2-40B4-BE49-F238E27FC236}">
+                <a16:creationId xmlns:a16="http://schemas.microsoft.com/office/drawing/2014/main" id="{F344FA57-FBEE-45CD-92F7-7F18CE888DA1}"/>
+              </a:ext>
+            </a:extLst>
+          </p:cNvPr>
+          <p:cNvSpPr/>
+          <p:nvPr/>
+        </p:nvSpPr>
+        <p:spPr>
+          <a:xfrm>
+            <a:off x="3594873" y="2978595"/>
+            <a:ext cx="1298346" cy="612648"/>
+          </a:xfrm>
+          <a:prstGeom prst="flowChartProcess">
+            <a:avLst/>
+          </a:prstGeom>
+          <a:ln w="28575"/>
+        </p:spPr>
+        <p:style>
+          <a:lnRef idx="2">
+            <a:schemeClr val="dk1"/>
+          </a:lnRef>
+          <a:fillRef idx="1">
+            <a:schemeClr val="lt1"/>
+          </a:fillRef>
+          <a:effectRef idx="0">
+            <a:schemeClr val="dk1"/>
+          </a:effectRef>
+          <a:fontRef idx="minor">
+            <a:schemeClr val="dk1"/>
+          </a:fontRef>
+        </p:style>
+        <p:txBody>
+          <a:bodyPr rtlCol="0" anchor="ctr"/>
+          <a:lstStyle/>
+          <a:p>
+            <a:pPr algn="ctr"/>
+            <a:r>
+              <a:rPr lang="en-AU" sz="1400" dirty="0">
+                <a:solidFill>
+                  <a:schemeClr val="accent2"/>
+                </a:solidFill>
+                <a:latin typeface="Consolas" panose="020B0609020204030204" pitchFamily="49" charset="0"/>
+              </a:rPr>
+              <a:t>Sensor</a:t>
+            </a:r>
+          </a:p>
+        </p:txBody>
+      </p:sp>
+      <p:cxnSp>
+        <p:nvCxnSpPr>
+          <p:cNvPr id="14" name="Straight Arrow Connector 13">
+            <a:extLst>
+              <a:ext uri="{FF2B5EF4-FFF2-40B4-BE49-F238E27FC236}">
+                <a16:creationId xmlns:a16="http://schemas.microsoft.com/office/drawing/2014/main" id="{AB8B9EF8-C7E6-4AAF-8412-6EE8E91C033F}"/>
+              </a:ext>
+            </a:extLst>
+          </p:cNvPr>
+          <p:cNvCxnSpPr>
+            <a:cxnSpLocks/>
+            <a:stCxn id="29" idx="3"/>
+            <a:endCxn id="26" idx="2"/>
+          </p:cNvCxnSpPr>
+          <p:nvPr/>
+        </p:nvCxnSpPr>
+        <p:spPr>
+          <a:xfrm>
+            <a:off x="35154" y="2387721"/>
+            <a:ext cx="674854" cy="0"/>
+          </a:xfrm>
+          <a:prstGeom prst="straightConnector1">
+            <a:avLst/>
+          </a:prstGeom>
+          <a:ln w="28575">
+            <a:solidFill>
+              <a:schemeClr val="accent2"/>
+            </a:solidFill>
+            <a:tailEnd type="triangle"/>
+          </a:ln>
+        </p:spPr>
+        <p:style>
+          <a:lnRef idx="1">
+            <a:schemeClr val="accent1"/>
+          </a:lnRef>
+          <a:fillRef idx="0">
+            <a:schemeClr val="accent1"/>
+          </a:fillRef>
+          <a:effectRef idx="0">
+            <a:schemeClr val="accent1"/>
+          </a:effectRef>
+          <a:fontRef idx="minor">
+            <a:schemeClr val="tx1"/>
+          </a:fontRef>
+        </p:style>
+      </p:cxnSp>
+      <p:cxnSp>
+        <p:nvCxnSpPr>
+          <p:cNvPr id="16" name="Straight Arrow Connector 15">
+            <a:extLst>
+              <a:ext uri="{FF2B5EF4-FFF2-40B4-BE49-F238E27FC236}">
+                <a16:creationId xmlns:a16="http://schemas.microsoft.com/office/drawing/2014/main" id="{6D14FEDD-DB0D-495B-9FDE-962514C91838}"/>
+              </a:ext>
+            </a:extLst>
+          </p:cNvPr>
+          <p:cNvCxnSpPr>
+            <a:stCxn id="4" idx="3"/>
+            <a:endCxn id="5" idx="1"/>
+          </p:cNvCxnSpPr>
+          <p:nvPr/>
+        </p:nvCxnSpPr>
+        <p:spPr>
+          <a:xfrm>
+            <a:off x="3273864" y="2387721"/>
+            <a:ext cx="321009" cy="0"/>
+          </a:xfrm>
+          <a:prstGeom prst="straightConnector1">
+            <a:avLst/>
+          </a:prstGeom>
+          <a:ln w="28575">
+            <a:solidFill>
+              <a:schemeClr val="accent2"/>
+            </a:solidFill>
+            <a:tailEnd type="triangle"/>
+          </a:ln>
+        </p:spPr>
+        <p:style>
+          <a:lnRef idx="1">
+            <a:schemeClr val="accent1"/>
+          </a:lnRef>
+          <a:fillRef idx="0">
+            <a:schemeClr val="accent1"/>
+          </a:fillRef>
+          <a:effectRef idx="0">
+            <a:schemeClr val="accent1"/>
+          </a:effectRef>
+          <a:fontRef idx="minor">
+            <a:schemeClr val="tx1"/>
+          </a:fontRef>
+        </p:style>
+      </p:cxnSp>
+      <p:cxnSp>
+        <p:nvCxnSpPr>
+          <p:cNvPr id="18" name="Straight Arrow Connector 17">
+            <a:extLst>
+              <a:ext uri="{FF2B5EF4-FFF2-40B4-BE49-F238E27FC236}">
+                <a16:creationId xmlns:a16="http://schemas.microsoft.com/office/drawing/2014/main" id="{A32AB98E-D5DC-4C71-A4A5-B839D6A60A8F}"/>
+              </a:ext>
+            </a:extLst>
+          </p:cNvPr>
+          <p:cNvCxnSpPr>
+            <a:stCxn id="5" idx="3"/>
+            <a:endCxn id="6" idx="1"/>
+          </p:cNvCxnSpPr>
+          <p:nvPr/>
+        </p:nvCxnSpPr>
+        <p:spPr>
+          <a:xfrm>
+            <a:off x="4893219" y="2387721"/>
+            <a:ext cx="321009" cy="0"/>
+          </a:xfrm>
+          <a:prstGeom prst="straightConnector1">
+            <a:avLst/>
+          </a:prstGeom>
+          <a:ln w="28575">
+            <a:solidFill>
+              <a:schemeClr val="accent2"/>
+            </a:solidFill>
+            <a:tailEnd type="triangle"/>
+          </a:ln>
+        </p:spPr>
+        <p:style>
+          <a:lnRef idx="1">
+            <a:schemeClr val="accent1"/>
+          </a:lnRef>
+          <a:fillRef idx="0">
+            <a:schemeClr val="accent1"/>
+          </a:fillRef>
+          <a:effectRef idx="0">
+            <a:schemeClr val="accent1"/>
+          </a:effectRef>
+          <a:fontRef idx="minor">
+            <a:schemeClr val="tx1"/>
+          </a:fontRef>
+        </p:style>
+      </p:cxnSp>
+      <p:cxnSp>
+        <p:nvCxnSpPr>
+          <p:cNvPr id="20" name="Straight Arrow Connector 19">
+            <a:extLst>
+              <a:ext uri="{FF2B5EF4-FFF2-40B4-BE49-F238E27FC236}">
+                <a16:creationId xmlns:a16="http://schemas.microsoft.com/office/drawing/2014/main" id="{7E48FF00-5D15-4D56-AF61-BF86783E4787}"/>
+              </a:ext>
+            </a:extLst>
+          </p:cNvPr>
+          <p:cNvCxnSpPr>
+            <a:cxnSpLocks/>
+            <a:stCxn id="6" idx="3"/>
+            <a:endCxn id="46" idx="1"/>
+          </p:cNvCxnSpPr>
+          <p:nvPr/>
+        </p:nvCxnSpPr>
+        <p:spPr>
+          <a:xfrm>
+            <a:off x="6512574" y="2387721"/>
+            <a:ext cx="1089744" cy="0"/>
+          </a:xfrm>
+          <a:prstGeom prst="straightConnector1">
+            <a:avLst/>
+          </a:prstGeom>
+          <a:ln w="28575">
+            <a:solidFill>
+              <a:schemeClr val="accent2"/>
+            </a:solidFill>
+            <a:tailEnd type="triangle"/>
+          </a:ln>
+        </p:spPr>
+        <p:style>
+          <a:lnRef idx="1">
+            <a:schemeClr val="accent1"/>
+          </a:lnRef>
+          <a:fillRef idx="0">
+            <a:schemeClr val="accent1"/>
+          </a:fillRef>
+          <a:effectRef idx="0">
+            <a:schemeClr val="accent1"/>
+          </a:effectRef>
+          <a:fontRef idx="minor">
+            <a:schemeClr val="tx1"/>
+          </a:fontRef>
+        </p:style>
+      </p:cxnSp>
+      <p:cxnSp>
+        <p:nvCxnSpPr>
+          <p:cNvPr id="22" name="Connector: Elbow 21">
+            <a:extLst>
+              <a:ext uri="{FF2B5EF4-FFF2-40B4-BE49-F238E27FC236}">
+                <a16:creationId xmlns:a16="http://schemas.microsoft.com/office/drawing/2014/main" id="{DD0E0DA6-D188-4869-AAC2-09A770E684F9}"/>
+              </a:ext>
+            </a:extLst>
+          </p:cNvPr>
+          <p:cNvCxnSpPr>
+            <a:cxnSpLocks/>
+            <a:stCxn id="43" idx="4"/>
+            <a:endCxn id="10" idx="3"/>
+          </p:cNvCxnSpPr>
+          <p:nvPr/>
+        </p:nvCxnSpPr>
+        <p:spPr>
+          <a:xfrm rot="5400000">
+            <a:off x="5539575" y="1767048"/>
+            <a:ext cx="871516" cy="2164227"/>
+          </a:xfrm>
+          <a:prstGeom prst="bentConnector2">
+            <a:avLst/>
+          </a:prstGeom>
+          <a:ln w="28575">
+            <a:solidFill>
+              <a:schemeClr val="accent2"/>
+            </a:solidFill>
+            <a:tailEnd type="triangle"/>
+          </a:ln>
+        </p:spPr>
+        <p:style>
+          <a:lnRef idx="1">
+            <a:schemeClr val="accent1"/>
+          </a:lnRef>
+          <a:fillRef idx="0">
+            <a:schemeClr val="accent1"/>
+          </a:fillRef>
+          <a:effectRef idx="0">
+            <a:schemeClr val="accent1"/>
+          </a:effectRef>
+          <a:fontRef idx="minor">
+            <a:schemeClr val="tx1"/>
+          </a:fontRef>
+        </p:style>
+      </p:cxnSp>
+      <p:cxnSp>
+        <p:nvCxnSpPr>
+          <p:cNvPr id="24" name="Connector: Elbow 23">
+            <a:extLst>
+              <a:ext uri="{FF2B5EF4-FFF2-40B4-BE49-F238E27FC236}">
+                <a16:creationId xmlns:a16="http://schemas.microsoft.com/office/drawing/2014/main" id="{7E5E28DE-A651-423A-B991-5549809271C2}"/>
+              </a:ext>
+            </a:extLst>
+          </p:cNvPr>
+          <p:cNvCxnSpPr>
+            <a:cxnSpLocks/>
+            <a:stCxn id="10" idx="1"/>
+            <a:endCxn id="26" idx="4"/>
+          </p:cNvCxnSpPr>
+          <p:nvPr/>
+        </p:nvCxnSpPr>
+        <p:spPr>
+          <a:xfrm rot="10800000">
+            <a:off x="1005337" y="2683049"/>
+            <a:ext cx="2589537" cy="601870"/>
+          </a:xfrm>
+          <a:prstGeom prst="bentConnector2">
+            <a:avLst/>
+          </a:prstGeom>
+          <a:ln w="28575">
+            <a:solidFill>
+              <a:schemeClr val="accent2"/>
+            </a:solidFill>
+            <a:tailEnd type="triangle"/>
+          </a:ln>
+        </p:spPr>
+        <p:style>
+          <a:lnRef idx="1">
+            <a:schemeClr val="accent1"/>
+          </a:lnRef>
+          <a:fillRef idx="0">
+            <a:schemeClr val="accent1"/>
+          </a:fillRef>
+          <a:effectRef idx="0">
+            <a:schemeClr val="accent1"/>
+          </a:effectRef>
+          <a:fontRef idx="minor">
+            <a:schemeClr val="tx1"/>
+          </a:fontRef>
+        </p:style>
+      </p:cxnSp>
+      <p:sp>
+        <p:nvSpPr>
+          <p:cNvPr id="26" name="Flowchart: Summing Junction 25">
+            <a:extLst>
+              <a:ext uri="{FF2B5EF4-FFF2-40B4-BE49-F238E27FC236}">
+                <a16:creationId xmlns:a16="http://schemas.microsoft.com/office/drawing/2014/main" id="{73E78C92-3B20-49C5-99C7-0F7562BF02D1}"/>
+              </a:ext>
+            </a:extLst>
+          </p:cNvPr>
+          <p:cNvSpPr/>
+          <p:nvPr/>
+        </p:nvSpPr>
+        <p:spPr>
+          <a:xfrm>
+            <a:off x="710008" y="2092393"/>
+            <a:ext cx="590656" cy="590656"/>
+          </a:xfrm>
+          <a:prstGeom prst="flowChartSummingJunction">
+            <a:avLst/>
+          </a:prstGeom>
+        </p:spPr>
+        <p:style>
+          <a:lnRef idx="2">
+            <a:schemeClr val="dk1"/>
+          </a:lnRef>
+          <a:fillRef idx="1">
+            <a:schemeClr val="lt1"/>
+          </a:fillRef>
+          <a:effectRef idx="0">
+            <a:schemeClr val="dk1"/>
+          </a:effectRef>
+          <a:fontRef idx="minor">
+            <a:schemeClr val="dk1"/>
+          </a:fontRef>
+        </p:style>
+        <p:txBody>
+          <a:bodyPr rtlCol="0" anchor="ctr"/>
+          <a:lstStyle/>
+          <a:p>
+            <a:pPr algn="ctr"/>
+            <a:endParaRPr lang="en-AU" sz="1400">
+              <a:solidFill>
+                <a:schemeClr val="accent2"/>
+              </a:solidFill>
+              <a:latin typeface="Consolas" panose="020B0609020204030204" pitchFamily="49" charset="0"/>
+            </a:endParaRPr>
+          </a:p>
+        </p:txBody>
+      </p:sp>
+      <p:sp>
+        <p:nvSpPr>
+          <p:cNvPr id="29" name="Flowchart: Process 28">
+            <a:extLst>
+              <a:ext uri="{FF2B5EF4-FFF2-40B4-BE49-F238E27FC236}">
+                <a16:creationId xmlns:a16="http://schemas.microsoft.com/office/drawing/2014/main" id="{1A91990F-3DC4-44AB-AF9F-7D34977F7442}"/>
+              </a:ext>
+            </a:extLst>
+          </p:cNvPr>
+          <p:cNvSpPr/>
+          <p:nvPr/>
+        </p:nvSpPr>
+        <p:spPr>
+          <a:xfrm>
+            <a:off x="-929556" y="2081397"/>
+            <a:ext cx="964710" cy="612648"/>
+          </a:xfrm>
+          <a:prstGeom prst="flowChartProcess">
+            <a:avLst/>
+          </a:prstGeom>
+          <a:noFill/>
+          <a:ln w="28575">
+            <a:noFill/>
+          </a:ln>
+        </p:spPr>
+        <p:style>
+          <a:lnRef idx="2">
+            <a:schemeClr val="dk1"/>
+          </a:lnRef>
+          <a:fillRef idx="1">
+            <a:schemeClr val="lt1"/>
+          </a:fillRef>
+          <a:effectRef idx="0">
+            <a:schemeClr val="dk1"/>
+          </a:effectRef>
+          <a:fontRef idx="minor">
+            <a:schemeClr val="dk1"/>
+          </a:fontRef>
+        </p:style>
+        <p:txBody>
+          <a:bodyPr rtlCol="0" anchor="ctr"/>
+          <a:lstStyle/>
+          <a:p>
+            <a:pPr algn="r"/>
+            <a:r>
+              <a:rPr lang="en-AU" sz="1400" dirty="0">
+                <a:solidFill>
+                  <a:schemeClr val="accent2"/>
+                </a:solidFill>
+                <a:latin typeface="Consolas" panose="020B0609020204030204" pitchFamily="49" charset="0"/>
+              </a:rPr>
+              <a:t>Desired Output</a:t>
+            </a:r>
+          </a:p>
+        </p:txBody>
+      </p:sp>
+      <p:cxnSp>
+        <p:nvCxnSpPr>
+          <p:cNvPr id="32" name="Straight Arrow Connector 31">
+            <a:extLst>
+              <a:ext uri="{FF2B5EF4-FFF2-40B4-BE49-F238E27FC236}">
+                <a16:creationId xmlns:a16="http://schemas.microsoft.com/office/drawing/2014/main" id="{7D51A0BD-78BD-4F90-B582-50914A7B31F4}"/>
+              </a:ext>
+            </a:extLst>
+          </p:cNvPr>
+          <p:cNvCxnSpPr>
+            <a:cxnSpLocks/>
+          </p:cNvCxnSpPr>
+          <p:nvPr/>
+        </p:nvCxnSpPr>
+        <p:spPr>
+          <a:xfrm>
+            <a:off x="1300664" y="2387721"/>
+            <a:ext cx="674854" cy="0"/>
+          </a:xfrm>
+          <a:prstGeom prst="straightConnector1">
+            <a:avLst/>
+          </a:prstGeom>
+          <a:ln w="28575">
+            <a:solidFill>
+              <a:schemeClr val="accent2"/>
+            </a:solidFill>
+            <a:tailEnd type="triangle"/>
+          </a:ln>
+        </p:spPr>
+        <p:style>
+          <a:lnRef idx="1">
+            <a:schemeClr val="accent1"/>
+          </a:lnRef>
+          <a:fillRef idx="0">
+            <a:schemeClr val="accent1"/>
+          </a:fillRef>
+          <a:effectRef idx="0">
+            <a:schemeClr val="accent1"/>
+          </a:effectRef>
+          <a:fontRef idx="minor">
+            <a:schemeClr val="tx1"/>
+          </a:fontRef>
+        </p:style>
+      </p:cxnSp>
+      <p:sp>
+        <p:nvSpPr>
+          <p:cNvPr id="35" name="TextBox 34">
+            <a:extLst>
+              <a:ext uri="{FF2B5EF4-FFF2-40B4-BE49-F238E27FC236}">
+                <a16:creationId xmlns:a16="http://schemas.microsoft.com/office/drawing/2014/main" id="{024F08AA-E871-40BD-BBEF-61F71A47D7D6}"/>
+              </a:ext>
+            </a:extLst>
+          </p:cNvPr>
+          <p:cNvSpPr txBox="1"/>
+          <p:nvPr/>
+        </p:nvSpPr>
+        <p:spPr>
+          <a:xfrm>
+            <a:off x="720471" y="2572387"/>
+            <a:ext cx="284052" cy="307777"/>
+          </a:xfrm>
+          <a:prstGeom prst="rect">
+            <a:avLst/>
+          </a:prstGeom>
+          <a:noFill/>
+        </p:spPr>
+        <p:txBody>
+          <a:bodyPr wrap="none" rtlCol="0">
+            <a:spAutoFit/>
+          </a:bodyPr>
+          <a:lstStyle/>
+          <a:p>
+            <a:r>
+              <a:rPr lang="en-AU" sz="1400" dirty="0">
+                <a:solidFill>
+                  <a:schemeClr val="accent2"/>
+                </a:solidFill>
+                <a:latin typeface="Consolas" panose="020B0609020204030204" pitchFamily="49" charset="0"/>
+              </a:rPr>
+              <a:t>-</a:t>
+            </a:r>
+          </a:p>
+        </p:txBody>
+      </p:sp>
+      <p:sp>
+        <p:nvSpPr>
+          <p:cNvPr id="36" name="TextBox 35">
+            <a:extLst>
+              <a:ext uri="{FF2B5EF4-FFF2-40B4-BE49-F238E27FC236}">
+                <a16:creationId xmlns:a16="http://schemas.microsoft.com/office/drawing/2014/main" id="{E48731F6-EAA7-41E8-AEF8-975B0BD49441}"/>
+              </a:ext>
+            </a:extLst>
+          </p:cNvPr>
+          <p:cNvSpPr txBox="1"/>
+          <p:nvPr/>
+        </p:nvSpPr>
+        <p:spPr>
+          <a:xfrm>
+            <a:off x="420389" y="2018389"/>
+            <a:ext cx="284052" cy="307777"/>
+          </a:xfrm>
+          <a:prstGeom prst="rect">
+            <a:avLst/>
+          </a:prstGeom>
+          <a:noFill/>
+        </p:spPr>
+        <p:txBody>
+          <a:bodyPr wrap="none" rtlCol="0">
+            <a:spAutoFit/>
+          </a:bodyPr>
+          <a:lstStyle/>
+          <a:p>
+            <a:r>
+              <a:rPr lang="en-AU" sz="1400" dirty="0">
+                <a:solidFill>
+                  <a:schemeClr val="accent2"/>
+                </a:solidFill>
+                <a:latin typeface="Consolas" panose="020B0609020204030204" pitchFamily="49" charset="0"/>
+              </a:rPr>
+              <a:t>+</a:t>
+            </a:r>
+          </a:p>
+        </p:txBody>
+      </p:sp>
+      <p:sp>
+        <p:nvSpPr>
+          <p:cNvPr id="37" name="TextBox 36">
+            <a:extLst>
+              <a:ext uri="{FF2B5EF4-FFF2-40B4-BE49-F238E27FC236}">
+                <a16:creationId xmlns:a16="http://schemas.microsoft.com/office/drawing/2014/main" id="{49E470AC-8620-4E0A-9BB5-A4A74CD96637}"/>
+              </a:ext>
+            </a:extLst>
+          </p:cNvPr>
+          <p:cNvSpPr txBox="1"/>
+          <p:nvPr/>
+        </p:nvSpPr>
+        <p:spPr>
+          <a:xfrm>
+            <a:off x="1267652" y="2092393"/>
+            <a:ext cx="681597" cy="307777"/>
+          </a:xfrm>
+          <a:prstGeom prst="rect">
+            <a:avLst/>
+          </a:prstGeom>
+          <a:noFill/>
+        </p:spPr>
+        <p:txBody>
+          <a:bodyPr wrap="none" rtlCol="0">
+            <a:spAutoFit/>
+          </a:bodyPr>
+          <a:lstStyle/>
+          <a:p>
+            <a:r>
+              <a:rPr lang="en-AU" sz="1400" dirty="0">
+                <a:solidFill>
+                  <a:schemeClr val="accent2"/>
+                </a:solidFill>
+                <a:latin typeface="Consolas" panose="020B0609020204030204" pitchFamily="49" charset="0"/>
+              </a:rPr>
+              <a:t>Error</a:t>
+            </a:r>
+          </a:p>
+        </p:txBody>
+      </p:sp>
+      <p:sp>
+        <p:nvSpPr>
+          <p:cNvPr id="39" name="TextBox 38">
+            <a:extLst>
+              <a:ext uri="{FF2B5EF4-FFF2-40B4-BE49-F238E27FC236}">
+                <a16:creationId xmlns:a16="http://schemas.microsoft.com/office/drawing/2014/main" id="{38DF00EC-FDE6-4E17-9FCD-FE1546C6122D}"/>
+              </a:ext>
+            </a:extLst>
+          </p:cNvPr>
+          <p:cNvSpPr txBox="1"/>
+          <p:nvPr/>
+        </p:nvSpPr>
+        <p:spPr>
+          <a:xfrm>
+            <a:off x="1309719" y="2976416"/>
+            <a:ext cx="1973617" cy="307777"/>
+          </a:xfrm>
+          <a:prstGeom prst="rect">
+            <a:avLst/>
+          </a:prstGeom>
+          <a:noFill/>
+        </p:spPr>
+        <p:txBody>
+          <a:bodyPr wrap="none" rtlCol="0">
+            <a:spAutoFit/>
+          </a:bodyPr>
+          <a:lstStyle/>
+          <a:p>
+            <a:r>
+              <a:rPr lang="en-AU" sz="1400" dirty="0">
+                <a:solidFill>
+                  <a:schemeClr val="accent2"/>
+                </a:solidFill>
+                <a:latin typeface="Consolas" panose="020B0609020204030204" pitchFamily="49" charset="0"/>
+              </a:rPr>
+              <a:t>Measurement Output</a:t>
+            </a:r>
+          </a:p>
+        </p:txBody>
+      </p:sp>
+      <p:sp>
+        <p:nvSpPr>
+          <p:cNvPr id="40" name="TextBox 39">
+            <a:extLst>
+              <a:ext uri="{FF2B5EF4-FFF2-40B4-BE49-F238E27FC236}">
+                <a16:creationId xmlns:a16="http://schemas.microsoft.com/office/drawing/2014/main" id="{B3EDF0E7-A3B5-4308-B92C-A0C82223A496}"/>
+              </a:ext>
+            </a:extLst>
+          </p:cNvPr>
+          <p:cNvSpPr txBox="1"/>
+          <p:nvPr/>
+        </p:nvSpPr>
+        <p:spPr>
+          <a:xfrm>
+            <a:off x="5154241" y="2976416"/>
+            <a:ext cx="979755" cy="307777"/>
+          </a:xfrm>
+          <a:prstGeom prst="rect">
+            <a:avLst/>
+          </a:prstGeom>
+          <a:noFill/>
+        </p:spPr>
+        <p:txBody>
+          <a:bodyPr wrap="none" rtlCol="0">
+            <a:spAutoFit/>
+          </a:bodyPr>
+          <a:lstStyle/>
+          <a:p>
+            <a:r>
+              <a:rPr lang="en-AU" sz="1400" dirty="0">
+                <a:solidFill>
+                  <a:schemeClr val="accent2"/>
+                </a:solidFill>
+                <a:latin typeface="Consolas" panose="020B0609020204030204" pitchFamily="49" charset="0"/>
+              </a:rPr>
+              <a:t>Feedback</a:t>
+            </a:r>
+          </a:p>
+        </p:txBody>
+      </p:sp>
+      <p:sp>
+        <p:nvSpPr>
+          <p:cNvPr id="43" name="Flowchart: Summing Junction 42">
+            <a:extLst>
+              <a:ext uri="{FF2B5EF4-FFF2-40B4-BE49-F238E27FC236}">
+                <a16:creationId xmlns:a16="http://schemas.microsoft.com/office/drawing/2014/main" id="{A59BF72D-26A9-424C-9F12-BE34A4BC69E2}"/>
+              </a:ext>
+            </a:extLst>
+          </p:cNvPr>
+          <p:cNvSpPr/>
+          <p:nvPr/>
+        </p:nvSpPr>
+        <p:spPr>
+          <a:xfrm>
+            <a:off x="7031764" y="2362039"/>
+            <a:ext cx="51364" cy="51364"/>
+          </a:xfrm>
+          <a:prstGeom prst="flowChartSummingJunction">
+            <a:avLst/>
+          </a:prstGeom>
+          <a:ln/>
+        </p:spPr>
+        <p:style>
+          <a:lnRef idx="2">
+            <a:schemeClr val="accent2">
+              <a:shade val="50000"/>
+            </a:schemeClr>
+          </a:lnRef>
+          <a:fillRef idx="1">
+            <a:schemeClr val="accent2"/>
+          </a:fillRef>
+          <a:effectRef idx="0">
+            <a:schemeClr val="accent2"/>
+          </a:effectRef>
+          <a:fontRef idx="minor">
+            <a:schemeClr val="lt1"/>
+          </a:fontRef>
+        </p:style>
+        <p:txBody>
+          <a:bodyPr rtlCol="0" anchor="ctr"/>
+          <a:lstStyle/>
+          <a:p>
+            <a:pPr algn="ctr"/>
+            <a:endParaRPr lang="en-AU" sz="1400">
+              <a:solidFill>
+                <a:schemeClr val="accent2"/>
+              </a:solidFill>
+              <a:latin typeface="Consolas" panose="020B0609020204030204" pitchFamily="49" charset="0"/>
+            </a:endParaRPr>
+          </a:p>
+        </p:txBody>
+      </p:sp>
+      <p:sp>
+        <p:nvSpPr>
+          <p:cNvPr id="46" name="Flowchart: Process 45">
+            <a:extLst>
+              <a:ext uri="{FF2B5EF4-FFF2-40B4-BE49-F238E27FC236}">
+                <a16:creationId xmlns:a16="http://schemas.microsoft.com/office/drawing/2014/main" id="{87751577-143C-4D44-9B76-4392B6E63FA7}"/>
+              </a:ext>
+            </a:extLst>
+          </p:cNvPr>
+          <p:cNvSpPr/>
+          <p:nvPr/>
+        </p:nvSpPr>
+        <p:spPr>
+          <a:xfrm>
+            <a:off x="7602318" y="2081397"/>
+            <a:ext cx="1298346" cy="612648"/>
+          </a:xfrm>
+          <a:prstGeom prst="flowChartProcess">
+            <a:avLst/>
+          </a:prstGeom>
+          <a:ln w="28575"/>
+        </p:spPr>
+        <p:style>
+          <a:lnRef idx="2">
+            <a:schemeClr val="dk1"/>
+          </a:lnRef>
+          <a:fillRef idx="1">
+            <a:schemeClr val="lt1"/>
+          </a:fillRef>
+          <a:effectRef idx="0">
+            <a:schemeClr val="dk1"/>
+          </a:effectRef>
+          <a:fontRef idx="minor">
+            <a:schemeClr val="dk1"/>
+          </a:fontRef>
+        </p:style>
+        <p:txBody>
+          <a:bodyPr rtlCol="0" anchor="ctr"/>
+          <a:lstStyle/>
+          <a:p>
+            <a:pPr algn="ctr"/>
+            <a:r>
+              <a:rPr lang="en-AU" sz="1400" dirty="0">
+                <a:solidFill>
+                  <a:schemeClr val="accent2"/>
+                </a:solidFill>
+                <a:latin typeface="Consolas" panose="020B0609020204030204" pitchFamily="49" charset="0"/>
+              </a:rPr>
+              <a:t>Actual Output</a:t>
+            </a:r>
+          </a:p>
+        </p:txBody>
+      </p:sp>
+    </p:spTree>
+    <p:extLst>
+      <p:ext uri="{BB962C8B-B14F-4D97-AF65-F5344CB8AC3E}">
+        <p14:creationId xmlns:p14="http://schemas.microsoft.com/office/powerpoint/2010/main" val="3229893260"/>
+      </p:ext>
+    </p:extLst>
+  </p:cSld>
+  <p:clrMapOvr>
+    <a:masterClrMapping/>
+  </p:clrMapOvr>
+</p:sld>
+</file>
+
+<file path=ppt/slides/slide3.xml><?xml version="1.0" encoding="utf-8"?>
 <p:sld xmlns:a="http://schemas.openxmlformats.org/drawingml/2006/main" xmlns:r="http://schemas.openxmlformats.org/officeDocument/2006/relationships" xmlns:p="http://schemas.openxmlformats.org/presentationml/2006/main">
   <p:cSld>
     <p:spTree>
@@ -19259,7 +24398,7 @@
 </p:sld>
 </file>
 
-<file path=ppt/slides/slide3.xml><?xml version="1.0" encoding="utf-8"?>
+<file path=ppt/slides/slide4.xml><?xml version="1.0" encoding="utf-8"?>
 <p:sld xmlns:a="http://schemas.openxmlformats.org/drawingml/2006/main" xmlns:r="http://schemas.openxmlformats.org/officeDocument/2006/relationships" xmlns:p="http://schemas.openxmlformats.org/presentationml/2006/main">
   <p:cSld>
     <p:spTree>
@@ -21741,7 +26880,7 @@
 </p:sld>
 </file>
 
-<file path=ppt/slides/slide4.xml><?xml version="1.0" encoding="utf-8"?>
+<file path=ppt/slides/slide5.xml><?xml version="1.0" encoding="utf-8"?>
 <p:sld xmlns:a="http://schemas.openxmlformats.org/drawingml/2006/main" xmlns:r="http://schemas.openxmlformats.org/officeDocument/2006/relationships" xmlns:p="http://schemas.openxmlformats.org/presentationml/2006/main">
   <p:cSld>
     <p:spTree>
@@ -23850,7 +28989,7 @@
 </p:sld>
 </file>
 
-<file path=ppt/slides/slide5.xml><?xml version="1.0" encoding="utf-8"?>
+<file path=ppt/slides/slide6.xml><?xml version="1.0" encoding="utf-8"?>
 <p:sld xmlns:a="http://schemas.openxmlformats.org/drawingml/2006/main" xmlns:r="http://schemas.openxmlformats.org/officeDocument/2006/relationships" xmlns:p="http://schemas.openxmlformats.org/presentationml/2006/main">
   <p:cSld>
     <p:spTree>
@@ -24824,7 +29963,7 @@
 </p:sld>
 </file>
 
-<file path=ppt/slides/slide6.xml><?xml version="1.0" encoding="utf-8"?>
+<file path=ppt/slides/slide7.xml><?xml version="1.0" encoding="utf-8"?>
 <p:sld xmlns:a="http://schemas.openxmlformats.org/drawingml/2006/main" xmlns:r="http://schemas.openxmlformats.org/officeDocument/2006/relationships" xmlns:p="http://schemas.openxmlformats.org/presentationml/2006/main">
   <p:cSld>
     <p:spTree>
@@ -25091,7 +30230,7 @@
 </p:sld>
 </file>
 
-<file path=ppt/slides/slide7.xml><?xml version="1.0" encoding="utf-8"?>
+<file path=ppt/slides/slide8.xml><?xml version="1.0" encoding="utf-8"?>
 <p:sld xmlns:a="http://schemas.openxmlformats.org/drawingml/2006/main" xmlns:r="http://schemas.openxmlformats.org/officeDocument/2006/relationships" xmlns:p="http://schemas.openxmlformats.org/presentationml/2006/main">
   <p:cSld>
     <p:spTree>
@@ -26265,7 +31404,7 @@
 </p:sld>
 </file>
 
-<file path=ppt/slides/slide8.xml><?xml version="1.0" encoding="utf-8"?>
+<file path=ppt/slides/slide9.xml><?xml version="1.0" encoding="utf-8"?>
 <p:sld xmlns:a="http://schemas.openxmlformats.org/drawingml/2006/main" xmlns:r="http://schemas.openxmlformats.org/officeDocument/2006/relationships" xmlns:p="http://schemas.openxmlformats.org/presentationml/2006/main">
   <p:cSld>
     <p:spTree>
@@ -28555,4174 +33694,6 @@
 </p:sld>
 </file>
 
-<file path=ppt/slides/slide9.xml><?xml version="1.0" encoding="utf-8"?>
-<p:sld xmlns:a="http://schemas.openxmlformats.org/drawingml/2006/main" xmlns:r="http://schemas.openxmlformats.org/officeDocument/2006/relationships" xmlns:p="http://schemas.openxmlformats.org/presentationml/2006/main">
-  <p:cSld>
-    <p:spTree>
-      <p:nvGrpSpPr>
-        <p:cNvPr id="1" name=""/>
-        <p:cNvGrpSpPr/>
-        <p:nvPr/>
-      </p:nvGrpSpPr>
-      <p:grpSpPr>
-        <a:xfrm>
-          <a:off x="0" y="0"/>
-          <a:ext cx="0" cy="0"/>
-          <a:chOff x="0" y="0"/>
-          <a:chExt cx="0" cy="0"/>
-        </a:xfrm>
-      </p:grpSpPr>
-      <p:grpSp>
-        <p:nvGrpSpPr>
-          <p:cNvPr id="385" name="Group 384">
-            <a:extLst>
-              <a:ext uri="{FF2B5EF4-FFF2-40B4-BE49-F238E27FC236}">
-                <a16:creationId xmlns:a16="http://schemas.microsoft.com/office/drawing/2014/main" id="{D088E8E0-ACD6-4933-8BB0-FDFBB04DB17B}"/>
-              </a:ext>
-            </a:extLst>
-          </p:cNvPr>
-          <p:cNvGrpSpPr/>
-          <p:nvPr/>
-        </p:nvGrpSpPr>
-        <p:grpSpPr>
-          <a:xfrm>
-            <a:off x="1308798" y="1783202"/>
-            <a:ext cx="3847377" cy="4500000"/>
-            <a:chOff x="1308798" y="1783202"/>
-            <a:chExt cx="3847377" cy="4500000"/>
-          </a:xfrm>
-        </p:grpSpPr>
-        <p:grpSp>
-          <p:nvGrpSpPr>
-            <p:cNvPr id="282" name="Group 281">
-              <a:extLst>
-                <a:ext uri="{FF2B5EF4-FFF2-40B4-BE49-F238E27FC236}">
-                  <a16:creationId xmlns:a16="http://schemas.microsoft.com/office/drawing/2014/main" id="{862CBD16-6D73-406E-A025-7FC20A99D522}"/>
-                </a:ext>
-              </a:extLst>
-            </p:cNvPr>
-            <p:cNvGrpSpPr/>
-            <p:nvPr/>
-          </p:nvGrpSpPr>
-          <p:grpSpPr>
-            <a:xfrm>
-              <a:off x="2362507" y="1783202"/>
-              <a:ext cx="2793668" cy="4500000"/>
-              <a:chOff x="3639712" y="1783202"/>
-              <a:chExt cx="900000" cy="4500000"/>
-            </a:xfrm>
-          </p:grpSpPr>
-          <p:sp>
-            <p:nvSpPr>
-              <p:cNvPr id="276" name="Flowchart: Alternate Process 275">
-                <a:extLst>
-                  <a:ext uri="{FF2B5EF4-FFF2-40B4-BE49-F238E27FC236}">
-                    <a16:creationId xmlns:a16="http://schemas.microsoft.com/office/drawing/2014/main" id="{92CE3669-D777-4A32-B791-04B241625566}"/>
-                  </a:ext>
-                </a:extLst>
-              </p:cNvPr>
-              <p:cNvSpPr/>
-              <p:nvPr/>
-            </p:nvSpPr>
-            <p:spPr>
-              <a:xfrm>
-                <a:off x="3639712" y="1783202"/>
-                <a:ext cx="900000" cy="900000"/>
-              </a:xfrm>
-              <a:prstGeom prst="flowChartAlternateProcess">
-                <a:avLst/>
-              </a:prstGeom>
-              <a:ln w="19050"/>
-            </p:spPr>
-            <p:style>
-              <a:lnRef idx="2">
-                <a:schemeClr val="dk1"/>
-              </a:lnRef>
-              <a:fillRef idx="1">
-                <a:schemeClr val="lt1"/>
-              </a:fillRef>
-              <a:effectRef idx="0">
-                <a:schemeClr val="dk1"/>
-              </a:effectRef>
-              <a:fontRef idx="minor">
-                <a:schemeClr val="dk1"/>
-              </a:fontRef>
-            </p:style>
-            <p:txBody>
-              <a:bodyPr rot="0" spcFirstLastPara="0" vertOverflow="overflow" horzOverflow="overflow" vert="horz" wrap="square" lIns="0" tIns="0" rIns="0" bIns="0" numCol="1" spcCol="0" rtlCol="0" fromWordArt="0" anchor="ctr" anchorCtr="0" forceAA="0" compatLnSpc="1">
-                <a:prstTxWarp prst="textNoShape">
-                  <a:avLst/>
-                </a:prstTxWarp>
-                <a:noAutofit/>
-              </a:bodyPr>
-              <a:lstStyle/>
-              <a:p>
-                <a:pPr algn="ctr"/>
-                <a:r>
-                  <a:rPr lang="en-AU" sz="5400" dirty="0">
-                    <a:solidFill>
-                      <a:schemeClr val="bg1">
-                        <a:lumMod val="50000"/>
-                      </a:schemeClr>
-                    </a:solidFill>
-                    <a:latin typeface="Consolas" panose="020B0609020204030204" pitchFamily="49" charset="0"/>
-                    <a:ea typeface="Yu Gothic" panose="020B0400000000000000" pitchFamily="34" charset="-128"/>
-                  </a:rPr>
-                  <a:t>White/+</a:t>
-                </a:r>
-              </a:p>
-            </p:txBody>
-          </p:sp>
-          <p:sp>
-            <p:nvSpPr>
-              <p:cNvPr id="277" name="Flowchart: Alternate Process 276">
-                <a:extLst>
-                  <a:ext uri="{FF2B5EF4-FFF2-40B4-BE49-F238E27FC236}">
-                    <a16:creationId xmlns:a16="http://schemas.microsoft.com/office/drawing/2014/main" id="{67263056-B7BB-40A3-B8A8-AA32A142F093}"/>
-                  </a:ext>
-                </a:extLst>
-              </p:cNvPr>
-              <p:cNvSpPr/>
-              <p:nvPr/>
-            </p:nvSpPr>
-            <p:spPr>
-              <a:xfrm>
-                <a:off x="3639712" y="3583202"/>
-                <a:ext cx="900000" cy="900000"/>
-              </a:xfrm>
-              <a:prstGeom prst="flowChartAlternateProcess">
-                <a:avLst/>
-              </a:prstGeom>
-              <a:ln w="19050"/>
-            </p:spPr>
-            <p:style>
-              <a:lnRef idx="2">
-                <a:schemeClr val="dk1"/>
-              </a:lnRef>
-              <a:fillRef idx="1">
-                <a:schemeClr val="lt1"/>
-              </a:fillRef>
-              <a:effectRef idx="0">
-                <a:schemeClr val="dk1"/>
-              </a:effectRef>
-              <a:fontRef idx="minor">
-                <a:schemeClr val="dk1"/>
-              </a:fontRef>
-            </p:style>
-            <p:txBody>
-              <a:bodyPr rot="0" spcFirstLastPara="0" vertOverflow="overflow" horzOverflow="overflow" vert="horz" wrap="square" lIns="0" tIns="0" rIns="0" bIns="0" numCol="1" spcCol="0" rtlCol="0" fromWordArt="0" anchor="ctr" anchorCtr="0" forceAA="0" compatLnSpc="1">
-                <a:prstTxWarp prst="textNoShape">
-                  <a:avLst/>
-                </a:prstTxWarp>
-                <a:noAutofit/>
-              </a:bodyPr>
-              <a:lstStyle/>
-              <a:p>
-                <a:pPr algn="ctr"/>
-                <a:r>
-                  <a:rPr lang="en-AU" sz="5400" dirty="0">
-                    <a:solidFill>
-                      <a:srgbClr val="C00000"/>
-                    </a:solidFill>
-                    <a:latin typeface="Consolas" panose="020B0609020204030204" pitchFamily="49" charset="0"/>
-                    <a:ea typeface="Yu Gothic" panose="020B0400000000000000" pitchFamily="34" charset="-128"/>
-                  </a:rPr>
-                  <a:t>Red/C</a:t>
-                </a:r>
-              </a:p>
-            </p:txBody>
-          </p:sp>
-          <p:sp>
-            <p:nvSpPr>
-              <p:cNvPr id="278" name="Flowchart: Alternate Process 277">
-                <a:extLst>
-                  <a:ext uri="{FF2B5EF4-FFF2-40B4-BE49-F238E27FC236}">
-                    <a16:creationId xmlns:a16="http://schemas.microsoft.com/office/drawing/2014/main" id="{1018CEBE-4FA6-4073-AC5D-A898B98BF12B}"/>
-                  </a:ext>
-                </a:extLst>
-              </p:cNvPr>
-              <p:cNvSpPr/>
-              <p:nvPr/>
-            </p:nvSpPr>
-            <p:spPr>
-              <a:xfrm>
-                <a:off x="3639712" y="5383202"/>
-                <a:ext cx="900000" cy="900000"/>
-              </a:xfrm>
-              <a:prstGeom prst="flowChartAlternateProcess">
-                <a:avLst/>
-              </a:prstGeom>
-              <a:ln w="19050"/>
-            </p:spPr>
-            <p:style>
-              <a:lnRef idx="2">
-                <a:schemeClr val="dk1"/>
-              </a:lnRef>
-              <a:fillRef idx="1">
-                <a:schemeClr val="lt1"/>
-              </a:fillRef>
-              <a:effectRef idx="0">
-                <a:schemeClr val="dk1"/>
-              </a:effectRef>
-              <a:fontRef idx="minor">
-                <a:schemeClr val="dk1"/>
-              </a:fontRef>
-            </p:style>
-            <p:txBody>
-              <a:bodyPr rot="0" spcFirstLastPara="0" vertOverflow="overflow" horzOverflow="overflow" vert="horz" wrap="square" lIns="0" tIns="0" rIns="0" bIns="0" numCol="1" spcCol="0" rtlCol="0" fromWordArt="0" anchor="ctr" anchorCtr="0" forceAA="0" compatLnSpc="1">
-                <a:prstTxWarp prst="textNoShape">
-                  <a:avLst/>
-                </a:prstTxWarp>
-                <a:noAutofit/>
-              </a:bodyPr>
-              <a:lstStyle/>
-              <a:p>
-                <a:pPr algn="ctr"/>
-                <a:r>
-                  <a:rPr lang="en-AU" sz="5400" dirty="0">
-                    <a:solidFill>
-                      <a:schemeClr val="tx1"/>
-                    </a:solidFill>
-                    <a:latin typeface="Consolas" panose="020B0609020204030204" pitchFamily="49" charset="0"/>
-                    <a:ea typeface="Yu Gothic" panose="020B0400000000000000" pitchFamily="34" charset="-128"/>
-                  </a:rPr>
-                  <a:t>Black/-</a:t>
-                </a:r>
-              </a:p>
-            </p:txBody>
-          </p:sp>
-        </p:grpSp>
-        <p:cxnSp>
-          <p:nvCxnSpPr>
-            <p:cNvPr id="284" name="Connector: Elbow 283">
-              <a:extLst>
-                <a:ext uri="{FF2B5EF4-FFF2-40B4-BE49-F238E27FC236}">
-                  <a16:creationId xmlns:a16="http://schemas.microsoft.com/office/drawing/2014/main" id="{0F38A60D-FE9A-499C-BF38-1DF06F438071}"/>
-                </a:ext>
-              </a:extLst>
-            </p:cNvPr>
-            <p:cNvCxnSpPr>
-              <a:stCxn id="276" idx="1"/>
-              <a:endCxn id="277" idx="1"/>
-            </p:cNvCxnSpPr>
-            <p:nvPr/>
-          </p:nvCxnSpPr>
-          <p:spPr>
-            <a:xfrm rot="10800000" flipV="1">
-              <a:off x="2362507" y="2233202"/>
-              <a:ext cx="12700" cy="1800000"/>
-            </a:xfrm>
-            <a:prstGeom prst="bentConnector3">
-              <a:avLst>
-                <a:gd name="adj1" fmla="val 1800000"/>
-              </a:avLst>
-            </a:prstGeom>
-            <a:ln w="76200">
-              <a:solidFill>
-                <a:schemeClr val="tx1"/>
-              </a:solidFill>
-            </a:ln>
-          </p:spPr>
-          <p:style>
-            <a:lnRef idx="1">
-              <a:schemeClr val="accent1"/>
-            </a:lnRef>
-            <a:fillRef idx="0">
-              <a:schemeClr val="accent1"/>
-            </a:fillRef>
-            <a:effectRef idx="0">
-              <a:schemeClr val="accent1"/>
-            </a:effectRef>
-            <a:fontRef idx="minor">
-              <a:schemeClr val="tx1"/>
-            </a:fontRef>
-          </p:style>
-        </p:cxnSp>
-        <p:cxnSp>
-          <p:nvCxnSpPr>
-            <p:cNvPr id="286" name="Connector: Elbow 285">
-              <a:extLst>
-                <a:ext uri="{FF2B5EF4-FFF2-40B4-BE49-F238E27FC236}">
-                  <a16:creationId xmlns:a16="http://schemas.microsoft.com/office/drawing/2014/main" id="{1F16C0FE-946C-45D9-96FF-396BA6013911}"/>
-                </a:ext>
-              </a:extLst>
-            </p:cNvPr>
-            <p:cNvCxnSpPr>
-              <a:stCxn id="277" idx="1"/>
-              <a:endCxn id="278" idx="1"/>
-            </p:cNvCxnSpPr>
-            <p:nvPr/>
-          </p:nvCxnSpPr>
-          <p:spPr>
-            <a:xfrm rot="10800000" flipV="1">
-              <a:off x="2362507" y="4033202"/>
-              <a:ext cx="12700" cy="1800000"/>
-            </a:xfrm>
-            <a:prstGeom prst="bentConnector3">
-              <a:avLst>
-                <a:gd name="adj1" fmla="val 1800000"/>
-              </a:avLst>
-            </a:prstGeom>
-            <a:ln w="76200">
-              <a:solidFill>
-                <a:schemeClr val="tx1"/>
-              </a:solidFill>
-            </a:ln>
-          </p:spPr>
-          <p:style>
-            <a:lnRef idx="1">
-              <a:schemeClr val="accent1"/>
-            </a:lnRef>
-            <a:fillRef idx="0">
-              <a:schemeClr val="accent1"/>
-            </a:fillRef>
-            <a:effectRef idx="0">
-              <a:schemeClr val="accent1"/>
-            </a:effectRef>
-            <a:fontRef idx="minor">
-              <a:schemeClr val="tx1"/>
-            </a:fontRef>
-          </p:style>
-        </p:cxnSp>
-        <p:grpSp>
-          <p:nvGrpSpPr>
-            <p:cNvPr id="287" name="Group 286">
-              <a:extLst>
-                <a:ext uri="{FF2B5EF4-FFF2-40B4-BE49-F238E27FC236}">
-                  <a16:creationId xmlns:a16="http://schemas.microsoft.com/office/drawing/2014/main" id="{3AE85EFD-916F-40C6-93AB-9E7C195C4F17}"/>
-                </a:ext>
-              </a:extLst>
-            </p:cNvPr>
-            <p:cNvGrpSpPr/>
-            <p:nvPr/>
-          </p:nvGrpSpPr>
-          <p:grpSpPr>
-            <a:xfrm>
-              <a:off x="1308798" y="2873891"/>
-              <a:ext cx="1543501" cy="2318622"/>
-              <a:chOff x="2966357" y="2873891"/>
-              <a:chExt cx="1543501" cy="2318622"/>
-            </a:xfrm>
-          </p:grpSpPr>
-          <mc:AlternateContent xmlns:mc="http://schemas.openxmlformats.org/markup-compatibility/2006" xmlns:a14="http://schemas.microsoft.com/office/drawing/2010/main">
-            <mc:Choice Requires="a14">
-              <p:sp>
-                <p:nvSpPr>
-                  <p:cNvPr id="279" name="Rectangle 278">
-                    <a:extLst>
-                      <a:ext uri="{FF2B5EF4-FFF2-40B4-BE49-F238E27FC236}">
-                        <a16:creationId xmlns:a16="http://schemas.microsoft.com/office/drawing/2014/main" id="{0555249A-0FF1-4701-8936-19A591A41E36}"/>
-                      </a:ext>
-                    </a:extLst>
-                  </p:cNvPr>
-                  <p:cNvSpPr/>
-                  <p:nvPr/>
-                </p:nvSpPr>
-                <p:spPr>
-                  <a:xfrm>
-                    <a:off x="2966357" y="2873891"/>
-                    <a:ext cx="1543501" cy="518622"/>
-                  </a:xfrm>
-                  <a:prstGeom prst="rect">
-                    <a:avLst/>
-                  </a:prstGeom>
-                  <a:ln>
-                    <a:noFill/>
-                  </a:ln>
-                </p:spPr>
-                <p:style>
-                  <a:lnRef idx="2">
-                    <a:schemeClr val="dk1"/>
-                  </a:lnRef>
-                  <a:fillRef idx="1">
-                    <a:schemeClr val="lt1"/>
-                  </a:fillRef>
-                  <a:effectRef idx="0">
-                    <a:schemeClr val="dk1"/>
-                  </a:effectRef>
-                  <a:fontRef idx="minor">
-                    <a:schemeClr val="dk1"/>
-                  </a:fontRef>
-                </p:style>
-                <p:txBody>
-                  <a:bodyPr lIns="0" tIns="0" rIns="0" bIns="0" rtlCol="0" anchor="ctr"/>
-                  <a:lstStyle/>
-                  <a:p>
-                    <a:pPr algn="ctr"/>
-                    <a14:m>
-                      <m:oMathPara xmlns:m="http://schemas.openxmlformats.org/officeDocument/2006/math">
-                        <m:oMathParaPr>
-                          <m:jc m:val="centerGroup"/>
-                        </m:oMathParaPr>
-                        <m:oMath xmlns:m="http://schemas.openxmlformats.org/officeDocument/2006/math">
-                          <m:r>
-                            <a:rPr lang="en-AU" sz="4400" i="1">
-                              <a:ln w="0"/>
-                              <a:solidFill>
-                                <a:schemeClr val="tx1"/>
-                              </a:solidFill>
-                              <a:effectLst>
-                                <a:outerShdw blurRad="38100" dist="19050" dir="2700000" algn="tl" rotWithShape="0">
-                                  <a:schemeClr val="dk1">
-                                    <a:alpha val="40000"/>
-                                  </a:schemeClr>
-                                </a:outerShdw>
-                              </a:effectLst>
-                              <a:latin typeface="Cambria Math" panose="02040503050406030204" pitchFamily="18" charset="0"/>
-                              <a:ea typeface="Cambria Math" panose="02040503050406030204" pitchFamily="18" charset="0"/>
-                            </a:rPr>
-                            <m:t>𝜀</m:t>
-                          </m:r>
-                          <m:r>
-                            <a:rPr lang="en-AU" sz="4400" i="1">
-                              <a:ln w="0"/>
-                              <a:solidFill>
-                                <a:schemeClr val="tx1"/>
-                              </a:solidFill>
-                              <a:effectLst>
-                                <a:outerShdw blurRad="38100" dist="19050" dir="2700000" algn="tl" rotWithShape="0">
-                                  <a:schemeClr val="dk1">
-                                    <a:alpha val="40000"/>
-                                  </a:schemeClr>
-                                </a:outerShdw>
-                              </a:effectLst>
-                              <a:latin typeface="Cambria Math" panose="02040503050406030204" pitchFamily="18" charset="0"/>
-                              <a:ea typeface="Cambria Math" panose="02040503050406030204" pitchFamily="18" charset="0"/>
-                            </a:rPr>
-                            <m:t> </m:t>
-                          </m:r>
-                          <m:r>
-                            <m:rPr>
-                              <m:nor/>
-                            </m:rPr>
-                            <a:rPr lang="en-AU" sz="4400" dirty="0">
-                              <a:ln w="0"/>
-                              <a:solidFill>
-                                <a:schemeClr val="tx1"/>
-                              </a:solidFill>
-                              <a:effectLst>
-                                <a:outerShdw blurRad="38100" dist="19050" dir="2700000" algn="tl" rotWithShape="0">
-                                  <a:schemeClr val="dk1">
-                                    <a:alpha val="40000"/>
-                                  </a:schemeClr>
-                                </a:outerShdw>
-                              </a:effectLst>
-                            </a:rPr>
-                            <m:t>(+</m:t>
-                          </m:r>
-                          <m:r>
-                            <m:rPr>
-                              <m:nor/>
-                            </m:rPr>
-                            <a:rPr lang="en-AU" sz="4400" dirty="0" err="1">
-                              <a:ln w="0"/>
-                              <a:solidFill>
-                                <a:schemeClr val="tx1"/>
-                              </a:solidFill>
-                              <a:effectLst>
-                                <a:outerShdw blurRad="38100" dist="19050" dir="2700000" algn="tl" rotWithShape="0">
-                                  <a:schemeClr val="dk1">
-                                    <a:alpha val="40000"/>
-                                  </a:schemeClr>
-                                </a:outerShdw>
-                              </a:effectLst>
-                            </a:rPr>
-                            <m:t>ve</m:t>
-                          </m:r>
-                          <m:r>
-                            <m:rPr>
-                              <m:nor/>
-                            </m:rPr>
-                            <a:rPr lang="en-AU" sz="4400" dirty="0">
-                              <a:ln w="0"/>
-                              <a:solidFill>
-                                <a:schemeClr val="tx1"/>
-                              </a:solidFill>
-                              <a:effectLst>
-                                <a:outerShdw blurRad="38100" dist="19050" dir="2700000" algn="tl" rotWithShape="0">
-                                  <a:schemeClr val="dk1">
-                                    <a:alpha val="40000"/>
-                                  </a:schemeClr>
-                                </a:outerShdw>
-                              </a:effectLst>
-                            </a:rPr>
-                            <m:t>)</m:t>
-                          </m:r>
-                        </m:oMath>
-                      </m:oMathPara>
-                    </a14:m>
-                    <a:endParaRPr lang="en-AU" sz="4400" dirty="0">
-                      <a:ln w="0"/>
-                      <a:solidFill>
-                        <a:schemeClr val="tx1"/>
-                      </a:solidFill>
-                      <a:effectLst>
-                        <a:outerShdw blurRad="38100" dist="19050" dir="2700000" algn="tl" rotWithShape="0">
-                          <a:schemeClr val="dk1">
-                            <a:alpha val="40000"/>
-                          </a:schemeClr>
-                        </a:outerShdw>
-                      </a:effectLst>
-                    </a:endParaRPr>
-                  </a:p>
-                </p:txBody>
-              </p:sp>
-            </mc:Choice>
-            <mc:Fallback xmlns="">
-              <p:sp>
-                <p:nvSpPr>
-                  <p:cNvPr id="279" name="Rectangle 278">
-                    <a:extLst>
-                      <a:ext uri="{FF2B5EF4-FFF2-40B4-BE49-F238E27FC236}">
-                        <a16:creationId xmlns:a16="http://schemas.microsoft.com/office/drawing/2014/main" id="{0555249A-0FF1-4701-8936-19A591A41E36}"/>
-                      </a:ext>
-                    </a:extLst>
-                  </p:cNvPr>
-                  <p:cNvSpPr>
-                    <a:spLocks noRot="1" noChangeAspect="1" noMove="1" noResize="1" noEditPoints="1" noAdjustHandles="1" noChangeArrowheads="1" noChangeShapeType="1" noTextEdit="1"/>
-                  </p:cNvSpPr>
-                  <p:nvPr/>
-                </p:nvSpPr>
-                <p:spPr>
-                  <a:xfrm>
-                    <a:off x="2966357" y="2873891"/>
-                    <a:ext cx="1543501" cy="518622"/>
-                  </a:xfrm>
-                  <a:prstGeom prst="rect">
-                    <a:avLst/>
-                  </a:prstGeom>
-                  <a:blipFill>
-                    <a:blip r:embed="rId2"/>
-                    <a:stretch>
-                      <a:fillRect l="-3953" b="-11628"/>
-                    </a:stretch>
-                  </a:blipFill>
-                  <a:ln>
-                    <a:noFill/>
-                  </a:ln>
-                </p:spPr>
-                <p:txBody>
-                  <a:bodyPr/>
-                  <a:lstStyle/>
-                  <a:p>
-                    <a:r>
-                      <a:rPr lang="en-AU">
-                        <a:noFill/>
-                      </a:rPr>
-                      <a:t> </a:t>
-                    </a:r>
-                  </a:p>
-                </p:txBody>
-              </p:sp>
-            </mc:Fallback>
-          </mc:AlternateContent>
-          <mc:AlternateContent xmlns:mc="http://schemas.openxmlformats.org/markup-compatibility/2006" xmlns:a14="http://schemas.microsoft.com/office/drawing/2010/main">
-            <mc:Choice Requires="a14">
-              <p:sp>
-                <p:nvSpPr>
-                  <p:cNvPr id="280" name="Rectangle 279">
-                    <a:extLst>
-                      <a:ext uri="{FF2B5EF4-FFF2-40B4-BE49-F238E27FC236}">
-                        <a16:creationId xmlns:a16="http://schemas.microsoft.com/office/drawing/2014/main" id="{18B53EC6-A027-407A-A53C-F30602242756}"/>
-                      </a:ext>
-                    </a:extLst>
-                  </p:cNvPr>
-                  <p:cNvSpPr/>
-                  <p:nvPr/>
-                </p:nvSpPr>
-                <p:spPr>
-                  <a:xfrm>
-                    <a:off x="2966357" y="4673891"/>
-                    <a:ext cx="1543501" cy="518622"/>
-                  </a:xfrm>
-                  <a:prstGeom prst="rect">
-                    <a:avLst/>
-                  </a:prstGeom>
-                  <a:ln>
-                    <a:noFill/>
-                  </a:ln>
-                </p:spPr>
-                <p:style>
-                  <a:lnRef idx="2">
-                    <a:schemeClr val="dk1"/>
-                  </a:lnRef>
-                  <a:fillRef idx="1">
-                    <a:schemeClr val="lt1"/>
-                  </a:fillRef>
-                  <a:effectRef idx="0">
-                    <a:schemeClr val="dk1"/>
-                  </a:effectRef>
-                  <a:fontRef idx="minor">
-                    <a:schemeClr val="dk1"/>
-                  </a:fontRef>
-                </p:style>
-                <p:txBody>
-                  <a:bodyPr lIns="0" tIns="0" rIns="0" bIns="0" rtlCol="0" anchor="ctr"/>
-                  <a:lstStyle/>
-                  <a:p>
-                    <a:pPr algn="ctr"/>
-                    <a14:m>
-                      <m:oMath xmlns:m="http://schemas.openxmlformats.org/officeDocument/2006/math">
-                        <m:r>
-                          <a:rPr lang="en-AU" sz="4400" i="1">
-                            <a:ln w="0"/>
-                            <a:solidFill>
-                              <a:schemeClr val="tx1"/>
-                            </a:solidFill>
-                            <a:effectLst>
-                              <a:outerShdw blurRad="38100" dist="19050" dir="2700000" algn="tl" rotWithShape="0">
-                                <a:schemeClr val="dk1">
-                                  <a:alpha val="40000"/>
-                                </a:schemeClr>
-                              </a:outerShdw>
-                            </a:effectLst>
-                            <a:latin typeface="Cambria Math" panose="02040503050406030204" pitchFamily="18" charset="0"/>
-                            <a:ea typeface="Cambria Math" panose="02040503050406030204" pitchFamily="18" charset="0"/>
-                          </a:rPr>
-                          <m:t>𝜀</m:t>
-                        </m:r>
-                        <m:r>
-                          <a:rPr lang="en-AU" sz="4400" i="1">
-                            <a:ln w="0"/>
-                            <a:solidFill>
-                              <a:schemeClr val="tx1"/>
-                            </a:solidFill>
-                            <a:effectLst>
-                              <a:outerShdw blurRad="38100" dist="19050" dir="2700000" algn="tl" rotWithShape="0">
-                                <a:schemeClr val="dk1">
-                                  <a:alpha val="40000"/>
-                                </a:schemeClr>
-                              </a:outerShdw>
-                            </a:effectLst>
-                            <a:latin typeface="Cambria Math" panose="02040503050406030204" pitchFamily="18" charset="0"/>
-                            <a:ea typeface="Cambria Math" panose="02040503050406030204" pitchFamily="18" charset="0"/>
-                          </a:rPr>
-                          <m:t> </m:t>
-                        </m:r>
-                      </m:oMath>
-                    </a14:m>
-                    <a:r>
-                      <a:rPr lang="en-AU" sz="4400" dirty="0">
-                        <a:ln w="0"/>
-                        <a:solidFill>
-                          <a:schemeClr val="tx1"/>
-                        </a:solidFill>
-                        <a:effectLst>
-                          <a:outerShdw blurRad="38100" dist="19050" dir="2700000" algn="tl" rotWithShape="0">
-                            <a:schemeClr val="dk1">
-                              <a:alpha val="40000"/>
-                            </a:schemeClr>
-                          </a:outerShdw>
-                        </a:effectLst>
-                      </a:rPr>
-                      <a:t>(-ve)</a:t>
-                    </a:r>
-                  </a:p>
-                </p:txBody>
-              </p:sp>
-            </mc:Choice>
-            <mc:Fallback xmlns="">
-              <p:sp>
-                <p:nvSpPr>
-                  <p:cNvPr id="280" name="Rectangle 279">
-                    <a:extLst>
-                      <a:ext uri="{FF2B5EF4-FFF2-40B4-BE49-F238E27FC236}">
-                        <a16:creationId xmlns:a16="http://schemas.microsoft.com/office/drawing/2014/main" id="{18B53EC6-A027-407A-A53C-F30602242756}"/>
-                      </a:ext>
-                    </a:extLst>
-                  </p:cNvPr>
-                  <p:cNvSpPr>
-                    <a:spLocks noRot="1" noChangeAspect="1" noMove="1" noResize="1" noEditPoints="1" noAdjustHandles="1" noChangeArrowheads="1" noChangeShapeType="1" noTextEdit="1"/>
-                  </p:cNvSpPr>
-                  <p:nvPr/>
-                </p:nvSpPr>
-                <p:spPr>
-                  <a:xfrm>
-                    <a:off x="2966357" y="4673891"/>
-                    <a:ext cx="1543501" cy="518622"/>
-                  </a:xfrm>
-                  <a:prstGeom prst="rect">
-                    <a:avLst/>
-                  </a:prstGeom>
-                  <a:blipFill>
-                    <a:blip r:embed="rId3"/>
-                    <a:stretch>
-                      <a:fillRect t="-51765" r="-20553" b="-87059"/>
-                    </a:stretch>
-                  </a:blipFill>
-                  <a:ln>
-                    <a:noFill/>
-                  </a:ln>
-                </p:spPr>
-                <p:txBody>
-                  <a:bodyPr/>
-                  <a:lstStyle/>
-                  <a:p>
-                    <a:r>
-                      <a:rPr lang="en-AU">
-                        <a:noFill/>
-                      </a:rPr>
-                      <a:t> </a:t>
-                    </a:r>
-                  </a:p>
-                </p:txBody>
-              </p:sp>
-            </mc:Fallback>
-          </mc:AlternateContent>
-        </p:grpSp>
-      </p:grpSp>
-      <p:grpSp>
-        <p:nvGrpSpPr>
-          <p:cNvPr id="316" name="Group 315">
-            <a:extLst>
-              <a:ext uri="{FF2B5EF4-FFF2-40B4-BE49-F238E27FC236}">
-                <a16:creationId xmlns:a16="http://schemas.microsoft.com/office/drawing/2014/main" id="{7C0C3EB0-4600-4F8E-910F-93D8DA178755}"/>
-              </a:ext>
-            </a:extLst>
-          </p:cNvPr>
-          <p:cNvGrpSpPr/>
-          <p:nvPr/>
-        </p:nvGrpSpPr>
-        <p:grpSpPr>
-          <a:xfrm>
-            <a:off x="5386994" y="-394026"/>
-            <a:ext cx="14025112" cy="7502992"/>
-            <a:chOff x="5386994" y="-394026"/>
-            <a:chExt cx="14025112" cy="7502992"/>
-          </a:xfrm>
-        </p:grpSpPr>
-        <p:sp>
-          <p:nvSpPr>
-            <p:cNvPr id="265" name="Rectangle: Rounded Corners 264">
-              <a:extLst>
-                <a:ext uri="{FF2B5EF4-FFF2-40B4-BE49-F238E27FC236}">
-                  <a16:creationId xmlns:a16="http://schemas.microsoft.com/office/drawing/2014/main" id="{4A9851E3-EA0A-4FF7-97ED-6FF99B3BC401}"/>
-                </a:ext>
-              </a:extLst>
-            </p:cNvPr>
-            <p:cNvSpPr/>
-            <p:nvPr/>
-          </p:nvSpPr>
-          <p:spPr>
-            <a:xfrm>
-              <a:off x="8986994" y="1539439"/>
-              <a:ext cx="1453656" cy="5569527"/>
-            </a:xfrm>
-            <a:prstGeom prst="roundRect">
-              <a:avLst/>
-            </a:prstGeom>
-            <a:ln w="28575">
-              <a:solidFill>
-                <a:schemeClr val="accent2"/>
-              </a:solidFill>
-              <a:prstDash val="sysDot"/>
-              <a:headEnd type="none" w="med" len="med"/>
-              <a:tailEnd type="none" w="med" len="med"/>
-            </a:ln>
-          </p:spPr>
-          <p:style>
-            <a:lnRef idx="3">
-              <a:schemeClr val="dk1"/>
-            </a:lnRef>
-            <a:fillRef idx="0">
-              <a:schemeClr val="dk1"/>
-            </a:fillRef>
-            <a:effectRef idx="2">
-              <a:schemeClr val="dk1"/>
-            </a:effectRef>
-            <a:fontRef idx="minor">
-              <a:schemeClr val="tx1"/>
-            </a:fontRef>
-          </p:style>
-          <p:txBody>
-            <a:bodyPr rot="0" spcFirstLastPara="0" vertOverflow="overflow" horzOverflow="overflow" vert="horz" wrap="square" lIns="91440" tIns="45720" rIns="91440" bIns="45720" numCol="1" spcCol="0" rtlCol="0" fromWordArt="0" anchor="b" anchorCtr="0" forceAA="0" compatLnSpc="1">
-              <a:prstTxWarp prst="textNoShape">
-                <a:avLst/>
-              </a:prstTxWarp>
-              <a:noAutofit/>
-            </a:bodyPr>
-            <a:lstStyle/>
-            <a:p>
-              <a:pPr algn="ctr"/>
-              <a:r>
-                <a:rPr lang="en-AU" dirty="0">
-                  <a:solidFill>
-                    <a:schemeClr val="accent2"/>
-                  </a:solidFill>
-                  <a:latin typeface="Consolas" panose="020B0609020204030204" pitchFamily="49" charset="0"/>
-                </a:rPr>
-                <a:t>Sensor 3</a:t>
-              </a:r>
-            </a:p>
-          </p:txBody>
-        </p:sp>
-        <p:sp>
-          <p:nvSpPr>
-            <p:cNvPr id="35" name="Flowchart: Alternate Process 34">
-              <a:extLst>
-                <a:ext uri="{FF2B5EF4-FFF2-40B4-BE49-F238E27FC236}">
-                  <a16:creationId xmlns:a16="http://schemas.microsoft.com/office/drawing/2014/main" id="{3B765207-A2AC-41BC-9794-E4840C8870CE}"/>
-                </a:ext>
-              </a:extLst>
-            </p:cNvPr>
-            <p:cNvSpPr/>
-            <p:nvPr/>
-          </p:nvSpPr>
-          <p:spPr>
-            <a:xfrm>
-              <a:off x="5657472" y="-16798"/>
-              <a:ext cx="900000" cy="900000"/>
-            </a:xfrm>
-            <a:prstGeom prst="flowChartAlternateProcess">
-              <a:avLst/>
-            </a:prstGeom>
-            <a:ln w="19050"/>
-          </p:spPr>
-          <p:style>
-            <a:lnRef idx="2">
-              <a:schemeClr val="dk1"/>
-            </a:lnRef>
-            <a:fillRef idx="1">
-              <a:schemeClr val="lt1"/>
-            </a:fillRef>
-            <a:effectRef idx="0">
-              <a:schemeClr val="dk1"/>
-            </a:effectRef>
-            <a:fontRef idx="minor">
-              <a:schemeClr val="dk1"/>
-            </a:fontRef>
-          </p:style>
-          <p:txBody>
-            <a:bodyPr rot="0" spcFirstLastPara="0" vertOverflow="overflow" horzOverflow="overflow" vert="horz" wrap="square" lIns="0" tIns="0" rIns="0" bIns="0" numCol="1" spcCol="0" rtlCol="0" fromWordArt="0" anchor="ctr" anchorCtr="0" forceAA="0" compatLnSpc="1">
-              <a:prstTxWarp prst="textNoShape">
-                <a:avLst/>
-              </a:prstTxWarp>
-              <a:noAutofit/>
-            </a:bodyPr>
-            <a:lstStyle/>
-            <a:p>
-              <a:pPr algn="ctr"/>
-              <a:r>
-                <a:rPr lang="en-AU" sz="5400" dirty="0">
-                  <a:solidFill>
-                    <a:srgbClr val="C00000"/>
-                  </a:solidFill>
-                  <a:latin typeface="Consolas" panose="020B0609020204030204" pitchFamily="49" charset="0"/>
-                  <a:ea typeface="Yu Gothic" panose="020B0400000000000000" pitchFamily="34" charset="-128"/>
-                </a:rPr>
-                <a:t>E+</a:t>
-              </a:r>
-            </a:p>
-          </p:txBody>
-        </p:sp>
-        <p:sp>
-          <p:nvSpPr>
-            <p:cNvPr id="41" name="Flowchart: Alternate Process 40">
-              <a:extLst>
-                <a:ext uri="{FF2B5EF4-FFF2-40B4-BE49-F238E27FC236}">
-                  <a16:creationId xmlns:a16="http://schemas.microsoft.com/office/drawing/2014/main" id="{94ED04FA-6AD4-4482-BCDC-FB195B49E4F6}"/>
-                </a:ext>
-              </a:extLst>
-            </p:cNvPr>
-            <p:cNvSpPr/>
-            <p:nvPr/>
-          </p:nvSpPr>
-          <p:spPr>
-            <a:xfrm>
-              <a:off x="7457472" y="-16798"/>
-              <a:ext cx="900000" cy="900000"/>
-            </a:xfrm>
-            <a:prstGeom prst="flowChartAlternateProcess">
-              <a:avLst/>
-            </a:prstGeom>
-            <a:ln w="19050"/>
-          </p:spPr>
-          <p:style>
-            <a:lnRef idx="2">
-              <a:schemeClr val="dk1"/>
-            </a:lnRef>
-            <a:fillRef idx="1">
-              <a:schemeClr val="lt1"/>
-            </a:fillRef>
-            <a:effectRef idx="0">
-              <a:schemeClr val="dk1"/>
-            </a:effectRef>
-            <a:fontRef idx="minor">
-              <a:schemeClr val="dk1"/>
-            </a:fontRef>
-          </p:style>
-          <p:txBody>
-            <a:bodyPr rot="0" spcFirstLastPara="0" vertOverflow="overflow" horzOverflow="overflow" vert="horz" wrap="square" lIns="0" tIns="0" rIns="0" bIns="0" numCol="1" spcCol="0" rtlCol="0" fromWordArt="0" anchor="ctr" anchorCtr="0" forceAA="0" compatLnSpc="1">
-              <a:prstTxWarp prst="textNoShape">
-                <a:avLst/>
-              </a:prstTxWarp>
-              <a:noAutofit/>
-            </a:bodyPr>
-            <a:lstStyle/>
-            <a:p>
-              <a:pPr algn="ctr"/>
-              <a:r>
-                <a:rPr lang="en-AU" sz="5400" dirty="0">
-                  <a:solidFill>
-                    <a:schemeClr val="accent5"/>
-                  </a:solidFill>
-                  <a:latin typeface="Consolas" panose="020B0609020204030204" pitchFamily="49" charset="0"/>
-                  <a:ea typeface="Yu Gothic" panose="020B0400000000000000" pitchFamily="34" charset="-128"/>
-                </a:rPr>
-                <a:t>A+</a:t>
-              </a:r>
-            </a:p>
-          </p:txBody>
-        </p:sp>
-        <p:sp>
-          <p:nvSpPr>
-            <p:cNvPr id="47" name="Flowchart: Alternate Process 46">
-              <a:extLst>
-                <a:ext uri="{FF2B5EF4-FFF2-40B4-BE49-F238E27FC236}">
-                  <a16:creationId xmlns:a16="http://schemas.microsoft.com/office/drawing/2014/main" id="{16C2E3F7-30EF-4F0C-95B7-9F19DA7CB21C}"/>
-                </a:ext>
-              </a:extLst>
-            </p:cNvPr>
-            <p:cNvSpPr/>
-            <p:nvPr/>
-          </p:nvSpPr>
-          <p:spPr>
-            <a:xfrm>
-              <a:off x="9257472" y="-16798"/>
-              <a:ext cx="900000" cy="900000"/>
-            </a:xfrm>
-            <a:prstGeom prst="flowChartAlternateProcess">
-              <a:avLst/>
-            </a:prstGeom>
-            <a:ln w="19050"/>
-          </p:spPr>
-          <p:style>
-            <a:lnRef idx="2">
-              <a:schemeClr val="dk1"/>
-            </a:lnRef>
-            <a:fillRef idx="1">
-              <a:schemeClr val="lt1"/>
-            </a:fillRef>
-            <a:effectRef idx="0">
-              <a:schemeClr val="dk1"/>
-            </a:effectRef>
-            <a:fontRef idx="minor">
-              <a:schemeClr val="dk1"/>
-            </a:fontRef>
-          </p:style>
-          <p:txBody>
-            <a:bodyPr rot="0" spcFirstLastPara="0" vertOverflow="overflow" horzOverflow="overflow" vert="horz" wrap="square" lIns="0" tIns="0" rIns="0" bIns="0" numCol="1" spcCol="0" rtlCol="0" fromWordArt="0" anchor="ctr" anchorCtr="0" forceAA="0" compatLnSpc="1">
-              <a:prstTxWarp prst="textNoShape">
-                <a:avLst/>
-              </a:prstTxWarp>
-              <a:noAutofit/>
-            </a:bodyPr>
-            <a:lstStyle/>
-            <a:p>
-              <a:pPr algn="ctr"/>
-              <a:r>
-                <a:rPr lang="en-AU" sz="5400" dirty="0">
-                  <a:solidFill>
-                    <a:schemeClr val="accent5"/>
-                  </a:solidFill>
-                  <a:latin typeface="Consolas" panose="020B0609020204030204" pitchFamily="49" charset="0"/>
-                  <a:ea typeface="Yu Gothic" panose="020B0400000000000000" pitchFamily="34" charset="-128"/>
-                </a:rPr>
-                <a:t>A-</a:t>
-              </a:r>
-            </a:p>
-          </p:txBody>
-        </p:sp>
-        <p:sp>
-          <p:nvSpPr>
-            <p:cNvPr id="53" name="Flowchart: Alternate Process 52">
-              <a:extLst>
-                <a:ext uri="{FF2B5EF4-FFF2-40B4-BE49-F238E27FC236}">
-                  <a16:creationId xmlns:a16="http://schemas.microsoft.com/office/drawing/2014/main" id="{5C493EF2-888A-4116-A7BF-1410E81A54E0}"/>
-                </a:ext>
-              </a:extLst>
-            </p:cNvPr>
-            <p:cNvSpPr/>
-            <p:nvPr/>
-          </p:nvSpPr>
-          <p:spPr>
-            <a:xfrm>
-              <a:off x="11057472" y="-16798"/>
-              <a:ext cx="900000" cy="900000"/>
-            </a:xfrm>
-            <a:prstGeom prst="flowChartAlternateProcess">
-              <a:avLst/>
-            </a:prstGeom>
-            <a:ln w="19050"/>
-          </p:spPr>
-          <p:style>
-            <a:lnRef idx="2">
-              <a:schemeClr val="dk1"/>
-            </a:lnRef>
-            <a:fillRef idx="1">
-              <a:schemeClr val="lt1"/>
-            </a:fillRef>
-            <a:effectRef idx="0">
-              <a:schemeClr val="dk1"/>
-            </a:effectRef>
-            <a:fontRef idx="minor">
-              <a:schemeClr val="dk1"/>
-            </a:fontRef>
-          </p:style>
-          <p:txBody>
-            <a:bodyPr rot="0" spcFirstLastPara="0" vertOverflow="overflow" horzOverflow="overflow" vert="horz" wrap="square" lIns="0" tIns="0" rIns="0" bIns="0" numCol="1" spcCol="0" rtlCol="0" fromWordArt="0" anchor="ctr" anchorCtr="0" forceAA="0" compatLnSpc="1">
-              <a:prstTxWarp prst="textNoShape">
-                <a:avLst/>
-              </a:prstTxWarp>
-              <a:noAutofit/>
-            </a:bodyPr>
-            <a:lstStyle/>
-            <a:p>
-              <a:pPr algn="ctr"/>
-              <a:r>
-                <a:rPr lang="en-AU" sz="5400" dirty="0">
-                  <a:solidFill>
-                    <a:srgbClr val="C00000"/>
-                  </a:solidFill>
-                  <a:latin typeface="Consolas" panose="020B0609020204030204" pitchFamily="49" charset="0"/>
-                  <a:ea typeface="Yu Gothic" panose="020B0400000000000000" pitchFamily="34" charset="-128"/>
-                </a:rPr>
-                <a:t>E-</a:t>
-              </a:r>
-            </a:p>
-          </p:txBody>
-        </p:sp>
-        <p:sp>
-          <p:nvSpPr>
-            <p:cNvPr id="56" name="Flowchart: Alternate Process 55">
-              <a:extLst>
-                <a:ext uri="{FF2B5EF4-FFF2-40B4-BE49-F238E27FC236}">
-                  <a16:creationId xmlns:a16="http://schemas.microsoft.com/office/drawing/2014/main" id="{52813CBD-666A-4C35-95A9-28BA6A071711}"/>
-                </a:ext>
-              </a:extLst>
-            </p:cNvPr>
-            <p:cNvSpPr/>
-            <p:nvPr/>
-          </p:nvSpPr>
-          <p:spPr>
-            <a:xfrm>
-              <a:off x="5657472" y="1783202"/>
-              <a:ext cx="900000" cy="900000"/>
-            </a:xfrm>
-            <a:prstGeom prst="flowChartAlternateProcess">
-              <a:avLst/>
-            </a:prstGeom>
-            <a:ln w="19050"/>
-          </p:spPr>
-          <p:style>
-            <a:lnRef idx="2">
-              <a:schemeClr val="dk1"/>
-            </a:lnRef>
-            <a:fillRef idx="1">
-              <a:schemeClr val="lt1"/>
-            </a:fillRef>
-            <a:effectRef idx="0">
-              <a:schemeClr val="dk1"/>
-            </a:effectRef>
-            <a:fontRef idx="minor">
-              <a:schemeClr val="dk1"/>
-            </a:fontRef>
-          </p:style>
-          <p:txBody>
-            <a:bodyPr rot="0" spcFirstLastPara="0" vertOverflow="overflow" horzOverflow="overflow" vert="horz" wrap="square" lIns="0" tIns="0" rIns="0" bIns="0" numCol="1" spcCol="0" rtlCol="0" fromWordArt="0" anchor="ctr" anchorCtr="0" forceAA="0" compatLnSpc="1">
-              <a:prstTxWarp prst="textNoShape">
-                <a:avLst/>
-              </a:prstTxWarp>
-              <a:noAutofit/>
-            </a:bodyPr>
-            <a:lstStyle/>
-            <a:p>
-              <a:pPr algn="ctr"/>
-              <a:r>
-                <a:rPr lang="en-AU" sz="5400" dirty="0">
-                  <a:solidFill>
-                    <a:srgbClr val="C00000"/>
-                  </a:solidFill>
-                  <a:latin typeface="Consolas" panose="020B0609020204030204" pitchFamily="49" charset="0"/>
-                  <a:ea typeface="Yu Gothic" panose="020B0400000000000000" pitchFamily="34" charset="-128"/>
-                </a:rPr>
-                <a:t>C1</a:t>
-              </a:r>
-            </a:p>
-          </p:txBody>
-        </p:sp>
-        <p:sp>
-          <p:nvSpPr>
-            <p:cNvPr id="57" name="Flowchart: Alternate Process 56">
-              <a:extLst>
-                <a:ext uri="{FF2B5EF4-FFF2-40B4-BE49-F238E27FC236}">
-                  <a16:creationId xmlns:a16="http://schemas.microsoft.com/office/drawing/2014/main" id="{C4EC0FB6-179A-4C0F-9800-21B42456FF23}"/>
-                </a:ext>
-              </a:extLst>
-            </p:cNvPr>
-            <p:cNvSpPr/>
-            <p:nvPr/>
-          </p:nvSpPr>
-          <p:spPr>
-            <a:xfrm>
-              <a:off x="5657472" y="3583202"/>
-              <a:ext cx="900000" cy="900000"/>
-            </a:xfrm>
-            <a:prstGeom prst="flowChartAlternateProcess">
-              <a:avLst/>
-            </a:prstGeom>
-            <a:ln w="19050"/>
-          </p:spPr>
-          <p:style>
-            <a:lnRef idx="2">
-              <a:schemeClr val="dk1"/>
-            </a:lnRef>
-            <a:fillRef idx="1">
-              <a:schemeClr val="lt1"/>
-            </a:fillRef>
-            <a:effectRef idx="0">
-              <a:schemeClr val="dk1"/>
-            </a:effectRef>
-            <a:fontRef idx="minor">
-              <a:schemeClr val="dk1"/>
-            </a:fontRef>
-          </p:style>
-          <p:txBody>
-            <a:bodyPr rot="0" spcFirstLastPara="0" vertOverflow="overflow" horzOverflow="overflow" vert="horz" wrap="square" lIns="0" tIns="0" rIns="0" bIns="0" numCol="1" spcCol="0" rtlCol="0" fromWordArt="0" anchor="ctr" anchorCtr="0" forceAA="0" compatLnSpc="1">
-              <a:prstTxWarp prst="textNoShape">
-                <a:avLst/>
-              </a:prstTxWarp>
-              <a:noAutofit/>
-            </a:bodyPr>
-            <a:lstStyle/>
-            <a:p>
-              <a:pPr algn="ctr"/>
-              <a:r>
-                <a:rPr lang="en-AU" sz="5400" dirty="0">
-                  <a:solidFill>
-                    <a:schemeClr val="accent2"/>
-                  </a:solidFill>
-                  <a:latin typeface="Consolas" panose="020B0609020204030204" pitchFamily="49" charset="0"/>
-                  <a:ea typeface="Yu Gothic" panose="020B0400000000000000" pitchFamily="34" charset="-128"/>
-                </a:rPr>
-                <a:t>+1</a:t>
-              </a:r>
-            </a:p>
-          </p:txBody>
-        </p:sp>
-        <p:sp>
-          <p:nvSpPr>
-            <p:cNvPr id="58" name="Flowchart: Alternate Process 57">
-              <a:extLst>
-                <a:ext uri="{FF2B5EF4-FFF2-40B4-BE49-F238E27FC236}">
-                  <a16:creationId xmlns:a16="http://schemas.microsoft.com/office/drawing/2014/main" id="{32DEA306-881E-4C26-87E5-FAE921B25507}"/>
-                </a:ext>
-              </a:extLst>
-            </p:cNvPr>
-            <p:cNvSpPr/>
-            <p:nvPr/>
-          </p:nvSpPr>
-          <p:spPr>
-            <a:xfrm>
-              <a:off x="5657472" y="5383202"/>
-              <a:ext cx="900000" cy="900000"/>
-            </a:xfrm>
-            <a:prstGeom prst="flowChartAlternateProcess">
-              <a:avLst/>
-            </a:prstGeom>
-            <a:ln w="19050"/>
-          </p:spPr>
-          <p:style>
-            <a:lnRef idx="2">
-              <a:schemeClr val="dk1"/>
-            </a:lnRef>
-            <a:fillRef idx="1">
-              <a:schemeClr val="lt1"/>
-            </a:fillRef>
-            <a:effectRef idx="0">
-              <a:schemeClr val="dk1"/>
-            </a:effectRef>
-            <a:fontRef idx="minor">
-              <a:schemeClr val="dk1"/>
-            </a:fontRef>
-          </p:style>
-          <p:txBody>
-            <a:bodyPr rot="0" spcFirstLastPara="0" vertOverflow="overflow" horzOverflow="overflow" vert="horz" wrap="square" lIns="0" tIns="0" rIns="0" bIns="0" numCol="1" spcCol="0" rtlCol="0" fromWordArt="0" anchor="ctr" anchorCtr="0" forceAA="0" compatLnSpc="1">
-              <a:prstTxWarp prst="textNoShape">
-                <a:avLst/>
-              </a:prstTxWarp>
-              <a:noAutofit/>
-            </a:bodyPr>
-            <a:lstStyle/>
-            <a:p>
-              <a:pPr algn="ctr"/>
-              <a:r>
-                <a:rPr lang="en-AU" sz="5400" dirty="0">
-                  <a:solidFill>
-                    <a:schemeClr val="accent6"/>
-                  </a:solidFill>
-                  <a:latin typeface="Consolas" panose="020B0609020204030204" pitchFamily="49" charset="0"/>
-                  <a:ea typeface="Yu Gothic" panose="020B0400000000000000" pitchFamily="34" charset="-128"/>
-                </a:rPr>
-                <a:t>-1</a:t>
-              </a:r>
-            </a:p>
-          </p:txBody>
-        </p:sp>
-        <p:sp>
-          <p:nvSpPr>
-            <p:cNvPr id="59" name="Flowchart: Alternate Process 58">
-              <a:extLst>
-                <a:ext uri="{FF2B5EF4-FFF2-40B4-BE49-F238E27FC236}">
-                  <a16:creationId xmlns:a16="http://schemas.microsoft.com/office/drawing/2014/main" id="{4157983E-711F-4F57-B1E2-C0987C79ADCB}"/>
-                </a:ext>
-              </a:extLst>
-            </p:cNvPr>
-            <p:cNvSpPr/>
-            <p:nvPr/>
-          </p:nvSpPr>
-          <p:spPr>
-            <a:xfrm>
-              <a:off x="7457472" y="1783202"/>
-              <a:ext cx="900000" cy="900000"/>
-            </a:xfrm>
-            <a:prstGeom prst="flowChartAlternateProcess">
-              <a:avLst/>
-            </a:prstGeom>
-            <a:ln w="19050"/>
-          </p:spPr>
-          <p:style>
-            <a:lnRef idx="2">
-              <a:schemeClr val="dk1"/>
-            </a:lnRef>
-            <a:fillRef idx="1">
-              <a:schemeClr val="lt1"/>
-            </a:fillRef>
-            <a:effectRef idx="0">
-              <a:schemeClr val="dk1"/>
-            </a:effectRef>
-            <a:fontRef idx="minor">
-              <a:schemeClr val="dk1"/>
-            </a:fontRef>
-          </p:style>
-          <p:txBody>
-            <a:bodyPr rot="0" spcFirstLastPara="0" vertOverflow="overflow" horzOverflow="overflow" vert="horz" wrap="square" lIns="0" tIns="0" rIns="0" bIns="0" numCol="1" spcCol="0" rtlCol="0" fromWordArt="0" anchor="ctr" anchorCtr="0" forceAA="0" compatLnSpc="1">
-              <a:prstTxWarp prst="textNoShape">
-                <a:avLst/>
-              </a:prstTxWarp>
-              <a:noAutofit/>
-            </a:bodyPr>
-            <a:lstStyle/>
-            <a:p>
-              <a:pPr algn="ctr"/>
-              <a:r>
-                <a:rPr lang="en-AU" sz="5400" dirty="0">
-                  <a:solidFill>
-                    <a:schemeClr val="accent5"/>
-                  </a:solidFill>
-                  <a:latin typeface="Consolas" panose="020B0609020204030204" pitchFamily="49" charset="0"/>
-                  <a:ea typeface="Yu Gothic" panose="020B0400000000000000" pitchFamily="34" charset="-128"/>
-                </a:rPr>
-                <a:t>C2</a:t>
-              </a:r>
-            </a:p>
-          </p:txBody>
-        </p:sp>
-        <p:sp>
-          <p:nvSpPr>
-            <p:cNvPr id="60" name="Flowchart: Alternate Process 59">
-              <a:extLst>
-                <a:ext uri="{FF2B5EF4-FFF2-40B4-BE49-F238E27FC236}">
-                  <a16:creationId xmlns:a16="http://schemas.microsoft.com/office/drawing/2014/main" id="{B3EC1E91-EFA1-40D1-9085-BA505872147E}"/>
-                </a:ext>
-              </a:extLst>
-            </p:cNvPr>
-            <p:cNvSpPr/>
-            <p:nvPr/>
-          </p:nvSpPr>
-          <p:spPr>
-            <a:xfrm>
-              <a:off x="7457472" y="3583202"/>
-              <a:ext cx="900000" cy="900000"/>
-            </a:xfrm>
-            <a:prstGeom prst="flowChartAlternateProcess">
-              <a:avLst/>
-            </a:prstGeom>
-            <a:ln w="19050"/>
-          </p:spPr>
-          <p:style>
-            <a:lnRef idx="2">
-              <a:schemeClr val="dk1"/>
-            </a:lnRef>
-            <a:fillRef idx="1">
-              <a:schemeClr val="lt1"/>
-            </a:fillRef>
-            <a:effectRef idx="0">
-              <a:schemeClr val="dk1"/>
-            </a:effectRef>
-            <a:fontRef idx="minor">
-              <a:schemeClr val="dk1"/>
-            </a:fontRef>
-          </p:style>
-          <p:txBody>
-            <a:bodyPr rot="0" spcFirstLastPara="0" vertOverflow="overflow" horzOverflow="overflow" vert="horz" wrap="square" lIns="0" tIns="0" rIns="0" bIns="0" numCol="1" spcCol="0" rtlCol="0" fromWordArt="0" anchor="ctr" anchorCtr="0" forceAA="0" compatLnSpc="1">
-              <a:prstTxWarp prst="textNoShape">
-                <a:avLst/>
-              </a:prstTxWarp>
-              <a:noAutofit/>
-            </a:bodyPr>
-            <a:lstStyle/>
-            <a:p>
-              <a:pPr algn="ctr"/>
-              <a:r>
-                <a:rPr lang="en-AU" sz="5400" dirty="0">
-                  <a:solidFill>
-                    <a:schemeClr val="accent2"/>
-                  </a:solidFill>
-                  <a:latin typeface="Consolas" panose="020B0609020204030204" pitchFamily="49" charset="0"/>
-                  <a:ea typeface="Yu Gothic" panose="020B0400000000000000" pitchFamily="34" charset="-128"/>
-                </a:rPr>
-                <a:t>+2</a:t>
-              </a:r>
-            </a:p>
-          </p:txBody>
-        </p:sp>
-        <p:sp>
-          <p:nvSpPr>
-            <p:cNvPr id="61" name="Flowchart: Alternate Process 60">
-              <a:extLst>
-                <a:ext uri="{FF2B5EF4-FFF2-40B4-BE49-F238E27FC236}">
-                  <a16:creationId xmlns:a16="http://schemas.microsoft.com/office/drawing/2014/main" id="{186990A6-15D1-47F1-A358-5E09A3AD1307}"/>
-                </a:ext>
-              </a:extLst>
-            </p:cNvPr>
-            <p:cNvSpPr/>
-            <p:nvPr/>
-          </p:nvSpPr>
-          <p:spPr>
-            <a:xfrm>
-              <a:off x="7457472" y="5383202"/>
-              <a:ext cx="900000" cy="900000"/>
-            </a:xfrm>
-            <a:prstGeom prst="flowChartAlternateProcess">
-              <a:avLst/>
-            </a:prstGeom>
-            <a:ln w="19050"/>
-          </p:spPr>
-          <p:style>
-            <a:lnRef idx="2">
-              <a:schemeClr val="dk1"/>
-            </a:lnRef>
-            <a:fillRef idx="1">
-              <a:schemeClr val="lt1"/>
-            </a:fillRef>
-            <a:effectRef idx="0">
-              <a:schemeClr val="dk1"/>
-            </a:effectRef>
-            <a:fontRef idx="minor">
-              <a:schemeClr val="dk1"/>
-            </a:fontRef>
-          </p:style>
-          <p:txBody>
-            <a:bodyPr rot="0" spcFirstLastPara="0" vertOverflow="overflow" horzOverflow="overflow" vert="horz" wrap="square" lIns="0" tIns="0" rIns="0" bIns="0" numCol="1" spcCol="0" rtlCol="0" fromWordArt="0" anchor="ctr" anchorCtr="0" forceAA="0" compatLnSpc="1">
-              <a:prstTxWarp prst="textNoShape">
-                <a:avLst/>
-              </a:prstTxWarp>
-              <a:noAutofit/>
-            </a:bodyPr>
-            <a:lstStyle/>
-            <a:p>
-              <a:pPr algn="ctr"/>
-              <a:r>
-                <a:rPr lang="en-AU" sz="5400" dirty="0">
-                  <a:solidFill>
-                    <a:schemeClr val="accent4"/>
-                  </a:solidFill>
-                  <a:latin typeface="Consolas" panose="020B0609020204030204" pitchFamily="49" charset="0"/>
-                  <a:ea typeface="Yu Gothic" panose="020B0400000000000000" pitchFamily="34" charset="-128"/>
-                </a:rPr>
-                <a:t>-2</a:t>
-              </a:r>
-            </a:p>
-          </p:txBody>
-        </p:sp>
-        <p:sp>
-          <p:nvSpPr>
-            <p:cNvPr id="62" name="Flowchart: Alternate Process 61">
-              <a:extLst>
-                <a:ext uri="{FF2B5EF4-FFF2-40B4-BE49-F238E27FC236}">
-                  <a16:creationId xmlns:a16="http://schemas.microsoft.com/office/drawing/2014/main" id="{09226B8D-B2AD-47E1-BD36-43BEBF4EE78B}"/>
-                </a:ext>
-              </a:extLst>
-            </p:cNvPr>
-            <p:cNvSpPr/>
-            <p:nvPr/>
-          </p:nvSpPr>
-          <p:spPr>
-            <a:xfrm>
-              <a:off x="9257472" y="1783202"/>
-              <a:ext cx="900000" cy="900000"/>
-            </a:xfrm>
-            <a:prstGeom prst="flowChartAlternateProcess">
-              <a:avLst/>
-            </a:prstGeom>
-            <a:ln w="19050"/>
-          </p:spPr>
-          <p:style>
-            <a:lnRef idx="2">
-              <a:schemeClr val="dk1"/>
-            </a:lnRef>
-            <a:fillRef idx="1">
-              <a:schemeClr val="lt1"/>
-            </a:fillRef>
-            <a:effectRef idx="0">
-              <a:schemeClr val="dk1"/>
-            </a:effectRef>
-            <a:fontRef idx="minor">
-              <a:schemeClr val="dk1"/>
-            </a:fontRef>
-          </p:style>
-          <p:txBody>
-            <a:bodyPr rot="0" spcFirstLastPara="0" vertOverflow="overflow" horzOverflow="overflow" vert="horz" wrap="square" lIns="0" tIns="0" rIns="0" bIns="0" numCol="1" spcCol="0" rtlCol="0" fromWordArt="0" anchor="ctr" anchorCtr="0" forceAA="0" compatLnSpc="1">
-              <a:prstTxWarp prst="textNoShape">
-                <a:avLst/>
-              </a:prstTxWarp>
-              <a:noAutofit/>
-            </a:bodyPr>
-            <a:lstStyle/>
-            <a:p>
-              <a:pPr algn="ctr"/>
-              <a:r>
-                <a:rPr lang="en-AU" sz="5400" dirty="0">
-                  <a:solidFill>
-                    <a:schemeClr val="accent5"/>
-                  </a:solidFill>
-                  <a:latin typeface="Consolas" panose="020B0609020204030204" pitchFamily="49" charset="0"/>
-                  <a:ea typeface="Yu Gothic" panose="020B0400000000000000" pitchFamily="34" charset="-128"/>
-                </a:rPr>
-                <a:t>C3</a:t>
-              </a:r>
-            </a:p>
-          </p:txBody>
-        </p:sp>
-        <p:sp>
-          <p:nvSpPr>
-            <p:cNvPr id="63" name="Flowchart: Alternate Process 62">
-              <a:extLst>
-                <a:ext uri="{FF2B5EF4-FFF2-40B4-BE49-F238E27FC236}">
-                  <a16:creationId xmlns:a16="http://schemas.microsoft.com/office/drawing/2014/main" id="{39482AA9-F347-4FDE-BB3C-80AAF6B4AF95}"/>
-                </a:ext>
-              </a:extLst>
-            </p:cNvPr>
-            <p:cNvSpPr/>
-            <p:nvPr/>
-          </p:nvSpPr>
-          <p:spPr>
-            <a:xfrm>
-              <a:off x="9257472" y="3583202"/>
-              <a:ext cx="900000" cy="900000"/>
-            </a:xfrm>
-            <a:prstGeom prst="flowChartAlternateProcess">
-              <a:avLst/>
-            </a:prstGeom>
-            <a:ln w="19050"/>
-          </p:spPr>
-          <p:style>
-            <a:lnRef idx="2">
-              <a:schemeClr val="dk1"/>
-            </a:lnRef>
-            <a:fillRef idx="1">
-              <a:schemeClr val="lt1"/>
-            </a:fillRef>
-            <a:effectRef idx="0">
-              <a:schemeClr val="dk1"/>
-            </a:effectRef>
-            <a:fontRef idx="minor">
-              <a:schemeClr val="dk1"/>
-            </a:fontRef>
-          </p:style>
-          <p:txBody>
-            <a:bodyPr rot="0" spcFirstLastPara="0" vertOverflow="overflow" horzOverflow="overflow" vert="horz" wrap="square" lIns="0" tIns="0" rIns="0" bIns="0" numCol="1" spcCol="0" rtlCol="0" fromWordArt="0" anchor="ctr" anchorCtr="0" forceAA="0" compatLnSpc="1">
-              <a:prstTxWarp prst="textNoShape">
-                <a:avLst/>
-              </a:prstTxWarp>
-              <a:noAutofit/>
-            </a:bodyPr>
-            <a:lstStyle/>
-            <a:p>
-              <a:pPr algn="ctr"/>
-              <a:r>
-                <a:rPr lang="en-AU" sz="5400" dirty="0">
-                  <a:solidFill>
-                    <a:srgbClr val="7030A0"/>
-                  </a:solidFill>
-                  <a:latin typeface="Consolas" panose="020B0609020204030204" pitchFamily="49" charset="0"/>
-                  <a:ea typeface="Yu Gothic" panose="020B0400000000000000" pitchFamily="34" charset="-128"/>
-                </a:rPr>
-                <a:t>+3</a:t>
-              </a:r>
-            </a:p>
-          </p:txBody>
-        </p:sp>
-        <p:sp>
-          <p:nvSpPr>
-            <p:cNvPr id="64" name="Flowchart: Alternate Process 63">
-              <a:extLst>
-                <a:ext uri="{FF2B5EF4-FFF2-40B4-BE49-F238E27FC236}">
-                  <a16:creationId xmlns:a16="http://schemas.microsoft.com/office/drawing/2014/main" id="{F4D0AF00-A2A5-444A-947B-1B5DB47B67AF}"/>
-                </a:ext>
-              </a:extLst>
-            </p:cNvPr>
-            <p:cNvSpPr/>
-            <p:nvPr/>
-          </p:nvSpPr>
-          <p:spPr>
-            <a:xfrm>
-              <a:off x="9257472" y="5383202"/>
-              <a:ext cx="900000" cy="900000"/>
-            </a:xfrm>
-            <a:prstGeom prst="flowChartAlternateProcess">
-              <a:avLst/>
-            </a:prstGeom>
-            <a:ln w="19050"/>
-          </p:spPr>
-          <p:style>
-            <a:lnRef idx="2">
-              <a:schemeClr val="dk1"/>
-            </a:lnRef>
-            <a:fillRef idx="1">
-              <a:schemeClr val="lt1"/>
-            </a:fillRef>
-            <a:effectRef idx="0">
-              <a:schemeClr val="dk1"/>
-            </a:effectRef>
-            <a:fontRef idx="minor">
-              <a:schemeClr val="dk1"/>
-            </a:fontRef>
-          </p:style>
-          <p:txBody>
-            <a:bodyPr rot="0" spcFirstLastPara="0" vertOverflow="overflow" horzOverflow="overflow" vert="horz" wrap="square" lIns="0" tIns="0" rIns="0" bIns="0" numCol="1" spcCol="0" rtlCol="0" fromWordArt="0" anchor="ctr" anchorCtr="0" forceAA="0" compatLnSpc="1">
-              <a:prstTxWarp prst="textNoShape">
-                <a:avLst/>
-              </a:prstTxWarp>
-              <a:noAutofit/>
-            </a:bodyPr>
-            <a:lstStyle/>
-            <a:p>
-              <a:pPr algn="ctr"/>
-              <a:r>
-                <a:rPr lang="en-AU" sz="5400" dirty="0">
-                  <a:solidFill>
-                    <a:schemeClr val="accent6"/>
-                  </a:solidFill>
-                  <a:latin typeface="Consolas" panose="020B0609020204030204" pitchFamily="49" charset="0"/>
-                  <a:ea typeface="Yu Gothic" panose="020B0400000000000000" pitchFamily="34" charset="-128"/>
-                </a:rPr>
-                <a:t>-3</a:t>
-              </a:r>
-            </a:p>
-          </p:txBody>
-        </p:sp>
-        <p:sp>
-          <p:nvSpPr>
-            <p:cNvPr id="65" name="Flowchart: Alternate Process 64">
-              <a:extLst>
-                <a:ext uri="{FF2B5EF4-FFF2-40B4-BE49-F238E27FC236}">
-                  <a16:creationId xmlns:a16="http://schemas.microsoft.com/office/drawing/2014/main" id="{1FF6254E-5241-4DEE-BF64-5FE8E7484059}"/>
-                </a:ext>
-              </a:extLst>
-            </p:cNvPr>
-            <p:cNvSpPr/>
-            <p:nvPr/>
-          </p:nvSpPr>
-          <p:spPr>
-            <a:xfrm>
-              <a:off x="11057472" y="1783202"/>
-              <a:ext cx="900000" cy="900000"/>
-            </a:xfrm>
-            <a:prstGeom prst="flowChartAlternateProcess">
-              <a:avLst/>
-            </a:prstGeom>
-            <a:ln w="19050"/>
-          </p:spPr>
-          <p:style>
-            <a:lnRef idx="2">
-              <a:schemeClr val="dk1"/>
-            </a:lnRef>
-            <a:fillRef idx="1">
-              <a:schemeClr val="lt1"/>
-            </a:fillRef>
-            <a:effectRef idx="0">
-              <a:schemeClr val="dk1"/>
-            </a:effectRef>
-            <a:fontRef idx="minor">
-              <a:schemeClr val="dk1"/>
-            </a:fontRef>
-          </p:style>
-          <p:txBody>
-            <a:bodyPr rot="0" spcFirstLastPara="0" vertOverflow="overflow" horzOverflow="overflow" vert="horz" wrap="square" lIns="0" tIns="0" rIns="0" bIns="0" numCol="1" spcCol="0" rtlCol="0" fromWordArt="0" anchor="ctr" anchorCtr="0" forceAA="0" compatLnSpc="1">
-              <a:prstTxWarp prst="textNoShape">
-                <a:avLst/>
-              </a:prstTxWarp>
-              <a:noAutofit/>
-            </a:bodyPr>
-            <a:lstStyle/>
-            <a:p>
-              <a:pPr algn="ctr"/>
-              <a:r>
-                <a:rPr lang="en-AU" sz="5400" dirty="0">
-                  <a:solidFill>
-                    <a:srgbClr val="C00000"/>
-                  </a:solidFill>
-                  <a:latin typeface="Consolas" panose="020B0609020204030204" pitchFamily="49" charset="0"/>
-                  <a:ea typeface="Yu Gothic" panose="020B0400000000000000" pitchFamily="34" charset="-128"/>
-                </a:rPr>
-                <a:t>C4</a:t>
-              </a:r>
-            </a:p>
-          </p:txBody>
-        </p:sp>
-        <p:sp>
-          <p:nvSpPr>
-            <p:cNvPr id="66" name="Flowchart: Alternate Process 65">
-              <a:extLst>
-                <a:ext uri="{FF2B5EF4-FFF2-40B4-BE49-F238E27FC236}">
-                  <a16:creationId xmlns:a16="http://schemas.microsoft.com/office/drawing/2014/main" id="{DA70B6DA-97B5-4E2C-BBFF-6A1A53AB0B2C}"/>
-                </a:ext>
-              </a:extLst>
-            </p:cNvPr>
-            <p:cNvSpPr/>
-            <p:nvPr/>
-          </p:nvSpPr>
-          <p:spPr>
-            <a:xfrm>
-              <a:off x="11057472" y="3583202"/>
-              <a:ext cx="900000" cy="900000"/>
-            </a:xfrm>
-            <a:prstGeom prst="flowChartAlternateProcess">
-              <a:avLst/>
-            </a:prstGeom>
-            <a:ln w="19050"/>
-          </p:spPr>
-          <p:style>
-            <a:lnRef idx="2">
-              <a:schemeClr val="dk1"/>
-            </a:lnRef>
-            <a:fillRef idx="1">
-              <a:schemeClr val="lt1"/>
-            </a:fillRef>
-            <a:effectRef idx="0">
-              <a:schemeClr val="dk1"/>
-            </a:effectRef>
-            <a:fontRef idx="minor">
-              <a:schemeClr val="dk1"/>
-            </a:fontRef>
-          </p:style>
-          <p:txBody>
-            <a:bodyPr rot="0" spcFirstLastPara="0" vertOverflow="overflow" horzOverflow="overflow" vert="horz" wrap="square" lIns="0" tIns="0" rIns="0" bIns="0" numCol="1" spcCol="0" rtlCol="0" fromWordArt="0" anchor="ctr" anchorCtr="0" forceAA="0" compatLnSpc="1">
-              <a:prstTxWarp prst="textNoShape">
-                <a:avLst/>
-              </a:prstTxWarp>
-              <a:noAutofit/>
-            </a:bodyPr>
-            <a:lstStyle/>
-            <a:p>
-              <a:pPr algn="ctr"/>
-              <a:r>
-                <a:rPr lang="en-AU" sz="5400" dirty="0">
-                  <a:solidFill>
-                    <a:srgbClr val="7030A0"/>
-                  </a:solidFill>
-                  <a:latin typeface="Consolas" panose="020B0609020204030204" pitchFamily="49" charset="0"/>
-                  <a:ea typeface="Yu Gothic" panose="020B0400000000000000" pitchFamily="34" charset="-128"/>
-                </a:rPr>
-                <a:t>+4</a:t>
-              </a:r>
-            </a:p>
-          </p:txBody>
-        </p:sp>
-        <p:sp>
-          <p:nvSpPr>
-            <p:cNvPr id="67" name="Flowchart: Alternate Process 66">
-              <a:extLst>
-                <a:ext uri="{FF2B5EF4-FFF2-40B4-BE49-F238E27FC236}">
-                  <a16:creationId xmlns:a16="http://schemas.microsoft.com/office/drawing/2014/main" id="{D80DEC31-C23D-45F9-80C9-8F2C2B91844A}"/>
-                </a:ext>
-              </a:extLst>
-            </p:cNvPr>
-            <p:cNvSpPr/>
-            <p:nvPr/>
-          </p:nvSpPr>
-          <p:spPr>
-            <a:xfrm>
-              <a:off x="11057472" y="5383202"/>
-              <a:ext cx="900000" cy="900000"/>
-            </a:xfrm>
-            <a:prstGeom prst="flowChartAlternateProcess">
-              <a:avLst/>
-            </a:prstGeom>
-            <a:ln w="19050"/>
-          </p:spPr>
-          <p:style>
-            <a:lnRef idx="2">
-              <a:schemeClr val="dk1"/>
-            </a:lnRef>
-            <a:fillRef idx="1">
-              <a:schemeClr val="lt1"/>
-            </a:fillRef>
-            <a:effectRef idx="0">
-              <a:schemeClr val="dk1"/>
-            </a:effectRef>
-            <a:fontRef idx="minor">
-              <a:schemeClr val="dk1"/>
-            </a:fontRef>
-          </p:style>
-          <p:txBody>
-            <a:bodyPr rot="0" spcFirstLastPara="0" vertOverflow="overflow" horzOverflow="overflow" vert="horz" wrap="square" lIns="0" tIns="0" rIns="0" bIns="0" numCol="1" spcCol="0" rtlCol="0" fromWordArt="0" anchor="ctr" anchorCtr="0" forceAA="0" compatLnSpc="1">
-              <a:prstTxWarp prst="textNoShape">
-                <a:avLst/>
-              </a:prstTxWarp>
-              <a:noAutofit/>
-            </a:bodyPr>
-            <a:lstStyle/>
-            <a:p>
-              <a:pPr algn="ctr"/>
-              <a:r>
-                <a:rPr lang="en-AU" sz="5400" dirty="0">
-                  <a:solidFill>
-                    <a:schemeClr val="accent4"/>
-                  </a:solidFill>
-                  <a:latin typeface="Consolas" panose="020B0609020204030204" pitchFamily="49" charset="0"/>
-                  <a:ea typeface="Yu Gothic" panose="020B0400000000000000" pitchFamily="34" charset="-128"/>
-                </a:rPr>
-                <a:t>-4</a:t>
-              </a:r>
-            </a:p>
-          </p:txBody>
-        </p:sp>
-        <p:cxnSp>
-          <p:nvCxnSpPr>
-            <p:cNvPr id="69" name="Straight Arrow Connector 68">
-              <a:extLst>
-                <a:ext uri="{FF2B5EF4-FFF2-40B4-BE49-F238E27FC236}">
-                  <a16:creationId xmlns:a16="http://schemas.microsoft.com/office/drawing/2014/main" id="{0CEDD8DE-1CA7-4E04-99D5-E3401B2FAD28}"/>
-                </a:ext>
-              </a:extLst>
-            </p:cNvPr>
-            <p:cNvCxnSpPr>
-              <a:stCxn id="56" idx="0"/>
-              <a:endCxn id="35" idx="2"/>
-            </p:cNvCxnSpPr>
-            <p:nvPr/>
-          </p:nvCxnSpPr>
-          <p:spPr>
-            <a:xfrm flipV="1">
-              <a:off x="6107472" y="883202"/>
-              <a:ext cx="0" cy="900000"/>
-            </a:xfrm>
-            <a:prstGeom prst="straightConnector1">
-              <a:avLst/>
-            </a:prstGeom>
-            <a:ln w="76200">
-              <a:solidFill>
-                <a:srgbClr val="C00000"/>
-              </a:solidFill>
-              <a:headEnd type="none" w="med" len="med"/>
-              <a:tailEnd type="none" w="med" len="med"/>
-            </a:ln>
-          </p:spPr>
-          <p:style>
-            <a:lnRef idx="1">
-              <a:schemeClr val="accent1"/>
-            </a:lnRef>
-            <a:fillRef idx="0">
-              <a:schemeClr val="accent1"/>
-            </a:fillRef>
-            <a:effectRef idx="0">
-              <a:schemeClr val="accent1"/>
-            </a:effectRef>
-            <a:fontRef idx="minor">
-              <a:schemeClr val="tx1"/>
-            </a:fontRef>
-          </p:style>
-        </p:cxnSp>
-        <p:cxnSp>
-          <p:nvCxnSpPr>
-            <p:cNvPr id="70" name="Straight Arrow Connector 69">
-              <a:extLst>
-                <a:ext uri="{FF2B5EF4-FFF2-40B4-BE49-F238E27FC236}">
-                  <a16:creationId xmlns:a16="http://schemas.microsoft.com/office/drawing/2014/main" id="{D01470C9-94CC-45F7-9F11-3A073897A820}"/>
-                </a:ext>
-              </a:extLst>
-            </p:cNvPr>
-            <p:cNvCxnSpPr>
-              <a:cxnSpLocks/>
-              <a:stCxn id="59" idx="0"/>
-              <a:endCxn id="41" idx="2"/>
-            </p:cNvCxnSpPr>
-            <p:nvPr/>
-          </p:nvCxnSpPr>
-          <p:spPr>
-            <a:xfrm flipV="1">
-              <a:off x="7907472" y="883202"/>
-              <a:ext cx="0" cy="900000"/>
-            </a:xfrm>
-            <a:prstGeom prst="straightConnector1">
-              <a:avLst/>
-            </a:prstGeom>
-            <a:ln w="76200">
-              <a:solidFill>
-                <a:schemeClr val="accent5"/>
-              </a:solidFill>
-              <a:headEnd type="none" w="med" len="med"/>
-              <a:tailEnd type="none" w="med" len="med"/>
-            </a:ln>
-          </p:spPr>
-          <p:style>
-            <a:lnRef idx="1">
-              <a:schemeClr val="accent1"/>
-            </a:lnRef>
-            <a:fillRef idx="0">
-              <a:schemeClr val="accent1"/>
-            </a:fillRef>
-            <a:effectRef idx="0">
-              <a:schemeClr val="accent1"/>
-            </a:effectRef>
-            <a:fontRef idx="minor">
-              <a:schemeClr val="tx1"/>
-            </a:fontRef>
-          </p:style>
-        </p:cxnSp>
-        <p:cxnSp>
-          <p:nvCxnSpPr>
-            <p:cNvPr id="71" name="Straight Arrow Connector 70">
-              <a:extLst>
-                <a:ext uri="{FF2B5EF4-FFF2-40B4-BE49-F238E27FC236}">
-                  <a16:creationId xmlns:a16="http://schemas.microsoft.com/office/drawing/2014/main" id="{419A9D7E-161E-4AAF-A084-1D35C0239315}"/>
-                </a:ext>
-              </a:extLst>
-            </p:cNvPr>
-            <p:cNvCxnSpPr>
-              <a:cxnSpLocks/>
-              <a:stCxn id="62" idx="0"/>
-              <a:endCxn id="47" idx="2"/>
-            </p:cNvCxnSpPr>
-            <p:nvPr/>
-          </p:nvCxnSpPr>
-          <p:spPr>
-            <a:xfrm flipV="1">
-              <a:off x="9707472" y="883202"/>
-              <a:ext cx="0" cy="900000"/>
-            </a:xfrm>
-            <a:prstGeom prst="straightConnector1">
-              <a:avLst/>
-            </a:prstGeom>
-            <a:ln w="76200">
-              <a:solidFill>
-                <a:schemeClr val="accent5"/>
-              </a:solidFill>
-              <a:headEnd type="none" w="med" len="med"/>
-              <a:tailEnd type="none" w="med" len="med"/>
-            </a:ln>
-          </p:spPr>
-          <p:style>
-            <a:lnRef idx="1">
-              <a:schemeClr val="accent1"/>
-            </a:lnRef>
-            <a:fillRef idx="0">
-              <a:schemeClr val="accent1"/>
-            </a:fillRef>
-            <a:effectRef idx="0">
-              <a:schemeClr val="accent1"/>
-            </a:effectRef>
-            <a:fontRef idx="minor">
-              <a:schemeClr val="tx1"/>
-            </a:fontRef>
-          </p:style>
-        </p:cxnSp>
-        <p:cxnSp>
-          <p:nvCxnSpPr>
-            <p:cNvPr id="72" name="Straight Arrow Connector 71">
-              <a:extLst>
-                <a:ext uri="{FF2B5EF4-FFF2-40B4-BE49-F238E27FC236}">
-                  <a16:creationId xmlns:a16="http://schemas.microsoft.com/office/drawing/2014/main" id="{34ED7A73-EC96-4555-AFB4-84CCD3401DD5}"/>
-                </a:ext>
-              </a:extLst>
-            </p:cNvPr>
-            <p:cNvCxnSpPr>
-              <a:cxnSpLocks/>
-              <a:stCxn id="65" idx="0"/>
-              <a:endCxn id="53" idx="2"/>
-            </p:cNvCxnSpPr>
-            <p:nvPr/>
-          </p:nvCxnSpPr>
-          <p:spPr>
-            <a:xfrm flipV="1">
-              <a:off x="11507472" y="883202"/>
-              <a:ext cx="0" cy="900000"/>
-            </a:xfrm>
-            <a:prstGeom prst="straightConnector1">
-              <a:avLst/>
-            </a:prstGeom>
-            <a:ln w="76200">
-              <a:solidFill>
-                <a:srgbClr val="C00000"/>
-              </a:solidFill>
-              <a:headEnd type="none" w="med" len="med"/>
-              <a:tailEnd type="none" w="med" len="med"/>
-            </a:ln>
-          </p:spPr>
-          <p:style>
-            <a:lnRef idx="1">
-              <a:schemeClr val="accent1"/>
-            </a:lnRef>
-            <a:fillRef idx="0">
-              <a:schemeClr val="accent1"/>
-            </a:fillRef>
-            <a:effectRef idx="0">
-              <a:schemeClr val="accent1"/>
-            </a:effectRef>
-            <a:fontRef idx="minor">
-              <a:schemeClr val="tx1"/>
-            </a:fontRef>
-          </p:style>
-        </p:cxnSp>
-        <p:cxnSp>
-          <p:nvCxnSpPr>
-            <p:cNvPr id="81" name="Connector: Elbow 80">
-              <a:extLst>
-                <a:ext uri="{FF2B5EF4-FFF2-40B4-BE49-F238E27FC236}">
-                  <a16:creationId xmlns:a16="http://schemas.microsoft.com/office/drawing/2014/main" id="{57A4B53B-20DA-4634-8EC0-7488EA363829}"/>
-                </a:ext>
-              </a:extLst>
-            </p:cNvPr>
-            <p:cNvCxnSpPr>
-              <a:cxnSpLocks/>
-              <a:stCxn id="58" idx="2"/>
-              <a:endCxn id="64" idx="2"/>
-            </p:cNvCxnSpPr>
-            <p:nvPr/>
-          </p:nvCxnSpPr>
-          <p:spPr>
-            <a:xfrm rot="16200000" flipH="1">
-              <a:off x="7907472" y="4483202"/>
-              <a:ext cx="12700" cy="3600000"/>
-            </a:xfrm>
-            <a:prstGeom prst="bentConnector3">
-              <a:avLst>
-                <a:gd name="adj1" fmla="val 1800000"/>
-              </a:avLst>
-            </a:prstGeom>
-            <a:ln w="76200">
-              <a:solidFill>
-                <a:schemeClr val="accent6"/>
-              </a:solidFill>
-              <a:headEnd type="none" w="med" len="med"/>
-              <a:tailEnd type="none" w="med" len="med"/>
-            </a:ln>
-          </p:spPr>
-          <p:style>
-            <a:lnRef idx="1">
-              <a:schemeClr val="accent1"/>
-            </a:lnRef>
-            <a:fillRef idx="0">
-              <a:schemeClr val="accent1"/>
-            </a:fillRef>
-            <a:effectRef idx="0">
-              <a:schemeClr val="accent1"/>
-            </a:effectRef>
-            <a:fontRef idx="minor">
-              <a:schemeClr val="tx1"/>
-            </a:fontRef>
-          </p:style>
-        </p:cxnSp>
-        <p:cxnSp>
-          <p:nvCxnSpPr>
-            <p:cNvPr id="84" name="Connector: Elbow 83">
-              <a:extLst>
-                <a:ext uri="{FF2B5EF4-FFF2-40B4-BE49-F238E27FC236}">
-                  <a16:creationId xmlns:a16="http://schemas.microsoft.com/office/drawing/2014/main" id="{2CF9C18B-DD11-4E14-B37C-E377A453A029}"/>
-                </a:ext>
-              </a:extLst>
-            </p:cNvPr>
-            <p:cNvCxnSpPr>
-              <a:cxnSpLocks/>
-              <a:stCxn id="61" idx="0"/>
-              <a:endCxn id="67" idx="0"/>
-            </p:cNvCxnSpPr>
-            <p:nvPr/>
-          </p:nvCxnSpPr>
-          <p:spPr>
-            <a:xfrm rot="5400000" flipH="1" flipV="1">
-              <a:off x="9707472" y="3583202"/>
-              <a:ext cx="12700" cy="3600000"/>
-            </a:xfrm>
-            <a:prstGeom prst="bentConnector3">
-              <a:avLst>
-                <a:gd name="adj1" fmla="val 1800000"/>
-              </a:avLst>
-            </a:prstGeom>
-            <a:ln w="76200">
-              <a:solidFill>
-                <a:schemeClr val="accent4"/>
-              </a:solidFill>
-              <a:headEnd type="none" w="med" len="med"/>
-              <a:tailEnd type="none" w="med" len="med"/>
-            </a:ln>
-          </p:spPr>
-          <p:style>
-            <a:lnRef idx="1">
-              <a:schemeClr val="accent1"/>
-            </a:lnRef>
-            <a:fillRef idx="0">
-              <a:schemeClr val="accent1"/>
-            </a:fillRef>
-            <a:effectRef idx="0">
-              <a:schemeClr val="accent1"/>
-            </a:effectRef>
-            <a:fontRef idx="minor">
-              <a:schemeClr val="tx1"/>
-            </a:fontRef>
-          </p:style>
-        </p:cxnSp>
-        <p:cxnSp>
-          <p:nvCxnSpPr>
-            <p:cNvPr id="86" name="Straight Arrow Connector 85">
-              <a:extLst>
-                <a:ext uri="{FF2B5EF4-FFF2-40B4-BE49-F238E27FC236}">
-                  <a16:creationId xmlns:a16="http://schemas.microsoft.com/office/drawing/2014/main" id="{A6CAFD14-DE4F-46E8-8A83-19CFC434F1F2}"/>
-                </a:ext>
-              </a:extLst>
-            </p:cNvPr>
-            <p:cNvCxnSpPr>
-              <a:stCxn id="57" idx="3"/>
-              <a:endCxn id="60" idx="1"/>
-            </p:cNvCxnSpPr>
-            <p:nvPr/>
-          </p:nvCxnSpPr>
-          <p:spPr>
-            <a:xfrm>
-              <a:off x="6557472" y="4033202"/>
-              <a:ext cx="900000" cy="0"/>
-            </a:xfrm>
-            <a:prstGeom prst="straightConnector1">
-              <a:avLst/>
-            </a:prstGeom>
-            <a:ln w="76200">
-              <a:solidFill>
-                <a:schemeClr val="accent2"/>
-              </a:solidFill>
-              <a:headEnd type="none" w="med" len="med"/>
-              <a:tailEnd type="none" w="med" len="med"/>
-            </a:ln>
-          </p:spPr>
-          <p:style>
-            <a:lnRef idx="1">
-              <a:schemeClr val="accent1"/>
-            </a:lnRef>
-            <a:fillRef idx="0">
-              <a:schemeClr val="accent1"/>
-            </a:fillRef>
-            <a:effectRef idx="0">
-              <a:schemeClr val="accent1"/>
-            </a:effectRef>
-            <a:fontRef idx="minor">
-              <a:schemeClr val="tx1"/>
-            </a:fontRef>
-          </p:style>
-        </p:cxnSp>
-        <p:cxnSp>
-          <p:nvCxnSpPr>
-            <p:cNvPr id="88" name="Straight Arrow Connector 87">
-              <a:extLst>
-                <a:ext uri="{FF2B5EF4-FFF2-40B4-BE49-F238E27FC236}">
-                  <a16:creationId xmlns:a16="http://schemas.microsoft.com/office/drawing/2014/main" id="{1600BC2B-19C0-4B77-B6FB-49B7E797587B}"/>
-                </a:ext>
-              </a:extLst>
-            </p:cNvPr>
-            <p:cNvCxnSpPr>
-              <a:stCxn id="63" idx="3"/>
-              <a:endCxn id="66" idx="1"/>
-            </p:cNvCxnSpPr>
-            <p:nvPr/>
-          </p:nvCxnSpPr>
-          <p:spPr>
-            <a:xfrm>
-              <a:off x="10157472" y="4033202"/>
-              <a:ext cx="900000" cy="0"/>
-            </a:xfrm>
-            <a:prstGeom prst="straightConnector1">
-              <a:avLst/>
-            </a:prstGeom>
-            <a:ln w="76200">
-              <a:solidFill>
-                <a:srgbClr val="7030A0"/>
-              </a:solidFill>
-              <a:headEnd type="none" w="med" len="med"/>
-              <a:tailEnd type="none" w="med" len="med"/>
-            </a:ln>
-          </p:spPr>
-          <p:style>
-            <a:lnRef idx="1">
-              <a:schemeClr val="accent1"/>
-            </a:lnRef>
-            <a:fillRef idx="0">
-              <a:schemeClr val="accent1"/>
-            </a:fillRef>
-            <a:effectRef idx="0">
-              <a:schemeClr val="accent1"/>
-            </a:effectRef>
-            <a:fontRef idx="minor">
-              <a:schemeClr val="tx1"/>
-            </a:fontRef>
-          </p:style>
-        </p:cxnSp>
-        <p:grpSp>
-          <p:nvGrpSpPr>
-            <p:cNvPr id="218" name="Group 217">
-              <a:extLst>
-                <a:ext uri="{FF2B5EF4-FFF2-40B4-BE49-F238E27FC236}">
-                  <a16:creationId xmlns:a16="http://schemas.microsoft.com/office/drawing/2014/main" id="{A1A3347E-4594-4554-8C4E-FA7100A58749}"/>
-                </a:ext>
-              </a:extLst>
-            </p:cNvPr>
-            <p:cNvGrpSpPr/>
-            <p:nvPr/>
-          </p:nvGrpSpPr>
-          <p:grpSpPr>
-            <a:xfrm>
-              <a:off x="13958625" y="1213299"/>
-              <a:ext cx="3846156" cy="3846156"/>
-              <a:chOff x="6885942" y="4554068"/>
-              <a:chExt cx="3846156" cy="3846156"/>
-            </a:xfrm>
-          </p:grpSpPr>
-          <p:sp>
-            <p:nvSpPr>
-              <p:cNvPr id="201" name="Oval 200">
-                <a:extLst>
-                  <a:ext uri="{FF2B5EF4-FFF2-40B4-BE49-F238E27FC236}">
-                    <a16:creationId xmlns:a16="http://schemas.microsoft.com/office/drawing/2014/main" id="{B883CD1D-3A5E-45BF-9B58-7A6D47F651AC}"/>
-                  </a:ext>
-                </a:extLst>
-              </p:cNvPr>
-              <p:cNvSpPr/>
-              <p:nvPr/>
-            </p:nvSpPr>
-            <p:spPr>
-              <a:xfrm>
-                <a:off x="8685942" y="4554068"/>
-                <a:ext cx="246156" cy="246156"/>
-              </a:xfrm>
-              <a:prstGeom prst="ellipse">
-                <a:avLst/>
-              </a:prstGeom>
-            </p:spPr>
-            <p:style>
-              <a:lnRef idx="2">
-                <a:schemeClr val="dk1">
-                  <a:shade val="50000"/>
-                </a:schemeClr>
-              </a:lnRef>
-              <a:fillRef idx="1">
-                <a:schemeClr val="dk1"/>
-              </a:fillRef>
-              <a:effectRef idx="0">
-                <a:schemeClr val="dk1"/>
-              </a:effectRef>
-              <a:fontRef idx="minor">
-                <a:schemeClr val="lt1"/>
-              </a:fontRef>
-            </p:style>
-            <p:txBody>
-              <a:bodyPr rtlCol="0" anchor="ctr"/>
-              <a:lstStyle/>
-              <a:p>
-                <a:pPr algn="ctr"/>
-                <a:endParaRPr lang="en-AU">
-                  <a:solidFill>
-                    <a:schemeClr val="accent6"/>
-                  </a:solidFill>
-                </a:endParaRPr>
-              </a:p>
-            </p:txBody>
-          </p:sp>
-          <p:sp>
-            <p:nvSpPr>
-              <p:cNvPr id="202" name="Oval 201">
-                <a:extLst>
-                  <a:ext uri="{FF2B5EF4-FFF2-40B4-BE49-F238E27FC236}">
-                    <a16:creationId xmlns:a16="http://schemas.microsoft.com/office/drawing/2014/main" id="{C750EF86-F770-40B6-AE8E-6D02776082FC}"/>
-                  </a:ext>
-                </a:extLst>
-              </p:cNvPr>
-              <p:cNvSpPr/>
-              <p:nvPr/>
-            </p:nvSpPr>
-            <p:spPr>
-              <a:xfrm>
-                <a:off x="6885942" y="6354068"/>
-                <a:ext cx="246156" cy="246156"/>
-              </a:xfrm>
-              <a:prstGeom prst="ellipse">
-                <a:avLst/>
-              </a:prstGeom>
-            </p:spPr>
-            <p:style>
-              <a:lnRef idx="2">
-                <a:schemeClr val="dk1">
-                  <a:shade val="50000"/>
-                </a:schemeClr>
-              </a:lnRef>
-              <a:fillRef idx="1">
-                <a:schemeClr val="dk1"/>
-              </a:fillRef>
-              <a:effectRef idx="0">
-                <a:schemeClr val="dk1"/>
-              </a:effectRef>
-              <a:fontRef idx="minor">
-                <a:schemeClr val="lt1"/>
-              </a:fontRef>
-            </p:style>
-            <p:txBody>
-              <a:bodyPr rtlCol="0" anchor="ctr"/>
-              <a:lstStyle/>
-              <a:p>
-                <a:pPr algn="ctr"/>
-                <a:endParaRPr lang="en-AU">
-                  <a:solidFill>
-                    <a:schemeClr val="accent6"/>
-                  </a:solidFill>
-                </a:endParaRPr>
-              </a:p>
-            </p:txBody>
-          </p:sp>
-          <p:sp>
-            <p:nvSpPr>
-              <p:cNvPr id="203" name="Oval 202">
-                <a:extLst>
-                  <a:ext uri="{FF2B5EF4-FFF2-40B4-BE49-F238E27FC236}">
-                    <a16:creationId xmlns:a16="http://schemas.microsoft.com/office/drawing/2014/main" id="{25ECA1BF-FA9E-4799-B793-C034256A129A}"/>
-                  </a:ext>
-                </a:extLst>
-              </p:cNvPr>
-              <p:cNvSpPr/>
-              <p:nvPr/>
-            </p:nvSpPr>
-            <p:spPr>
-              <a:xfrm>
-                <a:off x="10485942" y="6354068"/>
-                <a:ext cx="246156" cy="246156"/>
-              </a:xfrm>
-              <a:prstGeom prst="ellipse">
-                <a:avLst/>
-              </a:prstGeom>
-            </p:spPr>
-            <p:style>
-              <a:lnRef idx="2">
-                <a:schemeClr val="dk1">
-                  <a:shade val="50000"/>
-                </a:schemeClr>
-              </a:lnRef>
-              <a:fillRef idx="1">
-                <a:schemeClr val="dk1"/>
-              </a:fillRef>
-              <a:effectRef idx="0">
-                <a:schemeClr val="dk1"/>
-              </a:effectRef>
-              <a:fontRef idx="minor">
-                <a:schemeClr val="lt1"/>
-              </a:fontRef>
-            </p:style>
-            <p:txBody>
-              <a:bodyPr rtlCol="0" anchor="ctr"/>
-              <a:lstStyle/>
-              <a:p>
-                <a:pPr algn="ctr"/>
-                <a:endParaRPr lang="en-AU">
-                  <a:solidFill>
-                    <a:schemeClr val="accent6"/>
-                  </a:solidFill>
-                </a:endParaRPr>
-              </a:p>
-            </p:txBody>
-          </p:sp>
-          <p:sp>
-            <p:nvSpPr>
-              <p:cNvPr id="204" name="Oval 203">
-                <a:extLst>
-                  <a:ext uri="{FF2B5EF4-FFF2-40B4-BE49-F238E27FC236}">
-                    <a16:creationId xmlns:a16="http://schemas.microsoft.com/office/drawing/2014/main" id="{BBB9DD7C-9609-4850-9413-2C15D819FE46}"/>
-                  </a:ext>
-                </a:extLst>
-              </p:cNvPr>
-              <p:cNvSpPr/>
-              <p:nvPr/>
-            </p:nvSpPr>
-            <p:spPr>
-              <a:xfrm>
-                <a:off x="8685942" y="8154068"/>
-                <a:ext cx="246156" cy="246156"/>
-              </a:xfrm>
-              <a:prstGeom prst="ellipse">
-                <a:avLst/>
-              </a:prstGeom>
-            </p:spPr>
-            <p:style>
-              <a:lnRef idx="2">
-                <a:schemeClr val="dk1">
-                  <a:shade val="50000"/>
-                </a:schemeClr>
-              </a:lnRef>
-              <a:fillRef idx="1">
-                <a:schemeClr val="dk1"/>
-              </a:fillRef>
-              <a:effectRef idx="0">
-                <a:schemeClr val="dk1"/>
-              </a:effectRef>
-              <a:fontRef idx="minor">
-                <a:schemeClr val="lt1"/>
-              </a:fontRef>
-            </p:style>
-            <p:txBody>
-              <a:bodyPr rtlCol="0" anchor="ctr"/>
-              <a:lstStyle/>
-              <a:p>
-                <a:pPr algn="ctr"/>
-                <a:endParaRPr lang="en-AU">
-                  <a:solidFill>
-                    <a:schemeClr val="accent6"/>
-                  </a:solidFill>
-                </a:endParaRPr>
-              </a:p>
-            </p:txBody>
-          </p:sp>
-          <p:cxnSp>
-            <p:nvCxnSpPr>
-              <p:cNvPr id="206" name="Straight Connector 205">
-                <a:extLst>
-                  <a:ext uri="{FF2B5EF4-FFF2-40B4-BE49-F238E27FC236}">
-                    <a16:creationId xmlns:a16="http://schemas.microsoft.com/office/drawing/2014/main" id="{B3F46B9B-67F4-4378-9E80-7F9F10FF5A81}"/>
-                  </a:ext>
-                </a:extLst>
-              </p:cNvPr>
-              <p:cNvCxnSpPr>
-                <a:cxnSpLocks/>
-                <a:stCxn id="201" idx="3"/>
-                <a:endCxn id="202" idx="7"/>
-              </p:cNvCxnSpPr>
-              <p:nvPr/>
-            </p:nvCxnSpPr>
-            <p:spPr>
-              <a:xfrm flipH="1">
-                <a:off x="7096049" y="4764175"/>
-                <a:ext cx="1625942" cy="1625942"/>
-              </a:xfrm>
-              <a:prstGeom prst="line">
-                <a:avLst/>
-              </a:prstGeom>
-              <a:ln w="76200">
-                <a:solidFill>
-                  <a:schemeClr val="tx1"/>
-                </a:solidFill>
-              </a:ln>
-            </p:spPr>
-            <p:style>
-              <a:lnRef idx="1">
-                <a:schemeClr val="accent1"/>
-              </a:lnRef>
-              <a:fillRef idx="0">
-                <a:schemeClr val="accent1"/>
-              </a:fillRef>
-              <a:effectRef idx="0">
-                <a:schemeClr val="accent1"/>
-              </a:effectRef>
-              <a:fontRef idx="minor">
-                <a:schemeClr val="tx1"/>
-              </a:fontRef>
-            </p:style>
-          </p:cxnSp>
-          <p:cxnSp>
-            <p:nvCxnSpPr>
-              <p:cNvPr id="208" name="Straight Connector 207">
-                <a:extLst>
-                  <a:ext uri="{FF2B5EF4-FFF2-40B4-BE49-F238E27FC236}">
-                    <a16:creationId xmlns:a16="http://schemas.microsoft.com/office/drawing/2014/main" id="{A70CA9EA-88E1-457F-8B4E-B7C60366D28A}"/>
-                  </a:ext>
-                </a:extLst>
-              </p:cNvPr>
-              <p:cNvCxnSpPr>
-                <a:cxnSpLocks/>
-                <a:stCxn id="201" idx="5"/>
-                <a:endCxn id="203" idx="1"/>
-              </p:cNvCxnSpPr>
-              <p:nvPr/>
-            </p:nvCxnSpPr>
-            <p:spPr>
-              <a:xfrm>
-                <a:off x="8896049" y="4764175"/>
-                <a:ext cx="1625942" cy="1625942"/>
-              </a:xfrm>
-              <a:prstGeom prst="line">
-                <a:avLst/>
-              </a:prstGeom>
-              <a:ln w="76200">
-                <a:solidFill>
-                  <a:schemeClr val="tx1"/>
-                </a:solidFill>
-              </a:ln>
-            </p:spPr>
-            <p:style>
-              <a:lnRef idx="1">
-                <a:schemeClr val="accent1"/>
-              </a:lnRef>
-              <a:fillRef idx="0">
-                <a:schemeClr val="accent1"/>
-              </a:fillRef>
-              <a:effectRef idx="0">
-                <a:schemeClr val="accent1"/>
-              </a:effectRef>
-              <a:fontRef idx="minor">
-                <a:schemeClr val="tx1"/>
-              </a:fontRef>
-            </p:style>
-          </p:cxnSp>
-          <p:cxnSp>
-            <p:nvCxnSpPr>
-              <p:cNvPr id="211" name="Straight Connector 210">
-                <a:extLst>
-                  <a:ext uri="{FF2B5EF4-FFF2-40B4-BE49-F238E27FC236}">
-                    <a16:creationId xmlns:a16="http://schemas.microsoft.com/office/drawing/2014/main" id="{5793B8B1-E567-40F1-9307-1D566D5C7533}"/>
-                  </a:ext>
-                </a:extLst>
-              </p:cNvPr>
-              <p:cNvCxnSpPr>
-                <a:cxnSpLocks/>
-                <a:stCxn id="202" idx="5"/>
-                <a:endCxn id="204" idx="1"/>
-              </p:cNvCxnSpPr>
-              <p:nvPr/>
-            </p:nvCxnSpPr>
-            <p:spPr>
-              <a:xfrm>
-                <a:off x="7096049" y="6564175"/>
-                <a:ext cx="1625942" cy="1625942"/>
-              </a:xfrm>
-              <a:prstGeom prst="line">
-                <a:avLst/>
-              </a:prstGeom>
-              <a:ln w="76200">
-                <a:solidFill>
-                  <a:schemeClr val="tx1"/>
-                </a:solidFill>
-              </a:ln>
-            </p:spPr>
-            <p:style>
-              <a:lnRef idx="1">
-                <a:schemeClr val="accent1"/>
-              </a:lnRef>
-              <a:fillRef idx="0">
-                <a:schemeClr val="accent1"/>
-              </a:fillRef>
-              <a:effectRef idx="0">
-                <a:schemeClr val="accent1"/>
-              </a:effectRef>
-              <a:fontRef idx="minor">
-                <a:schemeClr val="tx1"/>
-              </a:fontRef>
-            </p:style>
-          </p:cxnSp>
-          <p:cxnSp>
-            <p:nvCxnSpPr>
-              <p:cNvPr id="215" name="Straight Connector 214">
-                <a:extLst>
-                  <a:ext uri="{FF2B5EF4-FFF2-40B4-BE49-F238E27FC236}">
-                    <a16:creationId xmlns:a16="http://schemas.microsoft.com/office/drawing/2014/main" id="{BE2879A7-F462-49C9-A8DF-C324FE6420EC}"/>
-                  </a:ext>
-                </a:extLst>
-              </p:cNvPr>
-              <p:cNvCxnSpPr>
-                <a:cxnSpLocks/>
-                <a:stCxn id="203" idx="3"/>
-                <a:endCxn id="204" idx="7"/>
-              </p:cNvCxnSpPr>
-              <p:nvPr/>
-            </p:nvCxnSpPr>
-            <p:spPr>
-              <a:xfrm flipH="1">
-                <a:off x="8896049" y="6564175"/>
-                <a:ext cx="1625942" cy="1625942"/>
-              </a:xfrm>
-              <a:prstGeom prst="line">
-                <a:avLst/>
-              </a:prstGeom>
-              <a:ln w="76200">
-                <a:solidFill>
-                  <a:schemeClr val="tx1"/>
-                </a:solidFill>
-              </a:ln>
-            </p:spPr>
-            <p:style>
-              <a:lnRef idx="1">
-                <a:schemeClr val="accent1"/>
-              </a:lnRef>
-              <a:fillRef idx="0">
-                <a:schemeClr val="accent1"/>
-              </a:fillRef>
-              <a:effectRef idx="0">
-                <a:schemeClr val="accent1"/>
-              </a:effectRef>
-              <a:fontRef idx="minor">
-                <a:schemeClr val="tx1"/>
-              </a:fontRef>
-            </p:style>
-          </p:cxnSp>
-        </p:grpSp>
-        <p:cxnSp>
-          <p:nvCxnSpPr>
-            <p:cNvPr id="253" name="Connector: Elbow 252">
-              <a:extLst>
-                <a:ext uri="{FF2B5EF4-FFF2-40B4-BE49-F238E27FC236}">
-                  <a16:creationId xmlns:a16="http://schemas.microsoft.com/office/drawing/2014/main" id="{2A71361A-0B19-4AAC-9279-E288A52A1788}"/>
-                </a:ext>
-              </a:extLst>
-            </p:cNvPr>
-            <p:cNvCxnSpPr>
-              <a:cxnSpLocks/>
-              <a:stCxn id="243" idx="1"/>
-              <a:endCxn id="231" idx="0"/>
-            </p:cNvCxnSpPr>
-            <p:nvPr/>
-          </p:nvCxnSpPr>
-          <p:spPr>
-            <a:xfrm rot="10800000" flipV="1">
-              <a:off x="12801301" y="2196672"/>
-              <a:ext cx="290911" cy="489705"/>
-            </a:xfrm>
-            <a:prstGeom prst="bentConnector2">
-              <a:avLst/>
-            </a:prstGeom>
-            <a:ln w="28575">
-              <a:solidFill>
-                <a:schemeClr val="accent2"/>
-              </a:solidFill>
-              <a:prstDash val="sysDot"/>
-              <a:headEnd type="none" w="med" len="med"/>
-              <a:tailEnd type="none" w="med" len="med"/>
-            </a:ln>
-          </p:spPr>
-          <p:style>
-            <a:lnRef idx="3">
-              <a:schemeClr val="dk1"/>
-            </a:lnRef>
-            <a:fillRef idx="0">
-              <a:schemeClr val="dk1"/>
-            </a:fillRef>
-            <a:effectRef idx="2">
-              <a:schemeClr val="dk1"/>
-            </a:effectRef>
-            <a:fontRef idx="minor">
-              <a:schemeClr val="tx1"/>
-            </a:fontRef>
-          </p:style>
-        </p:cxnSp>
-        <p:cxnSp>
-          <p:nvCxnSpPr>
-            <p:cNvPr id="258" name="Straight Connector 257">
-              <a:extLst>
-                <a:ext uri="{FF2B5EF4-FFF2-40B4-BE49-F238E27FC236}">
-                  <a16:creationId xmlns:a16="http://schemas.microsoft.com/office/drawing/2014/main" id="{FF12F6FB-24F9-46FD-BC08-BA5A873E7E42}"/>
-                </a:ext>
-              </a:extLst>
-            </p:cNvPr>
-            <p:cNvCxnSpPr>
-              <a:stCxn id="228" idx="3"/>
-              <a:endCxn id="241" idx="1"/>
-            </p:cNvCxnSpPr>
-            <p:nvPr/>
-          </p:nvCxnSpPr>
-          <p:spPr>
-            <a:xfrm>
-              <a:off x="16331703" y="55974"/>
-              <a:ext cx="714329" cy="0"/>
-            </a:xfrm>
-            <a:prstGeom prst="line">
-              <a:avLst/>
-            </a:prstGeom>
-            <a:ln w="28575">
-              <a:solidFill>
-                <a:schemeClr val="accent2"/>
-              </a:solidFill>
-              <a:prstDash val="sysDot"/>
-            </a:ln>
-          </p:spPr>
-          <p:style>
-            <a:lnRef idx="1">
-              <a:schemeClr val="accent1"/>
-            </a:lnRef>
-            <a:fillRef idx="0">
-              <a:schemeClr val="accent1"/>
-            </a:fillRef>
-            <a:effectRef idx="0">
-              <a:schemeClr val="accent1"/>
-            </a:effectRef>
-            <a:fontRef idx="minor">
-              <a:schemeClr val="tx1"/>
-            </a:fontRef>
-          </p:style>
-        </p:cxnSp>
-        <p:grpSp>
-          <p:nvGrpSpPr>
-            <p:cNvPr id="315" name="Group 314">
-              <a:extLst>
-                <a:ext uri="{FF2B5EF4-FFF2-40B4-BE49-F238E27FC236}">
-                  <a16:creationId xmlns:a16="http://schemas.microsoft.com/office/drawing/2014/main" id="{09C27D2D-A0D6-43C2-8F40-ED7A3F5A8B1C}"/>
-                </a:ext>
-              </a:extLst>
-            </p:cNvPr>
-            <p:cNvGrpSpPr/>
-            <p:nvPr/>
-          </p:nvGrpSpPr>
-          <p:grpSpPr>
-            <a:xfrm>
-              <a:off x="12351300" y="-394026"/>
-              <a:ext cx="7060806" cy="7060806"/>
-              <a:chOff x="12351300" y="-394026"/>
-              <a:chExt cx="7060806" cy="7060806"/>
-            </a:xfrm>
-          </p:grpSpPr>
-          <p:grpSp>
-            <p:nvGrpSpPr>
-              <p:cNvPr id="238" name="Group 237">
-                <a:extLst>
-                  <a:ext uri="{FF2B5EF4-FFF2-40B4-BE49-F238E27FC236}">
-                    <a16:creationId xmlns:a16="http://schemas.microsoft.com/office/drawing/2014/main" id="{20ED3AFB-4064-4639-B326-AD7D127BD4FD}"/>
-                  </a:ext>
-                </a:extLst>
-              </p:cNvPr>
-              <p:cNvGrpSpPr/>
-              <p:nvPr/>
-            </p:nvGrpSpPr>
-            <p:grpSpPr>
-              <a:xfrm>
-                <a:off x="13238625" y="493299"/>
-                <a:ext cx="5286156" cy="5286156"/>
-                <a:chOff x="3253855" y="3920509"/>
-                <a:chExt cx="5286156" cy="5286156"/>
-              </a:xfrm>
-            </p:grpSpPr>
-            <p:cxnSp>
-              <p:nvCxnSpPr>
-                <p:cNvPr id="221" name="Straight Connector 220">
-                  <a:extLst>
-                    <a:ext uri="{FF2B5EF4-FFF2-40B4-BE49-F238E27FC236}">
-                      <a16:creationId xmlns:a16="http://schemas.microsoft.com/office/drawing/2014/main" id="{07B1FD80-144E-42B6-915A-CE3C0D2E817F}"/>
-                    </a:ext>
-                  </a:extLst>
-                </p:cNvPr>
-                <p:cNvCxnSpPr>
-                  <a:cxnSpLocks/>
-                </p:cNvCxnSpPr>
-                <p:nvPr/>
-              </p:nvCxnSpPr>
-              <p:spPr>
-                <a:xfrm>
-                  <a:off x="5894601" y="3920509"/>
-                  <a:ext cx="0" cy="720000"/>
-                </a:xfrm>
-                <a:prstGeom prst="line">
-                  <a:avLst/>
-                </a:prstGeom>
-                <a:ln w="76200">
-                  <a:solidFill>
-                    <a:schemeClr val="tx1"/>
-                  </a:solidFill>
-                </a:ln>
-              </p:spPr>
-              <p:style>
-                <a:lnRef idx="1">
-                  <a:schemeClr val="accent1"/>
-                </a:lnRef>
-                <a:fillRef idx="0">
-                  <a:schemeClr val="accent1"/>
-                </a:fillRef>
-                <a:effectRef idx="0">
-                  <a:schemeClr val="accent1"/>
-                </a:effectRef>
-                <a:fontRef idx="minor">
-                  <a:schemeClr val="tx1"/>
-                </a:fontRef>
-              </p:style>
-            </p:cxnSp>
-            <p:cxnSp>
-              <p:nvCxnSpPr>
-                <p:cNvPr id="224" name="Straight Connector 223">
-                  <a:extLst>
-                    <a:ext uri="{FF2B5EF4-FFF2-40B4-BE49-F238E27FC236}">
-                      <a16:creationId xmlns:a16="http://schemas.microsoft.com/office/drawing/2014/main" id="{550D60C9-2278-430B-B6F2-F23ABC566E38}"/>
-                    </a:ext>
-                  </a:extLst>
-                </p:cNvPr>
-                <p:cNvCxnSpPr>
-                  <a:cxnSpLocks/>
-                </p:cNvCxnSpPr>
-                <p:nvPr/>
-              </p:nvCxnSpPr>
-              <p:spPr>
-                <a:xfrm>
-                  <a:off x="5894601" y="8486665"/>
-                  <a:ext cx="0" cy="720000"/>
-                </a:xfrm>
-                <a:prstGeom prst="line">
-                  <a:avLst/>
-                </a:prstGeom>
-                <a:ln w="76200">
-                  <a:solidFill>
-                    <a:schemeClr val="tx1"/>
-                  </a:solidFill>
-                </a:ln>
-              </p:spPr>
-              <p:style>
-                <a:lnRef idx="1">
-                  <a:schemeClr val="accent1"/>
-                </a:lnRef>
-                <a:fillRef idx="0">
-                  <a:schemeClr val="accent1"/>
-                </a:fillRef>
-                <a:effectRef idx="0">
-                  <a:schemeClr val="accent1"/>
-                </a:effectRef>
-                <a:fontRef idx="minor">
-                  <a:schemeClr val="tx1"/>
-                </a:fontRef>
-              </p:style>
-            </p:cxnSp>
-            <p:cxnSp>
-              <p:nvCxnSpPr>
-                <p:cNvPr id="225" name="Straight Connector 224">
-                  <a:extLst>
-                    <a:ext uri="{FF2B5EF4-FFF2-40B4-BE49-F238E27FC236}">
-                      <a16:creationId xmlns:a16="http://schemas.microsoft.com/office/drawing/2014/main" id="{D4E09308-4C8A-4500-996F-CC2A551AB2B1}"/>
-                    </a:ext>
-                  </a:extLst>
-                </p:cNvPr>
-                <p:cNvCxnSpPr>
-                  <a:cxnSpLocks/>
-                </p:cNvCxnSpPr>
-                <p:nvPr/>
-              </p:nvCxnSpPr>
-              <p:spPr>
-                <a:xfrm>
-                  <a:off x="3253855" y="6563587"/>
-                  <a:ext cx="720000" cy="0"/>
-                </a:xfrm>
-                <a:prstGeom prst="line">
-                  <a:avLst/>
-                </a:prstGeom>
-                <a:ln w="76200">
-                  <a:solidFill>
-                    <a:schemeClr val="tx1"/>
-                  </a:solidFill>
-                </a:ln>
-              </p:spPr>
-              <p:style>
-                <a:lnRef idx="1">
-                  <a:schemeClr val="accent1"/>
-                </a:lnRef>
-                <a:fillRef idx="0">
-                  <a:schemeClr val="accent1"/>
-                </a:fillRef>
-                <a:effectRef idx="0">
-                  <a:schemeClr val="accent1"/>
-                </a:effectRef>
-                <a:fontRef idx="minor">
-                  <a:schemeClr val="tx1"/>
-                </a:fontRef>
-              </p:style>
-            </p:cxnSp>
-            <p:cxnSp>
-              <p:nvCxnSpPr>
-                <p:cNvPr id="226" name="Straight Connector 225">
-                  <a:extLst>
-                    <a:ext uri="{FF2B5EF4-FFF2-40B4-BE49-F238E27FC236}">
-                      <a16:creationId xmlns:a16="http://schemas.microsoft.com/office/drawing/2014/main" id="{B7F7F0CB-0B67-4829-8EC4-18A6CFCF4F52}"/>
-                    </a:ext>
-                  </a:extLst>
-                </p:cNvPr>
-                <p:cNvCxnSpPr>
-                  <a:cxnSpLocks/>
-                </p:cNvCxnSpPr>
-                <p:nvPr/>
-              </p:nvCxnSpPr>
-              <p:spPr>
-                <a:xfrm>
-                  <a:off x="7820011" y="6563587"/>
-                  <a:ext cx="720000" cy="0"/>
-                </a:xfrm>
-                <a:prstGeom prst="line">
-                  <a:avLst/>
-                </a:prstGeom>
-                <a:ln w="76200">
-                  <a:solidFill>
-                    <a:schemeClr val="tx1"/>
-                  </a:solidFill>
-                </a:ln>
-              </p:spPr>
-              <p:style>
-                <a:lnRef idx="1">
-                  <a:schemeClr val="accent1"/>
-                </a:lnRef>
-                <a:fillRef idx="0">
-                  <a:schemeClr val="accent1"/>
-                </a:fillRef>
-                <a:effectRef idx="0">
-                  <a:schemeClr val="accent1"/>
-                </a:effectRef>
-                <a:fontRef idx="minor">
-                  <a:schemeClr val="tx1"/>
-                </a:fontRef>
-              </p:style>
-            </p:cxnSp>
-          </p:grpSp>
-          <p:sp>
-            <p:nvSpPr>
-              <p:cNvPr id="230" name="Flowchart: Alternate Process 229">
-                <a:extLst>
-                  <a:ext uri="{FF2B5EF4-FFF2-40B4-BE49-F238E27FC236}">
-                    <a16:creationId xmlns:a16="http://schemas.microsoft.com/office/drawing/2014/main" id="{B6C5019D-323F-4D40-8120-8580C61D069F}"/>
-                  </a:ext>
-                </a:extLst>
-              </p:cNvPr>
-              <p:cNvSpPr/>
-              <p:nvPr/>
-            </p:nvSpPr>
-            <p:spPr>
-              <a:xfrm>
-                <a:off x="18512106" y="2686378"/>
-                <a:ext cx="900000" cy="900000"/>
-              </a:xfrm>
-              <a:prstGeom prst="flowChartAlternateProcess">
-                <a:avLst/>
-              </a:prstGeom>
-              <a:ln w="19050"/>
-            </p:spPr>
-            <p:style>
-              <a:lnRef idx="2">
-                <a:schemeClr val="dk1"/>
-              </a:lnRef>
-              <a:fillRef idx="1">
-                <a:schemeClr val="lt1"/>
-              </a:fillRef>
-              <a:effectRef idx="0">
-                <a:schemeClr val="dk1"/>
-              </a:effectRef>
-              <a:fontRef idx="minor">
-                <a:schemeClr val="dk1"/>
-              </a:fontRef>
-            </p:style>
-            <p:txBody>
-              <a:bodyPr rot="0" spcFirstLastPara="0" vertOverflow="overflow" horzOverflow="overflow" vert="horz" wrap="square" lIns="0" tIns="0" rIns="0" bIns="0" numCol="1" spcCol="0" rtlCol="0" fromWordArt="0" anchor="ctr" anchorCtr="0" forceAA="0" compatLnSpc="1">
-                <a:prstTxWarp prst="textNoShape">
-                  <a:avLst/>
-                </a:prstTxWarp>
-                <a:noAutofit/>
-              </a:bodyPr>
-              <a:lstStyle/>
-              <a:p>
-                <a:pPr algn="ctr"/>
-                <a:r>
-                  <a:rPr lang="en-AU" sz="5400" dirty="0">
-                    <a:solidFill>
-                      <a:schemeClr val="accent5"/>
-                    </a:solidFill>
-                    <a:latin typeface="Consolas" panose="020B0609020204030204" pitchFamily="49" charset="0"/>
-                    <a:ea typeface="Yu Gothic" panose="020B0400000000000000" pitchFamily="34" charset="-128"/>
-                  </a:rPr>
-                  <a:t>A+</a:t>
-                </a:r>
-              </a:p>
-            </p:txBody>
-          </p:sp>
-          <p:sp>
-            <p:nvSpPr>
-              <p:cNvPr id="231" name="Flowchart: Alternate Process 230">
-                <a:extLst>
-                  <a:ext uri="{FF2B5EF4-FFF2-40B4-BE49-F238E27FC236}">
-                    <a16:creationId xmlns:a16="http://schemas.microsoft.com/office/drawing/2014/main" id="{25DFDA24-74B7-4286-9964-66DB001CA321}"/>
-                  </a:ext>
-                </a:extLst>
-              </p:cNvPr>
-              <p:cNvSpPr/>
-              <p:nvPr/>
-            </p:nvSpPr>
-            <p:spPr>
-              <a:xfrm>
-                <a:off x="12351300" y="2686378"/>
-                <a:ext cx="900000" cy="900000"/>
-              </a:xfrm>
-              <a:prstGeom prst="flowChartAlternateProcess">
-                <a:avLst/>
-              </a:prstGeom>
-              <a:ln w="19050"/>
-            </p:spPr>
-            <p:style>
-              <a:lnRef idx="2">
-                <a:schemeClr val="dk1"/>
-              </a:lnRef>
-              <a:fillRef idx="1">
-                <a:schemeClr val="lt1"/>
-              </a:fillRef>
-              <a:effectRef idx="0">
-                <a:schemeClr val="dk1"/>
-              </a:effectRef>
-              <a:fontRef idx="minor">
-                <a:schemeClr val="dk1"/>
-              </a:fontRef>
-            </p:style>
-            <p:txBody>
-              <a:bodyPr rot="0" spcFirstLastPara="0" vertOverflow="overflow" horzOverflow="overflow" vert="horz" wrap="square" lIns="0" tIns="0" rIns="0" bIns="0" numCol="1" spcCol="0" rtlCol="0" fromWordArt="0" anchor="ctr" anchorCtr="0" forceAA="0" compatLnSpc="1">
-                <a:prstTxWarp prst="textNoShape">
-                  <a:avLst/>
-                </a:prstTxWarp>
-                <a:noAutofit/>
-              </a:bodyPr>
-              <a:lstStyle/>
-              <a:p>
-                <a:pPr algn="ctr"/>
-                <a:r>
-                  <a:rPr lang="en-AU" sz="5400" dirty="0">
-                    <a:solidFill>
-                      <a:schemeClr val="accent5"/>
-                    </a:solidFill>
-                    <a:latin typeface="Consolas" panose="020B0609020204030204" pitchFamily="49" charset="0"/>
-                    <a:ea typeface="Yu Gothic" panose="020B0400000000000000" pitchFamily="34" charset="-128"/>
-                  </a:rPr>
-                  <a:t>A-</a:t>
-                </a:r>
-              </a:p>
-            </p:txBody>
-          </p:sp>
-          <p:sp>
-            <p:nvSpPr>
-              <p:cNvPr id="227" name="Flowchart: Alternate Process 226">
-                <a:extLst>
-                  <a:ext uri="{FF2B5EF4-FFF2-40B4-BE49-F238E27FC236}">
-                    <a16:creationId xmlns:a16="http://schemas.microsoft.com/office/drawing/2014/main" id="{40B0B6CF-0460-43B5-A878-D82696A567C6}"/>
-                  </a:ext>
-                </a:extLst>
-              </p:cNvPr>
-              <p:cNvSpPr/>
-              <p:nvPr/>
-            </p:nvSpPr>
-            <p:spPr>
-              <a:xfrm>
-                <a:off x="15431703" y="5766780"/>
-                <a:ext cx="900000" cy="900000"/>
-              </a:xfrm>
-              <a:prstGeom prst="flowChartAlternateProcess">
-                <a:avLst/>
-              </a:prstGeom>
-              <a:ln w="19050"/>
-            </p:spPr>
-            <p:style>
-              <a:lnRef idx="2">
-                <a:schemeClr val="dk1"/>
-              </a:lnRef>
-              <a:fillRef idx="1">
-                <a:schemeClr val="lt1"/>
-              </a:fillRef>
-              <a:effectRef idx="0">
-                <a:schemeClr val="dk1"/>
-              </a:effectRef>
-              <a:fontRef idx="minor">
-                <a:schemeClr val="dk1"/>
-              </a:fontRef>
-            </p:style>
-            <p:txBody>
-              <a:bodyPr rot="0" spcFirstLastPara="0" vertOverflow="overflow" horzOverflow="overflow" vert="horz" wrap="square" lIns="0" tIns="0" rIns="0" bIns="0" numCol="1" spcCol="0" rtlCol="0" fromWordArt="0" anchor="ctr" anchorCtr="0" forceAA="0" compatLnSpc="1">
-                <a:prstTxWarp prst="textNoShape">
-                  <a:avLst/>
-                </a:prstTxWarp>
-                <a:noAutofit/>
-              </a:bodyPr>
-              <a:lstStyle/>
-              <a:p>
-                <a:pPr algn="ctr"/>
-                <a:r>
-                  <a:rPr lang="en-AU" sz="5400" dirty="0">
-                    <a:solidFill>
-                      <a:srgbClr val="C00000"/>
-                    </a:solidFill>
-                    <a:latin typeface="Consolas" panose="020B0609020204030204" pitchFamily="49" charset="0"/>
-                    <a:ea typeface="Yu Gothic" panose="020B0400000000000000" pitchFamily="34" charset="-128"/>
-                  </a:rPr>
-                  <a:t>E-</a:t>
-                </a:r>
-              </a:p>
-            </p:txBody>
-          </p:sp>
-          <p:sp>
-            <p:nvSpPr>
-              <p:cNvPr id="228" name="Flowchart: Alternate Process 227">
-                <a:extLst>
-                  <a:ext uri="{FF2B5EF4-FFF2-40B4-BE49-F238E27FC236}">
-                    <a16:creationId xmlns:a16="http://schemas.microsoft.com/office/drawing/2014/main" id="{BF7B5FC4-9F25-446B-9EE4-EBD760AF18D9}"/>
-                  </a:ext>
-                </a:extLst>
-              </p:cNvPr>
-              <p:cNvSpPr/>
-              <p:nvPr/>
-            </p:nvSpPr>
-            <p:spPr>
-              <a:xfrm>
-                <a:off x="15431703" y="-394026"/>
-                <a:ext cx="900000" cy="900000"/>
-              </a:xfrm>
-              <a:prstGeom prst="flowChartAlternateProcess">
-                <a:avLst/>
-              </a:prstGeom>
-              <a:ln w="19050"/>
-            </p:spPr>
-            <p:style>
-              <a:lnRef idx="2">
-                <a:schemeClr val="dk1"/>
-              </a:lnRef>
-              <a:fillRef idx="1">
-                <a:schemeClr val="lt1"/>
-              </a:fillRef>
-              <a:effectRef idx="0">
-                <a:schemeClr val="dk1"/>
-              </a:effectRef>
-              <a:fontRef idx="minor">
-                <a:schemeClr val="dk1"/>
-              </a:fontRef>
-            </p:style>
-            <p:txBody>
-              <a:bodyPr rot="0" spcFirstLastPara="0" vertOverflow="overflow" horzOverflow="overflow" vert="horz" wrap="square" lIns="0" tIns="0" rIns="0" bIns="0" numCol="1" spcCol="0" rtlCol="0" fromWordArt="0" anchor="ctr" anchorCtr="0" forceAA="0" compatLnSpc="1">
-                <a:prstTxWarp prst="textNoShape">
-                  <a:avLst/>
-                </a:prstTxWarp>
-                <a:noAutofit/>
-              </a:bodyPr>
-              <a:lstStyle/>
-              <a:p>
-                <a:pPr algn="ctr"/>
-                <a:r>
-                  <a:rPr lang="en-AU" sz="5400" dirty="0">
-                    <a:solidFill>
-                      <a:srgbClr val="C00000"/>
-                    </a:solidFill>
-                    <a:latin typeface="Consolas" panose="020B0609020204030204" pitchFamily="49" charset="0"/>
-                    <a:ea typeface="Yu Gothic" panose="020B0400000000000000" pitchFamily="34" charset="-128"/>
-                  </a:rPr>
-                  <a:t>E+</a:t>
-                </a:r>
-              </a:p>
-            </p:txBody>
-          </p:sp>
-          <p:sp>
-            <p:nvSpPr>
-              <p:cNvPr id="241" name="Flowchart: Alternate Process 240">
-                <a:extLst>
-                  <a:ext uri="{FF2B5EF4-FFF2-40B4-BE49-F238E27FC236}">
-                    <a16:creationId xmlns:a16="http://schemas.microsoft.com/office/drawing/2014/main" id="{8C6BAC55-9542-4B0D-91A9-6083CAC3AEDF}"/>
-                  </a:ext>
-                </a:extLst>
-              </p:cNvPr>
-              <p:cNvSpPr/>
-              <p:nvPr/>
-            </p:nvSpPr>
-            <p:spPr>
-              <a:xfrm>
-                <a:off x="17046032" y="-67104"/>
-                <a:ext cx="794564" cy="246156"/>
-              </a:xfrm>
-              <a:prstGeom prst="flowChartAlternateProcess">
-                <a:avLst/>
-              </a:prstGeom>
-              <a:noFill/>
-              <a:ln>
-                <a:noFill/>
-              </a:ln>
-            </p:spPr>
-            <p:style>
-              <a:lnRef idx="2">
-                <a:schemeClr val="dk1"/>
-              </a:lnRef>
-              <a:fillRef idx="1">
-                <a:schemeClr val="lt1"/>
-              </a:fillRef>
-              <a:effectRef idx="0">
-                <a:schemeClr val="dk1"/>
-              </a:effectRef>
-              <a:fontRef idx="minor">
-                <a:schemeClr val="dk1"/>
-              </a:fontRef>
-            </p:style>
-            <p:txBody>
-              <a:bodyPr rot="0" spcFirstLastPara="0" vertOverflow="overflow" horzOverflow="overflow" vert="horz" wrap="square" lIns="0" tIns="0" rIns="0" bIns="0" numCol="1" spcCol="0" rtlCol="0" fromWordArt="0" anchor="ctr" anchorCtr="0" forceAA="0" compatLnSpc="1">
-                <a:prstTxWarp prst="textNoShape">
-                  <a:avLst/>
-                </a:prstTxWarp>
-                <a:noAutofit/>
-              </a:bodyPr>
-              <a:lstStyle/>
-              <a:p>
-                <a:pPr algn="ctr"/>
-                <a:r>
-                  <a:rPr lang="en-AU" dirty="0">
-                    <a:solidFill>
-                      <a:schemeClr val="accent2"/>
-                    </a:solidFill>
-                    <a:latin typeface="Consolas" panose="020B0609020204030204" pitchFamily="49" charset="0"/>
-                    <a:ea typeface="Yu Gothic" panose="020B0400000000000000" pitchFamily="34" charset="-128"/>
-                  </a:rPr>
-                  <a:t>To 5V</a:t>
-                </a:r>
-              </a:p>
-            </p:txBody>
-          </p:sp>
-          <p:sp>
-            <p:nvSpPr>
-              <p:cNvPr id="242" name="Flowchart: Alternate Process 241">
-                <a:extLst>
-                  <a:ext uri="{FF2B5EF4-FFF2-40B4-BE49-F238E27FC236}">
-                    <a16:creationId xmlns:a16="http://schemas.microsoft.com/office/drawing/2014/main" id="{0B903B88-B5F9-4EA9-A720-B68F9CA7D92D}"/>
-                  </a:ext>
-                </a:extLst>
-              </p:cNvPr>
-              <p:cNvSpPr/>
-              <p:nvPr/>
-            </p:nvSpPr>
-            <p:spPr>
-              <a:xfrm>
-                <a:off x="17046032" y="6093702"/>
-                <a:ext cx="794564" cy="246156"/>
-              </a:xfrm>
-              <a:prstGeom prst="flowChartAlternateProcess">
-                <a:avLst/>
-              </a:prstGeom>
-              <a:noFill/>
-              <a:ln>
-                <a:noFill/>
-              </a:ln>
-            </p:spPr>
-            <p:style>
-              <a:lnRef idx="2">
-                <a:schemeClr val="dk1"/>
-              </a:lnRef>
-              <a:fillRef idx="1">
-                <a:schemeClr val="lt1"/>
-              </a:fillRef>
-              <a:effectRef idx="0">
-                <a:schemeClr val="dk1"/>
-              </a:effectRef>
-              <a:fontRef idx="minor">
-                <a:schemeClr val="dk1"/>
-              </a:fontRef>
-            </p:style>
-            <p:txBody>
-              <a:bodyPr rot="0" spcFirstLastPara="0" vertOverflow="overflow" horzOverflow="overflow" vert="horz" wrap="square" lIns="0" tIns="0" rIns="0" bIns="0" numCol="1" spcCol="0" rtlCol="0" fromWordArt="0" anchor="ctr" anchorCtr="0" forceAA="0" compatLnSpc="1">
-                <a:prstTxWarp prst="textNoShape">
-                  <a:avLst/>
-                </a:prstTxWarp>
-                <a:noAutofit/>
-              </a:bodyPr>
-              <a:lstStyle/>
-              <a:p>
-                <a:pPr algn="ctr"/>
-                <a:r>
-                  <a:rPr lang="en-AU" dirty="0">
-                    <a:solidFill>
-                      <a:schemeClr val="accent2"/>
-                    </a:solidFill>
-                    <a:latin typeface="Consolas" panose="020B0609020204030204" pitchFamily="49" charset="0"/>
-                    <a:ea typeface="Yu Gothic" panose="020B0400000000000000" pitchFamily="34" charset="-128"/>
-                  </a:rPr>
-                  <a:t>To Ground</a:t>
-                </a:r>
-              </a:p>
-            </p:txBody>
-          </p:sp>
-          <p:sp>
-            <p:nvSpPr>
-              <p:cNvPr id="243" name="Flowchart: Alternate Process 242">
-                <a:extLst>
-                  <a:ext uri="{FF2B5EF4-FFF2-40B4-BE49-F238E27FC236}">
-                    <a16:creationId xmlns:a16="http://schemas.microsoft.com/office/drawing/2014/main" id="{89BC14E5-F4AC-4D78-B5F8-846BD32FDE51}"/>
-                  </a:ext>
-                </a:extLst>
-              </p:cNvPr>
-              <p:cNvSpPr/>
-              <p:nvPr/>
-            </p:nvSpPr>
-            <p:spPr>
-              <a:xfrm>
-                <a:off x="13092211" y="2073595"/>
-                <a:ext cx="794564" cy="246156"/>
-              </a:xfrm>
-              <a:prstGeom prst="flowChartAlternateProcess">
-                <a:avLst/>
-              </a:prstGeom>
-              <a:noFill/>
-              <a:ln>
-                <a:noFill/>
-              </a:ln>
-            </p:spPr>
-            <p:style>
-              <a:lnRef idx="2">
-                <a:schemeClr val="dk1"/>
-              </a:lnRef>
-              <a:fillRef idx="1">
-                <a:schemeClr val="lt1"/>
-              </a:fillRef>
-              <a:effectRef idx="0">
-                <a:schemeClr val="dk1"/>
-              </a:effectRef>
-              <a:fontRef idx="minor">
-                <a:schemeClr val="dk1"/>
-              </a:fontRef>
-            </p:style>
-            <p:txBody>
-              <a:bodyPr rot="0" spcFirstLastPara="0" vertOverflow="overflow" horzOverflow="overflow" vert="horz" wrap="square" lIns="0" tIns="0" rIns="0" bIns="0" numCol="1" spcCol="0" rtlCol="0" fromWordArt="0" anchor="ctr" anchorCtr="0" forceAA="0" compatLnSpc="1">
-                <a:prstTxWarp prst="textNoShape">
-                  <a:avLst/>
-                </a:prstTxWarp>
-                <a:noAutofit/>
-              </a:bodyPr>
-              <a:lstStyle/>
-              <a:p>
-                <a:pPr algn="ctr"/>
-                <a:r>
-                  <a:rPr lang="en-AU" dirty="0">
-                    <a:solidFill>
-                      <a:schemeClr val="accent2"/>
-                    </a:solidFill>
-                    <a:latin typeface="Consolas" panose="020B0609020204030204" pitchFamily="49" charset="0"/>
-                    <a:ea typeface="Yu Gothic" panose="020B0400000000000000" pitchFamily="34" charset="-128"/>
-                  </a:rPr>
-                  <a:t>Signal Low</a:t>
-                </a:r>
-              </a:p>
-            </p:txBody>
-          </p:sp>
-          <p:sp>
-            <p:nvSpPr>
-              <p:cNvPr id="244" name="Flowchart: Alternate Process 243">
-                <a:extLst>
-                  <a:ext uri="{FF2B5EF4-FFF2-40B4-BE49-F238E27FC236}">
-                    <a16:creationId xmlns:a16="http://schemas.microsoft.com/office/drawing/2014/main" id="{F20C236A-5CD2-464C-9A0B-29374F90D55F}"/>
-                  </a:ext>
-                </a:extLst>
-              </p:cNvPr>
-              <p:cNvSpPr/>
-              <p:nvPr/>
-            </p:nvSpPr>
-            <p:spPr>
-              <a:xfrm>
-                <a:off x="17876632" y="2073595"/>
-                <a:ext cx="794564" cy="246156"/>
-              </a:xfrm>
-              <a:prstGeom prst="flowChartAlternateProcess">
-                <a:avLst/>
-              </a:prstGeom>
-              <a:noFill/>
-              <a:ln>
-                <a:noFill/>
-              </a:ln>
-            </p:spPr>
-            <p:style>
-              <a:lnRef idx="2">
-                <a:schemeClr val="dk1"/>
-              </a:lnRef>
-              <a:fillRef idx="1">
-                <a:schemeClr val="lt1"/>
-              </a:fillRef>
-              <a:effectRef idx="0">
-                <a:schemeClr val="dk1"/>
-              </a:effectRef>
-              <a:fontRef idx="minor">
-                <a:schemeClr val="dk1"/>
-              </a:fontRef>
-            </p:style>
-            <p:txBody>
-              <a:bodyPr rot="0" spcFirstLastPara="0" vertOverflow="overflow" horzOverflow="overflow" vert="horz" wrap="square" lIns="0" tIns="0" rIns="0" bIns="0" numCol="1" spcCol="0" rtlCol="0" fromWordArt="0" anchor="ctr" anchorCtr="0" forceAA="0" compatLnSpc="1">
-                <a:prstTxWarp prst="textNoShape">
-                  <a:avLst/>
-                </a:prstTxWarp>
-                <a:noAutofit/>
-              </a:bodyPr>
-              <a:lstStyle/>
-              <a:p>
-                <a:pPr algn="ctr"/>
-                <a:r>
-                  <a:rPr lang="en-AU" dirty="0">
-                    <a:solidFill>
-                      <a:schemeClr val="accent2"/>
-                    </a:solidFill>
-                    <a:latin typeface="Consolas" panose="020B0609020204030204" pitchFamily="49" charset="0"/>
-                    <a:ea typeface="Yu Gothic" panose="020B0400000000000000" pitchFamily="34" charset="-128"/>
-                  </a:rPr>
-                  <a:t>Signal High</a:t>
-                </a:r>
-              </a:p>
-            </p:txBody>
-          </p:sp>
-          <p:cxnSp>
-            <p:nvCxnSpPr>
-              <p:cNvPr id="249" name="Connector: Elbow 248">
-                <a:extLst>
-                  <a:ext uri="{FF2B5EF4-FFF2-40B4-BE49-F238E27FC236}">
-                    <a16:creationId xmlns:a16="http://schemas.microsoft.com/office/drawing/2014/main" id="{8EEE6C94-7805-45D5-9AC6-3F99331008A2}"/>
-                  </a:ext>
-                </a:extLst>
-              </p:cNvPr>
-              <p:cNvCxnSpPr>
-                <a:cxnSpLocks/>
-                <a:stCxn id="244" idx="3"/>
-                <a:endCxn id="230" idx="0"/>
-              </p:cNvCxnSpPr>
-              <p:nvPr/>
-            </p:nvCxnSpPr>
-            <p:spPr>
-              <a:xfrm>
-                <a:off x="18671196" y="2196673"/>
-                <a:ext cx="290910" cy="489705"/>
-              </a:xfrm>
-              <a:prstGeom prst="bentConnector2">
-                <a:avLst/>
-              </a:prstGeom>
-              <a:ln w="28575">
-                <a:solidFill>
-                  <a:schemeClr val="accent2"/>
-                </a:solidFill>
-                <a:prstDash val="sysDot"/>
-                <a:headEnd type="none" w="med" len="med"/>
-                <a:tailEnd type="none" w="med" len="med"/>
-              </a:ln>
-            </p:spPr>
-            <p:style>
-              <a:lnRef idx="3">
-                <a:schemeClr val="dk1"/>
-              </a:lnRef>
-              <a:fillRef idx="0">
-                <a:schemeClr val="dk1"/>
-              </a:fillRef>
-              <a:effectRef idx="2">
-                <a:schemeClr val="dk1"/>
-              </a:effectRef>
-              <a:fontRef idx="minor">
-                <a:schemeClr val="tx1"/>
-              </a:fontRef>
-            </p:style>
-          </p:cxnSp>
-          <p:cxnSp>
-            <p:nvCxnSpPr>
-              <p:cNvPr id="259" name="Straight Connector 258">
-                <a:extLst>
-                  <a:ext uri="{FF2B5EF4-FFF2-40B4-BE49-F238E27FC236}">
-                    <a16:creationId xmlns:a16="http://schemas.microsoft.com/office/drawing/2014/main" id="{7678571D-7714-4E96-B9DE-220984C846A9}"/>
-                  </a:ext>
-                </a:extLst>
-              </p:cNvPr>
-              <p:cNvCxnSpPr>
-                <a:cxnSpLocks/>
-                <a:stCxn id="227" idx="3"/>
-                <a:endCxn id="242" idx="1"/>
-              </p:cNvCxnSpPr>
-              <p:nvPr/>
-            </p:nvCxnSpPr>
-            <p:spPr>
-              <a:xfrm>
-                <a:off x="16331703" y="6216780"/>
-                <a:ext cx="714329" cy="0"/>
-              </a:xfrm>
-              <a:prstGeom prst="line">
-                <a:avLst/>
-              </a:prstGeom>
-              <a:ln w="28575">
-                <a:solidFill>
-                  <a:schemeClr val="accent2"/>
-                </a:solidFill>
-                <a:prstDash val="sysDot"/>
-              </a:ln>
-            </p:spPr>
-            <p:style>
-              <a:lnRef idx="1">
-                <a:schemeClr val="accent1"/>
-              </a:lnRef>
-              <a:fillRef idx="0">
-                <a:schemeClr val="accent1"/>
-              </a:fillRef>
-              <a:effectRef idx="0">
-                <a:schemeClr val="accent1"/>
-              </a:effectRef>
-              <a:fontRef idx="minor">
-                <a:schemeClr val="tx1"/>
-              </a:fontRef>
-            </p:style>
-          </p:cxnSp>
-        </p:grpSp>
-        <p:sp>
-          <p:nvSpPr>
-            <p:cNvPr id="266" name="Rectangle: Rounded Corners 265">
-              <a:extLst>
-                <a:ext uri="{FF2B5EF4-FFF2-40B4-BE49-F238E27FC236}">
-                  <a16:creationId xmlns:a16="http://schemas.microsoft.com/office/drawing/2014/main" id="{C00102F9-AC62-4FD0-83E2-52BEF5736383}"/>
-                </a:ext>
-              </a:extLst>
-            </p:cNvPr>
-            <p:cNvSpPr/>
-            <p:nvPr/>
-          </p:nvSpPr>
-          <p:spPr>
-            <a:xfrm>
-              <a:off x="5386994" y="1539439"/>
-              <a:ext cx="1453656" cy="5569527"/>
-            </a:xfrm>
-            <a:prstGeom prst="roundRect">
-              <a:avLst/>
-            </a:prstGeom>
-            <a:ln w="28575">
-              <a:solidFill>
-                <a:schemeClr val="accent2"/>
-              </a:solidFill>
-              <a:prstDash val="sysDot"/>
-              <a:headEnd type="none" w="med" len="med"/>
-              <a:tailEnd type="none" w="med" len="med"/>
-            </a:ln>
-          </p:spPr>
-          <p:style>
-            <a:lnRef idx="3">
-              <a:schemeClr val="dk1"/>
-            </a:lnRef>
-            <a:fillRef idx="0">
-              <a:schemeClr val="dk1"/>
-            </a:fillRef>
-            <a:effectRef idx="2">
-              <a:schemeClr val="dk1"/>
-            </a:effectRef>
-            <a:fontRef idx="minor">
-              <a:schemeClr val="tx1"/>
-            </a:fontRef>
-          </p:style>
-          <p:txBody>
-            <a:bodyPr rtlCol="0" anchor="b"/>
-            <a:lstStyle/>
-            <a:p>
-              <a:pPr algn="ctr"/>
-              <a:r>
-                <a:rPr lang="en-AU" dirty="0">
-                  <a:solidFill>
-                    <a:schemeClr val="accent2"/>
-                  </a:solidFill>
-                  <a:latin typeface="Consolas" panose="020B0609020204030204" pitchFamily="49" charset="0"/>
-                </a:rPr>
-                <a:t>Sensor 1</a:t>
-              </a:r>
-            </a:p>
-          </p:txBody>
-        </p:sp>
-        <p:sp>
-          <p:nvSpPr>
-            <p:cNvPr id="267" name="Rectangle: Rounded Corners 266">
-              <a:extLst>
-                <a:ext uri="{FF2B5EF4-FFF2-40B4-BE49-F238E27FC236}">
-                  <a16:creationId xmlns:a16="http://schemas.microsoft.com/office/drawing/2014/main" id="{C99DE8A4-4BEC-4CAB-8E9D-F7E869223928}"/>
-                </a:ext>
-              </a:extLst>
-            </p:cNvPr>
-            <p:cNvSpPr/>
-            <p:nvPr/>
-          </p:nvSpPr>
-          <p:spPr>
-            <a:xfrm>
-              <a:off x="10782782" y="1539439"/>
-              <a:ext cx="1453656" cy="5569527"/>
-            </a:xfrm>
-            <a:prstGeom prst="roundRect">
-              <a:avLst/>
-            </a:prstGeom>
-            <a:ln w="28575">
-              <a:solidFill>
-                <a:schemeClr val="accent2"/>
-              </a:solidFill>
-              <a:prstDash val="sysDot"/>
-              <a:headEnd type="none" w="med" len="med"/>
-              <a:tailEnd type="none" w="med" len="med"/>
-            </a:ln>
-          </p:spPr>
-          <p:style>
-            <a:lnRef idx="3">
-              <a:schemeClr val="dk1"/>
-            </a:lnRef>
-            <a:fillRef idx="0">
-              <a:schemeClr val="dk1"/>
-            </a:fillRef>
-            <a:effectRef idx="2">
-              <a:schemeClr val="dk1"/>
-            </a:effectRef>
-            <a:fontRef idx="minor">
-              <a:schemeClr val="tx1"/>
-            </a:fontRef>
-          </p:style>
-          <p:txBody>
-            <a:bodyPr rot="0" spcFirstLastPara="0" vertOverflow="overflow" horzOverflow="overflow" vert="horz" wrap="square" lIns="91440" tIns="45720" rIns="91440" bIns="45720" numCol="1" spcCol="0" rtlCol="0" fromWordArt="0" anchor="b" anchorCtr="0" forceAA="0" compatLnSpc="1">
-              <a:prstTxWarp prst="textNoShape">
-                <a:avLst/>
-              </a:prstTxWarp>
-              <a:noAutofit/>
-            </a:bodyPr>
-            <a:lstStyle/>
-            <a:p>
-              <a:pPr algn="ctr"/>
-              <a:r>
-                <a:rPr lang="en-AU" dirty="0">
-                  <a:solidFill>
-                    <a:schemeClr val="accent2"/>
-                  </a:solidFill>
-                  <a:latin typeface="Consolas" panose="020B0609020204030204" pitchFamily="49" charset="0"/>
-                </a:rPr>
-                <a:t>Sensor 4</a:t>
-              </a:r>
-            </a:p>
-          </p:txBody>
-        </p:sp>
-        <p:sp>
-          <p:nvSpPr>
-            <p:cNvPr id="268" name="Rectangle: Rounded Corners 267">
-              <a:extLst>
-                <a:ext uri="{FF2B5EF4-FFF2-40B4-BE49-F238E27FC236}">
-                  <a16:creationId xmlns:a16="http://schemas.microsoft.com/office/drawing/2014/main" id="{F99C75B4-0658-4AC7-990F-A96E758F4063}"/>
-                </a:ext>
-              </a:extLst>
-            </p:cNvPr>
-            <p:cNvSpPr/>
-            <p:nvPr/>
-          </p:nvSpPr>
-          <p:spPr>
-            <a:xfrm>
-              <a:off x="7193343" y="1539439"/>
-              <a:ext cx="1453656" cy="5569527"/>
-            </a:xfrm>
-            <a:prstGeom prst="roundRect">
-              <a:avLst/>
-            </a:prstGeom>
-            <a:ln w="28575">
-              <a:solidFill>
-                <a:schemeClr val="accent2"/>
-              </a:solidFill>
-              <a:prstDash val="sysDot"/>
-              <a:headEnd type="none" w="med" len="med"/>
-              <a:tailEnd type="none" w="med" len="med"/>
-            </a:ln>
-          </p:spPr>
-          <p:style>
-            <a:lnRef idx="3">
-              <a:schemeClr val="dk1"/>
-            </a:lnRef>
-            <a:fillRef idx="0">
-              <a:schemeClr val="dk1"/>
-            </a:fillRef>
-            <a:effectRef idx="2">
-              <a:schemeClr val="dk1"/>
-            </a:effectRef>
-            <a:fontRef idx="minor">
-              <a:schemeClr val="tx1"/>
-            </a:fontRef>
-          </p:style>
-          <p:txBody>
-            <a:bodyPr rot="0" spcFirstLastPara="0" vertOverflow="overflow" horzOverflow="overflow" vert="horz" wrap="square" lIns="91440" tIns="45720" rIns="91440" bIns="45720" numCol="1" spcCol="0" rtlCol="0" fromWordArt="0" anchor="b" anchorCtr="0" forceAA="0" compatLnSpc="1">
-              <a:prstTxWarp prst="textNoShape">
-                <a:avLst/>
-              </a:prstTxWarp>
-              <a:noAutofit/>
-            </a:bodyPr>
-            <a:lstStyle/>
-            <a:p>
-              <a:pPr algn="ctr"/>
-              <a:r>
-                <a:rPr lang="en-AU" dirty="0">
-                  <a:solidFill>
-                    <a:schemeClr val="accent2"/>
-                  </a:solidFill>
-                  <a:latin typeface="Consolas" panose="020B0609020204030204" pitchFamily="49" charset="0"/>
-                </a:rPr>
-                <a:t>Sensor 2</a:t>
-              </a:r>
-            </a:p>
-          </p:txBody>
-        </p:sp>
-        <p:grpSp>
-          <p:nvGrpSpPr>
-            <p:cNvPr id="293" name="Group 292">
-              <a:extLst>
-                <a:ext uri="{FF2B5EF4-FFF2-40B4-BE49-F238E27FC236}">
-                  <a16:creationId xmlns:a16="http://schemas.microsoft.com/office/drawing/2014/main" id="{EDBEDFF0-9DDE-4CE9-852C-AB4C07C09955}"/>
-                </a:ext>
-              </a:extLst>
-            </p:cNvPr>
-            <p:cNvGrpSpPr/>
-            <p:nvPr/>
-          </p:nvGrpSpPr>
-          <p:grpSpPr>
-            <a:xfrm rot="18900000">
-              <a:off x="13940376" y="1978220"/>
-              <a:ext cx="2103874" cy="478970"/>
-              <a:chOff x="13403700" y="420914"/>
-              <a:chExt cx="2103874" cy="478970"/>
-            </a:xfrm>
-          </p:grpSpPr>
-          <p:sp>
-            <p:nvSpPr>
-              <p:cNvPr id="291" name="Rectangle 290">
-                <a:extLst>
-                  <a:ext uri="{FF2B5EF4-FFF2-40B4-BE49-F238E27FC236}">
-                    <a16:creationId xmlns:a16="http://schemas.microsoft.com/office/drawing/2014/main" id="{EEDD62E2-00EB-4D67-ADE1-5219094350EC}"/>
-                  </a:ext>
-                </a:extLst>
-              </p:cNvPr>
-              <p:cNvSpPr/>
-              <p:nvPr/>
-            </p:nvSpPr>
-            <p:spPr>
-              <a:xfrm>
-                <a:off x="13403700" y="420914"/>
-                <a:ext cx="899988" cy="478970"/>
-              </a:xfrm>
-              <a:prstGeom prst="rect">
-                <a:avLst/>
-              </a:prstGeom>
-              <a:ln w="19050"/>
-            </p:spPr>
-            <p:style>
-              <a:lnRef idx="2">
-                <a:schemeClr val="dk1"/>
-              </a:lnRef>
-              <a:fillRef idx="1">
-                <a:schemeClr val="lt1"/>
-              </a:fillRef>
-              <a:effectRef idx="0">
-                <a:schemeClr val="dk1"/>
-              </a:effectRef>
-              <a:fontRef idx="minor">
-                <a:schemeClr val="dk1"/>
-              </a:fontRef>
-            </p:style>
-            <p:txBody>
-              <a:bodyPr rot="0" spcFirstLastPara="0" vertOverflow="overflow" horzOverflow="overflow" vert="horz" wrap="square" lIns="0" tIns="0" rIns="0" bIns="0" numCol="1" spcCol="0" rtlCol="0" fromWordArt="0" anchor="ctr" anchorCtr="0" forceAA="0" compatLnSpc="1">
-                <a:prstTxWarp prst="textNoShape">
-                  <a:avLst/>
-                </a:prstTxWarp>
-                <a:noAutofit/>
-              </a:bodyPr>
-              <a:lstStyle/>
-              <a:p>
-                <a:pPr algn="ctr"/>
-                <a:r>
-                  <a:rPr lang="en-AU" sz="3600" dirty="0">
-                    <a:solidFill>
-                      <a:schemeClr val="accent6"/>
-                    </a:solidFill>
-                    <a:latin typeface="Consolas" panose="020B0609020204030204" pitchFamily="49" charset="0"/>
-                    <a:ea typeface="Yu Gothic" panose="020B0400000000000000" pitchFamily="34" charset="-128"/>
-                  </a:rPr>
-                  <a:t>Z-3</a:t>
-                </a:r>
-              </a:p>
-            </p:txBody>
-          </p:sp>
-          <p:sp>
-            <p:nvSpPr>
-              <p:cNvPr id="292" name="Rectangle 291">
-                <a:extLst>
-                  <a:ext uri="{FF2B5EF4-FFF2-40B4-BE49-F238E27FC236}">
-                    <a16:creationId xmlns:a16="http://schemas.microsoft.com/office/drawing/2014/main" id="{9ADCB012-5956-4F93-A351-F4C6719B206A}"/>
-                  </a:ext>
-                </a:extLst>
-              </p:cNvPr>
-              <p:cNvSpPr/>
-              <p:nvPr/>
-            </p:nvSpPr>
-            <p:spPr>
-              <a:xfrm>
-                <a:off x="14607586" y="420914"/>
-                <a:ext cx="899988" cy="478970"/>
-              </a:xfrm>
-              <a:prstGeom prst="rect">
-                <a:avLst/>
-              </a:prstGeom>
-              <a:ln w="19050"/>
-            </p:spPr>
-            <p:style>
-              <a:lnRef idx="2">
-                <a:schemeClr val="dk1"/>
-              </a:lnRef>
-              <a:fillRef idx="1">
-                <a:schemeClr val="lt1"/>
-              </a:fillRef>
-              <a:effectRef idx="0">
-                <a:schemeClr val="dk1"/>
-              </a:effectRef>
-              <a:fontRef idx="minor">
-                <a:schemeClr val="dk1"/>
-              </a:fontRef>
-            </p:style>
-            <p:txBody>
-              <a:bodyPr rot="0" spcFirstLastPara="0" vertOverflow="overflow" horzOverflow="overflow" vert="horz" wrap="square" lIns="0" tIns="0" rIns="0" bIns="0" numCol="1" spcCol="0" rtlCol="0" fromWordArt="0" anchor="ctr" anchorCtr="0" forceAA="0" compatLnSpc="1">
-                <a:prstTxWarp prst="textNoShape">
-                  <a:avLst/>
-                </a:prstTxWarp>
-                <a:noAutofit/>
-              </a:bodyPr>
-              <a:lstStyle/>
-              <a:p>
-                <a:pPr algn="ctr"/>
-                <a:r>
-                  <a:rPr lang="en-AU" sz="3600" dirty="0">
-                    <a:solidFill>
-                      <a:schemeClr val="accent6"/>
-                    </a:solidFill>
-                    <a:latin typeface="Consolas" panose="020B0609020204030204" pitchFamily="49" charset="0"/>
-                    <a:ea typeface="Yu Gothic" panose="020B0400000000000000" pitchFamily="34" charset="-128"/>
-                  </a:rPr>
-                  <a:t>Z-1</a:t>
-                </a:r>
-              </a:p>
-            </p:txBody>
-          </p:sp>
-        </p:grpSp>
-        <p:grpSp>
-          <p:nvGrpSpPr>
-            <p:cNvPr id="294" name="Group 293">
-              <a:extLst>
-                <a:ext uri="{FF2B5EF4-FFF2-40B4-BE49-F238E27FC236}">
-                  <a16:creationId xmlns:a16="http://schemas.microsoft.com/office/drawing/2014/main" id="{9E667EEB-8B22-478A-8DB7-AAC058304479}"/>
-                </a:ext>
-              </a:extLst>
-            </p:cNvPr>
-            <p:cNvGrpSpPr/>
-            <p:nvPr/>
-          </p:nvGrpSpPr>
-          <p:grpSpPr>
-            <a:xfrm rot="18900000">
-              <a:off x="15719156" y="3815563"/>
-              <a:ext cx="2103874" cy="478970"/>
-              <a:chOff x="13403700" y="420914"/>
-              <a:chExt cx="2103874" cy="478970"/>
-            </a:xfrm>
-          </p:grpSpPr>
-          <p:sp>
-            <p:nvSpPr>
-              <p:cNvPr id="295" name="Rectangle 294">
-                <a:extLst>
-                  <a:ext uri="{FF2B5EF4-FFF2-40B4-BE49-F238E27FC236}">
-                    <a16:creationId xmlns:a16="http://schemas.microsoft.com/office/drawing/2014/main" id="{841F2FF2-AF9D-4645-944D-339C00D85A61}"/>
-                  </a:ext>
-                </a:extLst>
-              </p:cNvPr>
-              <p:cNvSpPr/>
-              <p:nvPr/>
-            </p:nvSpPr>
-            <p:spPr>
-              <a:xfrm>
-                <a:off x="13403700" y="420914"/>
-                <a:ext cx="899988" cy="478970"/>
-              </a:xfrm>
-              <a:prstGeom prst="rect">
-                <a:avLst/>
-              </a:prstGeom>
-              <a:ln w="19050"/>
-            </p:spPr>
-            <p:style>
-              <a:lnRef idx="2">
-                <a:schemeClr val="dk1"/>
-              </a:lnRef>
-              <a:fillRef idx="1">
-                <a:schemeClr val="lt1"/>
-              </a:fillRef>
-              <a:effectRef idx="0">
-                <a:schemeClr val="dk1"/>
-              </a:effectRef>
-              <a:fontRef idx="minor">
-                <a:schemeClr val="dk1"/>
-              </a:fontRef>
-            </p:style>
-            <p:txBody>
-              <a:bodyPr rot="0" spcFirstLastPara="0" vertOverflow="overflow" horzOverflow="overflow" vert="horz" wrap="square" lIns="0" tIns="0" rIns="0" bIns="0" numCol="1" spcCol="0" rtlCol="0" fromWordArt="0" anchor="ctr" anchorCtr="0" forceAA="0" compatLnSpc="1">
-                <a:prstTxWarp prst="textNoShape">
-                  <a:avLst/>
-                </a:prstTxWarp>
-                <a:noAutofit/>
-              </a:bodyPr>
-              <a:lstStyle/>
-              <a:p>
-                <a:pPr algn="ctr"/>
-                <a:r>
-                  <a:rPr lang="en-AU" sz="3600" dirty="0">
-                    <a:solidFill>
-                      <a:schemeClr val="accent4"/>
-                    </a:solidFill>
-                    <a:latin typeface="Consolas" panose="020B0609020204030204" pitchFamily="49" charset="0"/>
-                    <a:ea typeface="Yu Gothic" panose="020B0400000000000000" pitchFamily="34" charset="-128"/>
-                  </a:rPr>
-                  <a:t>Z-4</a:t>
-                </a:r>
-              </a:p>
-            </p:txBody>
-          </p:sp>
-          <p:sp>
-            <p:nvSpPr>
-              <p:cNvPr id="296" name="Rectangle 295">
-                <a:extLst>
-                  <a:ext uri="{FF2B5EF4-FFF2-40B4-BE49-F238E27FC236}">
-                    <a16:creationId xmlns:a16="http://schemas.microsoft.com/office/drawing/2014/main" id="{E2A41423-1604-418E-818A-07DCE280754A}"/>
-                  </a:ext>
-                </a:extLst>
-              </p:cNvPr>
-              <p:cNvSpPr/>
-              <p:nvPr/>
-            </p:nvSpPr>
-            <p:spPr>
-              <a:xfrm>
-                <a:off x="14607586" y="420914"/>
-                <a:ext cx="899988" cy="478970"/>
-              </a:xfrm>
-              <a:prstGeom prst="rect">
-                <a:avLst/>
-              </a:prstGeom>
-              <a:ln w="19050"/>
-            </p:spPr>
-            <p:style>
-              <a:lnRef idx="2">
-                <a:schemeClr val="dk1"/>
-              </a:lnRef>
-              <a:fillRef idx="1">
-                <a:schemeClr val="lt1"/>
-              </a:fillRef>
-              <a:effectRef idx="0">
-                <a:schemeClr val="dk1"/>
-              </a:effectRef>
-              <a:fontRef idx="minor">
-                <a:schemeClr val="dk1"/>
-              </a:fontRef>
-            </p:style>
-            <p:txBody>
-              <a:bodyPr rot="0" spcFirstLastPara="0" vertOverflow="overflow" horzOverflow="overflow" vert="horz" wrap="square" lIns="0" tIns="0" rIns="0" bIns="0" numCol="1" spcCol="0" rtlCol="0" fromWordArt="0" anchor="ctr" anchorCtr="0" forceAA="0" compatLnSpc="1">
-                <a:prstTxWarp prst="textNoShape">
-                  <a:avLst/>
-                </a:prstTxWarp>
-                <a:noAutofit/>
-              </a:bodyPr>
-              <a:lstStyle/>
-              <a:p>
-                <a:pPr algn="ctr"/>
-                <a:r>
-                  <a:rPr lang="en-AU" sz="3600" dirty="0">
-                    <a:solidFill>
-                      <a:schemeClr val="accent4"/>
-                    </a:solidFill>
-                    <a:latin typeface="Consolas" panose="020B0609020204030204" pitchFamily="49" charset="0"/>
-                    <a:ea typeface="Yu Gothic" panose="020B0400000000000000" pitchFamily="34" charset="-128"/>
-                  </a:rPr>
-                  <a:t>Z-2</a:t>
-                </a:r>
-              </a:p>
-            </p:txBody>
-          </p:sp>
-        </p:grpSp>
-        <p:grpSp>
-          <p:nvGrpSpPr>
-            <p:cNvPr id="299" name="Group 298">
-              <a:extLst>
-                <a:ext uri="{FF2B5EF4-FFF2-40B4-BE49-F238E27FC236}">
-                  <a16:creationId xmlns:a16="http://schemas.microsoft.com/office/drawing/2014/main" id="{40838094-4C7D-468F-8C5E-3D3CED8BE309}"/>
-                </a:ext>
-              </a:extLst>
-            </p:cNvPr>
-            <p:cNvGrpSpPr/>
-            <p:nvPr/>
-          </p:nvGrpSpPr>
-          <p:grpSpPr>
-            <a:xfrm rot="2700000">
-              <a:off x="15748438" y="2007502"/>
-              <a:ext cx="2103874" cy="478970"/>
-              <a:chOff x="13403700" y="420914"/>
-              <a:chExt cx="2103874" cy="478970"/>
-            </a:xfrm>
-          </p:grpSpPr>
-          <p:sp>
-            <p:nvSpPr>
-              <p:cNvPr id="303" name="Rectangle 302">
-                <a:extLst>
-                  <a:ext uri="{FF2B5EF4-FFF2-40B4-BE49-F238E27FC236}">
-                    <a16:creationId xmlns:a16="http://schemas.microsoft.com/office/drawing/2014/main" id="{5215F98F-49F9-481C-A95F-29857925BDC0}"/>
-                  </a:ext>
-                </a:extLst>
-              </p:cNvPr>
-              <p:cNvSpPr/>
-              <p:nvPr/>
-            </p:nvSpPr>
-            <p:spPr>
-              <a:xfrm>
-                <a:off x="13403700" y="420914"/>
-                <a:ext cx="899988" cy="478970"/>
-              </a:xfrm>
-              <a:prstGeom prst="rect">
-                <a:avLst/>
-              </a:prstGeom>
-              <a:ln w="19050"/>
-            </p:spPr>
-            <p:style>
-              <a:lnRef idx="2">
-                <a:schemeClr val="dk1"/>
-              </a:lnRef>
-              <a:fillRef idx="1">
-                <a:schemeClr val="lt1"/>
-              </a:fillRef>
-              <a:effectRef idx="0">
-                <a:schemeClr val="dk1"/>
-              </a:effectRef>
-              <a:fontRef idx="minor">
-                <a:schemeClr val="dk1"/>
-              </a:fontRef>
-            </p:style>
-            <p:txBody>
-              <a:bodyPr rot="0" spcFirstLastPara="0" vertOverflow="overflow" horzOverflow="overflow" vert="horz" wrap="square" lIns="0" tIns="0" rIns="0" bIns="0" numCol="1" spcCol="0" rtlCol="0" fromWordArt="0" anchor="ctr" anchorCtr="0" forceAA="0" compatLnSpc="1">
-                <a:prstTxWarp prst="textNoShape">
-                  <a:avLst/>
-                </a:prstTxWarp>
-                <a:noAutofit/>
-              </a:bodyPr>
-              <a:lstStyle/>
-              <a:p>
-                <a:pPr algn="ctr"/>
-                <a:r>
-                  <a:rPr lang="en-AU" sz="3600" dirty="0">
-                    <a:solidFill>
-                      <a:schemeClr val="accent2"/>
-                    </a:solidFill>
-                    <a:latin typeface="Consolas" panose="020B0609020204030204" pitchFamily="49" charset="0"/>
-                    <a:ea typeface="Yu Gothic" panose="020B0400000000000000" pitchFamily="34" charset="-128"/>
-                  </a:rPr>
-                  <a:t>Z+1</a:t>
-                </a:r>
-              </a:p>
-            </p:txBody>
-          </p:sp>
-          <p:sp>
-            <p:nvSpPr>
-              <p:cNvPr id="304" name="Rectangle 303">
-                <a:extLst>
-                  <a:ext uri="{FF2B5EF4-FFF2-40B4-BE49-F238E27FC236}">
-                    <a16:creationId xmlns:a16="http://schemas.microsoft.com/office/drawing/2014/main" id="{D97E620E-F895-4FD6-99C6-2B4257DDA400}"/>
-                  </a:ext>
-                </a:extLst>
-              </p:cNvPr>
-              <p:cNvSpPr/>
-              <p:nvPr/>
-            </p:nvSpPr>
-            <p:spPr>
-              <a:xfrm>
-                <a:off x="14607586" y="420914"/>
-                <a:ext cx="899988" cy="478970"/>
-              </a:xfrm>
-              <a:prstGeom prst="rect">
-                <a:avLst/>
-              </a:prstGeom>
-              <a:ln w="19050"/>
-            </p:spPr>
-            <p:style>
-              <a:lnRef idx="2">
-                <a:schemeClr val="dk1"/>
-              </a:lnRef>
-              <a:fillRef idx="1">
-                <a:schemeClr val="lt1"/>
-              </a:fillRef>
-              <a:effectRef idx="0">
-                <a:schemeClr val="dk1"/>
-              </a:effectRef>
-              <a:fontRef idx="minor">
-                <a:schemeClr val="dk1"/>
-              </a:fontRef>
-            </p:style>
-            <p:txBody>
-              <a:bodyPr rot="0" spcFirstLastPara="0" vertOverflow="overflow" horzOverflow="overflow" vert="horz" wrap="square" lIns="0" tIns="0" rIns="0" bIns="0" numCol="1" spcCol="0" rtlCol="0" fromWordArt="0" anchor="ctr" anchorCtr="0" forceAA="0" compatLnSpc="1">
-                <a:prstTxWarp prst="textNoShape">
-                  <a:avLst/>
-                </a:prstTxWarp>
-                <a:noAutofit/>
-              </a:bodyPr>
-              <a:lstStyle/>
-              <a:p>
-                <a:pPr algn="ctr"/>
-                <a:r>
-                  <a:rPr lang="en-AU" sz="3600" dirty="0">
-                    <a:solidFill>
-                      <a:schemeClr val="accent2"/>
-                    </a:solidFill>
-                    <a:latin typeface="Consolas" panose="020B0609020204030204" pitchFamily="49" charset="0"/>
-                    <a:ea typeface="Yu Gothic" panose="020B0400000000000000" pitchFamily="34" charset="-128"/>
-                  </a:rPr>
-                  <a:t>Z+2</a:t>
-                </a:r>
-              </a:p>
-            </p:txBody>
-          </p:sp>
-        </p:grpSp>
-        <p:grpSp>
-          <p:nvGrpSpPr>
-            <p:cNvPr id="300" name="Group 299">
-              <a:extLst>
-                <a:ext uri="{FF2B5EF4-FFF2-40B4-BE49-F238E27FC236}">
-                  <a16:creationId xmlns:a16="http://schemas.microsoft.com/office/drawing/2014/main" id="{C39F0515-5DA9-4D51-8FFA-3EA7EB26C654}"/>
-                </a:ext>
-              </a:extLst>
-            </p:cNvPr>
-            <p:cNvGrpSpPr/>
-            <p:nvPr/>
-          </p:nvGrpSpPr>
-          <p:grpSpPr>
-            <a:xfrm rot="2700000">
-              <a:off x="13911095" y="3786282"/>
-              <a:ext cx="2103874" cy="478970"/>
-              <a:chOff x="13403700" y="420914"/>
-              <a:chExt cx="2103874" cy="478970"/>
-            </a:xfrm>
-          </p:grpSpPr>
-          <p:sp>
-            <p:nvSpPr>
-              <p:cNvPr id="301" name="Rectangle 300">
-                <a:extLst>
-                  <a:ext uri="{FF2B5EF4-FFF2-40B4-BE49-F238E27FC236}">
-                    <a16:creationId xmlns:a16="http://schemas.microsoft.com/office/drawing/2014/main" id="{3E0FCA74-3EC7-431D-8CBE-56778306B8BC}"/>
-                  </a:ext>
-                </a:extLst>
-              </p:cNvPr>
-              <p:cNvSpPr/>
-              <p:nvPr/>
-            </p:nvSpPr>
-            <p:spPr>
-              <a:xfrm>
-                <a:off x="13403700" y="420914"/>
-                <a:ext cx="899988" cy="478970"/>
-              </a:xfrm>
-              <a:prstGeom prst="rect">
-                <a:avLst/>
-              </a:prstGeom>
-              <a:ln w="19050"/>
-            </p:spPr>
-            <p:style>
-              <a:lnRef idx="2">
-                <a:schemeClr val="dk1"/>
-              </a:lnRef>
-              <a:fillRef idx="1">
-                <a:schemeClr val="lt1"/>
-              </a:fillRef>
-              <a:effectRef idx="0">
-                <a:schemeClr val="dk1"/>
-              </a:effectRef>
-              <a:fontRef idx="minor">
-                <a:schemeClr val="dk1"/>
-              </a:fontRef>
-            </p:style>
-            <p:txBody>
-              <a:bodyPr rot="0" spcFirstLastPara="0" vertOverflow="overflow" horzOverflow="overflow" vert="horz" wrap="square" lIns="0" tIns="0" rIns="0" bIns="0" numCol="1" spcCol="0" rtlCol="0" fromWordArt="0" anchor="ctr" anchorCtr="0" forceAA="0" compatLnSpc="1">
-                <a:prstTxWarp prst="textNoShape">
-                  <a:avLst/>
-                </a:prstTxWarp>
-                <a:noAutofit/>
-              </a:bodyPr>
-              <a:lstStyle/>
-              <a:p>
-                <a:pPr algn="ctr"/>
-                <a:r>
-                  <a:rPr lang="en-AU" sz="3600" dirty="0">
-                    <a:solidFill>
-                      <a:srgbClr val="7030A0"/>
-                    </a:solidFill>
-                    <a:latin typeface="Consolas" panose="020B0609020204030204" pitchFamily="49" charset="0"/>
-                    <a:ea typeface="Yu Gothic" panose="020B0400000000000000" pitchFamily="34" charset="-128"/>
-                  </a:rPr>
-                  <a:t>Z+3</a:t>
-                </a:r>
-              </a:p>
-            </p:txBody>
-          </p:sp>
-          <p:sp>
-            <p:nvSpPr>
-              <p:cNvPr id="302" name="Rectangle 301">
-                <a:extLst>
-                  <a:ext uri="{FF2B5EF4-FFF2-40B4-BE49-F238E27FC236}">
-                    <a16:creationId xmlns:a16="http://schemas.microsoft.com/office/drawing/2014/main" id="{5DA22C4E-ABAB-45A5-80D2-A815AAE3A607}"/>
-                  </a:ext>
-                </a:extLst>
-              </p:cNvPr>
-              <p:cNvSpPr/>
-              <p:nvPr/>
-            </p:nvSpPr>
-            <p:spPr>
-              <a:xfrm>
-                <a:off x="14607586" y="420914"/>
-                <a:ext cx="899988" cy="478970"/>
-              </a:xfrm>
-              <a:prstGeom prst="rect">
-                <a:avLst/>
-              </a:prstGeom>
-              <a:ln w="19050"/>
-            </p:spPr>
-            <p:style>
-              <a:lnRef idx="2">
-                <a:schemeClr val="dk1"/>
-              </a:lnRef>
-              <a:fillRef idx="1">
-                <a:schemeClr val="lt1"/>
-              </a:fillRef>
-              <a:effectRef idx="0">
-                <a:schemeClr val="dk1"/>
-              </a:effectRef>
-              <a:fontRef idx="minor">
-                <a:schemeClr val="dk1"/>
-              </a:fontRef>
-            </p:style>
-            <p:txBody>
-              <a:bodyPr rot="0" spcFirstLastPara="0" vertOverflow="overflow" horzOverflow="overflow" vert="horz" wrap="square" lIns="0" tIns="0" rIns="0" bIns="0" numCol="1" spcCol="0" rtlCol="0" fromWordArt="0" anchor="ctr" anchorCtr="0" forceAA="0" compatLnSpc="1">
-                <a:prstTxWarp prst="textNoShape">
-                  <a:avLst/>
-                </a:prstTxWarp>
-                <a:noAutofit/>
-              </a:bodyPr>
-              <a:lstStyle/>
-              <a:p>
-                <a:pPr algn="ctr"/>
-                <a:r>
-                  <a:rPr lang="en-AU" sz="3600" dirty="0">
-                    <a:solidFill>
-                      <a:srgbClr val="7030A0"/>
-                    </a:solidFill>
-                    <a:latin typeface="Consolas" panose="020B0609020204030204" pitchFamily="49" charset="0"/>
-                    <a:ea typeface="Yu Gothic" panose="020B0400000000000000" pitchFamily="34" charset="-128"/>
-                  </a:rPr>
-                  <a:t>Z+4</a:t>
-                </a:r>
-              </a:p>
-            </p:txBody>
-          </p:sp>
-        </p:grpSp>
-      </p:grpSp>
-    </p:spTree>
-    <p:extLst>
-      <p:ext uri="{BB962C8B-B14F-4D97-AF65-F5344CB8AC3E}">
-        <p14:creationId xmlns:p14="http://schemas.microsoft.com/office/powerpoint/2010/main" val="23005190"/>
-      </p:ext>
-    </p:extLst>
-  </p:cSld>
-  <p:clrMapOvr>
-    <a:masterClrMapping/>
-  </p:clrMapOvr>
-</p:sld>
-</file>
-
 <file path=ppt/theme/theme1.xml><?xml version="1.0" encoding="utf-8"?>
 <a:theme xmlns:a="http://schemas.openxmlformats.org/drawingml/2006/main" name="Office Theme">
   <a:themeElements>

--- a/Report/FuncDecomp.pptx
+++ b/Report/FuncDecomp.pptx
@@ -22412,946 +22412,969 @@
           <a:chExt cx="0" cy="0"/>
         </a:xfrm>
       </p:grpSpPr>
-      <p:sp>
-        <p:nvSpPr>
-          <p:cNvPr id="4" name="Flowchart: Process 3">
+      <p:grpSp>
+        <p:nvGrpSpPr>
+          <p:cNvPr id="53" name="Group 52">
             <a:extLst>
               <a:ext uri="{FF2B5EF4-FFF2-40B4-BE49-F238E27FC236}">
-                <a16:creationId xmlns:a16="http://schemas.microsoft.com/office/drawing/2014/main" id="{D6766ACB-BF70-4AF6-8C01-7AC947309FD9}"/>
+                <a16:creationId xmlns:a16="http://schemas.microsoft.com/office/drawing/2014/main" id="{E358FC0B-21EC-4E01-90C8-910968286FB1}"/>
               </a:ext>
             </a:extLst>
           </p:cNvPr>
-          <p:cNvSpPr/>
+          <p:cNvGrpSpPr/>
           <p:nvPr/>
-        </p:nvSpPr>
-        <p:spPr>
+        </p:nvGrpSpPr>
+        <p:grpSpPr>
           <a:xfrm>
-            <a:off x="1975518" y="2081397"/>
-            <a:ext cx="1298346" cy="612648"/>
+            <a:off x="-753790" y="2018389"/>
+            <a:ext cx="9155156" cy="1572854"/>
+            <a:chOff x="-753790" y="2018389"/>
+            <a:chExt cx="9155156" cy="1572854"/>
           </a:xfrm>
-          <a:prstGeom prst="flowChartProcess">
-            <a:avLst/>
-          </a:prstGeom>
-          <a:ln w="28575"/>
-        </p:spPr>
-        <p:style>
-          <a:lnRef idx="2">
-            <a:schemeClr val="dk1"/>
-          </a:lnRef>
-          <a:fillRef idx="1">
-            <a:schemeClr val="lt1"/>
-          </a:fillRef>
-          <a:effectRef idx="0">
-            <a:schemeClr val="dk1"/>
-          </a:effectRef>
-          <a:fontRef idx="minor">
-            <a:schemeClr val="dk1"/>
-          </a:fontRef>
-        </p:style>
-        <p:txBody>
-          <a:bodyPr rtlCol="0" anchor="ctr"/>
-          <a:lstStyle/>
-          <a:p>
-            <a:pPr algn="ctr"/>
-            <a:r>
-              <a:rPr lang="en-AU" sz="1400" dirty="0">
+        </p:grpSpPr>
+        <p:sp>
+          <p:nvSpPr>
+            <p:cNvPr id="4" name="Flowchart: Process 3">
+              <a:extLst>
+                <a:ext uri="{FF2B5EF4-FFF2-40B4-BE49-F238E27FC236}">
+                  <a16:creationId xmlns:a16="http://schemas.microsoft.com/office/drawing/2014/main" id="{D6766ACB-BF70-4AF6-8C01-7AC947309FD9}"/>
+                </a:ext>
+              </a:extLst>
+            </p:cNvPr>
+            <p:cNvSpPr/>
+            <p:nvPr/>
+          </p:nvSpPr>
+          <p:spPr>
+            <a:xfrm>
+              <a:off x="1975518" y="2081397"/>
+              <a:ext cx="1298346" cy="612648"/>
+            </a:xfrm>
+            <a:prstGeom prst="flowChartProcess">
+              <a:avLst/>
+            </a:prstGeom>
+            <a:ln w="28575"/>
+          </p:spPr>
+          <p:style>
+            <a:lnRef idx="2">
+              <a:schemeClr val="dk1"/>
+            </a:lnRef>
+            <a:fillRef idx="1">
+              <a:schemeClr val="lt1"/>
+            </a:fillRef>
+            <a:effectRef idx="0">
+              <a:schemeClr val="dk1"/>
+            </a:effectRef>
+            <a:fontRef idx="minor">
+              <a:schemeClr val="dk1"/>
+            </a:fontRef>
+          </p:style>
+          <p:txBody>
+            <a:bodyPr rtlCol="0" anchor="ctr"/>
+            <a:lstStyle/>
+            <a:p>
+              <a:pPr algn="ctr"/>
+              <a:r>
+                <a:rPr lang="en-AU" sz="1400" dirty="0">
+                  <a:solidFill>
+                    <a:schemeClr val="accent2"/>
+                  </a:solidFill>
+                  <a:latin typeface="Consolas" panose="020B0609020204030204" pitchFamily="49" charset="0"/>
+                </a:rPr>
+                <a:t>Controller</a:t>
+              </a:r>
+            </a:p>
+          </p:txBody>
+        </p:sp>
+        <p:sp>
+          <p:nvSpPr>
+            <p:cNvPr id="5" name="Flowchart: Process 4">
+              <a:extLst>
+                <a:ext uri="{FF2B5EF4-FFF2-40B4-BE49-F238E27FC236}">
+                  <a16:creationId xmlns:a16="http://schemas.microsoft.com/office/drawing/2014/main" id="{009EA9DD-8085-49AF-975E-86659B72F17B}"/>
+                </a:ext>
+              </a:extLst>
+            </p:cNvPr>
+            <p:cNvSpPr/>
+            <p:nvPr/>
+          </p:nvSpPr>
+          <p:spPr>
+            <a:xfrm>
+              <a:off x="3594873" y="2081397"/>
+              <a:ext cx="1298346" cy="612648"/>
+            </a:xfrm>
+            <a:prstGeom prst="flowChartProcess">
+              <a:avLst/>
+            </a:prstGeom>
+            <a:ln w="28575"/>
+          </p:spPr>
+          <p:style>
+            <a:lnRef idx="2">
+              <a:schemeClr val="dk1"/>
+            </a:lnRef>
+            <a:fillRef idx="1">
+              <a:schemeClr val="lt1"/>
+            </a:fillRef>
+            <a:effectRef idx="0">
+              <a:schemeClr val="dk1"/>
+            </a:effectRef>
+            <a:fontRef idx="minor">
+              <a:schemeClr val="dk1"/>
+            </a:fontRef>
+          </p:style>
+          <p:txBody>
+            <a:bodyPr rtlCol="0" anchor="ctr"/>
+            <a:lstStyle/>
+            <a:p>
+              <a:pPr algn="ctr"/>
+              <a:r>
+                <a:rPr lang="en-AU" sz="1400" dirty="0">
+                  <a:solidFill>
+                    <a:schemeClr val="accent2"/>
+                  </a:solidFill>
+                  <a:latin typeface="Consolas" panose="020B0609020204030204" pitchFamily="49" charset="0"/>
+                </a:rPr>
+                <a:t>Actuator</a:t>
+              </a:r>
+            </a:p>
+          </p:txBody>
+        </p:sp>
+        <p:sp>
+          <p:nvSpPr>
+            <p:cNvPr id="6" name="Flowchart: Process 5">
+              <a:extLst>
+                <a:ext uri="{FF2B5EF4-FFF2-40B4-BE49-F238E27FC236}">
+                  <a16:creationId xmlns:a16="http://schemas.microsoft.com/office/drawing/2014/main" id="{BAA8F988-C85B-43C3-ACA5-D7E65EFD336A}"/>
+                </a:ext>
+              </a:extLst>
+            </p:cNvPr>
+            <p:cNvSpPr/>
+            <p:nvPr/>
+          </p:nvSpPr>
+          <p:spPr>
+            <a:xfrm>
+              <a:off x="5214228" y="2081397"/>
+              <a:ext cx="1298346" cy="612648"/>
+            </a:xfrm>
+            <a:prstGeom prst="flowChartProcess">
+              <a:avLst/>
+            </a:prstGeom>
+            <a:ln w="28575"/>
+          </p:spPr>
+          <p:style>
+            <a:lnRef idx="2">
+              <a:schemeClr val="dk1"/>
+            </a:lnRef>
+            <a:fillRef idx="1">
+              <a:schemeClr val="lt1"/>
+            </a:fillRef>
+            <a:effectRef idx="0">
+              <a:schemeClr val="dk1"/>
+            </a:effectRef>
+            <a:fontRef idx="minor">
+              <a:schemeClr val="dk1"/>
+            </a:fontRef>
+          </p:style>
+          <p:txBody>
+            <a:bodyPr rtlCol="0" anchor="ctr"/>
+            <a:lstStyle/>
+            <a:p>
+              <a:pPr algn="ctr"/>
+              <a:r>
+                <a:rPr lang="en-AU" sz="1400" dirty="0">
+                  <a:solidFill>
+                    <a:schemeClr val="accent2"/>
+                  </a:solidFill>
+                  <a:latin typeface="Consolas" panose="020B0609020204030204" pitchFamily="49" charset="0"/>
+                </a:rPr>
+                <a:t>Process</a:t>
+              </a:r>
+            </a:p>
+          </p:txBody>
+        </p:sp>
+        <p:sp>
+          <p:nvSpPr>
+            <p:cNvPr id="10" name="Flowchart: Process 9">
+              <a:extLst>
+                <a:ext uri="{FF2B5EF4-FFF2-40B4-BE49-F238E27FC236}">
+                  <a16:creationId xmlns:a16="http://schemas.microsoft.com/office/drawing/2014/main" id="{F344FA57-FBEE-45CD-92F7-7F18CE888DA1}"/>
+                </a:ext>
+              </a:extLst>
+            </p:cNvPr>
+            <p:cNvSpPr/>
+            <p:nvPr/>
+          </p:nvSpPr>
+          <p:spPr>
+            <a:xfrm>
+              <a:off x="3594873" y="2978595"/>
+              <a:ext cx="1298346" cy="612648"/>
+            </a:xfrm>
+            <a:prstGeom prst="flowChartProcess">
+              <a:avLst/>
+            </a:prstGeom>
+            <a:ln w="28575"/>
+          </p:spPr>
+          <p:style>
+            <a:lnRef idx="2">
+              <a:schemeClr val="dk1"/>
+            </a:lnRef>
+            <a:fillRef idx="1">
+              <a:schemeClr val="lt1"/>
+            </a:fillRef>
+            <a:effectRef idx="0">
+              <a:schemeClr val="dk1"/>
+            </a:effectRef>
+            <a:fontRef idx="minor">
+              <a:schemeClr val="dk1"/>
+            </a:fontRef>
+          </p:style>
+          <p:txBody>
+            <a:bodyPr rtlCol="0" anchor="ctr"/>
+            <a:lstStyle/>
+            <a:p>
+              <a:pPr algn="ctr"/>
+              <a:r>
+                <a:rPr lang="en-AU" sz="1400" dirty="0">
+                  <a:solidFill>
+                    <a:schemeClr val="accent2"/>
+                  </a:solidFill>
+                  <a:latin typeface="Consolas" panose="020B0609020204030204" pitchFamily="49" charset="0"/>
+                </a:rPr>
+                <a:t>Sensor</a:t>
+              </a:r>
+            </a:p>
+          </p:txBody>
+        </p:sp>
+        <p:cxnSp>
+          <p:nvCxnSpPr>
+            <p:cNvPr id="14" name="Straight Arrow Connector 13">
+              <a:extLst>
+                <a:ext uri="{FF2B5EF4-FFF2-40B4-BE49-F238E27FC236}">
+                  <a16:creationId xmlns:a16="http://schemas.microsoft.com/office/drawing/2014/main" id="{AB8B9EF8-C7E6-4AAF-8412-6EE8E91C033F}"/>
+                </a:ext>
+              </a:extLst>
+            </p:cNvPr>
+            <p:cNvCxnSpPr>
+              <a:cxnSpLocks/>
+              <a:stCxn id="29" idx="3"/>
+              <a:endCxn id="26" idx="2"/>
+            </p:cNvCxnSpPr>
+            <p:nvPr/>
+          </p:nvCxnSpPr>
+          <p:spPr>
+            <a:xfrm>
+              <a:off x="210920" y="2387721"/>
+              <a:ext cx="499088" cy="0"/>
+            </a:xfrm>
+            <a:prstGeom prst="straightConnector1">
+              <a:avLst/>
+            </a:prstGeom>
+            <a:ln w="28575">
+              <a:solidFill>
+                <a:schemeClr val="accent2"/>
+              </a:solidFill>
+              <a:tailEnd type="triangle"/>
+            </a:ln>
+          </p:spPr>
+          <p:style>
+            <a:lnRef idx="1">
+              <a:schemeClr val="accent1"/>
+            </a:lnRef>
+            <a:fillRef idx="0">
+              <a:schemeClr val="accent1"/>
+            </a:fillRef>
+            <a:effectRef idx="0">
+              <a:schemeClr val="accent1"/>
+            </a:effectRef>
+            <a:fontRef idx="minor">
+              <a:schemeClr val="tx1"/>
+            </a:fontRef>
+          </p:style>
+        </p:cxnSp>
+        <p:cxnSp>
+          <p:nvCxnSpPr>
+            <p:cNvPr id="16" name="Straight Arrow Connector 15">
+              <a:extLst>
+                <a:ext uri="{FF2B5EF4-FFF2-40B4-BE49-F238E27FC236}">
+                  <a16:creationId xmlns:a16="http://schemas.microsoft.com/office/drawing/2014/main" id="{6D14FEDD-DB0D-495B-9FDE-962514C91838}"/>
+                </a:ext>
+              </a:extLst>
+            </p:cNvPr>
+            <p:cNvCxnSpPr>
+              <a:stCxn id="4" idx="3"/>
+              <a:endCxn id="5" idx="1"/>
+            </p:cNvCxnSpPr>
+            <p:nvPr/>
+          </p:nvCxnSpPr>
+          <p:spPr>
+            <a:xfrm>
+              <a:off x="3273864" y="2387721"/>
+              <a:ext cx="321009" cy="0"/>
+            </a:xfrm>
+            <a:prstGeom prst="straightConnector1">
+              <a:avLst/>
+            </a:prstGeom>
+            <a:ln w="28575">
+              <a:solidFill>
+                <a:schemeClr val="accent2"/>
+              </a:solidFill>
+              <a:tailEnd type="triangle"/>
+            </a:ln>
+          </p:spPr>
+          <p:style>
+            <a:lnRef idx="1">
+              <a:schemeClr val="accent1"/>
+            </a:lnRef>
+            <a:fillRef idx="0">
+              <a:schemeClr val="accent1"/>
+            </a:fillRef>
+            <a:effectRef idx="0">
+              <a:schemeClr val="accent1"/>
+            </a:effectRef>
+            <a:fontRef idx="minor">
+              <a:schemeClr val="tx1"/>
+            </a:fontRef>
+          </p:style>
+        </p:cxnSp>
+        <p:cxnSp>
+          <p:nvCxnSpPr>
+            <p:cNvPr id="18" name="Straight Arrow Connector 17">
+              <a:extLst>
+                <a:ext uri="{FF2B5EF4-FFF2-40B4-BE49-F238E27FC236}">
+                  <a16:creationId xmlns:a16="http://schemas.microsoft.com/office/drawing/2014/main" id="{A32AB98E-D5DC-4C71-A4A5-B839D6A60A8F}"/>
+                </a:ext>
+              </a:extLst>
+            </p:cNvPr>
+            <p:cNvCxnSpPr>
+              <a:stCxn id="5" idx="3"/>
+              <a:endCxn id="6" idx="1"/>
+            </p:cNvCxnSpPr>
+            <p:nvPr/>
+          </p:nvCxnSpPr>
+          <p:spPr>
+            <a:xfrm>
+              <a:off x="4893219" y="2387721"/>
+              <a:ext cx="321009" cy="0"/>
+            </a:xfrm>
+            <a:prstGeom prst="straightConnector1">
+              <a:avLst/>
+            </a:prstGeom>
+            <a:ln w="28575">
+              <a:solidFill>
+                <a:schemeClr val="accent2"/>
+              </a:solidFill>
+              <a:tailEnd type="triangle"/>
+            </a:ln>
+          </p:spPr>
+          <p:style>
+            <a:lnRef idx="1">
+              <a:schemeClr val="accent1"/>
+            </a:lnRef>
+            <a:fillRef idx="0">
+              <a:schemeClr val="accent1"/>
+            </a:fillRef>
+            <a:effectRef idx="0">
+              <a:schemeClr val="accent1"/>
+            </a:effectRef>
+            <a:fontRef idx="minor">
+              <a:schemeClr val="tx1"/>
+            </a:fontRef>
+          </p:style>
+        </p:cxnSp>
+        <p:cxnSp>
+          <p:nvCxnSpPr>
+            <p:cNvPr id="20" name="Straight Arrow Connector 19">
+              <a:extLst>
+                <a:ext uri="{FF2B5EF4-FFF2-40B4-BE49-F238E27FC236}">
+                  <a16:creationId xmlns:a16="http://schemas.microsoft.com/office/drawing/2014/main" id="{7E48FF00-5D15-4D56-AF61-BF86783E4787}"/>
+                </a:ext>
+              </a:extLst>
+            </p:cNvPr>
+            <p:cNvCxnSpPr>
+              <a:cxnSpLocks/>
+              <a:stCxn id="6" idx="3"/>
+              <a:endCxn id="46" idx="1"/>
+            </p:cNvCxnSpPr>
+            <p:nvPr/>
+          </p:nvCxnSpPr>
+          <p:spPr>
+            <a:xfrm>
+              <a:off x="6512574" y="2387721"/>
+              <a:ext cx="1089744" cy="0"/>
+            </a:xfrm>
+            <a:prstGeom prst="straightConnector1">
+              <a:avLst/>
+            </a:prstGeom>
+            <a:ln w="28575">
+              <a:solidFill>
+                <a:schemeClr val="accent2"/>
+              </a:solidFill>
+              <a:tailEnd type="triangle"/>
+            </a:ln>
+          </p:spPr>
+          <p:style>
+            <a:lnRef idx="1">
+              <a:schemeClr val="accent1"/>
+            </a:lnRef>
+            <a:fillRef idx="0">
+              <a:schemeClr val="accent1"/>
+            </a:fillRef>
+            <a:effectRef idx="0">
+              <a:schemeClr val="accent1"/>
+            </a:effectRef>
+            <a:fontRef idx="minor">
+              <a:schemeClr val="tx1"/>
+            </a:fontRef>
+          </p:style>
+        </p:cxnSp>
+        <p:cxnSp>
+          <p:nvCxnSpPr>
+            <p:cNvPr id="22" name="Connector: Elbow 21">
+              <a:extLst>
+                <a:ext uri="{FF2B5EF4-FFF2-40B4-BE49-F238E27FC236}">
+                  <a16:creationId xmlns:a16="http://schemas.microsoft.com/office/drawing/2014/main" id="{DD0E0DA6-D188-4869-AAC2-09A770E684F9}"/>
+                </a:ext>
+              </a:extLst>
+            </p:cNvPr>
+            <p:cNvCxnSpPr>
+              <a:cxnSpLocks/>
+              <a:stCxn id="43" idx="4"/>
+              <a:endCxn id="10" idx="3"/>
+            </p:cNvCxnSpPr>
+            <p:nvPr/>
+          </p:nvCxnSpPr>
+          <p:spPr>
+            <a:xfrm rot="5400000">
+              <a:off x="5539575" y="1767048"/>
+              <a:ext cx="871516" cy="2164227"/>
+            </a:xfrm>
+            <a:prstGeom prst="bentConnector2">
+              <a:avLst/>
+            </a:prstGeom>
+            <a:ln w="28575">
+              <a:solidFill>
+                <a:schemeClr val="accent2"/>
+              </a:solidFill>
+              <a:tailEnd type="triangle"/>
+            </a:ln>
+          </p:spPr>
+          <p:style>
+            <a:lnRef idx="1">
+              <a:schemeClr val="accent1"/>
+            </a:lnRef>
+            <a:fillRef idx="0">
+              <a:schemeClr val="accent1"/>
+            </a:fillRef>
+            <a:effectRef idx="0">
+              <a:schemeClr val="accent1"/>
+            </a:effectRef>
+            <a:fontRef idx="minor">
+              <a:schemeClr val="tx1"/>
+            </a:fontRef>
+          </p:style>
+        </p:cxnSp>
+        <p:cxnSp>
+          <p:nvCxnSpPr>
+            <p:cNvPr id="24" name="Connector: Elbow 23">
+              <a:extLst>
+                <a:ext uri="{FF2B5EF4-FFF2-40B4-BE49-F238E27FC236}">
+                  <a16:creationId xmlns:a16="http://schemas.microsoft.com/office/drawing/2014/main" id="{7E5E28DE-A651-423A-B991-5549809271C2}"/>
+                </a:ext>
+              </a:extLst>
+            </p:cNvPr>
+            <p:cNvCxnSpPr>
+              <a:cxnSpLocks/>
+              <a:stCxn id="10" idx="1"/>
+              <a:endCxn id="26" idx="4"/>
+            </p:cNvCxnSpPr>
+            <p:nvPr/>
+          </p:nvCxnSpPr>
+          <p:spPr>
+            <a:xfrm rot="10800000">
+              <a:off x="1005337" y="2683049"/>
+              <a:ext cx="2589537" cy="601870"/>
+            </a:xfrm>
+            <a:prstGeom prst="bentConnector2">
+              <a:avLst/>
+            </a:prstGeom>
+            <a:ln w="28575">
+              <a:solidFill>
+                <a:schemeClr val="accent2"/>
+              </a:solidFill>
+              <a:tailEnd type="triangle"/>
+            </a:ln>
+          </p:spPr>
+          <p:style>
+            <a:lnRef idx="1">
+              <a:schemeClr val="accent1"/>
+            </a:lnRef>
+            <a:fillRef idx="0">
+              <a:schemeClr val="accent1"/>
+            </a:fillRef>
+            <a:effectRef idx="0">
+              <a:schemeClr val="accent1"/>
+            </a:effectRef>
+            <a:fontRef idx="minor">
+              <a:schemeClr val="tx1"/>
+            </a:fontRef>
+          </p:style>
+        </p:cxnSp>
+        <p:sp>
+          <p:nvSpPr>
+            <p:cNvPr id="26" name="Flowchart: Summing Junction 25">
+              <a:extLst>
+                <a:ext uri="{FF2B5EF4-FFF2-40B4-BE49-F238E27FC236}">
+                  <a16:creationId xmlns:a16="http://schemas.microsoft.com/office/drawing/2014/main" id="{73E78C92-3B20-49C5-99C7-0F7562BF02D1}"/>
+                </a:ext>
+              </a:extLst>
+            </p:cNvPr>
+            <p:cNvSpPr/>
+            <p:nvPr/>
+          </p:nvSpPr>
+          <p:spPr>
+            <a:xfrm>
+              <a:off x="710008" y="2092393"/>
+              <a:ext cx="590656" cy="590656"/>
+            </a:xfrm>
+            <a:prstGeom prst="flowChartSummingJunction">
+              <a:avLst/>
+            </a:prstGeom>
+          </p:spPr>
+          <p:style>
+            <a:lnRef idx="2">
+              <a:schemeClr val="dk1"/>
+            </a:lnRef>
+            <a:fillRef idx="1">
+              <a:schemeClr val="lt1"/>
+            </a:fillRef>
+            <a:effectRef idx="0">
+              <a:schemeClr val="dk1"/>
+            </a:effectRef>
+            <a:fontRef idx="minor">
+              <a:schemeClr val="dk1"/>
+            </a:fontRef>
+          </p:style>
+          <p:txBody>
+            <a:bodyPr rtlCol="0" anchor="ctr"/>
+            <a:lstStyle/>
+            <a:p>
+              <a:pPr algn="ctr"/>
+              <a:endParaRPr lang="en-AU" sz="1400">
                 <a:solidFill>
                   <a:schemeClr val="accent2"/>
                 </a:solidFill>
                 <a:latin typeface="Consolas" panose="020B0609020204030204" pitchFamily="49" charset="0"/>
-              </a:rPr>
-              <a:t>Controller</a:t>
-            </a:r>
-          </a:p>
-        </p:txBody>
-      </p:sp>
-      <p:sp>
-        <p:nvSpPr>
-          <p:cNvPr id="5" name="Flowchart: Process 4">
-            <a:extLst>
-              <a:ext uri="{FF2B5EF4-FFF2-40B4-BE49-F238E27FC236}">
-                <a16:creationId xmlns:a16="http://schemas.microsoft.com/office/drawing/2014/main" id="{009EA9DD-8085-49AF-975E-86659B72F17B}"/>
-              </a:ext>
-            </a:extLst>
-          </p:cNvPr>
-          <p:cNvSpPr/>
-          <p:nvPr/>
-        </p:nvSpPr>
-        <p:spPr>
-          <a:xfrm>
-            <a:off x="3594873" y="2081397"/>
-            <a:ext cx="1298346" cy="612648"/>
-          </a:xfrm>
-          <a:prstGeom prst="flowChartProcess">
-            <a:avLst/>
-          </a:prstGeom>
-          <a:ln w="28575"/>
-        </p:spPr>
-        <p:style>
-          <a:lnRef idx="2">
-            <a:schemeClr val="dk1"/>
-          </a:lnRef>
-          <a:fillRef idx="1">
-            <a:schemeClr val="lt1"/>
-          </a:fillRef>
-          <a:effectRef idx="0">
-            <a:schemeClr val="dk1"/>
-          </a:effectRef>
-          <a:fontRef idx="minor">
-            <a:schemeClr val="dk1"/>
-          </a:fontRef>
-        </p:style>
-        <p:txBody>
-          <a:bodyPr rtlCol="0" anchor="ctr"/>
-          <a:lstStyle/>
-          <a:p>
-            <a:pPr algn="ctr"/>
-            <a:r>
-              <a:rPr lang="en-AU" sz="1400" dirty="0">
+              </a:endParaRPr>
+            </a:p>
+          </p:txBody>
+        </p:sp>
+        <p:sp>
+          <p:nvSpPr>
+            <p:cNvPr id="29" name="Flowchart: Process 28">
+              <a:extLst>
+                <a:ext uri="{FF2B5EF4-FFF2-40B4-BE49-F238E27FC236}">
+                  <a16:creationId xmlns:a16="http://schemas.microsoft.com/office/drawing/2014/main" id="{1A91990F-3DC4-44AB-AF9F-7D34977F7442}"/>
+                </a:ext>
+              </a:extLst>
+            </p:cNvPr>
+            <p:cNvSpPr/>
+            <p:nvPr/>
+          </p:nvSpPr>
+          <p:spPr>
+            <a:xfrm>
+              <a:off x="-753790" y="2081397"/>
+              <a:ext cx="964710" cy="612648"/>
+            </a:xfrm>
+            <a:prstGeom prst="flowChartProcess">
+              <a:avLst/>
+            </a:prstGeom>
+            <a:noFill/>
+            <a:ln w="28575">
+              <a:noFill/>
+            </a:ln>
+          </p:spPr>
+          <p:style>
+            <a:lnRef idx="2">
+              <a:schemeClr val="dk1"/>
+            </a:lnRef>
+            <a:fillRef idx="1">
+              <a:schemeClr val="lt1"/>
+            </a:fillRef>
+            <a:effectRef idx="0">
+              <a:schemeClr val="dk1"/>
+            </a:effectRef>
+            <a:fontRef idx="minor">
+              <a:schemeClr val="dk1"/>
+            </a:fontRef>
+          </p:style>
+          <p:txBody>
+            <a:bodyPr rtlCol="0" anchor="ctr"/>
+            <a:lstStyle/>
+            <a:p>
+              <a:pPr algn="r"/>
+              <a:r>
+                <a:rPr lang="en-AU" sz="1400" dirty="0">
+                  <a:solidFill>
+                    <a:schemeClr val="accent2"/>
+                  </a:solidFill>
+                  <a:latin typeface="Consolas" panose="020B0609020204030204" pitchFamily="49" charset="0"/>
+                </a:rPr>
+                <a:t>Desired Output</a:t>
+              </a:r>
+            </a:p>
+          </p:txBody>
+        </p:sp>
+        <p:cxnSp>
+          <p:nvCxnSpPr>
+            <p:cNvPr id="32" name="Straight Arrow Connector 31">
+              <a:extLst>
+                <a:ext uri="{FF2B5EF4-FFF2-40B4-BE49-F238E27FC236}">
+                  <a16:creationId xmlns:a16="http://schemas.microsoft.com/office/drawing/2014/main" id="{7D51A0BD-78BD-4F90-B582-50914A7B31F4}"/>
+                </a:ext>
+              </a:extLst>
+            </p:cNvPr>
+            <p:cNvCxnSpPr>
+              <a:cxnSpLocks/>
+            </p:cNvCxnSpPr>
+            <p:nvPr/>
+          </p:nvCxnSpPr>
+          <p:spPr>
+            <a:xfrm>
+              <a:off x="1300664" y="2387721"/>
+              <a:ext cx="674854" cy="0"/>
+            </a:xfrm>
+            <a:prstGeom prst="straightConnector1">
+              <a:avLst/>
+            </a:prstGeom>
+            <a:ln w="28575">
+              <a:solidFill>
+                <a:schemeClr val="accent2"/>
+              </a:solidFill>
+              <a:tailEnd type="triangle"/>
+            </a:ln>
+          </p:spPr>
+          <p:style>
+            <a:lnRef idx="1">
+              <a:schemeClr val="accent1"/>
+            </a:lnRef>
+            <a:fillRef idx="0">
+              <a:schemeClr val="accent1"/>
+            </a:fillRef>
+            <a:effectRef idx="0">
+              <a:schemeClr val="accent1"/>
+            </a:effectRef>
+            <a:fontRef idx="minor">
+              <a:schemeClr val="tx1"/>
+            </a:fontRef>
+          </p:style>
+        </p:cxnSp>
+        <p:sp>
+          <p:nvSpPr>
+            <p:cNvPr id="35" name="TextBox 34">
+              <a:extLst>
+                <a:ext uri="{FF2B5EF4-FFF2-40B4-BE49-F238E27FC236}">
+                  <a16:creationId xmlns:a16="http://schemas.microsoft.com/office/drawing/2014/main" id="{024F08AA-E871-40BD-BBEF-61F71A47D7D6}"/>
+                </a:ext>
+              </a:extLst>
+            </p:cNvPr>
+            <p:cNvSpPr txBox="1"/>
+            <p:nvPr/>
+          </p:nvSpPr>
+          <p:spPr>
+            <a:xfrm>
+              <a:off x="720471" y="2572387"/>
+              <a:ext cx="284052" cy="307777"/>
+            </a:xfrm>
+            <a:prstGeom prst="rect">
+              <a:avLst/>
+            </a:prstGeom>
+            <a:noFill/>
+          </p:spPr>
+          <p:txBody>
+            <a:bodyPr wrap="none" rtlCol="0">
+              <a:spAutoFit/>
+            </a:bodyPr>
+            <a:lstStyle/>
+            <a:p>
+              <a:r>
+                <a:rPr lang="en-AU" sz="1400" dirty="0">
+                  <a:solidFill>
+                    <a:schemeClr val="accent2"/>
+                  </a:solidFill>
+                  <a:latin typeface="Consolas" panose="020B0609020204030204" pitchFamily="49" charset="0"/>
+                </a:rPr>
+                <a:t>-</a:t>
+              </a:r>
+            </a:p>
+          </p:txBody>
+        </p:sp>
+        <p:sp>
+          <p:nvSpPr>
+            <p:cNvPr id="36" name="TextBox 35">
+              <a:extLst>
+                <a:ext uri="{FF2B5EF4-FFF2-40B4-BE49-F238E27FC236}">
+                  <a16:creationId xmlns:a16="http://schemas.microsoft.com/office/drawing/2014/main" id="{E48731F6-EAA7-41E8-AEF8-975B0BD49441}"/>
+                </a:ext>
+              </a:extLst>
+            </p:cNvPr>
+            <p:cNvSpPr txBox="1"/>
+            <p:nvPr/>
+          </p:nvSpPr>
+          <p:spPr>
+            <a:xfrm>
+              <a:off x="420389" y="2018389"/>
+              <a:ext cx="284052" cy="307777"/>
+            </a:xfrm>
+            <a:prstGeom prst="rect">
+              <a:avLst/>
+            </a:prstGeom>
+            <a:noFill/>
+          </p:spPr>
+          <p:txBody>
+            <a:bodyPr wrap="none" rtlCol="0">
+              <a:spAutoFit/>
+            </a:bodyPr>
+            <a:lstStyle/>
+            <a:p>
+              <a:r>
+                <a:rPr lang="en-AU" sz="1400" dirty="0">
+                  <a:solidFill>
+                    <a:schemeClr val="accent2"/>
+                  </a:solidFill>
+                  <a:latin typeface="Consolas" panose="020B0609020204030204" pitchFamily="49" charset="0"/>
+                </a:rPr>
+                <a:t>+</a:t>
+              </a:r>
+            </a:p>
+          </p:txBody>
+        </p:sp>
+        <p:sp>
+          <p:nvSpPr>
+            <p:cNvPr id="37" name="TextBox 36">
+              <a:extLst>
+                <a:ext uri="{FF2B5EF4-FFF2-40B4-BE49-F238E27FC236}">
+                  <a16:creationId xmlns:a16="http://schemas.microsoft.com/office/drawing/2014/main" id="{49E470AC-8620-4E0A-9BB5-A4A74CD96637}"/>
+                </a:ext>
+              </a:extLst>
+            </p:cNvPr>
+            <p:cNvSpPr txBox="1"/>
+            <p:nvPr/>
+          </p:nvSpPr>
+          <p:spPr>
+            <a:xfrm>
+              <a:off x="1267652" y="2092393"/>
+              <a:ext cx="681597" cy="307777"/>
+            </a:xfrm>
+            <a:prstGeom prst="rect">
+              <a:avLst/>
+            </a:prstGeom>
+            <a:noFill/>
+          </p:spPr>
+          <p:txBody>
+            <a:bodyPr wrap="none" rtlCol="0">
+              <a:spAutoFit/>
+            </a:bodyPr>
+            <a:lstStyle/>
+            <a:p>
+              <a:r>
+                <a:rPr lang="en-AU" sz="1400" dirty="0">
+                  <a:solidFill>
+                    <a:schemeClr val="accent2"/>
+                  </a:solidFill>
+                  <a:latin typeface="Consolas" panose="020B0609020204030204" pitchFamily="49" charset="0"/>
+                </a:rPr>
+                <a:t>Error</a:t>
+              </a:r>
+            </a:p>
+          </p:txBody>
+        </p:sp>
+        <p:sp>
+          <p:nvSpPr>
+            <p:cNvPr id="39" name="TextBox 38">
+              <a:extLst>
+                <a:ext uri="{FF2B5EF4-FFF2-40B4-BE49-F238E27FC236}">
+                  <a16:creationId xmlns:a16="http://schemas.microsoft.com/office/drawing/2014/main" id="{38DF00EC-FDE6-4E17-9FCD-FE1546C6122D}"/>
+                </a:ext>
+              </a:extLst>
+            </p:cNvPr>
+            <p:cNvSpPr txBox="1"/>
+            <p:nvPr/>
+          </p:nvSpPr>
+          <p:spPr>
+            <a:xfrm>
+              <a:off x="1309719" y="2976416"/>
+              <a:ext cx="1973617" cy="307777"/>
+            </a:xfrm>
+            <a:prstGeom prst="rect">
+              <a:avLst/>
+            </a:prstGeom>
+            <a:noFill/>
+          </p:spPr>
+          <p:txBody>
+            <a:bodyPr wrap="none" rtlCol="0">
+              <a:spAutoFit/>
+            </a:bodyPr>
+            <a:lstStyle/>
+            <a:p>
+              <a:r>
+                <a:rPr lang="en-AU" sz="1400" dirty="0">
+                  <a:solidFill>
+                    <a:schemeClr val="accent2"/>
+                  </a:solidFill>
+                  <a:latin typeface="Consolas" panose="020B0609020204030204" pitchFamily="49" charset="0"/>
+                </a:rPr>
+                <a:t>Measurement Output</a:t>
+              </a:r>
+            </a:p>
+          </p:txBody>
+        </p:sp>
+        <p:sp>
+          <p:nvSpPr>
+            <p:cNvPr id="40" name="TextBox 39">
+              <a:extLst>
+                <a:ext uri="{FF2B5EF4-FFF2-40B4-BE49-F238E27FC236}">
+                  <a16:creationId xmlns:a16="http://schemas.microsoft.com/office/drawing/2014/main" id="{B3EDF0E7-A3B5-4308-B92C-A0C82223A496}"/>
+                </a:ext>
+              </a:extLst>
+            </p:cNvPr>
+            <p:cNvSpPr txBox="1"/>
+            <p:nvPr/>
+          </p:nvSpPr>
+          <p:spPr>
+            <a:xfrm>
+              <a:off x="5154241" y="2976416"/>
+              <a:ext cx="979755" cy="307777"/>
+            </a:xfrm>
+            <a:prstGeom prst="rect">
+              <a:avLst/>
+            </a:prstGeom>
+            <a:noFill/>
+          </p:spPr>
+          <p:txBody>
+            <a:bodyPr wrap="none" rtlCol="0">
+              <a:spAutoFit/>
+            </a:bodyPr>
+            <a:lstStyle/>
+            <a:p>
+              <a:r>
+                <a:rPr lang="en-AU" sz="1400" dirty="0">
+                  <a:solidFill>
+                    <a:schemeClr val="accent2"/>
+                  </a:solidFill>
+                  <a:latin typeface="Consolas" panose="020B0609020204030204" pitchFamily="49" charset="0"/>
+                </a:rPr>
+                <a:t>Feedback</a:t>
+              </a:r>
+            </a:p>
+          </p:txBody>
+        </p:sp>
+        <p:sp>
+          <p:nvSpPr>
+            <p:cNvPr id="43" name="Flowchart: Summing Junction 42">
+              <a:extLst>
+                <a:ext uri="{FF2B5EF4-FFF2-40B4-BE49-F238E27FC236}">
+                  <a16:creationId xmlns:a16="http://schemas.microsoft.com/office/drawing/2014/main" id="{A59BF72D-26A9-424C-9F12-BE34A4BC69E2}"/>
+                </a:ext>
+              </a:extLst>
+            </p:cNvPr>
+            <p:cNvSpPr/>
+            <p:nvPr/>
+          </p:nvSpPr>
+          <p:spPr>
+            <a:xfrm>
+              <a:off x="7031764" y="2362039"/>
+              <a:ext cx="51364" cy="51364"/>
+            </a:xfrm>
+            <a:prstGeom prst="flowChartSummingJunction">
+              <a:avLst/>
+            </a:prstGeom>
+            <a:ln/>
+          </p:spPr>
+          <p:style>
+            <a:lnRef idx="2">
+              <a:schemeClr val="accent2">
+                <a:shade val="50000"/>
+              </a:schemeClr>
+            </a:lnRef>
+            <a:fillRef idx="1">
+              <a:schemeClr val="accent2"/>
+            </a:fillRef>
+            <a:effectRef idx="0">
+              <a:schemeClr val="accent2"/>
+            </a:effectRef>
+            <a:fontRef idx="minor">
+              <a:schemeClr val="lt1"/>
+            </a:fontRef>
+          </p:style>
+          <p:txBody>
+            <a:bodyPr rtlCol="0" anchor="ctr"/>
+            <a:lstStyle/>
+            <a:p>
+              <a:pPr algn="ctr"/>
+              <a:endParaRPr lang="en-AU" sz="1400">
                 <a:solidFill>
                   <a:schemeClr val="accent2"/>
                 </a:solidFill>
                 <a:latin typeface="Consolas" panose="020B0609020204030204" pitchFamily="49" charset="0"/>
-              </a:rPr>
-              <a:t>Actuator</a:t>
-            </a:r>
-          </a:p>
-        </p:txBody>
-      </p:sp>
-      <p:sp>
-        <p:nvSpPr>
-          <p:cNvPr id="6" name="Flowchart: Process 5">
-            <a:extLst>
-              <a:ext uri="{FF2B5EF4-FFF2-40B4-BE49-F238E27FC236}">
-                <a16:creationId xmlns:a16="http://schemas.microsoft.com/office/drawing/2014/main" id="{BAA8F988-C85B-43C3-ACA5-D7E65EFD336A}"/>
-              </a:ext>
-            </a:extLst>
-          </p:cNvPr>
-          <p:cNvSpPr/>
-          <p:nvPr/>
-        </p:nvSpPr>
-        <p:spPr>
-          <a:xfrm>
-            <a:off x="5214228" y="2081397"/>
-            <a:ext cx="1298346" cy="612648"/>
-          </a:xfrm>
-          <a:prstGeom prst="flowChartProcess">
-            <a:avLst/>
-          </a:prstGeom>
-          <a:ln w="28575"/>
-        </p:spPr>
-        <p:style>
-          <a:lnRef idx="2">
-            <a:schemeClr val="dk1"/>
-          </a:lnRef>
-          <a:fillRef idx="1">
-            <a:schemeClr val="lt1"/>
-          </a:fillRef>
-          <a:effectRef idx="0">
-            <a:schemeClr val="dk1"/>
-          </a:effectRef>
-          <a:fontRef idx="minor">
-            <a:schemeClr val="dk1"/>
-          </a:fontRef>
-        </p:style>
-        <p:txBody>
-          <a:bodyPr rtlCol="0" anchor="ctr"/>
-          <a:lstStyle/>
-          <a:p>
-            <a:pPr algn="ctr"/>
-            <a:r>
-              <a:rPr lang="en-AU" sz="1400" dirty="0">
-                <a:solidFill>
-                  <a:schemeClr val="accent2"/>
-                </a:solidFill>
-                <a:latin typeface="Consolas" panose="020B0609020204030204" pitchFamily="49" charset="0"/>
-              </a:rPr>
-              <a:t>Process</a:t>
-            </a:r>
-          </a:p>
-        </p:txBody>
-      </p:sp>
-      <p:sp>
-        <p:nvSpPr>
-          <p:cNvPr id="10" name="Flowchart: Process 9">
-            <a:extLst>
-              <a:ext uri="{FF2B5EF4-FFF2-40B4-BE49-F238E27FC236}">
-                <a16:creationId xmlns:a16="http://schemas.microsoft.com/office/drawing/2014/main" id="{F344FA57-FBEE-45CD-92F7-7F18CE888DA1}"/>
-              </a:ext>
-            </a:extLst>
-          </p:cNvPr>
-          <p:cNvSpPr/>
-          <p:nvPr/>
-        </p:nvSpPr>
-        <p:spPr>
-          <a:xfrm>
-            <a:off x="3594873" y="2978595"/>
-            <a:ext cx="1298346" cy="612648"/>
-          </a:xfrm>
-          <a:prstGeom prst="flowChartProcess">
-            <a:avLst/>
-          </a:prstGeom>
-          <a:ln w="28575"/>
-        </p:spPr>
-        <p:style>
-          <a:lnRef idx="2">
-            <a:schemeClr val="dk1"/>
-          </a:lnRef>
-          <a:fillRef idx="1">
-            <a:schemeClr val="lt1"/>
-          </a:fillRef>
-          <a:effectRef idx="0">
-            <a:schemeClr val="dk1"/>
-          </a:effectRef>
-          <a:fontRef idx="minor">
-            <a:schemeClr val="dk1"/>
-          </a:fontRef>
-        </p:style>
-        <p:txBody>
-          <a:bodyPr rtlCol="0" anchor="ctr"/>
-          <a:lstStyle/>
-          <a:p>
-            <a:pPr algn="ctr"/>
-            <a:r>
-              <a:rPr lang="en-AU" sz="1400" dirty="0">
-                <a:solidFill>
-                  <a:schemeClr val="accent2"/>
-                </a:solidFill>
-                <a:latin typeface="Consolas" panose="020B0609020204030204" pitchFamily="49" charset="0"/>
-              </a:rPr>
-              <a:t>Sensor</a:t>
-            </a:r>
-          </a:p>
-        </p:txBody>
-      </p:sp>
-      <p:cxnSp>
-        <p:nvCxnSpPr>
-          <p:cNvPr id="14" name="Straight Arrow Connector 13">
-            <a:extLst>
-              <a:ext uri="{FF2B5EF4-FFF2-40B4-BE49-F238E27FC236}">
-                <a16:creationId xmlns:a16="http://schemas.microsoft.com/office/drawing/2014/main" id="{AB8B9EF8-C7E6-4AAF-8412-6EE8E91C033F}"/>
-              </a:ext>
-            </a:extLst>
-          </p:cNvPr>
-          <p:cNvCxnSpPr>
-            <a:cxnSpLocks/>
-            <a:stCxn id="29" idx="3"/>
-            <a:endCxn id="26" idx="2"/>
-          </p:cNvCxnSpPr>
-          <p:nvPr/>
-        </p:nvCxnSpPr>
-        <p:spPr>
-          <a:xfrm>
-            <a:off x="35154" y="2387721"/>
-            <a:ext cx="674854" cy="0"/>
-          </a:xfrm>
-          <a:prstGeom prst="straightConnector1">
-            <a:avLst/>
-          </a:prstGeom>
-          <a:ln w="28575">
-            <a:solidFill>
-              <a:schemeClr val="accent2"/>
-            </a:solidFill>
-            <a:tailEnd type="triangle"/>
-          </a:ln>
-        </p:spPr>
-        <p:style>
-          <a:lnRef idx="1">
-            <a:schemeClr val="accent1"/>
-          </a:lnRef>
-          <a:fillRef idx="0">
-            <a:schemeClr val="accent1"/>
-          </a:fillRef>
-          <a:effectRef idx="0">
-            <a:schemeClr val="accent1"/>
-          </a:effectRef>
-          <a:fontRef idx="minor">
-            <a:schemeClr val="tx1"/>
-          </a:fontRef>
-        </p:style>
-      </p:cxnSp>
-      <p:cxnSp>
-        <p:nvCxnSpPr>
-          <p:cNvPr id="16" name="Straight Arrow Connector 15">
-            <a:extLst>
-              <a:ext uri="{FF2B5EF4-FFF2-40B4-BE49-F238E27FC236}">
-                <a16:creationId xmlns:a16="http://schemas.microsoft.com/office/drawing/2014/main" id="{6D14FEDD-DB0D-495B-9FDE-962514C91838}"/>
-              </a:ext>
-            </a:extLst>
-          </p:cNvPr>
-          <p:cNvCxnSpPr>
-            <a:stCxn id="4" idx="3"/>
-            <a:endCxn id="5" idx="1"/>
-          </p:cNvCxnSpPr>
-          <p:nvPr/>
-        </p:nvCxnSpPr>
-        <p:spPr>
-          <a:xfrm>
-            <a:off x="3273864" y="2387721"/>
-            <a:ext cx="321009" cy="0"/>
-          </a:xfrm>
-          <a:prstGeom prst="straightConnector1">
-            <a:avLst/>
-          </a:prstGeom>
-          <a:ln w="28575">
-            <a:solidFill>
-              <a:schemeClr val="accent2"/>
-            </a:solidFill>
-            <a:tailEnd type="triangle"/>
-          </a:ln>
-        </p:spPr>
-        <p:style>
-          <a:lnRef idx="1">
-            <a:schemeClr val="accent1"/>
-          </a:lnRef>
-          <a:fillRef idx="0">
-            <a:schemeClr val="accent1"/>
-          </a:fillRef>
-          <a:effectRef idx="0">
-            <a:schemeClr val="accent1"/>
-          </a:effectRef>
-          <a:fontRef idx="minor">
-            <a:schemeClr val="tx1"/>
-          </a:fontRef>
-        </p:style>
-      </p:cxnSp>
-      <p:cxnSp>
-        <p:nvCxnSpPr>
-          <p:cNvPr id="18" name="Straight Arrow Connector 17">
-            <a:extLst>
-              <a:ext uri="{FF2B5EF4-FFF2-40B4-BE49-F238E27FC236}">
-                <a16:creationId xmlns:a16="http://schemas.microsoft.com/office/drawing/2014/main" id="{A32AB98E-D5DC-4C71-A4A5-B839D6A60A8F}"/>
-              </a:ext>
-            </a:extLst>
-          </p:cNvPr>
-          <p:cNvCxnSpPr>
-            <a:stCxn id="5" idx="3"/>
-            <a:endCxn id="6" idx="1"/>
-          </p:cNvCxnSpPr>
-          <p:nvPr/>
-        </p:nvCxnSpPr>
-        <p:spPr>
-          <a:xfrm>
-            <a:off x="4893219" y="2387721"/>
-            <a:ext cx="321009" cy="0"/>
-          </a:xfrm>
-          <a:prstGeom prst="straightConnector1">
-            <a:avLst/>
-          </a:prstGeom>
-          <a:ln w="28575">
-            <a:solidFill>
-              <a:schemeClr val="accent2"/>
-            </a:solidFill>
-            <a:tailEnd type="triangle"/>
-          </a:ln>
-        </p:spPr>
-        <p:style>
-          <a:lnRef idx="1">
-            <a:schemeClr val="accent1"/>
-          </a:lnRef>
-          <a:fillRef idx="0">
-            <a:schemeClr val="accent1"/>
-          </a:fillRef>
-          <a:effectRef idx="0">
-            <a:schemeClr val="accent1"/>
-          </a:effectRef>
-          <a:fontRef idx="minor">
-            <a:schemeClr val="tx1"/>
-          </a:fontRef>
-        </p:style>
-      </p:cxnSp>
-      <p:cxnSp>
-        <p:nvCxnSpPr>
-          <p:cNvPr id="20" name="Straight Arrow Connector 19">
-            <a:extLst>
-              <a:ext uri="{FF2B5EF4-FFF2-40B4-BE49-F238E27FC236}">
-                <a16:creationId xmlns:a16="http://schemas.microsoft.com/office/drawing/2014/main" id="{7E48FF00-5D15-4D56-AF61-BF86783E4787}"/>
-              </a:ext>
-            </a:extLst>
-          </p:cNvPr>
-          <p:cNvCxnSpPr>
-            <a:cxnSpLocks/>
-            <a:stCxn id="6" idx="3"/>
-            <a:endCxn id="46" idx="1"/>
-          </p:cNvCxnSpPr>
-          <p:nvPr/>
-        </p:nvCxnSpPr>
-        <p:spPr>
-          <a:xfrm>
-            <a:off x="6512574" y="2387721"/>
-            <a:ext cx="1089744" cy="0"/>
-          </a:xfrm>
-          <a:prstGeom prst="straightConnector1">
-            <a:avLst/>
-          </a:prstGeom>
-          <a:ln w="28575">
-            <a:solidFill>
-              <a:schemeClr val="accent2"/>
-            </a:solidFill>
-            <a:tailEnd type="triangle"/>
-          </a:ln>
-        </p:spPr>
-        <p:style>
-          <a:lnRef idx="1">
-            <a:schemeClr val="accent1"/>
-          </a:lnRef>
-          <a:fillRef idx="0">
-            <a:schemeClr val="accent1"/>
-          </a:fillRef>
-          <a:effectRef idx="0">
-            <a:schemeClr val="accent1"/>
-          </a:effectRef>
-          <a:fontRef idx="minor">
-            <a:schemeClr val="tx1"/>
-          </a:fontRef>
-        </p:style>
-      </p:cxnSp>
-      <p:cxnSp>
-        <p:nvCxnSpPr>
-          <p:cNvPr id="22" name="Connector: Elbow 21">
-            <a:extLst>
-              <a:ext uri="{FF2B5EF4-FFF2-40B4-BE49-F238E27FC236}">
-                <a16:creationId xmlns:a16="http://schemas.microsoft.com/office/drawing/2014/main" id="{DD0E0DA6-D188-4869-AAC2-09A770E684F9}"/>
-              </a:ext>
-            </a:extLst>
-          </p:cNvPr>
-          <p:cNvCxnSpPr>
-            <a:cxnSpLocks/>
-            <a:stCxn id="43" idx="4"/>
-            <a:endCxn id="10" idx="3"/>
-          </p:cNvCxnSpPr>
-          <p:nvPr/>
-        </p:nvCxnSpPr>
-        <p:spPr>
-          <a:xfrm rot="5400000">
-            <a:off x="5539575" y="1767048"/>
-            <a:ext cx="871516" cy="2164227"/>
-          </a:xfrm>
-          <a:prstGeom prst="bentConnector2">
-            <a:avLst/>
-          </a:prstGeom>
-          <a:ln w="28575">
-            <a:solidFill>
-              <a:schemeClr val="accent2"/>
-            </a:solidFill>
-            <a:tailEnd type="triangle"/>
-          </a:ln>
-        </p:spPr>
-        <p:style>
-          <a:lnRef idx="1">
-            <a:schemeClr val="accent1"/>
-          </a:lnRef>
-          <a:fillRef idx="0">
-            <a:schemeClr val="accent1"/>
-          </a:fillRef>
-          <a:effectRef idx="0">
-            <a:schemeClr val="accent1"/>
-          </a:effectRef>
-          <a:fontRef idx="minor">
-            <a:schemeClr val="tx1"/>
-          </a:fontRef>
-        </p:style>
-      </p:cxnSp>
-      <p:cxnSp>
-        <p:nvCxnSpPr>
-          <p:cNvPr id="24" name="Connector: Elbow 23">
-            <a:extLst>
-              <a:ext uri="{FF2B5EF4-FFF2-40B4-BE49-F238E27FC236}">
-                <a16:creationId xmlns:a16="http://schemas.microsoft.com/office/drawing/2014/main" id="{7E5E28DE-A651-423A-B991-5549809271C2}"/>
-              </a:ext>
-            </a:extLst>
-          </p:cNvPr>
-          <p:cNvCxnSpPr>
-            <a:cxnSpLocks/>
-            <a:stCxn id="10" idx="1"/>
-            <a:endCxn id="26" idx="4"/>
-          </p:cNvCxnSpPr>
-          <p:nvPr/>
-        </p:nvCxnSpPr>
-        <p:spPr>
-          <a:xfrm rot="10800000">
-            <a:off x="1005337" y="2683049"/>
-            <a:ext cx="2589537" cy="601870"/>
-          </a:xfrm>
-          <a:prstGeom prst="bentConnector2">
-            <a:avLst/>
-          </a:prstGeom>
-          <a:ln w="28575">
-            <a:solidFill>
-              <a:schemeClr val="accent2"/>
-            </a:solidFill>
-            <a:tailEnd type="triangle"/>
-          </a:ln>
-        </p:spPr>
-        <p:style>
-          <a:lnRef idx="1">
-            <a:schemeClr val="accent1"/>
-          </a:lnRef>
-          <a:fillRef idx="0">
-            <a:schemeClr val="accent1"/>
-          </a:fillRef>
-          <a:effectRef idx="0">
-            <a:schemeClr val="accent1"/>
-          </a:effectRef>
-          <a:fontRef idx="minor">
-            <a:schemeClr val="tx1"/>
-          </a:fontRef>
-        </p:style>
-      </p:cxnSp>
-      <p:sp>
-        <p:nvSpPr>
-          <p:cNvPr id="26" name="Flowchart: Summing Junction 25">
-            <a:extLst>
-              <a:ext uri="{FF2B5EF4-FFF2-40B4-BE49-F238E27FC236}">
-                <a16:creationId xmlns:a16="http://schemas.microsoft.com/office/drawing/2014/main" id="{73E78C92-3B20-49C5-99C7-0F7562BF02D1}"/>
-              </a:ext>
-            </a:extLst>
-          </p:cNvPr>
-          <p:cNvSpPr/>
-          <p:nvPr/>
-        </p:nvSpPr>
-        <p:spPr>
-          <a:xfrm>
-            <a:off x="710008" y="2092393"/>
-            <a:ext cx="590656" cy="590656"/>
-          </a:xfrm>
-          <a:prstGeom prst="flowChartSummingJunction">
-            <a:avLst/>
-          </a:prstGeom>
-        </p:spPr>
-        <p:style>
-          <a:lnRef idx="2">
-            <a:schemeClr val="dk1"/>
-          </a:lnRef>
-          <a:fillRef idx="1">
-            <a:schemeClr val="lt1"/>
-          </a:fillRef>
-          <a:effectRef idx="0">
-            <a:schemeClr val="dk1"/>
-          </a:effectRef>
-          <a:fontRef idx="minor">
-            <a:schemeClr val="dk1"/>
-          </a:fontRef>
-        </p:style>
-        <p:txBody>
-          <a:bodyPr rtlCol="0" anchor="ctr"/>
-          <a:lstStyle/>
-          <a:p>
-            <a:pPr algn="ctr"/>
-            <a:endParaRPr lang="en-AU" sz="1400">
-              <a:solidFill>
-                <a:schemeClr val="accent2"/>
-              </a:solidFill>
-              <a:latin typeface="Consolas" panose="020B0609020204030204" pitchFamily="49" charset="0"/>
-            </a:endParaRPr>
-          </a:p>
-        </p:txBody>
-      </p:sp>
-      <p:sp>
-        <p:nvSpPr>
-          <p:cNvPr id="29" name="Flowchart: Process 28">
-            <a:extLst>
-              <a:ext uri="{FF2B5EF4-FFF2-40B4-BE49-F238E27FC236}">
-                <a16:creationId xmlns:a16="http://schemas.microsoft.com/office/drawing/2014/main" id="{1A91990F-3DC4-44AB-AF9F-7D34977F7442}"/>
-              </a:ext>
-            </a:extLst>
-          </p:cNvPr>
-          <p:cNvSpPr/>
-          <p:nvPr/>
-        </p:nvSpPr>
-        <p:spPr>
-          <a:xfrm>
-            <a:off x="-929556" y="2081397"/>
-            <a:ext cx="964710" cy="612648"/>
-          </a:xfrm>
-          <a:prstGeom prst="flowChartProcess">
-            <a:avLst/>
-          </a:prstGeom>
-          <a:noFill/>
-          <a:ln w="28575">
+              </a:endParaRPr>
+            </a:p>
+          </p:txBody>
+        </p:sp>
+        <p:sp>
+          <p:nvSpPr>
+            <p:cNvPr id="46" name="Flowchart: Process 45">
+              <a:extLst>
+                <a:ext uri="{FF2B5EF4-FFF2-40B4-BE49-F238E27FC236}">
+                  <a16:creationId xmlns:a16="http://schemas.microsoft.com/office/drawing/2014/main" id="{87751577-143C-4D44-9B76-4392B6E63FA7}"/>
+                </a:ext>
+              </a:extLst>
+            </p:cNvPr>
+            <p:cNvSpPr/>
+            <p:nvPr/>
+          </p:nvSpPr>
+          <p:spPr>
+            <a:xfrm>
+              <a:off x="7602318" y="2081397"/>
+              <a:ext cx="799048" cy="612648"/>
+            </a:xfrm>
+            <a:prstGeom prst="flowChartProcess">
+              <a:avLst/>
+            </a:prstGeom>
             <a:noFill/>
-          </a:ln>
-        </p:spPr>
-        <p:style>
-          <a:lnRef idx="2">
-            <a:schemeClr val="dk1"/>
-          </a:lnRef>
-          <a:fillRef idx="1">
-            <a:schemeClr val="lt1"/>
-          </a:fillRef>
-          <a:effectRef idx="0">
-            <a:schemeClr val="dk1"/>
-          </a:effectRef>
-          <a:fontRef idx="minor">
-            <a:schemeClr val="dk1"/>
-          </a:fontRef>
-        </p:style>
-        <p:txBody>
-          <a:bodyPr rtlCol="0" anchor="ctr"/>
-          <a:lstStyle/>
-          <a:p>
-            <a:pPr algn="r"/>
-            <a:r>
-              <a:rPr lang="en-AU" sz="1400" dirty="0">
-                <a:solidFill>
-                  <a:schemeClr val="accent2"/>
-                </a:solidFill>
-                <a:latin typeface="Consolas" panose="020B0609020204030204" pitchFamily="49" charset="0"/>
-              </a:rPr>
-              <a:t>Desired Output</a:t>
-            </a:r>
-          </a:p>
-        </p:txBody>
-      </p:sp>
-      <p:cxnSp>
-        <p:nvCxnSpPr>
-          <p:cNvPr id="32" name="Straight Arrow Connector 31">
-            <a:extLst>
-              <a:ext uri="{FF2B5EF4-FFF2-40B4-BE49-F238E27FC236}">
-                <a16:creationId xmlns:a16="http://schemas.microsoft.com/office/drawing/2014/main" id="{7D51A0BD-78BD-4F90-B582-50914A7B31F4}"/>
-              </a:ext>
-            </a:extLst>
-          </p:cNvPr>
-          <p:cNvCxnSpPr>
-            <a:cxnSpLocks/>
-          </p:cNvCxnSpPr>
-          <p:nvPr/>
-        </p:nvCxnSpPr>
-        <p:spPr>
-          <a:xfrm>
-            <a:off x="1300664" y="2387721"/>
-            <a:ext cx="674854" cy="0"/>
-          </a:xfrm>
-          <a:prstGeom prst="straightConnector1">
-            <a:avLst/>
-          </a:prstGeom>
-          <a:ln w="28575">
-            <a:solidFill>
-              <a:schemeClr val="accent2"/>
-            </a:solidFill>
-            <a:tailEnd type="triangle"/>
-          </a:ln>
-        </p:spPr>
-        <p:style>
-          <a:lnRef idx="1">
-            <a:schemeClr val="accent1"/>
-          </a:lnRef>
-          <a:fillRef idx="0">
-            <a:schemeClr val="accent1"/>
-          </a:fillRef>
-          <a:effectRef idx="0">
-            <a:schemeClr val="accent1"/>
-          </a:effectRef>
-          <a:fontRef idx="minor">
-            <a:schemeClr val="tx1"/>
-          </a:fontRef>
-        </p:style>
-      </p:cxnSp>
-      <p:sp>
-        <p:nvSpPr>
-          <p:cNvPr id="35" name="TextBox 34">
-            <a:extLst>
-              <a:ext uri="{FF2B5EF4-FFF2-40B4-BE49-F238E27FC236}">
-                <a16:creationId xmlns:a16="http://schemas.microsoft.com/office/drawing/2014/main" id="{024F08AA-E871-40BD-BBEF-61F71A47D7D6}"/>
-              </a:ext>
-            </a:extLst>
-          </p:cNvPr>
-          <p:cNvSpPr txBox="1"/>
-          <p:nvPr/>
-        </p:nvSpPr>
-        <p:spPr>
-          <a:xfrm>
-            <a:off x="720471" y="2572387"/>
-            <a:ext cx="284052" cy="307777"/>
-          </a:xfrm>
-          <a:prstGeom prst="rect">
-            <a:avLst/>
-          </a:prstGeom>
-          <a:noFill/>
-        </p:spPr>
-        <p:txBody>
-          <a:bodyPr wrap="none" rtlCol="0">
-            <a:spAutoFit/>
-          </a:bodyPr>
-          <a:lstStyle/>
-          <a:p>
-            <a:r>
-              <a:rPr lang="en-AU" sz="1400" dirty="0">
-                <a:solidFill>
-                  <a:schemeClr val="accent2"/>
-                </a:solidFill>
-                <a:latin typeface="Consolas" panose="020B0609020204030204" pitchFamily="49" charset="0"/>
-              </a:rPr>
-              <a:t>-</a:t>
-            </a:r>
-          </a:p>
-        </p:txBody>
-      </p:sp>
-      <p:sp>
-        <p:nvSpPr>
-          <p:cNvPr id="36" name="TextBox 35">
-            <a:extLst>
-              <a:ext uri="{FF2B5EF4-FFF2-40B4-BE49-F238E27FC236}">
-                <a16:creationId xmlns:a16="http://schemas.microsoft.com/office/drawing/2014/main" id="{E48731F6-EAA7-41E8-AEF8-975B0BD49441}"/>
-              </a:ext>
-            </a:extLst>
-          </p:cNvPr>
-          <p:cNvSpPr txBox="1"/>
-          <p:nvPr/>
-        </p:nvSpPr>
-        <p:spPr>
-          <a:xfrm>
-            <a:off x="420389" y="2018389"/>
-            <a:ext cx="284052" cy="307777"/>
-          </a:xfrm>
-          <a:prstGeom prst="rect">
-            <a:avLst/>
-          </a:prstGeom>
-          <a:noFill/>
-        </p:spPr>
-        <p:txBody>
-          <a:bodyPr wrap="none" rtlCol="0">
-            <a:spAutoFit/>
-          </a:bodyPr>
-          <a:lstStyle/>
-          <a:p>
-            <a:r>
-              <a:rPr lang="en-AU" sz="1400" dirty="0">
-                <a:solidFill>
-                  <a:schemeClr val="accent2"/>
-                </a:solidFill>
-                <a:latin typeface="Consolas" panose="020B0609020204030204" pitchFamily="49" charset="0"/>
-              </a:rPr>
-              <a:t>+</a:t>
-            </a:r>
-          </a:p>
-        </p:txBody>
-      </p:sp>
-      <p:sp>
-        <p:nvSpPr>
-          <p:cNvPr id="37" name="TextBox 36">
-            <a:extLst>
-              <a:ext uri="{FF2B5EF4-FFF2-40B4-BE49-F238E27FC236}">
-                <a16:creationId xmlns:a16="http://schemas.microsoft.com/office/drawing/2014/main" id="{49E470AC-8620-4E0A-9BB5-A4A74CD96637}"/>
-              </a:ext>
-            </a:extLst>
-          </p:cNvPr>
-          <p:cNvSpPr txBox="1"/>
-          <p:nvPr/>
-        </p:nvSpPr>
-        <p:spPr>
-          <a:xfrm>
-            <a:off x="1267652" y="2092393"/>
-            <a:ext cx="681597" cy="307777"/>
-          </a:xfrm>
-          <a:prstGeom prst="rect">
-            <a:avLst/>
-          </a:prstGeom>
-          <a:noFill/>
-        </p:spPr>
-        <p:txBody>
-          <a:bodyPr wrap="none" rtlCol="0">
-            <a:spAutoFit/>
-          </a:bodyPr>
-          <a:lstStyle/>
-          <a:p>
-            <a:r>
-              <a:rPr lang="en-AU" sz="1400" dirty="0">
-                <a:solidFill>
-                  <a:schemeClr val="accent2"/>
-                </a:solidFill>
-                <a:latin typeface="Consolas" panose="020B0609020204030204" pitchFamily="49" charset="0"/>
-              </a:rPr>
-              <a:t>Error</a:t>
-            </a:r>
-          </a:p>
-        </p:txBody>
-      </p:sp>
-      <p:sp>
-        <p:nvSpPr>
-          <p:cNvPr id="39" name="TextBox 38">
-            <a:extLst>
-              <a:ext uri="{FF2B5EF4-FFF2-40B4-BE49-F238E27FC236}">
-                <a16:creationId xmlns:a16="http://schemas.microsoft.com/office/drawing/2014/main" id="{38DF00EC-FDE6-4E17-9FCD-FE1546C6122D}"/>
-              </a:ext>
-            </a:extLst>
-          </p:cNvPr>
-          <p:cNvSpPr txBox="1"/>
-          <p:nvPr/>
-        </p:nvSpPr>
-        <p:spPr>
-          <a:xfrm>
-            <a:off x="1309719" y="2976416"/>
-            <a:ext cx="1973617" cy="307777"/>
-          </a:xfrm>
-          <a:prstGeom prst="rect">
-            <a:avLst/>
-          </a:prstGeom>
-          <a:noFill/>
-        </p:spPr>
-        <p:txBody>
-          <a:bodyPr wrap="none" rtlCol="0">
-            <a:spAutoFit/>
-          </a:bodyPr>
-          <a:lstStyle/>
-          <a:p>
-            <a:r>
-              <a:rPr lang="en-AU" sz="1400" dirty="0">
-                <a:solidFill>
-                  <a:schemeClr val="accent2"/>
-                </a:solidFill>
-                <a:latin typeface="Consolas" panose="020B0609020204030204" pitchFamily="49" charset="0"/>
-              </a:rPr>
-              <a:t>Measurement Output</a:t>
-            </a:r>
-          </a:p>
-        </p:txBody>
-      </p:sp>
-      <p:sp>
-        <p:nvSpPr>
-          <p:cNvPr id="40" name="TextBox 39">
-            <a:extLst>
-              <a:ext uri="{FF2B5EF4-FFF2-40B4-BE49-F238E27FC236}">
-                <a16:creationId xmlns:a16="http://schemas.microsoft.com/office/drawing/2014/main" id="{B3EDF0E7-A3B5-4308-B92C-A0C82223A496}"/>
-              </a:ext>
-            </a:extLst>
-          </p:cNvPr>
-          <p:cNvSpPr txBox="1"/>
-          <p:nvPr/>
-        </p:nvSpPr>
-        <p:spPr>
-          <a:xfrm>
-            <a:off x="5154241" y="2976416"/>
-            <a:ext cx="979755" cy="307777"/>
-          </a:xfrm>
-          <a:prstGeom prst="rect">
-            <a:avLst/>
-          </a:prstGeom>
-          <a:noFill/>
-        </p:spPr>
-        <p:txBody>
-          <a:bodyPr wrap="none" rtlCol="0">
-            <a:spAutoFit/>
-          </a:bodyPr>
-          <a:lstStyle/>
-          <a:p>
-            <a:r>
-              <a:rPr lang="en-AU" sz="1400" dirty="0">
-                <a:solidFill>
-                  <a:schemeClr val="accent2"/>
-                </a:solidFill>
-                <a:latin typeface="Consolas" panose="020B0609020204030204" pitchFamily="49" charset="0"/>
-              </a:rPr>
-              <a:t>Feedback</a:t>
-            </a:r>
-          </a:p>
-        </p:txBody>
-      </p:sp>
-      <p:sp>
-        <p:nvSpPr>
-          <p:cNvPr id="43" name="Flowchart: Summing Junction 42">
-            <a:extLst>
-              <a:ext uri="{FF2B5EF4-FFF2-40B4-BE49-F238E27FC236}">
-                <a16:creationId xmlns:a16="http://schemas.microsoft.com/office/drawing/2014/main" id="{A59BF72D-26A9-424C-9F12-BE34A4BC69E2}"/>
-              </a:ext>
-            </a:extLst>
-          </p:cNvPr>
-          <p:cNvSpPr/>
-          <p:nvPr/>
-        </p:nvSpPr>
-        <p:spPr>
-          <a:xfrm>
-            <a:off x="7031764" y="2362039"/>
-            <a:ext cx="51364" cy="51364"/>
-          </a:xfrm>
-          <a:prstGeom prst="flowChartSummingJunction">
-            <a:avLst/>
-          </a:prstGeom>
-          <a:ln/>
-        </p:spPr>
-        <p:style>
-          <a:lnRef idx="2">
-            <a:schemeClr val="accent2">
-              <a:shade val="50000"/>
-            </a:schemeClr>
-          </a:lnRef>
-          <a:fillRef idx="1">
-            <a:schemeClr val="accent2"/>
-          </a:fillRef>
-          <a:effectRef idx="0">
-            <a:schemeClr val="accent2"/>
-          </a:effectRef>
-          <a:fontRef idx="minor">
-            <a:schemeClr val="lt1"/>
-          </a:fontRef>
-        </p:style>
-        <p:txBody>
-          <a:bodyPr rtlCol="0" anchor="ctr"/>
-          <a:lstStyle/>
-          <a:p>
-            <a:pPr algn="ctr"/>
-            <a:endParaRPr lang="en-AU" sz="1400">
-              <a:solidFill>
-                <a:schemeClr val="accent2"/>
-              </a:solidFill>
-              <a:latin typeface="Consolas" panose="020B0609020204030204" pitchFamily="49" charset="0"/>
-            </a:endParaRPr>
-          </a:p>
-        </p:txBody>
-      </p:sp>
-      <p:sp>
-        <p:nvSpPr>
-          <p:cNvPr id="46" name="Flowchart: Process 45">
-            <a:extLst>
-              <a:ext uri="{FF2B5EF4-FFF2-40B4-BE49-F238E27FC236}">
-                <a16:creationId xmlns:a16="http://schemas.microsoft.com/office/drawing/2014/main" id="{87751577-143C-4D44-9B76-4392B6E63FA7}"/>
-              </a:ext>
-            </a:extLst>
-          </p:cNvPr>
-          <p:cNvSpPr/>
-          <p:nvPr/>
-        </p:nvSpPr>
-        <p:spPr>
-          <a:xfrm>
-            <a:off x="7602318" y="2081397"/>
-            <a:ext cx="1298346" cy="612648"/>
-          </a:xfrm>
-          <a:prstGeom prst="flowChartProcess">
-            <a:avLst/>
-          </a:prstGeom>
-          <a:ln w="28575"/>
-        </p:spPr>
-        <p:style>
-          <a:lnRef idx="2">
-            <a:schemeClr val="dk1"/>
-          </a:lnRef>
-          <a:fillRef idx="1">
-            <a:schemeClr val="lt1"/>
-          </a:fillRef>
-          <a:effectRef idx="0">
-            <a:schemeClr val="dk1"/>
-          </a:effectRef>
-          <a:fontRef idx="minor">
-            <a:schemeClr val="dk1"/>
-          </a:fontRef>
-        </p:style>
-        <p:txBody>
-          <a:bodyPr rtlCol="0" anchor="ctr"/>
-          <a:lstStyle/>
-          <a:p>
-            <a:pPr algn="ctr"/>
-            <a:r>
-              <a:rPr lang="en-AU" sz="1400" dirty="0">
-                <a:solidFill>
-                  <a:schemeClr val="accent2"/>
-                </a:solidFill>
-                <a:latin typeface="Consolas" panose="020B0609020204030204" pitchFamily="49" charset="0"/>
-              </a:rPr>
-              <a:t>Actual Output</a:t>
-            </a:r>
-          </a:p>
-        </p:txBody>
-      </p:sp>
+            <a:ln w="28575">
+              <a:noFill/>
+            </a:ln>
+          </p:spPr>
+          <p:style>
+            <a:lnRef idx="2">
+              <a:schemeClr val="dk1"/>
+            </a:lnRef>
+            <a:fillRef idx="1">
+              <a:schemeClr val="lt1"/>
+            </a:fillRef>
+            <a:effectRef idx="0">
+              <a:schemeClr val="dk1"/>
+            </a:effectRef>
+            <a:fontRef idx="minor">
+              <a:schemeClr val="dk1"/>
+            </a:fontRef>
+          </p:style>
+          <p:txBody>
+            <a:bodyPr rtlCol="0" anchor="ctr"/>
+            <a:lstStyle/>
+            <a:p>
+              <a:r>
+                <a:rPr lang="en-AU" sz="1400" dirty="0">
+                  <a:solidFill>
+                    <a:schemeClr val="accent2"/>
+                  </a:solidFill>
+                  <a:latin typeface="Consolas" panose="020B0609020204030204" pitchFamily="49" charset="0"/>
+                </a:rPr>
+                <a:t>Actual Output</a:t>
+              </a:r>
+            </a:p>
+          </p:txBody>
+        </p:sp>
+      </p:grpSp>
     </p:spTree>
     <p:extLst>
       <p:ext uri="{BB962C8B-B14F-4D97-AF65-F5344CB8AC3E}">

--- a/Report/FuncDecomp.pptx
+++ b/Report/FuncDecomp.pptx
@@ -6,25 +6,26 @@
   </p:sldMasterIdLst>
   <p:sldIdLst>
     <p:sldId id="269" r:id="rId2"/>
-    <p:sldId id="274" r:id="rId3"/>
-    <p:sldId id="275" r:id="rId4"/>
-    <p:sldId id="270" r:id="rId5"/>
-    <p:sldId id="256" r:id="rId6"/>
-    <p:sldId id="258" r:id="rId7"/>
-    <p:sldId id="262" r:id="rId8"/>
-    <p:sldId id="263" r:id="rId9"/>
-    <p:sldId id="264" r:id="rId10"/>
-    <p:sldId id="257" r:id="rId11"/>
-    <p:sldId id="271" r:id="rId12"/>
-    <p:sldId id="272" r:id="rId13"/>
-    <p:sldId id="273" r:id="rId14"/>
-    <p:sldId id="259" r:id="rId15"/>
-    <p:sldId id="260" r:id="rId16"/>
-    <p:sldId id="266" r:id="rId17"/>
-    <p:sldId id="261" r:id="rId18"/>
-    <p:sldId id="267" r:id="rId19"/>
-    <p:sldId id="268" r:id="rId20"/>
-    <p:sldId id="265" r:id="rId21"/>
+    <p:sldId id="276" r:id="rId3"/>
+    <p:sldId id="274" r:id="rId4"/>
+    <p:sldId id="275" r:id="rId5"/>
+    <p:sldId id="270" r:id="rId6"/>
+    <p:sldId id="256" r:id="rId7"/>
+    <p:sldId id="258" r:id="rId8"/>
+    <p:sldId id="262" r:id="rId9"/>
+    <p:sldId id="263" r:id="rId10"/>
+    <p:sldId id="264" r:id="rId11"/>
+    <p:sldId id="257" r:id="rId12"/>
+    <p:sldId id="271" r:id="rId13"/>
+    <p:sldId id="272" r:id="rId14"/>
+    <p:sldId id="273" r:id="rId15"/>
+    <p:sldId id="259" r:id="rId16"/>
+    <p:sldId id="260" r:id="rId17"/>
+    <p:sldId id="266" r:id="rId18"/>
+    <p:sldId id="261" r:id="rId19"/>
+    <p:sldId id="267" r:id="rId20"/>
+    <p:sldId id="268" r:id="rId21"/>
+    <p:sldId id="265" r:id="rId22"/>
   </p:sldIdLst>
   <p:sldSz cx="9906000" cy="6858000" type="A4"/>
   <p:notesSz cx="6858000" cy="9144000"/>
@@ -3924,6 +3925,1180 @@
       </p:grpSpPr>
       <p:grpSp>
         <p:nvGrpSpPr>
+          <p:cNvPr id="56" name="Group 55">
+            <a:extLst>
+              <a:ext uri="{FF2B5EF4-FFF2-40B4-BE49-F238E27FC236}">
+                <a16:creationId xmlns:a16="http://schemas.microsoft.com/office/drawing/2014/main" id="{6EDCED04-815B-4D76-AEA5-6F8C60647ACA}"/>
+              </a:ext>
+            </a:extLst>
+          </p:cNvPr>
+          <p:cNvGrpSpPr/>
+          <p:nvPr/>
+        </p:nvGrpSpPr>
+        <p:grpSpPr>
+          <a:xfrm>
+            <a:off x="1361095" y="2943550"/>
+            <a:ext cx="3344550" cy="2635379"/>
+            <a:chOff x="1361095" y="2943550"/>
+            <a:chExt cx="3344550" cy="2635379"/>
+          </a:xfrm>
+        </p:grpSpPr>
+        <p:sp>
+          <p:nvSpPr>
+            <p:cNvPr id="4" name="Oval 3">
+              <a:extLst>
+                <a:ext uri="{FF2B5EF4-FFF2-40B4-BE49-F238E27FC236}">
+                  <a16:creationId xmlns:a16="http://schemas.microsoft.com/office/drawing/2014/main" id="{130EC464-2131-49FA-AA07-EFFA47C79029}"/>
+                </a:ext>
+              </a:extLst>
+            </p:cNvPr>
+            <p:cNvSpPr/>
+            <p:nvPr/>
+          </p:nvSpPr>
+          <p:spPr>
+            <a:xfrm>
+              <a:off x="2675570" y="3884776"/>
+              <a:ext cx="1172048" cy="1172048"/>
+            </a:xfrm>
+            <a:prstGeom prst="ellipse">
+              <a:avLst/>
+            </a:prstGeom>
+          </p:spPr>
+          <p:style>
+            <a:lnRef idx="2">
+              <a:schemeClr val="accent1">
+                <a:shade val="50000"/>
+              </a:schemeClr>
+            </a:lnRef>
+            <a:fillRef idx="1">
+              <a:schemeClr val="accent1"/>
+            </a:fillRef>
+            <a:effectRef idx="0">
+              <a:schemeClr val="accent1"/>
+            </a:effectRef>
+            <a:fontRef idx="minor">
+              <a:schemeClr val="lt1"/>
+            </a:fontRef>
+          </p:style>
+          <p:txBody>
+            <a:bodyPr rtlCol="0" anchor="ctr"/>
+            <a:lstStyle/>
+            <a:p>
+              <a:pPr algn="ctr"/>
+              <a:r>
+                <a:rPr lang="en-AU" dirty="0">
+                  <a:latin typeface="Consolas" panose="020B0609020204030204" pitchFamily="49" charset="0"/>
+                </a:rPr>
+                <a:t>A</a:t>
+              </a:r>
+            </a:p>
+          </p:txBody>
+        </p:sp>
+        <p:grpSp>
+          <p:nvGrpSpPr>
+            <p:cNvPr id="13" name="Group 12">
+              <a:extLst>
+                <a:ext uri="{FF2B5EF4-FFF2-40B4-BE49-F238E27FC236}">
+                  <a16:creationId xmlns:a16="http://schemas.microsoft.com/office/drawing/2014/main" id="{5C08818E-1B1F-45C1-AA21-CC545D8F4323}"/>
+                </a:ext>
+              </a:extLst>
+            </p:cNvPr>
+            <p:cNvGrpSpPr/>
+            <p:nvPr/>
+          </p:nvGrpSpPr>
+          <p:grpSpPr>
+            <a:xfrm>
+              <a:off x="1825645" y="3420159"/>
+              <a:ext cx="2880000" cy="1768177"/>
+              <a:chOff x="1825645" y="3420159"/>
+              <a:chExt cx="2880000" cy="1768177"/>
+            </a:xfrm>
+          </p:grpSpPr>
+          <p:sp>
+            <p:nvSpPr>
+              <p:cNvPr id="11" name="Rectangle 10">
+                <a:extLst>
+                  <a:ext uri="{FF2B5EF4-FFF2-40B4-BE49-F238E27FC236}">
+                    <a16:creationId xmlns:a16="http://schemas.microsoft.com/office/drawing/2014/main" id="{349B4208-A35A-4398-B54A-C833226FA1B1}"/>
+                  </a:ext>
+                </a:extLst>
+              </p:cNvPr>
+              <p:cNvSpPr/>
+              <p:nvPr/>
+            </p:nvSpPr>
+            <p:spPr>
+              <a:xfrm>
+                <a:off x="1825645" y="3607081"/>
+                <a:ext cx="186922" cy="1581255"/>
+              </a:xfrm>
+              <a:prstGeom prst="rect">
+                <a:avLst/>
+              </a:prstGeom>
+              <a:ln>
+                <a:noFill/>
+              </a:ln>
+            </p:spPr>
+            <p:style>
+              <a:lnRef idx="2">
+                <a:schemeClr val="dk1">
+                  <a:shade val="50000"/>
+                </a:schemeClr>
+              </a:lnRef>
+              <a:fillRef idx="1">
+                <a:schemeClr val="dk1"/>
+              </a:fillRef>
+              <a:effectRef idx="0">
+                <a:schemeClr val="dk1"/>
+              </a:effectRef>
+              <a:fontRef idx="minor">
+                <a:schemeClr val="lt1"/>
+              </a:fontRef>
+            </p:style>
+            <p:txBody>
+              <a:bodyPr rtlCol="0" anchor="ctr"/>
+              <a:lstStyle/>
+              <a:p>
+                <a:pPr algn="ctr"/>
+                <a:endParaRPr lang="en-AU" dirty="0">
+                  <a:latin typeface="Consolas" panose="020B0609020204030204" pitchFamily="49" charset="0"/>
+                </a:endParaRPr>
+              </a:p>
+            </p:txBody>
+          </p:sp>
+          <p:sp>
+            <p:nvSpPr>
+              <p:cNvPr id="27" name="Rectangle 26">
+                <a:extLst>
+                  <a:ext uri="{FF2B5EF4-FFF2-40B4-BE49-F238E27FC236}">
+                    <a16:creationId xmlns:a16="http://schemas.microsoft.com/office/drawing/2014/main" id="{BDCE1AD9-FD69-4A3F-87C5-99D1EB029A44}"/>
+                  </a:ext>
+                </a:extLst>
+              </p:cNvPr>
+              <p:cNvSpPr/>
+              <p:nvPr/>
+            </p:nvSpPr>
+            <p:spPr>
+              <a:xfrm rot="5400000">
+                <a:off x="3172184" y="2073620"/>
+                <a:ext cx="186922" cy="2880000"/>
+              </a:xfrm>
+              <a:prstGeom prst="rect">
+                <a:avLst/>
+              </a:prstGeom>
+              <a:ln>
+                <a:noFill/>
+              </a:ln>
+            </p:spPr>
+            <p:style>
+              <a:lnRef idx="2">
+                <a:schemeClr val="dk1">
+                  <a:shade val="50000"/>
+                </a:schemeClr>
+              </a:lnRef>
+              <a:fillRef idx="1">
+                <a:schemeClr val="dk1"/>
+              </a:fillRef>
+              <a:effectRef idx="0">
+                <a:schemeClr val="dk1"/>
+              </a:effectRef>
+              <a:fontRef idx="minor">
+                <a:schemeClr val="lt1"/>
+              </a:fontRef>
+            </p:style>
+            <p:txBody>
+              <a:bodyPr rtlCol="0" anchor="ctr"/>
+              <a:lstStyle/>
+              <a:p>
+                <a:pPr algn="ctr"/>
+                <a:endParaRPr lang="en-AU" dirty="0">
+                  <a:latin typeface="Consolas" panose="020B0609020204030204" pitchFamily="49" charset="0"/>
+                </a:endParaRPr>
+              </a:p>
+            </p:txBody>
+          </p:sp>
+          <p:sp>
+            <p:nvSpPr>
+              <p:cNvPr id="28" name="Rectangle 27">
+                <a:extLst>
+                  <a:ext uri="{FF2B5EF4-FFF2-40B4-BE49-F238E27FC236}">
+                    <a16:creationId xmlns:a16="http://schemas.microsoft.com/office/drawing/2014/main" id="{501D23E6-DB19-4514-A211-5E921C1BF9E4}"/>
+                  </a:ext>
+                </a:extLst>
+              </p:cNvPr>
+              <p:cNvSpPr/>
+              <p:nvPr/>
+            </p:nvSpPr>
+            <p:spPr>
+              <a:xfrm>
+                <a:off x="4518094" y="3607081"/>
+                <a:ext cx="186922" cy="1581255"/>
+              </a:xfrm>
+              <a:prstGeom prst="rect">
+                <a:avLst/>
+              </a:prstGeom>
+              <a:ln>
+                <a:noFill/>
+              </a:ln>
+            </p:spPr>
+            <p:style>
+              <a:lnRef idx="2">
+                <a:schemeClr val="dk1">
+                  <a:shade val="50000"/>
+                </a:schemeClr>
+              </a:lnRef>
+              <a:fillRef idx="1">
+                <a:schemeClr val="dk1"/>
+              </a:fillRef>
+              <a:effectRef idx="0">
+                <a:schemeClr val="dk1"/>
+              </a:effectRef>
+              <a:fontRef idx="minor">
+                <a:schemeClr val="lt1"/>
+              </a:fontRef>
+            </p:style>
+            <p:txBody>
+              <a:bodyPr rtlCol="0" anchor="ctr"/>
+              <a:lstStyle/>
+              <a:p>
+                <a:pPr algn="ctr"/>
+                <a:endParaRPr lang="en-AU" dirty="0">
+                  <a:latin typeface="Consolas" panose="020B0609020204030204" pitchFamily="49" charset="0"/>
+                </a:endParaRPr>
+              </a:p>
+            </p:txBody>
+          </p:sp>
+        </p:grpSp>
+        <p:grpSp>
+          <p:nvGrpSpPr>
+            <p:cNvPr id="26" name="Group 25">
+              <a:extLst>
+                <a:ext uri="{FF2B5EF4-FFF2-40B4-BE49-F238E27FC236}">
+                  <a16:creationId xmlns:a16="http://schemas.microsoft.com/office/drawing/2014/main" id="{5152645B-23D6-433B-AF92-3D4AAE5B7C6C}"/>
+                </a:ext>
+              </a:extLst>
+            </p:cNvPr>
+            <p:cNvGrpSpPr/>
+            <p:nvPr/>
+          </p:nvGrpSpPr>
+          <p:grpSpPr>
+            <a:xfrm>
+              <a:off x="1825645" y="3818892"/>
+              <a:ext cx="739877" cy="1369444"/>
+              <a:chOff x="1919106" y="3768744"/>
+              <a:chExt cx="653700" cy="1209938"/>
+            </a:xfrm>
+            <a:solidFill>
+              <a:srgbClr val="FF5B5B"/>
+            </a:solidFill>
+          </p:grpSpPr>
+          <p:grpSp>
+            <p:nvGrpSpPr>
+              <p:cNvPr id="12" name="Group 11">
+                <a:extLst>
+                  <a:ext uri="{FF2B5EF4-FFF2-40B4-BE49-F238E27FC236}">
+                    <a16:creationId xmlns:a16="http://schemas.microsoft.com/office/drawing/2014/main" id="{ED0C8046-293F-4374-BFA4-67ECF006A06A}"/>
+                  </a:ext>
+                </a:extLst>
+              </p:cNvPr>
+              <p:cNvGrpSpPr/>
+              <p:nvPr/>
+            </p:nvGrpSpPr>
+            <p:grpSpPr>
+              <a:xfrm>
+                <a:off x="1919106" y="3768744"/>
+                <a:ext cx="653700" cy="419310"/>
+                <a:chOff x="1346870" y="759679"/>
+                <a:chExt cx="653700" cy="419310"/>
+              </a:xfrm>
+              <a:grpFill/>
+            </p:grpSpPr>
+            <p:sp>
+              <p:nvSpPr>
+                <p:cNvPr id="18" name="Rectangle 17">
+                  <a:extLst>
+                    <a:ext uri="{FF2B5EF4-FFF2-40B4-BE49-F238E27FC236}">
+                      <a16:creationId xmlns:a16="http://schemas.microsoft.com/office/drawing/2014/main" id="{30C67930-4A5E-48AD-A72D-2F6E7DB509A1}"/>
+                    </a:ext>
+                  </a:extLst>
+                </p:cNvPr>
+                <p:cNvSpPr/>
+                <p:nvPr/>
+              </p:nvSpPr>
+              <p:spPr>
+                <a:xfrm>
+                  <a:off x="1346870" y="875874"/>
+                  <a:ext cx="186921" cy="186921"/>
+                </a:xfrm>
+                <a:prstGeom prst="rect">
+                  <a:avLst/>
+                </a:prstGeom>
+                <a:ln/>
+              </p:spPr>
+              <p:style>
+                <a:lnRef idx="2">
+                  <a:schemeClr val="accent4">
+                    <a:shade val="50000"/>
+                  </a:schemeClr>
+                </a:lnRef>
+                <a:fillRef idx="1">
+                  <a:schemeClr val="accent4"/>
+                </a:fillRef>
+                <a:effectRef idx="0">
+                  <a:schemeClr val="accent4"/>
+                </a:effectRef>
+                <a:fontRef idx="minor">
+                  <a:schemeClr val="lt1"/>
+                </a:fontRef>
+              </p:style>
+              <p:txBody>
+                <a:bodyPr rtlCol="0" anchor="ctr"/>
+                <a:lstStyle/>
+                <a:p>
+                  <a:pPr algn="ctr"/>
+                  <a:endParaRPr lang="en-AU" dirty="0">
+                    <a:latin typeface="Consolas" panose="020B0609020204030204" pitchFamily="49" charset="0"/>
+                  </a:endParaRPr>
+                </a:p>
+              </p:txBody>
+            </p:sp>
+            <p:sp>
+              <p:nvSpPr>
+                <p:cNvPr id="20" name="Isosceles Triangle 19">
+                  <a:extLst>
+                    <a:ext uri="{FF2B5EF4-FFF2-40B4-BE49-F238E27FC236}">
+                      <a16:creationId xmlns:a16="http://schemas.microsoft.com/office/drawing/2014/main" id="{72CA8F22-CAFC-4524-A447-42B68AE65B46}"/>
+                    </a:ext>
+                  </a:extLst>
+                </p:cNvPr>
+                <p:cNvSpPr/>
+                <p:nvPr/>
+              </p:nvSpPr>
+              <p:spPr>
+                <a:xfrm rot="16200000">
+                  <a:off x="1584365" y="762784"/>
+                  <a:ext cx="419310" cy="413100"/>
+                </a:xfrm>
+                <a:prstGeom prst="triangle">
+                  <a:avLst/>
+                </a:prstGeom>
+                <a:ln/>
+              </p:spPr>
+              <p:style>
+                <a:lnRef idx="2">
+                  <a:schemeClr val="accent4">
+                    <a:shade val="50000"/>
+                  </a:schemeClr>
+                </a:lnRef>
+                <a:fillRef idx="1">
+                  <a:schemeClr val="accent4"/>
+                </a:fillRef>
+                <a:effectRef idx="0">
+                  <a:schemeClr val="accent4"/>
+                </a:effectRef>
+                <a:fontRef idx="minor">
+                  <a:schemeClr val="lt1"/>
+                </a:fontRef>
+              </p:style>
+              <p:txBody>
+                <a:bodyPr rtlCol="0" anchor="ctr"/>
+                <a:lstStyle/>
+                <a:p>
+                  <a:pPr algn="ctr"/>
+                  <a:endParaRPr lang="en-AU" dirty="0">
+                    <a:latin typeface="Consolas" panose="020B0609020204030204" pitchFamily="49" charset="0"/>
+                  </a:endParaRPr>
+                </a:p>
+              </p:txBody>
+            </p:sp>
+          </p:grpSp>
+          <p:grpSp>
+            <p:nvGrpSpPr>
+              <p:cNvPr id="30" name="Group 29">
+                <a:extLst>
+                  <a:ext uri="{FF2B5EF4-FFF2-40B4-BE49-F238E27FC236}">
+                    <a16:creationId xmlns:a16="http://schemas.microsoft.com/office/drawing/2014/main" id="{1A43385A-0D68-4128-ACB9-24C75736BCBA}"/>
+                  </a:ext>
+                </a:extLst>
+              </p:cNvPr>
+              <p:cNvGrpSpPr/>
+              <p:nvPr/>
+            </p:nvGrpSpPr>
+            <p:grpSpPr>
+              <a:xfrm>
+                <a:off x="1919106" y="4559372"/>
+                <a:ext cx="653700" cy="419310"/>
+                <a:chOff x="1346870" y="759679"/>
+                <a:chExt cx="653700" cy="419310"/>
+              </a:xfrm>
+              <a:grpFill/>
+            </p:grpSpPr>
+            <p:sp>
+              <p:nvSpPr>
+                <p:cNvPr id="31" name="Rectangle 30">
+                  <a:extLst>
+                    <a:ext uri="{FF2B5EF4-FFF2-40B4-BE49-F238E27FC236}">
+                      <a16:creationId xmlns:a16="http://schemas.microsoft.com/office/drawing/2014/main" id="{592B12ED-3C60-4B33-86BE-DF1ABB4F9842}"/>
+                    </a:ext>
+                  </a:extLst>
+                </p:cNvPr>
+                <p:cNvSpPr/>
+                <p:nvPr/>
+              </p:nvSpPr>
+              <p:spPr>
+                <a:xfrm>
+                  <a:off x="1346870" y="875874"/>
+                  <a:ext cx="186921" cy="186921"/>
+                </a:xfrm>
+                <a:prstGeom prst="rect">
+                  <a:avLst/>
+                </a:prstGeom>
+                <a:ln/>
+              </p:spPr>
+              <p:style>
+                <a:lnRef idx="2">
+                  <a:schemeClr val="accent4">
+                    <a:shade val="50000"/>
+                  </a:schemeClr>
+                </a:lnRef>
+                <a:fillRef idx="1">
+                  <a:schemeClr val="accent4"/>
+                </a:fillRef>
+                <a:effectRef idx="0">
+                  <a:schemeClr val="accent4"/>
+                </a:effectRef>
+                <a:fontRef idx="minor">
+                  <a:schemeClr val="lt1"/>
+                </a:fontRef>
+              </p:style>
+              <p:txBody>
+                <a:bodyPr rtlCol="0" anchor="ctr"/>
+                <a:lstStyle/>
+                <a:p>
+                  <a:pPr algn="ctr"/>
+                  <a:endParaRPr lang="en-AU" dirty="0">
+                    <a:latin typeface="Consolas" panose="020B0609020204030204" pitchFamily="49" charset="0"/>
+                  </a:endParaRPr>
+                </a:p>
+              </p:txBody>
+            </p:sp>
+            <p:sp>
+              <p:nvSpPr>
+                <p:cNvPr id="34" name="Isosceles Triangle 33">
+                  <a:extLst>
+                    <a:ext uri="{FF2B5EF4-FFF2-40B4-BE49-F238E27FC236}">
+                      <a16:creationId xmlns:a16="http://schemas.microsoft.com/office/drawing/2014/main" id="{98C36064-C1DB-4FE5-A1E1-B727E5065E48}"/>
+                    </a:ext>
+                  </a:extLst>
+                </p:cNvPr>
+                <p:cNvSpPr/>
+                <p:nvPr/>
+              </p:nvSpPr>
+              <p:spPr>
+                <a:xfrm rot="16200000">
+                  <a:off x="1584365" y="762784"/>
+                  <a:ext cx="419310" cy="413100"/>
+                </a:xfrm>
+                <a:prstGeom prst="triangle">
+                  <a:avLst/>
+                </a:prstGeom>
+                <a:ln/>
+              </p:spPr>
+              <p:style>
+                <a:lnRef idx="2">
+                  <a:schemeClr val="accent4">
+                    <a:shade val="50000"/>
+                  </a:schemeClr>
+                </a:lnRef>
+                <a:fillRef idx="1">
+                  <a:schemeClr val="accent4"/>
+                </a:fillRef>
+                <a:effectRef idx="0">
+                  <a:schemeClr val="accent4"/>
+                </a:effectRef>
+                <a:fontRef idx="minor">
+                  <a:schemeClr val="lt1"/>
+                </a:fontRef>
+              </p:style>
+              <p:txBody>
+                <a:bodyPr rtlCol="0" anchor="ctr"/>
+                <a:lstStyle/>
+                <a:p>
+                  <a:pPr algn="ctr"/>
+                  <a:endParaRPr lang="en-AU" dirty="0">
+                    <a:latin typeface="Consolas" panose="020B0609020204030204" pitchFamily="49" charset="0"/>
+                  </a:endParaRPr>
+                </a:p>
+              </p:txBody>
+            </p:sp>
+          </p:grpSp>
+        </p:grpSp>
+        <p:grpSp>
+          <p:nvGrpSpPr>
+            <p:cNvPr id="35" name="Group 34">
+              <a:extLst>
+                <a:ext uri="{FF2B5EF4-FFF2-40B4-BE49-F238E27FC236}">
+                  <a16:creationId xmlns:a16="http://schemas.microsoft.com/office/drawing/2014/main" id="{09C03945-6A2D-4B22-B97D-767182BF8F08}"/>
+                </a:ext>
+              </a:extLst>
+            </p:cNvPr>
+            <p:cNvGrpSpPr/>
+            <p:nvPr/>
+          </p:nvGrpSpPr>
+          <p:grpSpPr>
+            <a:xfrm rot="10800000">
+              <a:off x="3965768" y="3818892"/>
+              <a:ext cx="739877" cy="1369444"/>
+              <a:chOff x="1919106" y="3768744"/>
+              <a:chExt cx="653700" cy="1209938"/>
+            </a:xfrm>
+            <a:solidFill>
+              <a:srgbClr val="FF5B5B"/>
+            </a:solidFill>
+          </p:grpSpPr>
+          <p:grpSp>
+            <p:nvGrpSpPr>
+              <p:cNvPr id="36" name="Group 35">
+                <a:extLst>
+                  <a:ext uri="{FF2B5EF4-FFF2-40B4-BE49-F238E27FC236}">
+                    <a16:creationId xmlns:a16="http://schemas.microsoft.com/office/drawing/2014/main" id="{9E5A4C94-B532-464A-8FFD-E9B9687CBB3B}"/>
+                  </a:ext>
+                </a:extLst>
+              </p:cNvPr>
+              <p:cNvGrpSpPr/>
+              <p:nvPr/>
+            </p:nvGrpSpPr>
+            <p:grpSpPr>
+              <a:xfrm>
+                <a:off x="1919106" y="3768744"/>
+                <a:ext cx="653700" cy="419310"/>
+                <a:chOff x="1346870" y="759679"/>
+                <a:chExt cx="653700" cy="419310"/>
+              </a:xfrm>
+              <a:grpFill/>
+            </p:grpSpPr>
+            <p:sp>
+              <p:nvSpPr>
+                <p:cNvPr id="40" name="Rectangle 39">
+                  <a:extLst>
+                    <a:ext uri="{FF2B5EF4-FFF2-40B4-BE49-F238E27FC236}">
+                      <a16:creationId xmlns:a16="http://schemas.microsoft.com/office/drawing/2014/main" id="{939CF1DC-D50C-49A3-8D73-8283422BCB1C}"/>
+                    </a:ext>
+                  </a:extLst>
+                </p:cNvPr>
+                <p:cNvSpPr/>
+                <p:nvPr/>
+              </p:nvSpPr>
+              <p:spPr>
+                <a:xfrm>
+                  <a:off x="1346870" y="875874"/>
+                  <a:ext cx="186921" cy="186921"/>
+                </a:xfrm>
+                <a:prstGeom prst="rect">
+                  <a:avLst/>
+                </a:prstGeom>
+                <a:ln/>
+              </p:spPr>
+              <p:style>
+                <a:lnRef idx="2">
+                  <a:schemeClr val="accent4">
+                    <a:shade val="50000"/>
+                  </a:schemeClr>
+                </a:lnRef>
+                <a:fillRef idx="1">
+                  <a:schemeClr val="accent4"/>
+                </a:fillRef>
+                <a:effectRef idx="0">
+                  <a:schemeClr val="accent4"/>
+                </a:effectRef>
+                <a:fontRef idx="minor">
+                  <a:schemeClr val="lt1"/>
+                </a:fontRef>
+              </p:style>
+              <p:txBody>
+                <a:bodyPr rtlCol="0" anchor="ctr"/>
+                <a:lstStyle/>
+                <a:p>
+                  <a:pPr algn="ctr"/>
+                  <a:endParaRPr lang="en-AU" dirty="0">
+                    <a:latin typeface="Consolas" panose="020B0609020204030204" pitchFamily="49" charset="0"/>
+                  </a:endParaRPr>
+                </a:p>
+              </p:txBody>
+            </p:sp>
+            <p:sp>
+              <p:nvSpPr>
+                <p:cNvPr id="41" name="Isosceles Triangle 40">
+                  <a:extLst>
+                    <a:ext uri="{FF2B5EF4-FFF2-40B4-BE49-F238E27FC236}">
+                      <a16:creationId xmlns:a16="http://schemas.microsoft.com/office/drawing/2014/main" id="{815C94A4-1C66-4B12-9739-C4D2013C9A95}"/>
+                    </a:ext>
+                  </a:extLst>
+                </p:cNvPr>
+                <p:cNvSpPr/>
+                <p:nvPr/>
+              </p:nvSpPr>
+              <p:spPr>
+                <a:xfrm rot="16200000">
+                  <a:off x="1584365" y="762784"/>
+                  <a:ext cx="419310" cy="413100"/>
+                </a:xfrm>
+                <a:prstGeom prst="triangle">
+                  <a:avLst/>
+                </a:prstGeom>
+                <a:ln/>
+              </p:spPr>
+              <p:style>
+                <a:lnRef idx="2">
+                  <a:schemeClr val="accent4">
+                    <a:shade val="50000"/>
+                  </a:schemeClr>
+                </a:lnRef>
+                <a:fillRef idx="1">
+                  <a:schemeClr val="accent4"/>
+                </a:fillRef>
+                <a:effectRef idx="0">
+                  <a:schemeClr val="accent4"/>
+                </a:effectRef>
+                <a:fontRef idx="minor">
+                  <a:schemeClr val="lt1"/>
+                </a:fontRef>
+              </p:style>
+              <p:txBody>
+                <a:bodyPr rtlCol="0" anchor="ctr"/>
+                <a:lstStyle/>
+                <a:p>
+                  <a:pPr algn="ctr"/>
+                  <a:endParaRPr lang="en-AU" dirty="0">
+                    <a:latin typeface="Consolas" panose="020B0609020204030204" pitchFamily="49" charset="0"/>
+                  </a:endParaRPr>
+                </a:p>
+              </p:txBody>
+            </p:sp>
+          </p:grpSp>
+          <p:grpSp>
+            <p:nvGrpSpPr>
+              <p:cNvPr id="37" name="Group 36">
+                <a:extLst>
+                  <a:ext uri="{FF2B5EF4-FFF2-40B4-BE49-F238E27FC236}">
+                    <a16:creationId xmlns:a16="http://schemas.microsoft.com/office/drawing/2014/main" id="{A9D589EF-24E1-49C0-9603-345D6FC9F734}"/>
+                  </a:ext>
+                </a:extLst>
+              </p:cNvPr>
+              <p:cNvGrpSpPr/>
+              <p:nvPr/>
+            </p:nvGrpSpPr>
+            <p:grpSpPr>
+              <a:xfrm>
+                <a:off x="1919106" y="4559372"/>
+                <a:ext cx="653700" cy="419310"/>
+                <a:chOff x="1346870" y="759679"/>
+                <a:chExt cx="653700" cy="419310"/>
+              </a:xfrm>
+              <a:grpFill/>
+            </p:grpSpPr>
+            <p:sp>
+              <p:nvSpPr>
+                <p:cNvPr id="38" name="Rectangle 37">
+                  <a:extLst>
+                    <a:ext uri="{FF2B5EF4-FFF2-40B4-BE49-F238E27FC236}">
+                      <a16:creationId xmlns:a16="http://schemas.microsoft.com/office/drawing/2014/main" id="{826F25DA-C9AB-4E3E-9EBB-027D6D26FD0A}"/>
+                    </a:ext>
+                  </a:extLst>
+                </p:cNvPr>
+                <p:cNvSpPr/>
+                <p:nvPr/>
+              </p:nvSpPr>
+              <p:spPr>
+                <a:xfrm>
+                  <a:off x="1346870" y="875874"/>
+                  <a:ext cx="186921" cy="186921"/>
+                </a:xfrm>
+                <a:prstGeom prst="rect">
+                  <a:avLst/>
+                </a:prstGeom>
+                <a:ln/>
+              </p:spPr>
+              <p:style>
+                <a:lnRef idx="2">
+                  <a:schemeClr val="accent4">
+                    <a:shade val="50000"/>
+                  </a:schemeClr>
+                </a:lnRef>
+                <a:fillRef idx="1">
+                  <a:schemeClr val="accent4"/>
+                </a:fillRef>
+                <a:effectRef idx="0">
+                  <a:schemeClr val="accent4"/>
+                </a:effectRef>
+                <a:fontRef idx="minor">
+                  <a:schemeClr val="lt1"/>
+                </a:fontRef>
+              </p:style>
+              <p:txBody>
+                <a:bodyPr rtlCol="0" anchor="ctr"/>
+                <a:lstStyle/>
+                <a:p>
+                  <a:pPr algn="ctr"/>
+                  <a:endParaRPr lang="en-AU" dirty="0">
+                    <a:latin typeface="Consolas" panose="020B0609020204030204" pitchFamily="49" charset="0"/>
+                  </a:endParaRPr>
+                </a:p>
+              </p:txBody>
+            </p:sp>
+            <p:sp>
+              <p:nvSpPr>
+                <p:cNvPr id="39" name="Isosceles Triangle 38">
+                  <a:extLst>
+                    <a:ext uri="{FF2B5EF4-FFF2-40B4-BE49-F238E27FC236}">
+                      <a16:creationId xmlns:a16="http://schemas.microsoft.com/office/drawing/2014/main" id="{C1AE108F-BDF9-47B4-8D7B-26CA6AF044C5}"/>
+                    </a:ext>
+                  </a:extLst>
+                </p:cNvPr>
+                <p:cNvSpPr/>
+                <p:nvPr/>
+              </p:nvSpPr>
+              <p:spPr>
+                <a:xfrm rot="16200000">
+                  <a:off x="1584365" y="762784"/>
+                  <a:ext cx="419310" cy="413100"/>
+                </a:xfrm>
+                <a:prstGeom prst="triangle">
+                  <a:avLst/>
+                </a:prstGeom>
+                <a:ln/>
+              </p:spPr>
+              <p:style>
+                <a:lnRef idx="2">
+                  <a:schemeClr val="accent4">
+                    <a:shade val="50000"/>
+                  </a:schemeClr>
+                </a:lnRef>
+                <a:fillRef idx="1">
+                  <a:schemeClr val="accent4"/>
+                </a:fillRef>
+                <a:effectRef idx="0">
+                  <a:schemeClr val="accent4"/>
+                </a:effectRef>
+                <a:fontRef idx="minor">
+                  <a:schemeClr val="lt1"/>
+                </a:fontRef>
+              </p:style>
+              <p:txBody>
+                <a:bodyPr rtlCol="0" anchor="ctr"/>
+                <a:lstStyle/>
+                <a:p>
+                  <a:pPr algn="ctr"/>
+                  <a:endParaRPr lang="en-AU" dirty="0">
+                    <a:latin typeface="Consolas" panose="020B0609020204030204" pitchFamily="49" charset="0"/>
+                  </a:endParaRPr>
+                </a:p>
+              </p:txBody>
+            </p:sp>
+          </p:grpSp>
+        </p:grpSp>
+        <p:sp>
+          <p:nvSpPr>
+            <p:cNvPr id="29" name="TextBox 28">
+              <a:extLst>
+                <a:ext uri="{FF2B5EF4-FFF2-40B4-BE49-F238E27FC236}">
+                  <a16:creationId xmlns:a16="http://schemas.microsoft.com/office/drawing/2014/main" id="{3150B98B-8C81-452C-AA92-7CF5CF0CD7C1}"/>
+                </a:ext>
+              </a:extLst>
+            </p:cNvPr>
+            <p:cNvSpPr txBox="1"/>
+            <p:nvPr/>
+          </p:nvSpPr>
+          <p:spPr>
+            <a:xfrm>
+              <a:off x="1857717" y="3093221"/>
+              <a:ext cx="309700" cy="369332"/>
+            </a:xfrm>
+            <a:prstGeom prst="rect">
+              <a:avLst/>
+            </a:prstGeom>
+            <a:noFill/>
+          </p:spPr>
+          <p:txBody>
+            <a:bodyPr wrap="none" rtlCol="0">
+              <a:spAutoFit/>
+            </a:bodyPr>
+            <a:lstStyle/>
+            <a:p>
+              <a:r>
+                <a:rPr lang="en-AU" dirty="0">
+                  <a:latin typeface="Consolas" panose="020B0609020204030204" pitchFamily="49" charset="0"/>
+                </a:rPr>
+                <a:t>B</a:t>
+              </a:r>
+            </a:p>
+          </p:txBody>
+        </p:sp>
+        <p:sp>
+          <p:nvSpPr>
+            <p:cNvPr id="42" name="TextBox 41">
+              <a:extLst>
+                <a:ext uri="{FF2B5EF4-FFF2-40B4-BE49-F238E27FC236}">
+                  <a16:creationId xmlns:a16="http://schemas.microsoft.com/office/drawing/2014/main" id="{77D88D7C-9178-4E20-A226-7F43C3846302}"/>
+                </a:ext>
+              </a:extLst>
+            </p:cNvPr>
+            <p:cNvSpPr txBox="1"/>
+            <p:nvPr/>
+          </p:nvSpPr>
+          <p:spPr>
+            <a:xfrm>
+              <a:off x="1361095" y="4286134"/>
+              <a:ext cx="309700" cy="369332"/>
+            </a:xfrm>
+            <a:prstGeom prst="rect">
+              <a:avLst/>
+            </a:prstGeom>
+            <a:noFill/>
+          </p:spPr>
+          <p:txBody>
+            <a:bodyPr wrap="none" rtlCol="0">
+              <a:spAutoFit/>
+            </a:bodyPr>
+            <a:lstStyle/>
+            <a:p>
+              <a:r>
+                <a:rPr lang="en-AU" dirty="0">
+                  <a:latin typeface="Consolas" panose="020B0609020204030204" pitchFamily="49" charset="0"/>
+                </a:rPr>
+                <a:t>C</a:t>
+              </a:r>
+            </a:p>
+          </p:txBody>
+        </p:sp>
+        <p:sp>
+          <p:nvSpPr>
+            <p:cNvPr id="43" name="TextBox 42">
+              <a:extLst>
+                <a:ext uri="{FF2B5EF4-FFF2-40B4-BE49-F238E27FC236}">
+                  <a16:creationId xmlns:a16="http://schemas.microsoft.com/office/drawing/2014/main" id="{6B612215-E38D-4B0F-9FED-D70565E6AFDF}"/>
+                </a:ext>
+              </a:extLst>
+            </p:cNvPr>
+            <p:cNvSpPr txBox="1"/>
+            <p:nvPr/>
+          </p:nvSpPr>
+          <p:spPr>
+            <a:xfrm>
+              <a:off x="3106744" y="5209597"/>
+              <a:ext cx="311304" cy="369332"/>
+            </a:xfrm>
+            <a:prstGeom prst="rect">
+              <a:avLst/>
+            </a:prstGeom>
+            <a:noFill/>
+          </p:spPr>
+          <p:txBody>
+            <a:bodyPr wrap="none" rtlCol="0">
+              <a:spAutoFit/>
+            </a:bodyPr>
+            <a:lstStyle/>
+            <a:p>
+              <a:r>
+                <a:rPr lang="en-AU" dirty="0">
+                  <a:latin typeface="Consolas" panose="020B0609020204030204" pitchFamily="49" charset="0"/>
+                </a:rPr>
+                <a:t>D</a:t>
+              </a:r>
+            </a:p>
+          </p:txBody>
+        </p:sp>
+        <p:sp>
+          <p:nvSpPr>
+            <p:cNvPr id="44" name="TextBox 43">
+              <a:extLst>
+                <a:ext uri="{FF2B5EF4-FFF2-40B4-BE49-F238E27FC236}">
+                  <a16:creationId xmlns:a16="http://schemas.microsoft.com/office/drawing/2014/main" id="{F8B091E5-AD1E-422B-B227-8EAC66BF0862}"/>
+                </a:ext>
+              </a:extLst>
+            </p:cNvPr>
+            <p:cNvSpPr txBox="1"/>
+            <p:nvPr/>
+          </p:nvSpPr>
+          <p:spPr>
+            <a:xfrm>
+              <a:off x="3418048" y="2943550"/>
+              <a:ext cx="311304" cy="369332"/>
+            </a:xfrm>
+            <a:prstGeom prst="rect">
+              <a:avLst/>
+            </a:prstGeom>
+            <a:noFill/>
+          </p:spPr>
+          <p:txBody>
+            <a:bodyPr wrap="none" rtlCol="0">
+              <a:spAutoFit/>
+            </a:bodyPr>
+            <a:lstStyle/>
+            <a:p>
+              <a:r>
+                <a:rPr lang="en-AU" dirty="0">
+                  <a:latin typeface="Consolas" panose="020B0609020204030204" pitchFamily="49" charset="0"/>
+                </a:rPr>
+                <a:t>F</a:t>
+              </a:r>
+            </a:p>
+          </p:txBody>
+        </p:sp>
+        <p:sp>
+          <p:nvSpPr>
+            <p:cNvPr id="45" name="Oval 44">
+              <a:extLst>
+                <a:ext uri="{FF2B5EF4-FFF2-40B4-BE49-F238E27FC236}">
+                  <a16:creationId xmlns:a16="http://schemas.microsoft.com/office/drawing/2014/main" id="{AEF49F6A-603A-43E8-96B7-63CCAC054862}"/>
+                </a:ext>
+              </a:extLst>
+            </p:cNvPr>
+            <p:cNvSpPr/>
+            <p:nvPr/>
+          </p:nvSpPr>
+          <p:spPr>
+            <a:xfrm>
+              <a:off x="3080963" y="3076629"/>
+              <a:ext cx="378895" cy="378895"/>
+            </a:xfrm>
+            <a:prstGeom prst="ellipse">
+              <a:avLst/>
+            </a:prstGeom>
+            <a:solidFill>
+              <a:schemeClr val="tx1"/>
+            </a:solidFill>
+            <a:ln>
+              <a:noFill/>
+            </a:ln>
+          </p:spPr>
+          <p:style>
+            <a:lnRef idx="2">
+              <a:schemeClr val="accent1">
+                <a:shade val="50000"/>
+              </a:schemeClr>
+            </a:lnRef>
+            <a:fillRef idx="1">
+              <a:schemeClr val="accent1"/>
+            </a:fillRef>
+            <a:effectRef idx="0">
+              <a:schemeClr val="accent1"/>
+            </a:effectRef>
+            <a:fontRef idx="minor">
+              <a:schemeClr val="lt1"/>
+            </a:fontRef>
+          </p:style>
+          <p:txBody>
+            <a:bodyPr rtlCol="0" anchor="ctr"/>
+            <a:lstStyle/>
+            <a:p>
+              <a:pPr algn="ctr"/>
+              <a:endParaRPr lang="en-AU" dirty="0">
+                <a:latin typeface="Consolas" panose="020B0609020204030204" pitchFamily="49" charset="0"/>
+              </a:endParaRPr>
+            </a:p>
+          </p:txBody>
+        </p:sp>
+        <p:cxnSp>
+          <p:nvCxnSpPr>
+            <p:cNvPr id="47" name="Connector: Elbow 46">
+              <a:extLst>
+                <a:ext uri="{FF2B5EF4-FFF2-40B4-BE49-F238E27FC236}">
+                  <a16:creationId xmlns:a16="http://schemas.microsoft.com/office/drawing/2014/main" id="{A19063E1-0473-44A0-8EF6-3B1A80230128}"/>
+                </a:ext>
+              </a:extLst>
+            </p:cNvPr>
+            <p:cNvCxnSpPr>
+              <a:stCxn id="42" idx="0"/>
+              <a:endCxn id="18" idx="1"/>
+            </p:cNvCxnSpPr>
+            <p:nvPr/>
+          </p:nvCxnSpPr>
+          <p:spPr>
+            <a:xfrm rot="5400000" flipH="1" flipV="1">
+              <a:off x="1555822" y="4016311"/>
+              <a:ext cx="229947" cy="309700"/>
+            </a:xfrm>
+            <a:prstGeom prst="bentConnector2">
+              <a:avLst/>
+            </a:prstGeom>
+            <a:ln>
+              <a:tailEnd type="triangle"/>
+            </a:ln>
+          </p:spPr>
+          <p:style>
+            <a:lnRef idx="3">
+              <a:schemeClr val="accent2"/>
+            </a:lnRef>
+            <a:fillRef idx="0">
+              <a:schemeClr val="accent2"/>
+            </a:fillRef>
+            <a:effectRef idx="2">
+              <a:schemeClr val="accent2"/>
+            </a:effectRef>
+            <a:fontRef idx="minor">
+              <a:schemeClr val="tx1"/>
+            </a:fontRef>
+          </p:style>
+        </p:cxnSp>
+        <p:cxnSp>
+          <p:nvCxnSpPr>
+            <p:cNvPr id="49" name="Connector: Elbow 48">
+              <a:extLst>
+                <a:ext uri="{FF2B5EF4-FFF2-40B4-BE49-F238E27FC236}">
+                  <a16:creationId xmlns:a16="http://schemas.microsoft.com/office/drawing/2014/main" id="{6688A659-5AA7-4D2C-8548-8D8E7D672A64}"/>
+                </a:ext>
+              </a:extLst>
+            </p:cNvPr>
+            <p:cNvCxnSpPr>
+              <a:stCxn id="42" idx="2"/>
+              <a:endCxn id="31" idx="1"/>
+            </p:cNvCxnSpPr>
+            <p:nvPr/>
+          </p:nvCxnSpPr>
+          <p:spPr>
+            <a:xfrm rot="16200000" flipH="1">
+              <a:off x="1523007" y="4648404"/>
+              <a:ext cx="295577" cy="309700"/>
+            </a:xfrm>
+            <a:prstGeom prst="bentConnector2">
+              <a:avLst/>
+            </a:prstGeom>
+            <a:ln>
+              <a:tailEnd type="triangle"/>
+            </a:ln>
+          </p:spPr>
+          <p:style>
+            <a:lnRef idx="3">
+              <a:schemeClr val="accent2"/>
+            </a:lnRef>
+            <a:fillRef idx="0">
+              <a:schemeClr val="accent2"/>
+            </a:fillRef>
+            <a:effectRef idx="2">
+              <a:schemeClr val="accent2"/>
+            </a:effectRef>
+            <a:fontRef idx="minor">
+              <a:schemeClr val="tx1"/>
+            </a:fontRef>
+          </p:style>
+        </p:cxnSp>
+        <p:cxnSp>
+          <p:nvCxnSpPr>
+            <p:cNvPr id="53" name="Connector: Elbow 52">
+              <a:extLst>
+                <a:ext uri="{FF2B5EF4-FFF2-40B4-BE49-F238E27FC236}">
+                  <a16:creationId xmlns:a16="http://schemas.microsoft.com/office/drawing/2014/main" id="{FDE4D337-8D98-4F5A-B7DC-6A18DF0853C9}"/>
+                </a:ext>
+              </a:extLst>
+            </p:cNvPr>
+            <p:cNvCxnSpPr>
+              <a:stCxn id="43" idx="1"/>
+              <a:endCxn id="34" idx="1"/>
+            </p:cNvCxnSpPr>
+            <p:nvPr/>
+          </p:nvCxnSpPr>
+          <p:spPr>
+            <a:xfrm rot="10800000">
+              <a:off x="2331744" y="5069691"/>
+              <a:ext cx="775000" cy="324573"/>
+            </a:xfrm>
+            <a:prstGeom prst="bentConnector2">
+              <a:avLst/>
+            </a:prstGeom>
+            <a:ln>
+              <a:tailEnd type="triangle"/>
+            </a:ln>
+          </p:spPr>
+          <p:style>
+            <a:lnRef idx="3">
+              <a:schemeClr val="accent2"/>
+            </a:lnRef>
+            <a:fillRef idx="0">
+              <a:schemeClr val="accent2"/>
+            </a:fillRef>
+            <a:effectRef idx="2">
+              <a:schemeClr val="accent2"/>
+            </a:effectRef>
+            <a:fontRef idx="minor">
+              <a:schemeClr val="tx1"/>
+            </a:fontRef>
+          </p:style>
+        </p:cxnSp>
+        <p:cxnSp>
+          <p:nvCxnSpPr>
+            <p:cNvPr id="55" name="Connector: Elbow 54">
+              <a:extLst>
+                <a:ext uri="{FF2B5EF4-FFF2-40B4-BE49-F238E27FC236}">
+                  <a16:creationId xmlns:a16="http://schemas.microsoft.com/office/drawing/2014/main" id="{3E95FB2F-4E49-42DF-8AB0-21FA61304F3B}"/>
+                </a:ext>
+              </a:extLst>
+            </p:cNvPr>
+            <p:cNvCxnSpPr>
+              <a:stCxn id="43" idx="3"/>
+              <a:endCxn id="41" idx="5"/>
+            </p:cNvCxnSpPr>
+            <p:nvPr/>
+          </p:nvCxnSpPr>
+          <p:spPr>
+            <a:xfrm flipV="1">
+              <a:off x="3418048" y="5069690"/>
+              <a:ext cx="781499" cy="324573"/>
+            </a:xfrm>
+            <a:prstGeom prst="bentConnector2">
+              <a:avLst/>
+            </a:prstGeom>
+            <a:ln>
+              <a:tailEnd type="triangle"/>
+            </a:ln>
+          </p:spPr>
+          <p:style>
+            <a:lnRef idx="3">
+              <a:schemeClr val="accent2"/>
+            </a:lnRef>
+            <a:fillRef idx="0">
+              <a:schemeClr val="accent2"/>
+            </a:fillRef>
+            <a:effectRef idx="2">
+              <a:schemeClr val="accent2"/>
+            </a:effectRef>
+            <a:fontRef idx="minor">
+              <a:schemeClr val="tx1"/>
+            </a:fontRef>
+          </p:style>
+        </p:cxnSp>
+      </p:grpSp>
+    </p:spTree>
+    <p:extLst>
+      <p:ext uri="{BB962C8B-B14F-4D97-AF65-F5344CB8AC3E}">
+        <p14:creationId xmlns:p14="http://schemas.microsoft.com/office/powerpoint/2010/main" val="1276795312"/>
+      </p:ext>
+    </p:extLst>
+  </p:cSld>
+  <p:clrMapOvr>
+    <a:masterClrMapping/>
+  </p:clrMapOvr>
+</p:sld>
+</file>
+
+<file path=ppt/slides/slide11.xml><?xml version="1.0" encoding="utf-8"?>
+<p:sld xmlns:a="http://schemas.openxmlformats.org/drawingml/2006/main" xmlns:r="http://schemas.openxmlformats.org/officeDocument/2006/relationships" xmlns:p="http://schemas.openxmlformats.org/presentationml/2006/main">
+  <p:cSld>
+    <p:spTree>
+      <p:nvGrpSpPr>
+        <p:cNvPr id="1" name=""/>
+        <p:cNvGrpSpPr/>
+        <p:nvPr/>
+      </p:nvGrpSpPr>
+      <p:grpSpPr>
+        <a:xfrm>
+          <a:off x="0" y="0"/>
+          <a:ext cx="0" cy="0"/>
+          <a:chOff x="0" y="0"/>
+          <a:chExt cx="0" cy="0"/>
+        </a:xfrm>
+      </p:grpSpPr>
+      <p:grpSp>
+        <p:nvGrpSpPr>
           <p:cNvPr id="2" name="Group 1">
             <a:extLst>
               <a:ext uri="{FF2B5EF4-FFF2-40B4-BE49-F238E27FC236}">
@@ -6195,7 +7370,7 @@
 </p:sld>
 </file>
 
-<file path=ppt/slides/slide11.xml><?xml version="1.0" encoding="utf-8"?>
+<file path=ppt/slides/slide12.xml><?xml version="1.0" encoding="utf-8"?>
 <p:sld xmlns:a="http://schemas.openxmlformats.org/drawingml/2006/main" xmlns:r="http://schemas.openxmlformats.org/officeDocument/2006/relationships" xmlns:p="http://schemas.openxmlformats.org/presentationml/2006/main">
   <p:cSld>
     <p:spTree>
@@ -10363,7 +11538,7 @@
 </p:sld>
 </file>
 
-<file path=ppt/slides/slide12.xml><?xml version="1.0" encoding="utf-8"?>
+<file path=ppt/slides/slide13.xml><?xml version="1.0" encoding="utf-8"?>
 <p:sld xmlns:a="http://schemas.openxmlformats.org/drawingml/2006/main" xmlns:r="http://schemas.openxmlformats.org/officeDocument/2006/relationships" xmlns:p="http://schemas.openxmlformats.org/presentationml/2006/main">
   <p:cSld>
     <p:spTree>
@@ -12521,7 +13696,7 @@
 </p:sld>
 </file>
 
-<file path=ppt/slides/slide13.xml><?xml version="1.0" encoding="utf-8"?>
+<file path=ppt/slides/slide14.xml><?xml version="1.0" encoding="utf-8"?>
 <p:sld xmlns:a="http://schemas.openxmlformats.org/drawingml/2006/main" xmlns:r="http://schemas.openxmlformats.org/officeDocument/2006/relationships" xmlns:p="http://schemas.openxmlformats.org/presentationml/2006/main">
   <p:cSld>
     <p:spTree>
@@ -15374,7 +16549,7 @@
 </p:sld>
 </file>
 
-<file path=ppt/slides/slide14.xml><?xml version="1.0" encoding="utf-8"?>
+<file path=ppt/slides/slide15.xml><?xml version="1.0" encoding="utf-8"?>
 <p:sld xmlns:a="http://schemas.openxmlformats.org/drawingml/2006/main" xmlns:r="http://schemas.openxmlformats.org/officeDocument/2006/relationships" xmlns:p="http://schemas.openxmlformats.org/presentationml/2006/main">
   <p:cSld>
     <p:spTree>
@@ -16792,7 +17967,7 @@
 </p:sld>
 </file>
 
-<file path=ppt/slides/slide15.xml><?xml version="1.0" encoding="utf-8"?>
+<file path=ppt/slides/slide16.xml><?xml version="1.0" encoding="utf-8"?>
 <p:sld xmlns:a="http://schemas.openxmlformats.org/drawingml/2006/main" xmlns:r="http://schemas.openxmlformats.org/officeDocument/2006/relationships" xmlns:p="http://schemas.openxmlformats.org/presentationml/2006/main">
   <p:cSld>
     <p:spTree>
@@ -18244,7 +19419,7 @@
 </p:sld>
 </file>
 
-<file path=ppt/slides/slide16.xml><?xml version="1.0" encoding="utf-8"?>
+<file path=ppt/slides/slide17.xml><?xml version="1.0" encoding="utf-8"?>
 <p:sld xmlns:a="http://schemas.openxmlformats.org/drawingml/2006/main" xmlns:r="http://schemas.openxmlformats.org/officeDocument/2006/relationships" xmlns:p="http://schemas.openxmlformats.org/presentationml/2006/main">
   <p:cSld>
     <p:spTree>
@@ -19718,7 +20893,7 @@
 </p:sld>
 </file>
 
-<file path=ppt/slides/slide17.xml><?xml version="1.0" encoding="utf-8"?>
+<file path=ppt/slides/slide18.xml><?xml version="1.0" encoding="utf-8"?>
 <p:sld xmlns:a="http://schemas.openxmlformats.org/drawingml/2006/main" xmlns:r="http://schemas.openxmlformats.org/officeDocument/2006/relationships" xmlns:p="http://schemas.openxmlformats.org/presentationml/2006/main">
   <p:cSld>
     <p:spTree>
@@ -21914,7 +23089,7 @@
 </p:sld>
 </file>
 
-<file path=ppt/slides/slide18.xml><?xml version="1.0" encoding="utf-8"?>
+<file path=ppt/slides/slide19.xml><?xml version="1.0" encoding="utf-8"?>
 <p:sld xmlns:a="http://schemas.openxmlformats.org/drawingml/2006/main" xmlns:r="http://schemas.openxmlformats.org/officeDocument/2006/relationships" xmlns:p="http://schemas.openxmlformats.org/presentationml/2006/main">
   <p:cSld>
     <p:spTree>
@@ -23222,7 +24397,701 @@
 </p:sld>
 </file>
 
-<file path=ppt/slides/slide19.xml><?xml version="1.0" encoding="utf-8"?>
+<file path=ppt/slides/slide2.xml><?xml version="1.0" encoding="utf-8"?>
+<p:sld xmlns:a="http://schemas.openxmlformats.org/drawingml/2006/main" xmlns:r="http://schemas.openxmlformats.org/officeDocument/2006/relationships" xmlns:p="http://schemas.openxmlformats.org/presentationml/2006/main">
+  <p:cSld>
+    <p:spTree>
+      <p:nvGrpSpPr>
+        <p:cNvPr id="1" name=""/>
+        <p:cNvGrpSpPr/>
+        <p:nvPr/>
+      </p:nvGrpSpPr>
+      <p:grpSpPr>
+        <a:xfrm>
+          <a:off x="0" y="0"/>
+          <a:ext cx="0" cy="0"/>
+          <a:chOff x="0" y="0"/>
+          <a:chExt cx="0" cy="0"/>
+        </a:xfrm>
+      </p:grpSpPr>
+      <p:sp>
+        <p:nvSpPr>
+          <p:cNvPr id="4" name="Isosceles Triangle 3">
+            <a:extLst>
+              <a:ext uri="{FF2B5EF4-FFF2-40B4-BE49-F238E27FC236}">
+                <a16:creationId xmlns:a16="http://schemas.microsoft.com/office/drawing/2014/main" id="{459E2B35-D626-4EEA-8E72-9B0AE27EB6FE}"/>
+              </a:ext>
+            </a:extLst>
+          </p:cNvPr>
+          <p:cNvSpPr/>
+          <p:nvPr/>
+        </p:nvSpPr>
+        <p:spPr>
+          <a:xfrm rot="5400000">
+            <a:off x="4126161" y="2188721"/>
+            <a:ext cx="1542842" cy="1330036"/>
+          </a:xfrm>
+          <a:prstGeom prst="triangle">
+            <a:avLst/>
+          </a:prstGeom>
+          <a:ln w="28575"/>
+        </p:spPr>
+        <p:style>
+          <a:lnRef idx="2">
+            <a:schemeClr val="dk1"/>
+          </a:lnRef>
+          <a:fillRef idx="1">
+            <a:schemeClr val="lt1"/>
+          </a:fillRef>
+          <a:effectRef idx="0">
+            <a:schemeClr val="dk1"/>
+          </a:effectRef>
+          <a:fontRef idx="minor">
+            <a:schemeClr val="dk1"/>
+          </a:fontRef>
+        </p:style>
+        <p:txBody>
+          <a:bodyPr rtlCol="0" anchor="ctr"/>
+          <a:lstStyle/>
+          <a:p>
+            <a:pPr algn="ctr"/>
+            <a:endParaRPr lang="en-AU" sz="1600">
+              <a:solidFill>
+                <a:schemeClr val="accent2"/>
+              </a:solidFill>
+              <a:latin typeface="Consolas" panose="020B0609020204030204" pitchFamily="49" charset="0"/>
+            </a:endParaRPr>
+          </a:p>
+        </p:txBody>
+      </p:sp>
+      <p:grpSp>
+        <p:nvGrpSpPr>
+          <p:cNvPr id="35" name="Group 34">
+            <a:extLst>
+              <a:ext uri="{FF2B5EF4-FFF2-40B4-BE49-F238E27FC236}">
+                <a16:creationId xmlns:a16="http://schemas.microsoft.com/office/drawing/2014/main" id="{54930EDA-6E3D-4F6A-8BC4-9E67DF1C2248}"/>
+              </a:ext>
+            </a:extLst>
+          </p:cNvPr>
+          <p:cNvGrpSpPr/>
+          <p:nvPr/>
+        </p:nvGrpSpPr>
+        <p:grpSpPr>
+          <a:xfrm>
+            <a:off x="4232564" y="2163783"/>
+            <a:ext cx="410690" cy="1379910"/>
+            <a:chOff x="4232564" y="2299749"/>
+            <a:chExt cx="410690" cy="1379910"/>
+          </a:xfrm>
+        </p:grpSpPr>
+        <p:sp>
+          <p:nvSpPr>
+            <p:cNvPr id="5" name="TextBox 4">
+              <a:extLst>
+                <a:ext uri="{FF2B5EF4-FFF2-40B4-BE49-F238E27FC236}">
+                  <a16:creationId xmlns:a16="http://schemas.microsoft.com/office/drawing/2014/main" id="{66512A11-D9B6-4947-B892-DA1134D95238}"/>
+                </a:ext>
+              </a:extLst>
+            </p:cNvPr>
+            <p:cNvSpPr txBox="1"/>
+            <p:nvPr/>
+          </p:nvSpPr>
+          <p:spPr>
+            <a:xfrm>
+              <a:off x="4232564" y="2299749"/>
+              <a:ext cx="410690" cy="584775"/>
+            </a:xfrm>
+            <a:prstGeom prst="rect">
+              <a:avLst/>
+            </a:prstGeom>
+            <a:noFill/>
+          </p:spPr>
+          <p:txBody>
+            <a:bodyPr wrap="none" rtlCol="0">
+              <a:spAutoFit/>
+            </a:bodyPr>
+            <a:lstStyle/>
+            <a:p>
+              <a:r>
+                <a:rPr lang="en-AU" sz="3200" dirty="0">
+                  <a:solidFill>
+                    <a:schemeClr val="accent2"/>
+                  </a:solidFill>
+                  <a:latin typeface="Consolas" panose="020B0609020204030204" pitchFamily="49" charset="0"/>
+                </a:rPr>
+                <a:t>+</a:t>
+              </a:r>
+            </a:p>
+          </p:txBody>
+        </p:sp>
+        <p:sp>
+          <p:nvSpPr>
+            <p:cNvPr id="6" name="TextBox 5">
+              <a:extLst>
+                <a:ext uri="{FF2B5EF4-FFF2-40B4-BE49-F238E27FC236}">
+                  <a16:creationId xmlns:a16="http://schemas.microsoft.com/office/drawing/2014/main" id="{15E64E94-B41A-445F-AB73-2D2E5F495AA3}"/>
+                </a:ext>
+              </a:extLst>
+            </p:cNvPr>
+            <p:cNvSpPr txBox="1"/>
+            <p:nvPr/>
+          </p:nvSpPr>
+          <p:spPr>
+            <a:xfrm>
+              <a:off x="4232564" y="3094884"/>
+              <a:ext cx="410690" cy="584775"/>
+            </a:xfrm>
+            <a:prstGeom prst="rect">
+              <a:avLst/>
+            </a:prstGeom>
+            <a:noFill/>
+          </p:spPr>
+          <p:txBody>
+            <a:bodyPr wrap="none" rtlCol="0">
+              <a:spAutoFit/>
+            </a:bodyPr>
+            <a:lstStyle/>
+            <a:p>
+              <a:r>
+                <a:rPr lang="en-AU" sz="3200" dirty="0">
+                  <a:solidFill>
+                    <a:schemeClr val="accent2"/>
+                  </a:solidFill>
+                  <a:latin typeface="Consolas" panose="020B0609020204030204" pitchFamily="49" charset="0"/>
+                </a:rPr>
+                <a:t>-</a:t>
+              </a:r>
+            </a:p>
+          </p:txBody>
+        </p:sp>
+      </p:grpSp>
+      <mc:AlternateContent xmlns:mc="http://schemas.openxmlformats.org/markup-compatibility/2006">
+        <mc:Choice xmlns:a14="http://schemas.microsoft.com/office/drawing/2010/main" Requires="a14">
+          <p:sp>
+            <p:nvSpPr>
+              <p:cNvPr id="7" name="TextBox 6">
+                <a:extLst>
+                  <a:ext uri="{FF2B5EF4-FFF2-40B4-BE49-F238E27FC236}">
+                    <a16:creationId xmlns:a16="http://schemas.microsoft.com/office/drawing/2014/main" id="{DC8F5F76-0C74-48D9-87FD-DC8225A4F6DD}"/>
+                  </a:ext>
+                </a:extLst>
+              </p:cNvPr>
+              <p:cNvSpPr txBox="1"/>
+              <p:nvPr/>
+            </p:nvSpPr>
+            <p:spPr>
+              <a:xfrm>
+                <a:off x="2963635" y="2145861"/>
+                <a:ext cx="559640" cy="338554"/>
+              </a:xfrm>
+              <a:prstGeom prst="rect">
+                <a:avLst/>
+              </a:prstGeom>
+              <a:noFill/>
+            </p:spPr>
+            <p:txBody>
+              <a:bodyPr wrap="none" rtlCol="0">
+                <a:spAutoFit/>
+              </a:bodyPr>
+              <a:lstStyle/>
+              <a:p>
+                <a14:m>
+                  <m:oMathPara xmlns:m="http://schemas.openxmlformats.org/officeDocument/2006/math">
+                    <m:oMathParaPr>
+                      <m:jc m:val="centerGroup"/>
+                    </m:oMathParaPr>
+                    <m:oMath xmlns:m="http://schemas.openxmlformats.org/officeDocument/2006/math">
+                      <m:sSub>
+                        <m:sSubPr>
+                          <m:ctrlPr>
+                            <a:rPr lang="en-AU" sz="1600" b="0" i="1" smtClean="0">
+                              <a:solidFill>
+                                <a:schemeClr val="accent2"/>
+                              </a:solidFill>
+                              <a:latin typeface="Cambria Math" panose="02040503050406030204" pitchFamily="18" charset="0"/>
+                            </a:rPr>
+                          </m:ctrlPr>
+                        </m:sSubPr>
+                        <m:e>
+                          <m:r>
+                            <a:rPr lang="en-AU" sz="1600" b="0" i="1" smtClean="0">
+                              <a:solidFill>
+                                <a:schemeClr val="accent2"/>
+                              </a:solidFill>
+                              <a:latin typeface="Cambria Math" panose="02040503050406030204" pitchFamily="18" charset="0"/>
+                            </a:rPr>
+                            <m:t>𝑉</m:t>
+                          </m:r>
+                        </m:e>
+                        <m:sub>
+                          <m:r>
+                            <a:rPr lang="en-AU" sz="1600" b="0" i="1" smtClean="0">
+                              <a:solidFill>
+                                <a:schemeClr val="accent2"/>
+                              </a:solidFill>
+                              <a:latin typeface="Cambria Math" panose="02040503050406030204" pitchFamily="18" charset="0"/>
+                            </a:rPr>
+                            <m:t>𝑖𝑛</m:t>
+                          </m:r>
+                        </m:sub>
+                      </m:sSub>
+                    </m:oMath>
+                  </m:oMathPara>
+                </a14:m>
+                <a:endParaRPr lang="en-AU" sz="1600" b="0" dirty="0">
+                  <a:solidFill>
+                    <a:schemeClr val="accent2"/>
+                  </a:solidFill>
+                  <a:latin typeface="Consolas" panose="020B0609020204030204" pitchFamily="49" charset="0"/>
+                </a:endParaRPr>
+              </a:p>
+            </p:txBody>
+          </p:sp>
+        </mc:Choice>
+        <mc:Fallback>
+          <p:sp>
+            <p:nvSpPr>
+              <p:cNvPr id="7" name="TextBox 6">
+                <a:extLst>
+                  <a:ext uri="{FF2B5EF4-FFF2-40B4-BE49-F238E27FC236}">
+                    <a16:creationId xmlns:a16="http://schemas.microsoft.com/office/drawing/2014/main" id="{DC8F5F76-0C74-48D9-87FD-DC8225A4F6DD}"/>
+                  </a:ext>
+                </a:extLst>
+              </p:cNvPr>
+              <p:cNvSpPr txBox="1">
+                <a:spLocks noRot="1" noChangeAspect="1" noMove="1" noResize="1" noEditPoints="1" noAdjustHandles="1" noChangeArrowheads="1" noChangeShapeType="1" noTextEdit="1"/>
+              </p:cNvSpPr>
+              <p:nvPr/>
+            </p:nvSpPr>
+            <p:spPr>
+              <a:xfrm>
+                <a:off x="2963635" y="2145861"/>
+                <a:ext cx="559640" cy="338554"/>
+              </a:xfrm>
+              <a:prstGeom prst="rect">
+                <a:avLst/>
+              </a:prstGeom>
+              <a:blipFill>
+                <a:blip r:embed="rId2"/>
+                <a:stretch>
+                  <a:fillRect/>
+                </a:stretch>
+              </a:blipFill>
+            </p:spPr>
+            <p:txBody>
+              <a:bodyPr/>
+              <a:lstStyle/>
+              <a:p>
+                <a:r>
+                  <a:rPr lang="en-AU">
+                    <a:noFill/>
+                  </a:rPr>
+                  <a:t> </a:t>
+                </a:r>
+              </a:p>
+            </p:txBody>
+          </p:sp>
+        </mc:Fallback>
+      </mc:AlternateContent>
+      <mc:AlternateContent xmlns:mc="http://schemas.openxmlformats.org/markup-compatibility/2006">
+        <mc:Choice xmlns:a14="http://schemas.microsoft.com/office/drawing/2010/main" Requires="a14">
+          <p:sp>
+            <p:nvSpPr>
+              <p:cNvPr id="8" name="TextBox 7">
+                <a:extLst>
+                  <a:ext uri="{FF2B5EF4-FFF2-40B4-BE49-F238E27FC236}">
+                    <a16:creationId xmlns:a16="http://schemas.microsoft.com/office/drawing/2014/main" id="{09B972CD-93BB-451B-B400-A0D78FEB8E4A}"/>
+                  </a:ext>
+                </a:extLst>
+              </p:cNvPr>
+              <p:cNvSpPr txBox="1"/>
+              <p:nvPr/>
+            </p:nvSpPr>
+            <p:spPr>
+              <a:xfrm>
+                <a:off x="6711043" y="2520603"/>
+                <a:ext cx="662104" cy="338554"/>
+              </a:xfrm>
+              <a:prstGeom prst="rect">
+                <a:avLst/>
+              </a:prstGeom>
+              <a:noFill/>
+            </p:spPr>
+            <p:txBody>
+              <a:bodyPr wrap="none" rtlCol="0">
+                <a:spAutoFit/>
+              </a:bodyPr>
+              <a:lstStyle/>
+              <a:p>
+                <a14:m>
+                  <m:oMathPara xmlns:m="http://schemas.openxmlformats.org/officeDocument/2006/math">
+                    <m:oMathParaPr>
+                      <m:jc m:val="centerGroup"/>
+                    </m:oMathParaPr>
+                    <m:oMath xmlns:m="http://schemas.openxmlformats.org/officeDocument/2006/math">
+                      <m:sSub>
+                        <m:sSubPr>
+                          <m:ctrlPr>
+                            <a:rPr lang="en-AU" sz="1600" b="0" i="1" smtClean="0">
+                              <a:solidFill>
+                                <a:schemeClr val="accent2"/>
+                              </a:solidFill>
+                              <a:latin typeface="Cambria Math" panose="02040503050406030204" pitchFamily="18" charset="0"/>
+                            </a:rPr>
+                          </m:ctrlPr>
+                        </m:sSubPr>
+                        <m:e>
+                          <m:r>
+                            <a:rPr lang="en-AU" sz="1600" b="0" i="1" smtClean="0">
+                              <a:solidFill>
+                                <a:schemeClr val="accent2"/>
+                              </a:solidFill>
+                              <a:latin typeface="Cambria Math" panose="02040503050406030204" pitchFamily="18" charset="0"/>
+                            </a:rPr>
+                            <m:t>𝑉</m:t>
+                          </m:r>
+                        </m:e>
+                        <m:sub>
+                          <m:r>
+                            <a:rPr lang="en-AU" sz="1600" b="0" i="1" smtClean="0">
+                              <a:solidFill>
+                                <a:schemeClr val="accent2"/>
+                              </a:solidFill>
+                              <a:latin typeface="Cambria Math" panose="02040503050406030204" pitchFamily="18" charset="0"/>
+                            </a:rPr>
+                            <m:t>𝑜𝑢𝑡</m:t>
+                          </m:r>
+                        </m:sub>
+                      </m:sSub>
+                    </m:oMath>
+                  </m:oMathPara>
+                </a14:m>
+                <a:endParaRPr lang="en-AU" sz="1600" b="0" dirty="0">
+                  <a:solidFill>
+                    <a:schemeClr val="accent2"/>
+                  </a:solidFill>
+                  <a:latin typeface="Consolas" panose="020B0609020204030204" pitchFamily="49" charset="0"/>
+                </a:endParaRPr>
+              </a:p>
+            </p:txBody>
+          </p:sp>
+        </mc:Choice>
+        <mc:Fallback>
+          <p:sp>
+            <p:nvSpPr>
+              <p:cNvPr id="8" name="TextBox 7">
+                <a:extLst>
+                  <a:ext uri="{FF2B5EF4-FFF2-40B4-BE49-F238E27FC236}">
+                    <a16:creationId xmlns:a16="http://schemas.microsoft.com/office/drawing/2014/main" id="{09B972CD-93BB-451B-B400-A0D78FEB8E4A}"/>
+                  </a:ext>
+                </a:extLst>
+              </p:cNvPr>
+              <p:cNvSpPr txBox="1">
+                <a:spLocks noRot="1" noChangeAspect="1" noMove="1" noResize="1" noEditPoints="1" noAdjustHandles="1" noChangeArrowheads="1" noChangeShapeType="1" noTextEdit="1"/>
+              </p:cNvSpPr>
+              <p:nvPr/>
+            </p:nvSpPr>
+            <p:spPr>
+              <a:xfrm>
+                <a:off x="6711043" y="2520603"/>
+                <a:ext cx="662104" cy="338554"/>
+              </a:xfrm>
+              <a:prstGeom prst="rect">
+                <a:avLst/>
+              </a:prstGeom>
+              <a:blipFill>
+                <a:blip r:embed="rId3"/>
+                <a:stretch>
+                  <a:fillRect/>
+                </a:stretch>
+              </a:blipFill>
+            </p:spPr>
+            <p:txBody>
+              <a:bodyPr/>
+              <a:lstStyle/>
+              <a:p>
+                <a:r>
+                  <a:rPr lang="en-AU">
+                    <a:noFill/>
+                  </a:rPr>
+                  <a:t> </a:t>
+                </a:r>
+              </a:p>
+            </p:txBody>
+          </p:sp>
+        </mc:Fallback>
+      </mc:AlternateContent>
+      <p:cxnSp>
+        <p:nvCxnSpPr>
+          <p:cNvPr id="10" name="Straight Connector 9">
+            <a:extLst>
+              <a:ext uri="{FF2B5EF4-FFF2-40B4-BE49-F238E27FC236}">
+                <a16:creationId xmlns:a16="http://schemas.microsoft.com/office/drawing/2014/main" id="{D693760D-ED11-4BA8-88C9-A2622DCED0A8}"/>
+              </a:ext>
+            </a:extLst>
+          </p:cNvPr>
+          <p:cNvCxnSpPr>
+            <a:cxnSpLocks/>
+            <a:stCxn id="4" idx="0"/>
+          </p:cNvCxnSpPr>
+          <p:nvPr/>
+        </p:nvCxnSpPr>
+        <p:spPr>
+          <a:xfrm>
+            <a:off x="5562600" y="2853739"/>
+            <a:ext cx="1553936" cy="0"/>
+          </a:xfrm>
+          <a:prstGeom prst="line">
+            <a:avLst/>
+          </a:prstGeom>
+          <a:ln w="28575"/>
+        </p:spPr>
+        <p:style>
+          <a:lnRef idx="2">
+            <a:schemeClr val="dk1"/>
+          </a:lnRef>
+          <a:fillRef idx="1">
+            <a:schemeClr val="lt1"/>
+          </a:fillRef>
+          <a:effectRef idx="0">
+            <a:schemeClr val="dk1"/>
+          </a:effectRef>
+          <a:fontRef idx="minor">
+            <a:schemeClr val="dk1"/>
+          </a:fontRef>
+        </p:style>
+      </p:cxnSp>
+      <p:cxnSp>
+        <p:nvCxnSpPr>
+          <p:cNvPr id="23" name="Straight Connector 22">
+            <a:extLst>
+              <a:ext uri="{FF2B5EF4-FFF2-40B4-BE49-F238E27FC236}">
+                <a16:creationId xmlns:a16="http://schemas.microsoft.com/office/drawing/2014/main" id="{AF638F94-7701-4273-9A7B-F0BA02A33BDF}"/>
+              </a:ext>
+            </a:extLst>
+          </p:cNvPr>
+          <p:cNvCxnSpPr/>
+          <p:nvPr/>
+        </p:nvCxnSpPr>
+        <p:spPr>
+          <a:xfrm flipH="1">
+            <a:off x="3152565" y="2468028"/>
+            <a:ext cx="1080000" cy="0"/>
+          </a:xfrm>
+          <a:prstGeom prst="line">
+            <a:avLst/>
+          </a:prstGeom>
+          <a:ln w="28575"/>
+        </p:spPr>
+        <p:style>
+          <a:lnRef idx="2">
+            <a:schemeClr val="dk1"/>
+          </a:lnRef>
+          <a:fillRef idx="1">
+            <a:schemeClr val="lt1"/>
+          </a:fillRef>
+          <a:effectRef idx="0">
+            <a:schemeClr val="dk1"/>
+          </a:effectRef>
+          <a:fontRef idx="minor">
+            <a:schemeClr val="dk1"/>
+          </a:fontRef>
+        </p:style>
+      </p:cxnSp>
+      <p:cxnSp>
+        <p:nvCxnSpPr>
+          <p:cNvPr id="24" name="Straight Connector 23">
+            <a:extLst>
+              <a:ext uri="{FF2B5EF4-FFF2-40B4-BE49-F238E27FC236}">
+                <a16:creationId xmlns:a16="http://schemas.microsoft.com/office/drawing/2014/main" id="{0217CC9A-FDE7-4A07-8A14-177A59280831}"/>
+              </a:ext>
+            </a:extLst>
+          </p:cNvPr>
+          <p:cNvCxnSpPr/>
+          <p:nvPr/>
+        </p:nvCxnSpPr>
+        <p:spPr>
+          <a:xfrm flipH="1">
+            <a:off x="3152565" y="3239449"/>
+            <a:ext cx="1080000" cy="0"/>
+          </a:xfrm>
+          <a:prstGeom prst="line">
+            <a:avLst/>
+          </a:prstGeom>
+          <a:ln w="28575"/>
+        </p:spPr>
+        <p:style>
+          <a:lnRef idx="2">
+            <a:schemeClr val="dk1"/>
+          </a:lnRef>
+          <a:fillRef idx="1">
+            <a:schemeClr val="lt1"/>
+          </a:fillRef>
+          <a:effectRef idx="0">
+            <a:schemeClr val="dk1"/>
+          </a:effectRef>
+          <a:fontRef idx="minor">
+            <a:schemeClr val="dk1"/>
+          </a:fontRef>
+        </p:style>
+      </p:cxnSp>
+      <p:sp>
+        <p:nvSpPr>
+          <p:cNvPr id="25" name="Rectangle 24">
+            <a:extLst>
+              <a:ext uri="{FF2B5EF4-FFF2-40B4-BE49-F238E27FC236}">
+                <a16:creationId xmlns:a16="http://schemas.microsoft.com/office/drawing/2014/main" id="{8E008B2B-D7E2-4076-93EE-86187F9FF0ED}"/>
+              </a:ext>
+            </a:extLst>
+          </p:cNvPr>
+          <p:cNvSpPr/>
+          <p:nvPr/>
+        </p:nvSpPr>
+        <p:spPr>
+          <a:xfrm>
+            <a:off x="3119499" y="2468028"/>
+            <a:ext cx="66130" cy="771421"/>
+          </a:xfrm>
+          <a:prstGeom prst="rect">
+            <a:avLst/>
+          </a:prstGeom>
+          <a:noFill/>
+          <a:ln>
+            <a:noFill/>
+          </a:ln>
+        </p:spPr>
+        <p:style>
+          <a:lnRef idx="2">
+            <a:schemeClr val="accent1">
+              <a:shade val="50000"/>
+            </a:schemeClr>
+          </a:lnRef>
+          <a:fillRef idx="1">
+            <a:schemeClr val="accent1"/>
+          </a:fillRef>
+          <a:effectRef idx="0">
+            <a:schemeClr val="accent1"/>
+          </a:effectRef>
+          <a:fontRef idx="minor">
+            <a:schemeClr val="lt1"/>
+          </a:fontRef>
+        </p:style>
+        <p:txBody>
+          <a:bodyPr rtlCol="0" anchor="ctr"/>
+          <a:lstStyle/>
+          <a:p>
+            <a:pPr algn="ctr"/>
+            <a:endParaRPr lang="en-AU" sz="2000"/>
+          </a:p>
+        </p:txBody>
+      </p:sp>
+      <p:sp>
+        <p:nvSpPr>
+          <p:cNvPr id="27" name="Rectangle 26">
+            <a:extLst>
+              <a:ext uri="{FF2B5EF4-FFF2-40B4-BE49-F238E27FC236}">
+                <a16:creationId xmlns:a16="http://schemas.microsoft.com/office/drawing/2014/main" id="{334E081A-9541-4D30-9B60-2A231FBF8EB2}"/>
+              </a:ext>
+            </a:extLst>
+          </p:cNvPr>
+          <p:cNvSpPr/>
+          <p:nvPr/>
+        </p:nvSpPr>
+        <p:spPr>
+          <a:xfrm>
+            <a:off x="6609535" y="2082317"/>
+            <a:ext cx="66130" cy="771421"/>
+          </a:xfrm>
+          <a:prstGeom prst="rect">
+            <a:avLst/>
+          </a:prstGeom>
+          <a:noFill/>
+          <a:ln>
+            <a:noFill/>
+          </a:ln>
+        </p:spPr>
+        <p:style>
+          <a:lnRef idx="2">
+            <a:schemeClr val="accent1">
+              <a:shade val="50000"/>
+            </a:schemeClr>
+          </a:lnRef>
+          <a:fillRef idx="1">
+            <a:schemeClr val="accent1"/>
+          </a:fillRef>
+          <a:effectRef idx="0">
+            <a:schemeClr val="accent1"/>
+          </a:effectRef>
+          <a:fontRef idx="minor">
+            <a:schemeClr val="lt1"/>
+          </a:fontRef>
+        </p:style>
+        <p:txBody>
+          <a:bodyPr rtlCol="0" anchor="ctr"/>
+          <a:lstStyle/>
+          <a:p>
+            <a:pPr algn="ctr"/>
+            <a:endParaRPr lang="en-AU" sz="2000"/>
+          </a:p>
+        </p:txBody>
+      </p:sp>
+      <p:cxnSp>
+        <p:nvCxnSpPr>
+          <p:cNvPr id="29" name="Connector: Elbow 28">
+            <a:extLst>
+              <a:ext uri="{FF2B5EF4-FFF2-40B4-BE49-F238E27FC236}">
+                <a16:creationId xmlns:a16="http://schemas.microsoft.com/office/drawing/2014/main" id="{4BB7E7AB-4979-42E5-8F6D-B45FE43ED06F}"/>
+              </a:ext>
+            </a:extLst>
+          </p:cNvPr>
+          <p:cNvCxnSpPr>
+            <a:cxnSpLocks/>
+            <a:stCxn id="25" idx="2"/>
+            <a:endCxn id="27" idx="2"/>
+          </p:cNvCxnSpPr>
+          <p:nvPr/>
+        </p:nvCxnSpPr>
+        <p:spPr>
+          <a:xfrm rot="5400000" flipH="1" flipV="1">
+            <a:off x="4704726" y="1301576"/>
+            <a:ext cx="385711" cy="3490036"/>
+          </a:xfrm>
+          <a:prstGeom prst="bentConnector3">
+            <a:avLst>
+              <a:gd name="adj1" fmla="val -142524"/>
+            </a:avLst>
+          </a:prstGeom>
+          <a:ln w="28575"/>
+        </p:spPr>
+        <p:style>
+          <a:lnRef idx="2">
+            <a:schemeClr val="dk1"/>
+          </a:lnRef>
+          <a:fillRef idx="1">
+            <a:schemeClr val="lt1"/>
+          </a:fillRef>
+          <a:effectRef idx="0">
+            <a:schemeClr val="dk1"/>
+          </a:effectRef>
+          <a:fontRef idx="minor">
+            <a:schemeClr val="dk1"/>
+          </a:fontRef>
+        </p:style>
+      </p:cxnSp>
+    </p:spTree>
+    <p:extLst>
+      <p:ext uri="{BB962C8B-B14F-4D97-AF65-F5344CB8AC3E}">
+        <p14:creationId xmlns:p14="http://schemas.microsoft.com/office/powerpoint/2010/main" val="555293544"/>
+      </p:ext>
+    </p:extLst>
+  </p:cSld>
+  <p:clrMapOvr>
+    <a:masterClrMapping/>
+  </p:clrMapOvr>
+</p:sld>
+</file>
+
+<file path=ppt/slides/slide20.xml><?xml version="1.0" encoding="utf-8"?>
 <p:sld xmlns:a="http://schemas.openxmlformats.org/drawingml/2006/main" xmlns:r="http://schemas.openxmlformats.org/officeDocument/2006/relationships" xmlns:p="http://schemas.openxmlformats.org/presentationml/2006/main">
   <p:cSld>
     <p:spTree>
@@ -24656,7 +26525,37 @@
 </p:sld>
 </file>
 
-<file path=ppt/slides/slide2.xml><?xml version="1.0" encoding="utf-8"?>
+<file path=ppt/slides/slide21.xml><?xml version="1.0" encoding="utf-8"?>
+<p:sld xmlns:a="http://schemas.openxmlformats.org/drawingml/2006/main" xmlns:r="http://schemas.openxmlformats.org/officeDocument/2006/relationships" xmlns:p="http://schemas.openxmlformats.org/presentationml/2006/main">
+  <p:cSld>
+    <p:spTree>
+      <p:nvGrpSpPr>
+        <p:cNvPr id="1" name=""/>
+        <p:cNvGrpSpPr/>
+        <p:nvPr/>
+      </p:nvGrpSpPr>
+      <p:grpSpPr>
+        <a:xfrm>
+          <a:off x="0" y="0"/>
+          <a:ext cx="0" cy="0"/>
+          <a:chOff x="0" y="0"/>
+          <a:chExt cx="0" cy="0"/>
+        </a:xfrm>
+      </p:grpSpPr>
+    </p:spTree>
+    <p:extLst>
+      <p:ext uri="{BB962C8B-B14F-4D97-AF65-F5344CB8AC3E}">
+        <p14:creationId xmlns:p14="http://schemas.microsoft.com/office/powerpoint/2010/main" val="3555961788"/>
+      </p:ext>
+    </p:extLst>
+  </p:cSld>
+  <p:clrMapOvr>
+    <a:masterClrMapping/>
+  </p:clrMapOvr>
+</p:sld>
+</file>
+
+<file path=ppt/slides/slide3.xml><?xml version="1.0" encoding="utf-8"?>
 <p:sld xmlns:a="http://schemas.openxmlformats.org/drawingml/2006/main" xmlns:r="http://schemas.openxmlformats.org/officeDocument/2006/relationships" xmlns:p="http://schemas.openxmlformats.org/presentationml/2006/main">
   <p:cSld>
     <p:spTree>
@@ -26558,7 +28457,7 @@
         </p:nvGrpSpPr>
         <p:grpSpPr>
           <a:xfrm>
-            <a:off x="428363" y="2665623"/>
+            <a:off x="127149" y="4184572"/>
             <a:ext cx="9155156" cy="1413423"/>
             <a:chOff x="256597" y="4231387"/>
             <a:chExt cx="9155156" cy="1413423"/>
@@ -27331,37 +29230,7 @@
 </p:sld>
 </file>
 
-<file path=ppt/slides/slide20.xml><?xml version="1.0" encoding="utf-8"?>
-<p:sld xmlns:a="http://schemas.openxmlformats.org/drawingml/2006/main" xmlns:r="http://schemas.openxmlformats.org/officeDocument/2006/relationships" xmlns:p="http://schemas.openxmlformats.org/presentationml/2006/main">
-  <p:cSld>
-    <p:spTree>
-      <p:nvGrpSpPr>
-        <p:cNvPr id="1" name=""/>
-        <p:cNvGrpSpPr/>
-        <p:nvPr/>
-      </p:nvGrpSpPr>
-      <p:grpSpPr>
-        <a:xfrm>
-          <a:off x="0" y="0"/>
-          <a:ext cx="0" cy="0"/>
-          <a:chOff x="0" y="0"/>
-          <a:chExt cx="0" cy="0"/>
-        </a:xfrm>
-      </p:grpSpPr>
-    </p:spTree>
-    <p:extLst>
-      <p:ext uri="{BB962C8B-B14F-4D97-AF65-F5344CB8AC3E}">
-        <p14:creationId xmlns:p14="http://schemas.microsoft.com/office/powerpoint/2010/main" val="3555961788"/>
-      </p:ext>
-    </p:extLst>
-  </p:cSld>
-  <p:clrMapOvr>
-    <a:masterClrMapping/>
-  </p:clrMapOvr>
-</p:sld>
-</file>
-
-<file path=ppt/slides/slide3.xml><?xml version="1.0" encoding="utf-8"?>
+<file path=ppt/slides/slide4.xml><?xml version="1.0" encoding="utf-8"?>
 <p:sld xmlns:a="http://schemas.openxmlformats.org/drawingml/2006/main" xmlns:r="http://schemas.openxmlformats.org/officeDocument/2006/relationships" xmlns:p="http://schemas.openxmlformats.org/presentationml/2006/main">
   <p:cSld>
     <p:spTree>
@@ -27398,8 +29267,8 @@
             <a:chExt cx="9155156" cy="2980403"/>
           </a:xfrm>
         </p:grpSpPr>
-        <mc:AlternateContent xmlns:mc="http://schemas.openxmlformats.org/markup-compatibility/2006">
-          <mc:Choice xmlns:a14="http://schemas.microsoft.com/office/drawing/2010/main" Requires="a14">
+        <mc:AlternateContent xmlns:mc="http://schemas.openxmlformats.org/markup-compatibility/2006" xmlns:a14="http://schemas.microsoft.com/office/drawing/2010/main">
+          <mc:Choice Requires="a14">
             <p:sp>
               <p:nvSpPr>
                 <p:cNvPr id="61" name="Flowchart: Process 60">
@@ -27496,7 +29365,7 @@
               </p:txBody>
             </p:sp>
           </mc:Choice>
-          <mc:Fallback>
+          <mc:Fallback xmlns="">
             <p:sp>
               <p:nvSpPr>
                 <p:cNvPr id="61" name="Flowchart: Process 60">
@@ -28351,8 +30220,8 @@
             </a:p>
           </p:txBody>
         </p:sp>
-        <mc:AlternateContent xmlns:mc="http://schemas.openxmlformats.org/markup-compatibility/2006">
-          <mc:Choice xmlns:a14="http://schemas.microsoft.com/office/drawing/2010/main" Requires="a14">
+        <mc:AlternateContent xmlns:mc="http://schemas.openxmlformats.org/markup-compatibility/2006" xmlns:a14="http://schemas.microsoft.com/office/drawing/2010/main">
+          <mc:Choice Requires="a14">
             <p:sp>
               <p:nvSpPr>
                 <p:cNvPr id="65" name="Flowchart: Process 64">
@@ -28549,7 +30418,7 @@
               </p:txBody>
             </p:sp>
           </mc:Choice>
-          <mc:Fallback>
+          <mc:Fallback xmlns="">
             <p:sp>
               <p:nvSpPr>
                 <p:cNvPr id="65" name="Flowchart: Process 64">
@@ -28779,8 +30648,8 @@
             </a:fontRef>
           </p:style>
         </p:cxnSp>
-        <mc:AlternateContent xmlns:mc="http://schemas.openxmlformats.org/markup-compatibility/2006">
-          <mc:Choice xmlns:a14="http://schemas.microsoft.com/office/drawing/2010/main" Requires="a14">
+        <mc:AlternateContent xmlns:mc="http://schemas.openxmlformats.org/markup-compatibility/2006" xmlns:a14="http://schemas.microsoft.com/office/drawing/2010/main">
+          <mc:Choice Requires="a14">
             <p:sp>
               <p:nvSpPr>
                 <p:cNvPr id="105" name="Flowchart: Process 104">
@@ -28911,7 +30780,7 @@
               </p:txBody>
             </p:sp>
           </mc:Choice>
-          <mc:Fallback>
+          <mc:Fallback xmlns="">
             <p:sp>
               <p:nvSpPr>
                 <p:cNvPr id="105" name="Flowchart: Process 104">
@@ -28957,8 +30826,8 @@
             </p:sp>
           </mc:Fallback>
         </mc:AlternateContent>
-        <mc:AlternateContent xmlns:mc="http://schemas.openxmlformats.org/markup-compatibility/2006">
-          <mc:Choice xmlns:a14="http://schemas.microsoft.com/office/drawing/2010/main" Requires="a14">
+        <mc:AlternateContent xmlns:mc="http://schemas.openxmlformats.org/markup-compatibility/2006" xmlns:a14="http://schemas.microsoft.com/office/drawing/2010/main">
+          <mc:Choice Requires="a14">
             <p:sp>
               <p:nvSpPr>
                 <p:cNvPr id="106" name="Flowchart: Process 105">
@@ -29043,7 +30912,7 @@
                         <m:f>
                           <m:fPr>
                             <m:ctrlPr>
-                              <a:rPr lang="en-AU" sz="1400" b="0" i="0" smtClean="0">
+                              <a:rPr lang="en-AU" sz="1400" b="0" i="1" smtClean="0">
                                 <a:solidFill>
                                   <a:schemeClr val="accent2"/>
                                 </a:solidFill>
@@ -29122,7 +30991,7 @@
               </p:txBody>
             </p:sp>
           </mc:Choice>
-          <mc:Fallback>
+          <mc:Fallback xmlns="">
             <p:sp>
               <p:nvSpPr>
                 <p:cNvPr id="106" name="Flowchart: Process 105">
@@ -29533,8 +31402,8 @@
             <a:chExt cx="9155156" cy="2186924"/>
           </a:xfrm>
         </p:grpSpPr>
-        <mc:AlternateContent xmlns:mc="http://schemas.openxmlformats.org/markup-compatibility/2006">
-          <mc:Choice xmlns:a14="http://schemas.microsoft.com/office/drawing/2010/main" Requires="a14">
+        <mc:AlternateContent xmlns:mc="http://schemas.openxmlformats.org/markup-compatibility/2006" xmlns:a14="http://schemas.microsoft.com/office/drawing/2010/main">
+          <mc:Choice Requires="a14">
             <p:sp>
               <p:nvSpPr>
                 <p:cNvPr id="120" name="Flowchart: Process 119">
@@ -29631,7 +31500,7 @@
               </p:txBody>
             </p:sp>
           </mc:Choice>
-          <mc:Fallback>
+          <mc:Fallback xmlns="">
             <p:sp>
               <p:nvSpPr>
                 <p:cNvPr id="120" name="Flowchart: Process 119">
@@ -30446,8 +32315,8 @@
             </a:p>
           </p:txBody>
         </p:sp>
-        <mc:AlternateContent xmlns:mc="http://schemas.openxmlformats.org/markup-compatibility/2006">
-          <mc:Choice xmlns:a14="http://schemas.microsoft.com/office/drawing/2010/main" Requires="a14">
+        <mc:AlternateContent xmlns:mc="http://schemas.openxmlformats.org/markup-compatibility/2006" xmlns:a14="http://schemas.microsoft.com/office/drawing/2010/main">
+          <mc:Choice Requires="a14">
             <p:sp>
               <p:nvSpPr>
                 <p:cNvPr id="138" name="Flowchart: Process 137">
@@ -30578,7 +32447,7 @@
               </p:txBody>
             </p:sp>
           </mc:Choice>
-          <mc:Fallback>
+          <mc:Fallback xmlns="">
             <p:sp>
               <p:nvSpPr>
                 <p:cNvPr id="138" name="Flowchart: Process 137">
@@ -30808,8 +32677,8 @@
             </a:fontRef>
           </p:style>
         </p:cxnSp>
-        <mc:AlternateContent xmlns:mc="http://schemas.openxmlformats.org/markup-compatibility/2006">
-          <mc:Choice xmlns:a14="http://schemas.microsoft.com/office/drawing/2010/main" Requires="a14">
+        <mc:AlternateContent xmlns:mc="http://schemas.openxmlformats.org/markup-compatibility/2006" xmlns:a14="http://schemas.microsoft.com/office/drawing/2010/main">
+          <mc:Choice Requires="a14">
             <p:sp>
               <p:nvSpPr>
                 <p:cNvPr id="144" name="Flowchart: Process 143">
@@ -30910,16 +32779,7 @@
                                 </a:solidFill>
                                 <a:latin typeface="Cambria Math" panose="02040503050406030204" pitchFamily="18" charset="0"/>
                               </a:rPr>
-                              <m:t>𝑑</m:t>
-                            </m:r>
-                            <m:r>
-                              <a:rPr lang="en-AU" sz="1400" i="1">
-                                <a:solidFill>
-                                  <a:schemeClr val="accent2"/>
-                                </a:solidFill>
-                                <a:latin typeface="Cambria Math" panose="02040503050406030204" pitchFamily="18" charset="0"/>
-                              </a:rPr>
-                              <m:t>𝑒</m:t>
+                              <m:t>𝑑𝑒</m:t>
                             </m:r>
                             <m:d>
                               <m:dPr>
@@ -30973,7 +32833,7 @@
               </p:txBody>
             </p:sp>
           </mc:Choice>
-          <mc:Fallback>
+          <mc:Fallback xmlns="">
             <p:sp>
               <p:nvSpPr>
                 <p:cNvPr id="144" name="Flowchart: Process 143">
@@ -31252,8 +33112,8 @@
             <a:chExt cx="9155156" cy="1353868"/>
           </a:xfrm>
         </p:grpSpPr>
-        <mc:AlternateContent xmlns:mc="http://schemas.openxmlformats.org/markup-compatibility/2006">
-          <mc:Choice xmlns:a14="http://schemas.microsoft.com/office/drawing/2010/main" Requires="a14">
+        <mc:AlternateContent xmlns:mc="http://schemas.openxmlformats.org/markup-compatibility/2006" xmlns:a14="http://schemas.microsoft.com/office/drawing/2010/main">
+          <mc:Choice Requires="a14">
             <p:sp>
               <p:nvSpPr>
                 <p:cNvPr id="151" name="Flowchart: Process 150">
@@ -31350,7 +33210,7 @@
               </p:txBody>
             </p:sp>
           </mc:Choice>
-          <mc:Fallback>
+          <mc:Fallback xmlns="">
             <p:sp>
               <p:nvSpPr>
                 <p:cNvPr id="151" name="Flowchart: Process 150">
@@ -32029,8 +33889,8 @@
             </a:p>
           </p:txBody>
         </p:sp>
-        <mc:AlternateContent xmlns:mc="http://schemas.openxmlformats.org/markup-compatibility/2006">
-          <mc:Choice xmlns:a14="http://schemas.microsoft.com/office/drawing/2010/main" Requires="a14">
+        <mc:AlternateContent xmlns:mc="http://schemas.openxmlformats.org/markup-compatibility/2006" xmlns:a14="http://schemas.microsoft.com/office/drawing/2010/main">
+          <mc:Choice Requires="a14">
             <p:sp>
               <p:nvSpPr>
                 <p:cNvPr id="169" name="Flowchart: Process 168">
@@ -32161,7 +34021,7 @@
               </p:txBody>
             </p:sp>
           </mc:Choice>
-          <mc:Fallback>
+          <mc:Fallback xmlns="">
             <p:sp>
               <p:nvSpPr>
                 <p:cNvPr id="169" name="Flowchart: Process 168">
@@ -32360,8 +34220,8 @@
             <a:chExt cx="9155156" cy="2186924"/>
           </a:xfrm>
         </p:grpSpPr>
-        <mc:AlternateContent xmlns:mc="http://schemas.openxmlformats.org/markup-compatibility/2006">
-          <mc:Choice xmlns:a14="http://schemas.microsoft.com/office/drawing/2010/main" Requires="a14">
+        <mc:AlternateContent xmlns:mc="http://schemas.openxmlformats.org/markup-compatibility/2006" xmlns:a14="http://schemas.microsoft.com/office/drawing/2010/main">
+          <mc:Choice Requires="a14">
             <p:sp>
               <p:nvSpPr>
                 <p:cNvPr id="266" name="Flowchart: Process 265">
@@ -32458,7 +34318,7 @@
               </p:txBody>
             </p:sp>
           </mc:Choice>
-          <mc:Fallback>
+          <mc:Fallback xmlns="">
             <p:sp>
               <p:nvSpPr>
                 <p:cNvPr id="266" name="Flowchart: Process 265">
@@ -33273,8 +35133,8 @@
             </a:p>
           </p:txBody>
         </p:sp>
-        <mc:AlternateContent xmlns:mc="http://schemas.openxmlformats.org/markup-compatibility/2006">
-          <mc:Choice xmlns:a14="http://schemas.microsoft.com/office/drawing/2010/main" Requires="a14">
+        <mc:AlternateContent xmlns:mc="http://schemas.openxmlformats.org/markup-compatibility/2006" xmlns:a14="http://schemas.microsoft.com/office/drawing/2010/main">
+          <mc:Choice Requires="a14">
             <p:sp>
               <p:nvSpPr>
                 <p:cNvPr id="283" name="Flowchart: Process 282">
@@ -33405,7 +35265,7 @@
               </p:txBody>
             </p:sp>
           </mc:Choice>
-          <mc:Fallback>
+          <mc:Fallback xmlns="">
             <p:sp>
               <p:nvSpPr>
                 <p:cNvPr id="283" name="Flowchart: Process 282">
@@ -33635,8 +35495,8 @@
             </a:fontRef>
           </p:style>
         </p:cxnSp>
-        <mc:AlternateContent xmlns:mc="http://schemas.openxmlformats.org/markup-compatibility/2006">
-          <mc:Choice xmlns:a14="http://schemas.microsoft.com/office/drawing/2010/main" Requires="a14">
+        <mc:AlternateContent xmlns:mc="http://schemas.openxmlformats.org/markup-compatibility/2006" xmlns:a14="http://schemas.microsoft.com/office/drawing/2010/main">
+          <mc:Choice Requires="a14">
             <p:sp>
               <p:nvSpPr>
                 <p:cNvPr id="288" name="Flowchart: Process 287">
@@ -33833,7 +35693,7 @@
               </p:txBody>
             </p:sp>
           </mc:Choice>
-          <mc:Fallback>
+          <mc:Fallback xmlns="">
             <p:sp>
               <p:nvSpPr>
                 <p:cNvPr id="288" name="Flowchart: Process 287">
@@ -34105,7 +35965,7 @@
 </p:sld>
 </file>
 
-<file path=ppt/slides/slide4.xml><?xml version="1.0" encoding="utf-8"?>
+<file path=ppt/slides/slide5.xml><?xml version="1.0" encoding="utf-8"?>
 <p:sld xmlns:a="http://schemas.openxmlformats.org/drawingml/2006/main" xmlns:r="http://schemas.openxmlformats.org/officeDocument/2006/relationships" xmlns:p="http://schemas.openxmlformats.org/presentationml/2006/main">
   <p:cSld>
     <p:spTree>
@@ -35138,7 +36998,7 @@
 </p:sld>
 </file>
 
-<file path=ppt/slides/slide5.xml><?xml version="1.0" encoding="utf-8"?>
+<file path=ppt/slides/slide6.xml><?xml version="1.0" encoding="utf-8"?>
 <p:sld xmlns:a="http://schemas.openxmlformats.org/drawingml/2006/main" xmlns:r="http://schemas.openxmlformats.org/officeDocument/2006/relationships" xmlns:p="http://schemas.openxmlformats.org/presentationml/2006/main">
   <p:cSld>
     <p:spTree>
@@ -37620,7 +39480,7 @@
 </p:sld>
 </file>
 
-<file path=ppt/slides/slide6.xml><?xml version="1.0" encoding="utf-8"?>
+<file path=ppt/slides/slide7.xml><?xml version="1.0" encoding="utf-8"?>
 <p:sld xmlns:a="http://schemas.openxmlformats.org/drawingml/2006/main" xmlns:r="http://schemas.openxmlformats.org/officeDocument/2006/relationships" xmlns:p="http://schemas.openxmlformats.org/presentationml/2006/main">
   <p:cSld>
     <p:spTree>
@@ -39729,7 +41589,7 @@
 </p:sld>
 </file>
 
-<file path=ppt/slides/slide7.xml><?xml version="1.0" encoding="utf-8"?>
+<file path=ppt/slides/slide8.xml><?xml version="1.0" encoding="utf-8"?>
 <p:sld xmlns:a="http://schemas.openxmlformats.org/drawingml/2006/main" xmlns:r="http://schemas.openxmlformats.org/officeDocument/2006/relationships" xmlns:p="http://schemas.openxmlformats.org/presentationml/2006/main">
   <p:cSld>
     <p:spTree>
@@ -40703,7 +42563,7 @@
 </p:sld>
 </file>
 
-<file path=ppt/slides/slide8.xml><?xml version="1.0" encoding="utf-8"?>
+<file path=ppt/slides/slide9.xml><?xml version="1.0" encoding="utf-8"?>
 <p:sld xmlns:a="http://schemas.openxmlformats.org/drawingml/2006/main" xmlns:r="http://schemas.openxmlformats.org/officeDocument/2006/relationships" xmlns:p="http://schemas.openxmlformats.org/presentationml/2006/main">
   <p:cSld>
     <p:spTree>
@@ -40961,1180 +42821,6 @@
     <p:extLst>
       <p:ext uri="{BB962C8B-B14F-4D97-AF65-F5344CB8AC3E}">
         <p14:creationId xmlns:p14="http://schemas.microsoft.com/office/powerpoint/2010/main" val="3737468489"/>
-      </p:ext>
-    </p:extLst>
-  </p:cSld>
-  <p:clrMapOvr>
-    <a:masterClrMapping/>
-  </p:clrMapOvr>
-</p:sld>
-</file>
-
-<file path=ppt/slides/slide9.xml><?xml version="1.0" encoding="utf-8"?>
-<p:sld xmlns:a="http://schemas.openxmlformats.org/drawingml/2006/main" xmlns:r="http://schemas.openxmlformats.org/officeDocument/2006/relationships" xmlns:p="http://schemas.openxmlformats.org/presentationml/2006/main">
-  <p:cSld>
-    <p:spTree>
-      <p:nvGrpSpPr>
-        <p:cNvPr id="1" name=""/>
-        <p:cNvGrpSpPr/>
-        <p:nvPr/>
-      </p:nvGrpSpPr>
-      <p:grpSpPr>
-        <a:xfrm>
-          <a:off x="0" y="0"/>
-          <a:ext cx="0" cy="0"/>
-          <a:chOff x="0" y="0"/>
-          <a:chExt cx="0" cy="0"/>
-        </a:xfrm>
-      </p:grpSpPr>
-      <p:grpSp>
-        <p:nvGrpSpPr>
-          <p:cNvPr id="56" name="Group 55">
-            <a:extLst>
-              <a:ext uri="{FF2B5EF4-FFF2-40B4-BE49-F238E27FC236}">
-                <a16:creationId xmlns:a16="http://schemas.microsoft.com/office/drawing/2014/main" id="{6EDCED04-815B-4D76-AEA5-6F8C60647ACA}"/>
-              </a:ext>
-            </a:extLst>
-          </p:cNvPr>
-          <p:cNvGrpSpPr/>
-          <p:nvPr/>
-        </p:nvGrpSpPr>
-        <p:grpSpPr>
-          <a:xfrm>
-            <a:off x="1361095" y="2943550"/>
-            <a:ext cx="3344550" cy="2635379"/>
-            <a:chOff x="1361095" y="2943550"/>
-            <a:chExt cx="3344550" cy="2635379"/>
-          </a:xfrm>
-        </p:grpSpPr>
-        <p:sp>
-          <p:nvSpPr>
-            <p:cNvPr id="4" name="Oval 3">
-              <a:extLst>
-                <a:ext uri="{FF2B5EF4-FFF2-40B4-BE49-F238E27FC236}">
-                  <a16:creationId xmlns:a16="http://schemas.microsoft.com/office/drawing/2014/main" id="{130EC464-2131-49FA-AA07-EFFA47C79029}"/>
-                </a:ext>
-              </a:extLst>
-            </p:cNvPr>
-            <p:cNvSpPr/>
-            <p:nvPr/>
-          </p:nvSpPr>
-          <p:spPr>
-            <a:xfrm>
-              <a:off x="2675570" y="3884776"/>
-              <a:ext cx="1172048" cy="1172048"/>
-            </a:xfrm>
-            <a:prstGeom prst="ellipse">
-              <a:avLst/>
-            </a:prstGeom>
-          </p:spPr>
-          <p:style>
-            <a:lnRef idx="2">
-              <a:schemeClr val="accent1">
-                <a:shade val="50000"/>
-              </a:schemeClr>
-            </a:lnRef>
-            <a:fillRef idx="1">
-              <a:schemeClr val="accent1"/>
-            </a:fillRef>
-            <a:effectRef idx="0">
-              <a:schemeClr val="accent1"/>
-            </a:effectRef>
-            <a:fontRef idx="minor">
-              <a:schemeClr val="lt1"/>
-            </a:fontRef>
-          </p:style>
-          <p:txBody>
-            <a:bodyPr rtlCol="0" anchor="ctr"/>
-            <a:lstStyle/>
-            <a:p>
-              <a:pPr algn="ctr"/>
-              <a:r>
-                <a:rPr lang="en-AU" dirty="0">
-                  <a:latin typeface="Consolas" panose="020B0609020204030204" pitchFamily="49" charset="0"/>
-                </a:rPr>
-                <a:t>A</a:t>
-              </a:r>
-            </a:p>
-          </p:txBody>
-        </p:sp>
-        <p:grpSp>
-          <p:nvGrpSpPr>
-            <p:cNvPr id="13" name="Group 12">
-              <a:extLst>
-                <a:ext uri="{FF2B5EF4-FFF2-40B4-BE49-F238E27FC236}">
-                  <a16:creationId xmlns:a16="http://schemas.microsoft.com/office/drawing/2014/main" id="{5C08818E-1B1F-45C1-AA21-CC545D8F4323}"/>
-                </a:ext>
-              </a:extLst>
-            </p:cNvPr>
-            <p:cNvGrpSpPr/>
-            <p:nvPr/>
-          </p:nvGrpSpPr>
-          <p:grpSpPr>
-            <a:xfrm>
-              <a:off x="1825645" y="3420159"/>
-              <a:ext cx="2880000" cy="1768177"/>
-              <a:chOff x="1825645" y="3420159"/>
-              <a:chExt cx="2880000" cy="1768177"/>
-            </a:xfrm>
-          </p:grpSpPr>
-          <p:sp>
-            <p:nvSpPr>
-              <p:cNvPr id="11" name="Rectangle 10">
-                <a:extLst>
-                  <a:ext uri="{FF2B5EF4-FFF2-40B4-BE49-F238E27FC236}">
-                    <a16:creationId xmlns:a16="http://schemas.microsoft.com/office/drawing/2014/main" id="{349B4208-A35A-4398-B54A-C833226FA1B1}"/>
-                  </a:ext>
-                </a:extLst>
-              </p:cNvPr>
-              <p:cNvSpPr/>
-              <p:nvPr/>
-            </p:nvSpPr>
-            <p:spPr>
-              <a:xfrm>
-                <a:off x="1825645" y="3607081"/>
-                <a:ext cx="186922" cy="1581255"/>
-              </a:xfrm>
-              <a:prstGeom prst="rect">
-                <a:avLst/>
-              </a:prstGeom>
-              <a:ln>
-                <a:noFill/>
-              </a:ln>
-            </p:spPr>
-            <p:style>
-              <a:lnRef idx="2">
-                <a:schemeClr val="dk1">
-                  <a:shade val="50000"/>
-                </a:schemeClr>
-              </a:lnRef>
-              <a:fillRef idx="1">
-                <a:schemeClr val="dk1"/>
-              </a:fillRef>
-              <a:effectRef idx="0">
-                <a:schemeClr val="dk1"/>
-              </a:effectRef>
-              <a:fontRef idx="minor">
-                <a:schemeClr val="lt1"/>
-              </a:fontRef>
-            </p:style>
-            <p:txBody>
-              <a:bodyPr rtlCol="0" anchor="ctr"/>
-              <a:lstStyle/>
-              <a:p>
-                <a:pPr algn="ctr"/>
-                <a:endParaRPr lang="en-AU" dirty="0">
-                  <a:latin typeface="Consolas" panose="020B0609020204030204" pitchFamily="49" charset="0"/>
-                </a:endParaRPr>
-              </a:p>
-            </p:txBody>
-          </p:sp>
-          <p:sp>
-            <p:nvSpPr>
-              <p:cNvPr id="27" name="Rectangle 26">
-                <a:extLst>
-                  <a:ext uri="{FF2B5EF4-FFF2-40B4-BE49-F238E27FC236}">
-                    <a16:creationId xmlns:a16="http://schemas.microsoft.com/office/drawing/2014/main" id="{BDCE1AD9-FD69-4A3F-87C5-99D1EB029A44}"/>
-                  </a:ext>
-                </a:extLst>
-              </p:cNvPr>
-              <p:cNvSpPr/>
-              <p:nvPr/>
-            </p:nvSpPr>
-            <p:spPr>
-              <a:xfrm rot="5400000">
-                <a:off x="3172184" y="2073620"/>
-                <a:ext cx="186922" cy="2880000"/>
-              </a:xfrm>
-              <a:prstGeom prst="rect">
-                <a:avLst/>
-              </a:prstGeom>
-              <a:ln>
-                <a:noFill/>
-              </a:ln>
-            </p:spPr>
-            <p:style>
-              <a:lnRef idx="2">
-                <a:schemeClr val="dk1">
-                  <a:shade val="50000"/>
-                </a:schemeClr>
-              </a:lnRef>
-              <a:fillRef idx="1">
-                <a:schemeClr val="dk1"/>
-              </a:fillRef>
-              <a:effectRef idx="0">
-                <a:schemeClr val="dk1"/>
-              </a:effectRef>
-              <a:fontRef idx="minor">
-                <a:schemeClr val="lt1"/>
-              </a:fontRef>
-            </p:style>
-            <p:txBody>
-              <a:bodyPr rtlCol="0" anchor="ctr"/>
-              <a:lstStyle/>
-              <a:p>
-                <a:pPr algn="ctr"/>
-                <a:endParaRPr lang="en-AU" dirty="0">
-                  <a:latin typeface="Consolas" panose="020B0609020204030204" pitchFamily="49" charset="0"/>
-                </a:endParaRPr>
-              </a:p>
-            </p:txBody>
-          </p:sp>
-          <p:sp>
-            <p:nvSpPr>
-              <p:cNvPr id="28" name="Rectangle 27">
-                <a:extLst>
-                  <a:ext uri="{FF2B5EF4-FFF2-40B4-BE49-F238E27FC236}">
-                    <a16:creationId xmlns:a16="http://schemas.microsoft.com/office/drawing/2014/main" id="{501D23E6-DB19-4514-A211-5E921C1BF9E4}"/>
-                  </a:ext>
-                </a:extLst>
-              </p:cNvPr>
-              <p:cNvSpPr/>
-              <p:nvPr/>
-            </p:nvSpPr>
-            <p:spPr>
-              <a:xfrm>
-                <a:off x="4518094" y="3607081"/>
-                <a:ext cx="186922" cy="1581255"/>
-              </a:xfrm>
-              <a:prstGeom prst="rect">
-                <a:avLst/>
-              </a:prstGeom>
-              <a:ln>
-                <a:noFill/>
-              </a:ln>
-            </p:spPr>
-            <p:style>
-              <a:lnRef idx="2">
-                <a:schemeClr val="dk1">
-                  <a:shade val="50000"/>
-                </a:schemeClr>
-              </a:lnRef>
-              <a:fillRef idx="1">
-                <a:schemeClr val="dk1"/>
-              </a:fillRef>
-              <a:effectRef idx="0">
-                <a:schemeClr val="dk1"/>
-              </a:effectRef>
-              <a:fontRef idx="minor">
-                <a:schemeClr val="lt1"/>
-              </a:fontRef>
-            </p:style>
-            <p:txBody>
-              <a:bodyPr rtlCol="0" anchor="ctr"/>
-              <a:lstStyle/>
-              <a:p>
-                <a:pPr algn="ctr"/>
-                <a:endParaRPr lang="en-AU" dirty="0">
-                  <a:latin typeface="Consolas" panose="020B0609020204030204" pitchFamily="49" charset="0"/>
-                </a:endParaRPr>
-              </a:p>
-            </p:txBody>
-          </p:sp>
-        </p:grpSp>
-        <p:grpSp>
-          <p:nvGrpSpPr>
-            <p:cNvPr id="26" name="Group 25">
-              <a:extLst>
-                <a:ext uri="{FF2B5EF4-FFF2-40B4-BE49-F238E27FC236}">
-                  <a16:creationId xmlns:a16="http://schemas.microsoft.com/office/drawing/2014/main" id="{5152645B-23D6-433B-AF92-3D4AAE5B7C6C}"/>
-                </a:ext>
-              </a:extLst>
-            </p:cNvPr>
-            <p:cNvGrpSpPr/>
-            <p:nvPr/>
-          </p:nvGrpSpPr>
-          <p:grpSpPr>
-            <a:xfrm>
-              <a:off x="1825645" y="3818892"/>
-              <a:ext cx="739877" cy="1369444"/>
-              <a:chOff x="1919106" y="3768744"/>
-              <a:chExt cx="653700" cy="1209938"/>
-            </a:xfrm>
-            <a:solidFill>
-              <a:srgbClr val="FF5B5B"/>
-            </a:solidFill>
-          </p:grpSpPr>
-          <p:grpSp>
-            <p:nvGrpSpPr>
-              <p:cNvPr id="12" name="Group 11">
-                <a:extLst>
-                  <a:ext uri="{FF2B5EF4-FFF2-40B4-BE49-F238E27FC236}">
-                    <a16:creationId xmlns:a16="http://schemas.microsoft.com/office/drawing/2014/main" id="{ED0C8046-293F-4374-BFA4-67ECF006A06A}"/>
-                  </a:ext>
-                </a:extLst>
-              </p:cNvPr>
-              <p:cNvGrpSpPr/>
-              <p:nvPr/>
-            </p:nvGrpSpPr>
-            <p:grpSpPr>
-              <a:xfrm>
-                <a:off x="1919106" y="3768744"/>
-                <a:ext cx="653700" cy="419310"/>
-                <a:chOff x="1346870" y="759679"/>
-                <a:chExt cx="653700" cy="419310"/>
-              </a:xfrm>
-              <a:grpFill/>
-            </p:grpSpPr>
-            <p:sp>
-              <p:nvSpPr>
-                <p:cNvPr id="18" name="Rectangle 17">
-                  <a:extLst>
-                    <a:ext uri="{FF2B5EF4-FFF2-40B4-BE49-F238E27FC236}">
-                      <a16:creationId xmlns:a16="http://schemas.microsoft.com/office/drawing/2014/main" id="{30C67930-4A5E-48AD-A72D-2F6E7DB509A1}"/>
-                    </a:ext>
-                  </a:extLst>
-                </p:cNvPr>
-                <p:cNvSpPr/>
-                <p:nvPr/>
-              </p:nvSpPr>
-              <p:spPr>
-                <a:xfrm>
-                  <a:off x="1346870" y="875874"/>
-                  <a:ext cx="186921" cy="186921"/>
-                </a:xfrm>
-                <a:prstGeom prst="rect">
-                  <a:avLst/>
-                </a:prstGeom>
-                <a:ln/>
-              </p:spPr>
-              <p:style>
-                <a:lnRef idx="2">
-                  <a:schemeClr val="accent4">
-                    <a:shade val="50000"/>
-                  </a:schemeClr>
-                </a:lnRef>
-                <a:fillRef idx="1">
-                  <a:schemeClr val="accent4"/>
-                </a:fillRef>
-                <a:effectRef idx="0">
-                  <a:schemeClr val="accent4"/>
-                </a:effectRef>
-                <a:fontRef idx="minor">
-                  <a:schemeClr val="lt1"/>
-                </a:fontRef>
-              </p:style>
-              <p:txBody>
-                <a:bodyPr rtlCol="0" anchor="ctr"/>
-                <a:lstStyle/>
-                <a:p>
-                  <a:pPr algn="ctr"/>
-                  <a:endParaRPr lang="en-AU" dirty="0">
-                    <a:latin typeface="Consolas" panose="020B0609020204030204" pitchFamily="49" charset="0"/>
-                  </a:endParaRPr>
-                </a:p>
-              </p:txBody>
-            </p:sp>
-            <p:sp>
-              <p:nvSpPr>
-                <p:cNvPr id="20" name="Isosceles Triangle 19">
-                  <a:extLst>
-                    <a:ext uri="{FF2B5EF4-FFF2-40B4-BE49-F238E27FC236}">
-                      <a16:creationId xmlns:a16="http://schemas.microsoft.com/office/drawing/2014/main" id="{72CA8F22-CAFC-4524-A447-42B68AE65B46}"/>
-                    </a:ext>
-                  </a:extLst>
-                </p:cNvPr>
-                <p:cNvSpPr/>
-                <p:nvPr/>
-              </p:nvSpPr>
-              <p:spPr>
-                <a:xfrm rot="16200000">
-                  <a:off x="1584365" y="762784"/>
-                  <a:ext cx="419310" cy="413100"/>
-                </a:xfrm>
-                <a:prstGeom prst="triangle">
-                  <a:avLst/>
-                </a:prstGeom>
-                <a:ln/>
-              </p:spPr>
-              <p:style>
-                <a:lnRef idx="2">
-                  <a:schemeClr val="accent4">
-                    <a:shade val="50000"/>
-                  </a:schemeClr>
-                </a:lnRef>
-                <a:fillRef idx="1">
-                  <a:schemeClr val="accent4"/>
-                </a:fillRef>
-                <a:effectRef idx="0">
-                  <a:schemeClr val="accent4"/>
-                </a:effectRef>
-                <a:fontRef idx="minor">
-                  <a:schemeClr val="lt1"/>
-                </a:fontRef>
-              </p:style>
-              <p:txBody>
-                <a:bodyPr rtlCol="0" anchor="ctr"/>
-                <a:lstStyle/>
-                <a:p>
-                  <a:pPr algn="ctr"/>
-                  <a:endParaRPr lang="en-AU" dirty="0">
-                    <a:latin typeface="Consolas" panose="020B0609020204030204" pitchFamily="49" charset="0"/>
-                  </a:endParaRPr>
-                </a:p>
-              </p:txBody>
-            </p:sp>
-          </p:grpSp>
-          <p:grpSp>
-            <p:nvGrpSpPr>
-              <p:cNvPr id="30" name="Group 29">
-                <a:extLst>
-                  <a:ext uri="{FF2B5EF4-FFF2-40B4-BE49-F238E27FC236}">
-                    <a16:creationId xmlns:a16="http://schemas.microsoft.com/office/drawing/2014/main" id="{1A43385A-0D68-4128-ACB9-24C75736BCBA}"/>
-                  </a:ext>
-                </a:extLst>
-              </p:cNvPr>
-              <p:cNvGrpSpPr/>
-              <p:nvPr/>
-            </p:nvGrpSpPr>
-            <p:grpSpPr>
-              <a:xfrm>
-                <a:off x="1919106" y="4559372"/>
-                <a:ext cx="653700" cy="419310"/>
-                <a:chOff x="1346870" y="759679"/>
-                <a:chExt cx="653700" cy="419310"/>
-              </a:xfrm>
-              <a:grpFill/>
-            </p:grpSpPr>
-            <p:sp>
-              <p:nvSpPr>
-                <p:cNvPr id="31" name="Rectangle 30">
-                  <a:extLst>
-                    <a:ext uri="{FF2B5EF4-FFF2-40B4-BE49-F238E27FC236}">
-                      <a16:creationId xmlns:a16="http://schemas.microsoft.com/office/drawing/2014/main" id="{592B12ED-3C60-4B33-86BE-DF1ABB4F9842}"/>
-                    </a:ext>
-                  </a:extLst>
-                </p:cNvPr>
-                <p:cNvSpPr/>
-                <p:nvPr/>
-              </p:nvSpPr>
-              <p:spPr>
-                <a:xfrm>
-                  <a:off x="1346870" y="875874"/>
-                  <a:ext cx="186921" cy="186921"/>
-                </a:xfrm>
-                <a:prstGeom prst="rect">
-                  <a:avLst/>
-                </a:prstGeom>
-                <a:ln/>
-              </p:spPr>
-              <p:style>
-                <a:lnRef idx="2">
-                  <a:schemeClr val="accent4">
-                    <a:shade val="50000"/>
-                  </a:schemeClr>
-                </a:lnRef>
-                <a:fillRef idx="1">
-                  <a:schemeClr val="accent4"/>
-                </a:fillRef>
-                <a:effectRef idx="0">
-                  <a:schemeClr val="accent4"/>
-                </a:effectRef>
-                <a:fontRef idx="minor">
-                  <a:schemeClr val="lt1"/>
-                </a:fontRef>
-              </p:style>
-              <p:txBody>
-                <a:bodyPr rtlCol="0" anchor="ctr"/>
-                <a:lstStyle/>
-                <a:p>
-                  <a:pPr algn="ctr"/>
-                  <a:endParaRPr lang="en-AU" dirty="0">
-                    <a:latin typeface="Consolas" panose="020B0609020204030204" pitchFamily="49" charset="0"/>
-                  </a:endParaRPr>
-                </a:p>
-              </p:txBody>
-            </p:sp>
-            <p:sp>
-              <p:nvSpPr>
-                <p:cNvPr id="34" name="Isosceles Triangle 33">
-                  <a:extLst>
-                    <a:ext uri="{FF2B5EF4-FFF2-40B4-BE49-F238E27FC236}">
-                      <a16:creationId xmlns:a16="http://schemas.microsoft.com/office/drawing/2014/main" id="{98C36064-C1DB-4FE5-A1E1-B727E5065E48}"/>
-                    </a:ext>
-                  </a:extLst>
-                </p:cNvPr>
-                <p:cNvSpPr/>
-                <p:nvPr/>
-              </p:nvSpPr>
-              <p:spPr>
-                <a:xfrm rot="16200000">
-                  <a:off x="1584365" y="762784"/>
-                  <a:ext cx="419310" cy="413100"/>
-                </a:xfrm>
-                <a:prstGeom prst="triangle">
-                  <a:avLst/>
-                </a:prstGeom>
-                <a:ln/>
-              </p:spPr>
-              <p:style>
-                <a:lnRef idx="2">
-                  <a:schemeClr val="accent4">
-                    <a:shade val="50000"/>
-                  </a:schemeClr>
-                </a:lnRef>
-                <a:fillRef idx="1">
-                  <a:schemeClr val="accent4"/>
-                </a:fillRef>
-                <a:effectRef idx="0">
-                  <a:schemeClr val="accent4"/>
-                </a:effectRef>
-                <a:fontRef idx="minor">
-                  <a:schemeClr val="lt1"/>
-                </a:fontRef>
-              </p:style>
-              <p:txBody>
-                <a:bodyPr rtlCol="0" anchor="ctr"/>
-                <a:lstStyle/>
-                <a:p>
-                  <a:pPr algn="ctr"/>
-                  <a:endParaRPr lang="en-AU" dirty="0">
-                    <a:latin typeface="Consolas" panose="020B0609020204030204" pitchFamily="49" charset="0"/>
-                  </a:endParaRPr>
-                </a:p>
-              </p:txBody>
-            </p:sp>
-          </p:grpSp>
-        </p:grpSp>
-        <p:grpSp>
-          <p:nvGrpSpPr>
-            <p:cNvPr id="35" name="Group 34">
-              <a:extLst>
-                <a:ext uri="{FF2B5EF4-FFF2-40B4-BE49-F238E27FC236}">
-                  <a16:creationId xmlns:a16="http://schemas.microsoft.com/office/drawing/2014/main" id="{09C03945-6A2D-4B22-B97D-767182BF8F08}"/>
-                </a:ext>
-              </a:extLst>
-            </p:cNvPr>
-            <p:cNvGrpSpPr/>
-            <p:nvPr/>
-          </p:nvGrpSpPr>
-          <p:grpSpPr>
-            <a:xfrm rot="10800000">
-              <a:off x="3965768" y="3818892"/>
-              <a:ext cx="739877" cy="1369444"/>
-              <a:chOff x="1919106" y="3768744"/>
-              <a:chExt cx="653700" cy="1209938"/>
-            </a:xfrm>
-            <a:solidFill>
-              <a:srgbClr val="FF5B5B"/>
-            </a:solidFill>
-          </p:grpSpPr>
-          <p:grpSp>
-            <p:nvGrpSpPr>
-              <p:cNvPr id="36" name="Group 35">
-                <a:extLst>
-                  <a:ext uri="{FF2B5EF4-FFF2-40B4-BE49-F238E27FC236}">
-                    <a16:creationId xmlns:a16="http://schemas.microsoft.com/office/drawing/2014/main" id="{9E5A4C94-B532-464A-8FFD-E9B9687CBB3B}"/>
-                  </a:ext>
-                </a:extLst>
-              </p:cNvPr>
-              <p:cNvGrpSpPr/>
-              <p:nvPr/>
-            </p:nvGrpSpPr>
-            <p:grpSpPr>
-              <a:xfrm>
-                <a:off x="1919106" y="3768744"/>
-                <a:ext cx="653700" cy="419310"/>
-                <a:chOff x="1346870" y="759679"/>
-                <a:chExt cx="653700" cy="419310"/>
-              </a:xfrm>
-              <a:grpFill/>
-            </p:grpSpPr>
-            <p:sp>
-              <p:nvSpPr>
-                <p:cNvPr id="40" name="Rectangle 39">
-                  <a:extLst>
-                    <a:ext uri="{FF2B5EF4-FFF2-40B4-BE49-F238E27FC236}">
-                      <a16:creationId xmlns:a16="http://schemas.microsoft.com/office/drawing/2014/main" id="{939CF1DC-D50C-49A3-8D73-8283422BCB1C}"/>
-                    </a:ext>
-                  </a:extLst>
-                </p:cNvPr>
-                <p:cNvSpPr/>
-                <p:nvPr/>
-              </p:nvSpPr>
-              <p:spPr>
-                <a:xfrm>
-                  <a:off x="1346870" y="875874"/>
-                  <a:ext cx="186921" cy="186921"/>
-                </a:xfrm>
-                <a:prstGeom prst="rect">
-                  <a:avLst/>
-                </a:prstGeom>
-                <a:ln/>
-              </p:spPr>
-              <p:style>
-                <a:lnRef idx="2">
-                  <a:schemeClr val="accent4">
-                    <a:shade val="50000"/>
-                  </a:schemeClr>
-                </a:lnRef>
-                <a:fillRef idx="1">
-                  <a:schemeClr val="accent4"/>
-                </a:fillRef>
-                <a:effectRef idx="0">
-                  <a:schemeClr val="accent4"/>
-                </a:effectRef>
-                <a:fontRef idx="minor">
-                  <a:schemeClr val="lt1"/>
-                </a:fontRef>
-              </p:style>
-              <p:txBody>
-                <a:bodyPr rtlCol="0" anchor="ctr"/>
-                <a:lstStyle/>
-                <a:p>
-                  <a:pPr algn="ctr"/>
-                  <a:endParaRPr lang="en-AU" dirty="0">
-                    <a:latin typeface="Consolas" panose="020B0609020204030204" pitchFamily="49" charset="0"/>
-                  </a:endParaRPr>
-                </a:p>
-              </p:txBody>
-            </p:sp>
-            <p:sp>
-              <p:nvSpPr>
-                <p:cNvPr id="41" name="Isosceles Triangle 40">
-                  <a:extLst>
-                    <a:ext uri="{FF2B5EF4-FFF2-40B4-BE49-F238E27FC236}">
-                      <a16:creationId xmlns:a16="http://schemas.microsoft.com/office/drawing/2014/main" id="{815C94A4-1C66-4B12-9739-C4D2013C9A95}"/>
-                    </a:ext>
-                  </a:extLst>
-                </p:cNvPr>
-                <p:cNvSpPr/>
-                <p:nvPr/>
-              </p:nvSpPr>
-              <p:spPr>
-                <a:xfrm rot="16200000">
-                  <a:off x="1584365" y="762784"/>
-                  <a:ext cx="419310" cy="413100"/>
-                </a:xfrm>
-                <a:prstGeom prst="triangle">
-                  <a:avLst/>
-                </a:prstGeom>
-                <a:ln/>
-              </p:spPr>
-              <p:style>
-                <a:lnRef idx="2">
-                  <a:schemeClr val="accent4">
-                    <a:shade val="50000"/>
-                  </a:schemeClr>
-                </a:lnRef>
-                <a:fillRef idx="1">
-                  <a:schemeClr val="accent4"/>
-                </a:fillRef>
-                <a:effectRef idx="0">
-                  <a:schemeClr val="accent4"/>
-                </a:effectRef>
-                <a:fontRef idx="minor">
-                  <a:schemeClr val="lt1"/>
-                </a:fontRef>
-              </p:style>
-              <p:txBody>
-                <a:bodyPr rtlCol="0" anchor="ctr"/>
-                <a:lstStyle/>
-                <a:p>
-                  <a:pPr algn="ctr"/>
-                  <a:endParaRPr lang="en-AU" dirty="0">
-                    <a:latin typeface="Consolas" panose="020B0609020204030204" pitchFamily="49" charset="0"/>
-                  </a:endParaRPr>
-                </a:p>
-              </p:txBody>
-            </p:sp>
-          </p:grpSp>
-          <p:grpSp>
-            <p:nvGrpSpPr>
-              <p:cNvPr id="37" name="Group 36">
-                <a:extLst>
-                  <a:ext uri="{FF2B5EF4-FFF2-40B4-BE49-F238E27FC236}">
-                    <a16:creationId xmlns:a16="http://schemas.microsoft.com/office/drawing/2014/main" id="{A9D589EF-24E1-49C0-9603-345D6FC9F734}"/>
-                  </a:ext>
-                </a:extLst>
-              </p:cNvPr>
-              <p:cNvGrpSpPr/>
-              <p:nvPr/>
-            </p:nvGrpSpPr>
-            <p:grpSpPr>
-              <a:xfrm>
-                <a:off x="1919106" y="4559372"/>
-                <a:ext cx="653700" cy="419310"/>
-                <a:chOff x="1346870" y="759679"/>
-                <a:chExt cx="653700" cy="419310"/>
-              </a:xfrm>
-              <a:grpFill/>
-            </p:grpSpPr>
-            <p:sp>
-              <p:nvSpPr>
-                <p:cNvPr id="38" name="Rectangle 37">
-                  <a:extLst>
-                    <a:ext uri="{FF2B5EF4-FFF2-40B4-BE49-F238E27FC236}">
-                      <a16:creationId xmlns:a16="http://schemas.microsoft.com/office/drawing/2014/main" id="{826F25DA-C9AB-4E3E-9EBB-027D6D26FD0A}"/>
-                    </a:ext>
-                  </a:extLst>
-                </p:cNvPr>
-                <p:cNvSpPr/>
-                <p:nvPr/>
-              </p:nvSpPr>
-              <p:spPr>
-                <a:xfrm>
-                  <a:off x="1346870" y="875874"/>
-                  <a:ext cx="186921" cy="186921"/>
-                </a:xfrm>
-                <a:prstGeom prst="rect">
-                  <a:avLst/>
-                </a:prstGeom>
-                <a:ln/>
-              </p:spPr>
-              <p:style>
-                <a:lnRef idx="2">
-                  <a:schemeClr val="accent4">
-                    <a:shade val="50000"/>
-                  </a:schemeClr>
-                </a:lnRef>
-                <a:fillRef idx="1">
-                  <a:schemeClr val="accent4"/>
-                </a:fillRef>
-                <a:effectRef idx="0">
-                  <a:schemeClr val="accent4"/>
-                </a:effectRef>
-                <a:fontRef idx="minor">
-                  <a:schemeClr val="lt1"/>
-                </a:fontRef>
-              </p:style>
-              <p:txBody>
-                <a:bodyPr rtlCol="0" anchor="ctr"/>
-                <a:lstStyle/>
-                <a:p>
-                  <a:pPr algn="ctr"/>
-                  <a:endParaRPr lang="en-AU" dirty="0">
-                    <a:latin typeface="Consolas" panose="020B0609020204030204" pitchFamily="49" charset="0"/>
-                  </a:endParaRPr>
-                </a:p>
-              </p:txBody>
-            </p:sp>
-            <p:sp>
-              <p:nvSpPr>
-                <p:cNvPr id="39" name="Isosceles Triangle 38">
-                  <a:extLst>
-                    <a:ext uri="{FF2B5EF4-FFF2-40B4-BE49-F238E27FC236}">
-                      <a16:creationId xmlns:a16="http://schemas.microsoft.com/office/drawing/2014/main" id="{C1AE108F-BDF9-47B4-8D7B-26CA6AF044C5}"/>
-                    </a:ext>
-                  </a:extLst>
-                </p:cNvPr>
-                <p:cNvSpPr/>
-                <p:nvPr/>
-              </p:nvSpPr>
-              <p:spPr>
-                <a:xfrm rot="16200000">
-                  <a:off x="1584365" y="762784"/>
-                  <a:ext cx="419310" cy="413100"/>
-                </a:xfrm>
-                <a:prstGeom prst="triangle">
-                  <a:avLst/>
-                </a:prstGeom>
-                <a:ln/>
-              </p:spPr>
-              <p:style>
-                <a:lnRef idx="2">
-                  <a:schemeClr val="accent4">
-                    <a:shade val="50000"/>
-                  </a:schemeClr>
-                </a:lnRef>
-                <a:fillRef idx="1">
-                  <a:schemeClr val="accent4"/>
-                </a:fillRef>
-                <a:effectRef idx="0">
-                  <a:schemeClr val="accent4"/>
-                </a:effectRef>
-                <a:fontRef idx="minor">
-                  <a:schemeClr val="lt1"/>
-                </a:fontRef>
-              </p:style>
-              <p:txBody>
-                <a:bodyPr rtlCol="0" anchor="ctr"/>
-                <a:lstStyle/>
-                <a:p>
-                  <a:pPr algn="ctr"/>
-                  <a:endParaRPr lang="en-AU" dirty="0">
-                    <a:latin typeface="Consolas" panose="020B0609020204030204" pitchFamily="49" charset="0"/>
-                  </a:endParaRPr>
-                </a:p>
-              </p:txBody>
-            </p:sp>
-          </p:grpSp>
-        </p:grpSp>
-        <p:sp>
-          <p:nvSpPr>
-            <p:cNvPr id="29" name="TextBox 28">
-              <a:extLst>
-                <a:ext uri="{FF2B5EF4-FFF2-40B4-BE49-F238E27FC236}">
-                  <a16:creationId xmlns:a16="http://schemas.microsoft.com/office/drawing/2014/main" id="{3150B98B-8C81-452C-AA92-7CF5CF0CD7C1}"/>
-                </a:ext>
-              </a:extLst>
-            </p:cNvPr>
-            <p:cNvSpPr txBox="1"/>
-            <p:nvPr/>
-          </p:nvSpPr>
-          <p:spPr>
-            <a:xfrm>
-              <a:off x="1857717" y="3093221"/>
-              <a:ext cx="309700" cy="369332"/>
-            </a:xfrm>
-            <a:prstGeom prst="rect">
-              <a:avLst/>
-            </a:prstGeom>
-            <a:noFill/>
-          </p:spPr>
-          <p:txBody>
-            <a:bodyPr wrap="none" rtlCol="0">
-              <a:spAutoFit/>
-            </a:bodyPr>
-            <a:lstStyle/>
-            <a:p>
-              <a:r>
-                <a:rPr lang="en-AU" dirty="0">
-                  <a:latin typeface="Consolas" panose="020B0609020204030204" pitchFamily="49" charset="0"/>
-                </a:rPr>
-                <a:t>B</a:t>
-              </a:r>
-            </a:p>
-          </p:txBody>
-        </p:sp>
-        <p:sp>
-          <p:nvSpPr>
-            <p:cNvPr id="42" name="TextBox 41">
-              <a:extLst>
-                <a:ext uri="{FF2B5EF4-FFF2-40B4-BE49-F238E27FC236}">
-                  <a16:creationId xmlns:a16="http://schemas.microsoft.com/office/drawing/2014/main" id="{77D88D7C-9178-4E20-A226-7F43C3846302}"/>
-                </a:ext>
-              </a:extLst>
-            </p:cNvPr>
-            <p:cNvSpPr txBox="1"/>
-            <p:nvPr/>
-          </p:nvSpPr>
-          <p:spPr>
-            <a:xfrm>
-              <a:off x="1361095" y="4286134"/>
-              <a:ext cx="309700" cy="369332"/>
-            </a:xfrm>
-            <a:prstGeom prst="rect">
-              <a:avLst/>
-            </a:prstGeom>
-            <a:noFill/>
-          </p:spPr>
-          <p:txBody>
-            <a:bodyPr wrap="none" rtlCol="0">
-              <a:spAutoFit/>
-            </a:bodyPr>
-            <a:lstStyle/>
-            <a:p>
-              <a:r>
-                <a:rPr lang="en-AU" dirty="0">
-                  <a:latin typeface="Consolas" panose="020B0609020204030204" pitchFamily="49" charset="0"/>
-                </a:rPr>
-                <a:t>C</a:t>
-              </a:r>
-            </a:p>
-          </p:txBody>
-        </p:sp>
-        <p:sp>
-          <p:nvSpPr>
-            <p:cNvPr id="43" name="TextBox 42">
-              <a:extLst>
-                <a:ext uri="{FF2B5EF4-FFF2-40B4-BE49-F238E27FC236}">
-                  <a16:creationId xmlns:a16="http://schemas.microsoft.com/office/drawing/2014/main" id="{6B612215-E38D-4B0F-9FED-D70565E6AFDF}"/>
-                </a:ext>
-              </a:extLst>
-            </p:cNvPr>
-            <p:cNvSpPr txBox="1"/>
-            <p:nvPr/>
-          </p:nvSpPr>
-          <p:spPr>
-            <a:xfrm>
-              <a:off x="3106744" y="5209597"/>
-              <a:ext cx="311304" cy="369332"/>
-            </a:xfrm>
-            <a:prstGeom prst="rect">
-              <a:avLst/>
-            </a:prstGeom>
-            <a:noFill/>
-          </p:spPr>
-          <p:txBody>
-            <a:bodyPr wrap="none" rtlCol="0">
-              <a:spAutoFit/>
-            </a:bodyPr>
-            <a:lstStyle/>
-            <a:p>
-              <a:r>
-                <a:rPr lang="en-AU" dirty="0">
-                  <a:latin typeface="Consolas" panose="020B0609020204030204" pitchFamily="49" charset="0"/>
-                </a:rPr>
-                <a:t>D</a:t>
-              </a:r>
-            </a:p>
-          </p:txBody>
-        </p:sp>
-        <p:sp>
-          <p:nvSpPr>
-            <p:cNvPr id="44" name="TextBox 43">
-              <a:extLst>
-                <a:ext uri="{FF2B5EF4-FFF2-40B4-BE49-F238E27FC236}">
-                  <a16:creationId xmlns:a16="http://schemas.microsoft.com/office/drawing/2014/main" id="{F8B091E5-AD1E-422B-B227-8EAC66BF0862}"/>
-                </a:ext>
-              </a:extLst>
-            </p:cNvPr>
-            <p:cNvSpPr txBox="1"/>
-            <p:nvPr/>
-          </p:nvSpPr>
-          <p:spPr>
-            <a:xfrm>
-              <a:off x="3418048" y="2943550"/>
-              <a:ext cx="311304" cy="369332"/>
-            </a:xfrm>
-            <a:prstGeom prst="rect">
-              <a:avLst/>
-            </a:prstGeom>
-            <a:noFill/>
-          </p:spPr>
-          <p:txBody>
-            <a:bodyPr wrap="none" rtlCol="0">
-              <a:spAutoFit/>
-            </a:bodyPr>
-            <a:lstStyle/>
-            <a:p>
-              <a:r>
-                <a:rPr lang="en-AU" dirty="0">
-                  <a:latin typeface="Consolas" panose="020B0609020204030204" pitchFamily="49" charset="0"/>
-                </a:rPr>
-                <a:t>F</a:t>
-              </a:r>
-            </a:p>
-          </p:txBody>
-        </p:sp>
-        <p:sp>
-          <p:nvSpPr>
-            <p:cNvPr id="45" name="Oval 44">
-              <a:extLst>
-                <a:ext uri="{FF2B5EF4-FFF2-40B4-BE49-F238E27FC236}">
-                  <a16:creationId xmlns:a16="http://schemas.microsoft.com/office/drawing/2014/main" id="{AEF49F6A-603A-43E8-96B7-63CCAC054862}"/>
-                </a:ext>
-              </a:extLst>
-            </p:cNvPr>
-            <p:cNvSpPr/>
-            <p:nvPr/>
-          </p:nvSpPr>
-          <p:spPr>
-            <a:xfrm>
-              <a:off x="3080963" y="3076629"/>
-              <a:ext cx="378895" cy="378895"/>
-            </a:xfrm>
-            <a:prstGeom prst="ellipse">
-              <a:avLst/>
-            </a:prstGeom>
-            <a:solidFill>
-              <a:schemeClr val="tx1"/>
-            </a:solidFill>
-            <a:ln>
-              <a:noFill/>
-            </a:ln>
-          </p:spPr>
-          <p:style>
-            <a:lnRef idx="2">
-              <a:schemeClr val="accent1">
-                <a:shade val="50000"/>
-              </a:schemeClr>
-            </a:lnRef>
-            <a:fillRef idx="1">
-              <a:schemeClr val="accent1"/>
-            </a:fillRef>
-            <a:effectRef idx="0">
-              <a:schemeClr val="accent1"/>
-            </a:effectRef>
-            <a:fontRef idx="minor">
-              <a:schemeClr val="lt1"/>
-            </a:fontRef>
-          </p:style>
-          <p:txBody>
-            <a:bodyPr rtlCol="0" anchor="ctr"/>
-            <a:lstStyle/>
-            <a:p>
-              <a:pPr algn="ctr"/>
-              <a:endParaRPr lang="en-AU" dirty="0">
-                <a:latin typeface="Consolas" panose="020B0609020204030204" pitchFamily="49" charset="0"/>
-              </a:endParaRPr>
-            </a:p>
-          </p:txBody>
-        </p:sp>
-        <p:cxnSp>
-          <p:nvCxnSpPr>
-            <p:cNvPr id="47" name="Connector: Elbow 46">
-              <a:extLst>
-                <a:ext uri="{FF2B5EF4-FFF2-40B4-BE49-F238E27FC236}">
-                  <a16:creationId xmlns:a16="http://schemas.microsoft.com/office/drawing/2014/main" id="{A19063E1-0473-44A0-8EF6-3B1A80230128}"/>
-                </a:ext>
-              </a:extLst>
-            </p:cNvPr>
-            <p:cNvCxnSpPr>
-              <a:stCxn id="42" idx="0"/>
-              <a:endCxn id="18" idx="1"/>
-            </p:cNvCxnSpPr>
-            <p:nvPr/>
-          </p:nvCxnSpPr>
-          <p:spPr>
-            <a:xfrm rot="5400000" flipH="1" flipV="1">
-              <a:off x="1555822" y="4016311"/>
-              <a:ext cx="229947" cy="309700"/>
-            </a:xfrm>
-            <a:prstGeom prst="bentConnector2">
-              <a:avLst/>
-            </a:prstGeom>
-            <a:ln>
-              <a:tailEnd type="triangle"/>
-            </a:ln>
-          </p:spPr>
-          <p:style>
-            <a:lnRef idx="3">
-              <a:schemeClr val="accent2"/>
-            </a:lnRef>
-            <a:fillRef idx="0">
-              <a:schemeClr val="accent2"/>
-            </a:fillRef>
-            <a:effectRef idx="2">
-              <a:schemeClr val="accent2"/>
-            </a:effectRef>
-            <a:fontRef idx="minor">
-              <a:schemeClr val="tx1"/>
-            </a:fontRef>
-          </p:style>
-        </p:cxnSp>
-        <p:cxnSp>
-          <p:nvCxnSpPr>
-            <p:cNvPr id="49" name="Connector: Elbow 48">
-              <a:extLst>
-                <a:ext uri="{FF2B5EF4-FFF2-40B4-BE49-F238E27FC236}">
-                  <a16:creationId xmlns:a16="http://schemas.microsoft.com/office/drawing/2014/main" id="{6688A659-5AA7-4D2C-8548-8D8E7D672A64}"/>
-                </a:ext>
-              </a:extLst>
-            </p:cNvPr>
-            <p:cNvCxnSpPr>
-              <a:stCxn id="42" idx="2"/>
-              <a:endCxn id="31" idx="1"/>
-            </p:cNvCxnSpPr>
-            <p:nvPr/>
-          </p:nvCxnSpPr>
-          <p:spPr>
-            <a:xfrm rot="16200000" flipH="1">
-              <a:off x="1523007" y="4648404"/>
-              <a:ext cx="295577" cy="309700"/>
-            </a:xfrm>
-            <a:prstGeom prst="bentConnector2">
-              <a:avLst/>
-            </a:prstGeom>
-            <a:ln>
-              <a:tailEnd type="triangle"/>
-            </a:ln>
-          </p:spPr>
-          <p:style>
-            <a:lnRef idx="3">
-              <a:schemeClr val="accent2"/>
-            </a:lnRef>
-            <a:fillRef idx="0">
-              <a:schemeClr val="accent2"/>
-            </a:fillRef>
-            <a:effectRef idx="2">
-              <a:schemeClr val="accent2"/>
-            </a:effectRef>
-            <a:fontRef idx="minor">
-              <a:schemeClr val="tx1"/>
-            </a:fontRef>
-          </p:style>
-        </p:cxnSp>
-        <p:cxnSp>
-          <p:nvCxnSpPr>
-            <p:cNvPr id="53" name="Connector: Elbow 52">
-              <a:extLst>
-                <a:ext uri="{FF2B5EF4-FFF2-40B4-BE49-F238E27FC236}">
-                  <a16:creationId xmlns:a16="http://schemas.microsoft.com/office/drawing/2014/main" id="{FDE4D337-8D98-4F5A-B7DC-6A18DF0853C9}"/>
-                </a:ext>
-              </a:extLst>
-            </p:cNvPr>
-            <p:cNvCxnSpPr>
-              <a:stCxn id="43" idx="1"/>
-              <a:endCxn id="34" idx="1"/>
-            </p:cNvCxnSpPr>
-            <p:nvPr/>
-          </p:nvCxnSpPr>
-          <p:spPr>
-            <a:xfrm rot="10800000">
-              <a:off x="2331744" y="5069691"/>
-              <a:ext cx="775000" cy="324573"/>
-            </a:xfrm>
-            <a:prstGeom prst="bentConnector2">
-              <a:avLst/>
-            </a:prstGeom>
-            <a:ln>
-              <a:tailEnd type="triangle"/>
-            </a:ln>
-          </p:spPr>
-          <p:style>
-            <a:lnRef idx="3">
-              <a:schemeClr val="accent2"/>
-            </a:lnRef>
-            <a:fillRef idx="0">
-              <a:schemeClr val="accent2"/>
-            </a:fillRef>
-            <a:effectRef idx="2">
-              <a:schemeClr val="accent2"/>
-            </a:effectRef>
-            <a:fontRef idx="minor">
-              <a:schemeClr val="tx1"/>
-            </a:fontRef>
-          </p:style>
-        </p:cxnSp>
-        <p:cxnSp>
-          <p:nvCxnSpPr>
-            <p:cNvPr id="55" name="Connector: Elbow 54">
-              <a:extLst>
-                <a:ext uri="{FF2B5EF4-FFF2-40B4-BE49-F238E27FC236}">
-                  <a16:creationId xmlns:a16="http://schemas.microsoft.com/office/drawing/2014/main" id="{3E95FB2F-4E49-42DF-8AB0-21FA61304F3B}"/>
-                </a:ext>
-              </a:extLst>
-            </p:cNvPr>
-            <p:cNvCxnSpPr>
-              <a:stCxn id="43" idx="3"/>
-              <a:endCxn id="41" idx="5"/>
-            </p:cNvCxnSpPr>
-            <p:nvPr/>
-          </p:nvCxnSpPr>
-          <p:spPr>
-            <a:xfrm flipV="1">
-              <a:off x="3418048" y="5069690"/>
-              <a:ext cx="781499" cy="324573"/>
-            </a:xfrm>
-            <a:prstGeom prst="bentConnector2">
-              <a:avLst/>
-            </a:prstGeom>
-            <a:ln>
-              <a:tailEnd type="triangle"/>
-            </a:ln>
-          </p:spPr>
-          <p:style>
-            <a:lnRef idx="3">
-              <a:schemeClr val="accent2"/>
-            </a:lnRef>
-            <a:fillRef idx="0">
-              <a:schemeClr val="accent2"/>
-            </a:fillRef>
-            <a:effectRef idx="2">
-              <a:schemeClr val="accent2"/>
-            </a:effectRef>
-            <a:fontRef idx="minor">
-              <a:schemeClr val="tx1"/>
-            </a:fontRef>
-          </p:style>
-        </p:cxnSp>
-      </p:grpSp>
-    </p:spTree>
-    <p:extLst>
-      <p:ext uri="{BB962C8B-B14F-4D97-AF65-F5344CB8AC3E}">
-        <p14:creationId xmlns:p14="http://schemas.microsoft.com/office/powerpoint/2010/main" val="1276795312"/>
       </p:ext>
     </p:extLst>
   </p:cSld>

--- a/Report/FuncDecomp.pptx
+++ b/Report/FuncDecomp.pptx
@@ -24414,62 +24414,12 @@
           <a:chExt cx="0" cy="0"/>
         </a:xfrm>
       </p:grpSpPr>
-      <p:sp>
-        <p:nvSpPr>
-          <p:cNvPr id="4" name="Isosceles Triangle 3">
+      <p:grpSp>
+        <p:nvGrpSpPr>
+          <p:cNvPr id="37" name="Group 36">
             <a:extLst>
               <a:ext uri="{FF2B5EF4-FFF2-40B4-BE49-F238E27FC236}">
-                <a16:creationId xmlns:a16="http://schemas.microsoft.com/office/drawing/2014/main" id="{459E2B35-D626-4EEA-8E72-9B0AE27EB6FE}"/>
-              </a:ext>
-            </a:extLst>
-          </p:cNvPr>
-          <p:cNvSpPr/>
-          <p:nvPr/>
-        </p:nvSpPr>
-        <p:spPr>
-          <a:xfrm rot="5400000">
-            <a:off x="4126161" y="2188721"/>
-            <a:ext cx="1542842" cy="1330036"/>
-          </a:xfrm>
-          <a:prstGeom prst="triangle">
-            <a:avLst/>
-          </a:prstGeom>
-          <a:ln w="28575"/>
-        </p:spPr>
-        <p:style>
-          <a:lnRef idx="2">
-            <a:schemeClr val="dk1"/>
-          </a:lnRef>
-          <a:fillRef idx="1">
-            <a:schemeClr val="lt1"/>
-          </a:fillRef>
-          <a:effectRef idx="0">
-            <a:schemeClr val="dk1"/>
-          </a:effectRef>
-          <a:fontRef idx="minor">
-            <a:schemeClr val="dk1"/>
-          </a:fontRef>
-        </p:style>
-        <p:txBody>
-          <a:bodyPr rtlCol="0" anchor="ctr"/>
-          <a:lstStyle/>
-          <a:p>
-            <a:pPr algn="ctr"/>
-            <a:endParaRPr lang="en-AU" sz="1600">
-              <a:solidFill>
-                <a:schemeClr val="accent2"/>
-              </a:solidFill>
-              <a:latin typeface="Consolas" panose="020B0609020204030204" pitchFamily="49" charset="0"/>
-            </a:endParaRPr>
-          </a:p>
-        </p:txBody>
-      </p:sp>
-      <p:grpSp>
-        <p:nvGrpSpPr>
-          <p:cNvPr id="35" name="Group 34">
-            <a:extLst>
-              <a:ext uri="{FF2B5EF4-FFF2-40B4-BE49-F238E27FC236}">
-                <a16:creationId xmlns:a16="http://schemas.microsoft.com/office/drawing/2014/main" id="{54930EDA-6E3D-4F6A-8BC4-9E67DF1C2248}"/>
+                <a16:creationId xmlns:a16="http://schemas.microsoft.com/office/drawing/2014/main" id="{AA7700A6-8C79-4D08-B49D-612D8EA01FED}"/>
               </a:ext>
             </a:extLst>
           </p:cNvPr>
@@ -24478,101 +24428,88 @@
         </p:nvGrpSpPr>
         <p:grpSpPr>
           <a:xfrm>
-            <a:off x="4232564" y="2163783"/>
-            <a:ext cx="410690" cy="1379910"/>
-            <a:chOff x="4232564" y="2299749"/>
-            <a:chExt cx="410690" cy="1379910"/>
+            <a:off x="2741875" y="2081428"/>
+            <a:ext cx="4799204" cy="1543732"/>
+            <a:chOff x="2741875" y="2081428"/>
+            <a:chExt cx="4799204" cy="1543732"/>
           </a:xfrm>
         </p:grpSpPr>
         <p:sp>
           <p:nvSpPr>
-            <p:cNvPr id="5" name="TextBox 4">
+            <p:cNvPr id="4" name="Isosceles Triangle 3">
               <a:extLst>
                 <a:ext uri="{FF2B5EF4-FFF2-40B4-BE49-F238E27FC236}">
-                  <a16:creationId xmlns:a16="http://schemas.microsoft.com/office/drawing/2014/main" id="{66512A11-D9B6-4947-B892-DA1134D95238}"/>
+                  <a16:creationId xmlns:a16="http://schemas.microsoft.com/office/drawing/2014/main" id="{459E2B35-D626-4EEA-8E72-9B0AE27EB6FE}"/>
                 </a:ext>
               </a:extLst>
             </p:cNvPr>
-            <p:cNvSpPr txBox="1"/>
+            <p:cNvSpPr/>
             <p:nvPr/>
           </p:nvSpPr>
           <p:spPr>
-            <a:xfrm>
-              <a:off x="4232564" y="2299749"/>
-              <a:ext cx="410690" cy="584775"/>
+            <a:xfrm rot="5400000">
+              <a:off x="4126161" y="2188721"/>
+              <a:ext cx="1542842" cy="1330036"/>
             </a:xfrm>
-            <a:prstGeom prst="rect">
+            <a:prstGeom prst="triangle">
               <a:avLst/>
             </a:prstGeom>
-            <a:noFill/>
+            <a:ln w="28575"/>
           </p:spPr>
+          <p:style>
+            <a:lnRef idx="2">
+              <a:schemeClr val="dk1"/>
+            </a:lnRef>
+            <a:fillRef idx="1">
+              <a:schemeClr val="lt1"/>
+            </a:fillRef>
+            <a:effectRef idx="0">
+              <a:schemeClr val="dk1"/>
+            </a:effectRef>
+            <a:fontRef idx="minor">
+              <a:schemeClr val="dk1"/>
+            </a:fontRef>
+          </p:style>
           <p:txBody>
-            <a:bodyPr wrap="none" rtlCol="0">
-              <a:spAutoFit/>
-            </a:bodyPr>
+            <a:bodyPr rtlCol="0" anchor="ctr"/>
             <a:lstStyle/>
             <a:p>
-              <a:r>
-                <a:rPr lang="en-AU" sz="3200" dirty="0">
-                  <a:solidFill>
-                    <a:schemeClr val="accent2"/>
-                  </a:solidFill>
-                  <a:latin typeface="Consolas" panose="020B0609020204030204" pitchFamily="49" charset="0"/>
-                </a:rPr>
-                <a:t>+</a:t>
-              </a:r>
+              <a:pPr algn="ctr"/>
+              <a:endParaRPr lang="en-AU" sz="1600">
+                <a:solidFill>
+                  <a:schemeClr val="accent2"/>
+                </a:solidFill>
+                <a:latin typeface="Consolas" panose="020B0609020204030204" pitchFamily="49" charset="0"/>
+              </a:endParaRPr>
             </a:p>
           </p:txBody>
         </p:sp>
-        <p:sp>
-          <p:nvSpPr>
-            <p:cNvPr id="6" name="TextBox 5">
+        <p:grpSp>
+          <p:nvGrpSpPr>
+            <p:cNvPr id="35" name="Group 34">
               <a:extLst>
                 <a:ext uri="{FF2B5EF4-FFF2-40B4-BE49-F238E27FC236}">
-                  <a16:creationId xmlns:a16="http://schemas.microsoft.com/office/drawing/2014/main" id="{15E64E94-B41A-445F-AB73-2D2E5F495AA3}"/>
+                  <a16:creationId xmlns:a16="http://schemas.microsoft.com/office/drawing/2014/main" id="{54930EDA-6E3D-4F6A-8BC4-9E67DF1C2248}"/>
                 </a:ext>
               </a:extLst>
             </p:cNvPr>
-            <p:cNvSpPr txBox="1"/>
+            <p:cNvGrpSpPr/>
             <p:nvPr/>
-          </p:nvSpPr>
-          <p:spPr>
+          </p:nvGrpSpPr>
+          <p:grpSpPr>
             <a:xfrm>
-              <a:off x="4232564" y="3094884"/>
-              <a:ext cx="410690" cy="584775"/>
+              <a:off x="4232564" y="2163783"/>
+              <a:ext cx="410690" cy="1379910"/>
+              <a:chOff x="4232564" y="2299749"/>
+              <a:chExt cx="410690" cy="1379910"/>
             </a:xfrm>
-            <a:prstGeom prst="rect">
-              <a:avLst/>
-            </a:prstGeom>
-            <a:noFill/>
-          </p:spPr>
-          <p:txBody>
-            <a:bodyPr wrap="none" rtlCol="0">
-              <a:spAutoFit/>
-            </a:bodyPr>
-            <a:lstStyle/>
-            <a:p>
-              <a:r>
-                <a:rPr lang="en-AU" sz="3200" dirty="0">
-                  <a:solidFill>
-                    <a:schemeClr val="accent2"/>
-                  </a:solidFill>
-                  <a:latin typeface="Consolas" panose="020B0609020204030204" pitchFamily="49" charset="0"/>
-                </a:rPr>
-                <a:t>-</a:t>
-              </a:r>
-            </a:p>
-          </p:txBody>
-        </p:sp>
-      </p:grpSp>
-      <mc:AlternateContent xmlns:mc="http://schemas.openxmlformats.org/markup-compatibility/2006">
-        <mc:Choice xmlns:a14="http://schemas.microsoft.com/office/drawing/2010/main" Requires="a14">
+          </p:grpSpPr>
           <p:sp>
             <p:nvSpPr>
-              <p:cNvPr id="7" name="TextBox 6">
+              <p:cNvPr id="5" name="TextBox 4">
                 <a:extLst>
                   <a:ext uri="{FF2B5EF4-FFF2-40B4-BE49-F238E27FC236}">
-                    <a16:creationId xmlns:a16="http://schemas.microsoft.com/office/drawing/2014/main" id="{DC8F5F76-0C74-48D9-87FD-DC8225A4F6DD}"/>
+                    <a16:creationId xmlns:a16="http://schemas.microsoft.com/office/drawing/2014/main" id="{66512A11-D9B6-4947-B892-DA1134D95238}"/>
                   </a:ext>
                 </a:extLst>
               </p:cNvPr>
@@ -24581,8 +24518,8 @@
             </p:nvSpPr>
             <p:spPr>
               <a:xfrm>
-                <a:off x="2963635" y="2145861"/>
-                <a:ext cx="559640" cy="338554"/>
+                <a:off x="4232564" y="2299749"/>
+                <a:ext cx="410690" cy="584775"/>
               </a:xfrm>
               <a:prstGeom prst="rect">
                 <a:avLst/>
@@ -24595,112 +24532,24 @@
               </a:bodyPr>
               <a:lstStyle/>
               <a:p>
-                <a14:m>
-                  <m:oMathPara xmlns:m="http://schemas.openxmlformats.org/officeDocument/2006/math">
-                    <m:oMathParaPr>
-                      <m:jc m:val="centerGroup"/>
-                    </m:oMathParaPr>
-                    <m:oMath xmlns:m="http://schemas.openxmlformats.org/officeDocument/2006/math">
-                      <m:sSub>
-                        <m:sSubPr>
-                          <m:ctrlPr>
-                            <a:rPr lang="en-AU" sz="1600" b="0" i="1" smtClean="0">
-                              <a:solidFill>
-                                <a:schemeClr val="accent2"/>
-                              </a:solidFill>
-                              <a:latin typeface="Cambria Math" panose="02040503050406030204" pitchFamily="18" charset="0"/>
-                            </a:rPr>
-                          </m:ctrlPr>
-                        </m:sSubPr>
-                        <m:e>
-                          <m:r>
-                            <a:rPr lang="en-AU" sz="1600" b="0" i="1" smtClean="0">
-                              <a:solidFill>
-                                <a:schemeClr val="accent2"/>
-                              </a:solidFill>
-                              <a:latin typeface="Cambria Math" panose="02040503050406030204" pitchFamily="18" charset="0"/>
-                            </a:rPr>
-                            <m:t>𝑉</m:t>
-                          </m:r>
-                        </m:e>
-                        <m:sub>
-                          <m:r>
-                            <a:rPr lang="en-AU" sz="1600" b="0" i="1" smtClean="0">
-                              <a:solidFill>
-                                <a:schemeClr val="accent2"/>
-                              </a:solidFill>
-                              <a:latin typeface="Cambria Math" panose="02040503050406030204" pitchFamily="18" charset="0"/>
-                            </a:rPr>
-                            <m:t>𝑖𝑛</m:t>
-                          </m:r>
-                        </m:sub>
-                      </m:sSub>
-                    </m:oMath>
-                  </m:oMathPara>
-                </a14:m>
-                <a:endParaRPr lang="en-AU" sz="1600" b="0" dirty="0">
-                  <a:solidFill>
-                    <a:schemeClr val="accent2"/>
-                  </a:solidFill>
-                  <a:latin typeface="Consolas" panose="020B0609020204030204" pitchFamily="49" charset="0"/>
-                </a:endParaRPr>
-              </a:p>
-            </p:txBody>
-          </p:sp>
-        </mc:Choice>
-        <mc:Fallback>
-          <p:sp>
-            <p:nvSpPr>
-              <p:cNvPr id="7" name="TextBox 6">
-                <a:extLst>
-                  <a:ext uri="{FF2B5EF4-FFF2-40B4-BE49-F238E27FC236}">
-                    <a16:creationId xmlns:a16="http://schemas.microsoft.com/office/drawing/2014/main" id="{DC8F5F76-0C74-48D9-87FD-DC8225A4F6DD}"/>
-                  </a:ext>
-                </a:extLst>
-              </p:cNvPr>
-              <p:cNvSpPr txBox="1">
-                <a:spLocks noRot="1" noChangeAspect="1" noMove="1" noResize="1" noEditPoints="1" noAdjustHandles="1" noChangeArrowheads="1" noChangeShapeType="1" noTextEdit="1"/>
-              </p:cNvSpPr>
-              <p:nvPr/>
-            </p:nvSpPr>
-            <p:spPr>
-              <a:xfrm>
-                <a:off x="2963635" y="2145861"/>
-                <a:ext cx="559640" cy="338554"/>
-              </a:xfrm>
-              <a:prstGeom prst="rect">
-                <a:avLst/>
-              </a:prstGeom>
-              <a:blipFill>
-                <a:blip r:embed="rId2"/>
-                <a:stretch>
-                  <a:fillRect/>
-                </a:stretch>
-              </a:blipFill>
-            </p:spPr>
-            <p:txBody>
-              <a:bodyPr/>
-              <a:lstStyle/>
-              <a:p>
                 <a:r>
-                  <a:rPr lang="en-AU">
-                    <a:noFill/>
+                  <a:rPr lang="en-AU" sz="3200" dirty="0">
+                    <a:solidFill>
+                      <a:schemeClr val="accent2"/>
+                    </a:solidFill>
+                    <a:latin typeface="Consolas" panose="020B0609020204030204" pitchFamily="49" charset="0"/>
                   </a:rPr>
-                  <a:t> </a:t>
+                  <a:t>+</a:t>
                 </a:r>
               </a:p>
             </p:txBody>
           </p:sp>
-        </mc:Fallback>
-      </mc:AlternateContent>
-      <mc:AlternateContent xmlns:mc="http://schemas.openxmlformats.org/markup-compatibility/2006">
-        <mc:Choice xmlns:a14="http://schemas.microsoft.com/office/drawing/2010/main" Requires="a14">
           <p:sp>
             <p:nvSpPr>
-              <p:cNvPr id="8" name="TextBox 7">
+              <p:cNvPr id="6" name="TextBox 5">
                 <a:extLst>
                   <a:ext uri="{FF2B5EF4-FFF2-40B4-BE49-F238E27FC236}">
-                    <a16:creationId xmlns:a16="http://schemas.microsoft.com/office/drawing/2014/main" id="{09B972CD-93BB-451B-B400-A0D78FEB8E4A}"/>
+                    <a16:creationId xmlns:a16="http://schemas.microsoft.com/office/drawing/2014/main" id="{15E64E94-B41A-445F-AB73-2D2E5F495AA3}"/>
                   </a:ext>
                 </a:extLst>
               </p:cNvPr>
@@ -24709,8 +24558,8 @@
             </p:nvSpPr>
             <p:spPr>
               <a:xfrm>
-                <a:off x="6711043" y="2520603"/>
-                <a:ext cx="662104" cy="338554"/>
+                <a:off x="4232564" y="3094884"/>
+                <a:ext cx="410690" cy="584775"/>
               </a:xfrm>
               <a:prstGeom prst="rect">
                 <a:avLst/>
@@ -24723,361 +24572,535 @@
               </a:bodyPr>
               <a:lstStyle/>
               <a:p>
-                <a14:m>
-                  <m:oMathPara xmlns:m="http://schemas.openxmlformats.org/officeDocument/2006/math">
-                    <m:oMathParaPr>
-                      <m:jc m:val="centerGroup"/>
-                    </m:oMathParaPr>
-                    <m:oMath xmlns:m="http://schemas.openxmlformats.org/officeDocument/2006/math">
-                      <m:sSub>
-                        <m:sSubPr>
-                          <m:ctrlPr>
-                            <a:rPr lang="en-AU" sz="1600" b="0" i="1" smtClean="0">
-                              <a:solidFill>
-                                <a:schemeClr val="accent2"/>
-                              </a:solidFill>
-                              <a:latin typeface="Cambria Math" panose="02040503050406030204" pitchFamily="18" charset="0"/>
-                            </a:rPr>
-                          </m:ctrlPr>
-                        </m:sSubPr>
-                        <m:e>
-                          <m:r>
-                            <a:rPr lang="en-AU" sz="1600" b="0" i="1" smtClean="0">
-                              <a:solidFill>
-                                <a:schemeClr val="accent2"/>
-                              </a:solidFill>
-                              <a:latin typeface="Cambria Math" panose="02040503050406030204" pitchFamily="18" charset="0"/>
-                            </a:rPr>
-                            <m:t>𝑉</m:t>
-                          </m:r>
-                        </m:e>
-                        <m:sub>
-                          <m:r>
-                            <a:rPr lang="en-AU" sz="1600" b="0" i="1" smtClean="0">
-                              <a:solidFill>
-                                <a:schemeClr val="accent2"/>
-                              </a:solidFill>
-                              <a:latin typeface="Cambria Math" panose="02040503050406030204" pitchFamily="18" charset="0"/>
-                            </a:rPr>
-                            <m:t>𝑜𝑢𝑡</m:t>
-                          </m:r>
-                        </m:sub>
-                      </m:sSub>
-                    </m:oMath>
-                  </m:oMathPara>
-                </a14:m>
-                <a:endParaRPr lang="en-AU" sz="1600" b="0" dirty="0">
-                  <a:solidFill>
-                    <a:schemeClr val="accent2"/>
-                  </a:solidFill>
-                  <a:latin typeface="Consolas" panose="020B0609020204030204" pitchFamily="49" charset="0"/>
-                </a:endParaRPr>
-              </a:p>
-            </p:txBody>
-          </p:sp>
-        </mc:Choice>
-        <mc:Fallback>
-          <p:sp>
-            <p:nvSpPr>
-              <p:cNvPr id="8" name="TextBox 7">
-                <a:extLst>
-                  <a:ext uri="{FF2B5EF4-FFF2-40B4-BE49-F238E27FC236}">
-                    <a16:creationId xmlns:a16="http://schemas.microsoft.com/office/drawing/2014/main" id="{09B972CD-93BB-451B-B400-A0D78FEB8E4A}"/>
-                  </a:ext>
-                </a:extLst>
-              </p:cNvPr>
-              <p:cNvSpPr txBox="1">
-                <a:spLocks noRot="1" noChangeAspect="1" noMove="1" noResize="1" noEditPoints="1" noAdjustHandles="1" noChangeArrowheads="1" noChangeShapeType="1" noTextEdit="1"/>
-              </p:cNvSpPr>
-              <p:nvPr/>
-            </p:nvSpPr>
-            <p:spPr>
-              <a:xfrm>
-                <a:off x="6711043" y="2520603"/>
-                <a:ext cx="662104" cy="338554"/>
-              </a:xfrm>
-              <a:prstGeom prst="rect">
-                <a:avLst/>
-              </a:prstGeom>
-              <a:blipFill>
-                <a:blip r:embed="rId3"/>
-                <a:stretch>
-                  <a:fillRect/>
-                </a:stretch>
-              </a:blipFill>
-            </p:spPr>
-            <p:txBody>
-              <a:bodyPr/>
-              <a:lstStyle/>
-              <a:p>
                 <a:r>
-                  <a:rPr lang="en-AU">
-                    <a:noFill/>
+                  <a:rPr lang="en-AU" sz="3200" dirty="0">
+                    <a:solidFill>
+                      <a:schemeClr val="accent2"/>
+                    </a:solidFill>
+                    <a:latin typeface="Consolas" panose="020B0609020204030204" pitchFamily="49" charset="0"/>
                   </a:rPr>
-                  <a:t> </a:t>
+                  <a:t>-</a:t>
                 </a:r>
               </a:p>
             </p:txBody>
           </p:sp>
-        </mc:Fallback>
-      </mc:AlternateContent>
-      <p:cxnSp>
-        <p:nvCxnSpPr>
-          <p:cNvPr id="10" name="Straight Connector 9">
-            <a:extLst>
-              <a:ext uri="{FF2B5EF4-FFF2-40B4-BE49-F238E27FC236}">
-                <a16:creationId xmlns:a16="http://schemas.microsoft.com/office/drawing/2014/main" id="{D693760D-ED11-4BA8-88C9-A2622DCED0A8}"/>
-              </a:ext>
-            </a:extLst>
-          </p:cNvPr>
-          <p:cNvCxnSpPr>
-            <a:cxnSpLocks/>
-            <a:stCxn id="4" idx="0"/>
-          </p:cNvCxnSpPr>
-          <p:nvPr/>
-        </p:nvCxnSpPr>
-        <p:spPr>
-          <a:xfrm>
-            <a:off x="5562600" y="2853739"/>
-            <a:ext cx="1553936" cy="0"/>
-          </a:xfrm>
-          <a:prstGeom prst="line">
-            <a:avLst/>
-          </a:prstGeom>
-          <a:ln w="28575"/>
-        </p:spPr>
-        <p:style>
-          <a:lnRef idx="2">
-            <a:schemeClr val="dk1"/>
-          </a:lnRef>
-          <a:fillRef idx="1">
-            <a:schemeClr val="lt1"/>
-          </a:fillRef>
-          <a:effectRef idx="0">
-            <a:schemeClr val="dk1"/>
-          </a:effectRef>
-          <a:fontRef idx="minor">
-            <a:schemeClr val="dk1"/>
-          </a:fontRef>
-        </p:style>
-      </p:cxnSp>
-      <p:cxnSp>
-        <p:nvCxnSpPr>
-          <p:cNvPr id="23" name="Straight Connector 22">
-            <a:extLst>
-              <a:ext uri="{FF2B5EF4-FFF2-40B4-BE49-F238E27FC236}">
-                <a16:creationId xmlns:a16="http://schemas.microsoft.com/office/drawing/2014/main" id="{AF638F94-7701-4273-9A7B-F0BA02A33BDF}"/>
-              </a:ext>
-            </a:extLst>
-          </p:cNvPr>
-          <p:cNvCxnSpPr/>
-          <p:nvPr/>
-        </p:nvCxnSpPr>
-        <p:spPr>
-          <a:xfrm flipH="1">
-            <a:off x="3152565" y="2468028"/>
-            <a:ext cx="1080000" cy="0"/>
-          </a:xfrm>
-          <a:prstGeom prst="line">
-            <a:avLst/>
-          </a:prstGeom>
-          <a:ln w="28575"/>
-        </p:spPr>
-        <p:style>
-          <a:lnRef idx="2">
-            <a:schemeClr val="dk1"/>
-          </a:lnRef>
-          <a:fillRef idx="1">
-            <a:schemeClr val="lt1"/>
-          </a:fillRef>
-          <a:effectRef idx="0">
-            <a:schemeClr val="dk1"/>
-          </a:effectRef>
-          <a:fontRef idx="minor">
-            <a:schemeClr val="dk1"/>
-          </a:fontRef>
-        </p:style>
-      </p:cxnSp>
-      <p:cxnSp>
-        <p:nvCxnSpPr>
-          <p:cNvPr id="24" name="Straight Connector 23">
-            <a:extLst>
-              <a:ext uri="{FF2B5EF4-FFF2-40B4-BE49-F238E27FC236}">
-                <a16:creationId xmlns:a16="http://schemas.microsoft.com/office/drawing/2014/main" id="{0217CC9A-FDE7-4A07-8A14-177A59280831}"/>
-              </a:ext>
-            </a:extLst>
-          </p:cNvPr>
-          <p:cNvCxnSpPr/>
-          <p:nvPr/>
-        </p:nvCxnSpPr>
-        <p:spPr>
-          <a:xfrm flipH="1">
-            <a:off x="3152565" y="3239449"/>
-            <a:ext cx="1080000" cy="0"/>
-          </a:xfrm>
-          <a:prstGeom prst="line">
-            <a:avLst/>
-          </a:prstGeom>
-          <a:ln w="28575"/>
-        </p:spPr>
-        <p:style>
-          <a:lnRef idx="2">
-            <a:schemeClr val="dk1"/>
-          </a:lnRef>
-          <a:fillRef idx="1">
-            <a:schemeClr val="lt1"/>
-          </a:fillRef>
-          <a:effectRef idx="0">
-            <a:schemeClr val="dk1"/>
-          </a:effectRef>
-          <a:fontRef idx="minor">
-            <a:schemeClr val="dk1"/>
-          </a:fontRef>
-        </p:style>
-      </p:cxnSp>
-      <p:sp>
-        <p:nvSpPr>
-          <p:cNvPr id="25" name="Rectangle 24">
-            <a:extLst>
-              <a:ext uri="{FF2B5EF4-FFF2-40B4-BE49-F238E27FC236}">
-                <a16:creationId xmlns:a16="http://schemas.microsoft.com/office/drawing/2014/main" id="{8E008B2B-D7E2-4076-93EE-86187F9FF0ED}"/>
-              </a:ext>
-            </a:extLst>
-          </p:cNvPr>
-          <p:cNvSpPr/>
-          <p:nvPr/>
-        </p:nvSpPr>
-        <p:spPr>
-          <a:xfrm>
-            <a:off x="3119499" y="2468028"/>
-            <a:ext cx="66130" cy="771421"/>
-          </a:xfrm>
-          <a:prstGeom prst="rect">
-            <a:avLst/>
-          </a:prstGeom>
-          <a:noFill/>
-          <a:ln>
+        </p:grpSp>
+        <mc:AlternateContent xmlns:mc="http://schemas.openxmlformats.org/markup-compatibility/2006">
+          <mc:Choice xmlns:a14="http://schemas.microsoft.com/office/drawing/2010/main" Requires="a14">
+            <p:sp>
+              <p:nvSpPr>
+                <p:cNvPr id="7" name="TextBox 6">
+                  <a:extLst>
+                    <a:ext uri="{FF2B5EF4-FFF2-40B4-BE49-F238E27FC236}">
+                      <a16:creationId xmlns:a16="http://schemas.microsoft.com/office/drawing/2014/main" id="{DC8F5F76-0C74-48D9-87FD-DC8225A4F6DD}"/>
+                    </a:ext>
+                  </a:extLst>
+                </p:cNvPr>
+                <p:cNvSpPr txBox="1"/>
+                <p:nvPr/>
+              </p:nvSpPr>
+              <p:spPr>
+                <a:xfrm>
+                  <a:off x="2741875" y="2081428"/>
+                  <a:ext cx="410687" cy="400110"/>
+                </a:xfrm>
+                <a:prstGeom prst="rect">
+                  <a:avLst/>
+                </a:prstGeom>
+                <a:noFill/>
+              </p:spPr>
+              <p:txBody>
+                <a:bodyPr wrap="square" rtlCol="0">
+                  <a:spAutoFit/>
+                </a:bodyPr>
+                <a:lstStyle/>
+                <a:p>
+                  <a:pPr/>
+                  <a14:m>
+                    <m:oMathPara xmlns:m="http://schemas.openxmlformats.org/officeDocument/2006/math">
+                      <m:oMathParaPr>
+                        <m:jc m:val="right"/>
+                      </m:oMathParaPr>
+                      <m:oMath xmlns:m="http://schemas.openxmlformats.org/officeDocument/2006/math">
+                        <m:sSub>
+                          <m:sSubPr>
+                            <m:ctrlPr>
+                              <a:rPr lang="en-AU" sz="2000" b="0" i="1" smtClean="0">
+                                <a:solidFill>
+                                  <a:schemeClr val="accent2"/>
+                                </a:solidFill>
+                                <a:latin typeface="Cambria Math" panose="02040503050406030204" pitchFamily="18" charset="0"/>
+                              </a:rPr>
+                            </m:ctrlPr>
+                          </m:sSubPr>
+                          <m:e>
+                            <m:r>
+                              <a:rPr lang="en-AU" sz="2000" b="0" i="1" smtClean="0">
+                                <a:solidFill>
+                                  <a:schemeClr val="accent2"/>
+                                </a:solidFill>
+                                <a:latin typeface="Cambria Math" panose="02040503050406030204" pitchFamily="18" charset="0"/>
+                              </a:rPr>
+                              <m:t>𝑉</m:t>
+                            </m:r>
+                          </m:e>
+                          <m:sub>
+                            <m:r>
+                              <a:rPr lang="en-AU" sz="2000" b="0" i="1" smtClean="0">
+                                <a:solidFill>
+                                  <a:schemeClr val="accent2"/>
+                                </a:solidFill>
+                                <a:latin typeface="Cambria Math" panose="02040503050406030204" pitchFamily="18" charset="0"/>
+                              </a:rPr>
+                              <m:t>𝑖𝑛</m:t>
+                            </m:r>
+                          </m:sub>
+                        </m:sSub>
+                      </m:oMath>
+                    </m:oMathPara>
+                  </a14:m>
+                  <a:endParaRPr lang="en-AU" sz="2000" b="0" dirty="0">
+                    <a:solidFill>
+                      <a:schemeClr val="accent2"/>
+                    </a:solidFill>
+                    <a:latin typeface="Consolas" panose="020B0609020204030204" pitchFamily="49" charset="0"/>
+                  </a:endParaRPr>
+                </a:p>
+              </p:txBody>
+            </p:sp>
+          </mc:Choice>
+          <mc:Fallback>
+            <p:sp>
+              <p:nvSpPr>
+                <p:cNvPr id="7" name="TextBox 6">
+                  <a:extLst>
+                    <a:ext uri="{FF2B5EF4-FFF2-40B4-BE49-F238E27FC236}">
+                      <a16:creationId xmlns:a16="http://schemas.microsoft.com/office/drawing/2014/main" id="{DC8F5F76-0C74-48D9-87FD-DC8225A4F6DD}"/>
+                    </a:ext>
+                  </a:extLst>
+                </p:cNvPr>
+                <p:cNvSpPr txBox="1">
+                  <a:spLocks noRot="1" noChangeAspect="1" noMove="1" noResize="1" noEditPoints="1" noAdjustHandles="1" noChangeArrowheads="1" noChangeShapeType="1" noTextEdit="1"/>
+                </p:cNvSpPr>
+                <p:nvPr/>
+              </p:nvSpPr>
+              <p:spPr>
+                <a:xfrm>
+                  <a:off x="2741875" y="2081428"/>
+                  <a:ext cx="410687" cy="400110"/>
+                </a:xfrm>
+                <a:prstGeom prst="rect">
+                  <a:avLst/>
+                </a:prstGeom>
+                <a:blipFill>
+                  <a:blip r:embed="rId2"/>
+                  <a:stretch>
+                    <a:fillRect r="-14925" b="-1515"/>
+                  </a:stretch>
+                </a:blipFill>
+              </p:spPr>
+              <p:txBody>
+                <a:bodyPr/>
+                <a:lstStyle/>
+                <a:p>
+                  <a:r>
+                    <a:rPr lang="en-AU">
+                      <a:noFill/>
+                    </a:rPr>
+                    <a:t> </a:t>
+                  </a:r>
+                </a:p>
+              </p:txBody>
+            </p:sp>
+          </mc:Fallback>
+        </mc:AlternateContent>
+        <mc:AlternateContent xmlns:mc="http://schemas.openxmlformats.org/markup-compatibility/2006">
+          <mc:Choice xmlns:a14="http://schemas.microsoft.com/office/drawing/2010/main" Requires="a14">
+            <p:sp>
+              <p:nvSpPr>
+                <p:cNvPr id="8" name="TextBox 7">
+                  <a:extLst>
+                    <a:ext uri="{FF2B5EF4-FFF2-40B4-BE49-F238E27FC236}">
+                      <a16:creationId xmlns:a16="http://schemas.microsoft.com/office/drawing/2014/main" id="{09B972CD-93BB-451B-B400-A0D78FEB8E4A}"/>
+                    </a:ext>
+                  </a:extLst>
+                </p:cNvPr>
+                <p:cNvSpPr txBox="1"/>
+                <p:nvPr/>
+              </p:nvSpPr>
+              <p:spPr>
+                <a:xfrm>
+                  <a:off x="7116536" y="2456170"/>
+                  <a:ext cx="424543" cy="400110"/>
+                </a:xfrm>
+                <a:prstGeom prst="rect">
+                  <a:avLst/>
+                </a:prstGeom>
+                <a:noFill/>
+              </p:spPr>
+              <p:txBody>
+                <a:bodyPr wrap="square" rtlCol="0">
+                  <a:spAutoFit/>
+                </a:bodyPr>
+                <a:lstStyle/>
+                <a:p>
+                  <a:pPr/>
+                  <a14:m>
+                    <m:oMathPara xmlns:m="http://schemas.openxmlformats.org/officeDocument/2006/math">
+                      <m:oMathParaPr>
+                        <m:jc m:val="left"/>
+                      </m:oMathParaPr>
+                      <m:oMath xmlns:m="http://schemas.openxmlformats.org/officeDocument/2006/math">
+                        <m:sSub>
+                          <m:sSubPr>
+                            <m:ctrlPr>
+                              <a:rPr lang="en-AU" sz="2000" b="0" i="1" smtClean="0">
+                                <a:solidFill>
+                                  <a:schemeClr val="accent2"/>
+                                </a:solidFill>
+                                <a:latin typeface="Cambria Math" panose="02040503050406030204" pitchFamily="18" charset="0"/>
+                              </a:rPr>
+                            </m:ctrlPr>
+                          </m:sSubPr>
+                          <m:e>
+                            <m:r>
+                              <a:rPr lang="en-AU" sz="2000" b="0" i="1" smtClean="0">
+                                <a:solidFill>
+                                  <a:schemeClr val="accent2"/>
+                                </a:solidFill>
+                                <a:latin typeface="Cambria Math" panose="02040503050406030204" pitchFamily="18" charset="0"/>
+                              </a:rPr>
+                              <m:t>𝑉</m:t>
+                            </m:r>
+                          </m:e>
+                          <m:sub>
+                            <m:r>
+                              <a:rPr lang="en-AU" sz="2000" b="0" i="1" smtClean="0">
+                                <a:solidFill>
+                                  <a:schemeClr val="accent2"/>
+                                </a:solidFill>
+                                <a:latin typeface="Cambria Math" panose="02040503050406030204" pitchFamily="18" charset="0"/>
+                              </a:rPr>
+                              <m:t>𝑜𝑢𝑡</m:t>
+                            </m:r>
+                          </m:sub>
+                        </m:sSub>
+                      </m:oMath>
+                    </m:oMathPara>
+                  </a14:m>
+                  <a:endParaRPr lang="en-AU" sz="2000" b="0" dirty="0">
+                    <a:solidFill>
+                      <a:schemeClr val="accent2"/>
+                    </a:solidFill>
+                    <a:latin typeface="Consolas" panose="020B0609020204030204" pitchFamily="49" charset="0"/>
+                  </a:endParaRPr>
+                </a:p>
+              </p:txBody>
+            </p:sp>
+          </mc:Choice>
+          <mc:Fallback>
+            <p:sp>
+              <p:nvSpPr>
+                <p:cNvPr id="8" name="TextBox 7">
+                  <a:extLst>
+                    <a:ext uri="{FF2B5EF4-FFF2-40B4-BE49-F238E27FC236}">
+                      <a16:creationId xmlns:a16="http://schemas.microsoft.com/office/drawing/2014/main" id="{09B972CD-93BB-451B-B400-A0D78FEB8E4A}"/>
+                    </a:ext>
+                  </a:extLst>
+                </p:cNvPr>
+                <p:cNvSpPr txBox="1">
+                  <a:spLocks noRot="1" noChangeAspect="1" noMove="1" noResize="1" noEditPoints="1" noAdjustHandles="1" noChangeArrowheads="1" noChangeShapeType="1" noTextEdit="1"/>
+                </p:cNvSpPr>
+                <p:nvPr/>
+              </p:nvSpPr>
+              <p:spPr>
+                <a:xfrm>
+                  <a:off x="7116536" y="2456170"/>
+                  <a:ext cx="424543" cy="400110"/>
+                </a:xfrm>
+                <a:prstGeom prst="rect">
+                  <a:avLst/>
+                </a:prstGeom>
+                <a:blipFill>
+                  <a:blip r:embed="rId3"/>
+                  <a:stretch>
+                    <a:fillRect r="-38571"/>
+                  </a:stretch>
+                </a:blipFill>
+              </p:spPr>
+              <p:txBody>
+                <a:bodyPr/>
+                <a:lstStyle/>
+                <a:p>
+                  <a:r>
+                    <a:rPr lang="en-AU">
+                      <a:noFill/>
+                    </a:rPr>
+                    <a:t> </a:t>
+                  </a:r>
+                </a:p>
+              </p:txBody>
+            </p:sp>
+          </mc:Fallback>
+        </mc:AlternateContent>
+        <p:cxnSp>
+          <p:nvCxnSpPr>
+            <p:cNvPr id="10" name="Straight Connector 9">
+              <a:extLst>
+                <a:ext uri="{FF2B5EF4-FFF2-40B4-BE49-F238E27FC236}">
+                  <a16:creationId xmlns:a16="http://schemas.microsoft.com/office/drawing/2014/main" id="{D693760D-ED11-4BA8-88C9-A2622DCED0A8}"/>
+                </a:ext>
+              </a:extLst>
+            </p:cNvPr>
+            <p:cNvCxnSpPr>
+              <a:cxnSpLocks/>
+              <a:stCxn id="4" idx="0"/>
+            </p:cNvCxnSpPr>
+            <p:nvPr/>
+          </p:nvCxnSpPr>
+          <p:spPr>
+            <a:xfrm>
+              <a:off x="5562600" y="2853739"/>
+              <a:ext cx="1553936" cy="0"/>
+            </a:xfrm>
+            <a:prstGeom prst="line">
+              <a:avLst/>
+            </a:prstGeom>
+            <a:ln w="28575"/>
+          </p:spPr>
+          <p:style>
+            <a:lnRef idx="2">
+              <a:schemeClr val="dk1"/>
+            </a:lnRef>
+            <a:fillRef idx="1">
+              <a:schemeClr val="lt1"/>
+            </a:fillRef>
+            <a:effectRef idx="0">
+              <a:schemeClr val="dk1"/>
+            </a:effectRef>
+            <a:fontRef idx="minor">
+              <a:schemeClr val="dk1"/>
+            </a:fontRef>
+          </p:style>
+        </p:cxnSp>
+        <p:cxnSp>
+          <p:nvCxnSpPr>
+            <p:cNvPr id="23" name="Straight Connector 22">
+              <a:extLst>
+                <a:ext uri="{FF2B5EF4-FFF2-40B4-BE49-F238E27FC236}">
+                  <a16:creationId xmlns:a16="http://schemas.microsoft.com/office/drawing/2014/main" id="{AF638F94-7701-4273-9A7B-F0BA02A33BDF}"/>
+                </a:ext>
+              </a:extLst>
+            </p:cNvPr>
+            <p:cNvCxnSpPr/>
+            <p:nvPr/>
+          </p:nvCxnSpPr>
+          <p:spPr>
+            <a:xfrm flipH="1">
+              <a:off x="3152565" y="2468028"/>
+              <a:ext cx="1080000" cy="0"/>
+            </a:xfrm>
+            <a:prstGeom prst="line">
+              <a:avLst/>
+            </a:prstGeom>
+            <a:ln w="28575"/>
+          </p:spPr>
+          <p:style>
+            <a:lnRef idx="2">
+              <a:schemeClr val="dk1"/>
+            </a:lnRef>
+            <a:fillRef idx="1">
+              <a:schemeClr val="lt1"/>
+            </a:fillRef>
+            <a:effectRef idx="0">
+              <a:schemeClr val="dk1"/>
+            </a:effectRef>
+            <a:fontRef idx="minor">
+              <a:schemeClr val="dk1"/>
+            </a:fontRef>
+          </p:style>
+        </p:cxnSp>
+        <p:cxnSp>
+          <p:nvCxnSpPr>
+            <p:cNvPr id="24" name="Straight Connector 23">
+              <a:extLst>
+                <a:ext uri="{FF2B5EF4-FFF2-40B4-BE49-F238E27FC236}">
+                  <a16:creationId xmlns:a16="http://schemas.microsoft.com/office/drawing/2014/main" id="{0217CC9A-FDE7-4A07-8A14-177A59280831}"/>
+                </a:ext>
+              </a:extLst>
+            </p:cNvPr>
+            <p:cNvCxnSpPr/>
+            <p:nvPr/>
+          </p:nvCxnSpPr>
+          <p:spPr>
+            <a:xfrm flipH="1">
+              <a:off x="3152565" y="3239449"/>
+              <a:ext cx="1080000" cy="0"/>
+            </a:xfrm>
+            <a:prstGeom prst="line">
+              <a:avLst/>
+            </a:prstGeom>
+            <a:ln w="28575"/>
+          </p:spPr>
+          <p:style>
+            <a:lnRef idx="2">
+              <a:schemeClr val="dk1"/>
+            </a:lnRef>
+            <a:fillRef idx="1">
+              <a:schemeClr val="lt1"/>
+            </a:fillRef>
+            <a:effectRef idx="0">
+              <a:schemeClr val="dk1"/>
+            </a:effectRef>
+            <a:fontRef idx="minor">
+              <a:schemeClr val="dk1"/>
+            </a:fontRef>
+          </p:style>
+        </p:cxnSp>
+        <p:sp>
+          <p:nvSpPr>
+            <p:cNvPr id="25" name="Rectangle 24">
+              <a:extLst>
+                <a:ext uri="{FF2B5EF4-FFF2-40B4-BE49-F238E27FC236}">
+                  <a16:creationId xmlns:a16="http://schemas.microsoft.com/office/drawing/2014/main" id="{8E008B2B-D7E2-4076-93EE-86187F9FF0ED}"/>
+                </a:ext>
+              </a:extLst>
+            </p:cNvPr>
+            <p:cNvSpPr/>
+            <p:nvPr/>
+          </p:nvSpPr>
+          <p:spPr>
+            <a:xfrm>
+              <a:off x="3119499" y="2468028"/>
+              <a:ext cx="66130" cy="771421"/>
+            </a:xfrm>
+            <a:prstGeom prst="rect">
+              <a:avLst/>
+            </a:prstGeom>
             <a:noFill/>
-          </a:ln>
-        </p:spPr>
-        <p:style>
-          <a:lnRef idx="2">
-            <a:schemeClr val="accent1">
-              <a:shade val="50000"/>
-            </a:schemeClr>
-          </a:lnRef>
-          <a:fillRef idx="1">
-            <a:schemeClr val="accent1"/>
-          </a:fillRef>
-          <a:effectRef idx="0">
-            <a:schemeClr val="accent1"/>
-          </a:effectRef>
-          <a:fontRef idx="minor">
-            <a:schemeClr val="lt1"/>
-          </a:fontRef>
-        </p:style>
-        <p:txBody>
-          <a:bodyPr rtlCol="0" anchor="ctr"/>
-          <a:lstStyle/>
-          <a:p>
-            <a:pPr algn="ctr"/>
-            <a:endParaRPr lang="en-AU" sz="2000"/>
-          </a:p>
-        </p:txBody>
-      </p:sp>
-      <p:sp>
-        <p:nvSpPr>
-          <p:cNvPr id="27" name="Rectangle 26">
-            <a:extLst>
-              <a:ext uri="{FF2B5EF4-FFF2-40B4-BE49-F238E27FC236}">
-                <a16:creationId xmlns:a16="http://schemas.microsoft.com/office/drawing/2014/main" id="{334E081A-9541-4D30-9B60-2A231FBF8EB2}"/>
-              </a:ext>
-            </a:extLst>
-          </p:cNvPr>
-          <p:cNvSpPr/>
-          <p:nvPr/>
-        </p:nvSpPr>
-        <p:spPr>
-          <a:xfrm>
-            <a:off x="6609535" y="2082317"/>
-            <a:ext cx="66130" cy="771421"/>
-          </a:xfrm>
-          <a:prstGeom prst="rect">
-            <a:avLst/>
-          </a:prstGeom>
-          <a:noFill/>
-          <a:ln>
+            <a:ln>
+              <a:noFill/>
+            </a:ln>
+          </p:spPr>
+          <p:style>
+            <a:lnRef idx="2">
+              <a:schemeClr val="accent1">
+                <a:shade val="50000"/>
+              </a:schemeClr>
+            </a:lnRef>
+            <a:fillRef idx="1">
+              <a:schemeClr val="accent1"/>
+            </a:fillRef>
+            <a:effectRef idx="0">
+              <a:schemeClr val="accent1"/>
+            </a:effectRef>
+            <a:fontRef idx="minor">
+              <a:schemeClr val="lt1"/>
+            </a:fontRef>
+          </p:style>
+          <p:txBody>
+            <a:bodyPr rtlCol="0" anchor="ctr"/>
+            <a:lstStyle/>
+            <a:p>
+              <a:pPr algn="ctr"/>
+              <a:endParaRPr lang="en-AU" sz="2000"/>
+            </a:p>
+          </p:txBody>
+        </p:sp>
+        <p:sp>
+          <p:nvSpPr>
+            <p:cNvPr id="27" name="Rectangle 26">
+              <a:extLst>
+                <a:ext uri="{FF2B5EF4-FFF2-40B4-BE49-F238E27FC236}">
+                  <a16:creationId xmlns:a16="http://schemas.microsoft.com/office/drawing/2014/main" id="{334E081A-9541-4D30-9B60-2A231FBF8EB2}"/>
+                </a:ext>
+              </a:extLst>
+            </p:cNvPr>
+            <p:cNvSpPr/>
+            <p:nvPr/>
+          </p:nvSpPr>
+          <p:spPr>
+            <a:xfrm>
+              <a:off x="6609535" y="2082317"/>
+              <a:ext cx="66130" cy="771421"/>
+            </a:xfrm>
+            <a:prstGeom prst="rect">
+              <a:avLst/>
+            </a:prstGeom>
             <a:noFill/>
-          </a:ln>
-        </p:spPr>
-        <p:style>
-          <a:lnRef idx="2">
-            <a:schemeClr val="accent1">
-              <a:shade val="50000"/>
-            </a:schemeClr>
-          </a:lnRef>
-          <a:fillRef idx="1">
-            <a:schemeClr val="accent1"/>
-          </a:fillRef>
-          <a:effectRef idx="0">
-            <a:schemeClr val="accent1"/>
-          </a:effectRef>
-          <a:fontRef idx="minor">
-            <a:schemeClr val="lt1"/>
-          </a:fontRef>
-        </p:style>
-        <p:txBody>
-          <a:bodyPr rtlCol="0" anchor="ctr"/>
-          <a:lstStyle/>
-          <a:p>
-            <a:pPr algn="ctr"/>
-            <a:endParaRPr lang="en-AU" sz="2000"/>
-          </a:p>
-        </p:txBody>
-      </p:sp>
-      <p:cxnSp>
-        <p:nvCxnSpPr>
-          <p:cNvPr id="29" name="Connector: Elbow 28">
-            <a:extLst>
-              <a:ext uri="{FF2B5EF4-FFF2-40B4-BE49-F238E27FC236}">
-                <a16:creationId xmlns:a16="http://schemas.microsoft.com/office/drawing/2014/main" id="{4BB7E7AB-4979-42E5-8F6D-B45FE43ED06F}"/>
-              </a:ext>
-            </a:extLst>
-          </p:cNvPr>
-          <p:cNvCxnSpPr>
-            <a:cxnSpLocks/>
-            <a:stCxn id="25" idx="2"/>
-            <a:endCxn id="27" idx="2"/>
-          </p:cNvCxnSpPr>
-          <p:nvPr/>
-        </p:nvCxnSpPr>
-        <p:spPr>
-          <a:xfrm rot="5400000" flipH="1" flipV="1">
-            <a:off x="4704726" y="1301576"/>
-            <a:ext cx="385711" cy="3490036"/>
-          </a:xfrm>
-          <a:prstGeom prst="bentConnector3">
-            <a:avLst>
-              <a:gd name="adj1" fmla="val -142524"/>
-            </a:avLst>
-          </a:prstGeom>
-          <a:ln w="28575"/>
-        </p:spPr>
-        <p:style>
-          <a:lnRef idx="2">
-            <a:schemeClr val="dk1"/>
-          </a:lnRef>
-          <a:fillRef idx="1">
-            <a:schemeClr val="lt1"/>
-          </a:fillRef>
-          <a:effectRef idx="0">
-            <a:schemeClr val="dk1"/>
-          </a:effectRef>
-          <a:fontRef idx="minor">
-            <a:schemeClr val="dk1"/>
-          </a:fontRef>
-        </p:style>
-      </p:cxnSp>
+            <a:ln>
+              <a:noFill/>
+            </a:ln>
+          </p:spPr>
+          <p:style>
+            <a:lnRef idx="2">
+              <a:schemeClr val="accent1">
+                <a:shade val="50000"/>
+              </a:schemeClr>
+            </a:lnRef>
+            <a:fillRef idx="1">
+              <a:schemeClr val="accent1"/>
+            </a:fillRef>
+            <a:effectRef idx="0">
+              <a:schemeClr val="accent1"/>
+            </a:effectRef>
+            <a:fontRef idx="minor">
+              <a:schemeClr val="lt1"/>
+            </a:fontRef>
+          </p:style>
+          <p:txBody>
+            <a:bodyPr rtlCol="0" anchor="ctr"/>
+            <a:lstStyle/>
+            <a:p>
+              <a:pPr algn="ctr"/>
+              <a:endParaRPr lang="en-AU" sz="2000"/>
+            </a:p>
+          </p:txBody>
+        </p:sp>
+        <p:cxnSp>
+          <p:nvCxnSpPr>
+            <p:cNvPr id="29" name="Connector: Elbow 28">
+              <a:extLst>
+                <a:ext uri="{FF2B5EF4-FFF2-40B4-BE49-F238E27FC236}">
+                  <a16:creationId xmlns:a16="http://schemas.microsoft.com/office/drawing/2014/main" id="{4BB7E7AB-4979-42E5-8F6D-B45FE43ED06F}"/>
+                </a:ext>
+              </a:extLst>
+            </p:cNvPr>
+            <p:cNvCxnSpPr>
+              <a:cxnSpLocks/>
+              <a:stCxn id="25" idx="2"/>
+              <a:endCxn id="27" idx="2"/>
+            </p:cNvCxnSpPr>
+            <p:nvPr/>
+          </p:nvCxnSpPr>
+          <p:spPr>
+            <a:xfrm rot="5400000" flipH="1" flipV="1">
+              <a:off x="4704726" y="1301576"/>
+              <a:ext cx="385711" cy="3490036"/>
+            </a:xfrm>
+            <a:prstGeom prst="bentConnector3">
+              <a:avLst>
+                <a:gd name="adj1" fmla="val -142524"/>
+              </a:avLst>
+            </a:prstGeom>
+            <a:ln w="28575"/>
+          </p:spPr>
+          <p:style>
+            <a:lnRef idx="2">
+              <a:schemeClr val="dk1"/>
+            </a:lnRef>
+            <a:fillRef idx="1">
+              <a:schemeClr val="lt1"/>
+            </a:fillRef>
+            <a:effectRef idx="0">
+              <a:schemeClr val="dk1"/>
+            </a:effectRef>
+            <a:fontRef idx="minor">
+              <a:schemeClr val="dk1"/>
+            </a:fontRef>
+          </p:style>
+        </p:cxnSp>
+      </p:grpSp>
     </p:spTree>
     <p:extLst>
       <p:ext uri="{BB962C8B-B14F-4D97-AF65-F5344CB8AC3E}">

--- a/Report/FuncDecomp.pptx
+++ b/Report/FuncDecomp.pptx
@@ -263,7 +263,7 @@
           <a:p>
             <a:fld id="{B0718091-353A-4726-AFD1-15211AE32140}" type="datetimeFigureOut">
               <a:rPr lang="en-AU" smtClean="0"/>
-              <a:t>4/06/2018</a:t>
+              <a:t>5/06/2018</a:t>
             </a:fld>
             <a:endParaRPr lang="en-AU" dirty="0"/>
           </a:p>
@@ -433,7 +433,7 @@
           <a:p>
             <a:fld id="{B0718091-353A-4726-AFD1-15211AE32140}" type="datetimeFigureOut">
               <a:rPr lang="en-AU" smtClean="0"/>
-              <a:t>4/06/2018</a:t>
+              <a:t>5/06/2018</a:t>
             </a:fld>
             <a:endParaRPr lang="en-AU" dirty="0"/>
           </a:p>
@@ -613,7 +613,7 @@
           <a:p>
             <a:fld id="{B0718091-353A-4726-AFD1-15211AE32140}" type="datetimeFigureOut">
               <a:rPr lang="en-AU" smtClean="0"/>
-              <a:t>4/06/2018</a:t>
+              <a:t>5/06/2018</a:t>
             </a:fld>
             <a:endParaRPr lang="en-AU" dirty="0"/>
           </a:p>
@@ -783,7 +783,7 @@
           <a:p>
             <a:fld id="{B0718091-353A-4726-AFD1-15211AE32140}" type="datetimeFigureOut">
               <a:rPr lang="en-AU" smtClean="0"/>
-              <a:t>4/06/2018</a:t>
+              <a:t>5/06/2018</a:t>
             </a:fld>
             <a:endParaRPr lang="en-AU" dirty="0"/>
           </a:p>
@@ -1027,7 +1027,7 @@
           <a:p>
             <a:fld id="{B0718091-353A-4726-AFD1-15211AE32140}" type="datetimeFigureOut">
               <a:rPr lang="en-AU" smtClean="0"/>
-              <a:t>4/06/2018</a:t>
+              <a:t>5/06/2018</a:t>
             </a:fld>
             <a:endParaRPr lang="en-AU" dirty="0"/>
           </a:p>
@@ -1259,7 +1259,7 @@
           <a:p>
             <a:fld id="{B0718091-353A-4726-AFD1-15211AE32140}" type="datetimeFigureOut">
               <a:rPr lang="en-AU" smtClean="0"/>
-              <a:t>4/06/2018</a:t>
+              <a:t>5/06/2018</a:t>
             </a:fld>
             <a:endParaRPr lang="en-AU" dirty="0"/>
           </a:p>
@@ -1626,7 +1626,7 @@
           <a:p>
             <a:fld id="{B0718091-353A-4726-AFD1-15211AE32140}" type="datetimeFigureOut">
               <a:rPr lang="en-AU" smtClean="0"/>
-              <a:t>4/06/2018</a:t>
+              <a:t>5/06/2018</a:t>
             </a:fld>
             <a:endParaRPr lang="en-AU" dirty="0"/>
           </a:p>
@@ -1744,7 +1744,7 @@
           <a:p>
             <a:fld id="{B0718091-353A-4726-AFD1-15211AE32140}" type="datetimeFigureOut">
               <a:rPr lang="en-AU" smtClean="0"/>
-              <a:t>4/06/2018</a:t>
+              <a:t>5/06/2018</a:t>
             </a:fld>
             <a:endParaRPr lang="en-AU" dirty="0"/>
           </a:p>
@@ -1839,7 +1839,7 @@
           <a:p>
             <a:fld id="{B0718091-353A-4726-AFD1-15211AE32140}" type="datetimeFigureOut">
               <a:rPr lang="en-AU" smtClean="0"/>
-              <a:t>4/06/2018</a:t>
+              <a:t>5/06/2018</a:t>
             </a:fld>
             <a:endParaRPr lang="en-AU" dirty="0"/>
           </a:p>
@@ -2116,7 +2116,7 @@
           <a:p>
             <a:fld id="{B0718091-353A-4726-AFD1-15211AE32140}" type="datetimeFigureOut">
               <a:rPr lang="en-AU" smtClean="0"/>
-              <a:t>4/06/2018</a:t>
+              <a:t>5/06/2018</a:t>
             </a:fld>
             <a:endParaRPr lang="en-AU" dirty="0"/>
           </a:p>
@@ -2372,7 +2372,7 @@
           <a:p>
             <a:fld id="{B0718091-353A-4726-AFD1-15211AE32140}" type="datetimeFigureOut">
               <a:rPr lang="en-AU" smtClean="0"/>
-              <a:t>4/06/2018</a:t>
+              <a:t>5/06/2018</a:t>
             </a:fld>
             <a:endParaRPr lang="en-AU" dirty="0"/>
           </a:p>
@@ -2585,7 +2585,7 @@
           <a:p>
             <a:fld id="{B0718091-353A-4726-AFD1-15211AE32140}" type="datetimeFigureOut">
               <a:rPr lang="en-AU" smtClean="0"/>
-              <a:t>4/06/2018</a:t>
+              <a:t>5/06/2018</a:t>
             </a:fld>
             <a:endParaRPr lang="en-AU" dirty="0"/>
           </a:p>
@@ -24416,10 +24416,10 @@
       </p:grpSpPr>
       <p:grpSp>
         <p:nvGrpSpPr>
-          <p:cNvPr id="37" name="Group 36">
+          <p:cNvPr id="14" name="Group 13">
             <a:extLst>
               <a:ext uri="{FF2B5EF4-FFF2-40B4-BE49-F238E27FC236}">
-                <a16:creationId xmlns:a16="http://schemas.microsoft.com/office/drawing/2014/main" id="{AA7700A6-8C79-4D08-B49D-612D8EA01FED}"/>
+                <a16:creationId xmlns:a16="http://schemas.microsoft.com/office/drawing/2014/main" id="{899C3F1C-1F3A-45D0-8917-3BBBEC0B153C}"/>
               </a:ext>
             </a:extLst>
           </p:cNvPr>
@@ -24428,68 +24428,46 @@
         </p:nvGrpSpPr>
         <p:grpSpPr>
           <a:xfrm>
-            <a:off x="2741875" y="2081428"/>
-            <a:ext cx="4799204" cy="1543732"/>
-            <a:chOff x="2741875" y="2081428"/>
-            <a:chExt cx="4799204" cy="1543732"/>
+            <a:off x="6232306" y="2195830"/>
+            <a:ext cx="6996215" cy="2466340"/>
+            <a:chOff x="6232306" y="2195830"/>
+            <a:chExt cx="6996215" cy="2466340"/>
           </a:xfrm>
         </p:grpSpPr>
-        <p:sp>
-          <p:nvSpPr>
-            <p:cNvPr id="4" name="Isosceles Triangle 3">
+        <p:pic>
+          <p:nvPicPr>
+            <p:cNvPr id="15" name="Picture 14">
               <a:extLst>
                 <a:ext uri="{FF2B5EF4-FFF2-40B4-BE49-F238E27FC236}">
-                  <a16:creationId xmlns:a16="http://schemas.microsoft.com/office/drawing/2014/main" id="{459E2B35-D626-4EEA-8E72-9B0AE27EB6FE}"/>
+                  <a16:creationId xmlns:a16="http://schemas.microsoft.com/office/drawing/2014/main" id="{B6AA6CB0-0124-4303-A907-0300C5103914}"/>
                 </a:ext>
               </a:extLst>
             </p:cNvPr>
-            <p:cNvSpPr/>
+            <p:cNvPicPr/>
             <p:nvPr/>
-          </p:nvSpPr>
+          </p:nvPicPr>
+          <p:blipFill>
+            <a:blip r:embed="rId2"/>
+            <a:stretch>
+              <a:fillRect/>
+            </a:stretch>
+          </p:blipFill>
           <p:spPr>
-            <a:xfrm rot="5400000">
-              <a:off x="4126161" y="2188721"/>
-              <a:ext cx="1542842" cy="1330036"/>
+            <a:xfrm>
+              <a:off x="9628706" y="2195830"/>
+              <a:ext cx="3599815" cy="2466340"/>
             </a:xfrm>
-            <a:prstGeom prst="triangle">
+            <a:prstGeom prst="rect">
               <a:avLst/>
             </a:prstGeom>
-            <a:ln w="28575"/>
           </p:spPr>
-          <p:style>
-            <a:lnRef idx="2">
-              <a:schemeClr val="dk1"/>
-            </a:lnRef>
-            <a:fillRef idx="1">
-              <a:schemeClr val="lt1"/>
-            </a:fillRef>
-            <a:effectRef idx="0">
-              <a:schemeClr val="dk1"/>
-            </a:effectRef>
-            <a:fontRef idx="minor">
-              <a:schemeClr val="dk1"/>
-            </a:fontRef>
-          </p:style>
-          <p:txBody>
-            <a:bodyPr rtlCol="0" anchor="ctr"/>
-            <a:lstStyle/>
-            <a:p>
-              <a:pPr algn="ctr"/>
-              <a:endParaRPr lang="en-AU" sz="1600">
-                <a:solidFill>
-                  <a:schemeClr val="accent2"/>
-                </a:solidFill>
-                <a:latin typeface="Consolas" panose="020B0609020204030204" pitchFamily="49" charset="0"/>
-              </a:endParaRPr>
-            </a:p>
-          </p:txBody>
-        </p:sp>
+        </p:pic>
         <p:grpSp>
           <p:nvGrpSpPr>
-            <p:cNvPr id="35" name="Group 34">
+            <p:cNvPr id="13" name="Group 12">
               <a:extLst>
                 <a:ext uri="{FF2B5EF4-FFF2-40B4-BE49-F238E27FC236}">
-                  <a16:creationId xmlns:a16="http://schemas.microsoft.com/office/drawing/2014/main" id="{54930EDA-6E3D-4F6A-8BC4-9E67DF1C2248}"/>
+                  <a16:creationId xmlns:a16="http://schemas.microsoft.com/office/drawing/2014/main" id="{1256EC66-9557-4F00-9E0D-50712ABE84E7}"/>
                 </a:ext>
               </a:extLst>
             </p:cNvPr>
@@ -24498,101 +24476,794 @@
           </p:nvGrpSpPr>
           <p:grpSpPr>
             <a:xfrm>
-              <a:off x="4232564" y="2163783"/>
-              <a:ext cx="410690" cy="1379910"/>
-              <a:chOff x="4232564" y="2299749"/>
-              <a:chExt cx="410690" cy="1379910"/>
+              <a:off x="6232306" y="2349415"/>
+              <a:ext cx="2647819" cy="2159170"/>
+              <a:chOff x="6737404" y="2360012"/>
+              <a:chExt cx="2647819" cy="2159170"/>
             </a:xfrm>
           </p:grpSpPr>
-          <p:sp>
-            <p:nvSpPr>
-              <p:cNvPr id="5" name="TextBox 4">
+          <p:grpSp>
+            <p:nvGrpSpPr>
+              <p:cNvPr id="12" name="Group 11">
                 <a:extLst>
                   <a:ext uri="{FF2B5EF4-FFF2-40B4-BE49-F238E27FC236}">
-                    <a16:creationId xmlns:a16="http://schemas.microsoft.com/office/drawing/2014/main" id="{66512A11-D9B6-4947-B892-DA1134D95238}"/>
+                    <a16:creationId xmlns:a16="http://schemas.microsoft.com/office/drawing/2014/main" id="{219E38C6-C747-441C-A5AB-ED2FC3A3F7C2}"/>
                   </a:ext>
                 </a:extLst>
               </p:cNvPr>
-              <p:cNvSpPr txBox="1"/>
+              <p:cNvGrpSpPr/>
               <p:nvPr/>
-            </p:nvSpPr>
-            <p:spPr>
+            </p:nvGrpSpPr>
+            <p:grpSpPr>
               <a:xfrm>
-                <a:off x="4232564" y="2299749"/>
-                <a:ext cx="410690" cy="584775"/>
+                <a:off x="6737404" y="2360012"/>
+                <a:ext cx="2647819" cy="992222"/>
+                <a:chOff x="6737404" y="2360012"/>
+                <a:chExt cx="2647819" cy="992222"/>
               </a:xfrm>
-              <a:prstGeom prst="rect">
-                <a:avLst/>
-              </a:prstGeom>
-              <a:noFill/>
-            </p:spPr>
-            <p:txBody>
-              <a:bodyPr wrap="none" rtlCol="0">
-                <a:spAutoFit/>
-              </a:bodyPr>
-              <a:lstStyle/>
-              <a:p>
-                <a:r>
-                  <a:rPr lang="en-AU" sz="3200" dirty="0">
+            </p:grpSpPr>
+            <p:sp>
+              <p:nvSpPr>
+                <p:cNvPr id="4" name="Isosceles Triangle 3">
+                  <a:extLst>
+                    <a:ext uri="{FF2B5EF4-FFF2-40B4-BE49-F238E27FC236}">
+                      <a16:creationId xmlns:a16="http://schemas.microsoft.com/office/drawing/2014/main" id="{459E2B35-D626-4EEA-8E72-9B0AE27EB6FE}"/>
+                    </a:ext>
+                  </a:extLst>
+                </p:cNvPr>
+                <p:cNvSpPr/>
+                <p:nvPr/>
+              </p:nvSpPr>
+              <p:spPr>
+                <a:xfrm rot="5400000">
+                  <a:off x="7585257" y="2513081"/>
+                  <a:ext cx="901312" cy="776993"/>
+                </a:xfrm>
+                <a:prstGeom prst="triangle">
+                  <a:avLst/>
+                </a:prstGeom>
+                <a:ln w="28575"/>
+              </p:spPr>
+              <p:style>
+                <a:lnRef idx="2">
+                  <a:schemeClr val="dk1"/>
+                </a:lnRef>
+                <a:fillRef idx="1">
+                  <a:schemeClr val="lt1"/>
+                </a:fillRef>
+                <a:effectRef idx="0">
+                  <a:schemeClr val="dk1"/>
+                </a:effectRef>
+                <a:fontRef idx="minor">
+                  <a:schemeClr val="dk1"/>
+                </a:fontRef>
+              </p:style>
+              <p:txBody>
+                <a:bodyPr rtlCol="0" anchor="ctr"/>
+                <a:lstStyle/>
+                <a:p>
+                  <a:pPr algn="ctr"/>
+                  <a:endParaRPr lang="en-AU" sz="1000">
                     <a:solidFill>
                       <a:schemeClr val="accent2"/>
                     </a:solidFill>
                     <a:latin typeface="Consolas" panose="020B0609020204030204" pitchFamily="49" charset="0"/>
-                  </a:rPr>
-                  <a:t>+</a:t>
-                </a:r>
-              </a:p>
-            </p:txBody>
-          </p:sp>
-          <p:sp>
-            <p:nvSpPr>
-              <p:cNvPr id="6" name="TextBox 5">
-                <a:extLst>
-                  <a:ext uri="{FF2B5EF4-FFF2-40B4-BE49-F238E27FC236}">
-                    <a16:creationId xmlns:a16="http://schemas.microsoft.com/office/drawing/2014/main" id="{15E64E94-B41A-445F-AB73-2D2E5F495AA3}"/>
-                  </a:ext>
-                </a:extLst>
-              </p:cNvPr>
-              <p:cNvSpPr txBox="1"/>
-              <p:nvPr/>
-            </p:nvSpPr>
-            <p:spPr>
-              <a:xfrm>
-                <a:off x="4232564" y="3094884"/>
-                <a:ext cx="410690" cy="584775"/>
-              </a:xfrm>
-              <a:prstGeom prst="rect">
-                <a:avLst/>
-              </a:prstGeom>
-              <a:noFill/>
-            </p:spPr>
-            <p:txBody>
-              <a:bodyPr wrap="none" rtlCol="0">
-                <a:spAutoFit/>
-              </a:bodyPr>
-              <a:lstStyle/>
-              <a:p>
-                <a:r>
-                  <a:rPr lang="en-AU" sz="3200" dirty="0">
-                    <a:solidFill>
-                      <a:schemeClr val="accent2"/>
-                    </a:solidFill>
-                    <a:latin typeface="Consolas" panose="020B0609020204030204" pitchFamily="49" charset="0"/>
-                  </a:rPr>
-                  <a:t>-</a:t>
-                </a:r>
-              </a:p>
-            </p:txBody>
-          </p:sp>
-        </p:grpSp>
-        <mc:AlternateContent xmlns:mc="http://schemas.openxmlformats.org/markup-compatibility/2006">
-          <mc:Choice xmlns:a14="http://schemas.microsoft.com/office/drawing/2010/main" Requires="a14">
+                  </a:endParaRPr>
+                </a:p>
+              </p:txBody>
+            </p:sp>
+            <p:grpSp>
+              <p:nvGrpSpPr>
+                <p:cNvPr id="35" name="Group 34">
+                  <a:extLst>
+                    <a:ext uri="{FF2B5EF4-FFF2-40B4-BE49-F238E27FC236}">
+                      <a16:creationId xmlns:a16="http://schemas.microsoft.com/office/drawing/2014/main" id="{54930EDA-6E3D-4F6A-8BC4-9E67DF1C2248}"/>
+                    </a:ext>
+                  </a:extLst>
+                </p:cNvPr>
+                <p:cNvGrpSpPr/>
+                <p:nvPr/>
+              </p:nvGrpSpPr>
+              <p:grpSpPr>
+                <a:xfrm>
+                  <a:off x="7614821" y="2500044"/>
+                  <a:ext cx="296876" cy="803064"/>
+                  <a:chOff x="4232564" y="2299749"/>
+                  <a:chExt cx="508185" cy="1374664"/>
+                </a:xfrm>
+              </p:grpSpPr>
+              <p:sp>
+                <p:nvSpPr>
+                  <p:cNvPr id="5" name="TextBox 4">
+                    <a:extLst>
+                      <a:ext uri="{FF2B5EF4-FFF2-40B4-BE49-F238E27FC236}">
+                        <a16:creationId xmlns:a16="http://schemas.microsoft.com/office/drawing/2014/main" id="{66512A11-D9B6-4947-B892-DA1134D95238}"/>
+                      </a:ext>
+                    </a:extLst>
+                  </p:cNvPr>
+                  <p:cNvSpPr txBox="1"/>
+                  <p:nvPr/>
+                </p:nvSpPr>
+                <p:spPr>
+                  <a:xfrm>
+                    <a:off x="4232564" y="2299749"/>
+                    <a:ext cx="508185" cy="579528"/>
+                  </a:xfrm>
+                  <a:prstGeom prst="rect">
+                    <a:avLst/>
+                  </a:prstGeom>
+                  <a:noFill/>
+                </p:spPr>
+                <p:txBody>
+                  <a:bodyPr wrap="none" rtlCol="0">
+                    <a:spAutoFit/>
+                  </a:bodyPr>
+                  <a:lstStyle/>
+                  <a:p>
+                    <a:r>
+                      <a:rPr lang="en-AU" sz="1600" dirty="0">
+                        <a:solidFill>
+                          <a:schemeClr val="accent2"/>
+                        </a:solidFill>
+                        <a:latin typeface="Consolas" panose="020B0609020204030204" pitchFamily="49" charset="0"/>
+                      </a:rPr>
+                      <a:t>+</a:t>
+                    </a:r>
+                  </a:p>
+                </p:txBody>
+              </p:sp>
+              <p:sp>
+                <p:nvSpPr>
+                  <p:cNvPr id="6" name="TextBox 5">
+                    <a:extLst>
+                      <a:ext uri="{FF2B5EF4-FFF2-40B4-BE49-F238E27FC236}">
+                        <a16:creationId xmlns:a16="http://schemas.microsoft.com/office/drawing/2014/main" id="{15E64E94-B41A-445F-AB73-2D2E5F495AA3}"/>
+                      </a:ext>
+                    </a:extLst>
+                  </p:cNvPr>
+                  <p:cNvSpPr txBox="1"/>
+                  <p:nvPr/>
+                </p:nvSpPr>
+                <p:spPr>
+                  <a:xfrm>
+                    <a:off x="4232564" y="3094885"/>
+                    <a:ext cx="508185" cy="579528"/>
+                  </a:xfrm>
+                  <a:prstGeom prst="rect">
+                    <a:avLst/>
+                  </a:prstGeom>
+                  <a:noFill/>
+                </p:spPr>
+                <p:txBody>
+                  <a:bodyPr wrap="none" rtlCol="0">
+                    <a:spAutoFit/>
+                  </a:bodyPr>
+                  <a:lstStyle/>
+                  <a:p>
+                    <a:r>
+                      <a:rPr lang="en-AU" sz="1600" dirty="0">
+                        <a:solidFill>
+                          <a:schemeClr val="accent2"/>
+                        </a:solidFill>
+                        <a:latin typeface="Consolas" panose="020B0609020204030204" pitchFamily="49" charset="0"/>
+                      </a:rPr>
+                      <a:t>-</a:t>
+                    </a:r>
+                  </a:p>
+                </p:txBody>
+              </p:sp>
+            </p:grpSp>
+            <mc:AlternateContent xmlns:mc="http://schemas.openxmlformats.org/markup-compatibility/2006">
+              <mc:Choice xmlns:a14="http://schemas.microsoft.com/office/drawing/2010/main" Requires="a14">
+                <p:sp>
+                  <p:nvSpPr>
+                    <p:cNvPr id="7" name="TextBox 6">
+                      <a:extLst>
+                        <a:ext uri="{FF2B5EF4-FFF2-40B4-BE49-F238E27FC236}">
+                          <a16:creationId xmlns:a16="http://schemas.microsoft.com/office/drawing/2014/main" id="{DC8F5F76-0C74-48D9-87FD-DC8225A4F6DD}"/>
+                        </a:ext>
+                      </a:extLst>
+                    </p:cNvPr>
+                    <p:cNvSpPr txBox="1"/>
+                    <p:nvPr/>
+                  </p:nvSpPr>
+                  <p:spPr>
+                    <a:xfrm>
+                      <a:off x="6737404" y="2385667"/>
+                      <a:ext cx="239919" cy="328488"/>
+                    </a:xfrm>
+                    <a:prstGeom prst="rect">
+                      <a:avLst/>
+                    </a:prstGeom>
+                    <a:noFill/>
+                  </p:spPr>
+                  <p:txBody>
+                    <a:bodyPr wrap="square" rtlCol="0">
+                      <a:spAutoFit/>
+                    </a:bodyPr>
+                    <a:lstStyle/>
+                    <a:p>
+                      <a:pPr/>
+                      <a14:m>
+                        <m:oMathPara xmlns:m="http://schemas.openxmlformats.org/officeDocument/2006/math">
+                          <m:oMathParaPr>
+                            <m:jc m:val="right"/>
+                          </m:oMathParaPr>
+                          <m:oMath xmlns:m="http://schemas.openxmlformats.org/officeDocument/2006/math">
+                            <m:sSub>
+                              <m:sSubPr>
+                                <m:ctrlPr>
+                                  <a:rPr lang="en-AU" sz="1400" b="0" i="1" smtClean="0">
+                                    <a:solidFill>
+                                      <a:schemeClr val="accent2"/>
+                                    </a:solidFill>
+                                    <a:latin typeface="Cambria Math" panose="02040503050406030204" pitchFamily="18" charset="0"/>
+                                  </a:rPr>
+                                </m:ctrlPr>
+                              </m:sSubPr>
+                              <m:e>
+                                <m:r>
+                                  <a:rPr lang="en-AU" sz="1400" b="0" i="1" smtClean="0">
+                                    <a:solidFill>
+                                      <a:schemeClr val="accent2"/>
+                                    </a:solidFill>
+                                    <a:latin typeface="Cambria Math" panose="02040503050406030204" pitchFamily="18" charset="0"/>
+                                  </a:rPr>
+                                  <m:t>𝑉</m:t>
+                                </m:r>
+                              </m:e>
+                              <m:sub>
+                                <m:r>
+                                  <a:rPr lang="en-AU" sz="1400" b="0" i="1" smtClean="0">
+                                    <a:solidFill>
+                                      <a:schemeClr val="accent2"/>
+                                    </a:solidFill>
+                                    <a:latin typeface="Cambria Math" panose="02040503050406030204" pitchFamily="18" charset="0"/>
+                                  </a:rPr>
+                                  <m:t>𝑖𝑛</m:t>
+                                </m:r>
+                                <m:r>
+                                  <a:rPr lang="en-AU" sz="1400" b="0" i="1" smtClean="0">
+                                    <a:solidFill>
+                                      <a:schemeClr val="accent2"/>
+                                    </a:solidFill>
+                                    <a:latin typeface="Cambria Math" panose="02040503050406030204" pitchFamily="18" charset="0"/>
+                                  </a:rPr>
+                                  <m:t> (</m:t>
+                                </m:r>
+                                <m:r>
+                                  <a:rPr lang="en-AU" sz="1400" b="0" i="1" smtClean="0">
+                                    <a:solidFill>
+                                      <a:schemeClr val="accent2"/>
+                                    </a:solidFill>
+                                    <a:latin typeface="Cambria Math" panose="02040503050406030204" pitchFamily="18" charset="0"/>
+                                  </a:rPr>
+                                  <m:t>𝐶</m:t>
+                                </m:r>
+                                <m:r>
+                                  <a:rPr lang="en-AU" sz="1400" b="0" i="1" smtClean="0">
+                                    <a:solidFill>
+                                      <a:schemeClr val="accent2"/>
+                                    </a:solidFill>
+                                    <a:latin typeface="Cambria Math" panose="02040503050406030204" pitchFamily="18" charset="0"/>
+                                  </a:rPr>
+                                  <m:t>,</m:t>
+                                </m:r>
+                                <m:r>
+                                  <a:rPr lang="en-AU" sz="1400" b="0" i="1" smtClean="0">
+                                    <a:solidFill>
+                                      <a:schemeClr val="accent2"/>
+                                    </a:solidFill>
+                                    <a:latin typeface="Cambria Math" panose="02040503050406030204" pitchFamily="18" charset="0"/>
+                                  </a:rPr>
+                                  <m:t>𝐸</m:t>
+                                </m:r>
+                                <m:r>
+                                  <a:rPr lang="en-AU" sz="1400" b="0" i="1" smtClean="0">
+                                    <a:solidFill>
+                                      <a:schemeClr val="accent2"/>
+                                    </a:solidFill>
+                                    <a:latin typeface="Cambria Math" panose="02040503050406030204" pitchFamily="18" charset="0"/>
+                                  </a:rPr>
+                                  <m:t>)</m:t>
+                                </m:r>
+                              </m:sub>
+                            </m:sSub>
+                          </m:oMath>
+                        </m:oMathPara>
+                      </a14:m>
+                      <a:endParaRPr lang="en-AU" sz="1400" b="0" dirty="0">
+                        <a:solidFill>
+                          <a:schemeClr val="accent2"/>
+                        </a:solidFill>
+                        <a:latin typeface="Consolas" panose="020B0609020204030204" pitchFamily="49" charset="0"/>
+                      </a:endParaRPr>
+                    </a:p>
+                  </p:txBody>
+                </p:sp>
+              </mc:Choice>
+              <mc:Fallback>
+                <p:sp>
+                  <p:nvSpPr>
+                    <p:cNvPr id="7" name="TextBox 6">
+                      <a:extLst>
+                        <a:ext uri="{FF2B5EF4-FFF2-40B4-BE49-F238E27FC236}">
+                          <a16:creationId xmlns:a16="http://schemas.microsoft.com/office/drawing/2014/main" id="{DC8F5F76-0C74-48D9-87FD-DC8225A4F6DD}"/>
+                        </a:ext>
+                      </a:extLst>
+                    </p:cNvPr>
+                    <p:cNvSpPr txBox="1">
+                      <a:spLocks noRot="1" noChangeAspect="1" noMove="1" noResize="1" noEditPoints="1" noAdjustHandles="1" noChangeArrowheads="1" noChangeShapeType="1" noTextEdit="1"/>
+                    </p:cNvSpPr>
+                    <p:nvPr/>
+                  </p:nvSpPr>
+                  <p:spPr>
+                    <a:xfrm>
+                      <a:off x="6737404" y="2385667"/>
+                      <a:ext cx="239919" cy="328488"/>
+                    </a:xfrm>
+                    <a:prstGeom prst="rect">
+                      <a:avLst/>
+                    </a:prstGeom>
+                    <a:blipFill>
+                      <a:blip r:embed="rId3"/>
+                      <a:stretch>
+                        <a:fillRect r="-192500" b="-7547"/>
+                      </a:stretch>
+                    </a:blipFill>
+                  </p:spPr>
+                  <p:txBody>
+                    <a:bodyPr/>
+                    <a:lstStyle/>
+                    <a:p>
+                      <a:r>
+                        <a:rPr lang="en-AU">
+                          <a:noFill/>
+                        </a:rPr>
+                        <a:t> </a:t>
+                      </a:r>
+                    </a:p>
+                  </p:txBody>
+                </p:sp>
+              </mc:Fallback>
+            </mc:AlternateContent>
+            <mc:AlternateContent xmlns:mc="http://schemas.openxmlformats.org/markup-compatibility/2006">
+              <mc:Choice xmlns:a14="http://schemas.microsoft.com/office/drawing/2010/main" Requires="a14">
+                <p:sp>
+                  <p:nvSpPr>
+                    <p:cNvPr id="8" name="TextBox 7">
+                      <a:extLst>
+                        <a:ext uri="{FF2B5EF4-FFF2-40B4-BE49-F238E27FC236}">
+                          <a16:creationId xmlns:a16="http://schemas.microsoft.com/office/drawing/2014/main" id="{09B972CD-93BB-451B-B400-A0D78FEB8E4A}"/>
+                        </a:ext>
+                      </a:extLst>
+                    </p:cNvPr>
+                    <p:cNvSpPr txBox="1"/>
+                    <p:nvPr/>
+                  </p:nvSpPr>
+                  <p:spPr>
+                    <a:xfrm>
+                      <a:off x="9137209" y="2604587"/>
+                      <a:ext cx="248014" cy="328488"/>
+                    </a:xfrm>
+                    <a:prstGeom prst="rect">
+                      <a:avLst/>
+                    </a:prstGeom>
+                    <a:noFill/>
+                  </p:spPr>
+                  <p:txBody>
+                    <a:bodyPr wrap="square" rtlCol="0">
+                      <a:spAutoFit/>
+                    </a:bodyPr>
+                    <a:lstStyle/>
+                    <a:p>
+                      <a:pPr/>
+                      <a14:m>
+                        <m:oMathPara xmlns:m="http://schemas.openxmlformats.org/officeDocument/2006/math">
+                          <m:oMathParaPr>
+                            <m:jc m:val="left"/>
+                          </m:oMathParaPr>
+                          <m:oMath xmlns:m="http://schemas.openxmlformats.org/officeDocument/2006/math">
+                            <m:sSub>
+                              <m:sSubPr>
+                                <m:ctrlPr>
+                                  <a:rPr lang="en-AU" sz="1400" b="0" i="1" smtClean="0">
+                                    <a:solidFill>
+                                      <a:schemeClr val="accent2"/>
+                                    </a:solidFill>
+                                    <a:latin typeface="Cambria Math" panose="02040503050406030204" pitchFamily="18" charset="0"/>
+                                  </a:rPr>
+                                </m:ctrlPr>
+                              </m:sSubPr>
+                              <m:e>
+                                <m:r>
+                                  <a:rPr lang="en-AU" sz="1400" b="0" i="1" smtClean="0">
+                                    <a:solidFill>
+                                      <a:schemeClr val="accent2"/>
+                                    </a:solidFill>
+                                    <a:latin typeface="Cambria Math" panose="02040503050406030204" pitchFamily="18" charset="0"/>
+                                  </a:rPr>
+                                  <m:t>𝑉</m:t>
+                                </m:r>
+                              </m:e>
+                              <m:sub>
+                                <m:r>
+                                  <a:rPr lang="en-AU" sz="1400" b="0" i="1" smtClean="0">
+                                    <a:solidFill>
+                                      <a:schemeClr val="accent2"/>
+                                    </a:solidFill>
+                                    <a:latin typeface="Cambria Math" panose="02040503050406030204" pitchFamily="18" charset="0"/>
+                                  </a:rPr>
+                                  <m:t>𝑜𝑢𝑡</m:t>
+                                </m:r>
+                                <m:r>
+                                  <a:rPr lang="en-AU" sz="1400" i="1">
+                                    <a:solidFill>
+                                      <a:schemeClr val="accent2"/>
+                                    </a:solidFill>
+                                    <a:latin typeface="Cambria Math" panose="02040503050406030204" pitchFamily="18" charset="0"/>
+                                  </a:rPr>
+                                  <m:t>(</m:t>
+                                </m:r>
+                                <m:r>
+                                  <a:rPr lang="en-AU" sz="1400" i="1">
+                                    <a:solidFill>
+                                      <a:schemeClr val="accent2"/>
+                                    </a:solidFill>
+                                    <a:latin typeface="Cambria Math" panose="02040503050406030204" pitchFamily="18" charset="0"/>
+                                  </a:rPr>
+                                  <m:t>𝐶</m:t>
+                                </m:r>
+                                <m:r>
+                                  <a:rPr lang="en-AU" sz="1400" i="1">
+                                    <a:solidFill>
+                                      <a:schemeClr val="accent2"/>
+                                    </a:solidFill>
+                                    <a:latin typeface="Cambria Math" panose="02040503050406030204" pitchFamily="18" charset="0"/>
+                                  </a:rPr>
+                                  <m:t>,</m:t>
+                                </m:r>
+                                <m:r>
+                                  <a:rPr lang="en-AU" sz="1400" i="1">
+                                    <a:solidFill>
+                                      <a:schemeClr val="accent2"/>
+                                    </a:solidFill>
+                                    <a:latin typeface="Cambria Math" panose="02040503050406030204" pitchFamily="18" charset="0"/>
+                                  </a:rPr>
+                                  <m:t>𝐸</m:t>
+                                </m:r>
+                                <m:r>
+                                  <a:rPr lang="en-AU" sz="1400" i="1">
+                                    <a:solidFill>
+                                      <a:schemeClr val="accent2"/>
+                                    </a:solidFill>
+                                    <a:latin typeface="Cambria Math" panose="02040503050406030204" pitchFamily="18" charset="0"/>
+                                  </a:rPr>
+                                  <m:t>)</m:t>
+                                </m:r>
+                              </m:sub>
+                            </m:sSub>
+                          </m:oMath>
+                        </m:oMathPara>
+                      </a14:m>
+                      <a:endParaRPr lang="en-AU" sz="1400" b="0" dirty="0">
+                        <a:solidFill>
+                          <a:schemeClr val="accent2"/>
+                        </a:solidFill>
+                        <a:latin typeface="Consolas" panose="020B0609020204030204" pitchFamily="49" charset="0"/>
+                      </a:endParaRPr>
+                    </a:p>
+                  </p:txBody>
+                </p:sp>
+              </mc:Choice>
+              <mc:Fallback>
+                <p:sp>
+                  <p:nvSpPr>
+                    <p:cNvPr id="8" name="TextBox 7">
+                      <a:extLst>
+                        <a:ext uri="{FF2B5EF4-FFF2-40B4-BE49-F238E27FC236}">
+                          <a16:creationId xmlns:a16="http://schemas.microsoft.com/office/drawing/2014/main" id="{09B972CD-93BB-451B-B400-A0D78FEB8E4A}"/>
+                        </a:ext>
+                      </a:extLst>
+                    </p:cNvPr>
+                    <p:cNvSpPr txBox="1">
+                      <a:spLocks noRot="1" noChangeAspect="1" noMove="1" noResize="1" noEditPoints="1" noAdjustHandles="1" noChangeArrowheads="1" noChangeShapeType="1" noTextEdit="1"/>
+                    </p:cNvSpPr>
+                    <p:nvPr/>
+                  </p:nvSpPr>
+                  <p:spPr>
+                    <a:xfrm>
+                      <a:off x="9137209" y="2604587"/>
+                      <a:ext cx="248014" cy="328488"/>
+                    </a:xfrm>
+                    <a:prstGeom prst="rect">
+                      <a:avLst/>
+                    </a:prstGeom>
+                    <a:blipFill>
+                      <a:blip r:embed="rId4"/>
+                      <a:stretch>
+                        <a:fillRect r="-209756" b="-7547"/>
+                      </a:stretch>
+                    </a:blipFill>
+                  </p:spPr>
+                  <p:txBody>
+                    <a:bodyPr/>
+                    <a:lstStyle/>
+                    <a:p>
+                      <a:r>
+                        <a:rPr lang="en-AU">
+                          <a:noFill/>
+                        </a:rPr>
+                        <a:t> </a:t>
+                      </a:r>
+                    </a:p>
+                  </p:txBody>
+                </p:sp>
+              </mc:Fallback>
+            </mc:AlternateContent>
+            <p:cxnSp>
+              <p:nvCxnSpPr>
+                <p:cNvPr id="10" name="Straight Connector 9">
+                  <a:extLst>
+                    <a:ext uri="{FF2B5EF4-FFF2-40B4-BE49-F238E27FC236}">
+                      <a16:creationId xmlns:a16="http://schemas.microsoft.com/office/drawing/2014/main" id="{D693760D-ED11-4BA8-88C9-A2622DCED0A8}"/>
+                    </a:ext>
+                  </a:extLst>
+                </p:cNvPr>
+                <p:cNvCxnSpPr>
+                  <a:cxnSpLocks/>
+                  <a:stCxn id="4" idx="0"/>
+                </p:cNvCxnSpPr>
+                <p:nvPr/>
+              </p:nvCxnSpPr>
+              <p:spPr>
+                <a:xfrm>
+                  <a:off x="8424410" y="2901577"/>
+                  <a:ext cx="907793" cy="0"/>
+                </a:xfrm>
+                <a:prstGeom prst="line">
+                  <a:avLst/>
+                </a:prstGeom>
+                <a:ln w="28575"/>
+              </p:spPr>
+              <p:style>
+                <a:lnRef idx="2">
+                  <a:schemeClr val="dk1"/>
+                </a:lnRef>
+                <a:fillRef idx="1">
+                  <a:schemeClr val="lt1"/>
+                </a:fillRef>
+                <a:effectRef idx="0">
+                  <a:schemeClr val="dk1"/>
+                </a:effectRef>
+                <a:fontRef idx="minor">
+                  <a:schemeClr val="dk1"/>
+                </a:fontRef>
+              </p:style>
+            </p:cxnSp>
+            <p:cxnSp>
+              <p:nvCxnSpPr>
+                <p:cNvPr id="23" name="Straight Connector 22">
+                  <a:extLst>
+                    <a:ext uri="{FF2B5EF4-FFF2-40B4-BE49-F238E27FC236}">
+                      <a16:creationId xmlns:a16="http://schemas.microsoft.com/office/drawing/2014/main" id="{AF638F94-7701-4273-9A7B-F0BA02A33BDF}"/>
+                    </a:ext>
+                  </a:extLst>
+                </p:cNvPr>
+                <p:cNvCxnSpPr/>
+                <p:nvPr/>
+              </p:nvCxnSpPr>
+              <p:spPr>
+                <a:xfrm flipH="1">
+                  <a:off x="7016493" y="2676249"/>
+                  <a:ext cx="630925" cy="0"/>
+                </a:xfrm>
+                <a:prstGeom prst="line">
+                  <a:avLst/>
+                </a:prstGeom>
+                <a:ln w="28575"/>
+              </p:spPr>
+              <p:style>
+                <a:lnRef idx="2">
+                  <a:schemeClr val="dk1"/>
+                </a:lnRef>
+                <a:fillRef idx="1">
+                  <a:schemeClr val="lt1"/>
+                </a:fillRef>
+                <a:effectRef idx="0">
+                  <a:schemeClr val="dk1"/>
+                </a:effectRef>
+                <a:fontRef idx="minor">
+                  <a:schemeClr val="dk1"/>
+                </a:fontRef>
+              </p:style>
+            </p:cxnSp>
+            <p:cxnSp>
+              <p:nvCxnSpPr>
+                <p:cNvPr id="24" name="Straight Connector 23">
+                  <a:extLst>
+                    <a:ext uri="{FF2B5EF4-FFF2-40B4-BE49-F238E27FC236}">
+                      <a16:creationId xmlns:a16="http://schemas.microsoft.com/office/drawing/2014/main" id="{0217CC9A-FDE7-4A07-8A14-177A59280831}"/>
+                    </a:ext>
+                  </a:extLst>
+                </p:cNvPr>
+                <p:cNvCxnSpPr/>
+                <p:nvPr/>
+              </p:nvCxnSpPr>
+              <p:spPr>
+                <a:xfrm flipH="1">
+                  <a:off x="7016493" y="3126905"/>
+                  <a:ext cx="630925" cy="0"/>
+                </a:xfrm>
+                <a:prstGeom prst="line">
+                  <a:avLst/>
+                </a:prstGeom>
+                <a:ln w="28575"/>
+              </p:spPr>
+              <p:style>
+                <a:lnRef idx="2">
+                  <a:schemeClr val="dk1"/>
+                </a:lnRef>
+                <a:fillRef idx="1">
+                  <a:schemeClr val="lt1"/>
+                </a:fillRef>
+                <a:effectRef idx="0">
+                  <a:schemeClr val="dk1"/>
+                </a:effectRef>
+                <a:fontRef idx="minor">
+                  <a:schemeClr val="dk1"/>
+                </a:fontRef>
+              </p:style>
+            </p:cxnSp>
             <p:sp>
               <p:nvSpPr>
-                <p:cNvPr id="7" name="TextBox 6">
+                <p:cNvPr id="25" name="Rectangle 24">
                   <a:extLst>
                     <a:ext uri="{FF2B5EF4-FFF2-40B4-BE49-F238E27FC236}">
-                      <a16:creationId xmlns:a16="http://schemas.microsoft.com/office/drawing/2014/main" id="{DC8F5F76-0C74-48D9-87FD-DC8225A4F6DD}"/>
+                      <a16:creationId xmlns:a16="http://schemas.microsoft.com/office/drawing/2014/main" id="{8E008B2B-D7E2-4076-93EE-86187F9FF0ED}"/>
+                    </a:ext>
+                  </a:extLst>
+                </p:cNvPr>
+                <p:cNvSpPr/>
+                <p:nvPr/>
+              </p:nvSpPr>
+              <p:spPr>
+                <a:xfrm>
+                  <a:off x="6997176" y="2676249"/>
+                  <a:ext cx="38632" cy="450656"/>
+                </a:xfrm>
+                <a:prstGeom prst="rect">
+                  <a:avLst/>
+                </a:prstGeom>
+                <a:noFill/>
+                <a:ln>
+                  <a:noFill/>
+                </a:ln>
+              </p:spPr>
+              <p:style>
+                <a:lnRef idx="2">
+                  <a:schemeClr val="accent1">
+                    <a:shade val="50000"/>
+                  </a:schemeClr>
+                </a:lnRef>
+                <a:fillRef idx="1">
+                  <a:schemeClr val="accent1"/>
+                </a:fillRef>
+                <a:effectRef idx="0">
+                  <a:schemeClr val="accent1"/>
+                </a:effectRef>
+                <a:fontRef idx="minor">
+                  <a:schemeClr val="lt1"/>
+                </a:fontRef>
+              </p:style>
+              <p:txBody>
+                <a:bodyPr rtlCol="0" anchor="ctr"/>
+                <a:lstStyle/>
+                <a:p>
+                  <a:pPr algn="ctr"/>
+                  <a:endParaRPr lang="en-AU" sz="1400"/>
+                </a:p>
+              </p:txBody>
+            </p:sp>
+            <p:sp>
+              <p:nvSpPr>
+                <p:cNvPr id="27" name="Rectangle 26">
+                  <a:extLst>
+                    <a:ext uri="{FF2B5EF4-FFF2-40B4-BE49-F238E27FC236}">
+                      <a16:creationId xmlns:a16="http://schemas.microsoft.com/office/drawing/2014/main" id="{334E081A-9541-4D30-9B60-2A231FBF8EB2}"/>
+                    </a:ext>
+                  </a:extLst>
+                </p:cNvPr>
+                <p:cNvSpPr/>
+                <p:nvPr/>
+              </p:nvSpPr>
+              <p:spPr>
+                <a:xfrm>
+                  <a:off x="9036018" y="2450920"/>
+                  <a:ext cx="38632" cy="450656"/>
+                </a:xfrm>
+                <a:prstGeom prst="rect">
+                  <a:avLst/>
+                </a:prstGeom>
+                <a:noFill/>
+                <a:ln>
+                  <a:noFill/>
+                </a:ln>
+              </p:spPr>
+              <p:style>
+                <a:lnRef idx="2">
+                  <a:schemeClr val="accent1">
+                    <a:shade val="50000"/>
+                  </a:schemeClr>
+                </a:lnRef>
+                <a:fillRef idx="1">
+                  <a:schemeClr val="accent1"/>
+                </a:fillRef>
+                <a:effectRef idx="0">
+                  <a:schemeClr val="accent1"/>
+                </a:effectRef>
+                <a:fontRef idx="minor">
+                  <a:schemeClr val="lt1"/>
+                </a:fontRef>
+              </p:style>
+              <p:txBody>
+                <a:bodyPr rtlCol="0" anchor="ctr"/>
+                <a:lstStyle/>
+                <a:p>
+                  <a:pPr algn="ctr"/>
+                  <a:endParaRPr lang="en-AU" sz="1100"/>
+                </a:p>
+              </p:txBody>
+            </p:sp>
+            <p:cxnSp>
+              <p:nvCxnSpPr>
+                <p:cNvPr id="29" name="Connector: Elbow 28">
+                  <a:extLst>
+                    <a:ext uri="{FF2B5EF4-FFF2-40B4-BE49-F238E27FC236}">
+                      <a16:creationId xmlns:a16="http://schemas.microsoft.com/office/drawing/2014/main" id="{4BB7E7AB-4979-42E5-8F6D-B45FE43ED06F}"/>
+                    </a:ext>
+                  </a:extLst>
+                </p:cNvPr>
+                <p:cNvCxnSpPr>
+                  <a:cxnSpLocks/>
+                  <a:stCxn id="25" idx="2"/>
+                  <a:endCxn id="27" idx="2"/>
+                </p:cNvCxnSpPr>
+                <p:nvPr/>
+              </p:nvCxnSpPr>
+              <p:spPr>
+                <a:xfrm rot="5400000" flipH="1" flipV="1">
+                  <a:off x="7923249" y="1994820"/>
+                  <a:ext cx="225328" cy="2038842"/>
+                </a:xfrm>
+                <a:prstGeom prst="bentConnector3">
+                  <a:avLst>
+                    <a:gd name="adj1" fmla="val -142524"/>
+                  </a:avLst>
+                </a:prstGeom>
+                <a:ln w="28575"/>
+              </p:spPr>
+              <p:style>
+                <a:lnRef idx="2">
+                  <a:schemeClr val="dk1"/>
+                </a:lnRef>
+                <a:fillRef idx="1">
+                  <a:schemeClr val="lt1"/>
+                </a:fillRef>
+                <a:effectRef idx="0">
+                  <a:schemeClr val="dk1"/>
+                </a:effectRef>
+                <a:fontRef idx="minor">
+                  <a:schemeClr val="dk1"/>
+                </a:fontRef>
+              </p:style>
+            </p:cxnSp>
+            <p:sp>
+              <p:nvSpPr>
+                <p:cNvPr id="16" name="TextBox 15">
+                  <a:extLst>
+                    <a:ext uri="{FF2B5EF4-FFF2-40B4-BE49-F238E27FC236}">
+                      <a16:creationId xmlns:a16="http://schemas.microsoft.com/office/drawing/2014/main" id="{911247B1-9032-43B8-9491-4760CEACDF00}"/>
                     </a:ext>
                   </a:extLst>
                 </p:cNvPr>
@@ -24601,8 +25272,8 @@
               </p:nvSpPr>
               <p:spPr>
                 <a:xfrm>
-                  <a:off x="2741875" y="2081428"/>
-                  <a:ext cx="410687" cy="400110"/>
+                  <a:off x="7381163" y="2360012"/>
+                  <a:ext cx="248014" cy="307777"/>
                 </a:xfrm>
                 <a:prstGeom prst="rect">
                   <a:avLst/>
@@ -24616,112 +25287,24 @@
                 <a:lstStyle/>
                 <a:p>
                   <a:pPr/>
-                  <a14:m>
-                    <m:oMathPara xmlns:m="http://schemas.openxmlformats.org/officeDocument/2006/math">
-                      <m:oMathParaPr>
-                        <m:jc m:val="right"/>
-                      </m:oMathParaPr>
-                      <m:oMath xmlns:m="http://schemas.openxmlformats.org/officeDocument/2006/math">
-                        <m:sSub>
-                          <m:sSubPr>
-                            <m:ctrlPr>
-                              <a:rPr lang="en-AU" sz="2000" b="0" i="1" smtClean="0">
-                                <a:solidFill>
-                                  <a:schemeClr val="accent2"/>
-                                </a:solidFill>
-                                <a:latin typeface="Cambria Math" panose="02040503050406030204" pitchFamily="18" charset="0"/>
-                              </a:rPr>
-                            </m:ctrlPr>
-                          </m:sSubPr>
-                          <m:e>
-                            <m:r>
-                              <a:rPr lang="en-AU" sz="2000" b="0" i="1" smtClean="0">
-                                <a:solidFill>
-                                  <a:schemeClr val="accent2"/>
-                                </a:solidFill>
-                                <a:latin typeface="Cambria Math" panose="02040503050406030204" pitchFamily="18" charset="0"/>
-                              </a:rPr>
-                              <m:t>𝑉</m:t>
-                            </m:r>
-                          </m:e>
-                          <m:sub>
-                            <m:r>
-                              <a:rPr lang="en-AU" sz="2000" b="0" i="1" smtClean="0">
-                                <a:solidFill>
-                                  <a:schemeClr val="accent2"/>
-                                </a:solidFill>
-                                <a:latin typeface="Cambria Math" panose="02040503050406030204" pitchFamily="18" charset="0"/>
-                              </a:rPr>
-                              <m:t>𝑖𝑛</m:t>
-                            </m:r>
-                          </m:sub>
-                        </m:sSub>
-                      </m:oMath>
-                    </m:oMathPara>
-                  </a14:m>
-                  <a:endParaRPr lang="en-AU" sz="2000" b="0" dirty="0">
-                    <a:solidFill>
-                      <a:schemeClr val="accent2"/>
-                    </a:solidFill>
-                    <a:latin typeface="Consolas" panose="020B0609020204030204" pitchFamily="49" charset="0"/>
-                  </a:endParaRPr>
-                </a:p>
-              </p:txBody>
-            </p:sp>
-          </mc:Choice>
-          <mc:Fallback>
-            <p:sp>
-              <p:nvSpPr>
-                <p:cNvPr id="7" name="TextBox 6">
-                  <a:extLst>
-                    <a:ext uri="{FF2B5EF4-FFF2-40B4-BE49-F238E27FC236}">
-                      <a16:creationId xmlns:a16="http://schemas.microsoft.com/office/drawing/2014/main" id="{DC8F5F76-0C74-48D9-87FD-DC8225A4F6DD}"/>
-                    </a:ext>
-                  </a:extLst>
-                </p:cNvPr>
-                <p:cNvSpPr txBox="1">
-                  <a:spLocks noRot="1" noChangeAspect="1" noMove="1" noResize="1" noEditPoints="1" noAdjustHandles="1" noChangeArrowheads="1" noChangeShapeType="1" noTextEdit="1"/>
-                </p:cNvSpPr>
-                <p:nvPr/>
-              </p:nvSpPr>
-              <p:spPr>
-                <a:xfrm>
-                  <a:off x="2741875" y="2081428"/>
-                  <a:ext cx="410687" cy="400110"/>
-                </a:xfrm>
-                <a:prstGeom prst="rect">
-                  <a:avLst/>
-                </a:prstGeom>
-                <a:blipFill>
-                  <a:blip r:embed="rId2"/>
-                  <a:stretch>
-                    <a:fillRect r="-14925" b="-1515"/>
-                  </a:stretch>
-                </a:blipFill>
-              </p:spPr>
-              <p:txBody>
-                <a:bodyPr/>
-                <a:lstStyle/>
-                <a:p>
                   <a:r>
-                    <a:rPr lang="en-AU">
-                      <a:noFill/>
+                    <a:rPr lang="en-AU" sz="1400" b="0" dirty="0">
+                      <a:solidFill>
+                        <a:schemeClr val="accent2"/>
+                      </a:solidFill>
+                      <a:latin typeface="Consolas" panose="020B0609020204030204" pitchFamily="49" charset="0"/>
                     </a:rPr>
-                    <a:t> </a:t>
+                    <a:t>3</a:t>
                   </a:r>
                 </a:p>
               </p:txBody>
             </p:sp>
-          </mc:Fallback>
-        </mc:AlternateContent>
-        <mc:AlternateContent xmlns:mc="http://schemas.openxmlformats.org/markup-compatibility/2006">
-          <mc:Choice xmlns:a14="http://schemas.microsoft.com/office/drawing/2010/main" Requires="a14">
             <p:sp>
               <p:nvSpPr>
-                <p:cNvPr id="8" name="TextBox 7">
+                <p:cNvPr id="17" name="TextBox 16">
                   <a:extLst>
                     <a:ext uri="{FF2B5EF4-FFF2-40B4-BE49-F238E27FC236}">
-                      <a16:creationId xmlns:a16="http://schemas.microsoft.com/office/drawing/2014/main" id="{09B972CD-93BB-451B-B400-A0D78FEB8E4A}"/>
+                      <a16:creationId xmlns:a16="http://schemas.microsoft.com/office/drawing/2014/main" id="{DE4B6F20-75E8-4ED6-ABB2-F891AF26B3B3}"/>
                     </a:ext>
                   </a:extLst>
                 </p:cNvPr>
@@ -24730,8 +25313,8 @@
               </p:nvSpPr>
               <p:spPr>
                 <a:xfrm>
-                  <a:off x="7116536" y="2456170"/>
-                  <a:ext cx="424543" cy="400110"/>
+                  <a:off x="7381163" y="2826054"/>
+                  <a:ext cx="248014" cy="307777"/>
                 </a:xfrm>
                 <a:prstGeom prst="rect">
                   <a:avLst/>
@@ -24745,50 +25328,122 @@
                 <a:lstStyle/>
                 <a:p>
                   <a:pPr/>
-                  <a14:m>
-                    <m:oMathPara xmlns:m="http://schemas.openxmlformats.org/officeDocument/2006/math">
-                      <m:oMathParaPr>
-                        <m:jc m:val="left"/>
-                      </m:oMathParaPr>
-                      <m:oMath xmlns:m="http://schemas.openxmlformats.org/officeDocument/2006/math">
-                        <m:sSub>
-                          <m:sSubPr>
-                            <m:ctrlPr>
-                              <a:rPr lang="en-AU" sz="2000" b="0" i="1" smtClean="0">
-                                <a:solidFill>
-                                  <a:schemeClr val="accent2"/>
-                                </a:solidFill>
-                                <a:latin typeface="Cambria Math" panose="02040503050406030204" pitchFamily="18" charset="0"/>
-                              </a:rPr>
-                            </m:ctrlPr>
-                          </m:sSubPr>
-                          <m:e>
-                            <m:r>
-                              <a:rPr lang="en-AU" sz="2000" b="0" i="1" smtClean="0">
-                                <a:solidFill>
-                                  <a:schemeClr val="accent2"/>
-                                </a:solidFill>
-                                <a:latin typeface="Cambria Math" panose="02040503050406030204" pitchFamily="18" charset="0"/>
-                              </a:rPr>
-                              <m:t>𝑉</m:t>
-                            </m:r>
-                          </m:e>
-                          <m:sub>
-                            <m:r>
-                              <a:rPr lang="en-AU" sz="2000" b="0" i="1" smtClean="0">
-                                <a:solidFill>
-                                  <a:schemeClr val="accent2"/>
-                                </a:solidFill>
-                                <a:latin typeface="Cambria Math" panose="02040503050406030204" pitchFamily="18" charset="0"/>
-                              </a:rPr>
-                              <m:t>𝑜𝑢𝑡</m:t>
-                            </m:r>
-                          </m:sub>
-                        </m:sSub>
-                      </m:oMath>
-                    </m:oMathPara>
-                  </a14:m>
-                  <a:endParaRPr lang="en-AU" sz="2000" b="0" dirty="0">
+                  <a:r>
+                    <a:rPr lang="en-AU" sz="1400" b="0" dirty="0">
+                      <a:solidFill>
+                        <a:schemeClr val="accent2"/>
+                      </a:solidFill>
+                      <a:latin typeface="Consolas" panose="020B0609020204030204" pitchFamily="49" charset="0"/>
+                    </a:rPr>
+                    <a:t>2</a:t>
+                  </a:r>
+                </a:p>
+              </p:txBody>
+            </p:sp>
+            <p:sp>
+              <p:nvSpPr>
+                <p:cNvPr id="40" name="TextBox 39">
+                  <a:extLst>
+                    <a:ext uri="{FF2B5EF4-FFF2-40B4-BE49-F238E27FC236}">
+                      <a16:creationId xmlns:a16="http://schemas.microsoft.com/office/drawing/2014/main" id="{14937DB4-A3DF-4A8D-B91E-C892C97F5066}"/>
+                    </a:ext>
+                  </a:extLst>
+                </p:cNvPr>
+                <p:cNvSpPr txBox="1"/>
+                <p:nvPr/>
+              </p:nvSpPr>
+              <p:spPr>
+                <a:xfrm>
+                  <a:off x="8369797" y="2604587"/>
+                  <a:ext cx="248014" cy="307777"/>
+                </a:xfrm>
+                <a:prstGeom prst="rect">
+                  <a:avLst/>
+                </a:prstGeom>
+                <a:noFill/>
+              </p:spPr>
+              <p:txBody>
+                <a:bodyPr wrap="square" rtlCol="0">
+                  <a:spAutoFit/>
+                </a:bodyPr>
+                <a:lstStyle/>
+                <a:p>
+                  <a:pPr/>
+                  <a:r>
+                    <a:rPr lang="en-AU" sz="1400" b="0" dirty="0">
+                      <a:solidFill>
+                        <a:schemeClr val="accent2"/>
+                      </a:solidFill>
+                      <a:latin typeface="Consolas" panose="020B0609020204030204" pitchFamily="49" charset="0"/>
+                    </a:rPr>
+                    <a:t>1</a:t>
+                  </a:r>
+                </a:p>
+              </p:txBody>
+            </p:sp>
+          </p:grpSp>
+          <p:grpSp>
+            <p:nvGrpSpPr>
+              <p:cNvPr id="41" name="Group 40">
+                <a:extLst>
+                  <a:ext uri="{FF2B5EF4-FFF2-40B4-BE49-F238E27FC236}">
+                    <a16:creationId xmlns:a16="http://schemas.microsoft.com/office/drawing/2014/main" id="{185ECB5A-3E58-4BE7-9E6E-E9B373E0E28E}"/>
+                  </a:ext>
+                </a:extLst>
+              </p:cNvPr>
+              <p:cNvGrpSpPr/>
+              <p:nvPr/>
+            </p:nvGrpSpPr>
+            <p:grpSpPr>
+              <a:xfrm>
+                <a:off x="6737404" y="3526960"/>
+                <a:ext cx="2647819" cy="992222"/>
+                <a:chOff x="6737404" y="2360012"/>
+                <a:chExt cx="2647819" cy="992222"/>
+              </a:xfrm>
+            </p:grpSpPr>
+            <p:sp>
+              <p:nvSpPr>
+                <p:cNvPr id="42" name="Isosceles Triangle 41">
+                  <a:extLst>
+                    <a:ext uri="{FF2B5EF4-FFF2-40B4-BE49-F238E27FC236}">
+                      <a16:creationId xmlns:a16="http://schemas.microsoft.com/office/drawing/2014/main" id="{9CB00D83-55B5-4DE4-9D45-7C085E47C673}"/>
+                    </a:ext>
+                  </a:extLst>
+                </p:cNvPr>
+                <p:cNvSpPr/>
+                <p:nvPr/>
+              </p:nvSpPr>
+              <p:spPr>
+                <a:xfrm rot="5400000">
+                  <a:off x="7585257" y="2513081"/>
+                  <a:ext cx="901312" cy="776993"/>
+                </a:xfrm>
+                <a:prstGeom prst="triangle">
+                  <a:avLst/>
+                </a:prstGeom>
+                <a:ln w="28575"/>
+              </p:spPr>
+              <p:style>
+                <a:lnRef idx="2">
+                  <a:schemeClr val="dk1"/>
+                </a:lnRef>
+                <a:fillRef idx="1">
+                  <a:schemeClr val="lt1"/>
+                </a:fillRef>
+                <a:effectRef idx="0">
+                  <a:schemeClr val="dk1"/>
+                </a:effectRef>
+                <a:fontRef idx="minor">
+                  <a:schemeClr val="dk1"/>
+                </a:fontRef>
+              </p:style>
+              <p:txBody>
+                <a:bodyPr rtlCol="0" anchor="ctr"/>
+                <a:lstStyle/>
+                <a:p>
+                  <a:pPr algn="ctr"/>
+                  <a:endParaRPr lang="en-AU" sz="1000">
                     <a:solidFill>
                       <a:schemeClr val="accent2"/>
                     </a:solidFill>
@@ -24797,309 +25452,837 @@
                 </a:p>
               </p:txBody>
             </p:sp>
-          </mc:Choice>
-          <mc:Fallback>
-            <p:sp>
-              <p:nvSpPr>
-                <p:cNvPr id="8" name="TextBox 7">
+            <p:grpSp>
+              <p:nvGrpSpPr>
+                <p:cNvPr id="43" name="Group 42">
                   <a:extLst>
                     <a:ext uri="{FF2B5EF4-FFF2-40B4-BE49-F238E27FC236}">
-                      <a16:creationId xmlns:a16="http://schemas.microsoft.com/office/drawing/2014/main" id="{09B972CD-93BB-451B-B400-A0D78FEB8E4A}"/>
+                      <a16:creationId xmlns:a16="http://schemas.microsoft.com/office/drawing/2014/main" id="{133221B9-9437-403B-8AE3-6C2D81313E28}"/>
                     </a:ext>
                   </a:extLst>
                 </p:cNvPr>
-                <p:cNvSpPr txBox="1">
-                  <a:spLocks noRot="1" noChangeAspect="1" noMove="1" noResize="1" noEditPoints="1" noAdjustHandles="1" noChangeArrowheads="1" noChangeShapeType="1" noTextEdit="1"/>
-                </p:cNvSpPr>
+                <p:cNvGrpSpPr/>
+                <p:nvPr/>
+              </p:nvGrpSpPr>
+              <p:grpSpPr>
+                <a:xfrm>
+                  <a:off x="7614821" y="2500044"/>
+                  <a:ext cx="296876" cy="803064"/>
+                  <a:chOff x="4232564" y="2299749"/>
+                  <a:chExt cx="508185" cy="1374664"/>
+                </a:xfrm>
+              </p:grpSpPr>
+              <p:sp>
+                <p:nvSpPr>
+                  <p:cNvPr id="55" name="TextBox 54">
+                    <a:extLst>
+                      <a:ext uri="{FF2B5EF4-FFF2-40B4-BE49-F238E27FC236}">
+                        <a16:creationId xmlns:a16="http://schemas.microsoft.com/office/drawing/2014/main" id="{A6A4D772-2071-4D20-B3E8-0007686AE202}"/>
+                      </a:ext>
+                    </a:extLst>
+                  </p:cNvPr>
+                  <p:cNvSpPr txBox="1"/>
+                  <p:nvPr/>
+                </p:nvSpPr>
+                <p:spPr>
+                  <a:xfrm>
+                    <a:off x="4232564" y="2299749"/>
+                    <a:ext cx="508185" cy="579528"/>
+                  </a:xfrm>
+                  <a:prstGeom prst="rect">
+                    <a:avLst/>
+                  </a:prstGeom>
+                  <a:noFill/>
+                </p:spPr>
+                <p:txBody>
+                  <a:bodyPr wrap="none" rtlCol="0">
+                    <a:spAutoFit/>
+                  </a:bodyPr>
+                  <a:lstStyle/>
+                  <a:p>
+                    <a:r>
+                      <a:rPr lang="en-AU" sz="1600" dirty="0">
+                        <a:solidFill>
+                          <a:schemeClr val="accent2"/>
+                        </a:solidFill>
+                        <a:latin typeface="Consolas" panose="020B0609020204030204" pitchFamily="49" charset="0"/>
+                      </a:rPr>
+                      <a:t>+</a:t>
+                    </a:r>
+                  </a:p>
+                </p:txBody>
+              </p:sp>
+              <p:sp>
+                <p:nvSpPr>
+                  <p:cNvPr id="56" name="TextBox 55">
+                    <a:extLst>
+                      <a:ext uri="{FF2B5EF4-FFF2-40B4-BE49-F238E27FC236}">
+                        <a16:creationId xmlns:a16="http://schemas.microsoft.com/office/drawing/2014/main" id="{3E73D364-6C7F-4531-A512-054E19C4F980}"/>
+                      </a:ext>
+                    </a:extLst>
+                  </p:cNvPr>
+                  <p:cNvSpPr txBox="1"/>
+                  <p:nvPr/>
+                </p:nvSpPr>
+                <p:spPr>
+                  <a:xfrm>
+                    <a:off x="4232564" y="3094885"/>
+                    <a:ext cx="508185" cy="579528"/>
+                  </a:xfrm>
+                  <a:prstGeom prst="rect">
+                    <a:avLst/>
+                  </a:prstGeom>
+                  <a:noFill/>
+                </p:spPr>
+                <p:txBody>
+                  <a:bodyPr wrap="none" rtlCol="0">
+                    <a:spAutoFit/>
+                  </a:bodyPr>
+                  <a:lstStyle/>
+                  <a:p>
+                    <a:r>
+                      <a:rPr lang="en-AU" sz="1600" dirty="0">
+                        <a:solidFill>
+                          <a:schemeClr val="accent2"/>
+                        </a:solidFill>
+                        <a:latin typeface="Consolas" panose="020B0609020204030204" pitchFamily="49" charset="0"/>
+                      </a:rPr>
+                      <a:t>-</a:t>
+                    </a:r>
+                  </a:p>
+                </p:txBody>
+              </p:sp>
+            </p:grpSp>
+            <mc:AlternateContent xmlns:mc="http://schemas.openxmlformats.org/markup-compatibility/2006">
+              <mc:Choice xmlns:a14="http://schemas.microsoft.com/office/drawing/2010/main" Requires="a14">
+                <p:sp>
+                  <p:nvSpPr>
+                    <p:cNvPr id="44" name="TextBox 43">
+                      <a:extLst>
+                        <a:ext uri="{FF2B5EF4-FFF2-40B4-BE49-F238E27FC236}">
+                          <a16:creationId xmlns:a16="http://schemas.microsoft.com/office/drawing/2014/main" id="{59C4EA1B-F260-4911-B11F-EDCE845ADFD3}"/>
+                        </a:ext>
+                      </a:extLst>
+                    </p:cNvPr>
+                    <p:cNvSpPr txBox="1"/>
+                    <p:nvPr/>
+                  </p:nvSpPr>
+                  <p:spPr>
+                    <a:xfrm>
+                      <a:off x="6737404" y="2385667"/>
+                      <a:ext cx="239919" cy="328488"/>
+                    </a:xfrm>
+                    <a:prstGeom prst="rect">
+                      <a:avLst/>
+                    </a:prstGeom>
+                    <a:noFill/>
+                  </p:spPr>
+                  <p:txBody>
+                    <a:bodyPr wrap="square" rtlCol="0">
+                      <a:spAutoFit/>
+                    </a:bodyPr>
+                    <a:lstStyle/>
+                    <a:p>
+                      <a:pPr/>
+                      <a14:m>
+                        <m:oMathPara xmlns:m="http://schemas.openxmlformats.org/officeDocument/2006/math">
+                          <m:oMathParaPr>
+                            <m:jc m:val="right"/>
+                          </m:oMathParaPr>
+                          <m:oMath xmlns:m="http://schemas.openxmlformats.org/officeDocument/2006/math">
+                            <m:sSub>
+                              <m:sSubPr>
+                                <m:ctrlPr>
+                                  <a:rPr lang="en-AU" sz="1400" b="0" i="1" smtClean="0">
+                                    <a:solidFill>
+                                      <a:schemeClr val="accent2"/>
+                                    </a:solidFill>
+                                    <a:latin typeface="Cambria Math" panose="02040503050406030204" pitchFamily="18" charset="0"/>
+                                  </a:rPr>
+                                </m:ctrlPr>
+                              </m:sSubPr>
+                              <m:e>
+                                <m:r>
+                                  <a:rPr lang="en-AU" sz="1400" b="0" i="1" smtClean="0">
+                                    <a:solidFill>
+                                      <a:schemeClr val="accent2"/>
+                                    </a:solidFill>
+                                    <a:latin typeface="Cambria Math" panose="02040503050406030204" pitchFamily="18" charset="0"/>
+                                  </a:rPr>
+                                  <m:t>𝑉</m:t>
+                                </m:r>
+                              </m:e>
+                              <m:sub>
+                                <m:r>
+                                  <a:rPr lang="en-AU" sz="1400" b="0" i="1" smtClean="0">
+                                    <a:solidFill>
+                                      <a:schemeClr val="accent2"/>
+                                    </a:solidFill>
+                                    <a:latin typeface="Cambria Math" panose="02040503050406030204" pitchFamily="18" charset="0"/>
+                                  </a:rPr>
+                                  <m:t>𝑖𝑛</m:t>
+                                </m:r>
+                                <m:r>
+                                  <a:rPr lang="en-AU" sz="1400" i="1">
+                                    <a:solidFill>
+                                      <a:schemeClr val="accent2"/>
+                                    </a:solidFill>
+                                    <a:latin typeface="Cambria Math" panose="02040503050406030204" pitchFamily="18" charset="0"/>
+                                  </a:rPr>
+                                  <m:t>(</m:t>
+                                </m:r>
+                                <m:r>
+                                  <a:rPr lang="en-AU" sz="1400" b="0" i="1" smtClean="0">
+                                    <a:solidFill>
+                                      <a:schemeClr val="accent2"/>
+                                    </a:solidFill>
+                                    <a:latin typeface="Cambria Math" panose="02040503050406030204" pitchFamily="18" charset="0"/>
+                                  </a:rPr>
+                                  <m:t>𝐷</m:t>
+                                </m:r>
+                                <m:r>
+                                  <a:rPr lang="en-AU" sz="1400" i="1">
+                                    <a:solidFill>
+                                      <a:schemeClr val="accent2"/>
+                                    </a:solidFill>
+                                    <a:latin typeface="Cambria Math" panose="02040503050406030204" pitchFamily="18" charset="0"/>
+                                  </a:rPr>
+                                  <m:t>,</m:t>
+                                </m:r>
+                                <m:r>
+                                  <a:rPr lang="en-AU" sz="1400" b="0" i="1" smtClean="0">
+                                    <a:solidFill>
+                                      <a:schemeClr val="accent2"/>
+                                    </a:solidFill>
+                                    <a:latin typeface="Cambria Math" panose="02040503050406030204" pitchFamily="18" charset="0"/>
+                                  </a:rPr>
+                                  <m:t>𝐹</m:t>
+                                </m:r>
+                                <m:r>
+                                  <a:rPr lang="en-AU" sz="1400" i="1">
+                                    <a:solidFill>
+                                      <a:schemeClr val="accent2"/>
+                                    </a:solidFill>
+                                    <a:latin typeface="Cambria Math" panose="02040503050406030204" pitchFamily="18" charset="0"/>
+                                  </a:rPr>
+                                  <m:t>)</m:t>
+                                </m:r>
+                              </m:sub>
+                            </m:sSub>
+                          </m:oMath>
+                        </m:oMathPara>
+                      </a14:m>
+                      <a:endParaRPr lang="en-AU" sz="1400" b="0" dirty="0">
+                        <a:solidFill>
+                          <a:schemeClr val="accent2"/>
+                        </a:solidFill>
+                        <a:latin typeface="Consolas" panose="020B0609020204030204" pitchFamily="49" charset="0"/>
+                      </a:endParaRPr>
+                    </a:p>
+                  </p:txBody>
+                </p:sp>
+              </mc:Choice>
+              <mc:Fallback>
+                <p:sp>
+                  <p:nvSpPr>
+                    <p:cNvPr id="44" name="TextBox 43">
+                      <a:extLst>
+                        <a:ext uri="{FF2B5EF4-FFF2-40B4-BE49-F238E27FC236}">
+                          <a16:creationId xmlns:a16="http://schemas.microsoft.com/office/drawing/2014/main" id="{59C4EA1B-F260-4911-B11F-EDCE845ADFD3}"/>
+                        </a:ext>
+                      </a:extLst>
+                    </p:cNvPr>
+                    <p:cNvSpPr txBox="1">
+                      <a:spLocks noRot="1" noChangeAspect="1" noMove="1" noResize="1" noEditPoints="1" noAdjustHandles="1" noChangeArrowheads="1" noChangeShapeType="1" noTextEdit="1"/>
+                    </p:cNvSpPr>
+                    <p:nvPr/>
+                  </p:nvSpPr>
+                  <p:spPr>
+                    <a:xfrm>
+                      <a:off x="6737404" y="2385667"/>
+                      <a:ext cx="239919" cy="328488"/>
+                    </a:xfrm>
+                    <a:prstGeom prst="rect">
+                      <a:avLst/>
+                    </a:prstGeom>
+                    <a:blipFill>
+                      <a:blip r:embed="rId5"/>
+                      <a:stretch>
+                        <a:fillRect r="-185000" b="-5556"/>
+                      </a:stretch>
+                    </a:blipFill>
+                  </p:spPr>
+                  <p:txBody>
+                    <a:bodyPr/>
+                    <a:lstStyle/>
+                    <a:p>
+                      <a:r>
+                        <a:rPr lang="en-AU">
+                          <a:noFill/>
+                        </a:rPr>
+                        <a:t> </a:t>
+                      </a:r>
+                    </a:p>
+                  </p:txBody>
+                </p:sp>
+              </mc:Fallback>
+            </mc:AlternateContent>
+            <mc:AlternateContent xmlns:mc="http://schemas.openxmlformats.org/markup-compatibility/2006">
+              <mc:Choice xmlns:a14="http://schemas.microsoft.com/office/drawing/2010/main" Requires="a14">
+                <p:sp>
+                  <p:nvSpPr>
+                    <p:cNvPr id="45" name="TextBox 44">
+                      <a:extLst>
+                        <a:ext uri="{FF2B5EF4-FFF2-40B4-BE49-F238E27FC236}">
+                          <a16:creationId xmlns:a16="http://schemas.microsoft.com/office/drawing/2014/main" id="{9161F211-CAF4-4271-98EB-52155269E8B6}"/>
+                        </a:ext>
+                      </a:extLst>
+                    </p:cNvPr>
+                    <p:cNvSpPr txBox="1"/>
+                    <p:nvPr/>
+                  </p:nvSpPr>
+                  <p:spPr>
+                    <a:xfrm>
+                      <a:off x="9137209" y="2604587"/>
+                      <a:ext cx="248014" cy="328488"/>
+                    </a:xfrm>
+                    <a:prstGeom prst="rect">
+                      <a:avLst/>
+                    </a:prstGeom>
+                    <a:noFill/>
+                  </p:spPr>
+                  <p:txBody>
+                    <a:bodyPr wrap="square" rtlCol="0">
+                      <a:spAutoFit/>
+                    </a:bodyPr>
+                    <a:lstStyle/>
+                    <a:p>
+                      <a:pPr/>
+                      <a14:m>
+                        <m:oMathPara xmlns:m="http://schemas.openxmlformats.org/officeDocument/2006/math">
+                          <m:oMathParaPr>
+                            <m:jc m:val="left"/>
+                          </m:oMathParaPr>
+                          <m:oMath xmlns:m="http://schemas.openxmlformats.org/officeDocument/2006/math">
+                            <m:sSub>
+                              <m:sSubPr>
+                                <m:ctrlPr>
+                                  <a:rPr lang="en-AU" sz="1400" b="0" i="1" smtClean="0">
+                                    <a:solidFill>
+                                      <a:schemeClr val="accent2"/>
+                                    </a:solidFill>
+                                    <a:latin typeface="Cambria Math" panose="02040503050406030204" pitchFamily="18" charset="0"/>
+                                  </a:rPr>
+                                </m:ctrlPr>
+                              </m:sSubPr>
+                              <m:e>
+                                <m:r>
+                                  <a:rPr lang="en-AU" sz="1400" b="0" i="1" smtClean="0">
+                                    <a:solidFill>
+                                      <a:schemeClr val="accent2"/>
+                                    </a:solidFill>
+                                    <a:latin typeface="Cambria Math" panose="02040503050406030204" pitchFamily="18" charset="0"/>
+                                  </a:rPr>
+                                  <m:t>𝑉</m:t>
+                                </m:r>
+                              </m:e>
+                              <m:sub>
+                                <m:r>
+                                  <a:rPr lang="en-AU" sz="1400" b="0" i="1" smtClean="0">
+                                    <a:solidFill>
+                                      <a:schemeClr val="accent2"/>
+                                    </a:solidFill>
+                                    <a:latin typeface="Cambria Math" panose="02040503050406030204" pitchFamily="18" charset="0"/>
+                                  </a:rPr>
+                                  <m:t>𝑜𝑢𝑡</m:t>
+                                </m:r>
+                                <m:r>
+                                  <a:rPr lang="en-AU" sz="1400" i="1">
+                                    <a:solidFill>
+                                      <a:schemeClr val="accent2"/>
+                                    </a:solidFill>
+                                    <a:latin typeface="Cambria Math" panose="02040503050406030204" pitchFamily="18" charset="0"/>
+                                  </a:rPr>
+                                  <m:t>(</m:t>
+                                </m:r>
+                                <m:r>
+                                  <a:rPr lang="en-AU" sz="1400" b="0" i="1" smtClean="0">
+                                    <a:solidFill>
+                                      <a:schemeClr val="accent2"/>
+                                    </a:solidFill>
+                                    <a:latin typeface="Cambria Math" panose="02040503050406030204" pitchFamily="18" charset="0"/>
+                                  </a:rPr>
+                                  <m:t>𝐷</m:t>
+                                </m:r>
+                                <m:r>
+                                  <a:rPr lang="en-AU" sz="1400" b="0" i="1" smtClean="0">
+                                    <a:solidFill>
+                                      <a:schemeClr val="accent2"/>
+                                    </a:solidFill>
+                                    <a:latin typeface="Cambria Math" panose="02040503050406030204" pitchFamily="18" charset="0"/>
+                                  </a:rPr>
+                                  <m:t>,</m:t>
+                                </m:r>
+                                <m:r>
+                                  <a:rPr lang="en-AU" sz="1400" b="0" i="1" smtClean="0">
+                                    <a:solidFill>
+                                      <a:schemeClr val="accent2"/>
+                                    </a:solidFill>
+                                    <a:latin typeface="Cambria Math" panose="02040503050406030204" pitchFamily="18" charset="0"/>
+                                  </a:rPr>
+                                  <m:t>𝐹</m:t>
+                                </m:r>
+                                <m:r>
+                                  <a:rPr lang="en-AU" sz="1400" i="1">
+                                    <a:solidFill>
+                                      <a:schemeClr val="accent2"/>
+                                    </a:solidFill>
+                                    <a:latin typeface="Cambria Math" panose="02040503050406030204" pitchFamily="18" charset="0"/>
+                                  </a:rPr>
+                                  <m:t>)</m:t>
+                                </m:r>
+                              </m:sub>
+                            </m:sSub>
+                          </m:oMath>
+                        </m:oMathPara>
+                      </a14:m>
+                      <a:endParaRPr lang="en-AU" sz="1400" b="0" dirty="0">
+                        <a:solidFill>
+                          <a:schemeClr val="accent2"/>
+                        </a:solidFill>
+                        <a:latin typeface="Consolas" panose="020B0609020204030204" pitchFamily="49" charset="0"/>
+                      </a:endParaRPr>
+                    </a:p>
+                  </p:txBody>
+                </p:sp>
+              </mc:Choice>
+              <mc:Fallback>
+                <p:sp>
+                  <p:nvSpPr>
+                    <p:cNvPr id="45" name="TextBox 44">
+                      <a:extLst>
+                        <a:ext uri="{FF2B5EF4-FFF2-40B4-BE49-F238E27FC236}">
+                          <a16:creationId xmlns:a16="http://schemas.microsoft.com/office/drawing/2014/main" id="{9161F211-CAF4-4271-98EB-52155269E8B6}"/>
+                        </a:ext>
+                      </a:extLst>
+                    </p:cNvPr>
+                    <p:cNvSpPr txBox="1">
+                      <a:spLocks noRot="1" noChangeAspect="1" noMove="1" noResize="1" noEditPoints="1" noAdjustHandles="1" noChangeArrowheads="1" noChangeShapeType="1" noTextEdit="1"/>
+                    </p:cNvSpPr>
+                    <p:nvPr/>
+                  </p:nvSpPr>
+                  <p:spPr>
+                    <a:xfrm>
+                      <a:off x="9137209" y="2604587"/>
+                      <a:ext cx="248014" cy="328488"/>
+                    </a:xfrm>
+                    <a:prstGeom prst="rect">
+                      <a:avLst/>
+                    </a:prstGeom>
+                    <a:blipFill>
+                      <a:blip r:embed="rId6"/>
+                      <a:stretch>
+                        <a:fillRect r="-214634" b="-5556"/>
+                      </a:stretch>
+                    </a:blipFill>
+                  </p:spPr>
+                  <p:txBody>
+                    <a:bodyPr/>
+                    <a:lstStyle/>
+                    <a:p>
+                      <a:r>
+                        <a:rPr lang="en-AU">
+                          <a:noFill/>
+                        </a:rPr>
+                        <a:t> </a:t>
+                      </a:r>
+                    </a:p>
+                  </p:txBody>
+                </p:sp>
+              </mc:Fallback>
+            </mc:AlternateContent>
+            <p:cxnSp>
+              <p:nvCxnSpPr>
+                <p:cNvPr id="46" name="Straight Connector 45">
+                  <a:extLst>
+                    <a:ext uri="{FF2B5EF4-FFF2-40B4-BE49-F238E27FC236}">
+                      <a16:creationId xmlns:a16="http://schemas.microsoft.com/office/drawing/2014/main" id="{FB8362F9-3756-4B64-B387-8F30B351B4B7}"/>
+                    </a:ext>
+                  </a:extLst>
+                </p:cNvPr>
+                <p:cNvCxnSpPr>
+                  <a:cxnSpLocks/>
+                  <a:stCxn id="42" idx="0"/>
+                </p:cNvCxnSpPr>
+                <p:nvPr/>
+              </p:nvCxnSpPr>
+              <p:spPr>
+                <a:xfrm>
+                  <a:off x="8424410" y="2901577"/>
+                  <a:ext cx="907793" cy="0"/>
+                </a:xfrm>
+                <a:prstGeom prst="line">
+                  <a:avLst/>
+                </a:prstGeom>
+                <a:ln w="28575"/>
+              </p:spPr>
+              <p:style>
+                <a:lnRef idx="2">
+                  <a:schemeClr val="dk1"/>
+                </a:lnRef>
+                <a:fillRef idx="1">
+                  <a:schemeClr val="lt1"/>
+                </a:fillRef>
+                <a:effectRef idx="0">
+                  <a:schemeClr val="dk1"/>
+                </a:effectRef>
+                <a:fontRef idx="minor">
+                  <a:schemeClr val="dk1"/>
+                </a:fontRef>
+              </p:style>
+            </p:cxnSp>
+            <p:cxnSp>
+              <p:nvCxnSpPr>
+                <p:cNvPr id="47" name="Straight Connector 46">
+                  <a:extLst>
+                    <a:ext uri="{FF2B5EF4-FFF2-40B4-BE49-F238E27FC236}">
+                      <a16:creationId xmlns:a16="http://schemas.microsoft.com/office/drawing/2014/main" id="{8C9A673C-CA09-43F8-BAE5-78BD3A355CEF}"/>
+                    </a:ext>
+                  </a:extLst>
+                </p:cNvPr>
+                <p:cNvCxnSpPr/>
+                <p:nvPr/>
+              </p:nvCxnSpPr>
+              <p:spPr>
+                <a:xfrm flipH="1">
+                  <a:off x="7016493" y="2676249"/>
+                  <a:ext cx="630925" cy="0"/>
+                </a:xfrm>
+                <a:prstGeom prst="line">
+                  <a:avLst/>
+                </a:prstGeom>
+                <a:ln w="28575"/>
+              </p:spPr>
+              <p:style>
+                <a:lnRef idx="2">
+                  <a:schemeClr val="dk1"/>
+                </a:lnRef>
+                <a:fillRef idx="1">
+                  <a:schemeClr val="lt1"/>
+                </a:fillRef>
+                <a:effectRef idx="0">
+                  <a:schemeClr val="dk1"/>
+                </a:effectRef>
+                <a:fontRef idx="minor">
+                  <a:schemeClr val="dk1"/>
+                </a:fontRef>
+              </p:style>
+            </p:cxnSp>
+            <p:cxnSp>
+              <p:nvCxnSpPr>
+                <p:cNvPr id="48" name="Straight Connector 47">
+                  <a:extLst>
+                    <a:ext uri="{FF2B5EF4-FFF2-40B4-BE49-F238E27FC236}">
+                      <a16:creationId xmlns:a16="http://schemas.microsoft.com/office/drawing/2014/main" id="{8C8DFA93-FF64-4B5E-96E1-3A7493F8DE40}"/>
+                    </a:ext>
+                  </a:extLst>
+                </p:cNvPr>
+                <p:cNvCxnSpPr/>
+                <p:nvPr/>
+              </p:nvCxnSpPr>
+              <p:spPr>
+                <a:xfrm flipH="1">
+                  <a:off x="7016493" y="3126905"/>
+                  <a:ext cx="630925" cy="0"/>
+                </a:xfrm>
+                <a:prstGeom prst="line">
+                  <a:avLst/>
+                </a:prstGeom>
+                <a:ln w="28575"/>
+              </p:spPr>
+              <p:style>
+                <a:lnRef idx="2">
+                  <a:schemeClr val="dk1"/>
+                </a:lnRef>
+                <a:fillRef idx="1">
+                  <a:schemeClr val="lt1"/>
+                </a:fillRef>
+                <a:effectRef idx="0">
+                  <a:schemeClr val="dk1"/>
+                </a:effectRef>
+                <a:fontRef idx="minor">
+                  <a:schemeClr val="dk1"/>
+                </a:fontRef>
+              </p:style>
+            </p:cxnSp>
+            <p:sp>
+              <p:nvSpPr>
+                <p:cNvPr id="49" name="Rectangle 48">
+                  <a:extLst>
+                    <a:ext uri="{FF2B5EF4-FFF2-40B4-BE49-F238E27FC236}">
+                      <a16:creationId xmlns:a16="http://schemas.microsoft.com/office/drawing/2014/main" id="{75361604-8017-4C5E-A0D2-0749EEC867FA}"/>
+                    </a:ext>
+                  </a:extLst>
+                </p:cNvPr>
+                <p:cNvSpPr/>
                 <p:nvPr/>
               </p:nvSpPr>
               <p:spPr>
                 <a:xfrm>
-                  <a:off x="7116536" y="2456170"/>
-                  <a:ext cx="424543" cy="400110"/>
+                  <a:off x="6997176" y="2676249"/>
+                  <a:ext cx="38632" cy="450656"/>
                 </a:xfrm>
                 <a:prstGeom prst="rect">
                   <a:avLst/>
                 </a:prstGeom>
-                <a:blipFill>
-                  <a:blip r:embed="rId3"/>
-                  <a:stretch>
-                    <a:fillRect r="-38571"/>
-                  </a:stretch>
-                </a:blipFill>
+                <a:noFill/>
+                <a:ln>
+                  <a:noFill/>
+                </a:ln>
+              </p:spPr>
+              <p:style>
+                <a:lnRef idx="2">
+                  <a:schemeClr val="accent1">
+                    <a:shade val="50000"/>
+                  </a:schemeClr>
+                </a:lnRef>
+                <a:fillRef idx="1">
+                  <a:schemeClr val="accent1"/>
+                </a:fillRef>
+                <a:effectRef idx="0">
+                  <a:schemeClr val="accent1"/>
+                </a:effectRef>
+                <a:fontRef idx="minor">
+                  <a:schemeClr val="lt1"/>
+                </a:fontRef>
+              </p:style>
+              <p:txBody>
+                <a:bodyPr rtlCol="0" anchor="ctr"/>
+                <a:lstStyle/>
+                <a:p>
+                  <a:pPr algn="ctr"/>
+                  <a:endParaRPr lang="en-AU" sz="1400"/>
+                </a:p>
+              </p:txBody>
+            </p:sp>
+            <p:sp>
+              <p:nvSpPr>
+                <p:cNvPr id="50" name="Rectangle 49">
+                  <a:extLst>
+                    <a:ext uri="{FF2B5EF4-FFF2-40B4-BE49-F238E27FC236}">
+                      <a16:creationId xmlns:a16="http://schemas.microsoft.com/office/drawing/2014/main" id="{EA92EC95-395C-4B23-BB07-5600804184FA}"/>
+                    </a:ext>
+                  </a:extLst>
+                </p:cNvPr>
+                <p:cNvSpPr/>
+                <p:nvPr/>
+              </p:nvSpPr>
+              <p:spPr>
+                <a:xfrm>
+                  <a:off x="9036018" y="2450920"/>
+                  <a:ext cx="38632" cy="450656"/>
+                </a:xfrm>
+                <a:prstGeom prst="rect">
+                  <a:avLst/>
+                </a:prstGeom>
+                <a:noFill/>
+                <a:ln>
+                  <a:noFill/>
+                </a:ln>
+              </p:spPr>
+              <p:style>
+                <a:lnRef idx="2">
+                  <a:schemeClr val="accent1">
+                    <a:shade val="50000"/>
+                  </a:schemeClr>
+                </a:lnRef>
+                <a:fillRef idx="1">
+                  <a:schemeClr val="accent1"/>
+                </a:fillRef>
+                <a:effectRef idx="0">
+                  <a:schemeClr val="accent1"/>
+                </a:effectRef>
+                <a:fontRef idx="minor">
+                  <a:schemeClr val="lt1"/>
+                </a:fontRef>
+              </p:style>
+              <p:txBody>
+                <a:bodyPr rtlCol="0" anchor="ctr"/>
+                <a:lstStyle/>
+                <a:p>
+                  <a:pPr algn="ctr"/>
+                  <a:endParaRPr lang="en-AU" sz="1100"/>
+                </a:p>
+              </p:txBody>
+            </p:sp>
+            <p:cxnSp>
+              <p:nvCxnSpPr>
+                <p:cNvPr id="51" name="Connector: Elbow 50">
+                  <a:extLst>
+                    <a:ext uri="{FF2B5EF4-FFF2-40B4-BE49-F238E27FC236}">
+                      <a16:creationId xmlns:a16="http://schemas.microsoft.com/office/drawing/2014/main" id="{820A55C9-9572-4416-A862-30BE3658F6DD}"/>
+                    </a:ext>
+                  </a:extLst>
+                </p:cNvPr>
+                <p:cNvCxnSpPr>
+                  <a:cxnSpLocks/>
+                  <a:stCxn id="49" idx="2"/>
+                  <a:endCxn id="50" idx="2"/>
+                </p:cNvCxnSpPr>
+                <p:nvPr/>
+              </p:nvCxnSpPr>
+              <p:spPr>
+                <a:xfrm rot="5400000" flipH="1" flipV="1">
+                  <a:off x="7923249" y="1994820"/>
+                  <a:ext cx="225328" cy="2038842"/>
+                </a:xfrm>
+                <a:prstGeom prst="bentConnector3">
+                  <a:avLst>
+                    <a:gd name="adj1" fmla="val -142524"/>
+                  </a:avLst>
+                </a:prstGeom>
+                <a:ln w="28575"/>
+              </p:spPr>
+              <p:style>
+                <a:lnRef idx="2">
+                  <a:schemeClr val="dk1"/>
+                </a:lnRef>
+                <a:fillRef idx="1">
+                  <a:schemeClr val="lt1"/>
+                </a:fillRef>
+                <a:effectRef idx="0">
+                  <a:schemeClr val="dk1"/>
+                </a:effectRef>
+                <a:fontRef idx="minor">
+                  <a:schemeClr val="dk1"/>
+                </a:fontRef>
+              </p:style>
+            </p:cxnSp>
+            <p:sp>
+              <p:nvSpPr>
+                <p:cNvPr id="52" name="TextBox 51">
+                  <a:extLst>
+                    <a:ext uri="{FF2B5EF4-FFF2-40B4-BE49-F238E27FC236}">
+                      <a16:creationId xmlns:a16="http://schemas.microsoft.com/office/drawing/2014/main" id="{5A7601EE-4203-40FE-9D9B-1FEC937AB94C}"/>
+                    </a:ext>
+                  </a:extLst>
+                </p:cNvPr>
+                <p:cNvSpPr txBox="1"/>
+                <p:nvPr/>
+              </p:nvSpPr>
+              <p:spPr>
+                <a:xfrm>
+                  <a:off x="7381163" y="2360012"/>
+                  <a:ext cx="248014" cy="307777"/>
+                </a:xfrm>
+                <a:prstGeom prst="rect">
+                  <a:avLst/>
+                </a:prstGeom>
+                <a:noFill/>
               </p:spPr>
               <p:txBody>
-                <a:bodyPr/>
+                <a:bodyPr wrap="square" rtlCol="0">
+                  <a:spAutoFit/>
+                </a:bodyPr>
                 <a:lstStyle/>
                 <a:p>
+                  <a:pPr/>
                   <a:r>
-                    <a:rPr lang="en-AU">
-                      <a:noFill/>
+                    <a:rPr lang="en-AU" sz="1400" b="0" dirty="0">
+                      <a:solidFill>
+                        <a:schemeClr val="accent2"/>
+                      </a:solidFill>
+                      <a:latin typeface="Consolas" panose="020B0609020204030204" pitchFamily="49" charset="0"/>
                     </a:rPr>
-                    <a:t> </a:t>
+                    <a:t>5</a:t>
                   </a:r>
                 </a:p>
               </p:txBody>
             </p:sp>
-          </mc:Fallback>
-        </mc:AlternateContent>
-        <p:cxnSp>
-          <p:nvCxnSpPr>
-            <p:cNvPr id="10" name="Straight Connector 9">
-              <a:extLst>
-                <a:ext uri="{FF2B5EF4-FFF2-40B4-BE49-F238E27FC236}">
-                  <a16:creationId xmlns:a16="http://schemas.microsoft.com/office/drawing/2014/main" id="{D693760D-ED11-4BA8-88C9-A2622DCED0A8}"/>
-                </a:ext>
-              </a:extLst>
-            </p:cNvPr>
-            <p:cNvCxnSpPr>
-              <a:cxnSpLocks/>
-              <a:stCxn id="4" idx="0"/>
-            </p:cNvCxnSpPr>
-            <p:nvPr/>
-          </p:nvCxnSpPr>
-          <p:spPr>
-            <a:xfrm>
-              <a:off x="5562600" y="2853739"/>
-              <a:ext cx="1553936" cy="0"/>
-            </a:xfrm>
-            <a:prstGeom prst="line">
-              <a:avLst/>
-            </a:prstGeom>
-            <a:ln w="28575"/>
-          </p:spPr>
-          <p:style>
-            <a:lnRef idx="2">
-              <a:schemeClr val="dk1"/>
-            </a:lnRef>
-            <a:fillRef idx="1">
-              <a:schemeClr val="lt1"/>
-            </a:fillRef>
-            <a:effectRef idx="0">
-              <a:schemeClr val="dk1"/>
-            </a:effectRef>
-            <a:fontRef idx="minor">
-              <a:schemeClr val="dk1"/>
-            </a:fontRef>
-          </p:style>
-        </p:cxnSp>
-        <p:cxnSp>
-          <p:nvCxnSpPr>
-            <p:cNvPr id="23" name="Straight Connector 22">
-              <a:extLst>
-                <a:ext uri="{FF2B5EF4-FFF2-40B4-BE49-F238E27FC236}">
-                  <a16:creationId xmlns:a16="http://schemas.microsoft.com/office/drawing/2014/main" id="{AF638F94-7701-4273-9A7B-F0BA02A33BDF}"/>
-                </a:ext>
-              </a:extLst>
-            </p:cNvPr>
-            <p:cNvCxnSpPr/>
-            <p:nvPr/>
-          </p:nvCxnSpPr>
-          <p:spPr>
-            <a:xfrm flipH="1">
-              <a:off x="3152565" y="2468028"/>
-              <a:ext cx="1080000" cy="0"/>
-            </a:xfrm>
-            <a:prstGeom prst="line">
-              <a:avLst/>
-            </a:prstGeom>
-            <a:ln w="28575"/>
-          </p:spPr>
-          <p:style>
-            <a:lnRef idx="2">
-              <a:schemeClr val="dk1"/>
-            </a:lnRef>
-            <a:fillRef idx="1">
-              <a:schemeClr val="lt1"/>
-            </a:fillRef>
-            <a:effectRef idx="0">
-              <a:schemeClr val="dk1"/>
-            </a:effectRef>
-            <a:fontRef idx="minor">
-              <a:schemeClr val="dk1"/>
-            </a:fontRef>
-          </p:style>
-        </p:cxnSp>
-        <p:cxnSp>
-          <p:nvCxnSpPr>
-            <p:cNvPr id="24" name="Straight Connector 23">
-              <a:extLst>
-                <a:ext uri="{FF2B5EF4-FFF2-40B4-BE49-F238E27FC236}">
-                  <a16:creationId xmlns:a16="http://schemas.microsoft.com/office/drawing/2014/main" id="{0217CC9A-FDE7-4A07-8A14-177A59280831}"/>
-                </a:ext>
-              </a:extLst>
-            </p:cNvPr>
-            <p:cNvCxnSpPr/>
-            <p:nvPr/>
-          </p:nvCxnSpPr>
-          <p:spPr>
-            <a:xfrm flipH="1">
-              <a:off x="3152565" y="3239449"/>
-              <a:ext cx="1080000" cy="0"/>
-            </a:xfrm>
-            <a:prstGeom prst="line">
-              <a:avLst/>
-            </a:prstGeom>
-            <a:ln w="28575"/>
-          </p:spPr>
-          <p:style>
-            <a:lnRef idx="2">
-              <a:schemeClr val="dk1"/>
-            </a:lnRef>
-            <a:fillRef idx="1">
-              <a:schemeClr val="lt1"/>
-            </a:fillRef>
-            <a:effectRef idx="0">
-              <a:schemeClr val="dk1"/>
-            </a:effectRef>
-            <a:fontRef idx="minor">
-              <a:schemeClr val="dk1"/>
-            </a:fontRef>
-          </p:style>
-        </p:cxnSp>
-        <p:sp>
-          <p:nvSpPr>
-            <p:cNvPr id="25" name="Rectangle 24">
-              <a:extLst>
-                <a:ext uri="{FF2B5EF4-FFF2-40B4-BE49-F238E27FC236}">
-                  <a16:creationId xmlns:a16="http://schemas.microsoft.com/office/drawing/2014/main" id="{8E008B2B-D7E2-4076-93EE-86187F9FF0ED}"/>
-                </a:ext>
-              </a:extLst>
-            </p:cNvPr>
-            <p:cNvSpPr/>
-            <p:nvPr/>
-          </p:nvSpPr>
-          <p:spPr>
-            <a:xfrm>
-              <a:off x="3119499" y="2468028"/>
-              <a:ext cx="66130" cy="771421"/>
-            </a:xfrm>
-            <a:prstGeom prst="rect">
-              <a:avLst/>
-            </a:prstGeom>
-            <a:noFill/>
-            <a:ln>
-              <a:noFill/>
-            </a:ln>
-          </p:spPr>
-          <p:style>
-            <a:lnRef idx="2">
-              <a:schemeClr val="accent1">
-                <a:shade val="50000"/>
-              </a:schemeClr>
-            </a:lnRef>
-            <a:fillRef idx="1">
-              <a:schemeClr val="accent1"/>
-            </a:fillRef>
-            <a:effectRef idx="0">
-              <a:schemeClr val="accent1"/>
-            </a:effectRef>
-            <a:fontRef idx="minor">
-              <a:schemeClr val="lt1"/>
-            </a:fontRef>
-          </p:style>
-          <p:txBody>
-            <a:bodyPr rtlCol="0" anchor="ctr"/>
-            <a:lstStyle/>
-            <a:p>
-              <a:pPr algn="ctr"/>
-              <a:endParaRPr lang="en-AU" sz="2000"/>
-            </a:p>
-          </p:txBody>
-        </p:sp>
-        <p:sp>
-          <p:nvSpPr>
-            <p:cNvPr id="27" name="Rectangle 26">
-              <a:extLst>
-                <a:ext uri="{FF2B5EF4-FFF2-40B4-BE49-F238E27FC236}">
-                  <a16:creationId xmlns:a16="http://schemas.microsoft.com/office/drawing/2014/main" id="{334E081A-9541-4D30-9B60-2A231FBF8EB2}"/>
-                </a:ext>
-              </a:extLst>
-            </p:cNvPr>
-            <p:cNvSpPr/>
-            <p:nvPr/>
-          </p:nvSpPr>
-          <p:spPr>
-            <a:xfrm>
-              <a:off x="6609535" y="2082317"/>
-              <a:ext cx="66130" cy="771421"/>
-            </a:xfrm>
-            <a:prstGeom prst="rect">
-              <a:avLst/>
-            </a:prstGeom>
-            <a:noFill/>
-            <a:ln>
-              <a:noFill/>
-            </a:ln>
-          </p:spPr>
-          <p:style>
-            <a:lnRef idx="2">
-              <a:schemeClr val="accent1">
-                <a:shade val="50000"/>
-              </a:schemeClr>
-            </a:lnRef>
-            <a:fillRef idx="1">
-              <a:schemeClr val="accent1"/>
-            </a:fillRef>
-            <a:effectRef idx="0">
-              <a:schemeClr val="accent1"/>
-            </a:effectRef>
-            <a:fontRef idx="minor">
-              <a:schemeClr val="lt1"/>
-            </a:fontRef>
-          </p:style>
-          <p:txBody>
-            <a:bodyPr rtlCol="0" anchor="ctr"/>
-            <a:lstStyle/>
-            <a:p>
-              <a:pPr algn="ctr"/>
-              <a:endParaRPr lang="en-AU" sz="2000"/>
-            </a:p>
-          </p:txBody>
-        </p:sp>
-        <p:cxnSp>
-          <p:nvCxnSpPr>
-            <p:cNvPr id="29" name="Connector: Elbow 28">
-              <a:extLst>
-                <a:ext uri="{FF2B5EF4-FFF2-40B4-BE49-F238E27FC236}">
-                  <a16:creationId xmlns:a16="http://schemas.microsoft.com/office/drawing/2014/main" id="{4BB7E7AB-4979-42E5-8F6D-B45FE43ED06F}"/>
-                </a:ext>
-              </a:extLst>
-            </p:cNvPr>
-            <p:cNvCxnSpPr>
-              <a:cxnSpLocks/>
-              <a:stCxn id="25" idx="2"/>
-              <a:endCxn id="27" idx="2"/>
-            </p:cNvCxnSpPr>
-            <p:nvPr/>
-          </p:nvCxnSpPr>
-          <p:spPr>
-            <a:xfrm rot="5400000" flipH="1" flipV="1">
-              <a:off x="4704726" y="1301576"/>
-              <a:ext cx="385711" cy="3490036"/>
-            </a:xfrm>
-            <a:prstGeom prst="bentConnector3">
-              <a:avLst>
-                <a:gd name="adj1" fmla="val -142524"/>
-              </a:avLst>
-            </a:prstGeom>
-            <a:ln w="28575"/>
-          </p:spPr>
-          <p:style>
-            <a:lnRef idx="2">
-              <a:schemeClr val="dk1"/>
-            </a:lnRef>
-            <a:fillRef idx="1">
-              <a:schemeClr val="lt1"/>
-            </a:fillRef>
-            <a:effectRef idx="0">
-              <a:schemeClr val="dk1"/>
-            </a:effectRef>
-            <a:fontRef idx="minor">
-              <a:schemeClr val="dk1"/>
-            </a:fontRef>
-          </p:style>
-        </p:cxnSp>
+            <p:sp>
+              <p:nvSpPr>
+                <p:cNvPr id="53" name="TextBox 52">
+                  <a:extLst>
+                    <a:ext uri="{FF2B5EF4-FFF2-40B4-BE49-F238E27FC236}">
+                      <a16:creationId xmlns:a16="http://schemas.microsoft.com/office/drawing/2014/main" id="{F475E5BF-3888-49EE-BE55-05597FCEE6A0}"/>
+                    </a:ext>
+                  </a:extLst>
+                </p:cNvPr>
+                <p:cNvSpPr txBox="1"/>
+                <p:nvPr/>
+              </p:nvSpPr>
+              <p:spPr>
+                <a:xfrm>
+                  <a:off x="7381163" y="2826054"/>
+                  <a:ext cx="248014" cy="307777"/>
+                </a:xfrm>
+                <a:prstGeom prst="rect">
+                  <a:avLst/>
+                </a:prstGeom>
+                <a:noFill/>
+              </p:spPr>
+              <p:txBody>
+                <a:bodyPr wrap="square" rtlCol="0">
+                  <a:spAutoFit/>
+                </a:bodyPr>
+                <a:lstStyle/>
+                <a:p>
+                  <a:pPr/>
+                  <a:r>
+                    <a:rPr lang="en-AU" sz="1400" b="0" dirty="0">
+                      <a:solidFill>
+                        <a:schemeClr val="accent2"/>
+                      </a:solidFill>
+                      <a:latin typeface="Consolas" panose="020B0609020204030204" pitchFamily="49" charset="0"/>
+                    </a:rPr>
+                    <a:t>6</a:t>
+                  </a:r>
+                </a:p>
+              </p:txBody>
+            </p:sp>
+            <p:sp>
+              <p:nvSpPr>
+                <p:cNvPr id="54" name="TextBox 53">
+                  <a:extLst>
+                    <a:ext uri="{FF2B5EF4-FFF2-40B4-BE49-F238E27FC236}">
+                      <a16:creationId xmlns:a16="http://schemas.microsoft.com/office/drawing/2014/main" id="{21004DDA-896F-428A-8FF3-8B4E521209B3}"/>
+                    </a:ext>
+                  </a:extLst>
+                </p:cNvPr>
+                <p:cNvSpPr txBox="1"/>
+                <p:nvPr/>
+              </p:nvSpPr>
+              <p:spPr>
+                <a:xfrm>
+                  <a:off x="8369797" y="2604587"/>
+                  <a:ext cx="248014" cy="307777"/>
+                </a:xfrm>
+                <a:prstGeom prst="rect">
+                  <a:avLst/>
+                </a:prstGeom>
+                <a:noFill/>
+              </p:spPr>
+              <p:txBody>
+                <a:bodyPr wrap="square" rtlCol="0">
+                  <a:spAutoFit/>
+                </a:bodyPr>
+                <a:lstStyle/>
+                <a:p>
+                  <a:pPr/>
+                  <a:r>
+                    <a:rPr lang="en-AU" sz="1400" b="0" dirty="0">
+                      <a:solidFill>
+                        <a:schemeClr val="accent2"/>
+                      </a:solidFill>
+                      <a:latin typeface="Consolas" panose="020B0609020204030204" pitchFamily="49" charset="0"/>
+                    </a:rPr>
+                    <a:t>7</a:t>
+                  </a:r>
+                </a:p>
+              </p:txBody>
+            </p:sp>
+          </p:grpSp>
+        </p:grpSp>
       </p:grpSp>
     </p:spTree>
     <p:extLst>

--- a/Report/FuncDecomp.pptx
+++ b/Report/FuncDecomp.pptx
@@ -26,6 +26,8 @@
     <p:sldId id="267" r:id="rId20"/>
     <p:sldId id="268" r:id="rId21"/>
     <p:sldId id="265" r:id="rId22"/>
+    <p:sldId id="277" r:id="rId23"/>
+    <p:sldId id="278" r:id="rId24"/>
   </p:sldIdLst>
   <p:sldSz cx="9906000" cy="6858000" type="A4"/>
   <p:notesSz cx="6858000" cy="9144000"/>
@@ -2990,58 +2992,12 @@
           <a:chExt cx="0" cy="0"/>
         </a:xfrm>
       </p:grpSpPr>
-      <p:sp>
-        <p:nvSpPr>
-          <p:cNvPr id="6" name="Rectangle 5">
+      <p:grpSp>
+        <p:nvGrpSpPr>
+          <p:cNvPr id="2" name="Group 1">
             <a:extLst>
               <a:ext uri="{FF2B5EF4-FFF2-40B4-BE49-F238E27FC236}">
-                <a16:creationId xmlns:a16="http://schemas.microsoft.com/office/drawing/2014/main" id="{ED2129B3-D476-438C-9397-C0025EE38E0A}"/>
-              </a:ext>
-            </a:extLst>
-          </p:cNvPr>
-          <p:cNvSpPr/>
-          <p:nvPr/>
-        </p:nvSpPr>
-        <p:spPr>
-          <a:xfrm>
-            <a:off x="10408667" y="1785858"/>
-            <a:ext cx="282909" cy="5072142"/>
-          </a:xfrm>
-          <a:prstGeom prst="rect">
-            <a:avLst/>
-          </a:prstGeom>
-        </p:spPr>
-        <p:style>
-          <a:lnRef idx="2">
-            <a:schemeClr val="accent1">
-              <a:shade val="50000"/>
-            </a:schemeClr>
-          </a:lnRef>
-          <a:fillRef idx="1">
-            <a:schemeClr val="accent1"/>
-          </a:fillRef>
-          <a:effectRef idx="0">
-            <a:schemeClr val="accent1"/>
-          </a:effectRef>
-          <a:fontRef idx="minor">
-            <a:schemeClr val="lt1"/>
-          </a:fontRef>
-        </p:style>
-        <p:txBody>
-          <a:bodyPr rtlCol="0" anchor="ctr"/>
-          <a:lstStyle/>
-          <a:p>
-            <a:pPr algn="ctr"/>
-            <a:endParaRPr lang="en-AU"/>
-          </a:p>
-        </p:txBody>
-      </p:sp>
-      <p:grpSp>
-        <p:nvGrpSpPr>
-          <p:cNvPr id="22" name="Group 21">
-            <a:extLst>
-              <a:ext uri="{FF2B5EF4-FFF2-40B4-BE49-F238E27FC236}">
-                <a16:creationId xmlns:a16="http://schemas.microsoft.com/office/drawing/2014/main" id="{07BFEFBE-0D25-4A30-BA5A-776C46B8716C}"/>
+                <a16:creationId xmlns:a16="http://schemas.microsoft.com/office/drawing/2014/main" id="{06EFDBB0-B78C-4270-B22D-308FB38DDACB}"/>
               </a:ext>
             </a:extLst>
           </p:cNvPr>
@@ -3050,18 +3006,18 @@
         </p:nvGrpSpPr>
         <p:grpSpPr>
           <a:xfrm>
-            <a:off x="5634289" y="170281"/>
-            <a:ext cx="1452312" cy="1452312"/>
-            <a:chOff x="1515579" y="-98514"/>
-            <a:chExt cx="5749102" cy="5749102"/>
+            <a:off x="753860" y="170281"/>
+            <a:ext cx="9937716" cy="6687719"/>
+            <a:chOff x="753860" y="170281"/>
+            <a:chExt cx="9937716" cy="6687719"/>
           </a:xfrm>
         </p:grpSpPr>
         <p:sp>
           <p:nvSpPr>
-            <p:cNvPr id="24" name="Plus Sign 23">
+            <p:cNvPr id="6" name="Rectangle 5">
               <a:extLst>
                 <a:ext uri="{FF2B5EF4-FFF2-40B4-BE49-F238E27FC236}">
-                  <a16:creationId xmlns:a16="http://schemas.microsoft.com/office/drawing/2014/main" id="{E6F25C49-3689-464E-8728-736E8EADEE81}"/>
+                  <a16:creationId xmlns:a16="http://schemas.microsoft.com/office/drawing/2014/main" id="{ED2129B3-D476-438C-9397-C0025EE38E0A}"/>
                 </a:ext>
               </a:extLst>
             </p:cNvPr>
@@ -3070,26 +3026,24 @@
           </p:nvSpPr>
           <p:spPr>
             <a:xfrm>
-              <a:off x="4011235" y="2397142"/>
-              <a:ext cx="757790" cy="757790"/>
+              <a:off x="10408667" y="1785858"/>
+              <a:ext cx="282909" cy="5072142"/>
             </a:xfrm>
-            <a:prstGeom prst="mathPlus">
-              <a:avLst>
-                <a:gd name="adj1" fmla="val 7520"/>
-              </a:avLst>
+            <a:prstGeom prst="rect">
+              <a:avLst/>
             </a:prstGeom>
           </p:spPr>
           <p:style>
             <a:lnRef idx="2">
-              <a:schemeClr val="accent2">
+              <a:schemeClr val="accent1">
                 <a:shade val="50000"/>
               </a:schemeClr>
             </a:lnRef>
             <a:fillRef idx="1">
-              <a:schemeClr val="accent2"/>
+              <a:schemeClr val="accent1"/>
             </a:fillRef>
             <a:effectRef idx="0">
-              <a:schemeClr val="accent2"/>
+              <a:schemeClr val="accent1"/>
             </a:effectRef>
             <a:fontRef idx="minor">
               <a:schemeClr val="lt1"/>
@@ -3104,12 +3058,135 @@
             </a:p>
           </p:txBody>
         </p:sp>
+        <p:grpSp>
+          <p:nvGrpSpPr>
+            <p:cNvPr id="22" name="Group 21">
+              <a:extLst>
+                <a:ext uri="{FF2B5EF4-FFF2-40B4-BE49-F238E27FC236}">
+                  <a16:creationId xmlns:a16="http://schemas.microsoft.com/office/drawing/2014/main" id="{07BFEFBE-0D25-4A30-BA5A-776C46B8716C}"/>
+                </a:ext>
+              </a:extLst>
+            </p:cNvPr>
+            <p:cNvGrpSpPr/>
+            <p:nvPr/>
+          </p:nvGrpSpPr>
+          <p:grpSpPr>
+            <a:xfrm>
+              <a:off x="5634289" y="170281"/>
+              <a:ext cx="1452312" cy="1452312"/>
+              <a:chOff x="1515579" y="-98514"/>
+              <a:chExt cx="5749102" cy="5749102"/>
+            </a:xfrm>
+          </p:grpSpPr>
+          <p:sp>
+            <p:nvSpPr>
+              <p:cNvPr id="24" name="Plus Sign 23">
+                <a:extLst>
+                  <a:ext uri="{FF2B5EF4-FFF2-40B4-BE49-F238E27FC236}">
+                    <a16:creationId xmlns:a16="http://schemas.microsoft.com/office/drawing/2014/main" id="{E6F25C49-3689-464E-8728-736E8EADEE81}"/>
+                  </a:ext>
+                </a:extLst>
+              </p:cNvPr>
+              <p:cNvSpPr/>
+              <p:nvPr/>
+            </p:nvSpPr>
+            <p:spPr>
+              <a:xfrm>
+                <a:off x="4011235" y="2397142"/>
+                <a:ext cx="757790" cy="757790"/>
+              </a:xfrm>
+              <a:prstGeom prst="mathPlus">
+                <a:avLst>
+                  <a:gd name="adj1" fmla="val 7520"/>
+                </a:avLst>
+              </a:prstGeom>
+            </p:spPr>
+            <p:style>
+              <a:lnRef idx="2">
+                <a:schemeClr val="accent2">
+                  <a:shade val="50000"/>
+                </a:schemeClr>
+              </a:lnRef>
+              <a:fillRef idx="1">
+                <a:schemeClr val="accent2"/>
+              </a:fillRef>
+              <a:effectRef idx="0">
+                <a:schemeClr val="accent2"/>
+              </a:effectRef>
+              <a:fontRef idx="minor">
+                <a:schemeClr val="lt1"/>
+              </a:fontRef>
+            </p:style>
+            <p:txBody>
+              <a:bodyPr rtlCol="0" anchor="ctr"/>
+              <a:lstStyle/>
+              <a:p>
+                <a:pPr algn="ctr"/>
+                <a:endParaRPr lang="en-AU"/>
+              </a:p>
+            </p:txBody>
+          </p:sp>
+          <p:sp>
+            <p:nvSpPr>
+              <p:cNvPr id="25" name="Block Arc 24">
+                <a:extLst>
+                  <a:ext uri="{FF2B5EF4-FFF2-40B4-BE49-F238E27FC236}">
+                    <a16:creationId xmlns:a16="http://schemas.microsoft.com/office/drawing/2014/main" id="{6C968D20-339F-4E3A-BF11-17472EBFC397}"/>
+                  </a:ext>
+                </a:extLst>
+              </p:cNvPr>
+              <p:cNvSpPr/>
+              <p:nvPr/>
+            </p:nvSpPr>
+            <p:spPr>
+              <a:xfrm rot="10800000">
+                <a:off x="1515579" y="-98514"/>
+                <a:ext cx="5749102" cy="5749102"/>
+              </a:xfrm>
+              <a:prstGeom prst="blockArc">
+                <a:avLst>
+                  <a:gd name="adj1" fmla="val 10800000"/>
+                  <a:gd name="adj2" fmla="val 21582141"/>
+                  <a:gd name="adj3" fmla="val 1632"/>
+                </a:avLst>
+              </a:prstGeom>
+            </p:spPr>
+            <p:style>
+              <a:lnRef idx="2">
+                <a:schemeClr val="accent2">
+                  <a:shade val="50000"/>
+                </a:schemeClr>
+              </a:lnRef>
+              <a:fillRef idx="1">
+                <a:schemeClr val="accent2"/>
+              </a:fillRef>
+              <a:effectRef idx="0">
+                <a:schemeClr val="accent2"/>
+              </a:effectRef>
+              <a:fontRef idx="minor">
+                <a:schemeClr val="lt1"/>
+              </a:fontRef>
+            </p:style>
+            <p:txBody>
+              <a:bodyPr rtlCol="0" anchor="ctr"/>
+              <a:lstStyle/>
+              <a:p>
+                <a:pPr algn="ctr"/>
+                <a:endParaRPr lang="en-AU">
+                  <a:solidFill>
+                    <a:schemeClr val="tx1"/>
+                  </a:solidFill>
+                </a:endParaRPr>
+              </a:p>
+            </p:txBody>
+          </p:sp>
+        </p:grpSp>
         <p:sp>
           <p:nvSpPr>
-            <p:cNvPr id="25" name="Block Arc 24">
+            <p:cNvPr id="39" name="Arrow: Down 38">
               <a:extLst>
                 <a:ext uri="{FF2B5EF4-FFF2-40B4-BE49-F238E27FC236}">
-                  <a16:creationId xmlns:a16="http://schemas.microsoft.com/office/drawing/2014/main" id="{6C968D20-339F-4E3A-BF11-17472EBFC397}"/>
+                  <a16:creationId xmlns:a16="http://schemas.microsoft.com/office/drawing/2014/main" id="{87F2DF2E-0AA5-4AF6-8613-E101B654360F}"/>
                 </a:ext>
               </a:extLst>
             </p:cNvPr>
@@ -3117,29 +3194,25 @@
             <p:nvPr/>
           </p:nvSpPr>
           <p:spPr>
-            <a:xfrm rot="10800000">
-              <a:off x="1515579" y="-98514"/>
-              <a:ext cx="5749102" cy="5749102"/>
+            <a:xfrm>
+              <a:off x="2301095" y="1711072"/>
+              <a:ext cx="161759" cy="326571"/>
             </a:xfrm>
-            <a:prstGeom prst="blockArc">
-              <a:avLst>
-                <a:gd name="adj1" fmla="val 10800000"/>
-                <a:gd name="adj2" fmla="val 21582141"/>
-                <a:gd name="adj3" fmla="val 1632"/>
-              </a:avLst>
+            <a:prstGeom prst="downArrow">
+              <a:avLst/>
             </a:prstGeom>
           </p:spPr>
           <p:style>
             <a:lnRef idx="2">
-              <a:schemeClr val="accent2">
+              <a:schemeClr val="dk1">
                 <a:shade val="50000"/>
               </a:schemeClr>
             </a:lnRef>
             <a:fillRef idx="1">
-              <a:schemeClr val="accent2"/>
+              <a:schemeClr val="dk1"/>
             </a:fillRef>
             <a:effectRef idx="0">
-              <a:schemeClr val="accent2"/>
+              <a:schemeClr val="dk1"/>
             </a:effectRef>
             <a:fontRef idx="minor">
               <a:schemeClr val="lt1"/>
@@ -3150,87 +3223,16 @@
             <a:lstStyle/>
             <a:p>
               <a:pPr algn="ctr"/>
-              <a:endParaRPr lang="en-AU">
-                <a:solidFill>
-                  <a:schemeClr val="tx1"/>
-                </a:solidFill>
-              </a:endParaRPr>
+              <a:endParaRPr lang="en-AU"/>
             </a:p>
           </p:txBody>
         </p:sp>
-      </p:grpSp>
-      <p:sp>
-        <p:nvSpPr>
-          <p:cNvPr id="39" name="Arrow: Down 38">
-            <a:extLst>
-              <a:ext uri="{FF2B5EF4-FFF2-40B4-BE49-F238E27FC236}">
-                <a16:creationId xmlns:a16="http://schemas.microsoft.com/office/drawing/2014/main" id="{87F2DF2E-0AA5-4AF6-8613-E101B654360F}"/>
-              </a:ext>
-            </a:extLst>
-          </p:cNvPr>
-          <p:cNvSpPr/>
-          <p:nvPr/>
-        </p:nvSpPr>
-        <p:spPr>
-          <a:xfrm>
-            <a:off x="2301095" y="1711072"/>
-            <a:ext cx="161759" cy="326571"/>
-          </a:xfrm>
-          <a:prstGeom prst="downArrow">
-            <a:avLst/>
-          </a:prstGeom>
-        </p:spPr>
-        <p:style>
-          <a:lnRef idx="2">
-            <a:schemeClr val="dk1">
-              <a:shade val="50000"/>
-            </a:schemeClr>
-          </a:lnRef>
-          <a:fillRef idx="1">
-            <a:schemeClr val="dk1"/>
-          </a:fillRef>
-          <a:effectRef idx="0">
-            <a:schemeClr val="dk1"/>
-          </a:effectRef>
-          <a:fontRef idx="minor">
-            <a:schemeClr val="lt1"/>
-          </a:fontRef>
-        </p:style>
-        <p:txBody>
-          <a:bodyPr rtlCol="0" anchor="ctr"/>
-          <a:lstStyle/>
-          <a:p>
-            <a:pPr algn="ctr"/>
-            <a:endParaRPr lang="en-AU"/>
-          </a:p>
-        </p:txBody>
-      </p:sp>
-      <p:grpSp>
-        <p:nvGrpSpPr>
-          <p:cNvPr id="64" name="Group 63">
-            <a:extLst>
-              <a:ext uri="{FF2B5EF4-FFF2-40B4-BE49-F238E27FC236}">
-                <a16:creationId xmlns:a16="http://schemas.microsoft.com/office/drawing/2014/main" id="{AC2F43C9-A76A-488D-B6EA-75903436F1EC}"/>
-              </a:ext>
-            </a:extLst>
-          </p:cNvPr>
-          <p:cNvGrpSpPr/>
-          <p:nvPr/>
-        </p:nvGrpSpPr>
-        <p:grpSpPr>
-          <a:xfrm>
-            <a:off x="753860" y="170281"/>
-            <a:ext cx="3256228" cy="2642323"/>
-            <a:chOff x="753860" y="170281"/>
-            <a:chExt cx="3256228" cy="2642323"/>
-          </a:xfrm>
-        </p:grpSpPr>
         <p:grpSp>
           <p:nvGrpSpPr>
-            <p:cNvPr id="62" name="Group 61">
+            <p:cNvPr id="64" name="Group 63">
               <a:extLst>
                 <a:ext uri="{FF2B5EF4-FFF2-40B4-BE49-F238E27FC236}">
-                  <a16:creationId xmlns:a16="http://schemas.microsoft.com/office/drawing/2014/main" id="{712184C8-72CB-4EDE-A89C-7339A2252BA9}"/>
+                  <a16:creationId xmlns:a16="http://schemas.microsoft.com/office/drawing/2014/main" id="{AC2F43C9-A76A-488D-B6EA-75903436F1EC}"/>
                 </a:ext>
               </a:extLst>
             </p:cNvPr>
@@ -3240,17 +3242,17 @@
           <p:grpSpPr>
             <a:xfrm>
               <a:off x="753860" y="170281"/>
-              <a:ext cx="1452312" cy="2642323"/>
+              <a:ext cx="3256228" cy="2642323"/>
               <a:chOff x="753860" y="170281"/>
-              <a:chExt cx="1452312" cy="2642323"/>
+              <a:chExt cx="3256228" cy="2642323"/>
             </a:xfrm>
           </p:grpSpPr>
           <p:grpSp>
             <p:nvGrpSpPr>
-              <p:cNvPr id="15" name="Group 14">
+              <p:cNvPr id="62" name="Group 61">
                 <a:extLst>
                   <a:ext uri="{FF2B5EF4-FFF2-40B4-BE49-F238E27FC236}">
-                    <a16:creationId xmlns:a16="http://schemas.microsoft.com/office/drawing/2014/main" id="{F177D03F-6647-4711-9673-65D849259E5E}"/>
+                    <a16:creationId xmlns:a16="http://schemas.microsoft.com/office/drawing/2014/main" id="{712184C8-72CB-4EDE-A89C-7339A2252BA9}"/>
                   </a:ext>
                 </a:extLst>
               </p:cNvPr>
@@ -3260,17 +3262,17 @@
             <p:grpSpPr>
               <a:xfrm>
                 <a:off x="753860" y="170281"/>
-                <a:ext cx="1452312" cy="1452312"/>
+                <a:ext cx="1452312" cy="2642323"/>
                 <a:chOff x="753860" y="170281"/>
-                <a:chExt cx="1452312" cy="1452312"/>
+                <a:chExt cx="1452312" cy="2642323"/>
               </a:xfrm>
             </p:grpSpPr>
             <p:grpSp>
               <p:nvGrpSpPr>
-                <p:cNvPr id="7" name="Group 6">
+                <p:cNvPr id="15" name="Group 14">
                   <a:extLst>
                     <a:ext uri="{FF2B5EF4-FFF2-40B4-BE49-F238E27FC236}">
-                      <a16:creationId xmlns:a16="http://schemas.microsoft.com/office/drawing/2014/main" id="{6E40FD6D-7C89-4AB1-832F-FD652524A5E0}"/>
+                      <a16:creationId xmlns:a16="http://schemas.microsoft.com/office/drawing/2014/main" id="{F177D03F-6647-4711-9673-65D849259E5E}"/>
                     </a:ext>
                   </a:extLst>
                 </p:cNvPr>
@@ -3281,16 +3283,361 @@
                 <a:xfrm>
                   <a:off x="753860" y="170281"/>
                   <a:ext cx="1452312" cy="1452312"/>
+                  <a:chOff x="753860" y="170281"/>
+                  <a:chExt cx="1452312" cy="1452312"/>
+                </a:xfrm>
+              </p:grpSpPr>
+              <p:grpSp>
+                <p:nvGrpSpPr>
+                  <p:cNvPr id="7" name="Group 6">
+                    <a:extLst>
+                      <a:ext uri="{FF2B5EF4-FFF2-40B4-BE49-F238E27FC236}">
+                        <a16:creationId xmlns:a16="http://schemas.microsoft.com/office/drawing/2014/main" id="{6E40FD6D-7C89-4AB1-832F-FD652524A5E0}"/>
+                      </a:ext>
+                    </a:extLst>
+                  </p:cNvPr>
+                  <p:cNvGrpSpPr/>
+                  <p:nvPr/>
+                </p:nvGrpSpPr>
+                <p:grpSpPr>
+                  <a:xfrm>
+                    <a:off x="753860" y="170281"/>
+                    <a:ext cx="1452312" cy="1452312"/>
+                    <a:chOff x="1515579" y="-98514"/>
+                    <a:chExt cx="5749102" cy="5749102"/>
+                  </a:xfrm>
+                </p:grpSpPr>
+                <p:sp>
+                  <p:nvSpPr>
+                    <p:cNvPr id="4" name="Plus Sign 3">
+                      <a:extLst>
+                        <a:ext uri="{FF2B5EF4-FFF2-40B4-BE49-F238E27FC236}">
+                          <a16:creationId xmlns:a16="http://schemas.microsoft.com/office/drawing/2014/main" id="{84AFFD75-8FED-407A-B152-822958CED3C6}"/>
+                        </a:ext>
+                      </a:extLst>
+                    </p:cNvPr>
+                    <p:cNvSpPr/>
+                    <p:nvPr/>
+                  </p:nvSpPr>
+                  <p:spPr>
+                    <a:xfrm>
+                      <a:off x="4011235" y="2397142"/>
+                      <a:ext cx="757790" cy="757790"/>
+                    </a:xfrm>
+                    <a:prstGeom prst="mathPlus">
+                      <a:avLst>
+                        <a:gd name="adj1" fmla="val 7520"/>
+                      </a:avLst>
+                    </a:prstGeom>
+                    <a:ln w="50800"/>
+                  </p:spPr>
+                  <p:style>
+                    <a:lnRef idx="2">
+                      <a:schemeClr val="accent2">
+                        <a:shade val="50000"/>
+                      </a:schemeClr>
+                    </a:lnRef>
+                    <a:fillRef idx="1">
+                      <a:schemeClr val="accent2"/>
+                    </a:fillRef>
+                    <a:effectRef idx="0">
+                      <a:schemeClr val="accent2"/>
+                    </a:effectRef>
+                    <a:fontRef idx="minor">
+                      <a:schemeClr val="lt1"/>
+                    </a:fontRef>
+                  </p:style>
+                  <p:txBody>
+                    <a:bodyPr rtlCol="0" anchor="ctr"/>
+                    <a:lstStyle/>
+                    <a:p>
+                      <a:pPr algn="ctr"/>
+                      <a:endParaRPr lang="en-AU"/>
+                    </a:p>
+                  </p:txBody>
+                </p:sp>
+                <p:sp>
+                  <p:nvSpPr>
+                    <p:cNvPr id="5" name="Block Arc 4">
+                      <a:extLst>
+                        <a:ext uri="{FF2B5EF4-FFF2-40B4-BE49-F238E27FC236}">
+                          <a16:creationId xmlns:a16="http://schemas.microsoft.com/office/drawing/2014/main" id="{CDB688B9-184B-40F2-9DAC-DCB0BA73A40C}"/>
+                        </a:ext>
+                      </a:extLst>
+                    </p:cNvPr>
+                    <p:cNvSpPr/>
+                    <p:nvPr/>
+                  </p:nvSpPr>
+                  <p:spPr>
+                    <a:xfrm rot="10800000">
+                      <a:off x="1515579" y="-98514"/>
+                      <a:ext cx="5749102" cy="5749102"/>
+                    </a:xfrm>
+                    <a:prstGeom prst="blockArc">
+                      <a:avLst>
+                        <a:gd name="adj1" fmla="val 10800000"/>
+                        <a:gd name="adj2" fmla="val 21582141"/>
+                        <a:gd name="adj3" fmla="val 1632"/>
+                      </a:avLst>
+                    </a:prstGeom>
+                    <a:ln w="50800"/>
+                  </p:spPr>
+                  <p:style>
+                    <a:lnRef idx="2">
+                      <a:schemeClr val="accent2">
+                        <a:shade val="50000"/>
+                      </a:schemeClr>
+                    </a:lnRef>
+                    <a:fillRef idx="1">
+                      <a:schemeClr val="accent2"/>
+                    </a:fillRef>
+                    <a:effectRef idx="0">
+                      <a:schemeClr val="accent2"/>
+                    </a:effectRef>
+                    <a:fontRef idx="minor">
+                      <a:schemeClr val="lt1"/>
+                    </a:fontRef>
+                  </p:style>
+                  <p:txBody>
+                    <a:bodyPr rtlCol="0" anchor="ctr"/>
+                    <a:lstStyle/>
+                    <a:p>
+                      <a:pPr algn="ctr"/>
+                      <a:endParaRPr lang="en-AU">
+                        <a:solidFill>
+                          <a:schemeClr val="tx1"/>
+                        </a:solidFill>
+                      </a:endParaRPr>
+                    </a:p>
+                  </p:txBody>
+                </p:sp>
+              </p:grpSp>
+              <p:sp>
+                <p:nvSpPr>
+                  <p:cNvPr id="14" name="Oval 13">
+                    <a:extLst>
+                      <a:ext uri="{FF2B5EF4-FFF2-40B4-BE49-F238E27FC236}">
+                        <a16:creationId xmlns:a16="http://schemas.microsoft.com/office/drawing/2014/main" id="{1363D9C2-2634-4CD5-ADF0-F38CC2752F3A}"/>
+                      </a:ext>
+                    </a:extLst>
+                  </p:cNvPr>
+                  <p:cNvSpPr/>
+                  <p:nvPr/>
+                </p:nvSpPr>
+                <p:spPr>
+                  <a:xfrm flipH="1">
+                    <a:off x="1773282" y="1514151"/>
+                    <a:ext cx="45720" cy="45720"/>
+                  </a:xfrm>
+                  <a:prstGeom prst="ellipse">
+                    <a:avLst/>
+                  </a:prstGeom>
+                  <a:ln w="50800"/>
+                </p:spPr>
+                <p:style>
+                  <a:lnRef idx="2">
+                    <a:schemeClr val="accent1">
+                      <a:shade val="50000"/>
+                    </a:schemeClr>
+                  </a:lnRef>
+                  <a:fillRef idx="1">
+                    <a:schemeClr val="accent1"/>
+                  </a:fillRef>
+                  <a:effectRef idx="0">
+                    <a:schemeClr val="accent1"/>
+                  </a:effectRef>
+                  <a:fontRef idx="minor">
+                    <a:schemeClr val="lt1"/>
+                  </a:fontRef>
+                </p:style>
+                <p:txBody>
+                  <a:bodyPr rtlCol="0" anchor="ctr"/>
+                  <a:lstStyle/>
+                  <a:p>
+                    <a:pPr algn="ctr"/>
+                    <a:endParaRPr lang="en-AU"/>
+                  </a:p>
+                </p:txBody>
+              </p:sp>
+            </p:grpSp>
+            <p:cxnSp>
+              <p:nvCxnSpPr>
+                <p:cNvPr id="42" name="Straight Connector 41">
+                  <a:extLst>
+                    <a:ext uri="{FF2B5EF4-FFF2-40B4-BE49-F238E27FC236}">
+                      <a16:creationId xmlns:a16="http://schemas.microsoft.com/office/drawing/2014/main" id="{948E5F2A-89A9-4018-A17C-97B5F89D1AFA}"/>
+                    </a:ext>
+                  </a:extLst>
+                </p:cNvPr>
+                <p:cNvCxnSpPr>
+                  <a:cxnSpLocks/>
+                </p:cNvCxnSpPr>
+                <p:nvPr/>
+              </p:nvCxnSpPr>
+              <p:spPr>
+                <a:xfrm>
+                  <a:off x="1496180" y="2204358"/>
+                  <a:ext cx="283798" cy="608246"/>
+                </a:xfrm>
+                <a:prstGeom prst="line">
+                  <a:avLst/>
+                </a:prstGeom>
+                <a:ln w="85725"/>
+              </p:spPr>
+              <p:style>
+                <a:lnRef idx="3">
+                  <a:schemeClr val="accent1"/>
+                </a:lnRef>
+                <a:fillRef idx="0">
+                  <a:schemeClr val="accent1"/>
+                </a:fillRef>
+                <a:effectRef idx="2">
+                  <a:schemeClr val="accent1"/>
+                </a:effectRef>
+                <a:fontRef idx="minor">
+                  <a:schemeClr val="tx1"/>
+                </a:fontRef>
+              </p:style>
+            </p:cxnSp>
+            <p:cxnSp>
+              <p:nvCxnSpPr>
+                <p:cNvPr id="55" name="Straight Connector 54">
+                  <a:extLst>
+                    <a:ext uri="{FF2B5EF4-FFF2-40B4-BE49-F238E27FC236}">
+                      <a16:creationId xmlns:a16="http://schemas.microsoft.com/office/drawing/2014/main" id="{37F40428-CD69-4343-91F5-3F733B72D645}"/>
+                    </a:ext>
+                  </a:extLst>
+                </p:cNvPr>
+                <p:cNvCxnSpPr>
+                  <a:stCxn id="4" idx="1"/>
+                </p:cNvCxnSpPr>
+                <p:nvPr/>
+              </p:nvCxnSpPr>
+              <p:spPr>
+                <a:xfrm flipH="1">
+                  <a:off x="1480015" y="966777"/>
+                  <a:ext cx="1" cy="1845827"/>
+                </a:xfrm>
+                <a:prstGeom prst="line">
+                  <a:avLst/>
+                </a:prstGeom>
+                <a:ln w="9525" cap="flat" cmpd="sng" algn="ctr">
+                  <a:solidFill>
+                    <a:schemeClr val="accent5"/>
+                  </a:solidFill>
+                  <a:prstDash val="dash"/>
+                  <a:round/>
+                  <a:headEnd type="none" w="med" len="med"/>
+                  <a:tailEnd type="none" w="med" len="med"/>
+                </a:ln>
+              </p:spPr>
+              <p:style>
+                <a:lnRef idx="0">
+                  <a:scrgbClr r="0" g="0" b="0"/>
+                </a:lnRef>
+                <a:fillRef idx="0">
+                  <a:scrgbClr r="0" g="0" b="0"/>
+                </a:fillRef>
+                <a:effectRef idx="0">
+                  <a:scrgbClr r="0" g="0" b="0"/>
+                </a:effectRef>
+                <a:fontRef idx="minor">
+                  <a:schemeClr val="tx1"/>
+                </a:fontRef>
+              </p:style>
+            </p:cxnSp>
+            <p:cxnSp>
+              <p:nvCxnSpPr>
+                <p:cNvPr id="56" name="Straight Connector 55">
+                  <a:extLst>
+                    <a:ext uri="{FF2B5EF4-FFF2-40B4-BE49-F238E27FC236}">
+                      <a16:creationId xmlns:a16="http://schemas.microsoft.com/office/drawing/2014/main" id="{E9F05A69-1A64-47A1-AE65-707B37313DA0}"/>
+                    </a:ext>
+                  </a:extLst>
+                </p:cNvPr>
+                <p:cNvCxnSpPr/>
+                <p:nvPr/>
+              </p:nvCxnSpPr>
+              <p:spPr>
+                <a:xfrm flipH="1">
+                  <a:off x="1798600" y="966777"/>
+                  <a:ext cx="1" cy="1845827"/>
+                </a:xfrm>
+                <a:prstGeom prst="line">
+                  <a:avLst/>
+                </a:prstGeom>
+                <a:ln w="9525" cap="flat" cmpd="sng" algn="ctr">
+                  <a:solidFill>
+                    <a:schemeClr val="accent5"/>
+                  </a:solidFill>
+                  <a:prstDash val="dash"/>
+                  <a:round/>
+                  <a:headEnd type="none" w="med" len="med"/>
+                  <a:tailEnd type="none" w="med" len="med"/>
+                </a:ln>
+              </p:spPr>
+              <p:style>
+                <a:lnRef idx="0">
+                  <a:scrgbClr r="0" g="0" b="0"/>
+                </a:lnRef>
+                <a:fillRef idx="0">
+                  <a:scrgbClr r="0" g="0" b="0"/>
+                </a:fillRef>
+                <a:effectRef idx="0">
+                  <a:scrgbClr r="0" g="0" b="0"/>
+                </a:effectRef>
+                <a:fontRef idx="minor">
+                  <a:schemeClr val="tx1"/>
+                </a:fontRef>
+              </p:style>
+            </p:cxnSp>
+          </p:grpSp>
+          <p:grpSp>
+            <p:nvGrpSpPr>
+              <p:cNvPr id="63" name="Group 62">
+                <a:extLst>
+                  <a:ext uri="{FF2B5EF4-FFF2-40B4-BE49-F238E27FC236}">
+                    <a16:creationId xmlns:a16="http://schemas.microsoft.com/office/drawing/2014/main" id="{DC850937-78E3-422B-AE30-AE3271F00669}"/>
+                  </a:ext>
+                </a:extLst>
+              </p:cNvPr>
+              <p:cNvGrpSpPr/>
+              <p:nvPr/>
+            </p:nvGrpSpPr>
+            <p:grpSpPr>
+              <a:xfrm>
+                <a:off x="2557776" y="170281"/>
+                <a:ext cx="1452312" cy="2642323"/>
+                <a:chOff x="3188632" y="170281"/>
+                <a:chExt cx="1452312" cy="2642323"/>
+              </a:xfrm>
+            </p:grpSpPr>
+            <p:grpSp>
+              <p:nvGrpSpPr>
+                <p:cNvPr id="17" name="Group 16">
+                  <a:extLst>
+                    <a:ext uri="{FF2B5EF4-FFF2-40B4-BE49-F238E27FC236}">
+                      <a16:creationId xmlns:a16="http://schemas.microsoft.com/office/drawing/2014/main" id="{57149D74-0D51-4615-94E9-74C3B548260D}"/>
+                    </a:ext>
+                  </a:extLst>
+                </p:cNvPr>
+                <p:cNvGrpSpPr/>
+                <p:nvPr/>
+              </p:nvGrpSpPr>
+              <p:grpSpPr>
+                <a:xfrm>
+                  <a:off x="3188632" y="170281"/>
+                  <a:ext cx="1452312" cy="1452312"/>
                   <a:chOff x="1515579" y="-98514"/>
                   <a:chExt cx="5749102" cy="5749102"/>
                 </a:xfrm>
               </p:grpSpPr>
               <p:sp>
                 <p:nvSpPr>
-                  <p:cNvPr id="4" name="Plus Sign 3">
+                  <p:cNvPr id="19" name="Plus Sign 18">
                     <a:extLst>
                       <a:ext uri="{FF2B5EF4-FFF2-40B4-BE49-F238E27FC236}">
-                        <a16:creationId xmlns:a16="http://schemas.microsoft.com/office/drawing/2014/main" id="{84AFFD75-8FED-407A-B152-822958CED3C6}"/>
+                        <a16:creationId xmlns:a16="http://schemas.microsoft.com/office/drawing/2014/main" id="{52672F43-9C4D-443C-A764-04B8E4AD5A03}"/>
                       </a:ext>
                     </a:extLst>
                   </p:cNvPr>
@@ -3336,10 +3683,10 @@
               </p:sp>
               <p:sp>
                 <p:nvSpPr>
-                  <p:cNvPr id="5" name="Block Arc 4">
+                  <p:cNvPr id="20" name="Block Arc 19">
                     <a:extLst>
                       <a:ext uri="{FF2B5EF4-FFF2-40B4-BE49-F238E27FC236}">
-                        <a16:creationId xmlns:a16="http://schemas.microsoft.com/office/drawing/2014/main" id="{CDB688B9-184B-40F2-9DAC-DCB0BA73A40C}"/>
+                        <a16:creationId xmlns:a16="http://schemas.microsoft.com/office/drawing/2014/main" id="{E5897471-F49C-4DEA-B609-FF01399EBDCD}"/>
                       </a:ext>
                     </a:extLst>
                   </p:cNvPr>
@@ -3392,10 +3739,10 @@
             </p:grpSp>
             <p:sp>
               <p:nvSpPr>
-                <p:cNvPr id="14" name="Oval 13">
+                <p:cNvPr id="18" name="Oval 17">
                   <a:extLst>
                     <a:ext uri="{FF2B5EF4-FFF2-40B4-BE49-F238E27FC236}">
-                      <a16:creationId xmlns:a16="http://schemas.microsoft.com/office/drawing/2014/main" id="{1363D9C2-2634-4CD5-ADF0-F38CC2752F3A}"/>
+                      <a16:creationId xmlns:a16="http://schemas.microsoft.com/office/drawing/2014/main" id="{51CF58FC-D315-43A5-B469-5A309412FE34}"/>
                     </a:ext>
                   </a:extLst>
                 </p:cNvPr>
@@ -3404,7 +3751,7 @@
               </p:nvSpPr>
               <p:spPr>
                 <a:xfrm flipH="1">
-                  <a:off x="1773282" y="1514151"/>
+                  <a:off x="3199517" y="1043344"/>
                   <a:ext cx="45720" cy="45720"/>
                 </a:xfrm>
                 <a:prstGeom prst="ellipse">
@@ -3437,460 +3784,136 @@
                 </a:p>
               </p:txBody>
             </p:sp>
-          </p:grpSp>
-          <p:cxnSp>
-            <p:nvCxnSpPr>
-              <p:cNvPr id="42" name="Straight Connector 41">
-                <a:extLst>
-                  <a:ext uri="{FF2B5EF4-FFF2-40B4-BE49-F238E27FC236}">
-                    <a16:creationId xmlns:a16="http://schemas.microsoft.com/office/drawing/2014/main" id="{948E5F2A-89A9-4018-A17C-97B5F89D1AFA}"/>
-                  </a:ext>
-                </a:extLst>
-              </p:cNvPr>
-              <p:cNvCxnSpPr>
-                <a:cxnSpLocks/>
-              </p:cNvCxnSpPr>
-              <p:nvPr/>
-            </p:nvCxnSpPr>
-            <p:spPr>
-              <a:xfrm>
-                <a:off x="1496180" y="2204358"/>
-                <a:ext cx="283798" cy="608246"/>
-              </a:xfrm>
-              <a:prstGeom prst="line">
-                <a:avLst/>
-              </a:prstGeom>
-              <a:ln w="85725"/>
-            </p:spPr>
-            <p:style>
-              <a:lnRef idx="3">
-                <a:schemeClr val="accent1"/>
-              </a:lnRef>
-              <a:fillRef idx="0">
-                <a:schemeClr val="accent1"/>
-              </a:fillRef>
-              <a:effectRef idx="2">
-                <a:schemeClr val="accent1"/>
-              </a:effectRef>
-              <a:fontRef idx="minor">
-                <a:schemeClr val="tx1"/>
-              </a:fontRef>
-            </p:style>
-          </p:cxnSp>
-          <p:cxnSp>
-            <p:nvCxnSpPr>
-              <p:cNvPr id="55" name="Straight Connector 54">
-                <a:extLst>
-                  <a:ext uri="{FF2B5EF4-FFF2-40B4-BE49-F238E27FC236}">
-                    <a16:creationId xmlns:a16="http://schemas.microsoft.com/office/drawing/2014/main" id="{37F40428-CD69-4343-91F5-3F733B72D645}"/>
-                  </a:ext>
-                </a:extLst>
-              </p:cNvPr>
-              <p:cNvCxnSpPr>
-                <a:stCxn id="4" idx="1"/>
-              </p:cNvCxnSpPr>
-              <p:nvPr/>
-            </p:nvCxnSpPr>
-            <p:spPr>
-              <a:xfrm flipH="1">
-                <a:off x="1480015" y="966777"/>
-                <a:ext cx="1" cy="1845827"/>
-              </a:xfrm>
-              <a:prstGeom prst="line">
-                <a:avLst/>
-              </a:prstGeom>
-              <a:ln w="9525" cap="flat" cmpd="sng" algn="ctr">
-                <a:solidFill>
-                  <a:schemeClr val="accent5"/>
-                </a:solidFill>
-                <a:prstDash val="dash"/>
-                <a:round/>
-                <a:headEnd type="none" w="med" len="med"/>
-                <a:tailEnd type="none" w="med" len="med"/>
-              </a:ln>
-            </p:spPr>
-            <p:style>
-              <a:lnRef idx="0">
-                <a:scrgbClr r="0" g="0" b="0"/>
-              </a:lnRef>
-              <a:fillRef idx="0">
-                <a:scrgbClr r="0" g="0" b="0"/>
-              </a:fillRef>
-              <a:effectRef idx="0">
-                <a:scrgbClr r="0" g="0" b="0"/>
-              </a:effectRef>
-              <a:fontRef idx="minor">
-                <a:schemeClr val="tx1"/>
-              </a:fontRef>
-            </p:style>
-          </p:cxnSp>
-          <p:cxnSp>
-            <p:nvCxnSpPr>
-              <p:cNvPr id="56" name="Straight Connector 55">
-                <a:extLst>
-                  <a:ext uri="{FF2B5EF4-FFF2-40B4-BE49-F238E27FC236}">
-                    <a16:creationId xmlns:a16="http://schemas.microsoft.com/office/drawing/2014/main" id="{E9F05A69-1A64-47A1-AE65-707B37313DA0}"/>
-                  </a:ext>
-                </a:extLst>
-              </p:cNvPr>
-              <p:cNvCxnSpPr/>
-              <p:nvPr/>
-            </p:nvCxnSpPr>
-            <p:spPr>
-              <a:xfrm flipH="1">
-                <a:off x="1798600" y="966777"/>
-                <a:ext cx="1" cy="1845827"/>
-              </a:xfrm>
-              <a:prstGeom prst="line">
-                <a:avLst/>
-              </a:prstGeom>
-              <a:ln w="9525" cap="flat" cmpd="sng" algn="ctr">
-                <a:solidFill>
-                  <a:schemeClr val="accent5"/>
-                </a:solidFill>
-                <a:prstDash val="dash"/>
-                <a:round/>
-                <a:headEnd type="none" w="med" len="med"/>
-                <a:tailEnd type="none" w="med" len="med"/>
-              </a:ln>
-            </p:spPr>
-            <p:style>
-              <a:lnRef idx="0">
-                <a:scrgbClr r="0" g="0" b="0"/>
-              </a:lnRef>
-              <a:fillRef idx="0">
-                <a:scrgbClr r="0" g="0" b="0"/>
-              </a:fillRef>
-              <a:effectRef idx="0">
-                <a:scrgbClr r="0" g="0" b="0"/>
-              </a:effectRef>
-              <a:fontRef idx="minor">
-                <a:schemeClr val="tx1"/>
-              </a:fontRef>
-            </p:style>
-          </p:cxnSp>
-        </p:grpSp>
-        <p:grpSp>
-          <p:nvGrpSpPr>
-            <p:cNvPr id="63" name="Group 62">
-              <a:extLst>
-                <a:ext uri="{FF2B5EF4-FFF2-40B4-BE49-F238E27FC236}">
-                  <a16:creationId xmlns:a16="http://schemas.microsoft.com/office/drawing/2014/main" id="{DC850937-78E3-422B-AE30-AE3271F00669}"/>
-                </a:ext>
-              </a:extLst>
-            </p:cNvPr>
-            <p:cNvGrpSpPr/>
-            <p:nvPr/>
-          </p:nvGrpSpPr>
-          <p:grpSpPr>
-            <a:xfrm>
-              <a:off x="2557776" y="170281"/>
-              <a:ext cx="1452312" cy="2642323"/>
-              <a:chOff x="3188632" y="170281"/>
-              <a:chExt cx="1452312" cy="2642323"/>
-            </a:xfrm>
-          </p:grpSpPr>
-          <p:grpSp>
-            <p:nvGrpSpPr>
-              <p:cNvPr id="17" name="Group 16">
-                <a:extLst>
-                  <a:ext uri="{FF2B5EF4-FFF2-40B4-BE49-F238E27FC236}">
-                    <a16:creationId xmlns:a16="http://schemas.microsoft.com/office/drawing/2014/main" id="{57149D74-0D51-4615-94E9-74C3B548260D}"/>
-                  </a:ext>
-                </a:extLst>
-              </p:cNvPr>
-              <p:cNvGrpSpPr/>
-              <p:nvPr/>
-            </p:nvGrpSpPr>
-            <p:grpSpPr>
-              <a:xfrm>
-                <a:off x="3188632" y="170281"/>
-                <a:ext cx="1452312" cy="1452312"/>
-                <a:chOff x="1515579" y="-98514"/>
-                <a:chExt cx="5749102" cy="5749102"/>
-              </a:xfrm>
-            </p:grpSpPr>
-            <p:sp>
-              <p:nvSpPr>
-                <p:cNvPr id="19" name="Plus Sign 18">
+            <p:cxnSp>
+              <p:nvCxnSpPr>
+                <p:cNvPr id="44" name="Straight Connector 43">
                   <a:extLst>
                     <a:ext uri="{FF2B5EF4-FFF2-40B4-BE49-F238E27FC236}">
-                      <a16:creationId xmlns:a16="http://schemas.microsoft.com/office/drawing/2014/main" id="{52672F43-9C4D-443C-A764-04B8E4AD5A03}"/>
+                      <a16:creationId xmlns:a16="http://schemas.microsoft.com/office/drawing/2014/main" id="{622439A3-E3B9-4C9D-B73F-7DC71ED77FB8}"/>
                     </a:ext>
                   </a:extLst>
                 </p:cNvPr>
-                <p:cNvSpPr/>
+                <p:cNvCxnSpPr>
+                  <a:cxnSpLocks/>
+                </p:cNvCxnSpPr>
                 <p:nvPr/>
-              </p:nvSpPr>
+              </p:nvCxnSpPr>
               <p:spPr>
-                <a:xfrm>
-                  <a:off x="4011235" y="2397142"/>
-                  <a:ext cx="757790" cy="757790"/>
+                <a:xfrm flipH="1">
+                  <a:off x="3245237" y="2204357"/>
+                  <a:ext cx="652333" cy="153604"/>
                 </a:xfrm>
-                <a:prstGeom prst="mathPlus">
-                  <a:avLst>
-                    <a:gd name="adj1" fmla="val 7520"/>
-                  </a:avLst>
+                <a:prstGeom prst="line">
+                  <a:avLst/>
                 </a:prstGeom>
-                <a:ln w="50800"/>
+                <a:ln w="85725"/>
               </p:spPr>
               <p:style>
-                <a:lnRef idx="2">
-                  <a:schemeClr val="accent2">
-                    <a:shade val="50000"/>
-                  </a:schemeClr>
+                <a:lnRef idx="3">
+                  <a:schemeClr val="accent1"/>
                 </a:lnRef>
-                <a:fillRef idx="1">
-                  <a:schemeClr val="accent2"/>
+                <a:fillRef idx="0">
+                  <a:schemeClr val="accent1"/>
                 </a:fillRef>
-                <a:effectRef idx="0">
-                  <a:schemeClr val="accent2"/>
+                <a:effectRef idx="2">
+                  <a:schemeClr val="accent1"/>
                 </a:effectRef>
                 <a:fontRef idx="minor">
-                  <a:schemeClr val="lt1"/>
+                  <a:schemeClr val="tx1"/>
                 </a:fontRef>
               </p:style>
-              <p:txBody>
-                <a:bodyPr rtlCol="0" anchor="ctr"/>
-                <a:lstStyle/>
-                <a:p>
-                  <a:pPr algn="ctr"/>
-                  <a:endParaRPr lang="en-AU"/>
-                </a:p>
-              </p:txBody>
-            </p:sp>
-            <p:sp>
-              <p:nvSpPr>
-                <p:cNvPr id="20" name="Block Arc 19">
+            </p:cxnSp>
+            <p:cxnSp>
+              <p:nvCxnSpPr>
+                <p:cNvPr id="57" name="Straight Connector 56">
                   <a:extLst>
                     <a:ext uri="{FF2B5EF4-FFF2-40B4-BE49-F238E27FC236}">
-                      <a16:creationId xmlns:a16="http://schemas.microsoft.com/office/drawing/2014/main" id="{E5897471-F49C-4DEA-B609-FF01399EBDCD}"/>
+                      <a16:creationId xmlns:a16="http://schemas.microsoft.com/office/drawing/2014/main" id="{96AE15D7-F957-484F-AB3C-034502F1D99C}"/>
                     </a:ext>
                   </a:extLst>
                 </p:cNvPr>
-                <p:cNvSpPr/>
+                <p:cNvCxnSpPr/>
                 <p:nvPr/>
-              </p:nvSpPr>
+              </p:nvCxnSpPr>
               <p:spPr>
-                <a:xfrm rot="10800000">
-                  <a:off x="1515579" y="-98514"/>
-                  <a:ext cx="5749102" cy="5749102"/>
+                <a:xfrm flipH="1">
+                  <a:off x="3917571" y="966777"/>
+                  <a:ext cx="1" cy="1845827"/>
                 </a:xfrm>
-                <a:prstGeom prst="blockArc">
-                  <a:avLst>
-                    <a:gd name="adj1" fmla="val 10800000"/>
-                    <a:gd name="adj2" fmla="val 21582141"/>
-                    <a:gd name="adj3" fmla="val 1632"/>
-                  </a:avLst>
+                <a:prstGeom prst="line">
+                  <a:avLst/>
                 </a:prstGeom>
-                <a:ln w="50800"/>
+                <a:ln w="9525" cap="flat" cmpd="sng" algn="ctr">
+                  <a:solidFill>
+                    <a:schemeClr val="accent5"/>
+                  </a:solidFill>
+                  <a:prstDash val="dash"/>
+                  <a:round/>
+                  <a:headEnd type="none" w="med" len="med"/>
+                  <a:tailEnd type="none" w="med" len="med"/>
+                </a:ln>
               </p:spPr>
               <p:style>
-                <a:lnRef idx="2">
-                  <a:schemeClr val="accent2">
-                    <a:shade val="50000"/>
-                  </a:schemeClr>
+                <a:lnRef idx="0">
+                  <a:scrgbClr r="0" g="0" b="0"/>
                 </a:lnRef>
-                <a:fillRef idx="1">
-                  <a:schemeClr val="accent2"/>
+                <a:fillRef idx="0">
+                  <a:scrgbClr r="0" g="0" b="0"/>
                 </a:fillRef>
                 <a:effectRef idx="0">
-                  <a:schemeClr val="accent2"/>
+                  <a:scrgbClr r="0" g="0" b="0"/>
                 </a:effectRef>
                 <a:fontRef idx="minor">
-                  <a:schemeClr val="lt1"/>
+                  <a:schemeClr val="tx1"/>
                 </a:fontRef>
               </p:style>
-              <p:txBody>
-                <a:bodyPr rtlCol="0" anchor="ctr"/>
-                <a:lstStyle/>
-                <a:p>
-                  <a:pPr algn="ctr"/>
-                  <a:endParaRPr lang="en-AU">
-                    <a:solidFill>
-                      <a:schemeClr val="tx1"/>
-                    </a:solidFill>
-                  </a:endParaRPr>
-                </a:p>
-              </p:txBody>
-            </p:sp>
+            </p:cxnSp>
+            <p:cxnSp>
+              <p:nvCxnSpPr>
+                <p:cNvPr id="58" name="Straight Connector 57">
+                  <a:extLst>
+                    <a:ext uri="{FF2B5EF4-FFF2-40B4-BE49-F238E27FC236}">
+                      <a16:creationId xmlns:a16="http://schemas.microsoft.com/office/drawing/2014/main" id="{D76CDF45-F634-4996-98AE-E4377F882DAE}"/>
+                    </a:ext>
+                  </a:extLst>
+                </p:cNvPr>
+                <p:cNvCxnSpPr/>
+                <p:nvPr/>
+              </p:nvCxnSpPr>
+              <p:spPr>
+                <a:xfrm flipH="1">
+                  <a:off x="3220609" y="966777"/>
+                  <a:ext cx="1" cy="1845827"/>
+                </a:xfrm>
+                <a:prstGeom prst="line">
+                  <a:avLst/>
+                </a:prstGeom>
+                <a:ln w="9525" cap="flat" cmpd="sng" algn="ctr">
+                  <a:solidFill>
+                    <a:schemeClr val="accent5"/>
+                  </a:solidFill>
+                  <a:prstDash val="dash"/>
+                  <a:round/>
+                  <a:headEnd type="none" w="med" len="med"/>
+                  <a:tailEnd type="none" w="med" len="med"/>
+                </a:ln>
+              </p:spPr>
+              <p:style>
+                <a:lnRef idx="0">
+                  <a:scrgbClr r="0" g="0" b="0"/>
+                </a:lnRef>
+                <a:fillRef idx="0">
+                  <a:scrgbClr r="0" g="0" b="0"/>
+                </a:fillRef>
+                <a:effectRef idx="0">
+                  <a:scrgbClr r="0" g="0" b="0"/>
+                </a:effectRef>
+                <a:fontRef idx="minor">
+                  <a:schemeClr val="tx1"/>
+                </a:fontRef>
+              </p:style>
+            </p:cxnSp>
           </p:grpSp>
-          <p:sp>
-            <p:nvSpPr>
-              <p:cNvPr id="18" name="Oval 17">
-                <a:extLst>
-                  <a:ext uri="{FF2B5EF4-FFF2-40B4-BE49-F238E27FC236}">
-                    <a16:creationId xmlns:a16="http://schemas.microsoft.com/office/drawing/2014/main" id="{51CF58FC-D315-43A5-B469-5A309412FE34}"/>
-                  </a:ext>
-                </a:extLst>
-              </p:cNvPr>
-              <p:cNvSpPr/>
-              <p:nvPr/>
-            </p:nvSpPr>
-            <p:spPr>
-              <a:xfrm flipH="1">
-                <a:off x="3199517" y="1043344"/>
-                <a:ext cx="45720" cy="45720"/>
-              </a:xfrm>
-              <a:prstGeom prst="ellipse">
-                <a:avLst/>
-              </a:prstGeom>
-              <a:ln w="50800"/>
-            </p:spPr>
-            <p:style>
-              <a:lnRef idx="2">
-                <a:schemeClr val="accent1">
-                  <a:shade val="50000"/>
-                </a:schemeClr>
-              </a:lnRef>
-              <a:fillRef idx="1">
-                <a:schemeClr val="accent1"/>
-              </a:fillRef>
-              <a:effectRef idx="0">
-                <a:schemeClr val="accent1"/>
-              </a:effectRef>
-              <a:fontRef idx="minor">
-                <a:schemeClr val="lt1"/>
-              </a:fontRef>
-            </p:style>
-            <p:txBody>
-              <a:bodyPr rtlCol="0" anchor="ctr"/>
-              <a:lstStyle/>
-              <a:p>
-                <a:pPr algn="ctr"/>
-                <a:endParaRPr lang="en-AU"/>
-              </a:p>
-            </p:txBody>
-          </p:sp>
-          <p:cxnSp>
-            <p:nvCxnSpPr>
-              <p:cNvPr id="44" name="Straight Connector 43">
-                <a:extLst>
-                  <a:ext uri="{FF2B5EF4-FFF2-40B4-BE49-F238E27FC236}">
-                    <a16:creationId xmlns:a16="http://schemas.microsoft.com/office/drawing/2014/main" id="{622439A3-E3B9-4C9D-B73F-7DC71ED77FB8}"/>
-                  </a:ext>
-                </a:extLst>
-              </p:cNvPr>
-              <p:cNvCxnSpPr>
-                <a:cxnSpLocks/>
-              </p:cNvCxnSpPr>
-              <p:nvPr/>
-            </p:nvCxnSpPr>
-            <p:spPr>
-              <a:xfrm flipH="1">
-                <a:off x="3245237" y="2204357"/>
-                <a:ext cx="652333" cy="153604"/>
-              </a:xfrm>
-              <a:prstGeom prst="line">
-                <a:avLst/>
-              </a:prstGeom>
-              <a:ln w="85725"/>
-            </p:spPr>
-            <p:style>
-              <a:lnRef idx="3">
-                <a:schemeClr val="accent1"/>
-              </a:lnRef>
-              <a:fillRef idx="0">
-                <a:schemeClr val="accent1"/>
-              </a:fillRef>
-              <a:effectRef idx="2">
-                <a:schemeClr val="accent1"/>
-              </a:effectRef>
-              <a:fontRef idx="minor">
-                <a:schemeClr val="tx1"/>
-              </a:fontRef>
-            </p:style>
-          </p:cxnSp>
-          <p:cxnSp>
-            <p:nvCxnSpPr>
-              <p:cNvPr id="57" name="Straight Connector 56">
-                <a:extLst>
-                  <a:ext uri="{FF2B5EF4-FFF2-40B4-BE49-F238E27FC236}">
-                    <a16:creationId xmlns:a16="http://schemas.microsoft.com/office/drawing/2014/main" id="{96AE15D7-F957-484F-AB3C-034502F1D99C}"/>
-                  </a:ext>
-                </a:extLst>
-              </p:cNvPr>
-              <p:cNvCxnSpPr/>
-              <p:nvPr/>
-            </p:nvCxnSpPr>
-            <p:spPr>
-              <a:xfrm flipH="1">
-                <a:off x="3917571" y="966777"/>
-                <a:ext cx="1" cy="1845827"/>
-              </a:xfrm>
-              <a:prstGeom prst="line">
-                <a:avLst/>
-              </a:prstGeom>
-              <a:ln w="9525" cap="flat" cmpd="sng" algn="ctr">
-                <a:solidFill>
-                  <a:schemeClr val="accent5"/>
-                </a:solidFill>
-                <a:prstDash val="dash"/>
-                <a:round/>
-                <a:headEnd type="none" w="med" len="med"/>
-                <a:tailEnd type="none" w="med" len="med"/>
-              </a:ln>
-            </p:spPr>
-            <p:style>
-              <a:lnRef idx="0">
-                <a:scrgbClr r="0" g="0" b="0"/>
-              </a:lnRef>
-              <a:fillRef idx="0">
-                <a:scrgbClr r="0" g="0" b="0"/>
-              </a:fillRef>
-              <a:effectRef idx="0">
-                <a:scrgbClr r="0" g="0" b="0"/>
-              </a:effectRef>
-              <a:fontRef idx="minor">
-                <a:schemeClr val="tx1"/>
-              </a:fontRef>
-            </p:style>
-          </p:cxnSp>
-          <p:cxnSp>
-            <p:nvCxnSpPr>
-              <p:cNvPr id="58" name="Straight Connector 57">
-                <a:extLst>
-                  <a:ext uri="{FF2B5EF4-FFF2-40B4-BE49-F238E27FC236}">
-                    <a16:creationId xmlns:a16="http://schemas.microsoft.com/office/drawing/2014/main" id="{D76CDF45-F634-4996-98AE-E4377F882DAE}"/>
-                  </a:ext>
-                </a:extLst>
-              </p:cNvPr>
-              <p:cNvCxnSpPr/>
-              <p:nvPr/>
-            </p:nvCxnSpPr>
-            <p:spPr>
-              <a:xfrm flipH="1">
-                <a:off x="3220609" y="966777"/>
-                <a:ext cx="1" cy="1845827"/>
-              </a:xfrm>
-              <a:prstGeom prst="line">
-                <a:avLst/>
-              </a:prstGeom>
-              <a:ln w="9525" cap="flat" cmpd="sng" algn="ctr">
-                <a:solidFill>
-                  <a:schemeClr val="accent5"/>
-                </a:solidFill>
-                <a:prstDash val="dash"/>
-                <a:round/>
-                <a:headEnd type="none" w="med" len="med"/>
-                <a:tailEnd type="none" w="med" len="med"/>
-              </a:ln>
-            </p:spPr>
-            <p:style>
-              <a:lnRef idx="0">
-                <a:scrgbClr r="0" g="0" b="0"/>
-              </a:lnRef>
-              <a:fillRef idx="0">
-                <a:scrgbClr r="0" g="0" b="0"/>
-              </a:fillRef>
-              <a:effectRef idx="0">
-                <a:scrgbClr r="0" g="0" b="0"/>
-              </a:effectRef>
-              <a:fontRef idx="minor">
-                <a:schemeClr val="tx1"/>
-              </a:fontRef>
-            </p:style>
-          </p:cxnSp>
         </p:grpSp>
       </p:grpSp>
     </p:spTree>
@@ -27748,10 +27771,2533 @@
           <a:chExt cx="0" cy="0"/>
         </a:xfrm>
       </p:grpSpPr>
+      <p:grpSp>
+        <p:nvGrpSpPr>
+          <p:cNvPr id="276" name="Group 275">
+            <a:extLst>
+              <a:ext uri="{FF2B5EF4-FFF2-40B4-BE49-F238E27FC236}">
+                <a16:creationId xmlns:a16="http://schemas.microsoft.com/office/drawing/2014/main" id="{D236B971-EA05-4E65-A40F-764CBD085CDA}"/>
+              </a:ext>
+            </a:extLst>
+          </p:cNvPr>
+          <p:cNvGrpSpPr/>
+          <p:nvPr/>
+        </p:nvGrpSpPr>
+        <p:grpSpPr>
+          <a:xfrm>
+            <a:off x="540001" y="540000"/>
+            <a:ext cx="8825976" cy="5778000"/>
+            <a:chOff x="540001" y="540000"/>
+            <a:chExt cx="8825976" cy="5778000"/>
+          </a:xfrm>
+        </p:grpSpPr>
+        <p:sp>
+          <p:nvSpPr>
+            <p:cNvPr id="270" name="Rectangle: Rounded Corners 269">
+              <a:extLst>
+                <a:ext uri="{FF2B5EF4-FFF2-40B4-BE49-F238E27FC236}">
+                  <a16:creationId xmlns:a16="http://schemas.microsoft.com/office/drawing/2014/main" id="{6E67804F-891C-4957-B91E-332DAFC4CFEA}"/>
+                </a:ext>
+              </a:extLst>
+            </p:cNvPr>
+            <p:cNvSpPr/>
+            <p:nvPr/>
+          </p:nvSpPr>
+          <p:spPr>
+            <a:xfrm>
+              <a:off x="832757" y="3209402"/>
+              <a:ext cx="4963886" cy="2619898"/>
+            </a:xfrm>
+            <a:prstGeom prst="roundRect">
+              <a:avLst/>
+            </a:prstGeom>
+            <a:solidFill>
+              <a:schemeClr val="accent5">
+                <a:alpha val="15000"/>
+              </a:schemeClr>
+            </a:solidFill>
+            <a:ln w="28575">
+              <a:noFill/>
+            </a:ln>
+          </p:spPr>
+          <p:style>
+            <a:lnRef idx="2">
+              <a:schemeClr val="accent5">
+                <a:shade val="50000"/>
+              </a:schemeClr>
+            </a:lnRef>
+            <a:fillRef idx="1">
+              <a:schemeClr val="accent5"/>
+            </a:fillRef>
+            <a:effectRef idx="0">
+              <a:schemeClr val="accent5"/>
+            </a:effectRef>
+            <a:fontRef idx="minor">
+              <a:schemeClr val="lt1"/>
+            </a:fontRef>
+          </p:style>
+          <p:txBody>
+            <a:bodyPr rot="0" spcFirstLastPara="0" vertOverflow="overflow" horzOverflow="overflow" vert="horz" wrap="square" lIns="91440" tIns="45720" rIns="91440" bIns="45720" numCol="1" spcCol="0" rtlCol="0" fromWordArt="0" anchor="ctr" anchorCtr="0" forceAA="0" compatLnSpc="1">
+              <a:prstTxWarp prst="textNoShape">
+                <a:avLst/>
+              </a:prstTxWarp>
+              <a:noAutofit/>
+            </a:bodyPr>
+            <a:lstStyle/>
+            <a:p>
+              <a:pPr algn="ctr"/>
+              <a:endParaRPr lang="en-AU"/>
+            </a:p>
+          </p:txBody>
+        </p:sp>
+        <p:sp>
+          <p:nvSpPr>
+            <p:cNvPr id="271" name="Rectangle: Rounded Corners 270">
+              <a:extLst>
+                <a:ext uri="{FF2B5EF4-FFF2-40B4-BE49-F238E27FC236}">
+                  <a16:creationId xmlns:a16="http://schemas.microsoft.com/office/drawing/2014/main" id="{711A73D9-EBF6-48A2-90DE-AE3F43238AAE}"/>
+                </a:ext>
+              </a:extLst>
+            </p:cNvPr>
+            <p:cNvSpPr/>
+            <p:nvPr/>
+          </p:nvSpPr>
+          <p:spPr>
+            <a:xfrm>
+              <a:off x="832757" y="901082"/>
+              <a:ext cx="4963886" cy="2227060"/>
+            </a:xfrm>
+            <a:prstGeom prst="roundRect">
+              <a:avLst/>
+            </a:prstGeom>
+            <a:solidFill>
+              <a:schemeClr val="accent6">
+                <a:alpha val="15000"/>
+              </a:schemeClr>
+            </a:solidFill>
+            <a:ln w="28575">
+              <a:noFill/>
+            </a:ln>
+          </p:spPr>
+          <p:style>
+            <a:lnRef idx="2">
+              <a:schemeClr val="accent6">
+                <a:shade val="50000"/>
+              </a:schemeClr>
+            </a:lnRef>
+            <a:fillRef idx="1">
+              <a:schemeClr val="accent6"/>
+            </a:fillRef>
+            <a:effectRef idx="0">
+              <a:schemeClr val="accent6"/>
+            </a:effectRef>
+            <a:fontRef idx="minor">
+              <a:schemeClr val="lt1"/>
+            </a:fontRef>
+          </p:style>
+          <p:txBody>
+            <a:bodyPr rtlCol="0" anchor="ctr"/>
+            <a:lstStyle/>
+            <a:p>
+              <a:pPr algn="ctr"/>
+              <a:endParaRPr lang="en-AU"/>
+            </a:p>
+          </p:txBody>
+        </p:sp>
+        <p:sp>
+          <p:nvSpPr>
+            <p:cNvPr id="272" name="Rectangle: Rounded Corners 271">
+              <a:extLst>
+                <a:ext uri="{FF2B5EF4-FFF2-40B4-BE49-F238E27FC236}">
+                  <a16:creationId xmlns:a16="http://schemas.microsoft.com/office/drawing/2014/main" id="{A713F115-E0B2-4843-A8E0-D3B2BB71763F}"/>
+                </a:ext>
+              </a:extLst>
+            </p:cNvPr>
+            <p:cNvSpPr/>
+            <p:nvPr/>
+          </p:nvSpPr>
+          <p:spPr>
+            <a:xfrm>
+              <a:off x="5894614" y="2111828"/>
+              <a:ext cx="3390963" cy="3717471"/>
+            </a:xfrm>
+            <a:prstGeom prst="roundRect">
+              <a:avLst>
+                <a:gd name="adj" fmla="val 10407"/>
+              </a:avLst>
+            </a:prstGeom>
+            <a:solidFill>
+              <a:schemeClr val="accent2">
+                <a:alpha val="15000"/>
+              </a:schemeClr>
+            </a:solidFill>
+            <a:ln w="28575">
+              <a:noFill/>
+            </a:ln>
+          </p:spPr>
+          <p:style>
+            <a:lnRef idx="2">
+              <a:schemeClr val="accent2">
+                <a:shade val="50000"/>
+              </a:schemeClr>
+            </a:lnRef>
+            <a:fillRef idx="1">
+              <a:schemeClr val="accent2"/>
+            </a:fillRef>
+            <a:effectRef idx="0">
+              <a:schemeClr val="accent2"/>
+            </a:effectRef>
+            <a:fontRef idx="minor">
+              <a:schemeClr val="lt1"/>
+            </a:fontRef>
+          </p:style>
+          <p:txBody>
+            <a:bodyPr rot="0" spcFirstLastPara="0" vertOverflow="overflow" horzOverflow="overflow" vert="horz" wrap="square" lIns="91440" tIns="45720" rIns="91440" bIns="45720" numCol="1" spcCol="0" rtlCol="0" fromWordArt="0" anchor="ctr" anchorCtr="0" forceAA="0" compatLnSpc="1">
+              <a:prstTxWarp prst="textNoShape">
+                <a:avLst/>
+              </a:prstTxWarp>
+              <a:noAutofit/>
+            </a:bodyPr>
+            <a:lstStyle/>
+            <a:p>
+              <a:pPr algn="ctr"/>
+              <a:endParaRPr lang="en-AU"/>
+            </a:p>
+          </p:txBody>
+        </p:sp>
+        <p:sp>
+          <p:nvSpPr>
+            <p:cNvPr id="53" name="Flowchart: Alternate Process 52">
+              <a:extLst>
+                <a:ext uri="{FF2B5EF4-FFF2-40B4-BE49-F238E27FC236}">
+                  <a16:creationId xmlns:a16="http://schemas.microsoft.com/office/drawing/2014/main" id="{626529C8-50DA-43DC-9E18-FC38F617AC73}"/>
+                </a:ext>
+              </a:extLst>
+            </p:cNvPr>
+            <p:cNvSpPr/>
+            <p:nvPr/>
+          </p:nvSpPr>
+          <p:spPr>
+            <a:xfrm>
+              <a:off x="540001" y="540000"/>
+              <a:ext cx="8825976" cy="5778000"/>
+            </a:xfrm>
+            <a:prstGeom prst="flowChartAlternateProcess">
+              <a:avLst/>
+            </a:prstGeom>
+            <a:noFill/>
+            <a:ln w="19050">
+              <a:solidFill>
+                <a:schemeClr val="tx1"/>
+              </a:solidFill>
+              <a:prstDash val="lgDash"/>
+            </a:ln>
+          </p:spPr>
+          <p:style>
+            <a:lnRef idx="2">
+              <a:schemeClr val="accent2">
+                <a:shade val="50000"/>
+              </a:schemeClr>
+            </a:lnRef>
+            <a:fillRef idx="1">
+              <a:schemeClr val="accent2"/>
+            </a:fillRef>
+            <a:effectRef idx="0">
+              <a:schemeClr val="accent2"/>
+            </a:effectRef>
+            <a:fontRef idx="minor">
+              <a:schemeClr val="lt1"/>
+            </a:fontRef>
+          </p:style>
+          <p:txBody>
+            <a:bodyPr rot="0" spcFirstLastPara="0" vertOverflow="overflow" horzOverflow="overflow" vert="horz" wrap="square" lIns="0" tIns="0" rIns="0" bIns="0" numCol="1" spcCol="0" rtlCol="0" fromWordArt="0" anchor="ctr" anchorCtr="0" forceAA="0" compatLnSpc="1">
+              <a:prstTxWarp prst="textNoShape">
+                <a:avLst/>
+              </a:prstTxWarp>
+              <a:noAutofit/>
+            </a:bodyPr>
+            <a:lstStyle/>
+            <a:p>
+              <a:pPr algn="ctr"/>
+              <a:endParaRPr lang="en-AU" sz="1050" b="1" u="sng" dirty="0">
+                <a:latin typeface="Consolas" panose="020B0609020204030204" pitchFamily="49" charset="0"/>
+                <a:ea typeface="Yu Gothic" panose="020B0400000000000000" pitchFamily="34" charset="-128"/>
+              </a:endParaRPr>
+            </a:p>
+          </p:txBody>
+        </p:sp>
+        <p:sp>
+          <p:nvSpPr>
+            <p:cNvPr id="54" name="Flowchart: Alternate Process 53">
+              <a:extLst>
+                <a:ext uri="{FF2B5EF4-FFF2-40B4-BE49-F238E27FC236}">
+                  <a16:creationId xmlns:a16="http://schemas.microsoft.com/office/drawing/2014/main" id="{4BFD38A5-930D-4FA2-9BA4-1B3D7610F5A4}"/>
+                </a:ext>
+              </a:extLst>
+            </p:cNvPr>
+            <p:cNvSpPr/>
+            <p:nvPr/>
+          </p:nvSpPr>
+          <p:spPr>
+            <a:xfrm>
+              <a:off x="3582615" y="540000"/>
+              <a:ext cx="2740749" cy="262339"/>
+            </a:xfrm>
+            <a:prstGeom prst="flowChartAlternateProcess">
+              <a:avLst/>
+            </a:prstGeom>
+            <a:noFill/>
+            <a:ln>
+              <a:noFill/>
+            </a:ln>
+          </p:spPr>
+          <p:style>
+            <a:lnRef idx="2">
+              <a:schemeClr val="dk1"/>
+            </a:lnRef>
+            <a:fillRef idx="1">
+              <a:schemeClr val="lt1"/>
+            </a:fillRef>
+            <a:effectRef idx="0">
+              <a:schemeClr val="dk1"/>
+            </a:effectRef>
+            <a:fontRef idx="minor">
+              <a:schemeClr val="dk1"/>
+            </a:fontRef>
+          </p:style>
+          <p:txBody>
+            <a:bodyPr rot="0" spcFirstLastPara="0" vertOverflow="overflow" horzOverflow="overflow" vert="horz" wrap="square" lIns="0" tIns="0" rIns="0" bIns="0" numCol="1" spcCol="0" rtlCol="0" fromWordArt="0" anchor="ctr" anchorCtr="0" forceAA="0" compatLnSpc="1">
+              <a:prstTxWarp prst="textNoShape">
+                <a:avLst/>
+              </a:prstTxWarp>
+              <a:noAutofit/>
+            </a:bodyPr>
+            <a:lstStyle/>
+            <a:p>
+              <a:pPr algn="ctr"/>
+              <a:r>
+                <a:rPr lang="en-AU" sz="1400" b="1" u="sng" dirty="0">
+                  <a:latin typeface="Consolas" panose="020B0609020204030204" pitchFamily="49" charset="0"/>
+                  <a:ea typeface="Yu Gothic" panose="020B0400000000000000" pitchFamily="34" charset="-128"/>
+                </a:rPr>
+                <a:t>Supersystem</a:t>
+              </a:r>
+            </a:p>
+          </p:txBody>
+        </p:sp>
+        <p:sp>
+          <p:nvSpPr>
+            <p:cNvPr id="99" name="Flowchart: Alternate Process 98">
+              <a:extLst>
+                <a:ext uri="{FF2B5EF4-FFF2-40B4-BE49-F238E27FC236}">
+                  <a16:creationId xmlns:a16="http://schemas.microsoft.com/office/drawing/2014/main" id="{DF1A7732-6FD0-4E45-AFA5-5F8CDB0DE7DE}"/>
+                </a:ext>
+              </a:extLst>
+            </p:cNvPr>
+            <p:cNvSpPr/>
+            <p:nvPr/>
+          </p:nvSpPr>
+          <p:spPr>
+            <a:xfrm>
+              <a:off x="4321691" y="973957"/>
+              <a:ext cx="1262618" cy="836484"/>
+            </a:xfrm>
+            <a:prstGeom prst="flowChartAlternateProcess">
+              <a:avLst/>
+            </a:prstGeom>
+            <a:ln w="19050"/>
+          </p:spPr>
+          <p:style>
+            <a:lnRef idx="2">
+              <a:schemeClr val="dk1"/>
+            </a:lnRef>
+            <a:fillRef idx="1">
+              <a:schemeClr val="lt1"/>
+            </a:fillRef>
+            <a:effectRef idx="0">
+              <a:schemeClr val="dk1"/>
+            </a:effectRef>
+            <a:fontRef idx="minor">
+              <a:schemeClr val="dk1"/>
+            </a:fontRef>
+          </p:style>
+          <p:txBody>
+            <a:bodyPr rot="0" spcFirstLastPara="0" vertOverflow="overflow" horzOverflow="overflow" vert="horz" wrap="square" lIns="0" tIns="0" rIns="0" bIns="0" numCol="1" spcCol="0" rtlCol="0" fromWordArt="0" anchor="ctr" anchorCtr="0" forceAA="0" compatLnSpc="1">
+              <a:prstTxWarp prst="textNoShape">
+                <a:avLst/>
+              </a:prstTxWarp>
+              <a:noAutofit/>
+            </a:bodyPr>
+            <a:lstStyle/>
+            <a:p>
+              <a:pPr algn="ctr"/>
+              <a:r>
+                <a:rPr lang="en-AU" sz="1050" dirty="0">
+                  <a:latin typeface="Consolas" panose="020B0609020204030204" pitchFamily="49" charset="0"/>
+                  <a:ea typeface="Yu Gothic" panose="020B0400000000000000" pitchFamily="34" charset="-128"/>
+                </a:rPr>
+                <a:t>Achieve/approach the desired position of the suit</a:t>
+              </a:r>
+            </a:p>
+          </p:txBody>
+        </p:sp>
+        <p:sp>
+          <p:nvSpPr>
+            <p:cNvPr id="135" name="Flowchart: Alternate Process 134">
+              <a:extLst>
+                <a:ext uri="{FF2B5EF4-FFF2-40B4-BE49-F238E27FC236}">
+                  <a16:creationId xmlns:a16="http://schemas.microsoft.com/office/drawing/2014/main" id="{E2955F30-077B-4621-ABFC-1528E6E5AA61}"/>
+                </a:ext>
+              </a:extLst>
+            </p:cNvPr>
+            <p:cNvSpPr/>
+            <p:nvPr/>
+          </p:nvSpPr>
+          <p:spPr>
+            <a:xfrm>
+              <a:off x="2648697" y="3514629"/>
+              <a:ext cx="1262618" cy="836484"/>
+            </a:xfrm>
+            <a:prstGeom prst="flowChartAlternateProcess">
+              <a:avLst/>
+            </a:prstGeom>
+            <a:ln w="19050"/>
+          </p:spPr>
+          <p:style>
+            <a:lnRef idx="2">
+              <a:schemeClr val="dk1"/>
+            </a:lnRef>
+            <a:fillRef idx="1">
+              <a:schemeClr val="lt1"/>
+            </a:fillRef>
+            <a:effectRef idx="0">
+              <a:schemeClr val="dk1"/>
+            </a:effectRef>
+            <a:fontRef idx="minor">
+              <a:schemeClr val="dk1"/>
+            </a:fontRef>
+          </p:style>
+          <p:txBody>
+            <a:bodyPr rot="0" spcFirstLastPara="0" vertOverflow="overflow" horzOverflow="overflow" vert="horz" wrap="square" lIns="0" tIns="0" rIns="0" bIns="0" numCol="1" spcCol="0" rtlCol="0" fromWordArt="0" anchor="ctr" anchorCtr="0" forceAA="0" compatLnSpc="1">
+              <a:prstTxWarp prst="textNoShape">
+                <a:avLst/>
+              </a:prstTxWarp>
+              <a:noAutofit/>
+            </a:bodyPr>
+            <a:lstStyle/>
+            <a:p>
+              <a:pPr algn="ctr"/>
+              <a:r>
+                <a:rPr lang="en-AU" sz="1050" dirty="0">
+                  <a:latin typeface="Consolas" panose="020B0609020204030204" pitchFamily="49" charset="0"/>
+                  <a:ea typeface="Yu Gothic" panose="020B0400000000000000" pitchFamily="34" charset="-128"/>
+                </a:rPr>
+                <a:t>Read sensor signals</a:t>
+              </a:r>
+            </a:p>
+          </p:txBody>
+        </p:sp>
+        <p:sp>
+          <p:nvSpPr>
+            <p:cNvPr id="138" name="Flowchart: Alternate Process 137">
+              <a:extLst>
+                <a:ext uri="{FF2B5EF4-FFF2-40B4-BE49-F238E27FC236}">
+                  <a16:creationId xmlns:a16="http://schemas.microsoft.com/office/drawing/2014/main" id="{3E68A4BA-D022-42A9-8880-1D6BD5C5CF73}"/>
+                </a:ext>
+              </a:extLst>
+            </p:cNvPr>
+            <p:cNvSpPr/>
+            <p:nvPr/>
+          </p:nvSpPr>
+          <p:spPr>
+            <a:xfrm>
+              <a:off x="6802232" y="3514629"/>
+              <a:ext cx="1262618" cy="836484"/>
+            </a:xfrm>
+            <a:prstGeom prst="flowChartAlternateProcess">
+              <a:avLst/>
+            </a:prstGeom>
+            <a:ln w="19050"/>
+          </p:spPr>
+          <p:style>
+            <a:lnRef idx="2">
+              <a:schemeClr val="dk1"/>
+            </a:lnRef>
+            <a:fillRef idx="1">
+              <a:schemeClr val="lt1"/>
+            </a:fillRef>
+            <a:effectRef idx="0">
+              <a:schemeClr val="dk1"/>
+            </a:effectRef>
+            <a:fontRef idx="minor">
+              <a:schemeClr val="dk1"/>
+            </a:fontRef>
+          </p:style>
+          <p:txBody>
+            <a:bodyPr rot="0" spcFirstLastPara="0" vertOverflow="overflow" horzOverflow="overflow" vert="horz" wrap="square" lIns="0" tIns="0" rIns="0" bIns="0" numCol="1" spcCol="0" rtlCol="0" fromWordArt="0" anchor="ctr" anchorCtr="0" forceAA="0" compatLnSpc="1">
+              <a:prstTxWarp prst="textNoShape">
+                <a:avLst/>
+              </a:prstTxWarp>
+              <a:noAutofit/>
+            </a:bodyPr>
+            <a:lstStyle/>
+            <a:p>
+              <a:pPr algn="ctr"/>
+              <a:r>
+                <a:rPr lang="en-AU" sz="1050" dirty="0">
+                  <a:latin typeface="Consolas" panose="020B0609020204030204" pitchFamily="49" charset="0"/>
+                  <a:ea typeface="Yu Gothic" panose="020B0400000000000000" pitchFamily="34" charset="-128"/>
+                </a:rPr>
+                <a:t>Communicate Signals to system</a:t>
+              </a:r>
+            </a:p>
+          </p:txBody>
+        </p:sp>
+        <p:sp>
+          <p:nvSpPr>
+            <p:cNvPr id="100" name="Flowchart: Alternate Process 99">
+              <a:extLst>
+                <a:ext uri="{FF2B5EF4-FFF2-40B4-BE49-F238E27FC236}">
+                  <a16:creationId xmlns:a16="http://schemas.microsoft.com/office/drawing/2014/main" id="{81EFB547-580A-4462-B8E9-88E2B51729C8}"/>
+                </a:ext>
+              </a:extLst>
+            </p:cNvPr>
+            <p:cNvSpPr/>
+            <p:nvPr/>
+          </p:nvSpPr>
+          <p:spPr>
+            <a:xfrm>
+              <a:off x="6802232" y="2244293"/>
+              <a:ext cx="1262618" cy="836484"/>
+            </a:xfrm>
+            <a:prstGeom prst="flowChartAlternateProcess">
+              <a:avLst/>
+            </a:prstGeom>
+            <a:ln w="19050"/>
+          </p:spPr>
+          <p:style>
+            <a:lnRef idx="2">
+              <a:schemeClr val="dk1"/>
+            </a:lnRef>
+            <a:fillRef idx="1">
+              <a:schemeClr val="lt1"/>
+            </a:fillRef>
+            <a:effectRef idx="0">
+              <a:schemeClr val="dk1"/>
+            </a:effectRef>
+            <a:fontRef idx="minor">
+              <a:schemeClr val="dk1"/>
+            </a:fontRef>
+          </p:style>
+          <p:txBody>
+            <a:bodyPr rot="0" spcFirstLastPara="0" vertOverflow="overflow" horzOverflow="overflow" vert="horz" wrap="square" lIns="0" tIns="0" rIns="0" bIns="0" numCol="1" spcCol="0" rtlCol="0" fromWordArt="0" anchor="ctr" anchorCtr="0" forceAA="0" compatLnSpc="1">
+              <a:prstTxWarp prst="textNoShape">
+                <a:avLst/>
+              </a:prstTxWarp>
+              <a:noAutofit/>
+            </a:bodyPr>
+            <a:lstStyle/>
+            <a:p>
+              <a:pPr algn="ctr"/>
+              <a:r>
+                <a:rPr lang="en-AU" sz="1050" dirty="0">
+                  <a:latin typeface="Consolas" panose="020B0609020204030204" pitchFamily="49" charset="0"/>
+                  <a:ea typeface="Yu Gothic" panose="020B0400000000000000" pitchFamily="34" charset="-128"/>
+                </a:rPr>
+                <a:t>Observe and apply currently required change in commands</a:t>
+              </a:r>
+            </a:p>
+          </p:txBody>
+        </p:sp>
+        <p:sp>
+          <p:nvSpPr>
+            <p:cNvPr id="206" name="Flowchart: Alternate Process 205">
+              <a:extLst>
+                <a:ext uri="{FF2B5EF4-FFF2-40B4-BE49-F238E27FC236}">
+                  <a16:creationId xmlns:a16="http://schemas.microsoft.com/office/drawing/2014/main" id="{3220E8E6-E77E-4862-9792-138D2C6B6AA3}"/>
+                </a:ext>
+              </a:extLst>
+            </p:cNvPr>
+            <p:cNvSpPr/>
+            <p:nvPr/>
+          </p:nvSpPr>
+          <p:spPr>
+            <a:xfrm>
+              <a:off x="2249901" y="2244293"/>
+              <a:ext cx="2060210" cy="836484"/>
+            </a:xfrm>
+            <a:prstGeom prst="flowChartAlternateProcess">
+              <a:avLst/>
+            </a:prstGeom>
+            <a:ln/>
+          </p:spPr>
+          <p:style>
+            <a:lnRef idx="2">
+              <a:schemeClr val="accent2">
+                <a:shade val="50000"/>
+              </a:schemeClr>
+            </a:lnRef>
+            <a:fillRef idx="1">
+              <a:schemeClr val="accent2"/>
+            </a:fillRef>
+            <a:effectRef idx="0">
+              <a:schemeClr val="accent2"/>
+            </a:effectRef>
+            <a:fontRef idx="minor">
+              <a:schemeClr val="lt1"/>
+            </a:fontRef>
+          </p:style>
+          <p:txBody>
+            <a:bodyPr rot="0" spcFirstLastPara="0" vertOverflow="overflow" horzOverflow="overflow" vert="horz" wrap="square" lIns="0" tIns="0" rIns="0" bIns="0" numCol="1" spcCol="0" rtlCol="0" fromWordArt="0" anchor="ctr" anchorCtr="0" forceAA="0" compatLnSpc="1">
+              <a:prstTxWarp prst="textNoShape">
+                <a:avLst/>
+              </a:prstTxWarp>
+              <a:noAutofit/>
+            </a:bodyPr>
+            <a:lstStyle/>
+            <a:p>
+              <a:pPr algn="ctr"/>
+              <a:r>
+                <a:rPr lang="en-AU" sz="1050" b="1" u="sng" dirty="0">
+                  <a:latin typeface="Consolas" panose="020B0609020204030204" pitchFamily="49" charset="0"/>
+                  <a:ea typeface="Yu Gothic" panose="020B0400000000000000" pitchFamily="34" charset="-128"/>
+                </a:rPr>
+                <a:t>SS5</a:t>
+              </a:r>
+            </a:p>
+            <a:p>
+              <a:pPr algn="ctr"/>
+              <a:r>
+                <a:rPr lang="en-AU" sz="1050" dirty="0">
+                  <a:latin typeface="Consolas" panose="020B0609020204030204" pitchFamily="49" charset="0"/>
+                  <a:ea typeface="Yu Gothic" panose="020B0400000000000000" pitchFamily="34" charset="-128"/>
+                </a:rPr>
+                <a:t>Demonstrate functionality of subsystems / Adjust actuator position in response to system command</a:t>
+              </a:r>
+            </a:p>
+          </p:txBody>
+        </p:sp>
+        <p:cxnSp>
+          <p:nvCxnSpPr>
+            <p:cNvPr id="222" name="Connector: Elbow 221">
+              <a:extLst>
+                <a:ext uri="{FF2B5EF4-FFF2-40B4-BE49-F238E27FC236}">
+                  <a16:creationId xmlns:a16="http://schemas.microsoft.com/office/drawing/2014/main" id="{1895867F-856D-4EEF-B2E6-9C680E4C6470}"/>
+                </a:ext>
+              </a:extLst>
+            </p:cNvPr>
+            <p:cNvCxnSpPr>
+              <a:cxnSpLocks/>
+              <a:stCxn id="138" idx="1"/>
+              <a:endCxn id="107" idx="0"/>
+            </p:cNvCxnSpPr>
+            <p:nvPr/>
+          </p:nvCxnSpPr>
+          <p:spPr>
+            <a:xfrm rot="10800000" flipV="1">
+              <a:off x="6602834" y="3932870"/>
+              <a:ext cx="199398" cy="852093"/>
+            </a:xfrm>
+            <a:prstGeom prst="bentConnector2">
+              <a:avLst/>
+            </a:prstGeom>
+            <a:ln w="19050">
+              <a:headEnd type="none" w="med" len="med"/>
+              <a:tailEnd type="triangle" w="med" len="med"/>
+            </a:ln>
+          </p:spPr>
+          <p:style>
+            <a:lnRef idx="3">
+              <a:schemeClr val="dk1"/>
+            </a:lnRef>
+            <a:fillRef idx="0">
+              <a:schemeClr val="dk1"/>
+            </a:fillRef>
+            <a:effectRef idx="2">
+              <a:schemeClr val="dk1"/>
+            </a:effectRef>
+            <a:fontRef idx="minor">
+              <a:schemeClr val="tx1"/>
+            </a:fontRef>
+          </p:style>
+        </p:cxnSp>
+        <p:grpSp>
+          <p:nvGrpSpPr>
+            <p:cNvPr id="239" name="Group 238">
+              <a:extLst>
+                <a:ext uri="{FF2B5EF4-FFF2-40B4-BE49-F238E27FC236}">
+                  <a16:creationId xmlns:a16="http://schemas.microsoft.com/office/drawing/2014/main" id="{3527F871-6105-4D16-87FD-C4FA4498A5F7}"/>
+                </a:ext>
+              </a:extLst>
+            </p:cNvPr>
+            <p:cNvGrpSpPr/>
+            <p:nvPr/>
+          </p:nvGrpSpPr>
+          <p:grpSpPr>
+            <a:xfrm>
+              <a:off x="1618592" y="1392200"/>
+              <a:ext cx="7276965" cy="3811006"/>
+              <a:chOff x="1618592" y="1392200"/>
+              <a:chExt cx="7276965" cy="3811006"/>
+            </a:xfrm>
+          </p:grpSpPr>
+          <p:grpSp>
+            <p:nvGrpSpPr>
+              <p:cNvPr id="198" name="Group 197">
+                <a:extLst>
+                  <a:ext uri="{FF2B5EF4-FFF2-40B4-BE49-F238E27FC236}">
+                    <a16:creationId xmlns:a16="http://schemas.microsoft.com/office/drawing/2014/main" id="{436F8195-F77D-4299-9D33-F78000880BE0}"/>
+                  </a:ext>
+                </a:extLst>
+              </p:cNvPr>
+              <p:cNvGrpSpPr/>
+              <p:nvPr/>
+            </p:nvGrpSpPr>
+            <p:grpSpPr>
+              <a:xfrm>
+                <a:off x="1618592" y="2662535"/>
+                <a:ext cx="7276965" cy="2540671"/>
+                <a:chOff x="1618592" y="2662535"/>
+                <a:chExt cx="7276965" cy="2540671"/>
+              </a:xfrm>
+            </p:grpSpPr>
+            <p:cxnSp>
+              <p:nvCxnSpPr>
+                <p:cNvPr id="173" name="Connector: Elbow 172">
+                  <a:extLst>
+                    <a:ext uri="{FF2B5EF4-FFF2-40B4-BE49-F238E27FC236}">
+                      <a16:creationId xmlns:a16="http://schemas.microsoft.com/office/drawing/2014/main" id="{9A769460-650C-41A5-B8D6-60CC7992821D}"/>
+                    </a:ext>
+                  </a:extLst>
+                </p:cNvPr>
+                <p:cNvCxnSpPr>
+                  <a:stCxn id="131" idx="0"/>
+                  <a:endCxn id="135" idx="1"/>
+                </p:cNvCxnSpPr>
+                <p:nvPr/>
+              </p:nvCxnSpPr>
+              <p:spPr>
+                <a:xfrm rot="5400000" flipH="1" flipV="1">
+                  <a:off x="1707598" y="3843866"/>
+                  <a:ext cx="852093" cy="1030105"/>
+                </a:xfrm>
+                <a:prstGeom prst="bentConnector2">
+                  <a:avLst/>
+                </a:prstGeom>
+                <a:ln w="19050">
+                  <a:headEnd type="none" w="med" len="med"/>
+                  <a:tailEnd type="triangle" w="med" len="med"/>
+                </a:ln>
+              </p:spPr>
+              <p:style>
+                <a:lnRef idx="3">
+                  <a:schemeClr val="dk1"/>
+                </a:lnRef>
+                <a:fillRef idx="0">
+                  <a:schemeClr val="dk1"/>
+                </a:fillRef>
+                <a:effectRef idx="2">
+                  <a:schemeClr val="dk1"/>
+                </a:effectRef>
+                <a:fontRef idx="minor">
+                  <a:schemeClr val="tx1"/>
+                </a:fontRef>
+              </p:style>
+            </p:cxnSp>
+            <p:cxnSp>
+              <p:nvCxnSpPr>
+                <p:cNvPr id="175" name="Connector: Elbow 174">
+                  <a:extLst>
+                    <a:ext uri="{FF2B5EF4-FFF2-40B4-BE49-F238E27FC236}">
+                      <a16:creationId xmlns:a16="http://schemas.microsoft.com/office/drawing/2014/main" id="{92ED95F1-5100-4661-A3CB-E80BD69B29C5}"/>
+                    </a:ext>
+                  </a:extLst>
+                </p:cNvPr>
+                <p:cNvCxnSpPr>
+                  <a:stCxn id="129" idx="0"/>
+                  <a:endCxn id="135" idx="3"/>
+                </p:cNvCxnSpPr>
+                <p:nvPr/>
+              </p:nvCxnSpPr>
+              <p:spPr>
+                <a:xfrm rot="16200000" flipV="1">
+                  <a:off x="4000322" y="3843865"/>
+                  <a:ext cx="852093" cy="1030105"/>
+                </a:xfrm>
+                <a:prstGeom prst="bentConnector2">
+                  <a:avLst/>
+                </a:prstGeom>
+                <a:ln w="19050">
+                  <a:headEnd type="none" w="med" len="med"/>
+                  <a:tailEnd type="triangle" w="med" len="med"/>
+                </a:ln>
+              </p:spPr>
+              <p:style>
+                <a:lnRef idx="3">
+                  <a:schemeClr val="dk1"/>
+                </a:lnRef>
+                <a:fillRef idx="0">
+                  <a:schemeClr val="dk1"/>
+                </a:fillRef>
+                <a:effectRef idx="2">
+                  <a:schemeClr val="dk1"/>
+                </a:effectRef>
+                <a:fontRef idx="minor">
+                  <a:schemeClr val="tx1"/>
+                </a:fontRef>
+              </p:style>
+            </p:cxnSp>
+            <p:cxnSp>
+              <p:nvCxnSpPr>
+                <p:cNvPr id="179" name="Connector: Elbow 178">
+                  <a:extLst>
+                    <a:ext uri="{FF2B5EF4-FFF2-40B4-BE49-F238E27FC236}">
+                      <a16:creationId xmlns:a16="http://schemas.microsoft.com/office/drawing/2014/main" id="{BBEED4C5-8666-4B5F-94CA-BC0DAFC33FC7}"/>
+                    </a:ext>
+                  </a:extLst>
+                </p:cNvPr>
+                <p:cNvCxnSpPr>
+                  <a:stCxn id="135" idx="0"/>
+                  <a:endCxn id="138" idx="0"/>
+                </p:cNvCxnSpPr>
+                <p:nvPr/>
+              </p:nvCxnSpPr>
+              <p:spPr>
+                <a:xfrm rot="5400000" flipH="1" flipV="1">
+                  <a:off x="5356773" y="1437862"/>
+                  <a:ext cx="12700" cy="4153535"/>
+                </a:xfrm>
+                <a:prstGeom prst="bentConnector3">
+                  <a:avLst>
+                    <a:gd name="adj1" fmla="val 1800000"/>
+                  </a:avLst>
+                </a:prstGeom>
+                <a:ln w="19050">
+                  <a:headEnd type="none" w="med" len="med"/>
+                  <a:tailEnd type="triangle" w="med" len="med"/>
+                </a:ln>
+              </p:spPr>
+              <p:style>
+                <a:lnRef idx="3">
+                  <a:schemeClr val="dk1"/>
+                </a:lnRef>
+                <a:fillRef idx="0">
+                  <a:schemeClr val="dk1"/>
+                </a:fillRef>
+                <a:effectRef idx="2">
+                  <a:schemeClr val="dk1"/>
+                </a:effectRef>
+                <a:fontRef idx="minor">
+                  <a:schemeClr val="tx1"/>
+                </a:fontRef>
+              </p:style>
+            </p:cxnSp>
+            <p:cxnSp>
+              <p:nvCxnSpPr>
+                <p:cNvPr id="181" name="Connector: Elbow 180">
+                  <a:extLst>
+                    <a:ext uri="{FF2B5EF4-FFF2-40B4-BE49-F238E27FC236}">
+                      <a16:creationId xmlns:a16="http://schemas.microsoft.com/office/drawing/2014/main" id="{ED09E16A-E6C0-468F-8947-689863BB976F}"/>
+                    </a:ext>
+                  </a:extLst>
+                </p:cNvPr>
+                <p:cNvCxnSpPr>
+                  <a:cxnSpLocks/>
+                  <a:stCxn id="108" idx="0"/>
+                  <a:endCxn id="138" idx="3"/>
+                </p:cNvCxnSpPr>
+                <p:nvPr/>
+              </p:nvCxnSpPr>
+              <p:spPr>
+                <a:xfrm rot="16200000" flipV="1">
+                  <a:off x="7738503" y="4259219"/>
+                  <a:ext cx="852093" cy="199398"/>
+                </a:xfrm>
+                <a:prstGeom prst="bentConnector2">
+                  <a:avLst/>
+                </a:prstGeom>
+                <a:ln w="19050">
+                  <a:headEnd type="none" w="med" len="med"/>
+                  <a:tailEnd type="triangle" w="med" len="med"/>
+                </a:ln>
+              </p:spPr>
+              <p:style>
+                <a:lnRef idx="3">
+                  <a:schemeClr val="dk1"/>
+                </a:lnRef>
+                <a:fillRef idx="0">
+                  <a:schemeClr val="dk1"/>
+                </a:fillRef>
+                <a:effectRef idx="2">
+                  <a:schemeClr val="dk1"/>
+                </a:effectRef>
+                <a:fontRef idx="minor">
+                  <a:schemeClr val="tx1"/>
+                </a:fontRef>
+              </p:style>
+            </p:cxnSp>
+            <p:cxnSp>
+              <p:nvCxnSpPr>
+                <p:cNvPr id="187" name="Connector: Elbow 186">
+                  <a:extLst>
+                    <a:ext uri="{FF2B5EF4-FFF2-40B4-BE49-F238E27FC236}">
+                      <a16:creationId xmlns:a16="http://schemas.microsoft.com/office/drawing/2014/main" id="{D84A7D37-E860-4758-AB65-D10104C51098}"/>
+                    </a:ext>
+                  </a:extLst>
+                </p:cNvPr>
+                <p:cNvCxnSpPr>
+                  <a:stCxn id="108" idx="3"/>
+                  <a:endCxn id="100" idx="3"/>
+                </p:cNvCxnSpPr>
+                <p:nvPr/>
+              </p:nvCxnSpPr>
+              <p:spPr>
+                <a:xfrm flipH="1" flipV="1">
+                  <a:off x="8064850" y="2662535"/>
+                  <a:ext cx="830707" cy="2540671"/>
+                </a:xfrm>
+                <a:prstGeom prst="bentConnector3">
+                  <a:avLst>
+                    <a:gd name="adj1" fmla="val -27519"/>
+                  </a:avLst>
+                </a:prstGeom>
+                <a:ln w="19050">
+                  <a:headEnd type="none" w="med" len="med"/>
+                  <a:tailEnd type="triangle" w="med" len="med"/>
+                </a:ln>
+              </p:spPr>
+              <p:style>
+                <a:lnRef idx="3">
+                  <a:schemeClr val="dk1"/>
+                </a:lnRef>
+                <a:fillRef idx="0">
+                  <a:schemeClr val="dk1"/>
+                </a:fillRef>
+                <a:effectRef idx="2">
+                  <a:schemeClr val="dk1"/>
+                </a:effectRef>
+                <a:fontRef idx="minor">
+                  <a:schemeClr val="tx1"/>
+                </a:fontRef>
+              </p:style>
+            </p:cxnSp>
+          </p:grpSp>
+          <p:cxnSp>
+            <p:nvCxnSpPr>
+              <p:cNvPr id="209" name="Connector: Elbow 208">
+                <a:extLst>
+                  <a:ext uri="{FF2B5EF4-FFF2-40B4-BE49-F238E27FC236}">
+                    <a16:creationId xmlns:a16="http://schemas.microsoft.com/office/drawing/2014/main" id="{52873DC3-5262-4C0D-A853-491E952EAC36}"/>
+                  </a:ext>
+                </a:extLst>
+              </p:cNvPr>
+              <p:cNvCxnSpPr>
+                <a:cxnSpLocks/>
+                <a:stCxn id="206" idx="0"/>
+                <a:endCxn id="99" idx="1"/>
+              </p:cNvCxnSpPr>
+              <p:nvPr/>
+            </p:nvCxnSpPr>
+            <p:spPr>
+              <a:xfrm rot="5400000" flipH="1" flipV="1">
+                <a:off x="3374801" y="1297404"/>
+                <a:ext cx="852094" cy="1041685"/>
+              </a:xfrm>
+              <a:prstGeom prst="bentConnector2">
+                <a:avLst/>
+              </a:prstGeom>
+              <a:ln w="19050">
+                <a:headEnd type="none" w="med" len="med"/>
+                <a:tailEnd type="triangle" w="med" len="med"/>
+              </a:ln>
+            </p:spPr>
+            <p:style>
+              <a:lnRef idx="3">
+                <a:schemeClr val="dk1"/>
+              </a:lnRef>
+              <a:fillRef idx="0">
+                <a:schemeClr val="dk1"/>
+              </a:fillRef>
+              <a:effectRef idx="2">
+                <a:schemeClr val="dk1"/>
+              </a:effectRef>
+              <a:fontRef idx="minor">
+                <a:schemeClr val="tx1"/>
+              </a:fontRef>
+            </p:style>
+          </p:cxnSp>
+          <p:cxnSp>
+            <p:nvCxnSpPr>
+              <p:cNvPr id="237" name="Straight Arrow Connector 236">
+                <a:extLst>
+                  <a:ext uri="{FF2B5EF4-FFF2-40B4-BE49-F238E27FC236}">
+                    <a16:creationId xmlns:a16="http://schemas.microsoft.com/office/drawing/2014/main" id="{5A4FBF80-8923-4584-8E2F-8482DBF793AF}"/>
+                  </a:ext>
+                </a:extLst>
+              </p:cNvPr>
+              <p:cNvCxnSpPr>
+                <a:cxnSpLocks/>
+                <a:stCxn id="100" idx="1"/>
+                <a:endCxn id="206" idx="3"/>
+              </p:cNvCxnSpPr>
+              <p:nvPr/>
+            </p:nvCxnSpPr>
+            <p:spPr>
+              <a:xfrm flipH="1">
+                <a:off x="4310111" y="2662535"/>
+                <a:ext cx="2492121" cy="0"/>
+              </a:xfrm>
+              <a:prstGeom prst="straightConnector1">
+                <a:avLst/>
+              </a:prstGeom>
+              <a:ln w="19050">
+                <a:headEnd type="none" w="med" len="med"/>
+                <a:tailEnd type="triangle" w="med" len="med"/>
+              </a:ln>
+            </p:spPr>
+            <p:style>
+              <a:lnRef idx="3">
+                <a:schemeClr val="dk1"/>
+              </a:lnRef>
+              <a:fillRef idx="0">
+                <a:schemeClr val="dk1"/>
+              </a:fillRef>
+              <a:effectRef idx="2">
+                <a:schemeClr val="dk1"/>
+              </a:effectRef>
+              <a:fontRef idx="minor">
+                <a:schemeClr val="tx1"/>
+              </a:fontRef>
+            </p:style>
+          </p:cxnSp>
+        </p:grpSp>
+        <p:sp>
+          <p:nvSpPr>
+            <p:cNvPr id="131" name="Flowchart: Alternate Process 130">
+              <a:extLst>
+                <a:ext uri="{FF2B5EF4-FFF2-40B4-BE49-F238E27FC236}">
+                  <a16:creationId xmlns:a16="http://schemas.microsoft.com/office/drawing/2014/main" id="{F8BB0C74-981E-4CEB-8861-7FFF7D039208}"/>
+                </a:ext>
+              </a:extLst>
+            </p:cNvPr>
+            <p:cNvSpPr/>
+            <p:nvPr/>
+          </p:nvSpPr>
+          <p:spPr>
+            <a:xfrm>
+              <a:off x="987283" y="4784964"/>
+              <a:ext cx="1262618" cy="836484"/>
+            </a:xfrm>
+            <a:prstGeom prst="flowChartAlternateProcess">
+              <a:avLst/>
+            </a:prstGeom>
+            <a:ln w="19050"/>
+          </p:spPr>
+          <p:style>
+            <a:lnRef idx="2">
+              <a:schemeClr val="accent4">
+                <a:shade val="50000"/>
+              </a:schemeClr>
+            </a:lnRef>
+            <a:fillRef idx="1">
+              <a:schemeClr val="accent4"/>
+            </a:fillRef>
+            <a:effectRef idx="0">
+              <a:schemeClr val="accent4"/>
+            </a:effectRef>
+            <a:fontRef idx="minor">
+              <a:schemeClr val="lt1"/>
+            </a:fontRef>
+          </p:style>
+          <p:txBody>
+            <a:bodyPr rot="0" spcFirstLastPara="0" vertOverflow="overflow" horzOverflow="overflow" vert="horz" wrap="square" lIns="0" tIns="0" rIns="0" bIns="0" numCol="1" spcCol="0" rtlCol="0" fromWordArt="0" anchor="ctr" anchorCtr="0" forceAA="0" compatLnSpc="1">
+              <a:prstTxWarp prst="textNoShape">
+                <a:avLst/>
+              </a:prstTxWarp>
+              <a:noAutofit/>
+            </a:bodyPr>
+            <a:lstStyle/>
+            <a:p>
+              <a:pPr algn="ctr"/>
+              <a:r>
+                <a:rPr lang="en-AU" sz="1050" b="1" u="sng" dirty="0">
+                  <a:latin typeface="Consolas" panose="020B0609020204030204" pitchFamily="49" charset="0"/>
+                  <a:ea typeface="Yu Gothic" panose="020B0400000000000000" pitchFamily="34" charset="-128"/>
+                </a:rPr>
+                <a:t>SS1</a:t>
+              </a:r>
+            </a:p>
+            <a:p>
+              <a:pPr algn="ctr"/>
+              <a:r>
+                <a:rPr lang="en-AU" sz="1050" dirty="0">
+                  <a:latin typeface="Consolas" panose="020B0609020204030204" pitchFamily="49" charset="0"/>
+                  <a:ea typeface="Yu Gothic" panose="020B0400000000000000" pitchFamily="34" charset="-128"/>
+                </a:rPr>
+                <a:t>Observe current state of pilot/desired state of suit</a:t>
+              </a:r>
+            </a:p>
+          </p:txBody>
+        </p:sp>
+        <p:sp>
+          <p:nvSpPr>
+            <p:cNvPr id="129" name="Flowchart: Alternate Process 128">
+              <a:extLst>
+                <a:ext uri="{FF2B5EF4-FFF2-40B4-BE49-F238E27FC236}">
+                  <a16:creationId xmlns:a16="http://schemas.microsoft.com/office/drawing/2014/main" id="{7B2AFD33-EE55-4B57-83CF-2B962FCC1FAA}"/>
+                </a:ext>
+              </a:extLst>
+            </p:cNvPr>
+            <p:cNvSpPr/>
+            <p:nvPr/>
+          </p:nvSpPr>
+          <p:spPr>
+            <a:xfrm>
+              <a:off x="4310111" y="4784964"/>
+              <a:ext cx="1262618" cy="836484"/>
+            </a:xfrm>
+            <a:prstGeom prst="flowChartAlternateProcess">
+              <a:avLst/>
+            </a:prstGeom>
+            <a:ln w="19050"/>
+          </p:spPr>
+          <p:style>
+            <a:lnRef idx="2">
+              <a:schemeClr val="accent6">
+                <a:shade val="50000"/>
+              </a:schemeClr>
+            </a:lnRef>
+            <a:fillRef idx="1">
+              <a:schemeClr val="accent6"/>
+            </a:fillRef>
+            <a:effectRef idx="0">
+              <a:schemeClr val="accent6"/>
+            </a:effectRef>
+            <a:fontRef idx="minor">
+              <a:schemeClr val="lt1"/>
+            </a:fontRef>
+          </p:style>
+          <p:txBody>
+            <a:bodyPr rot="0" spcFirstLastPara="0" vertOverflow="overflow" horzOverflow="overflow" vert="horz" wrap="square" lIns="0" tIns="0" rIns="0" bIns="0" numCol="1" spcCol="0" rtlCol="0" fromWordArt="0" anchor="ctr" anchorCtr="0" forceAA="0" compatLnSpc="1">
+              <a:prstTxWarp prst="textNoShape">
+                <a:avLst/>
+              </a:prstTxWarp>
+              <a:noAutofit/>
+            </a:bodyPr>
+            <a:lstStyle/>
+            <a:p>
+              <a:pPr algn="ctr"/>
+              <a:r>
+                <a:rPr lang="en-AU" sz="1050" b="1" u="sng" dirty="0">
+                  <a:latin typeface="Consolas" panose="020B0609020204030204" pitchFamily="49" charset="0"/>
+                  <a:ea typeface="Yu Gothic" panose="020B0400000000000000" pitchFamily="34" charset="-128"/>
+                </a:rPr>
+                <a:t>SS2</a:t>
+              </a:r>
+            </a:p>
+            <a:p>
+              <a:pPr algn="ctr"/>
+              <a:r>
+                <a:rPr lang="en-AU" sz="1050" dirty="0">
+                  <a:latin typeface="Consolas" panose="020B0609020204030204" pitchFamily="49" charset="0"/>
+                  <a:ea typeface="Yu Gothic" panose="020B0400000000000000" pitchFamily="34" charset="-128"/>
+                </a:rPr>
+                <a:t>Observe current state of suit</a:t>
+              </a:r>
+            </a:p>
+          </p:txBody>
+        </p:sp>
+        <p:grpSp>
+          <p:nvGrpSpPr>
+            <p:cNvPr id="269" name="Group 268">
+              <a:extLst>
+                <a:ext uri="{FF2B5EF4-FFF2-40B4-BE49-F238E27FC236}">
+                  <a16:creationId xmlns:a16="http://schemas.microsoft.com/office/drawing/2014/main" id="{DD806521-8BB9-4552-868D-801D0D52B48C}"/>
+                </a:ext>
+              </a:extLst>
+            </p:cNvPr>
+            <p:cNvGrpSpPr/>
+            <p:nvPr/>
+          </p:nvGrpSpPr>
+          <p:grpSpPr>
+            <a:xfrm>
+              <a:off x="5971525" y="4784964"/>
+              <a:ext cx="2924032" cy="836484"/>
+              <a:chOff x="5971525" y="4784964"/>
+              <a:chExt cx="2924032" cy="836484"/>
+            </a:xfrm>
+          </p:grpSpPr>
+          <p:sp>
+            <p:nvSpPr>
+              <p:cNvPr id="107" name="Flowchart: Alternate Process 106">
+                <a:extLst>
+                  <a:ext uri="{FF2B5EF4-FFF2-40B4-BE49-F238E27FC236}">
+                    <a16:creationId xmlns:a16="http://schemas.microsoft.com/office/drawing/2014/main" id="{259B7BAD-CCEC-41BB-B18C-D3A427DB1465}"/>
+                  </a:ext>
+                </a:extLst>
+              </p:cNvPr>
+              <p:cNvSpPr/>
+              <p:nvPr/>
+            </p:nvSpPr>
+            <p:spPr>
+              <a:xfrm>
+                <a:off x="5971525" y="4784964"/>
+                <a:ext cx="1262618" cy="836484"/>
+              </a:xfrm>
+              <a:prstGeom prst="flowChartAlternateProcess">
+                <a:avLst/>
+              </a:prstGeom>
+              <a:ln w="19050"/>
+            </p:spPr>
+            <p:style>
+              <a:lnRef idx="2">
+                <a:schemeClr val="accent5">
+                  <a:shade val="50000"/>
+                </a:schemeClr>
+              </a:lnRef>
+              <a:fillRef idx="1">
+                <a:schemeClr val="accent5"/>
+              </a:fillRef>
+              <a:effectRef idx="0">
+                <a:schemeClr val="accent5"/>
+              </a:effectRef>
+              <a:fontRef idx="minor">
+                <a:schemeClr val="lt1"/>
+              </a:fontRef>
+            </p:style>
+            <p:txBody>
+              <a:bodyPr rot="0" spcFirstLastPara="0" vertOverflow="overflow" horzOverflow="overflow" vert="horz" wrap="square" lIns="0" tIns="0" rIns="0" bIns="0" numCol="1" spcCol="0" rtlCol="0" fromWordArt="0" anchor="ctr" anchorCtr="0" forceAA="0" compatLnSpc="1">
+                <a:prstTxWarp prst="textNoShape">
+                  <a:avLst/>
+                </a:prstTxWarp>
+                <a:noAutofit/>
+              </a:bodyPr>
+              <a:lstStyle/>
+              <a:p>
+                <a:pPr algn="ctr"/>
+                <a:r>
+                  <a:rPr lang="en-AU" sz="1050" b="1" u="sng" dirty="0">
+                    <a:latin typeface="Consolas" panose="020B0609020204030204" pitchFamily="49" charset="0"/>
+                    <a:ea typeface="Yu Gothic" panose="020B0400000000000000" pitchFamily="34" charset="-128"/>
+                  </a:rPr>
+                  <a:t>SS3</a:t>
+                </a:r>
+              </a:p>
+              <a:p>
+                <a:pPr algn="ctr"/>
+                <a:r>
+                  <a:rPr lang="en-AU" sz="1050" dirty="0">
+                    <a:latin typeface="Consolas" panose="020B0609020204030204" pitchFamily="49" charset="0"/>
+                    <a:ea typeface="Yu Gothic" panose="020B0400000000000000" pitchFamily="34" charset="-128"/>
+                  </a:rPr>
+                  <a:t>Determine action required</a:t>
+                </a:r>
+              </a:p>
+            </p:txBody>
+          </p:sp>
+          <p:sp>
+            <p:nvSpPr>
+              <p:cNvPr id="108" name="Flowchart: Alternate Process 107">
+                <a:extLst>
+                  <a:ext uri="{FF2B5EF4-FFF2-40B4-BE49-F238E27FC236}">
+                    <a16:creationId xmlns:a16="http://schemas.microsoft.com/office/drawing/2014/main" id="{0B0BAB75-FAFB-4A7F-9DC3-A34EA7E2DF36}"/>
+                  </a:ext>
+                </a:extLst>
+              </p:cNvPr>
+              <p:cNvSpPr/>
+              <p:nvPr/>
+            </p:nvSpPr>
+            <p:spPr>
+              <a:xfrm>
+                <a:off x="7632939" y="4784964"/>
+                <a:ext cx="1262618" cy="836484"/>
+              </a:xfrm>
+              <a:prstGeom prst="flowChartAlternateProcess">
+                <a:avLst/>
+              </a:prstGeom>
+              <a:solidFill>
+                <a:srgbClr val="AC75D5"/>
+              </a:solidFill>
+              <a:ln w="19050">
+                <a:solidFill>
+                  <a:srgbClr val="7030A0"/>
+                </a:solidFill>
+              </a:ln>
+            </p:spPr>
+            <p:style>
+              <a:lnRef idx="2">
+                <a:schemeClr val="accent5">
+                  <a:shade val="50000"/>
+                </a:schemeClr>
+              </a:lnRef>
+              <a:fillRef idx="1">
+                <a:schemeClr val="accent5"/>
+              </a:fillRef>
+              <a:effectRef idx="0">
+                <a:schemeClr val="accent5"/>
+              </a:effectRef>
+              <a:fontRef idx="minor">
+                <a:schemeClr val="lt1"/>
+              </a:fontRef>
+            </p:style>
+            <p:txBody>
+              <a:bodyPr rot="0" spcFirstLastPara="0" vertOverflow="overflow" horzOverflow="overflow" vert="horz" wrap="square" lIns="0" tIns="0" rIns="0" bIns="0" numCol="1" spcCol="0" rtlCol="0" fromWordArt="0" anchor="ctr" anchorCtr="0" forceAA="0" compatLnSpc="1">
+                <a:prstTxWarp prst="textNoShape">
+                  <a:avLst/>
+                </a:prstTxWarp>
+                <a:noAutofit/>
+              </a:bodyPr>
+              <a:lstStyle/>
+              <a:p>
+                <a:pPr algn="ctr"/>
+                <a:r>
+                  <a:rPr lang="en-AU" sz="1050" b="1" u="sng" dirty="0">
+                    <a:latin typeface="Consolas" panose="020B0609020204030204" pitchFamily="49" charset="0"/>
+                    <a:ea typeface="Yu Gothic" panose="020B0400000000000000" pitchFamily="34" charset="-128"/>
+                  </a:rPr>
+                  <a:t>SS4</a:t>
+                </a:r>
+              </a:p>
+              <a:p>
+                <a:pPr algn="ctr"/>
+                <a:r>
+                  <a:rPr lang="en-AU" sz="1050" dirty="0">
+                    <a:latin typeface="Consolas" panose="020B0609020204030204" pitchFamily="49" charset="0"/>
+                    <a:ea typeface="Yu Gothic" panose="020B0400000000000000" pitchFamily="34" charset="-128"/>
+                  </a:rPr>
+                  <a:t>Communicate Desired Action</a:t>
+                </a:r>
+              </a:p>
+            </p:txBody>
+          </p:sp>
+        </p:grpSp>
+        <p:sp>
+          <p:nvSpPr>
+            <p:cNvPr id="229" name="Flowchart: Alternate Process 228">
+              <a:extLst>
+                <a:ext uri="{FF2B5EF4-FFF2-40B4-BE49-F238E27FC236}">
+                  <a16:creationId xmlns:a16="http://schemas.microsoft.com/office/drawing/2014/main" id="{AA77A068-EC51-43D2-9450-A47D22F5D0BB}"/>
+                </a:ext>
+              </a:extLst>
+            </p:cNvPr>
+            <p:cNvSpPr/>
+            <p:nvPr/>
+          </p:nvSpPr>
+          <p:spPr>
+            <a:xfrm>
+              <a:off x="2648697" y="4784964"/>
+              <a:ext cx="1262618" cy="836484"/>
+            </a:xfrm>
+            <a:prstGeom prst="flowChartAlternateProcess">
+              <a:avLst/>
+            </a:prstGeom>
+            <a:ln w="19050"/>
+          </p:spPr>
+          <p:style>
+            <a:lnRef idx="2">
+              <a:schemeClr val="dk1"/>
+            </a:lnRef>
+            <a:fillRef idx="1">
+              <a:schemeClr val="lt1"/>
+            </a:fillRef>
+            <a:effectRef idx="0">
+              <a:schemeClr val="dk1"/>
+            </a:effectRef>
+            <a:fontRef idx="minor">
+              <a:schemeClr val="dk1"/>
+            </a:fontRef>
+          </p:style>
+          <p:txBody>
+            <a:bodyPr rot="0" spcFirstLastPara="0" vertOverflow="overflow" horzOverflow="overflow" vert="horz" wrap="square" lIns="0" tIns="0" rIns="0" bIns="0" numCol="1" spcCol="0" rtlCol="0" fromWordArt="0" anchor="ctr" anchorCtr="0" forceAA="0" compatLnSpc="1">
+              <a:prstTxWarp prst="textNoShape">
+                <a:avLst/>
+              </a:prstTxWarp>
+              <a:noAutofit/>
+            </a:bodyPr>
+            <a:lstStyle/>
+            <a:p>
+              <a:pPr algn="ctr"/>
+              <a:r>
+                <a:rPr lang="en-AU" sz="1050" dirty="0">
+                  <a:latin typeface="Consolas" panose="020B0609020204030204" pitchFamily="49" charset="0"/>
+                  <a:ea typeface="Yu Gothic" panose="020B0400000000000000" pitchFamily="34" charset="-128"/>
+                </a:rPr>
+                <a:t>Sense Relevant Locations</a:t>
+              </a:r>
+            </a:p>
+          </p:txBody>
+        </p:sp>
+        <p:cxnSp>
+          <p:nvCxnSpPr>
+            <p:cNvPr id="245" name="Straight Arrow Connector 244">
+              <a:extLst>
+                <a:ext uri="{FF2B5EF4-FFF2-40B4-BE49-F238E27FC236}">
+                  <a16:creationId xmlns:a16="http://schemas.microsoft.com/office/drawing/2014/main" id="{7D547153-46F4-4D45-817D-4DDCC4E46C5A}"/>
+                </a:ext>
+              </a:extLst>
+            </p:cNvPr>
+            <p:cNvCxnSpPr>
+              <a:cxnSpLocks/>
+              <a:stCxn id="229" idx="1"/>
+              <a:endCxn id="131" idx="3"/>
+            </p:cNvCxnSpPr>
+            <p:nvPr/>
+          </p:nvCxnSpPr>
+          <p:spPr>
+            <a:xfrm flipH="1">
+              <a:off x="2249901" y="5203206"/>
+              <a:ext cx="398796" cy="0"/>
+            </a:xfrm>
+            <a:prstGeom prst="straightConnector1">
+              <a:avLst/>
+            </a:prstGeom>
+            <a:ln w="19050">
+              <a:headEnd type="none" w="med" len="med"/>
+              <a:tailEnd type="triangle" w="med" len="med"/>
+            </a:ln>
+          </p:spPr>
+          <p:style>
+            <a:lnRef idx="3">
+              <a:schemeClr val="dk1"/>
+            </a:lnRef>
+            <a:fillRef idx="0">
+              <a:schemeClr val="dk1"/>
+            </a:fillRef>
+            <a:effectRef idx="2">
+              <a:schemeClr val="dk1"/>
+            </a:effectRef>
+            <a:fontRef idx="minor">
+              <a:schemeClr val="tx1"/>
+            </a:fontRef>
+          </p:style>
+        </p:cxnSp>
+        <p:cxnSp>
+          <p:nvCxnSpPr>
+            <p:cNvPr id="247" name="Straight Arrow Connector 246">
+              <a:extLst>
+                <a:ext uri="{FF2B5EF4-FFF2-40B4-BE49-F238E27FC236}">
+                  <a16:creationId xmlns:a16="http://schemas.microsoft.com/office/drawing/2014/main" id="{4EA88DEB-73AF-42E2-99E4-2E7E8FD0D8D2}"/>
+                </a:ext>
+              </a:extLst>
+            </p:cNvPr>
+            <p:cNvCxnSpPr>
+              <a:cxnSpLocks/>
+              <a:stCxn id="229" idx="3"/>
+              <a:endCxn id="129" idx="1"/>
+            </p:cNvCxnSpPr>
+            <p:nvPr/>
+          </p:nvCxnSpPr>
+          <p:spPr>
+            <a:xfrm>
+              <a:off x="3911315" y="5203206"/>
+              <a:ext cx="398796" cy="0"/>
+            </a:xfrm>
+            <a:prstGeom prst="straightConnector1">
+              <a:avLst/>
+            </a:prstGeom>
+            <a:ln w="19050">
+              <a:headEnd type="none" w="med" len="med"/>
+              <a:tailEnd type="triangle" w="med" len="med"/>
+            </a:ln>
+          </p:spPr>
+          <p:style>
+            <a:lnRef idx="3">
+              <a:schemeClr val="dk1"/>
+            </a:lnRef>
+            <a:fillRef idx="0">
+              <a:schemeClr val="dk1"/>
+            </a:fillRef>
+            <a:effectRef idx="2">
+              <a:schemeClr val="dk1"/>
+            </a:effectRef>
+            <a:fontRef idx="minor">
+              <a:schemeClr val="tx1"/>
+            </a:fontRef>
+          </p:style>
+        </p:cxnSp>
+        <p:cxnSp>
+          <p:nvCxnSpPr>
+            <p:cNvPr id="251" name="Straight Arrow Connector 250">
+              <a:extLst>
+                <a:ext uri="{FF2B5EF4-FFF2-40B4-BE49-F238E27FC236}">
+                  <a16:creationId xmlns:a16="http://schemas.microsoft.com/office/drawing/2014/main" id="{C5FEEB1E-D050-472C-AFC2-04123300390C}"/>
+                </a:ext>
+              </a:extLst>
+            </p:cNvPr>
+            <p:cNvCxnSpPr>
+              <a:cxnSpLocks/>
+              <a:stCxn id="107" idx="3"/>
+              <a:endCxn id="108" idx="1"/>
+            </p:cNvCxnSpPr>
+            <p:nvPr/>
+          </p:nvCxnSpPr>
+          <p:spPr>
+            <a:xfrm>
+              <a:off x="7234143" y="5203206"/>
+              <a:ext cx="398796" cy="0"/>
+            </a:xfrm>
+            <a:prstGeom prst="straightConnector1">
+              <a:avLst/>
+            </a:prstGeom>
+            <a:ln w="19050">
+              <a:headEnd type="none" w="med" len="med"/>
+              <a:tailEnd type="triangle" w="med" len="med"/>
+            </a:ln>
+          </p:spPr>
+          <p:style>
+            <a:lnRef idx="3">
+              <a:schemeClr val="dk1"/>
+            </a:lnRef>
+            <a:fillRef idx="0">
+              <a:schemeClr val="dk1"/>
+            </a:fillRef>
+            <a:effectRef idx="2">
+              <a:schemeClr val="dk1"/>
+            </a:effectRef>
+            <a:fontRef idx="minor">
+              <a:schemeClr val="tx1"/>
+            </a:fontRef>
+          </p:style>
+        </p:cxnSp>
+        <p:sp>
+          <p:nvSpPr>
+            <p:cNvPr id="273" name="Flowchart: Alternate Process 272">
+              <a:extLst>
+                <a:ext uri="{FF2B5EF4-FFF2-40B4-BE49-F238E27FC236}">
+                  <a16:creationId xmlns:a16="http://schemas.microsoft.com/office/drawing/2014/main" id="{9C90D6D9-E765-40F3-9491-0FE048714CCF}"/>
+                </a:ext>
+              </a:extLst>
+            </p:cNvPr>
+            <p:cNvSpPr/>
+            <p:nvPr/>
+          </p:nvSpPr>
+          <p:spPr>
+            <a:xfrm>
+              <a:off x="1211543" y="643926"/>
+              <a:ext cx="2699772" cy="262339"/>
+            </a:xfrm>
+            <a:prstGeom prst="flowChartAlternateProcess">
+              <a:avLst/>
+            </a:prstGeom>
+            <a:noFill/>
+            <a:ln>
+              <a:noFill/>
+            </a:ln>
+          </p:spPr>
+          <p:style>
+            <a:lnRef idx="2">
+              <a:schemeClr val="dk1"/>
+            </a:lnRef>
+            <a:fillRef idx="1">
+              <a:schemeClr val="lt1"/>
+            </a:fillRef>
+            <a:effectRef idx="0">
+              <a:schemeClr val="dk1"/>
+            </a:effectRef>
+            <a:fontRef idx="minor">
+              <a:schemeClr val="dk1"/>
+            </a:fontRef>
+          </p:style>
+          <p:txBody>
+            <a:bodyPr rot="0" spcFirstLastPara="0" vertOverflow="overflow" horzOverflow="overflow" vert="horz" wrap="square" lIns="0" tIns="0" rIns="0" bIns="0" numCol="1" spcCol="0" rtlCol="0" fromWordArt="0" anchor="ctr" anchorCtr="0" forceAA="0" compatLnSpc="1">
+              <a:prstTxWarp prst="textNoShape">
+                <a:avLst/>
+              </a:prstTxWarp>
+              <a:noAutofit/>
+            </a:bodyPr>
+            <a:lstStyle/>
+            <a:p>
+              <a:r>
+                <a:rPr lang="en-AU" sz="1200" dirty="0">
+                  <a:solidFill>
+                    <a:schemeClr val="accent6"/>
+                  </a:solidFill>
+                  <a:latin typeface="Consolas" panose="020B0609020204030204" pitchFamily="49" charset="0"/>
+                  <a:ea typeface="Yu Gothic" panose="020B0400000000000000" pitchFamily="34" charset="-128"/>
+                </a:rPr>
+                <a:t>Actuation</a:t>
+              </a:r>
+            </a:p>
+          </p:txBody>
+        </p:sp>
+        <p:sp>
+          <p:nvSpPr>
+            <p:cNvPr id="274" name="Flowchart: Alternate Process 273">
+              <a:extLst>
+                <a:ext uri="{FF2B5EF4-FFF2-40B4-BE49-F238E27FC236}">
+                  <a16:creationId xmlns:a16="http://schemas.microsoft.com/office/drawing/2014/main" id="{FA194ABC-450E-455E-B750-7D175FD523B7}"/>
+                </a:ext>
+              </a:extLst>
+            </p:cNvPr>
+            <p:cNvSpPr/>
+            <p:nvPr/>
+          </p:nvSpPr>
+          <p:spPr>
+            <a:xfrm>
+              <a:off x="1211543" y="5825526"/>
+              <a:ext cx="2699772" cy="262339"/>
+            </a:xfrm>
+            <a:prstGeom prst="flowChartAlternateProcess">
+              <a:avLst/>
+            </a:prstGeom>
+            <a:noFill/>
+            <a:ln>
+              <a:noFill/>
+            </a:ln>
+          </p:spPr>
+          <p:style>
+            <a:lnRef idx="2">
+              <a:schemeClr val="dk1"/>
+            </a:lnRef>
+            <a:fillRef idx="1">
+              <a:schemeClr val="lt1"/>
+            </a:fillRef>
+            <a:effectRef idx="0">
+              <a:schemeClr val="dk1"/>
+            </a:effectRef>
+            <a:fontRef idx="minor">
+              <a:schemeClr val="dk1"/>
+            </a:fontRef>
+          </p:style>
+          <p:txBody>
+            <a:bodyPr rot="0" spcFirstLastPara="0" vertOverflow="overflow" horzOverflow="overflow" vert="horz" wrap="square" lIns="0" tIns="0" rIns="0" bIns="0" numCol="1" spcCol="0" rtlCol="0" fromWordArt="0" anchor="ctr" anchorCtr="0" forceAA="0" compatLnSpc="1">
+              <a:prstTxWarp prst="textNoShape">
+                <a:avLst/>
+              </a:prstTxWarp>
+              <a:noAutofit/>
+            </a:bodyPr>
+            <a:lstStyle/>
+            <a:p>
+              <a:r>
+                <a:rPr lang="en-AU" sz="1200" dirty="0">
+                  <a:solidFill>
+                    <a:schemeClr val="accent5"/>
+                  </a:solidFill>
+                  <a:latin typeface="Consolas" panose="020B0609020204030204" pitchFamily="49" charset="0"/>
+                  <a:ea typeface="Yu Gothic" panose="020B0400000000000000" pitchFamily="34" charset="-128"/>
+                </a:rPr>
+                <a:t>Perception</a:t>
+              </a:r>
+            </a:p>
+          </p:txBody>
+        </p:sp>
+        <p:sp>
+          <p:nvSpPr>
+            <p:cNvPr id="275" name="Flowchart: Alternate Process 274">
+              <a:extLst>
+                <a:ext uri="{FF2B5EF4-FFF2-40B4-BE49-F238E27FC236}">
+                  <a16:creationId xmlns:a16="http://schemas.microsoft.com/office/drawing/2014/main" id="{2443E19B-34EB-4528-BF1A-CCCDD788C1A4}"/>
+                </a:ext>
+              </a:extLst>
+            </p:cNvPr>
+            <p:cNvSpPr/>
+            <p:nvPr/>
+          </p:nvSpPr>
+          <p:spPr>
+            <a:xfrm>
+              <a:off x="6231424" y="1849489"/>
+              <a:ext cx="2699772" cy="262339"/>
+            </a:xfrm>
+            <a:prstGeom prst="flowChartAlternateProcess">
+              <a:avLst/>
+            </a:prstGeom>
+            <a:noFill/>
+            <a:ln>
+              <a:noFill/>
+            </a:ln>
+          </p:spPr>
+          <p:style>
+            <a:lnRef idx="2">
+              <a:schemeClr val="dk1"/>
+            </a:lnRef>
+            <a:fillRef idx="1">
+              <a:schemeClr val="lt1"/>
+            </a:fillRef>
+            <a:effectRef idx="0">
+              <a:schemeClr val="dk1"/>
+            </a:effectRef>
+            <a:fontRef idx="minor">
+              <a:schemeClr val="dk1"/>
+            </a:fontRef>
+          </p:style>
+          <p:txBody>
+            <a:bodyPr rot="0" spcFirstLastPara="0" vertOverflow="overflow" horzOverflow="overflow" vert="horz" wrap="square" lIns="0" tIns="0" rIns="0" bIns="0" numCol="1" spcCol="0" rtlCol="0" fromWordArt="0" anchor="ctr" anchorCtr="0" forceAA="0" compatLnSpc="1">
+              <a:prstTxWarp prst="textNoShape">
+                <a:avLst/>
+              </a:prstTxWarp>
+              <a:noAutofit/>
+            </a:bodyPr>
+            <a:lstStyle/>
+            <a:p>
+              <a:r>
+                <a:rPr lang="en-AU" sz="1200" dirty="0">
+                  <a:solidFill>
+                    <a:schemeClr val="accent2"/>
+                  </a:solidFill>
+                  <a:latin typeface="Consolas" panose="020B0609020204030204" pitchFamily="49" charset="0"/>
+                  <a:ea typeface="Yu Gothic" panose="020B0400000000000000" pitchFamily="34" charset="-128"/>
+                </a:rPr>
+                <a:t>Controls</a:t>
+              </a:r>
+            </a:p>
+          </p:txBody>
+        </p:sp>
+      </p:grpSp>
     </p:spTree>
     <p:extLst>
       <p:ext uri="{BB962C8B-B14F-4D97-AF65-F5344CB8AC3E}">
         <p14:creationId xmlns:p14="http://schemas.microsoft.com/office/powerpoint/2010/main" val="3555961788"/>
+      </p:ext>
+    </p:extLst>
+  </p:cSld>
+  <p:clrMapOvr>
+    <a:masterClrMapping/>
+  </p:clrMapOvr>
+</p:sld>
+</file>
+
+<file path=ppt/slides/slide22.xml><?xml version="1.0" encoding="utf-8"?>
+<p:sld xmlns:a="http://schemas.openxmlformats.org/drawingml/2006/main" xmlns:r="http://schemas.openxmlformats.org/officeDocument/2006/relationships" xmlns:p="http://schemas.openxmlformats.org/presentationml/2006/main">
+  <p:cSld>
+    <p:spTree>
+      <p:nvGrpSpPr>
+        <p:cNvPr id="1" name=""/>
+        <p:cNvGrpSpPr/>
+        <p:nvPr/>
+      </p:nvGrpSpPr>
+      <p:grpSpPr>
+        <a:xfrm>
+          <a:off x="0" y="0"/>
+          <a:ext cx="0" cy="0"/>
+          <a:chOff x="0" y="0"/>
+          <a:chExt cx="0" cy="0"/>
+        </a:xfrm>
+      </p:grpSpPr>
+      <p:sp>
+        <p:nvSpPr>
+          <p:cNvPr id="4" name="Oval 3">
+            <a:extLst>
+              <a:ext uri="{FF2B5EF4-FFF2-40B4-BE49-F238E27FC236}">
+                <a16:creationId xmlns:a16="http://schemas.microsoft.com/office/drawing/2014/main" id="{D3AF3934-E487-4DE4-87C2-DE09B2BB8D3B}"/>
+              </a:ext>
+            </a:extLst>
+          </p:cNvPr>
+          <p:cNvSpPr/>
+          <p:nvPr/>
+        </p:nvSpPr>
+        <p:spPr>
+          <a:xfrm>
+            <a:off x="4784271" y="810986"/>
+            <a:ext cx="457200" cy="457200"/>
+          </a:xfrm>
+          <a:prstGeom prst="ellipse">
+            <a:avLst/>
+          </a:prstGeom>
+        </p:spPr>
+        <p:style>
+          <a:lnRef idx="2">
+            <a:schemeClr val="accent1">
+              <a:shade val="50000"/>
+            </a:schemeClr>
+          </a:lnRef>
+          <a:fillRef idx="1">
+            <a:schemeClr val="accent1"/>
+          </a:fillRef>
+          <a:effectRef idx="0">
+            <a:schemeClr val="accent1"/>
+          </a:effectRef>
+          <a:fontRef idx="minor">
+            <a:schemeClr val="lt1"/>
+          </a:fontRef>
+        </p:style>
+        <p:txBody>
+          <a:bodyPr rtlCol="0" anchor="ctr"/>
+          <a:lstStyle/>
+          <a:p>
+            <a:pPr algn="ctr"/>
+            <a:endParaRPr lang="en-AU"/>
+          </a:p>
+        </p:txBody>
+      </p:sp>
+    </p:spTree>
+    <p:extLst>
+      <p:ext uri="{BB962C8B-B14F-4D97-AF65-F5344CB8AC3E}">
+        <p14:creationId xmlns:p14="http://schemas.microsoft.com/office/powerpoint/2010/main" val="2992139461"/>
+      </p:ext>
+    </p:extLst>
+  </p:cSld>
+  <p:clrMapOvr>
+    <a:masterClrMapping/>
+  </p:clrMapOvr>
+</p:sld>
+</file>
+
+<file path=ppt/slides/slide23.xml><?xml version="1.0" encoding="utf-8"?>
+<p:sld xmlns:a="http://schemas.openxmlformats.org/drawingml/2006/main" xmlns:r="http://schemas.openxmlformats.org/officeDocument/2006/relationships" xmlns:p="http://schemas.openxmlformats.org/presentationml/2006/main">
+  <p:cSld>
+    <p:spTree>
+      <p:nvGrpSpPr>
+        <p:cNvPr id="1" name=""/>
+        <p:cNvGrpSpPr/>
+        <p:nvPr/>
+      </p:nvGrpSpPr>
+      <p:grpSpPr>
+        <a:xfrm>
+          <a:off x="0" y="0"/>
+          <a:ext cx="0" cy="0"/>
+          <a:chOff x="0" y="0"/>
+          <a:chExt cx="0" cy="0"/>
+        </a:xfrm>
+      </p:grpSpPr>
+      <p:grpSp>
+        <p:nvGrpSpPr>
+          <p:cNvPr id="15" name="Group 14">
+            <a:extLst>
+              <a:ext uri="{FF2B5EF4-FFF2-40B4-BE49-F238E27FC236}">
+                <a16:creationId xmlns:a16="http://schemas.microsoft.com/office/drawing/2014/main" id="{F177D03F-6647-4711-9673-65D849259E5E}"/>
+              </a:ext>
+            </a:extLst>
+          </p:cNvPr>
+          <p:cNvGrpSpPr/>
+          <p:nvPr/>
+        </p:nvGrpSpPr>
+        <p:grpSpPr>
+          <a:xfrm>
+            <a:off x="753860" y="170281"/>
+            <a:ext cx="1452312" cy="1452312"/>
+            <a:chOff x="753860" y="170281"/>
+            <a:chExt cx="1452312" cy="1452312"/>
+          </a:xfrm>
+        </p:grpSpPr>
+        <p:grpSp>
+          <p:nvGrpSpPr>
+            <p:cNvPr id="7" name="Group 6">
+              <a:extLst>
+                <a:ext uri="{FF2B5EF4-FFF2-40B4-BE49-F238E27FC236}">
+                  <a16:creationId xmlns:a16="http://schemas.microsoft.com/office/drawing/2014/main" id="{6E40FD6D-7C89-4AB1-832F-FD652524A5E0}"/>
+                </a:ext>
+              </a:extLst>
+            </p:cNvPr>
+            <p:cNvGrpSpPr/>
+            <p:nvPr/>
+          </p:nvGrpSpPr>
+          <p:grpSpPr>
+            <a:xfrm>
+              <a:off x="753860" y="170281"/>
+              <a:ext cx="1452312" cy="1452312"/>
+              <a:chOff x="1515579" y="-98514"/>
+              <a:chExt cx="5749102" cy="5749102"/>
+            </a:xfrm>
+          </p:grpSpPr>
+          <p:sp>
+            <p:nvSpPr>
+              <p:cNvPr id="4" name="Plus Sign 3">
+                <a:extLst>
+                  <a:ext uri="{FF2B5EF4-FFF2-40B4-BE49-F238E27FC236}">
+                    <a16:creationId xmlns:a16="http://schemas.microsoft.com/office/drawing/2014/main" id="{84AFFD75-8FED-407A-B152-822958CED3C6}"/>
+                  </a:ext>
+                </a:extLst>
+              </p:cNvPr>
+              <p:cNvSpPr/>
+              <p:nvPr/>
+            </p:nvSpPr>
+            <p:spPr>
+              <a:xfrm>
+                <a:off x="4011235" y="2397142"/>
+                <a:ext cx="757790" cy="757790"/>
+              </a:xfrm>
+              <a:prstGeom prst="mathPlus">
+                <a:avLst>
+                  <a:gd name="adj1" fmla="val 7520"/>
+                </a:avLst>
+              </a:prstGeom>
+              <a:ln w="50800"/>
+            </p:spPr>
+            <p:style>
+              <a:lnRef idx="2">
+                <a:schemeClr val="accent2">
+                  <a:shade val="50000"/>
+                </a:schemeClr>
+              </a:lnRef>
+              <a:fillRef idx="1">
+                <a:schemeClr val="accent2"/>
+              </a:fillRef>
+              <a:effectRef idx="0">
+                <a:schemeClr val="accent2"/>
+              </a:effectRef>
+              <a:fontRef idx="minor">
+                <a:schemeClr val="lt1"/>
+              </a:fontRef>
+            </p:style>
+            <p:txBody>
+              <a:bodyPr rtlCol="0" anchor="ctr"/>
+              <a:lstStyle/>
+              <a:p>
+                <a:pPr algn="ctr"/>
+                <a:endParaRPr lang="en-AU"/>
+              </a:p>
+            </p:txBody>
+          </p:sp>
+          <p:sp>
+            <p:nvSpPr>
+              <p:cNvPr id="5" name="Block Arc 4">
+                <a:extLst>
+                  <a:ext uri="{FF2B5EF4-FFF2-40B4-BE49-F238E27FC236}">
+                    <a16:creationId xmlns:a16="http://schemas.microsoft.com/office/drawing/2014/main" id="{CDB688B9-184B-40F2-9DAC-DCB0BA73A40C}"/>
+                  </a:ext>
+                </a:extLst>
+              </p:cNvPr>
+              <p:cNvSpPr/>
+              <p:nvPr/>
+            </p:nvSpPr>
+            <p:spPr>
+              <a:xfrm rot="10800000">
+                <a:off x="1515579" y="-98514"/>
+                <a:ext cx="5749102" cy="5749102"/>
+              </a:xfrm>
+              <a:prstGeom prst="blockArc">
+                <a:avLst>
+                  <a:gd name="adj1" fmla="val 10800000"/>
+                  <a:gd name="adj2" fmla="val 21582141"/>
+                  <a:gd name="adj3" fmla="val 1632"/>
+                </a:avLst>
+              </a:prstGeom>
+              <a:ln w="50800"/>
+            </p:spPr>
+            <p:style>
+              <a:lnRef idx="2">
+                <a:schemeClr val="accent2">
+                  <a:shade val="50000"/>
+                </a:schemeClr>
+              </a:lnRef>
+              <a:fillRef idx="1">
+                <a:schemeClr val="accent2"/>
+              </a:fillRef>
+              <a:effectRef idx="0">
+                <a:schemeClr val="accent2"/>
+              </a:effectRef>
+              <a:fontRef idx="minor">
+                <a:schemeClr val="lt1"/>
+              </a:fontRef>
+            </p:style>
+            <p:txBody>
+              <a:bodyPr rtlCol="0" anchor="ctr"/>
+              <a:lstStyle/>
+              <a:p>
+                <a:pPr algn="ctr"/>
+                <a:endParaRPr lang="en-AU">
+                  <a:solidFill>
+                    <a:schemeClr val="tx1"/>
+                  </a:solidFill>
+                </a:endParaRPr>
+              </a:p>
+            </p:txBody>
+          </p:sp>
+        </p:grpSp>
+        <p:sp>
+          <p:nvSpPr>
+            <p:cNvPr id="14" name="Oval 13">
+              <a:extLst>
+                <a:ext uri="{FF2B5EF4-FFF2-40B4-BE49-F238E27FC236}">
+                  <a16:creationId xmlns:a16="http://schemas.microsoft.com/office/drawing/2014/main" id="{1363D9C2-2634-4CD5-ADF0-F38CC2752F3A}"/>
+                </a:ext>
+              </a:extLst>
+            </p:cNvPr>
+            <p:cNvSpPr/>
+            <p:nvPr/>
+          </p:nvSpPr>
+          <p:spPr>
+            <a:xfrm flipH="1">
+              <a:off x="1773282" y="1514151"/>
+              <a:ext cx="45720" cy="45720"/>
+            </a:xfrm>
+            <a:prstGeom prst="ellipse">
+              <a:avLst/>
+            </a:prstGeom>
+            <a:ln w="50800"/>
+          </p:spPr>
+          <p:style>
+            <a:lnRef idx="2">
+              <a:schemeClr val="accent1">
+                <a:shade val="50000"/>
+              </a:schemeClr>
+            </a:lnRef>
+            <a:fillRef idx="1">
+              <a:schemeClr val="accent1"/>
+            </a:fillRef>
+            <a:effectRef idx="0">
+              <a:schemeClr val="accent1"/>
+            </a:effectRef>
+            <a:fontRef idx="minor">
+              <a:schemeClr val="lt1"/>
+            </a:fontRef>
+          </p:style>
+          <p:txBody>
+            <a:bodyPr rtlCol="0" anchor="ctr"/>
+            <a:lstStyle/>
+            <a:p>
+              <a:pPr algn="ctr"/>
+              <a:endParaRPr lang="en-AU"/>
+            </a:p>
+          </p:txBody>
+        </p:sp>
+      </p:grpSp>
+      <p:cxnSp>
+        <p:nvCxnSpPr>
+          <p:cNvPr id="42" name="Straight Connector 41">
+            <a:extLst>
+              <a:ext uri="{FF2B5EF4-FFF2-40B4-BE49-F238E27FC236}">
+                <a16:creationId xmlns:a16="http://schemas.microsoft.com/office/drawing/2014/main" id="{948E5F2A-89A9-4018-A17C-97B5F89D1AFA}"/>
+              </a:ext>
+            </a:extLst>
+          </p:cNvPr>
+          <p:cNvCxnSpPr>
+            <a:cxnSpLocks/>
+          </p:cNvCxnSpPr>
+          <p:nvPr/>
+        </p:nvCxnSpPr>
+        <p:spPr>
+          <a:xfrm>
+            <a:off x="1496180" y="2204358"/>
+            <a:ext cx="283798" cy="608246"/>
+          </a:xfrm>
+          <a:prstGeom prst="line">
+            <a:avLst/>
+          </a:prstGeom>
+          <a:ln w="85725"/>
+        </p:spPr>
+        <p:style>
+          <a:lnRef idx="3">
+            <a:schemeClr val="accent1"/>
+          </a:lnRef>
+          <a:fillRef idx="0">
+            <a:schemeClr val="accent1"/>
+          </a:fillRef>
+          <a:effectRef idx="2">
+            <a:schemeClr val="accent1"/>
+          </a:effectRef>
+          <a:fontRef idx="minor">
+            <a:schemeClr val="tx1"/>
+          </a:fontRef>
+        </p:style>
+      </p:cxnSp>
+      <p:cxnSp>
+        <p:nvCxnSpPr>
+          <p:cNvPr id="55" name="Straight Connector 54">
+            <a:extLst>
+              <a:ext uri="{FF2B5EF4-FFF2-40B4-BE49-F238E27FC236}">
+                <a16:creationId xmlns:a16="http://schemas.microsoft.com/office/drawing/2014/main" id="{37F40428-CD69-4343-91F5-3F733B72D645}"/>
+              </a:ext>
+            </a:extLst>
+          </p:cNvPr>
+          <p:cNvCxnSpPr>
+            <a:stCxn id="4" idx="1"/>
+          </p:cNvCxnSpPr>
+          <p:nvPr/>
+        </p:nvCxnSpPr>
+        <p:spPr>
+          <a:xfrm flipH="1">
+            <a:off x="1480015" y="966777"/>
+            <a:ext cx="1" cy="1845827"/>
+          </a:xfrm>
+          <a:prstGeom prst="line">
+            <a:avLst/>
+          </a:prstGeom>
+          <a:ln w="9525" cap="flat" cmpd="sng" algn="ctr">
+            <a:solidFill>
+              <a:schemeClr val="accent5"/>
+            </a:solidFill>
+            <a:prstDash val="dash"/>
+            <a:round/>
+            <a:headEnd type="none" w="med" len="med"/>
+            <a:tailEnd type="none" w="med" len="med"/>
+          </a:ln>
+        </p:spPr>
+        <p:style>
+          <a:lnRef idx="0">
+            <a:scrgbClr r="0" g="0" b="0"/>
+          </a:lnRef>
+          <a:fillRef idx="0">
+            <a:scrgbClr r="0" g="0" b="0"/>
+          </a:fillRef>
+          <a:effectRef idx="0">
+            <a:scrgbClr r="0" g="0" b="0"/>
+          </a:effectRef>
+          <a:fontRef idx="minor">
+            <a:schemeClr val="tx1"/>
+          </a:fontRef>
+        </p:style>
+      </p:cxnSp>
+      <p:cxnSp>
+        <p:nvCxnSpPr>
+          <p:cNvPr id="56" name="Straight Connector 55">
+            <a:extLst>
+              <a:ext uri="{FF2B5EF4-FFF2-40B4-BE49-F238E27FC236}">
+                <a16:creationId xmlns:a16="http://schemas.microsoft.com/office/drawing/2014/main" id="{E9F05A69-1A64-47A1-AE65-707B37313DA0}"/>
+              </a:ext>
+            </a:extLst>
+          </p:cNvPr>
+          <p:cNvCxnSpPr/>
+          <p:nvPr/>
+        </p:nvCxnSpPr>
+        <p:spPr>
+          <a:xfrm flipH="1">
+            <a:off x="1798600" y="966777"/>
+            <a:ext cx="1" cy="1845827"/>
+          </a:xfrm>
+          <a:prstGeom prst="line">
+            <a:avLst/>
+          </a:prstGeom>
+          <a:ln w="9525" cap="flat" cmpd="sng" algn="ctr">
+            <a:solidFill>
+              <a:schemeClr val="accent5"/>
+            </a:solidFill>
+            <a:prstDash val="dash"/>
+            <a:round/>
+            <a:headEnd type="none" w="med" len="med"/>
+            <a:tailEnd type="none" w="med" len="med"/>
+          </a:ln>
+        </p:spPr>
+        <p:style>
+          <a:lnRef idx="0">
+            <a:scrgbClr r="0" g="0" b="0"/>
+          </a:lnRef>
+          <a:fillRef idx="0">
+            <a:scrgbClr r="0" g="0" b="0"/>
+          </a:fillRef>
+          <a:effectRef idx="0">
+            <a:scrgbClr r="0" g="0" b="0"/>
+          </a:effectRef>
+          <a:fontRef idx="minor">
+            <a:schemeClr val="tx1"/>
+          </a:fontRef>
+        </p:style>
+      </p:cxnSp>
+      <p:sp>
+        <p:nvSpPr>
+          <p:cNvPr id="30" name="Block Arc 29">
+            <a:extLst>
+              <a:ext uri="{FF2B5EF4-FFF2-40B4-BE49-F238E27FC236}">
+                <a16:creationId xmlns:a16="http://schemas.microsoft.com/office/drawing/2014/main" id="{9FCF4F0C-2413-4595-A0D1-9DC4FCFB0534}"/>
+              </a:ext>
+            </a:extLst>
+          </p:cNvPr>
+          <p:cNvSpPr/>
+          <p:nvPr/>
+        </p:nvSpPr>
+        <p:spPr>
+          <a:xfrm rot="10800000">
+            <a:off x="2976363" y="-960016"/>
+            <a:ext cx="3712906" cy="3712906"/>
+          </a:xfrm>
+          <a:prstGeom prst="blockArc">
+            <a:avLst>
+              <a:gd name="adj1" fmla="val 10800000"/>
+              <a:gd name="adj2" fmla="val 21582495"/>
+              <a:gd name="adj3" fmla="val 655"/>
+            </a:avLst>
+          </a:prstGeom>
+          <a:ln w="50800"/>
+        </p:spPr>
+        <p:style>
+          <a:lnRef idx="2">
+            <a:schemeClr val="accent2">
+              <a:shade val="50000"/>
+            </a:schemeClr>
+          </a:lnRef>
+          <a:fillRef idx="1">
+            <a:schemeClr val="accent2"/>
+          </a:fillRef>
+          <a:effectRef idx="0">
+            <a:schemeClr val="accent2"/>
+          </a:effectRef>
+          <a:fontRef idx="minor">
+            <a:schemeClr val="lt1"/>
+          </a:fontRef>
+        </p:style>
+        <p:txBody>
+          <a:bodyPr rtlCol="0" anchor="ctr"/>
+          <a:lstStyle/>
+          <a:p>
+            <a:pPr algn="ctr"/>
+            <a:endParaRPr lang="en-AU">
+              <a:solidFill>
+                <a:schemeClr val="tx1"/>
+              </a:solidFill>
+            </a:endParaRPr>
+          </a:p>
+        </p:txBody>
+      </p:sp>
+      <p:sp>
+        <p:nvSpPr>
+          <p:cNvPr id="28" name="Oval 27">
+            <a:extLst>
+              <a:ext uri="{FF2B5EF4-FFF2-40B4-BE49-F238E27FC236}">
+                <a16:creationId xmlns:a16="http://schemas.microsoft.com/office/drawing/2014/main" id="{8A33EC34-EAE6-44ED-A362-8E8631E4DF26}"/>
+              </a:ext>
+            </a:extLst>
+          </p:cNvPr>
+          <p:cNvSpPr/>
+          <p:nvPr/>
+        </p:nvSpPr>
+        <p:spPr>
+          <a:xfrm flipH="1">
+            <a:off x="5607968" y="2501056"/>
+            <a:ext cx="46800" cy="46800"/>
+          </a:xfrm>
+          <a:prstGeom prst="ellipse">
+            <a:avLst/>
+          </a:prstGeom>
+          <a:ln w="50800"/>
+        </p:spPr>
+        <p:style>
+          <a:lnRef idx="2">
+            <a:schemeClr val="accent1">
+              <a:shade val="50000"/>
+            </a:schemeClr>
+          </a:lnRef>
+          <a:fillRef idx="1">
+            <a:schemeClr val="accent1"/>
+          </a:fillRef>
+          <a:effectRef idx="0">
+            <a:schemeClr val="accent1"/>
+          </a:effectRef>
+          <a:fontRef idx="minor">
+            <a:schemeClr val="lt1"/>
+          </a:fontRef>
+        </p:style>
+        <p:txBody>
+          <a:bodyPr rtlCol="0" anchor="ctr"/>
+          <a:lstStyle/>
+          <a:p>
+            <a:pPr algn="ctr"/>
+            <a:endParaRPr lang="en-AU"/>
+          </a:p>
+        </p:txBody>
+      </p:sp>
+      <p:grpSp>
+        <p:nvGrpSpPr>
+          <p:cNvPr id="32" name="Group 31">
+            <a:extLst>
+              <a:ext uri="{FF2B5EF4-FFF2-40B4-BE49-F238E27FC236}">
+                <a16:creationId xmlns:a16="http://schemas.microsoft.com/office/drawing/2014/main" id="{4709605E-BECC-4718-84A0-3BD70E307FEB}"/>
+              </a:ext>
+            </a:extLst>
+          </p:cNvPr>
+          <p:cNvGrpSpPr/>
+          <p:nvPr/>
+        </p:nvGrpSpPr>
+        <p:grpSpPr>
+          <a:xfrm>
+            <a:off x="4106660" y="170281"/>
+            <a:ext cx="1452312" cy="1452312"/>
+            <a:chOff x="753860" y="170281"/>
+            <a:chExt cx="1452312" cy="1452312"/>
+          </a:xfrm>
+        </p:grpSpPr>
+        <p:grpSp>
+          <p:nvGrpSpPr>
+            <p:cNvPr id="33" name="Group 32">
+              <a:extLst>
+                <a:ext uri="{FF2B5EF4-FFF2-40B4-BE49-F238E27FC236}">
+                  <a16:creationId xmlns:a16="http://schemas.microsoft.com/office/drawing/2014/main" id="{ED5A0BEA-7A02-4695-A369-C40652FCDE55}"/>
+                </a:ext>
+              </a:extLst>
+            </p:cNvPr>
+            <p:cNvGrpSpPr/>
+            <p:nvPr/>
+          </p:nvGrpSpPr>
+          <p:grpSpPr>
+            <a:xfrm>
+              <a:off x="753860" y="170281"/>
+              <a:ext cx="1452312" cy="1452312"/>
+              <a:chOff x="1515579" y="-98514"/>
+              <a:chExt cx="5749102" cy="5749102"/>
+            </a:xfrm>
+          </p:grpSpPr>
+          <p:sp>
+            <p:nvSpPr>
+              <p:cNvPr id="35" name="Plus Sign 34">
+                <a:extLst>
+                  <a:ext uri="{FF2B5EF4-FFF2-40B4-BE49-F238E27FC236}">
+                    <a16:creationId xmlns:a16="http://schemas.microsoft.com/office/drawing/2014/main" id="{E71DEA54-C4A6-440C-9CBE-A5BA8B886721}"/>
+                  </a:ext>
+                </a:extLst>
+              </p:cNvPr>
+              <p:cNvSpPr/>
+              <p:nvPr/>
+            </p:nvSpPr>
+            <p:spPr>
+              <a:xfrm>
+                <a:off x="4011235" y="2397142"/>
+                <a:ext cx="757790" cy="757790"/>
+              </a:xfrm>
+              <a:prstGeom prst="mathPlus">
+                <a:avLst>
+                  <a:gd name="adj1" fmla="val 7520"/>
+                </a:avLst>
+              </a:prstGeom>
+              <a:ln w="50800"/>
+            </p:spPr>
+            <p:style>
+              <a:lnRef idx="2">
+                <a:schemeClr val="accent2">
+                  <a:shade val="50000"/>
+                </a:schemeClr>
+              </a:lnRef>
+              <a:fillRef idx="1">
+                <a:schemeClr val="accent2"/>
+              </a:fillRef>
+              <a:effectRef idx="0">
+                <a:schemeClr val="accent2"/>
+              </a:effectRef>
+              <a:fontRef idx="minor">
+                <a:schemeClr val="lt1"/>
+              </a:fontRef>
+            </p:style>
+            <p:txBody>
+              <a:bodyPr rtlCol="0" anchor="ctr"/>
+              <a:lstStyle/>
+              <a:p>
+                <a:pPr algn="ctr"/>
+                <a:endParaRPr lang="en-AU"/>
+              </a:p>
+            </p:txBody>
+          </p:sp>
+          <p:sp>
+            <p:nvSpPr>
+              <p:cNvPr id="36" name="Block Arc 35">
+                <a:extLst>
+                  <a:ext uri="{FF2B5EF4-FFF2-40B4-BE49-F238E27FC236}">
+                    <a16:creationId xmlns:a16="http://schemas.microsoft.com/office/drawing/2014/main" id="{47B120F0-248A-41A0-83AE-6E650F3582DB}"/>
+                  </a:ext>
+                </a:extLst>
+              </p:cNvPr>
+              <p:cNvSpPr/>
+              <p:nvPr/>
+            </p:nvSpPr>
+            <p:spPr>
+              <a:xfrm rot="10800000">
+                <a:off x="1515579" y="-98514"/>
+                <a:ext cx="5749102" cy="5749102"/>
+              </a:xfrm>
+              <a:prstGeom prst="blockArc">
+                <a:avLst>
+                  <a:gd name="adj1" fmla="val 10800000"/>
+                  <a:gd name="adj2" fmla="val 21582851"/>
+                  <a:gd name="adj3" fmla="val 0"/>
+                </a:avLst>
+              </a:prstGeom>
+              <a:ln w="50800"/>
+            </p:spPr>
+            <p:style>
+              <a:lnRef idx="2">
+                <a:schemeClr val="accent2">
+                  <a:shade val="50000"/>
+                </a:schemeClr>
+              </a:lnRef>
+              <a:fillRef idx="1">
+                <a:schemeClr val="accent2"/>
+              </a:fillRef>
+              <a:effectRef idx="0">
+                <a:schemeClr val="accent2"/>
+              </a:effectRef>
+              <a:fontRef idx="minor">
+                <a:schemeClr val="lt1"/>
+              </a:fontRef>
+            </p:style>
+            <p:txBody>
+              <a:bodyPr rtlCol="0" anchor="ctr"/>
+              <a:lstStyle/>
+              <a:p>
+                <a:pPr algn="ctr"/>
+                <a:endParaRPr lang="en-AU">
+                  <a:solidFill>
+                    <a:schemeClr val="tx1"/>
+                  </a:solidFill>
+                </a:endParaRPr>
+              </a:p>
+            </p:txBody>
+          </p:sp>
+        </p:grpSp>
+        <p:sp>
+          <p:nvSpPr>
+            <p:cNvPr id="34" name="Oval 33">
+              <a:extLst>
+                <a:ext uri="{FF2B5EF4-FFF2-40B4-BE49-F238E27FC236}">
+                  <a16:creationId xmlns:a16="http://schemas.microsoft.com/office/drawing/2014/main" id="{ED408A7E-6BB4-4C6E-A938-0101DD44A53A}"/>
+                </a:ext>
+              </a:extLst>
+            </p:cNvPr>
+            <p:cNvSpPr/>
+            <p:nvPr/>
+          </p:nvSpPr>
+          <p:spPr>
+            <a:xfrm flipH="1">
+              <a:off x="1773282" y="1514151"/>
+              <a:ext cx="45720" cy="45720"/>
+            </a:xfrm>
+            <a:prstGeom prst="ellipse">
+              <a:avLst/>
+            </a:prstGeom>
+            <a:ln w="50800"/>
+          </p:spPr>
+          <p:style>
+            <a:lnRef idx="2">
+              <a:schemeClr val="accent1">
+                <a:shade val="50000"/>
+              </a:schemeClr>
+            </a:lnRef>
+            <a:fillRef idx="1">
+              <a:schemeClr val="accent1"/>
+            </a:fillRef>
+            <a:effectRef idx="0">
+              <a:schemeClr val="accent1"/>
+            </a:effectRef>
+            <a:fontRef idx="minor">
+              <a:schemeClr val="lt1"/>
+            </a:fontRef>
+          </p:style>
+          <p:txBody>
+            <a:bodyPr rtlCol="0" anchor="ctr"/>
+            <a:lstStyle/>
+            <a:p>
+              <a:pPr algn="ctr"/>
+              <a:endParaRPr lang="en-AU"/>
+            </a:p>
+          </p:txBody>
+        </p:sp>
+      </p:grpSp>
+      <p:sp>
+        <p:nvSpPr>
+          <p:cNvPr id="8" name="Oval 7">
+            <a:extLst>
+              <a:ext uri="{FF2B5EF4-FFF2-40B4-BE49-F238E27FC236}">
+                <a16:creationId xmlns:a16="http://schemas.microsoft.com/office/drawing/2014/main" id="{0FAA744C-C0A8-4C1E-BB87-6FB27E5E4BF5}"/>
+              </a:ext>
+            </a:extLst>
+          </p:cNvPr>
+          <p:cNvSpPr/>
+          <p:nvPr/>
+        </p:nvSpPr>
+        <p:spPr>
+          <a:xfrm>
+            <a:off x="4832816" y="896437"/>
+            <a:ext cx="0" cy="0"/>
+          </a:xfrm>
+          <a:prstGeom prst="ellipse">
+            <a:avLst/>
+          </a:prstGeom>
+        </p:spPr>
+        <p:style>
+          <a:lnRef idx="2">
+            <a:schemeClr val="accent1">
+              <a:shade val="50000"/>
+            </a:schemeClr>
+          </a:lnRef>
+          <a:fillRef idx="1">
+            <a:schemeClr val="accent1"/>
+          </a:fillRef>
+          <a:effectRef idx="0">
+            <a:schemeClr val="accent1"/>
+          </a:effectRef>
+          <a:fontRef idx="minor">
+            <a:schemeClr val="lt1"/>
+          </a:fontRef>
+        </p:style>
+        <p:txBody>
+          <a:bodyPr rtlCol="0" anchor="ctr"/>
+          <a:lstStyle/>
+          <a:p>
+            <a:pPr algn="ctr"/>
+            <a:endParaRPr lang="en-AU"/>
+          </a:p>
+        </p:txBody>
+      </p:sp>
+      <p:cxnSp>
+        <p:nvCxnSpPr>
+          <p:cNvPr id="10" name="Straight Connector 9">
+            <a:extLst>
+              <a:ext uri="{FF2B5EF4-FFF2-40B4-BE49-F238E27FC236}">
+                <a16:creationId xmlns:a16="http://schemas.microsoft.com/office/drawing/2014/main" id="{6F8A40A4-A101-45CC-AAA5-978F25E95F6E}"/>
+              </a:ext>
+            </a:extLst>
+          </p:cNvPr>
+          <p:cNvCxnSpPr>
+            <a:cxnSpLocks/>
+            <a:stCxn id="8" idx="5"/>
+            <a:endCxn id="34" idx="7"/>
+          </p:cNvCxnSpPr>
+          <p:nvPr/>
+        </p:nvCxnSpPr>
+        <p:spPr>
+          <a:xfrm>
+            <a:off x="4832817" y="896438"/>
+            <a:ext cx="299961" cy="624409"/>
+          </a:xfrm>
+          <a:prstGeom prst="line">
+            <a:avLst/>
+          </a:prstGeom>
+        </p:spPr>
+        <p:style>
+          <a:lnRef idx="1">
+            <a:schemeClr val="accent1"/>
+          </a:lnRef>
+          <a:fillRef idx="0">
+            <a:schemeClr val="accent1"/>
+          </a:fillRef>
+          <a:effectRef idx="0">
+            <a:schemeClr val="accent1"/>
+          </a:effectRef>
+          <a:fontRef idx="minor">
+            <a:schemeClr val="tx1"/>
+          </a:fontRef>
+        </p:style>
+      </p:cxnSp>
+      <p:cxnSp>
+        <p:nvCxnSpPr>
+          <p:cNvPr id="13" name="Straight Connector 12">
+            <a:extLst>
+              <a:ext uri="{FF2B5EF4-FFF2-40B4-BE49-F238E27FC236}">
+                <a16:creationId xmlns:a16="http://schemas.microsoft.com/office/drawing/2014/main" id="{B92EF735-A857-4C2E-B43F-57C8958F3B36}"/>
+              </a:ext>
+            </a:extLst>
+          </p:cNvPr>
+          <p:cNvCxnSpPr>
+            <a:cxnSpLocks/>
+            <a:stCxn id="8" idx="5"/>
+            <a:endCxn id="28" idx="7"/>
+          </p:cNvCxnSpPr>
+          <p:nvPr/>
+        </p:nvCxnSpPr>
+        <p:spPr>
+          <a:xfrm>
+            <a:off x="4832817" y="896438"/>
+            <a:ext cx="782005" cy="1611472"/>
+          </a:xfrm>
+          <a:prstGeom prst="line">
+            <a:avLst/>
+          </a:prstGeom>
+        </p:spPr>
+        <p:style>
+          <a:lnRef idx="1">
+            <a:schemeClr val="accent1"/>
+          </a:lnRef>
+          <a:fillRef idx="0">
+            <a:schemeClr val="accent1"/>
+          </a:fillRef>
+          <a:effectRef idx="0">
+            <a:schemeClr val="accent1"/>
+          </a:effectRef>
+          <a:fontRef idx="minor">
+            <a:schemeClr val="tx1"/>
+          </a:fontRef>
+        </p:style>
+      </p:cxnSp>
+    </p:spTree>
+    <p:extLst>
+      <p:ext uri="{BB962C8B-B14F-4D97-AF65-F5344CB8AC3E}">
+        <p14:creationId xmlns:p14="http://schemas.microsoft.com/office/powerpoint/2010/main" val="1276588518"/>
       </p:ext>
     </p:extLst>
   </p:cSld>

--- a/Report/FuncDecomp.pptx
+++ b/Report/FuncDecomp.pptx
@@ -28,6 +28,7 @@
     <p:sldId id="265" r:id="rId22"/>
     <p:sldId id="277" r:id="rId23"/>
     <p:sldId id="278" r:id="rId24"/>
+    <p:sldId id="279" r:id="rId25"/>
   </p:sldIdLst>
   <p:sldSz cx="9906000" cy="6858000" type="A4"/>
   <p:notesSz cx="6858000" cy="9144000"/>
@@ -29873,114 +29874,12 @@
           </a:fontRef>
         </p:style>
       </p:cxnSp>
-      <p:sp>
-        <p:nvSpPr>
-          <p:cNvPr id="30" name="Block Arc 29">
+      <p:grpSp>
+        <p:nvGrpSpPr>
+          <p:cNvPr id="52" name="Group 51">
             <a:extLst>
               <a:ext uri="{FF2B5EF4-FFF2-40B4-BE49-F238E27FC236}">
-                <a16:creationId xmlns:a16="http://schemas.microsoft.com/office/drawing/2014/main" id="{9FCF4F0C-2413-4595-A0D1-9DC4FCFB0534}"/>
-              </a:ext>
-            </a:extLst>
-          </p:cNvPr>
-          <p:cNvSpPr/>
-          <p:nvPr/>
-        </p:nvSpPr>
-        <p:spPr>
-          <a:xfrm rot="10800000">
-            <a:off x="2976363" y="-960016"/>
-            <a:ext cx="3712906" cy="3712906"/>
-          </a:xfrm>
-          <a:prstGeom prst="blockArc">
-            <a:avLst>
-              <a:gd name="adj1" fmla="val 10800000"/>
-              <a:gd name="adj2" fmla="val 21582495"/>
-              <a:gd name="adj3" fmla="val 655"/>
-            </a:avLst>
-          </a:prstGeom>
-          <a:ln w="50800"/>
-        </p:spPr>
-        <p:style>
-          <a:lnRef idx="2">
-            <a:schemeClr val="accent2">
-              <a:shade val="50000"/>
-            </a:schemeClr>
-          </a:lnRef>
-          <a:fillRef idx="1">
-            <a:schemeClr val="accent2"/>
-          </a:fillRef>
-          <a:effectRef idx="0">
-            <a:schemeClr val="accent2"/>
-          </a:effectRef>
-          <a:fontRef idx="minor">
-            <a:schemeClr val="lt1"/>
-          </a:fontRef>
-        </p:style>
-        <p:txBody>
-          <a:bodyPr rtlCol="0" anchor="ctr"/>
-          <a:lstStyle/>
-          <a:p>
-            <a:pPr algn="ctr"/>
-            <a:endParaRPr lang="en-AU">
-              <a:solidFill>
-                <a:schemeClr val="tx1"/>
-              </a:solidFill>
-            </a:endParaRPr>
-          </a:p>
-        </p:txBody>
-      </p:sp>
-      <p:sp>
-        <p:nvSpPr>
-          <p:cNvPr id="28" name="Oval 27">
-            <a:extLst>
-              <a:ext uri="{FF2B5EF4-FFF2-40B4-BE49-F238E27FC236}">
-                <a16:creationId xmlns:a16="http://schemas.microsoft.com/office/drawing/2014/main" id="{8A33EC34-EAE6-44ED-A362-8E8631E4DF26}"/>
-              </a:ext>
-            </a:extLst>
-          </p:cNvPr>
-          <p:cNvSpPr/>
-          <p:nvPr/>
-        </p:nvSpPr>
-        <p:spPr>
-          <a:xfrm flipH="1">
-            <a:off x="5607968" y="2501056"/>
-            <a:ext cx="46800" cy="46800"/>
-          </a:xfrm>
-          <a:prstGeom prst="ellipse">
-            <a:avLst/>
-          </a:prstGeom>
-          <a:ln w="50800"/>
-        </p:spPr>
-        <p:style>
-          <a:lnRef idx="2">
-            <a:schemeClr val="accent1">
-              <a:shade val="50000"/>
-            </a:schemeClr>
-          </a:lnRef>
-          <a:fillRef idx="1">
-            <a:schemeClr val="accent1"/>
-          </a:fillRef>
-          <a:effectRef idx="0">
-            <a:schemeClr val="accent1"/>
-          </a:effectRef>
-          <a:fontRef idx="minor">
-            <a:schemeClr val="lt1"/>
-          </a:fontRef>
-        </p:style>
-        <p:txBody>
-          <a:bodyPr rtlCol="0" anchor="ctr"/>
-          <a:lstStyle/>
-          <a:p>
-            <a:pPr algn="ctr"/>
-            <a:endParaRPr lang="en-AU"/>
-          </a:p>
-        </p:txBody>
-      </p:sp>
-      <p:grpSp>
-        <p:nvGrpSpPr>
-          <p:cNvPr id="32" name="Group 31">
-            <a:extLst>
-              <a:ext uri="{FF2B5EF4-FFF2-40B4-BE49-F238E27FC236}">
-                <a16:creationId xmlns:a16="http://schemas.microsoft.com/office/drawing/2014/main" id="{4709605E-BECC-4718-84A0-3BD70E307FEB}"/>
+                <a16:creationId xmlns:a16="http://schemas.microsoft.com/office/drawing/2014/main" id="{AB48D839-E588-4B6A-A51C-A243818A5819}"/>
               </a:ext>
             </a:extLst>
           </p:cNvPr>
@@ -29989,18 +29888,77 @@
         </p:nvGrpSpPr>
         <p:grpSpPr>
           <a:xfrm>
-            <a:off x="4106660" y="170281"/>
-            <a:ext cx="1452312" cy="1452312"/>
-            <a:chOff x="753860" y="170281"/>
-            <a:chExt cx="1452312" cy="1452312"/>
+            <a:off x="4953000" y="257500"/>
+            <a:ext cx="3712906" cy="4407221"/>
+            <a:chOff x="2976363" y="-960016"/>
+            <a:chExt cx="3712906" cy="4407221"/>
           </a:xfrm>
         </p:grpSpPr>
+        <p:sp>
+          <p:nvSpPr>
+            <p:cNvPr id="30" name="Block Arc 29">
+              <a:extLst>
+                <a:ext uri="{FF2B5EF4-FFF2-40B4-BE49-F238E27FC236}">
+                  <a16:creationId xmlns:a16="http://schemas.microsoft.com/office/drawing/2014/main" id="{9FCF4F0C-2413-4595-A0D1-9DC4FCFB0534}"/>
+                </a:ext>
+              </a:extLst>
+            </p:cNvPr>
+            <p:cNvSpPr/>
+            <p:nvPr/>
+          </p:nvSpPr>
+          <p:spPr>
+            <a:xfrm rot="10800000">
+              <a:off x="2976363" y="-960016"/>
+              <a:ext cx="3712906" cy="3712906"/>
+            </a:xfrm>
+            <a:prstGeom prst="blockArc">
+              <a:avLst>
+                <a:gd name="adj1" fmla="val 10800000"/>
+                <a:gd name="adj2" fmla="val 21582495"/>
+                <a:gd name="adj3" fmla="val 655"/>
+              </a:avLst>
+            </a:prstGeom>
+            <a:ln>
+              <a:solidFill>
+                <a:schemeClr val="accent5"/>
+              </a:solidFill>
+            </a:ln>
+          </p:spPr>
+          <p:style>
+            <a:lnRef idx="2">
+              <a:schemeClr val="accent5">
+                <a:shade val="50000"/>
+              </a:schemeClr>
+            </a:lnRef>
+            <a:fillRef idx="1">
+              <a:schemeClr val="accent5"/>
+            </a:fillRef>
+            <a:effectRef idx="0">
+              <a:schemeClr val="accent5"/>
+            </a:effectRef>
+            <a:fontRef idx="minor">
+              <a:schemeClr val="lt1"/>
+            </a:fontRef>
+          </p:style>
+          <p:txBody>
+            <a:bodyPr rtlCol="0" anchor="ctr"/>
+            <a:lstStyle/>
+            <a:p>
+              <a:pPr algn="ctr"/>
+              <a:endParaRPr lang="en-AU">
+                <a:solidFill>
+                  <a:schemeClr val="tx1"/>
+                </a:solidFill>
+              </a:endParaRPr>
+            </a:p>
+          </p:txBody>
+        </p:sp>
         <p:grpSp>
           <p:nvGrpSpPr>
-            <p:cNvPr id="33" name="Group 32">
+            <p:cNvPr id="50" name="Group 49">
               <a:extLst>
                 <a:ext uri="{FF2B5EF4-FFF2-40B4-BE49-F238E27FC236}">
-                  <a16:creationId xmlns:a16="http://schemas.microsoft.com/office/drawing/2014/main" id="{ED5A0BEA-7A02-4695-A369-C40652FCDE55}"/>
+                  <a16:creationId xmlns:a16="http://schemas.microsoft.com/office/drawing/2014/main" id="{63432328-E7B6-4802-BE28-3174018D139F}"/>
                 </a:ext>
               </a:extLst>
             </p:cNvPr>
@@ -30009,12 +29967,60 @@
           </p:nvGrpSpPr>
           <p:grpSpPr>
             <a:xfrm>
-              <a:off x="753860" y="170281"/>
-              <a:ext cx="1452312" cy="1452312"/>
-              <a:chOff x="1515579" y="-98514"/>
-              <a:chExt cx="5749102" cy="5749102"/>
+              <a:off x="4106660" y="170281"/>
+              <a:ext cx="1745027" cy="3276924"/>
+              <a:chOff x="4106660" y="170281"/>
+              <a:chExt cx="1745027" cy="3276924"/>
             </a:xfrm>
           </p:grpSpPr>
+          <p:sp>
+            <p:nvSpPr>
+              <p:cNvPr id="21" name="Isosceles Triangle 20">
+                <a:extLst>
+                  <a:ext uri="{FF2B5EF4-FFF2-40B4-BE49-F238E27FC236}">
+                    <a16:creationId xmlns:a16="http://schemas.microsoft.com/office/drawing/2014/main" id="{4F84C2AC-B46B-452E-8FD0-FE8AFBF5643A}"/>
+                  </a:ext>
+                </a:extLst>
+              </p:cNvPr>
+              <p:cNvSpPr/>
+              <p:nvPr/>
+            </p:nvSpPr>
+            <p:spPr>
+              <a:xfrm>
+                <a:off x="4383757" y="910771"/>
+                <a:ext cx="898115" cy="2184400"/>
+              </a:xfrm>
+              <a:prstGeom prst="triangle">
+                <a:avLst/>
+              </a:prstGeom>
+              <a:noFill/>
+              <a:ln>
+                <a:prstDash val="sysDot"/>
+              </a:ln>
+            </p:spPr>
+            <p:style>
+              <a:lnRef idx="2">
+                <a:schemeClr val="dk1"/>
+              </a:lnRef>
+              <a:fillRef idx="1">
+                <a:schemeClr val="lt1"/>
+              </a:fillRef>
+              <a:effectRef idx="0">
+                <a:schemeClr val="dk1"/>
+              </a:effectRef>
+              <a:fontRef idx="minor">
+                <a:schemeClr val="dk1"/>
+              </a:fontRef>
+            </p:style>
+            <p:txBody>
+              <a:bodyPr rtlCol="0" anchor="ctr"/>
+              <a:lstStyle/>
+              <a:p>
+                <a:pPr algn="ctr"/>
+                <a:endParaRPr lang="en-AU"/>
+              </a:p>
+            </p:txBody>
+          </p:sp>
           <p:sp>
             <p:nvSpPr>
               <p:cNvPr id="35" name="Plus Sign 34">
@@ -30029,30 +30035,28 @@
             </p:nvSpPr>
             <p:spPr>
               <a:xfrm>
-                <a:off x="4011235" y="2397142"/>
-                <a:ext cx="757790" cy="757790"/>
+                <a:off x="4737101" y="800722"/>
+                <a:ext cx="191429" cy="191429"/>
               </a:xfrm>
               <a:prstGeom prst="mathPlus">
                 <a:avLst>
                   <a:gd name="adj1" fmla="val 7520"/>
                 </a:avLst>
               </a:prstGeom>
-              <a:ln w="50800"/>
+              <a:ln/>
             </p:spPr>
             <p:style>
               <a:lnRef idx="2">
-                <a:schemeClr val="accent2">
-                  <a:shade val="50000"/>
-                </a:schemeClr>
+                <a:schemeClr val="dk1"/>
               </a:lnRef>
               <a:fillRef idx="1">
-                <a:schemeClr val="accent2"/>
+                <a:schemeClr val="lt1"/>
               </a:fillRef>
               <a:effectRef idx="0">
-                <a:schemeClr val="accent2"/>
+                <a:schemeClr val="dk1"/>
               </a:effectRef>
               <a:fontRef idx="minor">
-                <a:schemeClr val="lt1"/>
+                <a:schemeClr val="dk1"/>
               </a:fontRef>
             </p:style>
             <p:txBody>
@@ -30064,12 +30068,1349 @@
               </a:p>
             </p:txBody>
           </p:sp>
+          <p:grpSp>
+            <p:nvGrpSpPr>
+              <p:cNvPr id="45" name="Group 44">
+                <a:extLst>
+                  <a:ext uri="{FF2B5EF4-FFF2-40B4-BE49-F238E27FC236}">
+                    <a16:creationId xmlns:a16="http://schemas.microsoft.com/office/drawing/2014/main" id="{E2E1A630-40AD-4527-AD87-82CF81A0AA39}"/>
+                  </a:ext>
+                </a:extLst>
+              </p:cNvPr>
+              <p:cNvGrpSpPr/>
+              <p:nvPr/>
+            </p:nvGrpSpPr>
+            <p:grpSpPr>
+              <a:xfrm>
+                <a:off x="4106660" y="170281"/>
+                <a:ext cx="1639662" cy="1452312"/>
+                <a:chOff x="4106660" y="170281"/>
+                <a:chExt cx="1639662" cy="1452312"/>
+              </a:xfrm>
+            </p:grpSpPr>
+            <p:sp>
+              <p:nvSpPr>
+                <p:cNvPr id="36" name="Block Arc 35">
+                  <a:extLst>
+                    <a:ext uri="{FF2B5EF4-FFF2-40B4-BE49-F238E27FC236}">
+                      <a16:creationId xmlns:a16="http://schemas.microsoft.com/office/drawing/2014/main" id="{47B120F0-248A-41A0-83AE-6E650F3582DB}"/>
+                    </a:ext>
+                  </a:extLst>
+                </p:cNvPr>
+                <p:cNvSpPr/>
+                <p:nvPr/>
+              </p:nvSpPr>
+              <p:spPr>
+                <a:xfrm rot="10800000">
+                  <a:off x="4106660" y="170281"/>
+                  <a:ext cx="1452312" cy="1452312"/>
+                </a:xfrm>
+                <a:prstGeom prst="blockArc">
+                  <a:avLst>
+                    <a:gd name="adj1" fmla="val 10800000"/>
+                    <a:gd name="adj2" fmla="val 21582851"/>
+                    <a:gd name="adj3" fmla="val 0"/>
+                  </a:avLst>
+                </a:prstGeom>
+                <a:ln>
+                  <a:solidFill>
+                    <a:schemeClr val="accent2"/>
+                  </a:solidFill>
+                </a:ln>
+              </p:spPr>
+              <p:style>
+                <a:lnRef idx="2">
+                  <a:schemeClr val="accent2">
+                    <a:shade val="50000"/>
+                  </a:schemeClr>
+                </a:lnRef>
+                <a:fillRef idx="1">
+                  <a:schemeClr val="accent2"/>
+                </a:fillRef>
+                <a:effectRef idx="0">
+                  <a:schemeClr val="accent2"/>
+                </a:effectRef>
+                <a:fontRef idx="minor">
+                  <a:schemeClr val="lt1"/>
+                </a:fontRef>
+              </p:style>
+              <p:txBody>
+                <a:bodyPr rtlCol="0" anchor="ctr"/>
+                <a:lstStyle/>
+                <a:p>
+                  <a:pPr algn="ctr"/>
+                  <a:endParaRPr lang="en-AU">
+                    <a:solidFill>
+                      <a:schemeClr val="tx1"/>
+                    </a:solidFill>
+                  </a:endParaRPr>
+                </a:p>
+              </p:txBody>
+            </p:sp>
+            <p:grpSp>
+              <p:nvGrpSpPr>
+                <p:cNvPr id="43" name="Group 42">
+                  <a:extLst>
+                    <a:ext uri="{FF2B5EF4-FFF2-40B4-BE49-F238E27FC236}">
+                      <a16:creationId xmlns:a16="http://schemas.microsoft.com/office/drawing/2014/main" id="{266EFE8D-3271-4E07-867D-A5F3F5E316BF}"/>
+                    </a:ext>
+                  </a:extLst>
+                </p:cNvPr>
+                <p:cNvGrpSpPr/>
+                <p:nvPr/>
+              </p:nvGrpSpPr>
+              <p:grpSpPr>
+                <a:xfrm>
+                  <a:off x="4689021" y="446314"/>
+                  <a:ext cx="287110" cy="1067833"/>
+                  <a:chOff x="4689021" y="446314"/>
+                  <a:chExt cx="287110" cy="1139372"/>
+                </a:xfrm>
+              </p:grpSpPr>
+              <p:cxnSp>
+                <p:nvCxnSpPr>
+                  <p:cNvPr id="31" name="Straight Connector 30">
+                    <a:extLst>
+                      <a:ext uri="{FF2B5EF4-FFF2-40B4-BE49-F238E27FC236}">
+                        <a16:creationId xmlns:a16="http://schemas.microsoft.com/office/drawing/2014/main" id="{DD4E348A-7EBA-4175-8172-B4AA90BA145F}"/>
+                      </a:ext>
+                    </a:extLst>
+                  </p:cNvPr>
+                  <p:cNvCxnSpPr/>
+                  <p:nvPr/>
+                </p:nvCxnSpPr>
+                <p:spPr>
+                  <a:xfrm flipV="1">
+                    <a:off x="4689021" y="446314"/>
+                    <a:ext cx="0" cy="1139372"/>
+                  </a:xfrm>
+                  <a:prstGeom prst="line">
+                    <a:avLst/>
+                  </a:prstGeom>
+                  <a:ln>
+                    <a:solidFill>
+                      <a:schemeClr val="accent2"/>
+                    </a:solidFill>
+                  </a:ln>
+                </p:spPr>
+                <p:style>
+                  <a:lnRef idx="2">
+                    <a:schemeClr val="accent2">
+                      <a:shade val="50000"/>
+                    </a:schemeClr>
+                  </a:lnRef>
+                  <a:fillRef idx="1">
+                    <a:schemeClr val="accent2"/>
+                  </a:fillRef>
+                  <a:effectRef idx="0">
+                    <a:schemeClr val="accent2"/>
+                  </a:effectRef>
+                  <a:fontRef idx="minor">
+                    <a:schemeClr val="lt1"/>
+                  </a:fontRef>
+                </p:style>
+              </p:cxnSp>
+              <p:cxnSp>
+                <p:nvCxnSpPr>
+                  <p:cNvPr id="47" name="Straight Connector 46">
+                    <a:extLst>
+                      <a:ext uri="{FF2B5EF4-FFF2-40B4-BE49-F238E27FC236}">
+                        <a16:creationId xmlns:a16="http://schemas.microsoft.com/office/drawing/2014/main" id="{0ABF4C44-4C8C-4D82-91C1-14A42DDBC7DF}"/>
+                      </a:ext>
+                    </a:extLst>
+                  </p:cNvPr>
+                  <p:cNvCxnSpPr/>
+                  <p:nvPr/>
+                </p:nvCxnSpPr>
+                <p:spPr>
+                  <a:xfrm flipV="1">
+                    <a:off x="4976131" y="446314"/>
+                    <a:ext cx="0" cy="1139372"/>
+                  </a:xfrm>
+                  <a:prstGeom prst="line">
+                    <a:avLst/>
+                  </a:prstGeom>
+                  <a:ln>
+                    <a:solidFill>
+                      <a:schemeClr val="accent2"/>
+                    </a:solidFill>
+                  </a:ln>
+                </p:spPr>
+                <p:style>
+                  <a:lnRef idx="2">
+                    <a:schemeClr val="accent2">
+                      <a:shade val="50000"/>
+                    </a:schemeClr>
+                  </a:lnRef>
+                  <a:fillRef idx="1">
+                    <a:schemeClr val="accent2"/>
+                  </a:fillRef>
+                  <a:effectRef idx="0">
+                    <a:schemeClr val="accent2"/>
+                  </a:effectRef>
+                  <a:fontRef idx="minor">
+                    <a:schemeClr val="lt1"/>
+                  </a:fontRef>
+                </p:style>
+              </p:cxnSp>
+            </p:grpSp>
+            <p:cxnSp>
+              <p:nvCxnSpPr>
+                <p:cNvPr id="38" name="Straight Connector 37">
+                  <a:extLst>
+                    <a:ext uri="{FF2B5EF4-FFF2-40B4-BE49-F238E27FC236}">
+                      <a16:creationId xmlns:a16="http://schemas.microsoft.com/office/drawing/2014/main" id="{6104C6F3-D17B-4210-9C26-64A02EBE9DD4}"/>
+                    </a:ext>
+                  </a:extLst>
+                </p:cNvPr>
+                <p:cNvCxnSpPr/>
+                <p:nvPr/>
+              </p:nvCxnSpPr>
+              <p:spPr>
+                <a:xfrm>
+                  <a:off x="4687661" y="576943"/>
+                  <a:ext cx="288470" cy="0"/>
+                </a:xfrm>
+                <a:prstGeom prst="line">
+                  <a:avLst/>
+                </a:prstGeom>
+                <a:ln>
+                  <a:solidFill>
+                    <a:schemeClr val="accent2"/>
+                  </a:solidFill>
+                  <a:headEnd type="triangle" w="med" len="med"/>
+                  <a:tailEnd type="triangle" w="med" len="med"/>
+                </a:ln>
+              </p:spPr>
+              <p:style>
+                <a:lnRef idx="2">
+                  <a:schemeClr val="accent2">
+                    <a:shade val="50000"/>
+                  </a:schemeClr>
+                </a:lnRef>
+                <a:fillRef idx="1">
+                  <a:schemeClr val="accent2"/>
+                </a:fillRef>
+                <a:effectRef idx="0">
+                  <a:schemeClr val="accent2"/>
+                </a:effectRef>
+                <a:fontRef idx="minor">
+                  <a:schemeClr val="lt1"/>
+                </a:fontRef>
+              </p:style>
+            </p:cxnSp>
+            <mc:AlternateContent xmlns:mc="http://schemas.openxmlformats.org/markup-compatibility/2006">
+              <mc:Choice xmlns:a14="http://schemas.microsoft.com/office/drawing/2010/main" Requires="a14">
+                <p:sp>
+                  <p:nvSpPr>
+                    <p:cNvPr id="40" name="TextBox 39">
+                      <a:extLst>
+                        <a:ext uri="{FF2B5EF4-FFF2-40B4-BE49-F238E27FC236}">
+                          <a16:creationId xmlns:a16="http://schemas.microsoft.com/office/drawing/2014/main" id="{5C51225C-07FC-4AC5-BA4B-D0D1558220D5}"/>
+                        </a:ext>
+                      </a:extLst>
+                    </p:cNvPr>
+                    <p:cNvSpPr txBox="1"/>
+                    <p:nvPr/>
+                  </p:nvSpPr>
+                  <p:spPr>
+                    <a:xfrm>
+                      <a:off x="4865761" y="363379"/>
+                      <a:ext cx="880561" cy="369332"/>
+                    </a:xfrm>
+                    <a:prstGeom prst="rect">
+                      <a:avLst/>
+                    </a:prstGeom>
+                    <a:noFill/>
+                  </p:spPr>
+                  <p:txBody>
+                    <a:bodyPr wrap="none" rtlCol="0">
+                      <a:spAutoFit/>
+                    </a:bodyPr>
+                    <a:lstStyle/>
+                    <a:p>
+                      <a14:m>
+                        <m:oMathPara xmlns:m="http://schemas.openxmlformats.org/officeDocument/2006/math">
+                          <m:oMathParaPr>
+                            <m:jc m:val="centerGroup"/>
+                          </m:oMathParaPr>
+                          <m:oMath xmlns:m="http://schemas.openxmlformats.org/officeDocument/2006/math">
+                            <m:sSub>
+                              <m:sSubPr>
+                                <m:ctrlPr>
+                                  <a:rPr lang="en-AU" b="0" i="1" smtClean="0">
+                                    <a:solidFill>
+                                      <a:schemeClr val="accent2"/>
+                                    </a:solidFill>
+                                    <a:latin typeface="Cambria Math" panose="02040503050406030204" pitchFamily="18" charset="0"/>
+                                    <a:ea typeface="Cambria Math" panose="02040503050406030204" pitchFamily="18" charset="0"/>
+                                  </a:rPr>
+                                </m:ctrlPr>
+                              </m:sSubPr>
+                              <m:e>
+                                <m:r>
+                                  <a:rPr lang="en-AU" i="1" smtClean="0">
+                                    <a:solidFill>
+                                      <a:schemeClr val="accent2"/>
+                                    </a:solidFill>
+                                    <a:latin typeface="Cambria Math" panose="02040503050406030204" pitchFamily="18" charset="0"/>
+                                    <a:ea typeface="Cambria Math" panose="02040503050406030204" pitchFamily="18" charset="0"/>
+                                  </a:rPr>
+                                  <m:t>∆</m:t>
+                                </m:r>
+                              </m:e>
+                              <m:sub>
+                                <m:r>
+                                  <a:rPr lang="en-AU" b="0" i="1" smtClean="0">
+                                    <a:solidFill>
+                                      <a:schemeClr val="accent2"/>
+                                    </a:solidFill>
+                                    <a:latin typeface="Cambria Math" panose="02040503050406030204" pitchFamily="18" charset="0"/>
+                                    <a:ea typeface="Cambria Math" panose="02040503050406030204" pitchFamily="18" charset="0"/>
+                                  </a:rPr>
+                                  <m:t>𝑐𝑙𝑜𝑠𝑒</m:t>
+                                </m:r>
+                              </m:sub>
+                            </m:sSub>
+                          </m:oMath>
+                        </m:oMathPara>
+                      </a14:m>
+                      <a:endParaRPr lang="en-AU" dirty="0">
+                        <a:solidFill>
+                          <a:schemeClr val="accent2"/>
+                        </a:solidFill>
+                        <a:latin typeface="Consolas" panose="020B0609020204030204" pitchFamily="49" charset="0"/>
+                      </a:endParaRPr>
+                    </a:p>
+                  </p:txBody>
+                </p:sp>
+              </mc:Choice>
+              <mc:Fallback>
+                <p:sp>
+                  <p:nvSpPr>
+                    <p:cNvPr id="40" name="TextBox 39">
+                      <a:extLst>
+                        <a:ext uri="{FF2B5EF4-FFF2-40B4-BE49-F238E27FC236}">
+                          <a16:creationId xmlns:a16="http://schemas.microsoft.com/office/drawing/2014/main" id="{5C51225C-07FC-4AC5-BA4B-D0D1558220D5}"/>
+                        </a:ext>
+                      </a:extLst>
+                    </p:cNvPr>
+                    <p:cNvSpPr txBox="1">
+                      <a:spLocks noRot="1" noChangeAspect="1" noMove="1" noResize="1" noEditPoints="1" noAdjustHandles="1" noChangeArrowheads="1" noChangeShapeType="1" noTextEdit="1"/>
+                    </p:cNvSpPr>
+                    <p:nvPr/>
+                  </p:nvSpPr>
+                  <p:spPr>
+                    <a:xfrm>
+                      <a:off x="4865761" y="363379"/>
+                      <a:ext cx="880561" cy="369332"/>
+                    </a:xfrm>
+                    <a:prstGeom prst="rect">
+                      <a:avLst/>
+                    </a:prstGeom>
+                    <a:blipFill>
+                      <a:blip r:embed="rId2"/>
+                      <a:stretch>
+                        <a:fillRect/>
+                      </a:stretch>
+                    </a:blipFill>
+                  </p:spPr>
+                  <p:txBody>
+                    <a:bodyPr/>
+                    <a:lstStyle/>
+                    <a:p>
+                      <a:r>
+                        <a:rPr lang="en-AU">
+                          <a:noFill/>
+                        </a:rPr>
+                        <a:t> </a:t>
+                      </a:r>
+                    </a:p>
+                  </p:txBody>
+                </p:sp>
+              </mc:Fallback>
+            </mc:AlternateContent>
+          </p:grpSp>
+          <p:grpSp>
+            <p:nvGrpSpPr>
+              <p:cNvPr id="49" name="Group 48">
+                <a:extLst>
+                  <a:ext uri="{FF2B5EF4-FFF2-40B4-BE49-F238E27FC236}">
+                    <a16:creationId xmlns:a16="http://schemas.microsoft.com/office/drawing/2014/main" id="{A02B8FF0-59E3-43BD-AD2A-70B83E1C1660}"/>
+                  </a:ext>
+                </a:extLst>
+              </p:cNvPr>
+              <p:cNvGrpSpPr/>
+              <p:nvPr/>
+            </p:nvGrpSpPr>
+            <p:grpSpPr>
+              <a:xfrm flipV="1">
+                <a:off x="4463143" y="2704158"/>
+                <a:ext cx="738866" cy="634128"/>
+                <a:chOff x="4463143" y="1636325"/>
+                <a:chExt cx="738866" cy="1067833"/>
+              </a:xfrm>
+            </p:grpSpPr>
+            <p:grpSp>
+              <p:nvGrpSpPr>
+                <p:cNvPr id="61" name="Group 60">
+                  <a:extLst>
+                    <a:ext uri="{FF2B5EF4-FFF2-40B4-BE49-F238E27FC236}">
+                      <a16:creationId xmlns:a16="http://schemas.microsoft.com/office/drawing/2014/main" id="{8EBD455A-AF88-4FAD-ABF0-2E2DDD1887C6}"/>
+                    </a:ext>
+                  </a:extLst>
+                </p:cNvPr>
+                <p:cNvGrpSpPr/>
+                <p:nvPr/>
+              </p:nvGrpSpPr>
+              <p:grpSpPr>
+                <a:xfrm>
+                  <a:off x="4463143" y="1636325"/>
+                  <a:ext cx="738866" cy="1067833"/>
+                  <a:chOff x="4689021" y="446314"/>
+                  <a:chExt cx="287110" cy="1139372"/>
+                </a:xfrm>
+              </p:grpSpPr>
+              <p:cxnSp>
+                <p:nvCxnSpPr>
+                  <p:cNvPr id="67" name="Straight Connector 66">
+                    <a:extLst>
+                      <a:ext uri="{FF2B5EF4-FFF2-40B4-BE49-F238E27FC236}">
+                        <a16:creationId xmlns:a16="http://schemas.microsoft.com/office/drawing/2014/main" id="{0A4400D5-A675-4040-83E1-46BC896040A9}"/>
+                      </a:ext>
+                    </a:extLst>
+                  </p:cNvPr>
+                  <p:cNvCxnSpPr/>
+                  <p:nvPr/>
+                </p:nvCxnSpPr>
+                <p:spPr>
+                  <a:xfrm flipV="1">
+                    <a:off x="4689021" y="446314"/>
+                    <a:ext cx="0" cy="1139372"/>
+                  </a:xfrm>
+                  <a:prstGeom prst="line">
+                    <a:avLst/>
+                  </a:prstGeom>
+                  <a:ln>
+                    <a:solidFill>
+                      <a:schemeClr val="accent5"/>
+                    </a:solidFill>
+                  </a:ln>
+                </p:spPr>
+                <p:style>
+                  <a:lnRef idx="2">
+                    <a:schemeClr val="accent5">
+                      <a:shade val="50000"/>
+                    </a:schemeClr>
+                  </a:lnRef>
+                  <a:fillRef idx="1">
+                    <a:schemeClr val="accent5"/>
+                  </a:fillRef>
+                  <a:effectRef idx="0">
+                    <a:schemeClr val="accent5"/>
+                  </a:effectRef>
+                  <a:fontRef idx="minor">
+                    <a:schemeClr val="lt1"/>
+                  </a:fontRef>
+                </p:style>
+              </p:cxnSp>
+              <p:cxnSp>
+                <p:nvCxnSpPr>
+                  <p:cNvPr id="68" name="Straight Connector 67">
+                    <a:extLst>
+                      <a:ext uri="{FF2B5EF4-FFF2-40B4-BE49-F238E27FC236}">
+                        <a16:creationId xmlns:a16="http://schemas.microsoft.com/office/drawing/2014/main" id="{A894CFFB-CAB4-4D8A-8F1B-FD4CA4325FC0}"/>
+                      </a:ext>
+                    </a:extLst>
+                  </p:cNvPr>
+                  <p:cNvCxnSpPr/>
+                  <p:nvPr/>
+                </p:nvCxnSpPr>
+                <p:spPr>
+                  <a:xfrm flipV="1">
+                    <a:off x="4976131" y="446314"/>
+                    <a:ext cx="0" cy="1139372"/>
+                  </a:xfrm>
+                  <a:prstGeom prst="line">
+                    <a:avLst/>
+                  </a:prstGeom>
+                  <a:ln>
+                    <a:solidFill>
+                      <a:schemeClr val="accent5"/>
+                    </a:solidFill>
+                  </a:ln>
+                </p:spPr>
+                <p:style>
+                  <a:lnRef idx="2">
+                    <a:schemeClr val="accent5">
+                      <a:shade val="50000"/>
+                    </a:schemeClr>
+                  </a:lnRef>
+                  <a:fillRef idx="1">
+                    <a:schemeClr val="accent5"/>
+                  </a:fillRef>
+                  <a:effectRef idx="0">
+                    <a:schemeClr val="accent5"/>
+                  </a:effectRef>
+                  <a:fontRef idx="minor">
+                    <a:schemeClr val="lt1"/>
+                  </a:fontRef>
+                </p:style>
+              </p:cxnSp>
+            </p:grpSp>
+            <p:cxnSp>
+              <p:nvCxnSpPr>
+                <p:cNvPr id="65" name="Straight Connector 64">
+                  <a:extLst>
+                    <a:ext uri="{FF2B5EF4-FFF2-40B4-BE49-F238E27FC236}">
+                      <a16:creationId xmlns:a16="http://schemas.microsoft.com/office/drawing/2014/main" id="{B21CFB7C-2753-436F-83B4-2D6935308195}"/>
+                    </a:ext>
+                  </a:extLst>
+                </p:cNvPr>
+                <p:cNvCxnSpPr>
+                  <a:cxnSpLocks/>
+                </p:cNvCxnSpPr>
+                <p:nvPr/>
+              </p:nvCxnSpPr>
+              <p:spPr>
+                <a:xfrm>
+                  <a:off x="4463143" y="1766954"/>
+                  <a:ext cx="738866" cy="0"/>
+                </a:xfrm>
+                <a:prstGeom prst="line">
+                  <a:avLst/>
+                </a:prstGeom>
+                <a:ln>
+                  <a:solidFill>
+                    <a:schemeClr val="accent5"/>
+                  </a:solidFill>
+                  <a:headEnd type="triangle" w="med" len="med"/>
+                  <a:tailEnd type="triangle" w="med" len="med"/>
+                </a:ln>
+              </p:spPr>
+              <p:style>
+                <a:lnRef idx="2">
+                  <a:schemeClr val="accent5">
+                    <a:shade val="50000"/>
+                  </a:schemeClr>
+                </a:lnRef>
+                <a:fillRef idx="1">
+                  <a:schemeClr val="accent5"/>
+                </a:fillRef>
+                <a:effectRef idx="0">
+                  <a:schemeClr val="accent5"/>
+                </a:effectRef>
+                <a:fontRef idx="minor">
+                  <a:schemeClr val="lt1"/>
+                </a:fontRef>
+              </p:style>
+            </p:cxnSp>
+          </p:grpSp>
+          <mc:AlternateContent xmlns:mc="http://schemas.openxmlformats.org/markup-compatibility/2006">
+            <mc:Choice xmlns:a14="http://schemas.microsoft.com/office/drawing/2010/main" Requires="a14">
+              <p:sp>
+                <p:nvSpPr>
+                  <p:cNvPr id="66" name="TextBox 65">
+                    <a:extLst>
+                      <a:ext uri="{FF2B5EF4-FFF2-40B4-BE49-F238E27FC236}">
+                        <a16:creationId xmlns:a16="http://schemas.microsoft.com/office/drawing/2014/main" id="{F9F4ED63-2CBD-48EA-A03E-AD994C520618}"/>
+                      </a:ext>
+                    </a:extLst>
+                  </p:cNvPr>
+                  <p:cNvSpPr txBox="1"/>
+                  <p:nvPr/>
+                </p:nvSpPr>
+                <p:spPr>
+                  <a:xfrm>
+                    <a:off x="5105009" y="3055623"/>
+                    <a:ext cx="746678" cy="391582"/>
+                  </a:xfrm>
+                  <a:prstGeom prst="rect">
+                    <a:avLst/>
+                  </a:prstGeom>
+                  <a:noFill/>
+                </p:spPr>
+                <p:txBody>
+                  <a:bodyPr wrap="none" rtlCol="0">
+                    <a:spAutoFit/>
+                  </a:bodyPr>
+                  <a:lstStyle/>
+                  <a:p>
+                    <a14:m>
+                      <m:oMathPara xmlns:m="http://schemas.openxmlformats.org/officeDocument/2006/math">
+                        <m:oMathParaPr>
+                          <m:jc m:val="centerGroup"/>
+                        </m:oMathParaPr>
+                        <m:oMath xmlns:m="http://schemas.openxmlformats.org/officeDocument/2006/math">
+                          <m:sSub>
+                            <m:sSubPr>
+                              <m:ctrlPr>
+                                <a:rPr lang="en-AU" b="0" i="1" smtClean="0">
+                                  <a:solidFill>
+                                    <a:schemeClr val="accent5"/>
+                                  </a:solidFill>
+                                  <a:latin typeface="Cambria Math" panose="02040503050406030204" pitchFamily="18" charset="0"/>
+                                  <a:ea typeface="Cambria Math" panose="02040503050406030204" pitchFamily="18" charset="0"/>
+                                </a:rPr>
+                              </m:ctrlPr>
+                            </m:sSubPr>
+                            <m:e>
+                              <m:r>
+                                <a:rPr lang="en-AU" i="1" smtClean="0">
+                                  <a:solidFill>
+                                    <a:schemeClr val="accent5"/>
+                                  </a:solidFill>
+                                  <a:latin typeface="Cambria Math" panose="02040503050406030204" pitchFamily="18" charset="0"/>
+                                  <a:ea typeface="Cambria Math" panose="02040503050406030204" pitchFamily="18" charset="0"/>
+                                </a:rPr>
+                                <m:t>∆</m:t>
+                              </m:r>
+                            </m:e>
+                            <m:sub>
+                              <m:r>
+                                <a:rPr lang="en-AU" b="0" i="1" smtClean="0">
+                                  <a:solidFill>
+                                    <a:schemeClr val="accent5"/>
+                                  </a:solidFill>
+                                  <a:latin typeface="Cambria Math" panose="02040503050406030204" pitchFamily="18" charset="0"/>
+                                  <a:ea typeface="Cambria Math" panose="02040503050406030204" pitchFamily="18" charset="0"/>
+                                </a:rPr>
+                                <m:t>𝑓𝑎𝑟</m:t>
+                              </m:r>
+                            </m:sub>
+                          </m:sSub>
+                        </m:oMath>
+                      </m:oMathPara>
+                    </a14:m>
+                    <a:endParaRPr lang="en-AU" dirty="0">
+                      <a:solidFill>
+                        <a:schemeClr val="accent5"/>
+                      </a:solidFill>
+                      <a:latin typeface="Consolas" panose="020B0609020204030204" pitchFamily="49" charset="0"/>
+                    </a:endParaRPr>
+                  </a:p>
+                </p:txBody>
+              </p:sp>
+            </mc:Choice>
+            <mc:Fallback>
+              <p:sp>
+                <p:nvSpPr>
+                  <p:cNvPr id="66" name="TextBox 65">
+                    <a:extLst>
+                      <a:ext uri="{FF2B5EF4-FFF2-40B4-BE49-F238E27FC236}">
+                        <a16:creationId xmlns:a16="http://schemas.microsoft.com/office/drawing/2014/main" id="{F9F4ED63-2CBD-48EA-A03E-AD994C520618}"/>
+                      </a:ext>
+                    </a:extLst>
+                  </p:cNvPr>
+                  <p:cNvSpPr txBox="1">
+                    <a:spLocks noRot="1" noChangeAspect="1" noMove="1" noResize="1" noEditPoints="1" noAdjustHandles="1" noChangeArrowheads="1" noChangeShapeType="1" noTextEdit="1"/>
+                  </p:cNvSpPr>
+                  <p:nvPr/>
+                </p:nvSpPr>
+                <p:spPr>
+                  <a:xfrm>
+                    <a:off x="5105009" y="3055623"/>
+                    <a:ext cx="746678" cy="391582"/>
+                  </a:xfrm>
+                  <a:prstGeom prst="rect">
+                    <a:avLst/>
+                  </a:prstGeom>
+                  <a:blipFill>
+                    <a:blip r:embed="rId3"/>
+                    <a:stretch>
+                      <a:fillRect b="-9375"/>
+                    </a:stretch>
+                  </a:blipFill>
+                </p:spPr>
+                <p:txBody>
+                  <a:bodyPr/>
+                  <a:lstStyle/>
+                  <a:p>
+                    <a:r>
+                      <a:rPr lang="en-AU">
+                        <a:noFill/>
+                      </a:rPr>
+                      <a:t> </a:t>
+                    </a:r>
+                  </a:p>
+                </p:txBody>
+              </p:sp>
+            </mc:Fallback>
+          </mc:AlternateContent>
+        </p:grpSp>
+      </p:grpSp>
+    </p:spTree>
+    <p:extLst>
+      <p:ext uri="{BB962C8B-B14F-4D97-AF65-F5344CB8AC3E}">
+        <p14:creationId xmlns:p14="http://schemas.microsoft.com/office/powerpoint/2010/main" val="1276588518"/>
+      </p:ext>
+    </p:extLst>
+  </p:cSld>
+  <p:clrMapOvr>
+    <a:masterClrMapping/>
+  </p:clrMapOvr>
+</p:sld>
+</file>
+
+<file path=ppt/slides/slide24.xml><?xml version="1.0" encoding="utf-8"?>
+<p:sld xmlns:a="http://schemas.openxmlformats.org/drawingml/2006/main" xmlns:r="http://schemas.openxmlformats.org/officeDocument/2006/relationships" xmlns:p="http://schemas.openxmlformats.org/presentationml/2006/main">
+  <p:cSld>
+    <p:spTree>
+      <p:nvGrpSpPr>
+        <p:cNvPr id="1" name=""/>
+        <p:cNvGrpSpPr/>
+        <p:nvPr/>
+      </p:nvGrpSpPr>
+      <p:grpSpPr>
+        <a:xfrm>
+          <a:off x="0" y="0"/>
+          <a:ext cx="0" cy="0"/>
+          <a:chOff x="0" y="0"/>
+          <a:chExt cx="0" cy="0"/>
+        </a:xfrm>
+      </p:grpSpPr>
+      <p:cxnSp>
+        <p:nvCxnSpPr>
+          <p:cNvPr id="9" name="Straight Connector 8">
+            <a:extLst>
+              <a:ext uri="{FF2B5EF4-FFF2-40B4-BE49-F238E27FC236}">
+                <a16:creationId xmlns:a16="http://schemas.microsoft.com/office/drawing/2014/main" id="{0B57ADFF-8634-400E-9C02-C53D798EAFCC}"/>
+              </a:ext>
+            </a:extLst>
+          </p:cNvPr>
+          <p:cNvCxnSpPr>
+            <a:cxnSpLocks/>
+            <a:stCxn id="5" idx="5"/>
+            <a:endCxn id="6" idx="1"/>
+          </p:cNvCxnSpPr>
+          <p:nvPr/>
+        </p:nvCxnSpPr>
+        <p:spPr>
+          <a:xfrm>
+            <a:off x="5647454" y="1791148"/>
+            <a:ext cx="646721" cy="934002"/>
+          </a:xfrm>
+          <a:prstGeom prst="line">
+            <a:avLst/>
+          </a:prstGeom>
+          <a:ln w="31750"/>
+        </p:spPr>
+        <p:style>
+          <a:lnRef idx="2">
+            <a:schemeClr val="dk1"/>
+          </a:lnRef>
+          <a:fillRef idx="1">
+            <a:schemeClr val="lt1"/>
+          </a:fillRef>
+          <a:effectRef idx="0">
+            <a:schemeClr val="dk1"/>
+          </a:effectRef>
+          <a:fontRef idx="minor">
+            <a:schemeClr val="dk1"/>
+          </a:fontRef>
+        </p:style>
+      </p:cxnSp>
+      <p:cxnSp>
+        <p:nvCxnSpPr>
+          <p:cNvPr id="11" name="Straight Connector 10">
+            <a:extLst>
+              <a:ext uri="{FF2B5EF4-FFF2-40B4-BE49-F238E27FC236}">
+                <a16:creationId xmlns:a16="http://schemas.microsoft.com/office/drawing/2014/main" id="{DC4010F3-532D-4DCB-979D-94ACAC0B93F7}"/>
+              </a:ext>
+            </a:extLst>
+          </p:cNvPr>
+          <p:cNvCxnSpPr>
+            <a:cxnSpLocks/>
+            <a:stCxn id="6" idx="3"/>
+            <a:endCxn id="7" idx="7"/>
+          </p:cNvCxnSpPr>
+          <p:nvPr/>
+        </p:nvCxnSpPr>
+        <p:spPr>
+          <a:xfrm flipH="1">
+            <a:off x="5698845" y="3051348"/>
+            <a:ext cx="595330" cy="1110201"/>
+          </a:xfrm>
+          <a:prstGeom prst="line">
+            <a:avLst/>
+          </a:prstGeom>
+          <a:ln w="31750"/>
+        </p:spPr>
+        <p:style>
+          <a:lnRef idx="2">
+            <a:schemeClr val="dk1"/>
+          </a:lnRef>
+          <a:fillRef idx="1">
+            <a:schemeClr val="lt1"/>
+          </a:fillRef>
+          <a:effectRef idx="0">
+            <a:schemeClr val="dk1"/>
+          </a:effectRef>
+          <a:fontRef idx="minor">
+            <a:schemeClr val="dk1"/>
+          </a:fontRef>
+        </p:style>
+      </p:cxnSp>
+      <p:cxnSp>
+        <p:nvCxnSpPr>
+          <p:cNvPr id="14" name="Straight Connector 13">
+            <a:extLst>
+              <a:ext uri="{FF2B5EF4-FFF2-40B4-BE49-F238E27FC236}">
+                <a16:creationId xmlns:a16="http://schemas.microsoft.com/office/drawing/2014/main" id="{41C2FB60-D5EA-4B0F-9CEE-584A82009D38}"/>
+              </a:ext>
+            </a:extLst>
+          </p:cNvPr>
+          <p:cNvCxnSpPr>
+            <a:cxnSpLocks/>
+            <a:stCxn id="7" idx="5"/>
+          </p:cNvCxnSpPr>
+          <p:nvPr/>
+        </p:nvCxnSpPr>
+        <p:spPr>
+          <a:xfrm>
+            <a:off x="5698845" y="4487747"/>
+            <a:ext cx="881003" cy="285056"/>
+          </a:xfrm>
+          <a:prstGeom prst="line">
+            <a:avLst/>
+          </a:prstGeom>
+          <a:ln w="31750"/>
+        </p:spPr>
+        <p:style>
+          <a:lnRef idx="2">
+            <a:schemeClr val="dk1"/>
+          </a:lnRef>
+          <a:fillRef idx="1">
+            <a:schemeClr val="lt1"/>
+          </a:fillRef>
+          <a:effectRef idx="0">
+            <a:schemeClr val="dk1"/>
+          </a:effectRef>
+          <a:fontRef idx="minor">
+            <a:schemeClr val="dk1"/>
+          </a:fontRef>
+        </p:style>
+      </p:cxnSp>
+      <p:sp>
+        <p:nvSpPr>
+          <p:cNvPr id="21" name="Rectangle 20">
+            <a:extLst>
+              <a:ext uri="{FF2B5EF4-FFF2-40B4-BE49-F238E27FC236}">
+                <a16:creationId xmlns:a16="http://schemas.microsoft.com/office/drawing/2014/main" id="{A57B9297-4F58-4C42-BA5F-A25408797467}"/>
+              </a:ext>
+            </a:extLst>
+          </p:cNvPr>
+          <p:cNvSpPr/>
+          <p:nvPr/>
+        </p:nvSpPr>
+        <p:spPr>
+          <a:xfrm>
+            <a:off x="5686859" y="3645220"/>
+            <a:ext cx="303242" cy="245145"/>
+          </a:xfrm>
+          <a:prstGeom prst="rect">
+            <a:avLst/>
+          </a:prstGeom>
+          <a:ln w="31750"/>
+        </p:spPr>
+        <p:style>
+          <a:lnRef idx="2">
+            <a:schemeClr val="accent5">
+              <a:shade val="50000"/>
+            </a:schemeClr>
+          </a:lnRef>
+          <a:fillRef idx="1">
+            <a:schemeClr val="accent5"/>
+          </a:fillRef>
+          <a:effectRef idx="0">
+            <a:schemeClr val="accent5"/>
+          </a:effectRef>
+          <a:fontRef idx="minor">
+            <a:schemeClr val="lt1"/>
+          </a:fontRef>
+        </p:style>
+        <p:txBody>
+          <a:bodyPr lIns="0" tIns="0" rIns="0" bIns="0" rtlCol="0" anchor="ctr"/>
+          <a:lstStyle/>
+          <a:p>
+            <a:pPr algn="ctr"/>
+            <a:r>
+              <a:rPr lang="en-AU" sz="1400" dirty="0">
+                <a:latin typeface="Consolas" panose="020B0609020204030204" pitchFamily="49" charset="0"/>
+              </a:rPr>
+              <a:t>C04</a:t>
+            </a:r>
+          </a:p>
+        </p:txBody>
+      </p:sp>
+      <p:sp>
+        <p:nvSpPr>
+          <p:cNvPr id="5" name="Oval 4">
+            <a:extLst>
+              <a:ext uri="{FF2B5EF4-FFF2-40B4-BE49-F238E27FC236}">
+                <a16:creationId xmlns:a16="http://schemas.microsoft.com/office/drawing/2014/main" id="{20530532-AD8C-4F5F-89EB-0DC285846B3B}"/>
+              </a:ext>
+            </a:extLst>
+          </p:cNvPr>
+          <p:cNvSpPr/>
+          <p:nvPr/>
+        </p:nvSpPr>
+        <p:spPr>
+          <a:xfrm>
+            <a:off x="5253696" y="1397392"/>
+            <a:ext cx="461316" cy="461314"/>
+          </a:xfrm>
+          <a:prstGeom prst="ellipse">
+            <a:avLst/>
+          </a:prstGeom>
+          <a:ln w="31750"/>
+        </p:spPr>
+        <p:style>
+          <a:lnRef idx="2">
+            <a:schemeClr val="dk1"/>
+          </a:lnRef>
+          <a:fillRef idx="1">
+            <a:schemeClr val="lt1"/>
+          </a:fillRef>
+          <a:effectRef idx="0">
+            <a:schemeClr val="dk1"/>
+          </a:effectRef>
+          <a:fontRef idx="minor">
+            <a:schemeClr val="dk1"/>
+          </a:fontRef>
+        </p:style>
+        <p:txBody>
+          <a:bodyPr lIns="0" tIns="0" rIns="0" bIns="0" rtlCol="0" anchor="ctr"/>
+          <a:lstStyle/>
+          <a:p>
+            <a:pPr algn="ctr"/>
+            <a:r>
+              <a:rPr lang="en-AU" sz="1400" dirty="0">
+                <a:latin typeface="Consolas" panose="020B0609020204030204" pitchFamily="49" charset="0"/>
+              </a:rPr>
+              <a:t>T06</a:t>
+            </a:r>
+          </a:p>
+        </p:txBody>
+      </p:sp>
+      <p:sp>
+        <p:nvSpPr>
+          <p:cNvPr id="6" name="Oval 5">
+            <a:extLst>
+              <a:ext uri="{FF2B5EF4-FFF2-40B4-BE49-F238E27FC236}">
+                <a16:creationId xmlns:a16="http://schemas.microsoft.com/office/drawing/2014/main" id="{E4E67912-3078-4F25-91CF-DAED990A01FE}"/>
+              </a:ext>
+            </a:extLst>
+          </p:cNvPr>
+          <p:cNvSpPr/>
+          <p:nvPr/>
+        </p:nvSpPr>
+        <p:spPr>
+          <a:xfrm>
+            <a:off x="6226617" y="2657592"/>
+            <a:ext cx="461316" cy="461314"/>
+          </a:xfrm>
+          <a:prstGeom prst="ellipse">
+            <a:avLst/>
+          </a:prstGeom>
+          <a:ln w="31750"/>
+        </p:spPr>
+        <p:style>
+          <a:lnRef idx="2">
+            <a:schemeClr val="dk1"/>
+          </a:lnRef>
+          <a:fillRef idx="1">
+            <a:schemeClr val="lt1"/>
+          </a:fillRef>
+          <a:effectRef idx="0">
+            <a:schemeClr val="dk1"/>
+          </a:effectRef>
+          <a:fontRef idx="minor">
+            <a:schemeClr val="dk1"/>
+          </a:fontRef>
+        </p:style>
+        <p:txBody>
+          <a:bodyPr lIns="0" tIns="0" rIns="0" bIns="0" rtlCol="0" anchor="ctr"/>
+          <a:lstStyle/>
+          <a:p>
+            <a:pPr algn="ctr"/>
+            <a:r>
+              <a:rPr lang="en-AU" sz="1400" dirty="0">
+                <a:latin typeface="Consolas" panose="020B0609020204030204" pitchFamily="49" charset="0"/>
+              </a:rPr>
+              <a:t>T05</a:t>
+            </a:r>
+          </a:p>
+        </p:txBody>
+      </p:sp>
+      <p:sp>
+        <p:nvSpPr>
+          <p:cNvPr id="7" name="Oval 6">
+            <a:extLst>
+              <a:ext uri="{FF2B5EF4-FFF2-40B4-BE49-F238E27FC236}">
+                <a16:creationId xmlns:a16="http://schemas.microsoft.com/office/drawing/2014/main" id="{0FE49D8F-C998-4174-9F49-1CEDCC06CB32}"/>
+              </a:ext>
+            </a:extLst>
+          </p:cNvPr>
+          <p:cNvSpPr/>
+          <p:nvPr/>
+        </p:nvSpPr>
+        <p:spPr>
+          <a:xfrm>
+            <a:off x="5305087" y="4093991"/>
+            <a:ext cx="461316" cy="461314"/>
+          </a:xfrm>
+          <a:prstGeom prst="ellipse">
+            <a:avLst/>
+          </a:prstGeom>
+          <a:ln w="31750"/>
+        </p:spPr>
+        <p:style>
+          <a:lnRef idx="2">
+            <a:schemeClr val="dk1"/>
+          </a:lnRef>
+          <a:fillRef idx="1">
+            <a:schemeClr val="lt1"/>
+          </a:fillRef>
+          <a:effectRef idx="0">
+            <a:schemeClr val="dk1"/>
+          </a:effectRef>
+          <a:fontRef idx="minor">
+            <a:schemeClr val="dk1"/>
+          </a:fontRef>
+        </p:style>
+        <p:txBody>
+          <a:bodyPr lIns="0" tIns="0" rIns="0" bIns="0" rtlCol="0" anchor="ctr"/>
+          <a:lstStyle/>
+          <a:p>
+            <a:pPr algn="ctr"/>
+            <a:r>
+              <a:rPr lang="en-AU" sz="1400" dirty="0">
+                <a:latin typeface="Consolas" panose="020B0609020204030204" pitchFamily="49" charset="0"/>
+              </a:rPr>
+              <a:t>T04</a:t>
+            </a:r>
+          </a:p>
+        </p:txBody>
+      </p:sp>
+      <p:sp>
+        <p:nvSpPr>
+          <p:cNvPr id="24" name="Oval 23">
+            <a:extLst>
+              <a:ext uri="{FF2B5EF4-FFF2-40B4-BE49-F238E27FC236}">
+                <a16:creationId xmlns:a16="http://schemas.microsoft.com/office/drawing/2014/main" id="{9B09B7F4-9C44-4BB9-B90F-792C4A3B05CF}"/>
+              </a:ext>
+            </a:extLst>
+          </p:cNvPr>
+          <p:cNvSpPr/>
+          <p:nvPr/>
+        </p:nvSpPr>
+        <p:spPr>
+          <a:xfrm flipH="1">
+            <a:off x="4190988" y="1397392"/>
+            <a:ext cx="461316" cy="461314"/>
+          </a:xfrm>
+          <a:prstGeom prst="ellipse">
+            <a:avLst/>
+          </a:prstGeom>
+          <a:ln w="31750"/>
+        </p:spPr>
+        <p:style>
+          <a:lnRef idx="2">
+            <a:schemeClr val="dk1"/>
+          </a:lnRef>
+          <a:fillRef idx="1">
+            <a:schemeClr val="lt1"/>
+          </a:fillRef>
+          <a:effectRef idx="0">
+            <a:schemeClr val="dk1"/>
+          </a:effectRef>
+          <a:fontRef idx="minor">
+            <a:schemeClr val="dk1"/>
+          </a:fontRef>
+        </p:style>
+        <p:txBody>
+          <a:bodyPr lIns="0" tIns="0" rIns="0" bIns="0" rtlCol="0" anchor="ctr"/>
+          <a:lstStyle/>
+          <a:p>
+            <a:pPr algn="ctr"/>
+            <a:r>
+              <a:rPr lang="en-AU" sz="1400" dirty="0">
+                <a:latin typeface="Consolas" panose="020B0609020204030204" pitchFamily="49" charset="0"/>
+              </a:rPr>
+              <a:t>T03</a:t>
+            </a:r>
+          </a:p>
+        </p:txBody>
+      </p:sp>
+      <p:sp>
+        <p:nvSpPr>
+          <p:cNvPr id="25" name="Oval 24">
+            <a:extLst>
+              <a:ext uri="{FF2B5EF4-FFF2-40B4-BE49-F238E27FC236}">
+                <a16:creationId xmlns:a16="http://schemas.microsoft.com/office/drawing/2014/main" id="{B4BFC764-E29B-4F77-A315-4AD915F50EAC}"/>
+              </a:ext>
+            </a:extLst>
+          </p:cNvPr>
+          <p:cNvSpPr/>
+          <p:nvPr/>
+        </p:nvSpPr>
+        <p:spPr>
+          <a:xfrm flipH="1">
+            <a:off x="3218067" y="2657591"/>
+            <a:ext cx="461316" cy="461314"/>
+          </a:xfrm>
+          <a:prstGeom prst="ellipse">
+            <a:avLst/>
+          </a:prstGeom>
+          <a:ln w="31750"/>
+        </p:spPr>
+        <p:style>
+          <a:lnRef idx="2">
+            <a:schemeClr val="dk1"/>
+          </a:lnRef>
+          <a:fillRef idx="1">
+            <a:schemeClr val="lt1"/>
+          </a:fillRef>
+          <a:effectRef idx="0">
+            <a:schemeClr val="dk1"/>
+          </a:effectRef>
+          <a:fontRef idx="minor">
+            <a:schemeClr val="dk1"/>
+          </a:fontRef>
+        </p:style>
+        <p:txBody>
+          <a:bodyPr lIns="0" tIns="0" rIns="0" bIns="0" rtlCol="0" anchor="ctr"/>
+          <a:lstStyle/>
+          <a:p>
+            <a:pPr algn="ctr"/>
+            <a:r>
+              <a:rPr lang="en-AU" sz="1400" dirty="0">
+                <a:latin typeface="Consolas" panose="020B0609020204030204" pitchFamily="49" charset="0"/>
+              </a:rPr>
+              <a:t>T02</a:t>
+            </a:r>
+          </a:p>
+        </p:txBody>
+      </p:sp>
+      <p:sp>
+        <p:nvSpPr>
+          <p:cNvPr id="26" name="Oval 25">
+            <a:extLst>
+              <a:ext uri="{FF2B5EF4-FFF2-40B4-BE49-F238E27FC236}">
+                <a16:creationId xmlns:a16="http://schemas.microsoft.com/office/drawing/2014/main" id="{E38849A8-9838-4D9B-907C-42C1BFD87FE4}"/>
+              </a:ext>
+            </a:extLst>
+          </p:cNvPr>
+          <p:cNvSpPr/>
+          <p:nvPr/>
+        </p:nvSpPr>
+        <p:spPr>
+          <a:xfrm flipH="1">
+            <a:off x="4139597" y="4093991"/>
+            <a:ext cx="461316" cy="461314"/>
+          </a:xfrm>
+          <a:prstGeom prst="ellipse">
+            <a:avLst/>
+          </a:prstGeom>
+          <a:ln w="31750"/>
+        </p:spPr>
+        <p:style>
+          <a:lnRef idx="2">
+            <a:schemeClr val="dk1"/>
+          </a:lnRef>
+          <a:fillRef idx="1">
+            <a:schemeClr val="lt1"/>
+          </a:fillRef>
+          <a:effectRef idx="0">
+            <a:schemeClr val="dk1"/>
+          </a:effectRef>
+          <a:fontRef idx="minor">
+            <a:schemeClr val="dk1"/>
+          </a:fontRef>
+        </p:style>
+        <p:txBody>
+          <a:bodyPr lIns="0" tIns="0" rIns="0" bIns="0" rtlCol="0" anchor="ctr"/>
+          <a:lstStyle/>
+          <a:p>
+            <a:pPr algn="ctr"/>
+            <a:r>
+              <a:rPr lang="en-AU" sz="1400" dirty="0">
+                <a:latin typeface="Consolas" panose="020B0609020204030204" pitchFamily="49" charset="0"/>
+              </a:rPr>
+              <a:t>T01</a:t>
+            </a:r>
+          </a:p>
+        </p:txBody>
+      </p:sp>
+      <p:cxnSp>
+        <p:nvCxnSpPr>
+          <p:cNvPr id="27" name="Straight Connector 26">
+            <a:extLst>
+              <a:ext uri="{FF2B5EF4-FFF2-40B4-BE49-F238E27FC236}">
+                <a16:creationId xmlns:a16="http://schemas.microsoft.com/office/drawing/2014/main" id="{D14FE58E-CE44-4E60-8F9F-2EC93C4A18E9}"/>
+              </a:ext>
+            </a:extLst>
+          </p:cNvPr>
+          <p:cNvCxnSpPr>
+            <a:cxnSpLocks/>
+            <a:stCxn id="24" idx="5"/>
+            <a:endCxn id="25" idx="1"/>
+          </p:cNvCxnSpPr>
+          <p:nvPr/>
+        </p:nvCxnSpPr>
+        <p:spPr>
+          <a:xfrm flipH="1">
+            <a:off x="3611825" y="1791148"/>
+            <a:ext cx="646721" cy="934001"/>
+          </a:xfrm>
+          <a:prstGeom prst="line">
+            <a:avLst/>
+          </a:prstGeom>
+          <a:ln w="31750"/>
+        </p:spPr>
+        <p:style>
+          <a:lnRef idx="2">
+            <a:schemeClr val="dk1"/>
+          </a:lnRef>
+          <a:fillRef idx="1">
+            <a:schemeClr val="lt1"/>
+          </a:fillRef>
+          <a:effectRef idx="0">
+            <a:schemeClr val="dk1"/>
+          </a:effectRef>
+          <a:fontRef idx="minor">
+            <a:schemeClr val="dk1"/>
+          </a:fontRef>
+        </p:style>
+      </p:cxnSp>
+      <p:cxnSp>
+        <p:nvCxnSpPr>
+          <p:cNvPr id="28" name="Straight Connector 27">
+            <a:extLst>
+              <a:ext uri="{FF2B5EF4-FFF2-40B4-BE49-F238E27FC236}">
+                <a16:creationId xmlns:a16="http://schemas.microsoft.com/office/drawing/2014/main" id="{E8383486-72D4-4026-A13A-4A9931DA808C}"/>
+              </a:ext>
+            </a:extLst>
+          </p:cNvPr>
+          <p:cNvCxnSpPr>
+            <a:cxnSpLocks/>
+            <a:stCxn id="25" idx="3"/>
+            <a:endCxn id="26" idx="7"/>
+          </p:cNvCxnSpPr>
+          <p:nvPr/>
+        </p:nvCxnSpPr>
+        <p:spPr>
+          <a:xfrm>
+            <a:off x="3611825" y="3051347"/>
+            <a:ext cx="595330" cy="1110202"/>
+          </a:xfrm>
+          <a:prstGeom prst="line">
+            <a:avLst/>
+          </a:prstGeom>
+          <a:ln w="31750"/>
+        </p:spPr>
+        <p:style>
+          <a:lnRef idx="2">
+            <a:schemeClr val="dk1"/>
+          </a:lnRef>
+          <a:fillRef idx="1">
+            <a:schemeClr val="lt1"/>
+          </a:fillRef>
+          <a:effectRef idx="0">
+            <a:schemeClr val="dk1"/>
+          </a:effectRef>
+          <a:fontRef idx="minor">
+            <a:schemeClr val="dk1"/>
+          </a:fontRef>
+        </p:style>
+      </p:cxnSp>
+      <p:cxnSp>
+        <p:nvCxnSpPr>
+          <p:cNvPr id="29" name="Straight Connector 28">
+            <a:extLst>
+              <a:ext uri="{FF2B5EF4-FFF2-40B4-BE49-F238E27FC236}">
+                <a16:creationId xmlns:a16="http://schemas.microsoft.com/office/drawing/2014/main" id="{B9A52C6B-DCE9-4FD2-BDE6-FAE7A6CBD244}"/>
+              </a:ext>
+            </a:extLst>
+          </p:cNvPr>
+          <p:cNvCxnSpPr>
+            <a:cxnSpLocks/>
+            <a:stCxn id="26" idx="5"/>
+          </p:cNvCxnSpPr>
+          <p:nvPr/>
+        </p:nvCxnSpPr>
+        <p:spPr>
+          <a:xfrm flipH="1">
+            <a:off x="3326155" y="4487747"/>
+            <a:ext cx="881000" cy="285056"/>
+          </a:xfrm>
+          <a:prstGeom prst="line">
+            <a:avLst/>
+          </a:prstGeom>
+          <a:ln w="31750"/>
+        </p:spPr>
+        <p:style>
+          <a:lnRef idx="2">
+            <a:schemeClr val="dk1"/>
+          </a:lnRef>
+          <a:fillRef idx="1">
+            <a:schemeClr val="lt1"/>
+          </a:fillRef>
+          <a:effectRef idx="0">
+            <a:schemeClr val="dk1"/>
+          </a:effectRef>
+          <a:fontRef idx="minor">
+            <a:schemeClr val="dk1"/>
+          </a:fontRef>
+        </p:style>
+      </p:cxnSp>
+      <p:grpSp>
+        <p:nvGrpSpPr>
+          <p:cNvPr id="177" name="Group 176">
+            <a:extLst>
+              <a:ext uri="{FF2B5EF4-FFF2-40B4-BE49-F238E27FC236}">
+                <a16:creationId xmlns:a16="http://schemas.microsoft.com/office/drawing/2014/main" id="{EA81D531-6ABA-4203-B78F-3BE5DE0CEE49}"/>
+              </a:ext>
+            </a:extLst>
+          </p:cNvPr>
+          <p:cNvGrpSpPr/>
+          <p:nvPr/>
+        </p:nvGrpSpPr>
+        <p:grpSpPr>
+          <a:xfrm>
+            <a:off x="3667159" y="1848491"/>
+            <a:ext cx="2571684" cy="2865639"/>
+            <a:chOff x="3667159" y="1848491"/>
+            <a:chExt cx="2571684" cy="2865639"/>
+          </a:xfrm>
+        </p:grpSpPr>
+        <p:grpSp>
+          <p:nvGrpSpPr>
+            <p:cNvPr id="175" name="Group 174">
+              <a:extLst>
+                <a:ext uri="{FF2B5EF4-FFF2-40B4-BE49-F238E27FC236}">
+                  <a16:creationId xmlns:a16="http://schemas.microsoft.com/office/drawing/2014/main" id="{98CAD274-665F-4134-B0D9-E284842A781E}"/>
+                </a:ext>
+              </a:extLst>
+            </p:cNvPr>
+            <p:cNvGrpSpPr/>
+            <p:nvPr/>
+          </p:nvGrpSpPr>
+          <p:grpSpPr>
+            <a:xfrm>
+              <a:off x="4151206" y="1848491"/>
+              <a:ext cx="1603589" cy="487956"/>
+              <a:chOff x="4135566" y="1848491"/>
+              <a:chExt cx="1603589" cy="487956"/>
+            </a:xfrm>
+          </p:grpSpPr>
           <p:sp>
             <p:nvSpPr>
-              <p:cNvPr id="36" name="Block Arc 35">
+              <p:cNvPr id="18" name="Rectangle 17">
                 <a:extLst>
                   <a:ext uri="{FF2B5EF4-FFF2-40B4-BE49-F238E27FC236}">
-                    <a16:creationId xmlns:a16="http://schemas.microsoft.com/office/drawing/2014/main" id="{47B120F0-248A-41A0-83AE-6E650F3582DB}"/>
+                    <a16:creationId xmlns:a16="http://schemas.microsoft.com/office/drawing/2014/main" id="{225D5C6B-A798-4EB7-BB51-09FD1F47C8D6}"/>
                   </a:ext>
                 </a:extLst>
               </p:cNvPr>
@@ -30077,44 +31418,97 @@
               <p:nvPr/>
             </p:nvSpPr>
             <p:spPr>
-              <a:xfrm rot="10800000">
-                <a:off x="1515579" y="-98514"/>
-                <a:ext cx="5749102" cy="5749102"/>
+              <a:xfrm rot="3206204">
+                <a:off x="5467109" y="2064401"/>
+                <a:ext cx="486000" cy="58092"/>
               </a:xfrm>
-              <a:prstGeom prst="blockArc">
-                <a:avLst>
-                  <a:gd name="adj1" fmla="val 10800000"/>
-                  <a:gd name="adj2" fmla="val 21582851"/>
-                  <a:gd name="adj3" fmla="val 0"/>
-                </a:avLst>
+              <a:prstGeom prst="rect">
+                <a:avLst/>
               </a:prstGeom>
-              <a:ln w="50800"/>
+              <a:ln w="31750"/>
             </p:spPr>
             <p:style>
               <a:lnRef idx="2">
-                <a:schemeClr val="accent2">
+                <a:schemeClr val="accent6">
                   <a:shade val="50000"/>
                 </a:schemeClr>
               </a:lnRef>
               <a:fillRef idx="1">
-                <a:schemeClr val="accent2"/>
+                <a:schemeClr val="accent6"/>
               </a:fillRef>
               <a:effectRef idx="0">
-                <a:schemeClr val="accent2"/>
+                <a:schemeClr val="accent6"/>
               </a:effectRef>
               <a:fontRef idx="minor">
                 <a:schemeClr val="lt1"/>
               </a:fontRef>
             </p:style>
             <p:txBody>
-              <a:bodyPr rtlCol="0" anchor="ctr"/>
+              <a:bodyPr rot="0" spcFirstLastPara="0" vertOverflow="overflow" horzOverflow="overflow" vert="horz" wrap="square" lIns="0" tIns="0" rIns="0" bIns="0" numCol="1" spcCol="0" rtlCol="0" fromWordArt="0" anchor="ctr" anchorCtr="0" forceAA="0" compatLnSpc="1">
+                <a:prstTxWarp prst="textNoShape">
+                  <a:avLst/>
+                </a:prstTxWarp>
+                <a:noAutofit/>
+              </a:bodyPr>
               <a:lstStyle/>
               <a:p>
                 <a:pPr algn="ctr"/>
-                <a:endParaRPr lang="en-AU">
-                  <a:solidFill>
-                    <a:schemeClr val="tx1"/>
-                  </a:solidFill>
+                <a:endParaRPr lang="en-AU" sz="1400">
+                  <a:latin typeface="Consolas" panose="020B0609020204030204" pitchFamily="49" charset="0"/>
+                </a:endParaRPr>
+              </a:p>
+            </p:txBody>
+          </p:sp>
+          <p:sp>
+            <p:nvSpPr>
+              <p:cNvPr id="33" name="Rectangle 32">
+                <a:extLst>
+                  <a:ext uri="{FF2B5EF4-FFF2-40B4-BE49-F238E27FC236}">
+                    <a16:creationId xmlns:a16="http://schemas.microsoft.com/office/drawing/2014/main" id="{9D89E359-7655-4985-99F2-9449D0066643}"/>
+                  </a:ext>
+                </a:extLst>
+              </p:cNvPr>
+              <p:cNvSpPr/>
+              <p:nvPr/>
+            </p:nvSpPr>
+            <p:spPr>
+              <a:xfrm rot="18393796" flipH="1">
+                <a:off x="3927587" y="2056470"/>
+                <a:ext cx="484664" cy="68705"/>
+              </a:xfrm>
+              <a:prstGeom prst="rect">
+                <a:avLst/>
+              </a:prstGeom>
+              <a:ln w="31750"/>
+            </p:spPr>
+            <p:style>
+              <a:lnRef idx="2">
+                <a:schemeClr val="accent6">
+                  <a:shade val="50000"/>
+                </a:schemeClr>
+              </a:lnRef>
+              <a:fillRef idx="1">
+                <a:schemeClr val="accent6"/>
+              </a:fillRef>
+              <a:effectRef idx="0">
+                <a:schemeClr val="accent6"/>
+              </a:effectRef>
+              <a:fontRef idx="minor">
+                <a:schemeClr val="lt1"/>
+              </a:fontRef>
+            </p:style>
+            <p:txBody>
+              <a:bodyPr rot="0" spcFirstLastPara="0" vertOverflow="overflow" horzOverflow="overflow" vert="horz" wrap="square" lIns="0" tIns="0" rIns="0" bIns="0" numCol="1" spcCol="0" rtlCol="0" fromWordArt="0" anchor="ctr" anchorCtr="0" forceAA="0" compatLnSpc="1">
+                <a:prstTxWarp prst="textNoShape">
+                  <a:avLst/>
+                </a:prstTxWarp>
+                <a:noAutofit/>
+              </a:bodyPr>
+              <a:lstStyle/>
+              <a:p>
+                <a:pPr algn="ctr"/>
+                <a:endParaRPr lang="en-AU" sz="1400">
+                  <a:latin typeface="Consolas" panose="020B0609020204030204" pitchFamily="49" charset="0"/>
                 </a:endParaRPr>
               </a:p>
             </p:txBody>
@@ -30122,10 +31516,194 @@
         </p:grpSp>
         <p:sp>
           <p:nvSpPr>
-            <p:cNvPr id="34" name="Oval 33">
+            <p:cNvPr id="19" name="Rectangle 18">
               <a:extLst>
                 <a:ext uri="{FF2B5EF4-FFF2-40B4-BE49-F238E27FC236}">
-                  <a16:creationId xmlns:a16="http://schemas.microsoft.com/office/drawing/2014/main" id="{ED408A7E-6BB4-4C6E-A938-0101DD44A53A}"/>
+                  <a16:creationId xmlns:a16="http://schemas.microsoft.com/office/drawing/2014/main" id="{2789937D-7436-4ACA-8307-F59F29E92A8A}"/>
+                </a:ext>
+              </a:extLst>
+            </p:cNvPr>
+            <p:cNvSpPr/>
+            <p:nvPr/>
+          </p:nvSpPr>
+          <p:spPr>
+            <a:xfrm rot="1223974">
+              <a:off x="5754177" y="4645425"/>
+              <a:ext cx="484666" cy="68705"/>
+            </a:xfrm>
+            <a:prstGeom prst="rect">
+              <a:avLst/>
+            </a:prstGeom>
+            <a:ln w="31750"/>
+          </p:spPr>
+          <p:style>
+            <a:lnRef idx="2">
+              <a:schemeClr val="accent6">
+                <a:shade val="50000"/>
+              </a:schemeClr>
+            </a:lnRef>
+            <a:fillRef idx="1">
+              <a:schemeClr val="accent6"/>
+            </a:fillRef>
+            <a:effectRef idx="0">
+              <a:schemeClr val="accent6"/>
+            </a:effectRef>
+            <a:fontRef idx="minor">
+              <a:schemeClr val="lt1"/>
+            </a:fontRef>
+          </p:style>
+          <p:txBody>
+            <a:bodyPr rot="0" spcFirstLastPara="0" vertOverflow="overflow" horzOverflow="overflow" vert="horz" wrap="square" lIns="0" tIns="0" rIns="0" bIns="0" numCol="1" spcCol="0" rtlCol="0" fromWordArt="0" anchor="ctr" anchorCtr="0" forceAA="0" compatLnSpc="1">
+              <a:prstTxWarp prst="textNoShape">
+                <a:avLst/>
+              </a:prstTxWarp>
+              <a:noAutofit/>
+            </a:bodyPr>
+            <a:lstStyle/>
+            <a:p>
+              <a:pPr algn="ctr"/>
+              <a:endParaRPr lang="en-AU" sz="1400">
+                <a:latin typeface="Consolas" panose="020B0609020204030204" pitchFamily="49" charset="0"/>
+              </a:endParaRPr>
+            </a:p>
+          </p:txBody>
+        </p:sp>
+        <p:sp>
+          <p:nvSpPr>
+            <p:cNvPr id="34" name="Rectangle 33">
+              <a:extLst>
+                <a:ext uri="{FF2B5EF4-FFF2-40B4-BE49-F238E27FC236}">
+                  <a16:creationId xmlns:a16="http://schemas.microsoft.com/office/drawing/2014/main" id="{7DDCCD10-5749-4932-A629-241C96962068}"/>
+                </a:ext>
+              </a:extLst>
+            </p:cNvPr>
+            <p:cNvSpPr/>
+            <p:nvPr/>
+          </p:nvSpPr>
+          <p:spPr>
+            <a:xfrm rot="20376026" flipH="1">
+              <a:off x="3667159" y="4645424"/>
+              <a:ext cx="484664" cy="68705"/>
+            </a:xfrm>
+            <a:prstGeom prst="rect">
+              <a:avLst/>
+            </a:prstGeom>
+            <a:ln w="31750"/>
+          </p:spPr>
+          <p:style>
+            <a:lnRef idx="2">
+              <a:schemeClr val="accent6">
+                <a:shade val="50000"/>
+              </a:schemeClr>
+            </a:lnRef>
+            <a:fillRef idx="1">
+              <a:schemeClr val="accent6"/>
+            </a:fillRef>
+            <a:effectRef idx="0">
+              <a:schemeClr val="accent6"/>
+            </a:effectRef>
+            <a:fontRef idx="minor">
+              <a:schemeClr val="lt1"/>
+            </a:fontRef>
+          </p:style>
+          <p:txBody>
+            <a:bodyPr rot="0" spcFirstLastPara="0" vertOverflow="overflow" horzOverflow="overflow" vert="horz" wrap="square" lIns="0" tIns="0" rIns="0" bIns="0" numCol="1" spcCol="0" rtlCol="0" fromWordArt="0" anchor="ctr" anchorCtr="0" forceAA="0" compatLnSpc="1">
+              <a:prstTxWarp prst="textNoShape">
+                <a:avLst/>
+              </a:prstTxWarp>
+              <a:noAutofit/>
+            </a:bodyPr>
+            <a:lstStyle/>
+            <a:p>
+              <a:pPr algn="ctr"/>
+              <a:endParaRPr lang="en-AU" sz="1400">
+                <a:latin typeface="Consolas" panose="020B0609020204030204" pitchFamily="49" charset="0"/>
+              </a:endParaRPr>
+            </a:p>
+          </p:txBody>
+        </p:sp>
+      </p:grpSp>
+      <p:grpSp>
+        <p:nvGrpSpPr>
+          <p:cNvPr id="174" name="Group 173">
+            <a:extLst>
+              <a:ext uri="{FF2B5EF4-FFF2-40B4-BE49-F238E27FC236}">
+                <a16:creationId xmlns:a16="http://schemas.microsoft.com/office/drawing/2014/main" id="{27F0B13F-61A8-4981-8EA5-D4D7AAADC5B3}"/>
+              </a:ext>
+            </a:extLst>
+          </p:cNvPr>
+          <p:cNvGrpSpPr/>
+          <p:nvPr/>
+        </p:nvGrpSpPr>
+        <p:grpSpPr>
+          <a:xfrm>
+            <a:off x="3645994" y="2294536"/>
+            <a:ext cx="2614012" cy="245146"/>
+            <a:chOff x="3660044" y="2294536"/>
+            <a:chExt cx="2614012" cy="245146"/>
+          </a:xfrm>
+          <a:solidFill>
+            <a:schemeClr val="accent5"/>
+          </a:solidFill>
+        </p:grpSpPr>
+        <p:sp>
+          <p:nvSpPr>
+            <p:cNvPr id="20" name="Rectangle 19">
+              <a:extLst>
+                <a:ext uri="{FF2B5EF4-FFF2-40B4-BE49-F238E27FC236}">
+                  <a16:creationId xmlns:a16="http://schemas.microsoft.com/office/drawing/2014/main" id="{7F69A4C8-DC23-4351-BEED-1A87F7E1001A}"/>
+                </a:ext>
+              </a:extLst>
+            </p:cNvPr>
+            <p:cNvSpPr/>
+            <p:nvPr/>
+          </p:nvSpPr>
+          <p:spPr>
+            <a:xfrm>
+              <a:off x="5970814" y="2294537"/>
+              <a:ext cx="303242" cy="245145"/>
+            </a:xfrm>
+            <a:prstGeom prst="rect">
+              <a:avLst/>
+            </a:prstGeom>
+            <a:ln w="31750"/>
+          </p:spPr>
+          <p:style>
+            <a:lnRef idx="2">
+              <a:schemeClr val="accent5">
+                <a:shade val="50000"/>
+              </a:schemeClr>
+            </a:lnRef>
+            <a:fillRef idx="1">
+              <a:schemeClr val="accent5"/>
+            </a:fillRef>
+            <a:effectRef idx="0">
+              <a:schemeClr val="accent5"/>
+            </a:effectRef>
+            <a:fontRef idx="minor">
+              <a:schemeClr val="lt1"/>
+            </a:fontRef>
+          </p:style>
+          <p:txBody>
+            <a:bodyPr lIns="0" tIns="0" rIns="0" bIns="0" rtlCol="0" anchor="ctr"/>
+            <a:lstStyle/>
+            <a:p>
+              <a:pPr algn="ctr"/>
+              <a:r>
+                <a:rPr lang="en-AU" sz="1400" dirty="0">
+                  <a:latin typeface="Consolas" panose="020B0609020204030204" pitchFamily="49" charset="0"/>
+                </a:rPr>
+                <a:t>C06</a:t>
+              </a:r>
+            </a:p>
+          </p:txBody>
+        </p:sp>
+        <p:sp>
+          <p:nvSpPr>
+            <p:cNvPr id="35" name="Rectangle 34">
+              <a:extLst>
+                <a:ext uri="{FF2B5EF4-FFF2-40B4-BE49-F238E27FC236}">
+                  <a16:creationId xmlns:a16="http://schemas.microsoft.com/office/drawing/2014/main" id="{54C7CA5C-F7AF-4730-AF12-75A9D13AF783}"/>
                 </a:ext>
               </a:extLst>
             </p:cNvPr>
@@ -30134,46 +31712,1944 @@
           </p:nvSpPr>
           <p:spPr>
             <a:xfrm flipH="1">
-              <a:off x="1773282" y="1514151"/>
-              <a:ext cx="45720" cy="45720"/>
+              <a:off x="3660044" y="2294536"/>
+              <a:ext cx="303242" cy="245145"/>
             </a:xfrm>
-            <a:prstGeom prst="ellipse">
+            <a:prstGeom prst="rect">
               <a:avLst/>
             </a:prstGeom>
-            <a:ln w="50800"/>
+            <a:ln w="31750"/>
           </p:spPr>
           <p:style>
             <a:lnRef idx="2">
-              <a:schemeClr val="accent1">
+              <a:schemeClr val="accent5">
                 <a:shade val="50000"/>
               </a:schemeClr>
             </a:lnRef>
             <a:fillRef idx="1">
-              <a:schemeClr val="accent1"/>
+              <a:schemeClr val="accent5"/>
             </a:fillRef>
             <a:effectRef idx="0">
-              <a:schemeClr val="accent1"/>
+              <a:schemeClr val="accent5"/>
             </a:effectRef>
             <a:fontRef idx="minor">
               <a:schemeClr val="lt1"/>
             </a:fontRef>
           </p:style>
           <p:txBody>
-            <a:bodyPr rtlCol="0" anchor="ctr"/>
+            <a:bodyPr lIns="0" tIns="0" rIns="0" bIns="0" rtlCol="0" anchor="ctr"/>
             <a:lstStyle/>
             <a:p>
               <a:pPr algn="ctr"/>
-              <a:endParaRPr lang="en-AU"/>
+              <a:r>
+                <a:rPr lang="en-AU" sz="1400" dirty="0">
+                  <a:latin typeface="Consolas" panose="020B0609020204030204" pitchFamily="49" charset="0"/>
+                </a:rPr>
+                <a:t>C02</a:t>
+              </a:r>
             </a:p>
           </p:txBody>
         </p:sp>
       </p:grpSp>
       <p:sp>
         <p:nvSpPr>
-          <p:cNvPr id="8" name="Oval 7">
+          <p:cNvPr id="36" name="Rectangle 35">
             <a:extLst>
               <a:ext uri="{FF2B5EF4-FFF2-40B4-BE49-F238E27FC236}">
-                <a16:creationId xmlns:a16="http://schemas.microsoft.com/office/drawing/2014/main" id="{0FAA744C-C0A8-4C1E-BB87-6FB27E5E4BF5}"/>
+                <a16:creationId xmlns:a16="http://schemas.microsoft.com/office/drawing/2014/main" id="{070E04E6-8C9C-4F93-B657-8E589C455B52}"/>
+              </a:ext>
+            </a:extLst>
+          </p:cNvPr>
+          <p:cNvSpPr/>
+          <p:nvPr/>
+        </p:nvSpPr>
+        <p:spPr>
+          <a:xfrm flipH="1">
+            <a:off x="3915897" y="3645223"/>
+            <a:ext cx="303242" cy="245145"/>
+          </a:xfrm>
+          <a:prstGeom prst="rect">
+            <a:avLst/>
+          </a:prstGeom>
+          <a:ln w="31750"/>
+        </p:spPr>
+        <p:style>
+          <a:lnRef idx="2">
+            <a:schemeClr val="accent5">
+              <a:shade val="50000"/>
+            </a:schemeClr>
+          </a:lnRef>
+          <a:fillRef idx="1">
+            <a:schemeClr val="accent5"/>
+          </a:fillRef>
+          <a:effectRef idx="0">
+            <a:schemeClr val="accent5"/>
+          </a:effectRef>
+          <a:fontRef idx="minor">
+            <a:schemeClr val="lt1"/>
+          </a:fontRef>
+        </p:style>
+        <p:txBody>
+          <a:bodyPr lIns="0" tIns="0" rIns="0" bIns="0" rtlCol="0" anchor="ctr"/>
+          <a:lstStyle/>
+          <a:p>
+            <a:pPr algn="ctr"/>
+            <a:r>
+              <a:rPr lang="en-AU" sz="1400" dirty="0">
+                <a:latin typeface="Consolas" panose="020B0609020204030204" pitchFamily="49" charset="0"/>
+              </a:rPr>
+              <a:t>C02</a:t>
+            </a:r>
+          </a:p>
+        </p:txBody>
+      </p:sp>
+      <p:cxnSp>
+        <p:nvCxnSpPr>
+          <p:cNvPr id="38" name="Connector: Curved 37">
+            <a:extLst>
+              <a:ext uri="{FF2B5EF4-FFF2-40B4-BE49-F238E27FC236}">
+                <a16:creationId xmlns:a16="http://schemas.microsoft.com/office/drawing/2014/main" id="{91D6435D-8032-4713-BF0F-36883674608E}"/>
+              </a:ext>
+            </a:extLst>
+          </p:cNvPr>
+          <p:cNvCxnSpPr>
+            <a:cxnSpLocks/>
+            <a:stCxn id="36" idx="1"/>
+            <a:endCxn id="35" idx="1"/>
+          </p:cNvCxnSpPr>
+          <p:nvPr/>
+        </p:nvCxnSpPr>
+        <p:spPr>
+          <a:xfrm flipH="1" flipV="1">
+            <a:off x="3949236" y="2417109"/>
+            <a:ext cx="269903" cy="1350687"/>
+          </a:xfrm>
+          <a:prstGeom prst="curvedConnector3">
+            <a:avLst>
+              <a:gd name="adj1" fmla="val -84697"/>
+            </a:avLst>
+          </a:prstGeom>
+          <a:ln w="31750">
+            <a:solidFill>
+              <a:srgbClr val="7030A0"/>
+            </a:solidFill>
+          </a:ln>
+        </p:spPr>
+        <p:style>
+          <a:lnRef idx="3">
+            <a:schemeClr val="accent5"/>
+          </a:lnRef>
+          <a:fillRef idx="0">
+            <a:schemeClr val="accent5"/>
+          </a:fillRef>
+          <a:effectRef idx="2">
+            <a:schemeClr val="accent5"/>
+          </a:effectRef>
+          <a:fontRef idx="minor">
+            <a:schemeClr val="tx1"/>
+          </a:fontRef>
+        </p:style>
+      </p:cxnSp>
+      <p:cxnSp>
+        <p:nvCxnSpPr>
+          <p:cNvPr id="51" name="Connector: Curved 50">
+            <a:extLst>
+              <a:ext uri="{FF2B5EF4-FFF2-40B4-BE49-F238E27FC236}">
+                <a16:creationId xmlns:a16="http://schemas.microsoft.com/office/drawing/2014/main" id="{E004236B-2759-41DF-A15A-08F02B7DB758}"/>
+              </a:ext>
+            </a:extLst>
+          </p:cNvPr>
+          <p:cNvCxnSpPr>
+            <a:cxnSpLocks/>
+            <a:stCxn id="21" idx="1"/>
+            <a:endCxn id="20" idx="1"/>
+          </p:cNvCxnSpPr>
+          <p:nvPr/>
+        </p:nvCxnSpPr>
+        <p:spPr>
+          <a:xfrm rot="10800000" flipH="1">
+            <a:off x="5686858" y="2417111"/>
+            <a:ext cx="269905" cy="1350683"/>
+          </a:xfrm>
+          <a:prstGeom prst="curvedConnector3">
+            <a:avLst>
+              <a:gd name="adj1" fmla="val -84696"/>
+            </a:avLst>
+          </a:prstGeom>
+          <a:ln w="31750">
+            <a:solidFill>
+              <a:srgbClr val="7030A0"/>
+            </a:solidFill>
+          </a:ln>
+        </p:spPr>
+        <p:style>
+          <a:lnRef idx="3">
+            <a:schemeClr val="accent5"/>
+          </a:lnRef>
+          <a:fillRef idx="0">
+            <a:schemeClr val="accent5"/>
+          </a:fillRef>
+          <a:effectRef idx="2">
+            <a:schemeClr val="accent5"/>
+          </a:effectRef>
+          <a:fontRef idx="minor">
+            <a:schemeClr val="tx1"/>
+          </a:fontRef>
+        </p:style>
+      </p:cxnSp>
+      <p:cxnSp>
+        <p:nvCxnSpPr>
+          <p:cNvPr id="54" name="Connector: Curved 53">
+            <a:extLst>
+              <a:ext uri="{FF2B5EF4-FFF2-40B4-BE49-F238E27FC236}">
+                <a16:creationId xmlns:a16="http://schemas.microsoft.com/office/drawing/2014/main" id="{A8DEC879-2203-420B-A6CB-4FAA3B553BFD}"/>
+              </a:ext>
+            </a:extLst>
+          </p:cNvPr>
+          <p:cNvCxnSpPr>
+            <a:cxnSpLocks/>
+            <a:stCxn id="35" idx="1"/>
+            <a:endCxn id="20" idx="1"/>
+          </p:cNvCxnSpPr>
+          <p:nvPr/>
+        </p:nvCxnSpPr>
+        <p:spPr>
+          <a:xfrm>
+            <a:off x="3949236" y="2417109"/>
+            <a:ext cx="2007528" cy="1"/>
+          </a:xfrm>
+          <a:prstGeom prst="curvedConnector3">
+            <a:avLst>
+              <a:gd name="adj1" fmla="val 50000"/>
+            </a:avLst>
+          </a:prstGeom>
+          <a:ln w="31750">
+            <a:solidFill>
+              <a:srgbClr val="7030A0"/>
+            </a:solidFill>
+          </a:ln>
+        </p:spPr>
+        <p:style>
+          <a:lnRef idx="3">
+            <a:schemeClr val="accent5"/>
+          </a:lnRef>
+          <a:fillRef idx="0">
+            <a:schemeClr val="accent5"/>
+          </a:fillRef>
+          <a:effectRef idx="2">
+            <a:schemeClr val="accent5"/>
+          </a:effectRef>
+          <a:fontRef idx="minor">
+            <a:schemeClr val="tx1"/>
+          </a:fontRef>
+        </p:style>
+      </p:cxnSp>
+      <p:cxnSp>
+        <p:nvCxnSpPr>
+          <p:cNvPr id="58" name="Straight Connector 57">
+            <a:extLst>
+              <a:ext uri="{FF2B5EF4-FFF2-40B4-BE49-F238E27FC236}">
+                <a16:creationId xmlns:a16="http://schemas.microsoft.com/office/drawing/2014/main" id="{4049BF07-1044-49B6-9789-CA06022B2E56}"/>
+              </a:ext>
+            </a:extLst>
+          </p:cNvPr>
+          <p:cNvCxnSpPr>
+            <a:cxnSpLocks/>
+            <a:stCxn id="24" idx="2"/>
+            <a:endCxn id="5" idx="2"/>
+          </p:cNvCxnSpPr>
+          <p:nvPr/>
+        </p:nvCxnSpPr>
+        <p:spPr>
+          <a:xfrm>
+            <a:off x="4652304" y="1628049"/>
+            <a:ext cx="601392" cy="0"/>
+          </a:xfrm>
+          <a:prstGeom prst="line">
+            <a:avLst/>
+          </a:prstGeom>
+          <a:ln w="31750"/>
+        </p:spPr>
+        <p:style>
+          <a:lnRef idx="2">
+            <a:schemeClr val="dk1"/>
+          </a:lnRef>
+          <a:fillRef idx="1">
+            <a:schemeClr val="lt1"/>
+          </a:fillRef>
+          <a:effectRef idx="0">
+            <a:schemeClr val="dk1"/>
+          </a:effectRef>
+          <a:fontRef idx="minor">
+            <a:schemeClr val="dk1"/>
+          </a:fontRef>
+        </p:style>
+      </p:cxnSp>
+      <p:cxnSp>
+        <p:nvCxnSpPr>
+          <p:cNvPr id="61" name="Connector: Elbow 60">
+            <a:extLst>
+              <a:ext uri="{FF2B5EF4-FFF2-40B4-BE49-F238E27FC236}">
+                <a16:creationId xmlns:a16="http://schemas.microsoft.com/office/drawing/2014/main" id="{6B4D21ED-D8D8-4C61-8E45-70CBBCE9BB8A}"/>
+              </a:ext>
+            </a:extLst>
+          </p:cNvPr>
+          <p:cNvCxnSpPr>
+            <a:cxnSpLocks/>
+            <a:stCxn id="191" idx="2"/>
+            <a:endCxn id="59" idx="3"/>
+          </p:cNvCxnSpPr>
+          <p:nvPr/>
+        </p:nvCxnSpPr>
+        <p:spPr>
+          <a:xfrm rot="10800000">
+            <a:off x="2633987" y="4206170"/>
+            <a:ext cx="790952" cy="466889"/>
+          </a:xfrm>
+          <a:prstGeom prst="bentConnector3">
+            <a:avLst>
+              <a:gd name="adj1" fmla="val 50000"/>
+            </a:avLst>
+          </a:prstGeom>
+          <a:ln>
+            <a:prstDash val="sysDash"/>
+          </a:ln>
+        </p:spPr>
+        <p:style>
+          <a:lnRef idx="3">
+            <a:schemeClr val="accent2"/>
+          </a:lnRef>
+          <a:fillRef idx="0">
+            <a:schemeClr val="accent2"/>
+          </a:fillRef>
+          <a:effectRef idx="2">
+            <a:schemeClr val="accent2"/>
+          </a:effectRef>
+          <a:fontRef idx="minor">
+            <a:schemeClr val="tx1"/>
+          </a:fontRef>
+        </p:style>
+      </p:cxnSp>
+      <p:cxnSp>
+        <p:nvCxnSpPr>
+          <p:cNvPr id="68" name="Connector: Elbow 67">
+            <a:extLst>
+              <a:ext uri="{FF2B5EF4-FFF2-40B4-BE49-F238E27FC236}">
+                <a16:creationId xmlns:a16="http://schemas.microsoft.com/office/drawing/2014/main" id="{05BB0A0F-6937-4CBB-9F04-90195AB8D127}"/>
+              </a:ext>
+            </a:extLst>
+          </p:cNvPr>
+          <p:cNvCxnSpPr>
+            <a:cxnSpLocks/>
+            <a:stCxn id="34" idx="2"/>
+            <a:endCxn id="64" idx="2"/>
+          </p:cNvCxnSpPr>
+          <p:nvPr/>
+        </p:nvCxnSpPr>
+        <p:spPr>
+          <a:xfrm rot="5400000">
+            <a:off x="3012985" y="4091565"/>
+            <a:ext cx="288070" cy="1528890"/>
+          </a:xfrm>
+          <a:prstGeom prst="bentConnector3">
+            <a:avLst>
+              <a:gd name="adj1" fmla="val 179356"/>
+            </a:avLst>
+          </a:prstGeom>
+          <a:ln>
+            <a:prstDash val="sysDash"/>
+          </a:ln>
+        </p:spPr>
+        <p:style>
+          <a:lnRef idx="3">
+            <a:schemeClr val="accent2"/>
+          </a:lnRef>
+          <a:fillRef idx="0">
+            <a:schemeClr val="accent2"/>
+          </a:fillRef>
+          <a:effectRef idx="2">
+            <a:schemeClr val="accent2"/>
+          </a:effectRef>
+          <a:fontRef idx="minor">
+            <a:schemeClr val="tx1"/>
+          </a:fontRef>
+        </p:style>
+      </p:cxnSp>
+      <p:cxnSp>
+        <p:nvCxnSpPr>
+          <p:cNvPr id="71" name="Connector: Elbow 70">
+            <a:extLst>
+              <a:ext uri="{FF2B5EF4-FFF2-40B4-BE49-F238E27FC236}">
+                <a16:creationId xmlns:a16="http://schemas.microsoft.com/office/drawing/2014/main" id="{69897B8E-4607-4AE4-8831-FB9A9F8FCA7F}"/>
+              </a:ext>
+            </a:extLst>
+          </p:cNvPr>
+          <p:cNvCxnSpPr>
+            <a:cxnSpLocks/>
+            <a:stCxn id="32" idx="3"/>
+            <a:endCxn id="65" idx="3"/>
+          </p:cNvCxnSpPr>
+          <p:nvPr/>
+        </p:nvCxnSpPr>
+        <p:spPr>
+          <a:xfrm rot="10800000">
+            <a:off x="2633987" y="3566182"/>
+            <a:ext cx="1352574" cy="595785"/>
+          </a:xfrm>
+          <a:prstGeom prst="bentConnector3">
+            <a:avLst>
+              <a:gd name="adj1" fmla="val 50000"/>
+            </a:avLst>
+          </a:prstGeom>
+          <a:ln>
+            <a:prstDash val="sysDash"/>
+          </a:ln>
+        </p:spPr>
+        <p:style>
+          <a:lnRef idx="3">
+            <a:schemeClr val="accent2"/>
+          </a:lnRef>
+          <a:fillRef idx="0">
+            <a:schemeClr val="accent2"/>
+          </a:fillRef>
+          <a:effectRef idx="2">
+            <a:schemeClr val="accent2"/>
+          </a:effectRef>
+          <a:fontRef idx="minor">
+            <a:schemeClr val="tx1"/>
+          </a:fontRef>
+        </p:style>
+      </p:cxnSp>
+      <p:cxnSp>
+        <p:nvCxnSpPr>
+          <p:cNvPr id="74" name="Connector: Elbow 73">
+            <a:extLst>
+              <a:ext uri="{FF2B5EF4-FFF2-40B4-BE49-F238E27FC236}">
+                <a16:creationId xmlns:a16="http://schemas.microsoft.com/office/drawing/2014/main" id="{548CE8C1-0890-437C-95DC-FECC905C9514}"/>
+              </a:ext>
+            </a:extLst>
+          </p:cNvPr>
+          <p:cNvCxnSpPr>
+            <a:cxnSpLocks/>
+            <a:stCxn id="185" idx="3"/>
+            <a:endCxn id="66" idx="3"/>
+          </p:cNvCxnSpPr>
+          <p:nvPr/>
+        </p:nvCxnSpPr>
+        <p:spPr>
+          <a:xfrm rot="10800000" flipV="1">
+            <a:off x="2633988" y="2521169"/>
+            <a:ext cx="885139" cy="405024"/>
+          </a:xfrm>
+          <a:prstGeom prst="bentConnector3">
+            <a:avLst>
+              <a:gd name="adj1" fmla="val 50000"/>
+            </a:avLst>
+          </a:prstGeom>
+          <a:ln>
+            <a:prstDash val="sysDash"/>
+          </a:ln>
+        </p:spPr>
+        <p:style>
+          <a:lnRef idx="3">
+            <a:schemeClr val="accent2"/>
+          </a:lnRef>
+          <a:fillRef idx="0">
+            <a:schemeClr val="accent2"/>
+          </a:fillRef>
+          <a:effectRef idx="2">
+            <a:schemeClr val="accent2"/>
+          </a:effectRef>
+          <a:fontRef idx="minor">
+            <a:schemeClr val="tx1"/>
+          </a:fontRef>
+        </p:style>
+      </p:cxnSp>
+      <p:cxnSp>
+        <p:nvCxnSpPr>
+          <p:cNvPr id="77" name="Connector: Elbow 76">
+            <a:extLst>
+              <a:ext uri="{FF2B5EF4-FFF2-40B4-BE49-F238E27FC236}">
+                <a16:creationId xmlns:a16="http://schemas.microsoft.com/office/drawing/2014/main" id="{0A2662F9-9696-4A63-98E4-27194AE72325}"/>
+              </a:ext>
+            </a:extLst>
+          </p:cNvPr>
+          <p:cNvCxnSpPr>
+            <a:cxnSpLocks/>
+            <a:stCxn id="33" idx="0"/>
+            <a:endCxn id="67" idx="3"/>
+          </p:cNvCxnSpPr>
+          <p:nvPr/>
+        </p:nvCxnSpPr>
+        <p:spPr>
+          <a:xfrm rot="10800000" flipV="1">
+            <a:off x="2633987" y="2070357"/>
+            <a:ext cx="1523980" cy="215847"/>
+          </a:xfrm>
+          <a:prstGeom prst="bentConnector3">
+            <a:avLst>
+              <a:gd name="adj1" fmla="val 50000"/>
+            </a:avLst>
+          </a:prstGeom>
+          <a:ln>
+            <a:prstDash val="sysDash"/>
+          </a:ln>
+        </p:spPr>
+        <p:style>
+          <a:lnRef idx="3">
+            <a:schemeClr val="accent2"/>
+          </a:lnRef>
+          <a:fillRef idx="0">
+            <a:schemeClr val="accent2"/>
+          </a:fillRef>
+          <a:effectRef idx="2">
+            <a:schemeClr val="accent2"/>
+          </a:effectRef>
+          <a:fontRef idx="minor">
+            <a:schemeClr val="tx1"/>
+          </a:fontRef>
+        </p:style>
+      </p:cxnSp>
+      <p:sp>
+        <p:nvSpPr>
+          <p:cNvPr id="59" name="TextBox 58">
+            <a:extLst>
+              <a:ext uri="{FF2B5EF4-FFF2-40B4-BE49-F238E27FC236}">
+                <a16:creationId xmlns:a16="http://schemas.microsoft.com/office/drawing/2014/main" id="{7721B185-E415-4B39-87A5-E928E73DEB35}"/>
+              </a:ext>
+            </a:extLst>
+          </p:cNvPr>
+          <p:cNvSpPr txBox="1"/>
+          <p:nvPr/>
+        </p:nvSpPr>
+        <p:spPr>
+          <a:xfrm>
+            <a:off x="2151163" y="4052280"/>
+            <a:ext cx="482824" cy="307777"/>
+          </a:xfrm>
+          <a:prstGeom prst="rect">
+            <a:avLst/>
+          </a:prstGeom>
+          <a:noFill/>
+        </p:spPr>
+        <p:txBody>
+          <a:bodyPr wrap="none" rtlCol="0">
+            <a:spAutoFit/>
+          </a:bodyPr>
+          <a:lstStyle/>
+          <a:p>
+            <a:r>
+              <a:rPr lang="en-AU" sz="1400" dirty="0">
+                <a:solidFill>
+                  <a:schemeClr val="accent2"/>
+                </a:solidFill>
+                <a:latin typeface="Consolas" panose="020B0609020204030204" pitchFamily="49" charset="0"/>
+              </a:rPr>
+              <a:t>P01</a:t>
+            </a:r>
+          </a:p>
+        </p:txBody>
+      </p:sp>
+      <p:sp>
+        <p:nvSpPr>
+          <p:cNvPr id="64" name="TextBox 63">
+            <a:extLst>
+              <a:ext uri="{FF2B5EF4-FFF2-40B4-BE49-F238E27FC236}">
+                <a16:creationId xmlns:a16="http://schemas.microsoft.com/office/drawing/2014/main" id="{AC3D3792-5114-440F-A55D-C7442A84FF3B}"/>
+              </a:ext>
+            </a:extLst>
+          </p:cNvPr>
+          <p:cNvSpPr txBox="1"/>
+          <p:nvPr/>
+        </p:nvSpPr>
+        <p:spPr>
+          <a:xfrm>
+            <a:off x="2151163" y="4692268"/>
+            <a:ext cx="482824" cy="307777"/>
+          </a:xfrm>
+          <a:prstGeom prst="rect">
+            <a:avLst/>
+          </a:prstGeom>
+          <a:noFill/>
+        </p:spPr>
+        <p:txBody>
+          <a:bodyPr wrap="square" rtlCol="0">
+            <a:spAutoFit/>
+          </a:bodyPr>
+          <a:lstStyle/>
+          <a:p>
+            <a:r>
+              <a:rPr lang="en-AU" sz="1400" dirty="0">
+                <a:solidFill>
+                  <a:schemeClr val="accent2"/>
+                </a:solidFill>
+                <a:latin typeface="Consolas" panose="020B0609020204030204" pitchFamily="49" charset="0"/>
+              </a:rPr>
+              <a:t>F01</a:t>
+            </a:r>
+          </a:p>
+        </p:txBody>
+      </p:sp>
+      <p:sp>
+        <p:nvSpPr>
+          <p:cNvPr id="65" name="TextBox 64">
+            <a:extLst>
+              <a:ext uri="{FF2B5EF4-FFF2-40B4-BE49-F238E27FC236}">
+                <a16:creationId xmlns:a16="http://schemas.microsoft.com/office/drawing/2014/main" id="{8A4D7292-5F5E-49C2-9B89-3DC84A08ACFD}"/>
+              </a:ext>
+            </a:extLst>
+          </p:cNvPr>
+          <p:cNvSpPr txBox="1"/>
+          <p:nvPr/>
+        </p:nvSpPr>
+        <p:spPr>
+          <a:xfrm>
+            <a:off x="2151163" y="3412292"/>
+            <a:ext cx="482824" cy="307777"/>
+          </a:xfrm>
+          <a:prstGeom prst="rect">
+            <a:avLst/>
+          </a:prstGeom>
+          <a:noFill/>
+        </p:spPr>
+        <p:txBody>
+          <a:bodyPr wrap="none" rtlCol="0">
+            <a:spAutoFit/>
+          </a:bodyPr>
+          <a:lstStyle/>
+          <a:p>
+            <a:r>
+              <a:rPr lang="en-AU" sz="1400" dirty="0">
+                <a:solidFill>
+                  <a:schemeClr val="accent2"/>
+                </a:solidFill>
+                <a:latin typeface="Consolas" panose="020B0609020204030204" pitchFamily="49" charset="0"/>
+              </a:rPr>
+              <a:t>P02</a:t>
+            </a:r>
+          </a:p>
+        </p:txBody>
+      </p:sp>
+      <p:sp>
+        <p:nvSpPr>
+          <p:cNvPr id="66" name="TextBox 65">
+            <a:extLst>
+              <a:ext uri="{FF2B5EF4-FFF2-40B4-BE49-F238E27FC236}">
+                <a16:creationId xmlns:a16="http://schemas.microsoft.com/office/drawing/2014/main" id="{49FCA270-C8A6-4592-814F-223D06D3CA95}"/>
+              </a:ext>
+            </a:extLst>
+          </p:cNvPr>
+          <p:cNvSpPr txBox="1"/>
+          <p:nvPr/>
+        </p:nvSpPr>
+        <p:spPr>
+          <a:xfrm>
+            <a:off x="2151163" y="2772304"/>
+            <a:ext cx="482824" cy="307777"/>
+          </a:xfrm>
+          <a:prstGeom prst="rect">
+            <a:avLst/>
+          </a:prstGeom>
+          <a:noFill/>
+        </p:spPr>
+        <p:txBody>
+          <a:bodyPr wrap="none" rtlCol="0">
+            <a:spAutoFit/>
+          </a:bodyPr>
+          <a:lstStyle/>
+          <a:p>
+            <a:r>
+              <a:rPr lang="en-AU" sz="1400" dirty="0">
+                <a:solidFill>
+                  <a:schemeClr val="accent2"/>
+                </a:solidFill>
+                <a:latin typeface="Consolas" panose="020B0609020204030204" pitchFamily="49" charset="0"/>
+              </a:rPr>
+              <a:t>P03</a:t>
+            </a:r>
+          </a:p>
+        </p:txBody>
+      </p:sp>
+      <p:sp>
+        <p:nvSpPr>
+          <p:cNvPr id="67" name="TextBox 66">
+            <a:extLst>
+              <a:ext uri="{FF2B5EF4-FFF2-40B4-BE49-F238E27FC236}">
+                <a16:creationId xmlns:a16="http://schemas.microsoft.com/office/drawing/2014/main" id="{2E96E36A-9932-4BA9-9B28-4F809C9E1641}"/>
+              </a:ext>
+            </a:extLst>
+          </p:cNvPr>
+          <p:cNvSpPr txBox="1"/>
+          <p:nvPr/>
+        </p:nvSpPr>
+        <p:spPr>
+          <a:xfrm>
+            <a:off x="2151163" y="2132316"/>
+            <a:ext cx="482824" cy="307777"/>
+          </a:xfrm>
+          <a:prstGeom prst="rect">
+            <a:avLst/>
+          </a:prstGeom>
+          <a:noFill/>
+        </p:spPr>
+        <p:txBody>
+          <a:bodyPr wrap="none" rtlCol="0">
+            <a:spAutoFit/>
+          </a:bodyPr>
+          <a:lstStyle/>
+          <a:p>
+            <a:r>
+              <a:rPr lang="en-AU" sz="1400" dirty="0">
+                <a:solidFill>
+                  <a:schemeClr val="accent2"/>
+                </a:solidFill>
+                <a:latin typeface="Consolas" panose="020B0609020204030204" pitchFamily="49" charset="0"/>
+              </a:rPr>
+              <a:t>F03</a:t>
+            </a:r>
+          </a:p>
+        </p:txBody>
+      </p:sp>
+      <p:sp>
+        <p:nvSpPr>
+          <p:cNvPr id="82" name="TextBox 81">
+            <a:extLst>
+              <a:ext uri="{FF2B5EF4-FFF2-40B4-BE49-F238E27FC236}">
+                <a16:creationId xmlns:a16="http://schemas.microsoft.com/office/drawing/2014/main" id="{35846744-BECB-49B8-98F0-0F98B42E59A8}"/>
+              </a:ext>
+            </a:extLst>
+          </p:cNvPr>
+          <p:cNvSpPr txBox="1"/>
+          <p:nvPr/>
+        </p:nvSpPr>
+        <p:spPr>
+          <a:xfrm>
+            <a:off x="7272013" y="4052280"/>
+            <a:ext cx="482824" cy="307777"/>
+          </a:xfrm>
+          <a:prstGeom prst="rect">
+            <a:avLst/>
+          </a:prstGeom>
+          <a:noFill/>
+        </p:spPr>
+        <p:txBody>
+          <a:bodyPr wrap="none" rtlCol="0">
+            <a:spAutoFit/>
+          </a:bodyPr>
+          <a:lstStyle/>
+          <a:p>
+            <a:r>
+              <a:rPr lang="en-AU" sz="1400" dirty="0">
+                <a:solidFill>
+                  <a:schemeClr val="accent2"/>
+                </a:solidFill>
+                <a:latin typeface="Consolas" panose="020B0609020204030204" pitchFamily="49" charset="0"/>
+              </a:rPr>
+              <a:t>P04</a:t>
+            </a:r>
+          </a:p>
+        </p:txBody>
+      </p:sp>
+      <p:sp>
+        <p:nvSpPr>
+          <p:cNvPr id="83" name="TextBox 82">
+            <a:extLst>
+              <a:ext uri="{FF2B5EF4-FFF2-40B4-BE49-F238E27FC236}">
+                <a16:creationId xmlns:a16="http://schemas.microsoft.com/office/drawing/2014/main" id="{E58B5B88-614A-4DEA-90D5-8491FCDD3D18}"/>
+              </a:ext>
+            </a:extLst>
+          </p:cNvPr>
+          <p:cNvSpPr txBox="1"/>
+          <p:nvPr/>
+        </p:nvSpPr>
+        <p:spPr>
+          <a:xfrm>
+            <a:off x="7272013" y="4692268"/>
+            <a:ext cx="482824" cy="307777"/>
+          </a:xfrm>
+          <a:prstGeom prst="rect">
+            <a:avLst/>
+          </a:prstGeom>
+          <a:noFill/>
+        </p:spPr>
+        <p:txBody>
+          <a:bodyPr wrap="square" rtlCol="0">
+            <a:spAutoFit/>
+          </a:bodyPr>
+          <a:lstStyle/>
+          <a:p>
+            <a:r>
+              <a:rPr lang="en-AU" sz="1400" dirty="0">
+                <a:solidFill>
+                  <a:schemeClr val="accent2"/>
+                </a:solidFill>
+                <a:latin typeface="Consolas" panose="020B0609020204030204" pitchFamily="49" charset="0"/>
+              </a:rPr>
+              <a:t>F04</a:t>
+            </a:r>
+          </a:p>
+        </p:txBody>
+      </p:sp>
+      <p:sp>
+        <p:nvSpPr>
+          <p:cNvPr id="84" name="TextBox 83">
+            <a:extLst>
+              <a:ext uri="{FF2B5EF4-FFF2-40B4-BE49-F238E27FC236}">
+                <a16:creationId xmlns:a16="http://schemas.microsoft.com/office/drawing/2014/main" id="{1E6F6716-09A9-4ACA-9190-2D83C7B29834}"/>
+              </a:ext>
+            </a:extLst>
+          </p:cNvPr>
+          <p:cNvSpPr txBox="1"/>
+          <p:nvPr/>
+        </p:nvSpPr>
+        <p:spPr>
+          <a:xfrm>
+            <a:off x="7272013" y="3412292"/>
+            <a:ext cx="482824" cy="307777"/>
+          </a:xfrm>
+          <a:prstGeom prst="rect">
+            <a:avLst/>
+          </a:prstGeom>
+          <a:noFill/>
+        </p:spPr>
+        <p:txBody>
+          <a:bodyPr wrap="none" rtlCol="0">
+            <a:spAutoFit/>
+          </a:bodyPr>
+          <a:lstStyle/>
+          <a:p>
+            <a:r>
+              <a:rPr lang="en-AU" sz="1400" dirty="0">
+                <a:solidFill>
+                  <a:schemeClr val="accent2"/>
+                </a:solidFill>
+                <a:latin typeface="Consolas" panose="020B0609020204030204" pitchFamily="49" charset="0"/>
+              </a:rPr>
+              <a:t>P05</a:t>
+            </a:r>
+          </a:p>
+        </p:txBody>
+      </p:sp>
+      <p:sp>
+        <p:nvSpPr>
+          <p:cNvPr id="85" name="TextBox 84">
+            <a:extLst>
+              <a:ext uri="{FF2B5EF4-FFF2-40B4-BE49-F238E27FC236}">
+                <a16:creationId xmlns:a16="http://schemas.microsoft.com/office/drawing/2014/main" id="{74621499-EA22-40A0-BA96-D612527A8534}"/>
+              </a:ext>
+            </a:extLst>
+          </p:cNvPr>
+          <p:cNvSpPr txBox="1"/>
+          <p:nvPr/>
+        </p:nvSpPr>
+        <p:spPr>
+          <a:xfrm>
+            <a:off x="7272013" y="2772304"/>
+            <a:ext cx="482824" cy="307777"/>
+          </a:xfrm>
+          <a:prstGeom prst="rect">
+            <a:avLst/>
+          </a:prstGeom>
+          <a:noFill/>
+        </p:spPr>
+        <p:txBody>
+          <a:bodyPr wrap="none" rtlCol="0">
+            <a:spAutoFit/>
+          </a:bodyPr>
+          <a:lstStyle/>
+          <a:p>
+            <a:r>
+              <a:rPr lang="en-AU" sz="1400" dirty="0">
+                <a:solidFill>
+                  <a:schemeClr val="accent2"/>
+                </a:solidFill>
+                <a:latin typeface="Consolas" panose="020B0609020204030204" pitchFamily="49" charset="0"/>
+              </a:rPr>
+              <a:t>P06</a:t>
+            </a:r>
+          </a:p>
+        </p:txBody>
+      </p:sp>
+      <p:sp>
+        <p:nvSpPr>
+          <p:cNvPr id="86" name="TextBox 85">
+            <a:extLst>
+              <a:ext uri="{FF2B5EF4-FFF2-40B4-BE49-F238E27FC236}">
+                <a16:creationId xmlns:a16="http://schemas.microsoft.com/office/drawing/2014/main" id="{72A50F05-2832-4241-A4D3-885B42804461}"/>
+              </a:ext>
+            </a:extLst>
+          </p:cNvPr>
+          <p:cNvSpPr txBox="1"/>
+          <p:nvPr/>
+        </p:nvSpPr>
+        <p:spPr>
+          <a:xfrm>
+            <a:off x="7272013" y="2132316"/>
+            <a:ext cx="482824" cy="307777"/>
+          </a:xfrm>
+          <a:prstGeom prst="rect">
+            <a:avLst/>
+          </a:prstGeom>
+          <a:noFill/>
+        </p:spPr>
+        <p:txBody>
+          <a:bodyPr wrap="none" rtlCol="0">
+            <a:spAutoFit/>
+          </a:bodyPr>
+          <a:lstStyle/>
+          <a:p>
+            <a:r>
+              <a:rPr lang="en-AU" sz="1400" dirty="0">
+                <a:solidFill>
+                  <a:schemeClr val="accent2"/>
+                </a:solidFill>
+                <a:latin typeface="Consolas" panose="020B0609020204030204" pitchFamily="49" charset="0"/>
+              </a:rPr>
+              <a:t>F06</a:t>
+            </a:r>
+          </a:p>
+        </p:txBody>
+      </p:sp>
+      <p:cxnSp>
+        <p:nvCxnSpPr>
+          <p:cNvPr id="88" name="Connector: Elbow 87">
+            <a:extLst>
+              <a:ext uri="{FF2B5EF4-FFF2-40B4-BE49-F238E27FC236}">
+                <a16:creationId xmlns:a16="http://schemas.microsoft.com/office/drawing/2014/main" id="{925E8F2C-E9C8-42C3-AF53-E05983FBBBEB}"/>
+              </a:ext>
+            </a:extLst>
+          </p:cNvPr>
+          <p:cNvCxnSpPr>
+            <a:cxnSpLocks/>
+            <a:stCxn id="16" idx="2"/>
+            <a:endCxn id="82" idx="1"/>
+          </p:cNvCxnSpPr>
+          <p:nvPr/>
+        </p:nvCxnSpPr>
+        <p:spPr>
+          <a:xfrm flipV="1">
+            <a:off x="6481062" y="4206169"/>
+            <a:ext cx="790951" cy="466889"/>
+          </a:xfrm>
+          <a:prstGeom prst="bentConnector3">
+            <a:avLst>
+              <a:gd name="adj1" fmla="val 50000"/>
+            </a:avLst>
+          </a:prstGeom>
+          <a:ln>
+            <a:prstDash val="sysDash"/>
+          </a:ln>
+        </p:spPr>
+        <p:style>
+          <a:lnRef idx="3">
+            <a:schemeClr val="accent2"/>
+          </a:lnRef>
+          <a:fillRef idx="0">
+            <a:schemeClr val="accent2"/>
+          </a:fillRef>
+          <a:effectRef idx="2">
+            <a:schemeClr val="accent2"/>
+          </a:effectRef>
+          <a:fontRef idx="minor">
+            <a:schemeClr val="tx1"/>
+          </a:fontRef>
+        </p:style>
+      </p:cxnSp>
+      <p:cxnSp>
+        <p:nvCxnSpPr>
+          <p:cNvPr id="89" name="Connector: Elbow 88">
+            <a:extLst>
+              <a:ext uri="{FF2B5EF4-FFF2-40B4-BE49-F238E27FC236}">
+                <a16:creationId xmlns:a16="http://schemas.microsoft.com/office/drawing/2014/main" id="{2BB83EA9-D76C-4884-9752-4A0B3F21BFA2}"/>
+              </a:ext>
+            </a:extLst>
+          </p:cNvPr>
+          <p:cNvCxnSpPr>
+            <a:cxnSpLocks/>
+            <a:stCxn id="19" idx="2"/>
+            <a:endCxn id="83" idx="2"/>
+          </p:cNvCxnSpPr>
+          <p:nvPr/>
+        </p:nvCxnSpPr>
+        <p:spPr>
+          <a:xfrm rot="16200000" flipH="1">
+            <a:off x="6604946" y="4091565"/>
+            <a:ext cx="288069" cy="1528889"/>
+          </a:xfrm>
+          <a:prstGeom prst="bentConnector3">
+            <a:avLst>
+              <a:gd name="adj1" fmla="val 179356"/>
+            </a:avLst>
+          </a:prstGeom>
+          <a:ln>
+            <a:prstDash val="sysDash"/>
+          </a:ln>
+        </p:spPr>
+        <p:style>
+          <a:lnRef idx="3">
+            <a:schemeClr val="accent2"/>
+          </a:lnRef>
+          <a:fillRef idx="0">
+            <a:schemeClr val="accent2"/>
+          </a:fillRef>
+          <a:effectRef idx="2">
+            <a:schemeClr val="accent2"/>
+          </a:effectRef>
+          <a:fontRef idx="minor">
+            <a:schemeClr val="tx1"/>
+          </a:fontRef>
+        </p:style>
+      </p:cxnSp>
+      <p:cxnSp>
+        <p:nvCxnSpPr>
+          <p:cNvPr id="90" name="Connector: Elbow 89">
+            <a:extLst>
+              <a:ext uri="{FF2B5EF4-FFF2-40B4-BE49-F238E27FC236}">
+                <a16:creationId xmlns:a16="http://schemas.microsoft.com/office/drawing/2014/main" id="{84E98BDF-941E-4511-A004-29B2022291B0}"/>
+              </a:ext>
+            </a:extLst>
+          </p:cNvPr>
+          <p:cNvCxnSpPr>
+            <a:cxnSpLocks/>
+            <a:stCxn id="189" idx="3"/>
+            <a:endCxn id="84" idx="1"/>
+          </p:cNvCxnSpPr>
+          <p:nvPr/>
+        </p:nvCxnSpPr>
+        <p:spPr>
+          <a:xfrm flipV="1">
+            <a:off x="5919440" y="3566181"/>
+            <a:ext cx="1352573" cy="595785"/>
+          </a:xfrm>
+          <a:prstGeom prst="bentConnector3">
+            <a:avLst>
+              <a:gd name="adj1" fmla="val 50000"/>
+            </a:avLst>
+          </a:prstGeom>
+          <a:ln>
+            <a:prstDash val="sysDash"/>
+          </a:ln>
+        </p:spPr>
+        <p:style>
+          <a:lnRef idx="3">
+            <a:schemeClr val="accent2"/>
+          </a:lnRef>
+          <a:fillRef idx="0">
+            <a:schemeClr val="accent2"/>
+          </a:fillRef>
+          <a:effectRef idx="2">
+            <a:schemeClr val="accent2"/>
+          </a:effectRef>
+          <a:fontRef idx="minor">
+            <a:schemeClr val="tx1"/>
+          </a:fontRef>
+        </p:style>
+      </p:cxnSp>
+      <p:cxnSp>
+        <p:nvCxnSpPr>
+          <p:cNvPr id="91" name="Connector: Elbow 90">
+            <a:extLst>
+              <a:ext uri="{FF2B5EF4-FFF2-40B4-BE49-F238E27FC236}">
+                <a16:creationId xmlns:a16="http://schemas.microsoft.com/office/drawing/2014/main" id="{4381D84D-966E-4CCF-A647-015EA9AE4EA9}"/>
+              </a:ext>
+            </a:extLst>
+          </p:cNvPr>
+          <p:cNvCxnSpPr>
+            <a:cxnSpLocks/>
+            <a:stCxn id="15" idx="3"/>
+            <a:endCxn id="85" idx="1"/>
+          </p:cNvCxnSpPr>
+          <p:nvPr/>
+        </p:nvCxnSpPr>
+        <p:spPr>
+          <a:xfrm>
+            <a:off x="6386875" y="2521169"/>
+            <a:ext cx="885138" cy="405024"/>
+          </a:xfrm>
+          <a:prstGeom prst="bentConnector3">
+            <a:avLst>
+              <a:gd name="adj1" fmla="val 50000"/>
+            </a:avLst>
+          </a:prstGeom>
+          <a:ln>
+            <a:prstDash val="sysDash"/>
+          </a:ln>
+        </p:spPr>
+        <p:style>
+          <a:lnRef idx="3">
+            <a:schemeClr val="accent2"/>
+          </a:lnRef>
+          <a:fillRef idx="0">
+            <a:schemeClr val="accent2"/>
+          </a:fillRef>
+          <a:effectRef idx="2">
+            <a:schemeClr val="accent2"/>
+          </a:effectRef>
+          <a:fontRef idx="minor">
+            <a:schemeClr val="tx1"/>
+          </a:fontRef>
+        </p:style>
+      </p:cxnSp>
+      <p:cxnSp>
+        <p:nvCxnSpPr>
+          <p:cNvPr id="92" name="Connector: Elbow 91">
+            <a:extLst>
+              <a:ext uri="{FF2B5EF4-FFF2-40B4-BE49-F238E27FC236}">
+                <a16:creationId xmlns:a16="http://schemas.microsoft.com/office/drawing/2014/main" id="{49791505-CB41-4D41-9255-DEBA4B370D03}"/>
+              </a:ext>
+            </a:extLst>
+          </p:cNvPr>
+          <p:cNvCxnSpPr>
+            <a:cxnSpLocks/>
+            <a:stCxn id="18" idx="0"/>
+            <a:endCxn id="86" idx="1"/>
+          </p:cNvCxnSpPr>
+          <p:nvPr/>
+        </p:nvCxnSpPr>
+        <p:spPr>
+          <a:xfrm>
+            <a:off x="5749079" y="2076144"/>
+            <a:ext cx="1522934" cy="210061"/>
+          </a:xfrm>
+          <a:prstGeom prst="bentConnector3">
+            <a:avLst>
+              <a:gd name="adj1" fmla="val 50000"/>
+            </a:avLst>
+          </a:prstGeom>
+          <a:ln>
+            <a:prstDash val="sysDash"/>
+          </a:ln>
+        </p:spPr>
+        <p:style>
+          <a:lnRef idx="3">
+            <a:schemeClr val="accent2"/>
+          </a:lnRef>
+          <a:fillRef idx="0">
+            <a:schemeClr val="accent2"/>
+          </a:fillRef>
+          <a:effectRef idx="2">
+            <a:schemeClr val="accent2"/>
+          </a:effectRef>
+          <a:fontRef idx="minor">
+            <a:schemeClr val="tx1"/>
+          </a:fontRef>
+        </p:style>
+      </p:cxnSp>
+      <p:grpSp>
+        <p:nvGrpSpPr>
+          <p:cNvPr id="136" name="Group 135">
+            <a:extLst>
+              <a:ext uri="{FF2B5EF4-FFF2-40B4-BE49-F238E27FC236}">
+                <a16:creationId xmlns:a16="http://schemas.microsoft.com/office/drawing/2014/main" id="{C81E79D9-6DF4-4AB0-9682-515BDC99B7B8}"/>
+              </a:ext>
+            </a:extLst>
+          </p:cNvPr>
+          <p:cNvGrpSpPr/>
+          <p:nvPr/>
+        </p:nvGrpSpPr>
+        <p:grpSpPr>
+          <a:xfrm>
+            <a:off x="2592392" y="5406204"/>
+            <a:ext cx="4721217" cy="523220"/>
+            <a:chOff x="2800950" y="5406204"/>
+            <a:chExt cx="4721217" cy="523220"/>
+          </a:xfrm>
+        </p:grpSpPr>
+        <p:sp>
+          <p:nvSpPr>
+            <p:cNvPr id="133" name="TextBox 132">
+              <a:extLst>
+                <a:ext uri="{FF2B5EF4-FFF2-40B4-BE49-F238E27FC236}">
+                  <a16:creationId xmlns:a16="http://schemas.microsoft.com/office/drawing/2014/main" id="{37092CCE-856D-44C5-8AF9-EAE3AEE2F17F}"/>
+                </a:ext>
+              </a:extLst>
+            </p:cNvPr>
+            <p:cNvSpPr txBox="1"/>
+            <p:nvPr/>
+          </p:nvSpPr>
+          <p:spPr>
+            <a:xfrm>
+              <a:off x="5305087" y="5406204"/>
+              <a:ext cx="2217080" cy="523220"/>
+            </a:xfrm>
+            <a:prstGeom prst="rect">
+              <a:avLst/>
+            </a:prstGeom>
+            <a:noFill/>
+          </p:spPr>
+          <p:txBody>
+            <a:bodyPr wrap="square" numCol="1" rtlCol="0">
+              <a:spAutoFit/>
+            </a:bodyPr>
+            <a:lstStyle/>
+            <a:p>
+              <a:pPr algn="ctr"/>
+              <a:r>
+                <a:rPr lang="en-AU" sz="1400" dirty="0">
+                  <a:solidFill>
+                    <a:schemeClr val="accent2"/>
+                  </a:solidFill>
+                  <a:latin typeface="Consolas" panose="020B0609020204030204" pitchFamily="49" charset="0"/>
+                </a:rPr>
+                <a:t>F: Force Sensor</a:t>
+              </a:r>
+            </a:p>
+            <a:p>
+              <a:pPr algn="ctr"/>
+              <a:r>
+                <a:rPr lang="en-AU" sz="1400" dirty="0">
+                  <a:solidFill>
+                    <a:schemeClr val="accent2"/>
+                  </a:solidFill>
+                  <a:latin typeface="Consolas" panose="020B0609020204030204" pitchFamily="49" charset="0"/>
+                </a:rPr>
+                <a:t>P: Position Sensor</a:t>
+              </a:r>
+            </a:p>
+          </p:txBody>
+        </p:sp>
+        <p:sp>
+          <p:nvSpPr>
+            <p:cNvPr id="135" name="TextBox 134">
+              <a:extLst>
+                <a:ext uri="{FF2B5EF4-FFF2-40B4-BE49-F238E27FC236}">
+                  <a16:creationId xmlns:a16="http://schemas.microsoft.com/office/drawing/2014/main" id="{A76CC896-F2CF-4873-9EE5-DD4BC93CE0D0}"/>
+                </a:ext>
+              </a:extLst>
+            </p:cNvPr>
+            <p:cNvSpPr txBox="1"/>
+            <p:nvPr/>
+          </p:nvSpPr>
+          <p:spPr>
+            <a:xfrm>
+              <a:off x="2800950" y="5406204"/>
+              <a:ext cx="2217080" cy="523220"/>
+            </a:xfrm>
+            <a:prstGeom prst="rect">
+              <a:avLst/>
+            </a:prstGeom>
+            <a:noFill/>
+          </p:spPr>
+          <p:txBody>
+            <a:bodyPr wrap="square" numCol="1" rtlCol="0">
+              <a:spAutoFit/>
+            </a:bodyPr>
+            <a:lstStyle/>
+            <a:p>
+              <a:pPr algn="ctr"/>
+              <a:r>
+                <a:rPr lang="en-AU" sz="1400" dirty="0">
+                  <a:solidFill>
+                    <a:schemeClr val="accent2"/>
+                  </a:solidFill>
+                  <a:latin typeface="Consolas" panose="020B0609020204030204" pitchFamily="49" charset="0"/>
+                </a:rPr>
+                <a:t>T: Actuator Torque</a:t>
+              </a:r>
+            </a:p>
+            <a:p>
+              <a:pPr algn="ctr"/>
+              <a:r>
+                <a:rPr lang="en-AU" sz="1400" dirty="0">
+                  <a:solidFill>
+                    <a:schemeClr val="accent2"/>
+                  </a:solidFill>
+                  <a:latin typeface="Consolas" panose="020B0609020204030204" pitchFamily="49" charset="0"/>
+                </a:rPr>
+                <a:t>C: Controller Module</a:t>
+              </a:r>
+            </a:p>
+          </p:txBody>
+        </p:sp>
+      </p:grpSp>
+      <p:sp>
+        <p:nvSpPr>
+          <p:cNvPr id="15" name="Rectangle 14">
+            <a:extLst>
+              <a:ext uri="{FF2B5EF4-FFF2-40B4-BE49-F238E27FC236}">
+                <a16:creationId xmlns:a16="http://schemas.microsoft.com/office/drawing/2014/main" id="{BF522F2B-687C-4EFF-B396-260C2604B002}"/>
+              </a:ext>
+            </a:extLst>
+          </p:cNvPr>
+          <p:cNvSpPr/>
+          <p:nvPr/>
+        </p:nvSpPr>
+        <p:spPr>
+          <a:xfrm rot="18986352">
+            <a:off x="6024782" y="2631499"/>
+            <a:ext cx="419904" cy="68705"/>
+          </a:xfrm>
+          <a:prstGeom prst="rect">
+            <a:avLst/>
+          </a:prstGeom>
+          <a:ln w="31750"/>
+        </p:spPr>
+        <p:style>
+          <a:lnRef idx="2">
+            <a:schemeClr val="accent4">
+              <a:shade val="50000"/>
+            </a:schemeClr>
+          </a:lnRef>
+          <a:fillRef idx="1">
+            <a:schemeClr val="accent4"/>
+          </a:fillRef>
+          <a:effectRef idx="0">
+            <a:schemeClr val="accent4"/>
+          </a:effectRef>
+          <a:fontRef idx="minor">
+            <a:schemeClr val="lt1"/>
+          </a:fontRef>
+        </p:style>
+        <p:txBody>
+          <a:bodyPr rot="0" spcFirstLastPara="0" vertOverflow="overflow" horzOverflow="overflow" vert="horz" wrap="square" lIns="0" tIns="0" rIns="0" bIns="0" numCol="1" spcCol="0" rtlCol="0" fromWordArt="0" anchor="ctr" anchorCtr="0" forceAA="0" compatLnSpc="1">
+            <a:prstTxWarp prst="textNoShape">
+              <a:avLst/>
+            </a:prstTxWarp>
+            <a:noAutofit/>
+          </a:bodyPr>
+          <a:lstStyle/>
+          <a:p>
+            <a:pPr algn="ctr"/>
+            <a:endParaRPr lang="en-AU" sz="1400">
+              <a:latin typeface="Consolas" panose="020B0609020204030204" pitchFamily="49" charset="0"/>
+            </a:endParaRPr>
+          </a:p>
+        </p:txBody>
+      </p:sp>
+      <p:sp>
+        <p:nvSpPr>
+          <p:cNvPr id="185" name="Rectangle 184">
+            <a:extLst>
+              <a:ext uri="{FF2B5EF4-FFF2-40B4-BE49-F238E27FC236}">
+                <a16:creationId xmlns:a16="http://schemas.microsoft.com/office/drawing/2014/main" id="{2664434C-21CD-4C69-9907-DD12EDF4DFB8}"/>
+              </a:ext>
+            </a:extLst>
+          </p:cNvPr>
+          <p:cNvSpPr/>
+          <p:nvPr/>
+        </p:nvSpPr>
+        <p:spPr>
+          <a:xfrm rot="2613648" flipH="1">
+            <a:off x="3461315" y="2631499"/>
+            <a:ext cx="419904" cy="68705"/>
+          </a:xfrm>
+          <a:prstGeom prst="rect">
+            <a:avLst/>
+          </a:prstGeom>
+          <a:ln w="31750"/>
+        </p:spPr>
+        <p:style>
+          <a:lnRef idx="2">
+            <a:schemeClr val="accent4">
+              <a:shade val="50000"/>
+            </a:schemeClr>
+          </a:lnRef>
+          <a:fillRef idx="1">
+            <a:schemeClr val="accent4"/>
+          </a:fillRef>
+          <a:effectRef idx="0">
+            <a:schemeClr val="accent4"/>
+          </a:effectRef>
+          <a:fontRef idx="minor">
+            <a:schemeClr val="lt1"/>
+          </a:fontRef>
+        </p:style>
+        <p:txBody>
+          <a:bodyPr rot="0" spcFirstLastPara="0" vertOverflow="overflow" horzOverflow="overflow" vert="horz" wrap="square" lIns="0" tIns="0" rIns="0" bIns="0" numCol="1" spcCol="0" rtlCol="0" fromWordArt="0" anchor="ctr" anchorCtr="0" forceAA="0" compatLnSpc="1">
+            <a:prstTxWarp prst="textNoShape">
+              <a:avLst/>
+            </a:prstTxWarp>
+            <a:noAutofit/>
+          </a:bodyPr>
+          <a:lstStyle/>
+          <a:p>
+            <a:pPr algn="ctr"/>
+            <a:endParaRPr lang="en-AU" sz="1400">
+              <a:latin typeface="Consolas" panose="020B0609020204030204" pitchFamily="49" charset="0"/>
+            </a:endParaRPr>
+          </a:p>
+        </p:txBody>
+      </p:sp>
+      <p:grpSp>
+        <p:nvGrpSpPr>
+          <p:cNvPr id="192" name="Group 191">
+            <a:extLst>
+              <a:ext uri="{FF2B5EF4-FFF2-40B4-BE49-F238E27FC236}">
+                <a16:creationId xmlns:a16="http://schemas.microsoft.com/office/drawing/2014/main" id="{43D7BCD6-11C4-41D6-9E24-C13DA8AB517D}"/>
+              </a:ext>
+            </a:extLst>
+          </p:cNvPr>
+          <p:cNvGrpSpPr/>
+          <p:nvPr/>
+        </p:nvGrpSpPr>
+        <p:grpSpPr>
+          <a:xfrm>
+            <a:off x="3961226" y="4027631"/>
+            <a:ext cx="1983549" cy="68705"/>
+            <a:chOff x="3966981" y="4027631"/>
+            <a:chExt cx="1983549" cy="68705"/>
+          </a:xfrm>
+        </p:grpSpPr>
+        <p:sp>
+          <p:nvSpPr>
+            <p:cNvPr id="32" name="Rectangle 31">
+              <a:extLst>
+                <a:ext uri="{FF2B5EF4-FFF2-40B4-BE49-F238E27FC236}">
+                  <a16:creationId xmlns:a16="http://schemas.microsoft.com/office/drawing/2014/main" id="{2F4AF0C5-191D-4D63-A262-C842C126DD83}"/>
+                </a:ext>
+              </a:extLst>
+            </p:cNvPr>
+            <p:cNvSpPr/>
+            <p:nvPr/>
+          </p:nvSpPr>
+          <p:spPr>
+            <a:xfrm rot="19893684" flipH="1">
+              <a:off x="3966981" y="4027631"/>
+              <a:ext cx="419902" cy="68705"/>
+            </a:xfrm>
+            <a:prstGeom prst="rect">
+              <a:avLst/>
+            </a:prstGeom>
+            <a:ln w="31750"/>
+          </p:spPr>
+          <p:style>
+            <a:lnRef idx="2">
+              <a:schemeClr val="accent4">
+                <a:shade val="50000"/>
+              </a:schemeClr>
+            </a:lnRef>
+            <a:fillRef idx="1">
+              <a:schemeClr val="accent4"/>
+            </a:fillRef>
+            <a:effectRef idx="0">
+              <a:schemeClr val="accent4"/>
+            </a:effectRef>
+            <a:fontRef idx="minor">
+              <a:schemeClr val="lt1"/>
+            </a:fontRef>
+          </p:style>
+          <p:txBody>
+            <a:bodyPr rot="0" spcFirstLastPara="0" vertOverflow="overflow" horzOverflow="overflow" vert="horz" wrap="square" lIns="0" tIns="0" rIns="0" bIns="0" numCol="1" spcCol="0" rtlCol="0" fromWordArt="0" anchor="ctr" anchorCtr="0" forceAA="0" compatLnSpc="1">
+              <a:prstTxWarp prst="textNoShape">
+                <a:avLst/>
+              </a:prstTxWarp>
+              <a:noAutofit/>
+            </a:bodyPr>
+            <a:lstStyle/>
+            <a:p>
+              <a:pPr algn="ctr"/>
+              <a:endParaRPr lang="en-AU" sz="1400">
+                <a:latin typeface="Consolas" panose="020B0609020204030204" pitchFamily="49" charset="0"/>
+              </a:endParaRPr>
+            </a:p>
+          </p:txBody>
+        </p:sp>
+        <p:sp>
+          <p:nvSpPr>
+            <p:cNvPr id="189" name="Rectangle 188">
+              <a:extLst>
+                <a:ext uri="{FF2B5EF4-FFF2-40B4-BE49-F238E27FC236}">
+                  <a16:creationId xmlns:a16="http://schemas.microsoft.com/office/drawing/2014/main" id="{F9450B42-476D-4AB3-9CEC-6209EA3EE728}"/>
+                </a:ext>
+              </a:extLst>
+            </p:cNvPr>
+            <p:cNvSpPr/>
+            <p:nvPr/>
+          </p:nvSpPr>
+          <p:spPr>
+            <a:xfrm rot="1706316">
+              <a:off x="5530628" y="4027631"/>
+              <a:ext cx="419902" cy="68705"/>
+            </a:xfrm>
+            <a:prstGeom prst="rect">
+              <a:avLst/>
+            </a:prstGeom>
+            <a:ln w="31750"/>
+          </p:spPr>
+          <p:style>
+            <a:lnRef idx="2">
+              <a:schemeClr val="accent4">
+                <a:shade val="50000"/>
+              </a:schemeClr>
+            </a:lnRef>
+            <a:fillRef idx="1">
+              <a:schemeClr val="accent4"/>
+            </a:fillRef>
+            <a:effectRef idx="0">
+              <a:schemeClr val="accent4"/>
+            </a:effectRef>
+            <a:fontRef idx="minor">
+              <a:schemeClr val="lt1"/>
+            </a:fontRef>
+          </p:style>
+          <p:txBody>
+            <a:bodyPr rot="0" spcFirstLastPara="0" vertOverflow="overflow" horzOverflow="overflow" vert="horz" wrap="square" lIns="0" tIns="0" rIns="0" bIns="0" numCol="1" spcCol="0" rtlCol="0" fromWordArt="0" anchor="ctr" anchorCtr="0" forceAA="0" compatLnSpc="1">
+              <a:prstTxWarp prst="textNoShape">
+                <a:avLst/>
+              </a:prstTxWarp>
+              <a:noAutofit/>
+            </a:bodyPr>
+            <a:lstStyle/>
+            <a:p>
+              <a:pPr algn="ctr"/>
+              <a:endParaRPr lang="en-AU" sz="1400">
+                <a:latin typeface="Consolas" panose="020B0609020204030204" pitchFamily="49" charset="0"/>
+              </a:endParaRPr>
+            </a:p>
+          </p:txBody>
+        </p:sp>
+      </p:grpSp>
+      <p:sp>
+        <p:nvSpPr>
+          <p:cNvPr id="16" name="Rectangle 15">
+            <a:extLst>
+              <a:ext uri="{FF2B5EF4-FFF2-40B4-BE49-F238E27FC236}">
+                <a16:creationId xmlns:a16="http://schemas.microsoft.com/office/drawing/2014/main" id="{0827AFBB-F288-4965-8922-EDBF3EA5C55B}"/>
+              </a:ext>
+            </a:extLst>
+          </p:cNvPr>
+          <p:cNvSpPr/>
+          <p:nvPr/>
+        </p:nvSpPr>
+        <p:spPr>
+          <a:xfrm rot="17508150">
+            <a:off x="6239216" y="4625947"/>
+            <a:ext cx="419902" cy="68705"/>
+          </a:xfrm>
+          <a:prstGeom prst="rect">
+            <a:avLst/>
+          </a:prstGeom>
+          <a:ln w="31750"/>
+        </p:spPr>
+        <p:style>
+          <a:lnRef idx="2">
+            <a:schemeClr val="accent4">
+              <a:shade val="50000"/>
+            </a:schemeClr>
+          </a:lnRef>
+          <a:fillRef idx="1">
+            <a:schemeClr val="accent4"/>
+          </a:fillRef>
+          <a:effectRef idx="0">
+            <a:schemeClr val="accent4"/>
+          </a:effectRef>
+          <a:fontRef idx="minor">
+            <a:schemeClr val="lt1"/>
+          </a:fontRef>
+        </p:style>
+        <p:txBody>
+          <a:bodyPr rot="0" spcFirstLastPara="0" vertOverflow="overflow" horzOverflow="overflow" vert="horz" wrap="square" lIns="0" tIns="0" rIns="0" bIns="0" numCol="1" spcCol="0" rtlCol="0" fromWordArt="0" anchor="ctr" anchorCtr="0" forceAA="0" compatLnSpc="1">
+            <a:prstTxWarp prst="textNoShape">
+              <a:avLst/>
+            </a:prstTxWarp>
+            <a:noAutofit/>
+          </a:bodyPr>
+          <a:lstStyle/>
+          <a:p>
+            <a:pPr algn="ctr"/>
+            <a:endParaRPr lang="en-AU" sz="1400">
+              <a:latin typeface="Consolas" panose="020B0609020204030204" pitchFamily="49" charset="0"/>
+            </a:endParaRPr>
+          </a:p>
+        </p:txBody>
+      </p:sp>
+      <p:sp>
+        <p:nvSpPr>
+          <p:cNvPr id="191" name="Rectangle 190">
+            <a:extLst>
+              <a:ext uri="{FF2B5EF4-FFF2-40B4-BE49-F238E27FC236}">
+                <a16:creationId xmlns:a16="http://schemas.microsoft.com/office/drawing/2014/main" id="{13E1BD59-9E9E-4400-B57E-B02D10F2E0D7}"/>
+              </a:ext>
+            </a:extLst>
+          </p:cNvPr>
+          <p:cNvSpPr/>
+          <p:nvPr/>
+        </p:nvSpPr>
+        <p:spPr>
+          <a:xfrm rot="4091850" flipH="1">
+            <a:off x="3246883" y="4625947"/>
+            <a:ext cx="419902" cy="68705"/>
+          </a:xfrm>
+          <a:prstGeom prst="rect">
+            <a:avLst/>
+          </a:prstGeom>
+          <a:ln w="31750"/>
+        </p:spPr>
+        <p:style>
+          <a:lnRef idx="2">
+            <a:schemeClr val="accent4">
+              <a:shade val="50000"/>
+            </a:schemeClr>
+          </a:lnRef>
+          <a:fillRef idx="1">
+            <a:schemeClr val="accent4"/>
+          </a:fillRef>
+          <a:effectRef idx="0">
+            <a:schemeClr val="accent4"/>
+          </a:effectRef>
+          <a:fontRef idx="minor">
+            <a:schemeClr val="lt1"/>
+          </a:fontRef>
+        </p:style>
+        <p:txBody>
+          <a:bodyPr rot="0" spcFirstLastPara="0" vertOverflow="overflow" horzOverflow="overflow" vert="horz" wrap="square" lIns="0" tIns="0" rIns="0" bIns="0" numCol="1" spcCol="0" rtlCol="0" fromWordArt="0" anchor="ctr" anchorCtr="0" forceAA="0" compatLnSpc="1">
+            <a:prstTxWarp prst="textNoShape">
+              <a:avLst/>
+            </a:prstTxWarp>
+            <a:noAutofit/>
+          </a:bodyPr>
+          <a:lstStyle/>
+          <a:p>
+            <a:pPr algn="ctr"/>
+            <a:endParaRPr lang="en-AU" sz="1400">
+              <a:latin typeface="Consolas" panose="020B0609020204030204" pitchFamily="49" charset="0"/>
+            </a:endParaRPr>
+          </a:p>
+        </p:txBody>
+      </p:sp>
+      <p:grpSp>
+        <p:nvGrpSpPr>
+          <p:cNvPr id="220" name="Group 219">
+            <a:extLst>
+              <a:ext uri="{FF2B5EF4-FFF2-40B4-BE49-F238E27FC236}">
+                <a16:creationId xmlns:a16="http://schemas.microsoft.com/office/drawing/2014/main" id="{20AE39E6-57B0-4F46-80C4-85DD5AD195F4}"/>
+              </a:ext>
+            </a:extLst>
+          </p:cNvPr>
+          <p:cNvGrpSpPr/>
+          <p:nvPr/>
+        </p:nvGrpSpPr>
+        <p:grpSpPr>
+          <a:xfrm>
+            <a:off x="3452808" y="1692830"/>
+            <a:ext cx="3000385" cy="2923587"/>
+            <a:chOff x="3446827" y="1692830"/>
+            <a:chExt cx="3000385" cy="2923587"/>
+          </a:xfrm>
+        </p:grpSpPr>
+        <p:grpSp>
+          <p:nvGrpSpPr>
+            <p:cNvPr id="211" name="Group 210">
+              <a:extLst>
+                <a:ext uri="{FF2B5EF4-FFF2-40B4-BE49-F238E27FC236}">
+                  <a16:creationId xmlns:a16="http://schemas.microsoft.com/office/drawing/2014/main" id="{9F30FEF4-41D1-49DF-A97B-7613280CA9DD}"/>
+                </a:ext>
+              </a:extLst>
+            </p:cNvPr>
+            <p:cNvGrpSpPr/>
+            <p:nvPr/>
+          </p:nvGrpSpPr>
+          <p:grpSpPr>
+            <a:xfrm>
+              <a:off x="3446827" y="1692830"/>
+              <a:ext cx="745209" cy="2923587"/>
+              <a:chOff x="3446827" y="1692830"/>
+              <a:chExt cx="745209" cy="2923587"/>
+            </a:xfrm>
+          </p:grpSpPr>
+          <p:sp>
+            <p:nvSpPr>
+              <p:cNvPr id="208" name="TextBox 207">
+                <a:extLst>
+                  <a:ext uri="{FF2B5EF4-FFF2-40B4-BE49-F238E27FC236}">
+                    <a16:creationId xmlns:a16="http://schemas.microsoft.com/office/drawing/2014/main" id="{5A1EB7CF-0019-4F90-8D23-4EF738B6B184}"/>
+                  </a:ext>
+                </a:extLst>
+              </p:cNvPr>
+              <p:cNvSpPr txBox="1"/>
+              <p:nvPr/>
+            </p:nvSpPr>
+            <p:spPr>
+              <a:xfrm>
+                <a:off x="3808598" y="1692830"/>
+                <a:ext cx="383438" cy="307777"/>
+              </a:xfrm>
+              <a:prstGeom prst="rect">
+                <a:avLst/>
+              </a:prstGeom>
+              <a:noFill/>
+            </p:spPr>
+            <p:txBody>
+              <a:bodyPr wrap="none" rtlCol="0">
+                <a:spAutoFit/>
+              </a:bodyPr>
+              <a:lstStyle/>
+              <a:p>
+                <a:r>
+                  <a:rPr lang="en-AU" sz="1400" dirty="0">
+                    <a:latin typeface="Consolas" panose="020B0609020204030204" pitchFamily="49" charset="0"/>
+                  </a:rPr>
+                  <a:t>LT</a:t>
+                </a:r>
+              </a:p>
+            </p:txBody>
+          </p:sp>
+          <p:sp>
+            <p:nvSpPr>
+              <p:cNvPr id="209" name="TextBox 208">
+                <a:extLst>
+                  <a:ext uri="{FF2B5EF4-FFF2-40B4-BE49-F238E27FC236}">
+                    <a16:creationId xmlns:a16="http://schemas.microsoft.com/office/drawing/2014/main" id="{EA46A19F-5009-4FEB-A2A4-FF4C8B4F49B9}"/>
+                  </a:ext>
+                </a:extLst>
+              </p:cNvPr>
+              <p:cNvSpPr txBox="1"/>
+              <p:nvPr/>
+            </p:nvSpPr>
+            <p:spPr>
+              <a:xfrm>
+                <a:off x="3446827" y="3314940"/>
+                <a:ext cx="383438" cy="307777"/>
+              </a:xfrm>
+              <a:prstGeom prst="rect">
+                <a:avLst/>
+              </a:prstGeom>
+              <a:noFill/>
+            </p:spPr>
+            <p:txBody>
+              <a:bodyPr wrap="none" rtlCol="0">
+                <a:spAutoFit/>
+              </a:bodyPr>
+              <a:lstStyle/>
+              <a:p>
+                <a:r>
+                  <a:rPr lang="en-AU" sz="1400" dirty="0">
+                    <a:latin typeface="Consolas" panose="020B0609020204030204" pitchFamily="49" charset="0"/>
+                  </a:rPr>
+                  <a:t>LS</a:t>
+                </a:r>
+              </a:p>
+            </p:txBody>
+          </p:sp>
+          <p:sp>
+            <p:nvSpPr>
+              <p:cNvPr id="210" name="TextBox 209">
+                <a:extLst>
+                  <a:ext uri="{FF2B5EF4-FFF2-40B4-BE49-F238E27FC236}">
+                    <a16:creationId xmlns:a16="http://schemas.microsoft.com/office/drawing/2014/main" id="{79579617-58C7-485C-8FBC-0F7A2FAE93D5}"/>
+                  </a:ext>
+                </a:extLst>
+              </p:cNvPr>
+              <p:cNvSpPr txBox="1"/>
+              <p:nvPr/>
+            </p:nvSpPr>
+            <p:spPr>
+              <a:xfrm>
+                <a:off x="3587978" y="4308640"/>
+                <a:ext cx="383438" cy="307777"/>
+              </a:xfrm>
+              <a:prstGeom prst="rect">
+                <a:avLst/>
+              </a:prstGeom>
+              <a:noFill/>
+            </p:spPr>
+            <p:txBody>
+              <a:bodyPr wrap="none" rtlCol="0">
+                <a:spAutoFit/>
+              </a:bodyPr>
+              <a:lstStyle/>
+              <a:p>
+                <a:r>
+                  <a:rPr lang="en-AU" sz="1400" dirty="0">
+                    <a:latin typeface="Consolas" panose="020B0609020204030204" pitchFamily="49" charset="0"/>
+                  </a:rPr>
+                  <a:t>LF</a:t>
+                </a:r>
+              </a:p>
+            </p:txBody>
+          </p:sp>
+        </p:grpSp>
+        <p:grpSp>
+          <p:nvGrpSpPr>
+            <p:cNvPr id="216" name="Group 215">
+              <a:extLst>
+                <a:ext uri="{FF2B5EF4-FFF2-40B4-BE49-F238E27FC236}">
+                  <a16:creationId xmlns:a16="http://schemas.microsoft.com/office/drawing/2014/main" id="{A1F5C187-573F-4015-AAF4-221395EA1B0A}"/>
+                </a:ext>
+              </a:extLst>
+            </p:cNvPr>
+            <p:cNvGrpSpPr/>
+            <p:nvPr/>
+          </p:nvGrpSpPr>
+          <p:grpSpPr>
+            <a:xfrm flipH="1">
+              <a:off x="5702003" y="1692830"/>
+              <a:ext cx="745209" cy="2923587"/>
+              <a:chOff x="3446827" y="1692830"/>
+              <a:chExt cx="745209" cy="2923587"/>
+            </a:xfrm>
+          </p:grpSpPr>
+          <p:sp>
+            <p:nvSpPr>
+              <p:cNvPr id="217" name="TextBox 216">
+                <a:extLst>
+                  <a:ext uri="{FF2B5EF4-FFF2-40B4-BE49-F238E27FC236}">
+                    <a16:creationId xmlns:a16="http://schemas.microsoft.com/office/drawing/2014/main" id="{97075EC4-95B1-4828-80BE-86E37E275879}"/>
+                  </a:ext>
+                </a:extLst>
+              </p:cNvPr>
+              <p:cNvSpPr txBox="1"/>
+              <p:nvPr/>
+            </p:nvSpPr>
+            <p:spPr>
+              <a:xfrm>
+                <a:off x="3808598" y="1692830"/>
+                <a:ext cx="383438" cy="307777"/>
+              </a:xfrm>
+              <a:prstGeom prst="rect">
+                <a:avLst/>
+              </a:prstGeom>
+              <a:noFill/>
+            </p:spPr>
+            <p:txBody>
+              <a:bodyPr wrap="none" rtlCol="0">
+                <a:spAutoFit/>
+              </a:bodyPr>
+              <a:lstStyle/>
+              <a:p>
+                <a:r>
+                  <a:rPr lang="en-AU" sz="1400" dirty="0">
+                    <a:latin typeface="Consolas" panose="020B0609020204030204" pitchFamily="49" charset="0"/>
+                  </a:rPr>
+                  <a:t>RT</a:t>
+                </a:r>
+              </a:p>
+            </p:txBody>
+          </p:sp>
+          <p:sp>
+            <p:nvSpPr>
+              <p:cNvPr id="218" name="TextBox 217">
+                <a:extLst>
+                  <a:ext uri="{FF2B5EF4-FFF2-40B4-BE49-F238E27FC236}">
+                    <a16:creationId xmlns:a16="http://schemas.microsoft.com/office/drawing/2014/main" id="{B1DA8CC7-916E-42C2-9D06-D2407CD4A29F}"/>
+                  </a:ext>
+                </a:extLst>
+              </p:cNvPr>
+              <p:cNvSpPr txBox="1"/>
+              <p:nvPr/>
+            </p:nvSpPr>
+            <p:spPr>
+              <a:xfrm>
+                <a:off x="3446827" y="3314940"/>
+                <a:ext cx="383438" cy="307777"/>
+              </a:xfrm>
+              <a:prstGeom prst="rect">
+                <a:avLst/>
+              </a:prstGeom>
+              <a:noFill/>
+            </p:spPr>
+            <p:txBody>
+              <a:bodyPr wrap="none" rtlCol="0">
+                <a:spAutoFit/>
+              </a:bodyPr>
+              <a:lstStyle/>
+              <a:p>
+                <a:r>
+                  <a:rPr lang="en-AU" sz="1400" dirty="0">
+                    <a:latin typeface="Consolas" panose="020B0609020204030204" pitchFamily="49" charset="0"/>
+                  </a:rPr>
+                  <a:t>RS</a:t>
+                </a:r>
+              </a:p>
+            </p:txBody>
+          </p:sp>
+          <p:sp>
+            <p:nvSpPr>
+              <p:cNvPr id="219" name="TextBox 218">
+                <a:extLst>
+                  <a:ext uri="{FF2B5EF4-FFF2-40B4-BE49-F238E27FC236}">
+                    <a16:creationId xmlns:a16="http://schemas.microsoft.com/office/drawing/2014/main" id="{6173E474-5E31-4240-A924-83F72AA79BE0}"/>
+                  </a:ext>
+                </a:extLst>
+              </p:cNvPr>
+              <p:cNvSpPr txBox="1"/>
+              <p:nvPr/>
+            </p:nvSpPr>
+            <p:spPr>
+              <a:xfrm>
+                <a:off x="3587978" y="4308640"/>
+                <a:ext cx="383438" cy="307777"/>
+              </a:xfrm>
+              <a:prstGeom prst="rect">
+                <a:avLst/>
+              </a:prstGeom>
+              <a:noFill/>
+            </p:spPr>
+            <p:txBody>
+              <a:bodyPr wrap="none" rtlCol="0">
+                <a:spAutoFit/>
+              </a:bodyPr>
+              <a:lstStyle/>
+              <a:p>
+                <a:r>
+                  <a:rPr lang="en-AU" sz="1400" dirty="0">
+                    <a:latin typeface="Consolas" panose="020B0609020204030204" pitchFamily="49" charset="0"/>
+                  </a:rPr>
+                  <a:t>RF</a:t>
+                </a:r>
+              </a:p>
+            </p:txBody>
+          </p:sp>
+        </p:grpSp>
+      </p:grpSp>
+      <p:sp>
+        <p:nvSpPr>
+          <p:cNvPr id="223" name="Rectangle 222">
+            <a:extLst>
+              <a:ext uri="{FF2B5EF4-FFF2-40B4-BE49-F238E27FC236}">
+                <a16:creationId xmlns:a16="http://schemas.microsoft.com/office/drawing/2014/main" id="{5EDF3D43-44DB-47E2-B3A8-8A4D641FAE98}"/>
+              </a:ext>
+            </a:extLst>
+          </p:cNvPr>
+          <p:cNvSpPr/>
+          <p:nvPr/>
+        </p:nvSpPr>
+        <p:spPr>
+          <a:xfrm flipH="1">
+            <a:off x="3595986" y="3645223"/>
+            <a:ext cx="303242" cy="245145"/>
+          </a:xfrm>
+          <a:prstGeom prst="rect">
+            <a:avLst/>
+          </a:prstGeom>
+          <a:ln w="31750"/>
+        </p:spPr>
+        <p:style>
+          <a:lnRef idx="2">
+            <a:schemeClr val="accent5">
+              <a:shade val="50000"/>
+            </a:schemeClr>
+          </a:lnRef>
+          <a:fillRef idx="1">
+            <a:schemeClr val="accent5"/>
+          </a:fillRef>
+          <a:effectRef idx="0">
+            <a:schemeClr val="accent5"/>
+          </a:effectRef>
+          <a:fontRef idx="minor">
+            <a:schemeClr val="lt1"/>
+          </a:fontRef>
+        </p:style>
+        <p:txBody>
+          <a:bodyPr lIns="0" tIns="0" rIns="0" bIns="0" rtlCol="0" anchor="ctr"/>
+          <a:lstStyle/>
+          <a:p>
+            <a:pPr algn="ctr"/>
+            <a:r>
+              <a:rPr lang="en-AU" sz="1400" dirty="0">
+                <a:latin typeface="Consolas" panose="020B0609020204030204" pitchFamily="49" charset="0"/>
+              </a:rPr>
+              <a:t>C01</a:t>
+            </a:r>
+          </a:p>
+        </p:txBody>
+      </p:sp>
+      <p:sp>
+        <p:nvSpPr>
+          <p:cNvPr id="225" name="Rectangle 224">
+            <a:extLst>
+              <a:ext uri="{FF2B5EF4-FFF2-40B4-BE49-F238E27FC236}">
+                <a16:creationId xmlns:a16="http://schemas.microsoft.com/office/drawing/2014/main" id="{0E3EA661-E1E5-44F8-8943-6053A5A2F4A6}"/>
               </a:ext>
             </a:extLst>
           </p:cNvPr>
@@ -30182,122 +33658,48 @@
         </p:nvSpPr>
         <p:spPr>
           <a:xfrm>
-            <a:off x="4832816" y="896437"/>
-            <a:ext cx="0" cy="0"/>
+            <a:off x="6009239" y="3645220"/>
+            <a:ext cx="303242" cy="245145"/>
           </a:xfrm>
-          <a:prstGeom prst="ellipse">
+          <a:prstGeom prst="rect">
             <a:avLst/>
           </a:prstGeom>
+          <a:ln w="31750"/>
         </p:spPr>
         <p:style>
           <a:lnRef idx="2">
-            <a:schemeClr val="accent1">
+            <a:schemeClr val="accent5">
               <a:shade val="50000"/>
             </a:schemeClr>
           </a:lnRef>
           <a:fillRef idx="1">
-            <a:schemeClr val="accent1"/>
+            <a:schemeClr val="accent5"/>
           </a:fillRef>
           <a:effectRef idx="0">
-            <a:schemeClr val="accent1"/>
+            <a:schemeClr val="accent5"/>
           </a:effectRef>
           <a:fontRef idx="minor">
             <a:schemeClr val="lt1"/>
           </a:fontRef>
         </p:style>
         <p:txBody>
-          <a:bodyPr rtlCol="0" anchor="ctr"/>
+          <a:bodyPr lIns="0" tIns="0" rIns="0" bIns="0" rtlCol="0" anchor="ctr"/>
           <a:lstStyle/>
           <a:p>
             <a:pPr algn="ctr"/>
-            <a:endParaRPr lang="en-AU"/>
+            <a:r>
+              <a:rPr lang="en-AU" sz="1400" dirty="0">
+                <a:latin typeface="Consolas" panose="020B0609020204030204" pitchFamily="49" charset="0"/>
+              </a:rPr>
+              <a:t>C05</a:t>
+            </a:r>
           </a:p>
         </p:txBody>
       </p:sp>
-      <p:cxnSp>
-        <p:nvCxnSpPr>
-          <p:cNvPr id="10" name="Straight Connector 9">
-            <a:extLst>
-              <a:ext uri="{FF2B5EF4-FFF2-40B4-BE49-F238E27FC236}">
-                <a16:creationId xmlns:a16="http://schemas.microsoft.com/office/drawing/2014/main" id="{6F8A40A4-A101-45CC-AAA5-978F25E95F6E}"/>
-              </a:ext>
-            </a:extLst>
-          </p:cNvPr>
-          <p:cNvCxnSpPr>
-            <a:cxnSpLocks/>
-            <a:stCxn id="8" idx="5"/>
-            <a:endCxn id="34" idx="7"/>
-          </p:cNvCxnSpPr>
-          <p:nvPr/>
-        </p:nvCxnSpPr>
-        <p:spPr>
-          <a:xfrm>
-            <a:off x="4832817" y="896438"/>
-            <a:ext cx="299961" cy="624409"/>
-          </a:xfrm>
-          <a:prstGeom prst="line">
-            <a:avLst/>
-          </a:prstGeom>
-        </p:spPr>
-        <p:style>
-          <a:lnRef idx="1">
-            <a:schemeClr val="accent1"/>
-          </a:lnRef>
-          <a:fillRef idx="0">
-            <a:schemeClr val="accent1"/>
-          </a:fillRef>
-          <a:effectRef idx="0">
-            <a:schemeClr val="accent1"/>
-          </a:effectRef>
-          <a:fontRef idx="minor">
-            <a:schemeClr val="tx1"/>
-          </a:fontRef>
-        </p:style>
-      </p:cxnSp>
-      <p:cxnSp>
-        <p:nvCxnSpPr>
-          <p:cNvPr id="13" name="Straight Connector 12">
-            <a:extLst>
-              <a:ext uri="{FF2B5EF4-FFF2-40B4-BE49-F238E27FC236}">
-                <a16:creationId xmlns:a16="http://schemas.microsoft.com/office/drawing/2014/main" id="{B92EF735-A857-4C2E-B43F-57C8958F3B36}"/>
-              </a:ext>
-            </a:extLst>
-          </p:cNvPr>
-          <p:cNvCxnSpPr>
-            <a:cxnSpLocks/>
-            <a:stCxn id="8" idx="5"/>
-            <a:endCxn id="28" idx="7"/>
-          </p:cNvCxnSpPr>
-          <p:nvPr/>
-        </p:nvCxnSpPr>
-        <p:spPr>
-          <a:xfrm>
-            <a:off x="4832817" y="896438"/>
-            <a:ext cx="782005" cy="1611472"/>
-          </a:xfrm>
-          <a:prstGeom prst="line">
-            <a:avLst/>
-          </a:prstGeom>
-        </p:spPr>
-        <p:style>
-          <a:lnRef idx="1">
-            <a:schemeClr val="accent1"/>
-          </a:lnRef>
-          <a:fillRef idx="0">
-            <a:schemeClr val="accent1"/>
-          </a:fillRef>
-          <a:effectRef idx="0">
-            <a:schemeClr val="accent1"/>
-          </a:effectRef>
-          <a:fontRef idx="minor">
-            <a:schemeClr val="tx1"/>
-          </a:fontRef>
-        </p:style>
-      </p:cxnSp>
     </p:spTree>
     <p:extLst>
       <p:ext uri="{BB962C8B-B14F-4D97-AF65-F5344CB8AC3E}">
-        <p14:creationId xmlns:p14="http://schemas.microsoft.com/office/powerpoint/2010/main" val="1276588518"/>
+        <p14:creationId xmlns:p14="http://schemas.microsoft.com/office/powerpoint/2010/main" val="1700785899"/>
       </p:ext>
     </p:extLst>
   </p:cSld>

--- a/Report/FuncDecomp.pptx
+++ b/Report/FuncDecomp.pptx
@@ -30769,608 +30769,12 @@
           <a:chExt cx="0" cy="0"/>
         </a:xfrm>
       </p:grpSpPr>
-      <p:cxnSp>
-        <p:nvCxnSpPr>
-          <p:cNvPr id="9" name="Straight Connector 8">
+      <p:grpSp>
+        <p:nvGrpSpPr>
+          <p:cNvPr id="236" name="Group 235">
             <a:extLst>
               <a:ext uri="{FF2B5EF4-FFF2-40B4-BE49-F238E27FC236}">
-                <a16:creationId xmlns:a16="http://schemas.microsoft.com/office/drawing/2014/main" id="{0B57ADFF-8634-400E-9C02-C53D798EAFCC}"/>
-              </a:ext>
-            </a:extLst>
-          </p:cNvPr>
-          <p:cNvCxnSpPr>
-            <a:cxnSpLocks/>
-            <a:stCxn id="5" idx="5"/>
-            <a:endCxn id="6" idx="1"/>
-          </p:cNvCxnSpPr>
-          <p:nvPr/>
-        </p:nvCxnSpPr>
-        <p:spPr>
-          <a:xfrm>
-            <a:off x="5647454" y="1791148"/>
-            <a:ext cx="646721" cy="934002"/>
-          </a:xfrm>
-          <a:prstGeom prst="line">
-            <a:avLst/>
-          </a:prstGeom>
-          <a:ln w="31750"/>
-        </p:spPr>
-        <p:style>
-          <a:lnRef idx="2">
-            <a:schemeClr val="dk1"/>
-          </a:lnRef>
-          <a:fillRef idx="1">
-            <a:schemeClr val="lt1"/>
-          </a:fillRef>
-          <a:effectRef idx="0">
-            <a:schemeClr val="dk1"/>
-          </a:effectRef>
-          <a:fontRef idx="minor">
-            <a:schemeClr val="dk1"/>
-          </a:fontRef>
-        </p:style>
-      </p:cxnSp>
-      <p:cxnSp>
-        <p:nvCxnSpPr>
-          <p:cNvPr id="11" name="Straight Connector 10">
-            <a:extLst>
-              <a:ext uri="{FF2B5EF4-FFF2-40B4-BE49-F238E27FC236}">
-                <a16:creationId xmlns:a16="http://schemas.microsoft.com/office/drawing/2014/main" id="{DC4010F3-532D-4DCB-979D-94ACAC0B93F7}"/>
-              </a:ext>
-            </a:extLst>
-          </p:cNvPr>
-          <p:cNvCxnSpPr>
-            <a:cxnSpLocks/>
-            <a:stCxn id="6" idx="3"/>
-            <a:endCxn id="7" idx="7"/>
-          </p:cNvCxnSpPr>
-          <p:nvPr/>
-        </p:nvCxnSpPr>
-        <p:spPr>
-          <a:xfrm flipH="1">
-            <a:off x="5698845" y="3051348"/>
-            <a:ext cx="595330" cy="1110201"/>
-          </a:xfrm>
-          <a:prstGeom prst="line">
-            <a:avLst/>
-          </a:prstGeom>
-          <a:ln w="31750"/>
-        </p:spPr>
-        <p:style>
-          <a:lnRef idx="2">
-            <a:schemeClr val="dk1"/>
-          </a:lnRef>
-          <a:fillRef idx="1">
-            <a:schemeClr val="lt1"/>
-          </a:fillRef>
-          <a:effectRef idx="0">
-            <a:schemeClr val="dk1"/>
-          </a:effectRef>
-          <a:fontRef idx="minor">
-            <a:schemeClr val="dk1"/>
-          </a:fontRef>
-        </p:style>
-      </p:cxnSp>
-      <p:cxnSp>
-        <p:nvCxnSpPr>
-          <p:cNvPr id="14" name="Straight Connector 13">
-            <a:extLst>
-              <a:ext uri="{FF2B5EF4-FFF2-40B4-BE49-F238E27FC236}">
-                <a16:creationId xmlns:a16="http://schemas.microsoft.com/office/drawing/2014/main" id="{41C2FB60-D5EA-4B0F-9CEE-584A82009D38}"/>
-              </a:ext>
-            </a:extLst>
-          </p:cNvPr>
-          <p:cNvCxnSpPr>
-            <a:cxnSpLocks/>
-            <a:stCxn id="7" idx="5"/>
-          </p:cNvCxnSpPr>
-          <p:nvPr/>
-        </p:nvCxnSpPr>
-        <p:spPr>
-          <a:xfrm>
-            <a:off x="5698845" y="4487747"/>
-            <a:ext cx="881003" cy="285056"/>
-          </a:xfrm>
-          <a:prstGeom prst="line">
-            <a:avLst/>
-          </a:prstGeom>
-          <a:ln w="31750"/>
-        </p:spPr>
-        <p:style>
-          <a:lnRef idx="2">
-            <a:schemeClr val="dk1"/>
-          </a:lnRef>
-          <a:fillRef idx="1">
-            <a:schemeClr val="lt1"/>
-          </a:fillRef>
-          <a:effectRef idx="0">
-            <a:schemeClr val="dk1"/>
-          </a:effectRef>
-          <a:fontRef idx="minor">
-            <a:schemeClr val="dk1"/>
-          </a:fontRef>
-        </p:style>
-      </p:cxnSp>
-      <p:sp>
-        <p:nvSpPr>
-          <p:cNvPr id="21" name="Rectangle 20">
-            <a:extLst>
-              <a:ext uri="{FF2B5EF4-FFF2-40B4-BE49-F238E27FC236}">
-                <a16:creationId xmlns:a16="http://schemas.microsoft.com/office/drawing/2014/main" id="{A57B9297-4F58-4C42-BA5F-A25408797467}"/>
-              </a:ext>
-            </a:extLst>
-          </p:cNvPr>
-          <p:cNvSpPr/>
-          <p:nvPr/>
-        </p:nvSpPr>
-        <p:spPr>
-          <a:xfrm>
-            <a:off x="5686859" y="3645220"/>
-            <a:ext cx="303242" cy="245145"/>
-          </a:xfrm>
-          <a:prstGeom prst="rect">
-            <a:avLst/>
-          </a:prstGeom>
-          <a:ln w="31750"/>
-        </p:spPr>
-        <p:style>
-          <a:lnRef idx="2">
-            <a:schemeClr val="accent5">
-              <a:shade val="50000"/>
-            </a:schemeClr>
-          </a:lnRef>
-          <a:fillRef idx="1">
-            <a:schemeClr val="accent5"/>
-          </a:fillRef>
-          <a:effectRef idx="0">
-            <a:schemeClr val="accent5"/>
-          </a:effectRef>
-          <a:fontRef idx="minor">
-            <a:schemeClr val="lt1"/>
-          </a:fontRef>
-        </p:style>
-        <p:txBody>
-          <a:bodyPr lIns="0" tIns="0" rIns="0" bIns="0" rtlCol="0" anchor="ctr"/>
-          <a:lstStyle/>
-          <a:p>
-            <a:pPr algn="ctr"/>
-            <a:r>
-              <a:rPr lang="en-AU" sz="1400" dirty="0">
-                <a:latin typeface="Consolas" panose="020B0609020204030204" pitchFamily="49" charset="0"/>
-              </a:rPr>
-              <a:t>C04</a:t>
-            </a:r>
-          </a:p>
-        </p:txBody>
-      </p:sp>
-      <p:sp>
-        <p:nvSpPr>
-          <p:cNvPr id="5" name="Oval 4">
-            <a:extLst>
-              <a:ext uri="{FF2B5EF4-FFF2-40B4-BE49-F238E27FC236}">
-                <a16:creationId xmlns:a16="http://schemas.microsoft.com/office/drawing/2014/main" id="{20530532-AD8C-4F5F-89EB-0DC285846B3B}"/>
-              </a:ext>
-            </a:extLst>
-          </p:cNvPr>
-          <p:cNvSpPr/>
-          <p:nvPr/>
-        </p:nvSpPr>
-        <p:spPr>
-          <a:xfrm>
-            <a:off x="5253696" y="1397392"/>
-            <a:ext cx="461316" cy="461314"/>
-          </a:xfrm>
-          <a:prstGeom prst="ellipse">
-            <a:avLst/>
-          </a:prstGeom>
-          <a:ln w="31750"/>
-        </p:spPr>
-        <p:style>
-          <a:lnRef idx="2">
-            <a:schemeClr val="dk1"/>
-          </a:lnRef>
-          <a:fillRef idx="1">
-            <a:schemeClr val="lt1"/>
-          </a:fillRef>
-          <a:effectRef idx="0">
-            <a:schemeClr val="dk1"/>
-          </a:effectRef>
-          <a:fontRef idx="minor">
-            <a:schemeClr val="dk1"/>
-          </a:fontRef>
-        </p:style>
-        <p:txBody>
-          <a:bodyPr lIns="0" tIns="0" rIns="0" bIns="0" rtlCol="0" anchor="ctr"/>
-          <a:lstStyle/>
-          <a:p>
-            <a:pPr algn="ctr"/>
-            <a:r>
-              <a:rPr lang="en-AU" sz="1400" dirty="0">
-                <a:latin typeface="Consolas" panose="020B0609020204030204" pitchFamily="49" charset="0"/>
-              </a:rPr>
-              <a:t>T06</a:t>
-            </a:r>
-          </a:p>
-        </p:txBody>
-      </p:sp>
-      <p:sp>
-        <p:nvSpPr>
-          <p:cNvPr id="6" name="Oval 5">
-            <a:extLst>
-              <a:ext uri="{FF2B5EF4-FFF2-40B4-BE49-F238E27FC236}">
-                <a16:creationId xmlns:a16="http://schemas.microsoft.com/office/drawing/2014/main" id="{E4E67912-3078-4F25-91CF-DAED990A01FE}"/>
-              </a:ext>
-            </a:extLst>
-          </p:cNvPr>
-          <p:cNvSpPr/>
-          <p:nvPr/>
-        </p:nvSpPr>
-        <p:spPr>
-          <a:xfrm>
-            <a:off x="6226617" y="2657592"/>
-            <a:ext cx="461316" cy="461314"/>
-          </a:xfrm>
-          <a:prstGeom prst="ellipse">
-            <a:avLst/>
-          </a:prstGeom>
-          <a:ln w="31750"/>
-        </p:spPr>
-        <p:style>
-          <a:lnRef idx="2">
-            <a:schemeClr val="dk1"/>
-          </a:lnRef>
-          <a:fillRef idx="1">
-            <a:schemeClr val="lt1"/>
-          </a:fillRef>
-          <a:effectRef idx="0">
-            <a:schemeClr val="dk1"/>
-          </a:effectRef>
-          <a:fontRef idx="minor">
-            <a:schemeClr val="dk1"/>
-          </a:fontRef>
-        </p:style>
-        <p:txBody>
-          <a:bodyPr lIns="0" tIns="0" rIns="0" bIns="0" rtlCol="0" anchor="ctr"/>
-          <a:lstStyle/>
-          <a:p>
-            <a:pPr algn="ctr"/>
-            <a:r>
-              <a:rPr lang="en-AU" sz="1400" dirty="0">
-                <a:latin typeface="Consolas" panose="020B0609020204030204" pitchFamily="49" charset="0"/>
-              </a:rPr>
-              <a:t>T05</a:t>
-            </a:r>
-          </a:p>
-        </p:txBody>
-      </p:sp>
-      <p:sp>
-        <p:nvSpPr>
-          <p:cNvPr id="7" name="Oval 6">
-            <a:extLst>
-              <a:ext uri="{FF2B5EF4-FFF2-40B4-BE49-F238E27FC236}">
-                <a16:creationId xmlns:a16="http://schemas.microsoft.com/office/drawing/2014/main" id="{0FE49D8F-C998-4174-9F49-1CEDCC06CB32}"/>
-              </a:ext>
-            </a:extLst>
-          </p:cNvPr>
-          <p:cNvSpPr/>
-          <p:nvPr/>
-        </p:nvSpPr>
-        <p:spPr>
-          <a:xfrm>
-            <a:off x="5305087" y="4093991"/>
-            <a:ext cx="461316" cy="461314"/>
-          </a:xfrm>
-          <a:prstGeom prst="ellipse">
-            <a:avLst/>
-          </a:prstGeom>
-          <a:ln w="31750"/>
-        </p:spPr>
-        <p:style>
-          <a:lnRef idx="2">
-            <a:schemeClr val="dk1"/>
-          </a:lnRef>
-          <a:fillRef idx="1">
-            <a:schemeClr val="lt1"/>
-          </a:fillRef>
-          <a:effectRef idx="0">
-            <a:schemeClr val="dk1"/>
-          </a:effectRef>
-          <a:fontRef idx="minor">
-            <a:schemeClr val="dk1"/>
-          </a:fontRef>
-        </p:style>
-        <p:txBody>
-          <a:bodyPr lIns="0" tIns="0" rIns="0" bIns="0" rtlCol="0" anchor="ctr"/>
-          <a:lstStyle/>
-          <a:p>
-            <a:pPr algn="ctr"/>
-            <a:r>
-              <a:rPr lang="en-AU" sz="1400" dirty="0">
-                <a:latin typeface="Consolas" panose="020B0609020204030204" pitchFamily="49" charset="0"/>
-              </a:rPr>
-              <a:t>T04</a:t>
-            </a:r>
-          </a:p>
-        </p:txBody>
-      </p:sp>
-      <p:sp>
-        <p:nvSpPr>
-          <p:cNvPr id="24" name="Oval 23">
-            <a:extLst>
-              <a:ext uri="{FF2B5EF4-FFF2-40B4-BE49-F238E27FC236}">
-                <a16:creationId xmlns:a16="http://schemas.microsoft.com/office/drawing/2014/main" id="{9B09B7F4-9C44-4BB9-B90F-792C4A3B05CF}"/>
-              </a:ext>
-            </a:extLst>
-          </p:cNvPr>
-          <p:cNvSpPr/>
-          <p:nvPr/>
-        </p:nvSpPr>
-        <p:spPr>
-          <a:xfrm flipH="1">
-            <a:off x="4190988" y="1397392"/>
-            <a:ext cx="461316" cy="461314"/>
-          </a:xfrm>
-          <a:prstGeom prst="ellipse">
-            <a:avLst/>
-          </a:prstGeom>
-          <a:ln w="31750"/>
-        </p:spPr>
-        <p:style>
-          <a:lnRef idx="2">
-            <a:schemeClr val="dk1"/>
-          </a:lnRef>
-          <a:fillRef idx="1">
-            <a:schemeClr val="lt1"/>
-          </a:fillRef>
-          <a:effectRef idx="0">
-            <a:schemeClr val="dk1"/>
-          </a:effectRef>
-          <a:fontRef idx="minor">
-            <a:schemeClr val="dk1"/>
-          </a:fontRef>
-        </p:style>
-        <p:txBody>
-          <a:bodyPr lIns="0" tIns="0" rIns="0" bIns="0" rtlCol="0" anchor="ctr"/>
-          <a:lstStyle/>
-          <a:p>
-            <a:pPr algn="ctr"/>
-            <a:r>
-              <a:rPr lang="en-AU" sz="1400" dirty="0">
-                <a:latin typeface="Consolas" panose="020B0609020204030204" pitchFamily="49" charset="0"/>
-              </a:rPr>
-              <a:t>T03</a:t>
-            </a:r>
-          </a:p>
-        </p:txBody>
-      </p:sp>
-      <p:sp>
-        <p:nvSpPr>
-          <p:cNvPr id="25" name="Oval 24">
-            <a:extLst>
-              <a:ext uri="{FF2B5EF4-FFF2-40B4-BE49-F238E27FC236}">
-                <a16:creationId xmlns:a16="http://schemas.microsoft.com/office/drawing/2014/main" id="{B4BFC764-E29B-4F77-A315-4AD915F50EAC}"/>
-              </a:ext>
-            </a:extLst>
-          </p:cNvPr>
-          <p:cNvSpPr/>
-          <p:nvPr/>
-        </p:nvSpPr>
-        <p:spPr>
-          <a:xfrm flipH="1">
-            <a:off x="3218067" y="2657591"/>
-            <a:ext cx="461316" cy="461314"/>
-          </a:xfrm>
-          <a:prstGeom prst="ellipse">
-            <a:avLst/>
-          </a:prstGeom>
-          <a:ln w="31750"/>
-        </p:spPr>
-        <p:style>
-          <a:lnRef idx="2">
-            <a:schemeClr val="dk1"/>
-          </a:lnRef>
-          <a:fillRef idx="1">
-            <a:schemeClr val="lt1"/>
-          </a:fillRef>
-          <a:effectRef idx="0">
-            <a:schemeClr val="dk1"/>
-          </a:effectRef>
-          <a:fontRef idx="minor">
-            <a:schemeClr val="dk1"/>
-          </a:fontRef>
-        </p:style>
-        <p:txBody>
-          <a:bodyPr lIns="0" tIns="0" rIns="0" bIns="0" rtlCol="0" anchor="ctr"/>
-          <a:lstStyle/>
-          <a:p>
-            <a:pPr algn="ctr"/>
-            <a:r>
-              <a:rPr lang="en-AU" sz="1400" dirty="0">
-                <a:latin typeface="Consolas" panose="020B0609020204030204" pitchFamily="49" charset="0"/>
-              </a:rPr>
-              <a:t>T02</a:t>
-            </a:r>
-          </a:p>
-        </p:txBody>
-      </p:sp>
-      <p:sp>
-        <p:nvSpPr>
-          <p:cNvPr id="26" name="Oval 25">
-            <a:extLst>
-              <a:ext uri="{FF2B5EF4-FFF2-40B4-BE49-F238E27FC236}">
-                <a16:creationId xmlns:a16="http://schemas.microsoft.com/office/drawing/2014/main" id="{E38849A8-9838-4D9B-907C-42C1BFD87FE4}"/>
-              </a:ext>
-            </a:extLst>
-          </p:cNvPr>
-          <p:cNvSpPr/>
-          <p:nvPr/>
-        </p:nvSpPr>
-        <p:spPr>
-          <a:xfrm flipH="1">
-            <a:off x="4139597" y="4093991"/>
-            <a:ext cx="461316" cy="461314"/>
-          </a:xfrm>
-          <a:prstGeom prst="ellipse">
-            <a:avLst/>
-          </a:prstGeom>
-          <a:ln w="31750"/>
-        </p:spPr>
-        <p:style>
-          <a:lnRef idx="2">
-            <a:schemeClr val="dk1"/>
-          </a:lnRef>
-          <a:fillRef idx="1">
-            <a:schemeClr val="lt1"/>
-          </a:fillRef>
-          <a:effectRef idx="0">
-            <a:schemeClr val="dk1"/>
-          </a:effectRef>
-          <a:fontRef idx="minor">
-            <a:schemeClr val="dk1"/>
-          </a:fontRef>
-        </p:style>
-        <p:txBody>
-          <a:bodyPr lIns="0" tIns="0" rIns="0" bIns="0" rtlCol="0" anchor="ctr"/>
-          <a:lstStyle/>
-          <a:p>
-            <a:pPr algn="ctr"/>
-            <a:r>
-              <a:rPr lang="en-AU" sz="1400" dirty="0">
-                <a:latin typeface="Consolas" panose="020B0609020204030204" pitchFamily="49" charset="0"/>
-              </a:rPr>
-              <a:t>T01</a:t>
-            </a:r>
-          </a:p>
-        </p:txBody>
-      </p:sp>
-      <p:cxnSp>
-        <p:nvCxnSpPr>
-          <p:cNvPr id="27" name="Straight Connector 26">
-            <a:extLst>
-              <a:ext uri="{FF2B5EF4-FFF2-40B4-BE49-F238E27FC236}">
-                <a16:creationId xmlns:a16="http://schemas.microsoft.com/office/drawing/2014/main" id="{D14FE58E-CE44-4E60-8F9F-2EC93C4A18E9}"/>
-              </a:ext>
-            </a:extLst>
-          </p:cNvPr>
-          <p:cNvCxnSpPr>
-            <a:cxnSpLocks/>
-            <a:stCxn id="24" idx="5"/>
-            <a:endCxn id="25" idx="1"/>
-          </p:cNvCxnSpPr>
-          <p:nvPr/>
-        </p:nvCxnSpPr>
-        <p:spPr>
-          <a:xfrm flipH="1">
-            <a:off x="3611825" y="1791148"/>
-            <a:ext cx="646721" cy="934001"/>
-          </a:xfrm>
-          <a:prstGeom prst="line">
-            <a:avLst/>
-          </a:prstGeom>
-          <a:ln w="31750"/>
-        </p:spPr>
-        <p:style>
-          <a:lnRef idx="2">
-            <a:schemeClr val="dk1"/>
-          </a:lnRef>
-          <a:fillRef idx="1">
-            <a:schemeClr val="lt1"/>
-          </a:fillRef>
-          <a:effectRef idx="0">
-            <a:schemeClr val="dk1"/>
-          </a:effectRef>
-          <a:fontRef idx="minor">
-            <a:schemeClr val="dk1"/>
-          </a:fontRef>
-        </p:style>
-      </p:cxnSp>
-      <p:cxnSp>
-        <p:nvCxnSpPr>
-          <p:cNvPr id="28" name="Straight Connector 27">
-            <a:extLst>
-              <a:ext uri="{FF2B5EF4-FFF2-40B4-BE49-F238E27FC236}">
-                <a16:creationId xmlns:a16="http://schemas.microsoft.com/office/drawing/2014/main" id="{E8383486-72D4-4026-A13A-4A9931DA808C}"/>
-              </a:ext>
-            </a:extLst>
-          </p:cNvPr>
-          <p:cNvCxnSpPr>
-            <a:cxnSpLocks/>
-            <a:stCxn id="25" idx="3"/>
-            <a:endCxn id="26" idx="7"/>
-          </p:cNvCxnSpPr>
-          <p:nvPr/>
-        </p:nvCxnSpPr>
-        <p:spPr>
-          <a:xfrm>
-            <a:off x="3611825" y="3051347"/>
-            <a:ext cx="595330" cy="1110202"/>
-          </a:xfrm>
-          <a:prstGeom prst="line">
-            <a:avLst/>
-          </a:prstGeom>
-          <a:ln w="31750"/>
-        </p:spPr>
-        <p:style>
-          <a:lnRef idx="2">
-            <a:schemeClr val="dk1"/>
-          </a:lnRef>
-          <a:fillRef idx="1">
-            <a:schemeClr val="lt1"/>
-          </a:fillRef>
-          <a:effectRef idx="0">
-            <a:schemeClr val="dk1"/>
-          </a:effectRef>
-          <a:fontRef idx="minor">
-            <a:schemeClr val="dk1"/>
-          </a:fontRef>
-        </p:style>
-      </p:cxnSp>
-      <p:cxnSp>
-        <p:nvCxnSpPr>
-          <p:cNvPr id="29" name="Straight Connector 28">
-            <a:extLst>
-              <a:ext uri="{FF2B5EF4-FFF2-40B4-BE49-F238E27FC236}">
-                <a16:creationId xmlns:a16="http://schemas.microsoft.com/office/drawing/2014/main" id="{B9A52C6B-DCE9-4FD2-BDE6-FAE7A6CBD244}"/>
-              </a:ext>
-            </a:extLst>
-          </p:cNvPr>
-          <p:cNvCxnSpPr>
-            <a:cxnSpLocks/>
-            <a:stCxn id="26" idx="5"/>
-          </p:cNvCxnSpPr>
-          <p:nvPr/>
-        </p:nvCxnSpPr>
-        <p:spPr>
-          <a:xfrm flipH="1">
-            <a:off x="3326155" y="4487747"/>
-            <a:ext cx="881000" cy="285056"/>
-          </a:xfrm>
-          <a:prstGeom prst="line">
-            <a:avLst/>
-          </a:prstGeom>
-          <a:ln w="31750"/>
-        </p:spPr>
-        <p:style>
-          <a:lnRef idx="2">
-            <a:schemeClr val="dk1"/>
-          </a:lnRef>
-          <a:fillRef idx="1">
-            <a:schemeClr val="lt1"/>
-          </a:fillRef>
-          <a:effectRef idx="0">
-            <a:schemeClr val="dk1"/>
-          </a:effectRef>
-          <a:fontRef idx="minor">
-            <a:schemeClr val="dk1"/>
-          </a:fontRef>
-        </p:style>
-      </p:cxnSp>
-      <p:grpSp>
-        <p:nvGrpSpPr>
-          <p:cNvPr id="177" name="Group 176">
-            <a:extLst>
-              <a:ext uri="{FF2B5EF4-FFF2-40B4-BE49-F238E27FC236}">
-                <a16:creationId xmlns:a16="http://schemas.microsoft.com/office/drawing/2014/main" id="{EA81D531-6ABA-4203-B78F-3BE5DE0CEE49}"/>
+                <a16:creationId xmlns:a16="http://schemas.microsoft.com/office/drawing/2014/main" id="{01D84749-9404-4CAC-A06F-B3BEAB70D356}"/>
               </a:ext>
             </a:extLst>
           </p:cNvPr>
@@ -31379,18 +30783,18 @@
         </p:nvGrpSpPr>
         <p:grpSpPr>
           <a:xfrm>
-            <a:off x="3667159" y="1848491"/>
-            <a:ext cx="2571684" cy="2865639"/>
-            <a:chOff x="3667159" y="1848491"/>
-            <a:chExt cx="2571684" cy="2865639"/>
+            <a:off x="2151163" y="1162984"/>
+            <a:ext cx="5603674" cy="4532032"/>
+            <a:chOff x="2151163" y="1162984"/>
+            <a:chExt cx="5603674" cy="4532032"/>
           </a:xfrm>
         </p:grpSpPr>
         <p:grpSp>
           <p:nvGrpSpPr>
-            <p:cNvPr id="175" name="Group 174">
+            <p:cNvPr id="235" name="Group 234">
               <a:extLst>
                 <a:ext uri="{FF2B5EF4-FFF2-40B4-BE49-F238E27FC236}">
-                  <a16:creationId xmlns:a16="http://schemas.microsoft.com/office/drawing/2014/main" id="{98CAD274-665F-4134-B0D9-E284842A781E}"/>
+                  <a16:creationId xmlns:a16="http://schemas.microsoft.com/office/drawing/2014/main" id="{1B25DD69-F44F-4A35-88B3-761825005BFC}"/>
                 </a:ext>
               </a:extLst>
             </p:cNvPr>
@@ -31399,18 +30803,140 @@
           </p:nvGrpSpPr>
           <p:grpSpPr>
             <a:xfrm>
-              <a:off x="4151206" y="1848491"/>
-              <a:ext cx="1603589" cy="487956"/>
-              <a:chOff x="4135566" y="1848491"/>
-              <a:chExt cx="1603589" cy="487956"/>
+              <a:off x="2151163" y="1162984"/>
+              <a:ext cx="5603674" cy="4532032"/>
+              <a:chOff x="2151163" y="1397392"/>
+              <a:chExt cx="5603674" cy="4532032"/>
             </a:xfrm>
           </p:grpSpPr>
+          <p:cxnSp>
+            <p:nvCxnSpPr>
+              <p:cNvPr id="9" name="Straight Connector 8">
+                <a:extLst>
+                  <a:ext uri="{FF2B5EF4-FFF2-40B4-BE49-F238E27FC236}">
+                    <a16:creationId xmlns:a16="http://schemas.microsoft.com/office/drawing/2014/main" id="{0B57ADFF-8634-400E-9C02-C53D798EAFCC}"/>
+                  </a:ext>
+                </a:extLst>
+              </p:cNvPr>
+              <p:cNvCxnSpPr>
+                <a:cxnSpLocks/>
+                <a:stCxn id="5" idx="5"/>
+                <a:endCxn id="6" idx="1"/>
+              </p:cNvCxnSpPr>
+              <p:nvPr/>
+            </p:nvCxnSpPr>
+            <p:spPr>
+              <a:xfrm>
+                <a:off x="5647454" y="1791148"/>
+                <a:ext cx="646721" cy="934002"/>
+              </a:xfrm>
+              <a:prstGeom prst="line">
+                <a:avLst/>
+              </a:prstGeom>
+              <a:ln w="31750"/>
+            </p:spPr>
+            <p:style>
+              <a:lnRef idx="2">
+                <a:schemeClr val="dk1"/>
+              </a:lnRef>
+              <a:fillRef idx="1">
+                <a:schemeClr val="lt1"/>
+              </a:fillRef>
+              <a:effectRef idx="0">
+                <a:schemeClr val="dk1"/>
+              </a:effectRef>
+              <a:fontRef idx="minor">
+                <a:schemeClr val="dk1"/>
+              </a:fontRef>
+            </p:style>
+          </p:cxnSp>
+          <p:cxnSp>
+            <p:nvCxnSpPr>
+              <p:cNvPr id="11" name="Straight Connector 10">
+                <a:extLst>
+                  <a:ext uri="{FF2B5EF4-FFF2-40B4-BE49-F238E27FC236}">
+                    <a16:creationId xmlns:a16="http://schemas.microsoft.com/office/drawing/2014/main" id="{DC4010F3-532D-4DCB-979D-94ACAC0B93F7}"/>
+                  </a:ext>
+                </a:extLst>
+              </p:cNvPr>
+              <p:cNvCxnSpPr>
+                <a:cxnSpLocks/>
+                <a:stCxn id="6" idx="3"/>
+                <a:endCxn id="7" idx="7"/>
+              </p:cNvCxnSpPr>
+              <p:nvPr/>
+            </p:nvCxnSpPr>
+            <p:spPr>
+              <a:xfrm flipH="1">
+                <a:off x="5698845" y="3051348"/>
+                <a:ext cx="595330" cy="1110201"/>
+              </a:xfrm>
+              <a:prstGeom prst="line">
+                <a:avLst/>
+              </a:prstGeom>
+              <a:ln w="31750"/>
+            </p:spPr>
+            <p:style>
+              <a:lnRef idx="2">
+                <a:schemeClr val="dk1"/>
+              </a:lnRef>
+              <a:fillRef idx="1">
+                <a:schemeClr val="lt1"/>
+              </a:fillRef>
+              <a:effectRef idx="0">
+                <a:schemeClr val="dk1"/>
+              </a:effectRef>
+              <a:fontRef idx="minor">
+                <a:schemeClr val="dk1"/>
+              </a:fontRef>
+            </p:style>
+          </p:cxnSp>
+          <p:cxnSp>
+            <p:nvCxnSpPr>
+              <p:cNvPr id="14" name="Straight Connector 13">
+                <a:extLst>
+                  <a:ext uri="{FF2B5EF4-FFF2-40B4-BE49-F238E27FC236}">
+                    <a16:creationId xmlns:a16="http://schemas.microsoft.com/office/drawing/2014/main" id="{41C2FB60-D5EA-4B0F-9CEE-584A82009D38}"/>
+                  </a:ext>
+                </a:extLst>
+              </p:cNvPr>
+              <p:cNvCxnSpPr>
+                <a:cxnSpLocks/>
+                <a:stCxn id="7" idx="5"/>
+              </p:cNvCxnSpPr>
+              <p:nvPr/>
+            </p:nvCxnSpPr>
+            <p:spPr>
+              <a:xfrm>
+                <a:off x="5698845" y="4487747"/>
+                <a:ext cx="881003" cy="285056"/>
+              </a:xfrm>
+              <a:prstGeom prst="line">
+                <a:avLst/>
+              </a:prstGeom>
+              <a:ln w="31750"/>
+            </p:spPr>
+            <p:style>
+              <a:lnRef idx="2">
+                <a:schemeClr val="dk1"/>
+              </a:lnRef>
+              <a:fillRef idx="1">
+                <a:schemeClr val="lt1"/>
+              </a:fillRef>
+              <a:effectRef idx="0">
+                <a:schemeClr val="dk1"/>
+              </a:effectRef>
+              <a:fontRef idx="minor">
+                <a:schemeClr val="dk1"/>
+              </a:fontRef>
+            </p:style>
+          </p:cxnSp>
           <p:sp>
             <p:nvSpPr>
-              <p:cNvPr id="18" name="Rectangle 17">
+              <p:cNvPr id="21" name="Rectangle 20">
                 <a:extLst>
                   <a:ext uri="{FF2B5EF4-FFF2-40B4-BE49-F238E27FC236}">
-                    <a16:creationId xmlns:a16="http://schemas.microsoft.com/office/drawing/2014/main" id="{225D5C6B-A798-4EB7-BB51-09FD1F47C8D6}"/>
+                    <a16:creationId xmlns:a16="http://schemas.microsoft.com/office/drawing/2014/main" id="{A57B9297-4F58-4C42-BA5F-A25408797467}"/>
                   </a:ext>
                 </a:extLst>
               </p:cNvPr>
@@ -31418,9 +30944,9 @@
               <p:nvPr/>
             </p:nvSpPr>
             <p:spPr>
-              <a:xfrm rot="3206204">
-                <a:off x="5467109" y="2064401"/>
-                <a:ext cx="486000" cy="58092"/>
+              <a:xfrm>
+                <a:off x="5686859" y="3645220"/>
+                <a:ext cx="303242" cy="245145"/>
               </a:xfrm>
               <a:prstGeom prst="rect">
                 <a:avLst/>
@@ -31429,15 +30955,2086 @@
             </p:spPr>
             <p:style>
               <a:lnRef idx="2">
-                <a:schemeClr val="accent6">
+                <a:schemeClr val="accent5">
                   <a:shade val="50000"/>
                 </a:schemeClr>
               </a:lnRef>
               <a:fillRef idx="1">
-                <a:schemeClr val="accent6"/>
+                <a:schemeClr val="accent5"/>
               </a:fillRef>
               <a:effectRef idx="0">
-                <a:schemeClr val="accent6"/>
+                <a:schemeClr val="accent5"/>
+              </a:effectRef>
+              <a:fontRef idx="minor">
+                <a:schemeClr val="lt1"/>
+              </a:fontRef>
+            </p:style>
+            <p:txBody>
+              <a:bodyPr lIns="0" tIns="0" rIns="0" bIns="0" rtlCol="0" anchor="ctr"/>
+              <a:lstStyle/>
+              <a:p>
+                <a:pPr algn="ctr"/>
+                <a:r>
+                  <a:rPr lang="en-AU" sz="1400" dirty="0">
+                    <a:latin typeface="Consolas" panose="020B0609020204030204" pitchFamily="49" charset="0"/>
+                  </a:rPr>
+                  <a:t>C04</a:t>
+                </a:r>
+              </a:p>
+            </p:txBody>
+          </p:sp>
+          <p:sp>
+            <p:nvSpPr>
+              <p:cNvPr id="5" name="Oval 4">
+                <a:extLst>
+                  <a:ext uri="{FF2B5EF4-FFF2-40B4-BE49-F238E27FC236}">
+                    <a16:creationId xmlns:a16="http://schemas.microsoft.com/office/drawing/2014/main" id="{20530532-AD8C-4F5F-89EB-0DC285846B3B}"/>
+                  </a:ext>
+                </a:extLst>
+              </p:cNvPr>
+              <p:cNvSpPr/>
+              <p:nvPr/>
+            </p:nvSpPr>
+            <p:spPr>
+              <a:xfrm>
+                <a:off x="5253696" y="1397392"/>
+                <a:ext cx="461316" cy="461314"/>
+              </a:xfrm>
+              <a:prstGeom prst="ellipse">
+                <a:avLst/>
+              </a:prstGeom>
+              <a:ln w="31750"/>
+            </p:spPr>
+            <p:style>
+              <a:lnRef idx="2">
+                <a:schemeClr val="dk1"/>
+              </a:lnRef>
+              <a:fillRef idx="1">
+                <a:schemeClr val="lt1"/>
+              </a:fillRef>
+              <a:effectRef idx="0">
+                <a:schemeClr val="dk1"/>
+              </a:effectRef>
+              <a:fontRef idx="minor">
+                <a:schemeClr val="dk1"/>
+              </a:fontRef>
+            </p:style>
+            <p:txBody>
+              <a:bodyPr lIns="0" tIns="0" rIns="0" bIns="0" rtlCol="0" anchor="ctr"/>
+              <a:lstStyle/>
+              <a:p>
+                <a:pPr algn="ctr"/>
+                <a:r>
+                  <a:rPr lang="en-AU" sz="1400" dirty="0">
+                    <a:latin typeface="Consolas" panose="020B0609020204030204" pitchFamily="49" charset="0"/>
+                  </a:rPr>
+                  <a:t>T06</a:t>
+                </a:r>
+              </a:p>
+            </p:txBody>
+          </p:sp>
+          <p:sp>
+            <p:nvSpPr>
+              <p:cNvPr id="6" name="Oval 5">
+                <a:extLst>
+                  <a:ext uri="{FF2B5EF4-FFF2-40B4-BE49-F238E27FC236}">
+                    <a16:creationId xmlns:a16="http://schemas.microsoft.com/office/drawing/2014/main" id="{E4E67912-3078-4F25-91CF-DAED990A01FE}"/>
+                  </a:ext>
+                </a:extLst>
+              </p:cNvPr>
+              <p:cNvSpPr/>
+              <p:nvPr/>
+            </p:nvSpPr>
+            <p:spPr>
+              <a:xfrm>
+                <a:off x="6226617" y="2657592"/>
+                <a:ext cx="461316" cy="461314"/>
+              </a:xfrm>
+              <a:prstGeom prst="ellipse">
+                <a:avLst/>
+              </a:prstGeom>
+              <a:ln w="31750"/>
+            </p:spPr>
+            <p:style>
+              <a:lnRef idx="2">
+                <a:schemeClr val="dk1"/>
+              </a:lnRef>
+              <a:fillRef idx="1">
+                <a:schemeClr val="lt1"/>
+              </a:fillRef>
+              <a:effectRef idx="0">
+                <a:schemeClr val="dk1"/>
+              </a:effectRef>
+              <a:fontRef idx="minor">
+                <a:schemeClr val="dk1"/>
+              </a:fontRef>
+            </p:style>
+            <p:txBody>
+              <a:bodyPr lIns="0" tIns="0" rIns="0" bIns="0" rtlCol="0" anchor="ctr"/>
+              <a:lstStyle/>
+              <a:p>
+                <a:pPr algn="ctr"/>
+                <a:r>
+                  <a:rPr lang="en-AU" sz="1400" dirty="0">
+                    <a:latin typeface="Consolas" panose="020B0609020204030204" pitchFamily="49" charset="0"/>
+                  </a:rPr>
+                  <a:t>T05</a:t>
+                </a:r>
+              </a:p>
+            </p:txBody>
+          </p:sp>
+          <p:sp>
+            <p:nvSpPr>
+              <p:cNvPr id="7" name="Oval 6">
+                <a:extLst>
+                  <a:ext uri="{FF2B5EF4-FFF2-40B4-BE49-F238E27FC236}">
+                    <a16:creationId xmlns:a16="http://schemas.microsoft.com/office/drawing/2014/main" id="{0FE49D8F-C998-4174-9F49-1CEDCC06CB32}"/>
+                  </a:ext>
+                </a:extLst>
+              </p:cNvPr>
+              <p:cNvSpPr/>
+              <p:nvPr/>
+            </p:nvSpPr>
+            <p:spPr>
+              <a:xfrm>
+                <a:off x="5305087" y="4093991"/>
+                <a:ext cx="461316" cy="461314"/>
+              </a:xfrm>
+              <a:prstGeom prst="ellipse">
+                <a:avLst/>
+              </a:prstGeom>
+              <a:ln w="31750"/>
+            </p:spPr>
+            <p:style>
+              <a:lnRef idx="2">
+                <a:schemeClr val="dk1"/>
+              </a:lnRef>
+              <a:fillRef idx="1">
+                <a:schemeClr val="lt1"/>
+              </a:fillRef>
+              <a:effectRef idx="0">
+                <a:schemeClr val="dk1"/>
+              </a:effectRef>
+              <a:fontRef idx="minor">
+                <a:schemeClr val="dk1"/>
+              </a:fontRef>
+            </p:style>
+            <p:txBody>
+              <a:bodyPr lIns="0" tIns="0" rIns="0" bIns="0" rtlCol="0" anchor="ctr"/>
+              <a:lstStyle/>
+              <a:p>
+                <a:pPr algn="ctr"/>
+                <a:r>
+                  <a:rPr lang="en-AU" sz="1400" dirty="0">
+                    <a:latin typeface="Consolas" panose="020B0609020204030204" pitchFamily="49" charset="0"/>
+                  </a:rPr>
+                  <a:t>T04</a:t>
+                </a:r>
+              </a:p>
+            </p:txBody>
+          </p:sp>
+          <p:sp>
+            <p:nvSpPr>
+              <p:cNvPr id="24" name="Oval 23">
+                <a:extLst>
+                  <a:ext uri="{FF2B5EF4-FFF2-40B4-BE49-F238E27FC236}">
+                    <a16:creationId xmlns:a16="http://schemas.microsoft.com/office/drawing/2014/main" id="{9B09B7F4-9C44-4BB9-B90F-792C4A3B05CF}"/>
+                  </a:ext>
+                </a:extLst>
+              </p:cNvPr>
+              <p:cNvSpPr/>
+              <p:nvPr/>
+            </p:nvSpPr>
+            <p:spPr>
+              <a:xfrm flipH="1">
+                <a:off x="4190988" y="1397392"/>
+                <a:ext cx="461316" cy="461314"/>
+              </a:xfrm>
+              <a:prstGeom prst="ellipse">
+                <a:avLst/>
+              </a:prstGeom>
+              <a:ln w="31750"/>
+            </p:spPr>
+            <p:style>
+              <a:lnRef idx="2">
+                <a:schemeClr val="dk1"/>
+              </a:lnRef>
+              <a:fillRef idx="1">
+                <a:schemeClr val="lt1"/>
+              </a:fillRef>
+              <a:effectRef idx="0">
+                <a:schemeClr val="dk1"/>
+              </a:effectRef>
+              <a:fontRef idx="minor">
+                <a:schemeClr val="dk1"/>
+              </a:fontRef>
+            </p:style>
+            <p:txBody>
+              <a:bodyPr lIns="0" tIns="0" rIns="0" bIns="0" rtlCol="0" anchor="ctr"/>
+              <a:lstStyle/>
+              <a:p>
+                <a:pPr algn="ctr"/>
+                <a:r>
+                  <a:rPr lang="en-AU" sz="1400" dirty="0">
+                    <a:latin typeface="Consolas" panose="020B0609020204030204" pitchFamily="49" charset="0"/>
+                  </a:rPr>
+                  <a:t>T03</a:t>
+                </a:r>
+              </a:p>
+            </p:txBody>
+          </p:sp>
+          <p:sp>
+            <p:nvSpPr>
+              <p:cNvPr id="25" name="Oval 24">
+                <a:extLst>
+                  <a:ext uri="{FF2B5EF4-FFF2-40B4-BE49-F238E27FC236}">
+                    <a16:creationId xmlns:a16="http://schemas.microsoft.com/office/drawing/2014/main" id="{B4BFC764-E29B-4F77-A315-4AD915F50EAC}"/>
+                  </a:ext>
+                </a:extLst>
+              </p:cNvPr>
+              <p:cNvSpPr/>
+              <p:nvPr/>
+            </p:nvSpPr>
+            <p:spPr>
+              <a:xfrm flipH="1">
+                <a:off x="3218067" y="2657591"/>
+                <a:ext cx="461316" cy="461314"/>
+              </a:xfrm>
+              <a:prstGeom prst="ellipse">
+                <a:avLst/>
+              </a:prstGeom>
+              <a:ln w="31750"/>
+            </p:spPr>
+            <p:style>
+              <a:lnRef idx="2">
+                <a:schemeClr val="dk1"/>
+              </a:lnRef>
+              <a:fillRef idx="1">
+                <a:schemeClr val="lt1"/>
+              </a:fillRef>
+              <a:effectRef idx="0">
+                <a:schemeClr val="dk1"/>
+              </a:effectRef>
+              <a:fontRef idx="minor">
+                <a:schemeClr val="dk1"/>
+              </a:fontRef>
+            </p:style>
+            <p:txBody>
+              <a:bodyPr lIns="0" tIns="0" rIns="0" bIns="0" rtlCol="0" anchor="ctr"/>
+              <a:lstStyle/>
+              <a:p>
+                <a:pPr algn="ctr"/>
+                <a:r>
+                  <a:rPr lang="en-AU" sz="1400" dirty="0">
+                    <a:latin typeface="Consolas" panose="020B0609020204030204" pitchFamily="49" charset="0"/>
+                  </a:rPr>
+                  <a:t>T02</a:t>
+                </a:r>
+              </a:p>
+            </p:txBody>
+          </p:sp>
+          <p:sp>
+            <p:nvSpPr>
+              <p:cNvPr id="26" name="Oval 25">
+                <a:extLst>
+                  <a:ext uri="{FF2B5EF4-FFF2-40B4-BE49-F238E27FC236}">
+                    <a16:creationId xmlns:a16="http://schemas.microsoft.com/office/drawing/2014/main" id="{E38849A8-9838-4D9B-907C-42C1BFD87FE4}"/>
+                  </a:ext>
+                </a:extLst>
+              </p:cNvPr>
+              <p:cNvSpPr/>
+              <p:nvPr/>
+            </p:nvSpPr>
+            <p:spPr>
+              <a:xfrm flipH="1">
+                <a:off x="4139597" y="4093991"/>
+                <a:ext cx="461316" cy="461314"/>
+              </a:xfrm>
+              <a:prstGeom prst="ellipse">
+                <a:avLst/>
+              </a:prstGeom>
+              <a:ln w="31750"/>
+            </p:spPr>
+            <p:style>
+              <a:lnRef idx="2">
+                <a:schemeClr val="dk1"/>
+              </a:lnRef>
+              <a:fillRef idx="1">
+                <a:schemeClr val="lt1"/>
+              </a:fillRef>
+              <a:effectRef idx="0">
+                <a:schemeClr val="dk1"/>
+              </a:effectRef>
+              <a:fontRef idx="minor">
+                <a:schemeClr val="dk1"/>
+              </a:fontRef>
+            </p:style>
+            <p:txBody>
+              <a:bodyPr lIns="0" tIns="0" rIns="0" bIns="0" rtlCol="0" anchor="ctr"/>
+              <a:lstStyle/>
+              <a:p>
+                <a:pPr algn="ctr"/>
+                <a:r>
+                  <a:rPr lang="en-AU" sz="1400" dirty="0">
+                    <a:latin typeface="Consolas" panose="020B0609020204030204" pitchFamily="49" charset="0"/>
+                  </a:rPr>
+                  <a:t>T01</a:t>
+                </a:r>
+              </a:p>
+            </p:txBody>
+          </p:sp>
+          <p:cxnSp>
+            <p:nvCxnSpPr>
+              <p:cNvPr id="27" name="Straight Connector 26">
+                <a:extLst>
+                  <a:ext uri="{FF2B5EF4-FFF2-40B4-BE49-F238E27FC236}">
+                    <a16:creationId xmlns:a16="http://schemas.microsoft.com/office/drawing/2014/main" id="{D14FE58E-CE44-4E60-8F9F-2EC93C4A18E9}"/>
+                  </a:ext>
+                </a:extLst>
+              </p:cNvPr>
+              <p:cNvCxnSpPr>
+                <a:cxnSpLocks/>
+                <a:stCxn id="24" idx="5"/>
+                <a:endCxn id="25" idx="1"/>
+              </p:cNvCxnSpPr>
+              <p:nvPr/>
+            </p:nvCxnSpPr>
+            <p:spPr>
+              <a:xfrm flipH="1">
+                <a:off x="3611825" y="1791148"/>
+                <a:ext cx="646721" cy="934001"/>
+              </a:xfrm>
+              <a:prstGeom prst="line">
+                <a:avLst/>
+              </a:prstGeom>
+              <a:ln w="31750"/>
+            </p:spPr>
+            <p:style>
+              <a:lnRef idx="2">
+                <a:schemeClr val="dk1"/>
+              </a:lnRef>
+              <a:fillRef idx="1">
+                <a:schemeClr val="lt1"/>
+              </a:fillRef>
+              <a:effectRef idx="0">
+                <a:schemeClr val="dk1"/>
+              </a:effectRef>
+              <a:fontRef idx="minor">
+                <a:schemeClr val="dk1"/>
+              </a:fontRef>
+            </p:style>
+          </p:cxnSp>
+          <p:cxnSp>
+            <p:nvCxnSpPr>
+              <p:cNvPr id="28" name="Straight Connector 27">
+                <a:extLst>
+                  <a:ext uri="{FF2B5EF4-FFF2-40B4-BE49-F238E27FC236}">
+                    <a16:creationId xmlns:a16="http://schemas.microsoft.com/office/drawing/2014/main" id="{E8383486-72D4-4026-A13A-4A9931DA808C}"/>
+                  </a:ext>
+                </a:extLst>
+              </p:cNvPr>
+              <p:cNvCxnSpPr>
+                <a:cxnSpLocks/>
+                <a:stCxn id="25" idx="3"/>
+                <a:endCxn id="26" idx="7"/>
+              </p:cNvCxnSpPr>
+              <p:nvPr/>
+            </p:nvCxnSpPr>
+            <p:spPr>
+              <a:xfrm>
+                <a:off x="3611825" y="3051347"/>
+                <a:ext cx="595330" cy="1110202"/>
+              </a:xfrm>
+              <a:prstGeom prst="line">
+                <a:avLst/>
+              </a:prstGeom>
+              <a:ln w="31750"/>
+            </p:spPr>
+            <p:style>
+              <a:lnRef idx="2">
+                <a:schemeClr val="dk1"/>
+              </a:lnRef>
+              <a:fillRef idx="1">
+                <a:schemeClr val="lt1"/>
+              </a:fillRef>
+              <a:effectRef idx="0">
+                <a:schemeClr val="dk1"/>
+              </a:effectRef>
+              <a:fontRef idx="minor">
+                <a:schemeClr val="dk1"/>
+              </a:fontRef>
+            </p:style>
+          </p:cxnSp>
+          <p:cxnSp>
+            <p:nvCxnSpPr>
+              <p:cNvPr id="29" name="Straight Connector 28">
+                <a:extLst>
+                  <a:ext uri="{FF2B5EF4-FFF2-40B4-BE49-F238E27FC236}">
+                    <a16:creationId xmlns:a16="http://schemas.microsoft.com/office/drawing/2014/main" id="{B9A52C6B-DCE9-4FD2-BDE6-FAE7A6CBD244}"/>
+                  </a:ext>
+                </a:extLst>
+              </p:cNvPr>
+              <p:cNvCxnSpPr>
+                <a:cxnSpLocks/>
+                <a:stCxn id="26" idx="5"/>
+              </p:cNvCxnSpPr>
+              <p:nvPr/>
+            </p:nvCxnSpPr>
+            <p:spPr>
+              <a:xfrm flipH="1">
+                <a:off x="3326155" y="4487747"/>
+                <a:ext cx="881000" cy="285056"/>
+              </a:xfrm>
+              <a:prstGeom prst="line">
+                <a:avLst/>
+              </a:prstGeom>
+              <a:ln w="31750"/>
+            </p:spPr>
+            <p:style>
+              <a:lnRef idx="2">
+                <a:schemeClr val="dk1"/>
+              </a:lnRef>
+              <a:fillRef idx="1">
+                <a:schemeClr val="lt1"/>
+              </a:fillRef>
+              <a:effectRef idx="0">
+                <a:schemeClr val="dk1"/>
+              </a:effectRef>
+              <a:fontRef idx="minor">
+                <a:schemeClr val="dk1"/>
+              </a:fontRef>
+            </p:style>
+          </p:cxnSp>
+          <p:grpSp>
+            <p:nvGrpSpPr>
+              <p:cNvPr id="177" name="Group 176">
+                <a:extLst>
+                  <a:ext uri="{FF2B5EF4-FFF2-40B4-BE49-F238E27FC236}">
+                    <a16:creationId xmlns:a16="http://schemas.microsoft.com/office/drawing/2014/main" id="{EA81D531-6ABA-4203-B78F-3BE5DE0CEE49}"/>
+                  </a:ext>
+                </a:extLst>
+              </p:cNvPr>
+              <p:cNvGrpSpPr/>
+              <p:nvPr/>
+            </p:nvGrpSpPr>
+            <p:grpSpPr>
+              <a:xfrm>
+                <a:off x="3667159" y="1848491"/>
+                <a:ext cx="2571684" cy="2865639"/>
+                <a:chOff x="3667159" y="1848491"/>
+                <a:chExt cx="2571684" cy="2865639"/>
+              </a:xfrm>
+            </p:grpSpPr>
+            <p:grpSp>
+              <p:nvGrpSpPr>
+                <p:cNvPr id="175" name="Group 174">
+                  <a:extLst>
+                    <a:ext uri="{FF2B5EF4-FFF2-40B4-BE49-F238E27FC236}">
+                      <a16:creationId xmlns:a16="http://schemas.microsoft.com/office/drawing/2014/main" id="{98CAD274-665F-4134-B0D9-E284842A781E}"/>
+                    </a:ext>
+                  </a:extLst>
+                </p:cNvPr>
+                <p:cNvGrpSpPr/>
+                <p:nvPr/>
+              </p:nvGrpSpPr>
+              <p:grpSpPr>
+                <a:xfrm>
+                  <a:off x="4151206" y="1848491"/>
+                  <a:ext cx="1603589" cy="487956"/>
+                  <a:chOff x="4135566" y="1848491"/>
+                  <a:chExt cx="1603589" cy="487956"/>
+                </a:xfrm>
+              </p:grpSpPr>
+              <p:sp>
+                <p:nvSpPr>
+                  <p:cNvPr id="18" name="Rectangle 17">
+                    <a:extLst>
+                      <a:ext uri="{FF2B5EF4-FFF2-40B4-BE49-F238E27FC236}">
+                        <a16:creationId xmlns:a16="http://schemas.microsoft.com/office/drawing/2014/main" id="{225D5C6B-A798-4EB7-BB51-09FD1F47C8D6}"/>
+                      </a:ext>
+                    </a:extLst>
+                  </p:cNvPr>
+                  <p:cNvSpPr/>
+                  <p:nvPr/>
+                </p:nvSpPr>
+                <p:spPr>
+                  <a:xfrm rot="3206204">
+                    <a:off x="5467109" y="2064401"/>
+                    <a:ext cx="486000" cy="58092"/>
+                  </a:xfrm>
+                  <a:prstGeom prst="rect">
+                    <a:avLst/>
+                  </a:prstGeom>
+                  <a:ln w="31750"/>
+                </p:spPr>
+                <p:style>
+                  <a:lnRef idx="2">
+                    <a:schemeClr val="accent6">
+                      <a:shade val="50000"/>
+                    </a:schemeClr>
+                  </a:lnRef>
+                  <a:fillRef idx="1">
+                    <a:schemeClr val="accent6"/>
+                  </a:fillRef>
+                  <a:effectRef idx="0">
+                    <a:schemeClr val="accent6"/>
+                  </a:effectRef>
+                  <a:fontRef idx="minor">
+                    <a:schemeClr val="lt1"/>
+                  </a:fontRef>
+                </p:style>
+                <p:txBody>
+                  <a:bodyPr rot="0" spcFirstLastPara="0" vertOverflow="overflow" horzOverflow="overflow" vert="horz" wrap="square" lIns="0" tIns="0" rIns="0" bIns="0" numCol="1" spcCol="0" rtlCol="0" fromWordArt="0" anchor="ctr" anchorCtr="0" forceAA="0" compatLnSpc="1">
+                    <a:prstTxWarp prst="textNoShape">
+                      <a:avLst/>
+                    </a:prstTxWarp>
+                    <a:noAutofit/>
+                  </a:bodyPr>
+                  <a:lstStyle/>
+                  <a:p>
+                    <a:pPr algn="ctr"/>
+                    <a:endParaRPr lang="en-AU" sz="1400">
+                      <a:latin typeface="Consolas" panose="020B0609020204030204" pitchFamily="49" charset="0"/>
+                    </a:endParaRPr>
+                  </a:p>
+                </p:txBody>
+              </p:sp>
+              <p:sp>
+                <p:nvSpPr>
+                  <p:cNvPr id="33" name="Rectangle 32">
+                    <a:extLst>
+                      <a:ext uri="{FF2B5EF4-FFF2-40B4-BE49-F238E27FC236}">
+                        <a16:creationId xmlns:a16="http://schemas.microsoft.com/office/drawing/2014/main" id="{9D89E359-7655-4985-99F2-9449D0066643}"/>
+                      </a:ext>
+                    </a:extLst>
+                  </p:cNvPr>
+                  <p:cNvSpPr/>
+                  <p:nvPr/>
+                </p:nvSpPr>
+                <p:spPr>
+                  <a:xfrm rot="18393796" flipH="1">
+                    <a:off x="3927587" y="2056470"/>
+                    <a:ext cx="484664" cy="68705"/>
+                  </a:xfrm>
+                  <a:prstGeom prst="rect">
+                    <a:avLst/>
+                  </a:prstGeom>
+                  <a:ln w="31750"/>
+                </p:spPr>
+                <p:style>
+                  <a:lnRef idx="2">
+                    <a:schemeClr val="accent6">
+                      <a:shade val="50000"/>
+                    </a:schemeClr>
+                  </a:lnRef>
+                  <a:fillRef idx="1">
+                    <a:schemeClr val="accent6"/>
+                  </a:fillRef>
+                  <a:effectRef idx="0">
+                    <a:schemeClr val="accent6"/>
+                  </a:effectRef>
+                  <a:fontRef idx="minor">
+                    <a:schemeClr val="lt1"/>
+                  </a:fontRef>
+                </p:style>
+                <p:txBody>
+                  <a:bodyPr rot="0" spcFirstLastPara="0" vertOverflow="overflow" horzOverflow="overflow" vert="horz" wrap="square" lIns="0" tIns="0" rIns="0" bIns="0" numCol="1" spcCol="0" rtlCol="0" fromWordArt="0" anchor="ctr" anchorCtr="0" forceAA="0" compatLnSpc="1">
+                    <a:prstTxWarp prst="textNoShape">
+                      <a:avLst/>
+                    </a:prstTxWarp>
+                    <a:noAutofit/>
+                  </a:bodyPr>
+                  <a:lstStyle/>
+                  <a:p>
+                    <a:pPr algn="ctr"/>
+                    <a:endParaRPr lang="en-AU" sz="1400">
+                      <a:latin typeface="Consolas" panose="020B0609020204030204" pitchFamily="49" charset="0"/>
+                    </a:endParaRPr>
+                  </a:p>
+                </p:txBody>
+              </p:sp>
+            </p:grpSp>
+            <p:sp>
+              <p:nvSpPr>
+                <p:cNvPr id="19" name="Rectangle 18">
+                  <a:extLst>
+                    <a:ext uri="{FF2B5EF4-FFF2-40B4-BE49-F238E27FC236}">
+                      <a16:creationId xmlns:a16="http://schemas.microsoft.com/office/drawing/2014/main" id="{2789937D-7436-4ACA-8307-F59F29E92A8A}"/>
+                    </a:ext>
+                  </a:extLst>
+                </p:cNvPr>
+                <p:cNvSpPr/>
+                <p:nvPr/>
+              </p:nvSpPr>
+              <p:spPr>
+                <a:xfrm rot="1223974">
+                  <a:off x="5754177" y="4645425"/>
+                  <a:ext cx="484666" cy="68705"/>
+                </a:xfrm>
+                <a:prstGeom prst="rect">
+                  <a:avLst/>
+                </a:prstGeom>
+                <a:ln w="31750"/>
+              </p:spPr>
+              <p:style>
+                <a:lnRef idx="2">
+                  <a:schemeClr val="accent6">
+                    <a:shade val="50000"/>
+                  </a:schemeClr>
+                </a:lnRef>
+                <a:fillRef idx="1">
+                  <a:schemeClr val="accent6"/>
+                </a:fillRef>
+                <a:effectRef idx="0">
+                  <a:schemeClr val="accent6"/>
+                </a:effectRef>
+                <a:fontRef idx="minor">
+                  <a:schemeClr val="lt1"/>
+                </a:fontRef>
+              </p:style>
+              <p:txBody>
+                <a:bodyPr rot="0" spcFirstLastPara="0" vertOverflow="overflow" horzOverflow="overflow" vert="horz" wrap="square" lIns="0" tIns="0" rIns="0" bIns="0" numCol="1" spcCol="0" rtlCol="0" fromWordArt="0" anchor="ctr" anchorCtr="0" forceAA="0" compatLnSpc="1">
+                  <a:prstTxWarp prst="textNoShape">
+                    <a:avLst/>
+                  </a:prstTxWarp>
+                  <a:noAutofit/>
+                </a:bodyPr>
+                <a:lstStyle/>
+                <a:p>
+                  <a:pPr algn="ctr"/>
+                  <a:endParaRPr lang="en-AU" sz="1400">
+                    <a:latin typeface="Consolas" panose="020B0609020204030204" pitchFamily="49" charset="0"/>
+                  </a:endParaRPr>
+                </a:p>
+              </p:txBody>
+            </p:sp>
+            <p:sp>
+              <p:nvSpPr>
+                <p:cNvPr id="34" name="Rectangle 33">
+                  <a:extLst>
+                    <a:ext uri="{FF2B5EF4-FFF2-40B4-BE49-F238E27FC236}">
+                      <a16:creationId xmlns:a16="http://schemas.microsoft.com/office/drawing/2014/main" id="{7DDCCD10-5749-4932-A629-241C96962068}"/>
+                    </a:ext>
+                  </a:extLst>
+                </p:cNvPr>
+                <p:cNvSpPr/>
+                <p:nvPr/>
+              </p:nvSpPr>
+              <p:spPr>
+                <a:xfrm rot="20376026" flipH="1">
+                  <a:off x="3667159" y="4645424"/>
+                  <a:ext cx="484664" cy="68705"/>
+                </a:xfrm>
+                <a:prstGeom prst="rect">
+                  <a:avLst/>
+                </a:prstGeom>
+                <a:ln w="31750"/>
+              </p:spPr>
+              <p:style>
+                <a:lnRef idx="2">
+                  <a:schemeClr val="accent6">
+                    <a:shade val="50000"/>
+                  </a:schemeClr>
+                </a:lnRef>
+                <a:fillRef idx="1">
+                  <a:schemeClr val="accent6"/>
+                </a:fillRef>
+                <a:effectRef idx="0">
+                  <a:schemeClr val="accent6"/>
+                </a:effectRef>
+                <a:fontRef idx="minor">
+                  <a:schemeClr val="lt1"/>
+                </a:fontRef>
+              </p:style>
+              <p:txBody>
+                <a:bodyPr rot="0" spcFirstLastPara="0" vertOverflow="overflow" horzOverflow="overflow" vert="horz" wrap="square" lIns="0" tIns="0" rIns="0" bIns="0" numCol="1" spcCol="0" rtlCol="0" fromWordArt="0" anchor="ctr" anchorCtr="0" forceAA="0" compatLnSpc="1">
+                  <a:prstTxWarp prst="textNoShape">
+                    <a:avLst/>
+                  </a:prstTxWarp>
+                  <a:noAutofit/>
+                </a:bodyPr>
+                <a:lstStyle/>
+                <a:p>
+                  <a:pPr algn="ctr"/>
+                  <a:endParaRPr lang="en-AU" sz="1400">
+                    <a:latin typeface="Consolas" panose="020B0609020204030204" pitchFamily="49" charset="0"/>
+                  </a:endParaRPr>
+                </a:p>
+              </p:txBody>
+            </p:sp>
+          </p:grpSp>
+          <p:grpSp>
+            <p:nvGrpSpPr>
+              <p:cNvPr id="174" name="Group 173">
+                <a:extLst>
+                  <a:ext uri="{FF2B5EF4-FFF2-40B4-BE49-F238E27FC236}">
+                    <a16:creationId xmlns:a16="http://schemas.microsoft.com/office/drawing/2014/main" id="{27F0B13F-61A8-4981-8EA5-D4D7AAADC5B3}"/>
+                  </a:ext>
+                </a:extLst>
+              </p:cNvPr>
+              <p:cNvGrpSpPr/>
+              <p:nvPr/>
+            </p:nvGrpSpPr>
+            <p:grpSpPr>
+              <a:xfrm>
+                <a:off x="3645994" y="2294536"/>
+                <a:ext cx="2614012" cy="245146"/>
+                <a:chOff x="3660044" y="2294536"/>
+                <a:chExt cx="2614012" cy="245146"/>
+              </a:xfrm>
+              <a:solidFill>
+                <a:schemeClr val="accent5"/>
+              </a:solidFill>
+            </p:grpSpPr>
+            <p:sp>
+              <p:nvSpPr>
+                <p:cNvPr id="20" name="Rectangle 19">
+                  <a:extLst>
+                    <a:ext uri="{FF2B5EF4-FFF2-40B4-BE49-F238E27FC236}">
+                      <a16:creationId xmlns:a16="http://schemas.microsoft.com/office/drawing/2014/main" id="{7F69A4C8-DC23-4351-BEED-1A87F7E1001A}"/>
+                    </a:ext>
+                  </a:extLst>
+                </p:cNvPr>
+                <p:cNvSpPr/>
+                <p:nvPr/>
+              </p:nvSpPr>
+              <p:spPr>
+                <a:xfrm>
+                  <a:off x="5970814" y="2294537"/>
+                  <a:ext cx="303242" cy="245145"/>
+                </a:xfrm>
+                <a:prstGeom prst="rect">
+                  <a:avLst/>
+                </a:prstGeom>
+                <a:ln w="31750"/>
+              </p:spPr>
+              <p:style>
+                <a:lnRef idx="2">
+                  <a:schemeClr val="accent5">
+                    <a:shade val="50000"/>
+                  </a:schemeClr>
+                </a:lnRef>
+                <a:fillRef idx="1">
+                  <a:schemeClr val="accent5"/>
+                </a:fillRef>
+                <a:effectRef idx="0">
+                  <a:schemeClr val="accent5"/>
+                </a:effectRef>
+                <a:fontRef idx="minor">
+                  <a:schemeClr val="lt1"/>
+                </a:fontRef>
+              </p:style>
+              <p:txBody>
+                <a:bodyPr lIns="0" tIns="0" rIns="0" bIns="0" rtlCol="0" anchor="ctr"/>
+                <a:lstStyle/>
+                <a:p>
+                  <a:pPr algn="ctr"/>
+                  <a:r>
+                    <a:rPr lang="en-AU" sz="1400" dirty="0">
+                      <a:latin typeface="Consolas" panose="020B0609020204030204" pitchFamily="49" charset="0"/>
+                    </a:rPr>
+                    <a:t>C06</a:t>
+                  </a:r>
+                </a:p>
+              </p:txBody>
+            </p:sp>
+            <p:sp>
+              <p:nvSpPr>
+                <p:cNvPr id="35" name="Rectangle 34">
+                  <a:extLst>
+                    <a:ext uri="{FF2B5EF4-FFF2-40B4-BE49-F238E27FC236}">
+                      <a16:creationId xmlns:a16="http://schemas.microsoft.com/office/drawing/2014/main" id="{54C7CA5C-F7AF-4730-AF12-75A9D13AF783}"/>
+                    </a:ext>
+                  </a:extLst>
+                </p:cNvPr>
+                <p:cNvSpPr/>
+                <p:nvPr/>
+              </p:nvSpPr>
+              <p:spPr>
+                <a:xfrm flipH="1">
+                  <a:off x="3660044" y="2294536"/>
+                  <a:ext cx="303242" cy="245145"/>
+                </a:xfrm>
+                <a:prstGeom prst="rect">
+                  <a:avLst/>
+                </a:prstGeom>
+                <a:ln w="31750"/>
+              </p:spPr>
+              <p:style>
+                <a:lnRef idx="2">
+                  <a:schemeClr val="accent5">
+                    <a:shade val="50000"/>
+                  </a:schemeClr>
+                </a:lnRef>
+                <a:fillRef idx="1">
+                  <a:schemeClr val="accent5"/>
+                </a:fillRef>
+                <a:effectRef idx="0">
+                  <a:schemeClr val="accent5"/>
+                </a:effectRef>
+                <a:fontRef idx="minor">
+                  <a:schemeClr val="lt1"/>
+                </a:fontRef>
+              </p:style>
+              <p:txBody>
+                <a:bodyPr lIns="0" tIns="0" rIns="0" bIns="0" rtlCol="0" anchor="ctr"/>
+                <a:lstStyle/>
+                <a:p>
+                  <a:pPr algn="ctr"/>
+                  <a:r>
+                    <a:rPr lang="en-AU" sz="1400" dirty="0">
+                      <a:latin typeface="Consolas" panose="020B0609020204030204" pitchFamily="49" charset="0"/>
+                    </a:rPr>
+                    <a:t>C02</a:t>
+                  </a:r>
+                </a:p>
+              </p:txBody>
+            </p:sp>
+          </p:grpSp>
+          <p:sp>
+            <p:nvSpPr>
+              <p:cNvPr id="36" name="Rectangle 35">
+                <a:extLst>
+                  <a:ext uri="{FF2B5EF4-FFF2-40B4-BE49-F238E27FC236}">
+                    <a16:creationId xmlns:a16="http://schemas.microsoft.com/office/drawing/2014/main" id="{070E04E6-8C9C-4F93-B657-8E589C455B52}"/>
+                  </a:ext>
+                </a:extLst>
+              </p:cNvPr>
+              <p:cNvSpPr/>
+              <p:nvPr/>
+            </p:nvSpPr>
+            <p:spPr>
+              <a:xfrm flipH="1">
+                <a:off x="3915897" y="3645223"/>
+                <a:ext cx="303242" cy="245145"/>
+              </a:xfrm>
+              <a:prstGeom prst="rect">
+                <a:avLst/>
+              </a:prstGeom>
+              <a:ln w="31750"/>
+            </p:spPr>
+            <p:style>
+              <a:lnRef idx="2">
+                <a:schemeClr val="accent5">
+                  <a:shade val="50000"/>
+                </a:schemeClr>
+              </a:lnRef>
+              <a:fillRef idx="1">
+                <a:schemeClr val="accent5"/>
+              </a:fillRef>
+              <a:effectRef idx="0">
+                <a:schemeClr val="accent5"/>
+              </a:effectRef>
+              <a:fontRef idx="minor">
+                <a:schemeClr val="lt1"/>
+              </a:fontRef>
+            </p:style>
+            <p:txBody>
+              <a:bodyPr lIns="0" tIns="0" rIns="0" bIns="0" rtlCol="0" anchor="ctr"/>
+              <a:lstStyle/>
+              <a:p>
+                <a:pPr algn="ctr"/>
+                <a:r>
+                  <a:rPr lang="en-AU" sz="1400" dirty="0">
+                    <a:latin typeface="Consolas" panose="020B0609020204030204" pitchFamily="49" charset="0"/>
+                  </a:rPr>
+                  <a:t>C02</a:t>
+                </a:r>
+              </a:p>
+            </p:txBody>
+          </p:sp>
+          <p:cxnSp>
+            <p:nvCxnSpPr>
+              <p:cNvPr id="38" name="Connector: Curved 37">
+                <a:extLst>
+                  <a:ext uri="{FF2B5EF4-FFF2-40B4-BE49-F238E27FC236}">
+                    <a16:creationId xmlns:a16="http://schemas.microsoft.com/office/drawing/2014/main" id="{91D6435D-8032-4713-BF0F-36883674608E}"/>
+                  </a:ext>
+                </a:extLst>
+              </p:cNvPr>
+              <p:cNvCxnSpPr>
+                <a:cxnSpLocks/>
+                <a:stCxn id="36" idx="1"/>
+                <a:endCxn id="35" idx="1"/>
+              </p:cNvCxnSpPr>
+              <p:nvPr/>
+            </p:nvCxnSpPr>
+            <p:spPr>
+              <a:xfrm flipH="1" flipV="1">
+                <a:off x="3949236" y="2417109"/>
+                <a:ext cx="269903" cy="1350687"/>
+              </a:xfrm>
+              <a:prstGeom prst="curvedConnector3">
+                <a:avLst>
+                  <a:gd name="adj1" fmla="val -84697"/>
+                </a:avLst>
+              </a:prstGeom>
+              <a:ln w="60325">
+                <a:solidFill>
+                  <a:srgbClr val="7030A0"/>
+                </a:solidFill>
+              </a:ln>
+            </p:spPr>
+            <p:style>
+              <a:lnRef idx="3">
+                <a:schemeClr val="accent5"/>
+              </a:lnRef>
+              <a:fillRef idx="0">
+                <a:schemeClr val="accent5"/>
+              </a:fillRef>
+              <a:effectRef idx="2">
+                <a:schemeClr val="accent5"/>
+              </a:effectRef>
+              <a:fontRef idx="minor">
+                <a:schemeClr val="tx1"/>
+              </a:fontRef>
+            </p:style>
+          </p:cxnSp>
+          <p:cxnSp>
+            <p:nvCxnSpPr>
+              <p:cNvPr id="51" name="Connector: Curved 50">
+                <a:extLst>
+                  <a:ext uri="{FF2B5EF4-FFF2-40B4-BE49-F238E27FC236}">
+                    <a16:creationId xmlns:a16="http://schemas.microsoft.com/office/drawing/2014/main" id="{E004236B-2759-41DF-A15A-08F02B7DB758}"/>
+                  </a:ext>
+                </a:extLst>
+              </p:cNvPr>
+              <p:cNvCxnSpPr>
+                <a:cxnSpLocks/>
+                <a:stCxn id="21" idx="1"/>
+                <a:endCxn id="20" idx="1"/>
+              </p:cNvCxnSpPr>
+              <p:nvPr/>
+            </p:nvCxnSpPr>
+            <p:spPr>
+              <a:xfrm rot="10800000" flipH="1">
+                <a:off x="5686858" y="2417111"/>
+                <a:ext cx="269905" cy="1350683"/>
+              </a:xfrm>
+              <a:prstGeom prst="curvedConnector3">
+                <a:avLst>
+                  <a:gd name="adj1" fmla="val -84696"/>
+                </a:avLst>
+              </a:prstGeom>
+              <a:ln w="60325">
+                <a:solidFill>
+                  <a:srgbClr val="7030A0"/>
+                </a:solidFill>
+              </a:ln>
+            </p:spPr>
+            <p:style>
+              <a:lnRef idx="3">
+                <a:schemeClr val="accent5"/>
+              </a:lnRef>
+              <a:fillRef idx="0">
+                <a:schemeClr val="accent5"/>
+              </a:fillRef>
+              <a:effectRef idx="2">
+                <a:schemeClr val="accent5"/>
+              </a:effectRef>
+              <a:fontRef idx="minor">
+                <a:schemeClr val="tx1"/>
+              </a:fontRef>
+            </p:style>
+          </p:cxnSp>
+          <p:cxnSp>
+            <p:nvCxnSpPr>
+              <p:cNvPr id="54" name="Connector: Curved 53">
+                <a:extLst>
+                  <a:ext uri="{FF2B5EF4-FFF2-40B4-BE49-F238E27FC236}">
+                    <a16:creationId xmlns:a16="http://schemas.microsoft.com/office/drawing/2014/main" id="{A8DEC879-2203-420B-A6CB-4FAA3B553BFD}"/>
+                  </a:ext>
+                </a:extLst>
+              </p:cNvPr>
+              <p:cNvCxnSpPr>
+                <a:cxnSpLocks/>
+                <a:stCxn id="35" idx="1"/>
+                <a:endCxn id="20" idx="1"/>
+              </p:cNvCxnSpPr>
+              <p:nvPr/>
+            </p:nvCxnSpPr>
+            <p:spPr>
+              <a:xfrm>
+                <a:off x="3949236" y="2417109"/>
+                <a:ext cx="2007528" cy="1"/>
+              </a:xfrm>
+              <a:prstGeom prst="curvedConnector3">
+                <a:avLst>
+                  <a:gd name="adj1" fmla="val 50000"/>
+                </a:avLst>
+              </a:prstGeom>
+              <a:ln w="60325">
+                <a:solidFill>
+                  <a:srgbClr val="7030A0"/>
+                </a:solidFill>
+              </a:ln>
+            </p:spPr>
+            <p:style>
+              <a:lnRef idx="3">
+                <a:schemeClr val="accent5"/>
+              </a:lnRef>
+              <a:fillRef idx="0">
+                <a:schemeClr val="accent5"/>
+              </a:fillRef>
+              <a:effectRef idx="2">
+                <a:schemeClr val="accent5"/>
+              </a:effectRef>
+              <a:fontRef idx="minor">
+                <a:schemeClr val="tx1"/>
+              </a:fontRef>
+            </p:style>
+          </p:cxnSp>
+          <p:cxnSp>
+            <p:nvCxnSpPr>
+              <p:cNvPr id="58" name="Straight Connector 57">
+                <a:extLst>
+                  <a:ext uri="{FF2B5EF4-FFF2-40B4-BE49-F238E27FC236}">
+                    <a16:creationId xmlns:a16="http://schemas.microsoft.com/office/drawing/2014/main" id="{4049BF07-1044-49B6-9789-CA06022B2E56}"/>
+                  </a:ext>
+                </a:extLst>
+              </p:cNvPr>
+              <p:cNvCxnSpPr>
+                <a:cxnSpLocks/>
+                <a:stCxn id="24" idx="2"/>
+                <a:endCxn id="5" idx="2"/>
+              </p:cNvCxnSpPr>
+              <p:nvPr/>
+            </p:nvCxnSpPr>
+            <p:spPr>
+              <a:xfrm>
+                <a:off x="4652304" y="1628049"/>
+                <a:ext cx="601392" cy="0"/>
+              </a:xfrm>
+              <a:prstGeom prst="line">
+                <a:avLst/>
+              </a:prstGeom>
+              <a:ln w="31750"/>
+            </p:spPr>
+            <p:style>
+              <a:lnRef idx="2">
+                <a:schemeClr val="dk1"/>
+              </a:lnRef>
+              <a:fillRef idx="1">
+                <a:schemeClr val="lt1"/>
+              </a:fillRef>
+              <a:effectRef idx="0">
+                <a:schemeClr val="dk1"/>
+              </a:effectRef>
+              <a:fontRef idx="minor">
+                <a:schemeClr val="dk1"/>
+              </a:fontRef>
+            </p:style>
+          </p:cxnSp>
+          <p:cxnSp>
+            <p:nvCxnSpPr>
+              <p:cNvPr id="61" name="Connector: Elbow 60">
+                <a:extLst>
+                  <a:ext uri="{FF2B5EF4-FFF2-40B4-BE49-F238E27FC236}">
+                    <a16:creationId xmlns:a16="http://schemas.microsoft.com/office/drawing/2014/main" id="{6B4D21ED-D8D8-4C61-8E45-70CBBCE9BB8A}"/>
+                  </a:ext>
+                </a:extLst>
+              </p:cNvPr>
+              <p:cNvCxnSpPr>
+                <a:cxnSpLocks/>
+                <a:stCxn id="191" idx="2"/>
+                <a:endCxn id="59" idx="3"/>
+              </p:cNvCxnSpPr>
+              <p:nvPr/>
+            </p:nvCxnSpPr>
+            <p:spPr>
+              <a:xfrm rot="10800000">
+                <a:off x="2633987" y="4206170"/>
+                <a:ext cx="790952" cy="466889"/>
+              </a:xfrm>
+              <a:prstGeom prst="bentConnector3">
+                <a:avLst>
+                  <a:gd name="adj1" fmla="val 50000"/>
+                </a:avLst>
+              </a:prstGeom>
+              <a:ln>
+                <a:prstDash val="sysDash"/>
+              </a:ln>
+            </p:spPr>
+            <p:style>
+              <a:lnRef idx="3">
+                <a:schemeClr val="accent2"/>
+              </a:lnRef>
+              <a:fillRef idx="0">
+                <a:schemeClr val="accent2"/>
+              </a:fillRef>
+              <a:effectRef idx="2">
+                <a:schemeClr val="accent2"/>
+              </a:effectRef>
+              <a:fontRef idx="minor">
+                <a:schemeClr val="tx1"/>
+              </a:fontRef>
+            </p:style>
+          </p:cxnSp>
+          <p:cxnSp>
+            <p:nvCxnSpPr>
+              <p:cNvPr id="68" name="Connector: Elbow 67">
+                <a:extLst>
+                  <a:ext uri="{FF2B5EF4-FFF2-40B4-BE49-F238E27FC236}">
+                    <a16:creationId xmlns:a16="http://schemas.microsoft.com/office/drawing/2014/main" id="{05BB0A0F-6937-4CBB-9F04-90195AB8D127}"/>
+                  </a:ext>
+                </a:extLst>
+              </p:cNvPr>
+              <p:cNvCxnSpPr>
+                <a:cxnSpLocks/>
+                <a:stCxn id="34" idx="2"/>
+                <a:endCxn id="64" idx="2"/>
+              </p:cNvCxnSpPr>
+              <p:nvPr/>
+            </p:nvCxnSpPr>
+            <p:spPr>
+              <a:xfrm rot="5400000">
+                <a:off x="3012985" y="4091565"/>
+                <a:ext cx="288070" cy="1528890"/>
+              </a:xfrm>
+              <a:prstGeom prst="bentConnector3">
+                <a:avLst>
+                  <a:gd name="adj1" fmla="val 179356"/>
+                </a:avLst>
+              </a:prstGeom>
+              <a:ln>
+                <a:prstDash val="sysDash"/>
+              </a:ln>
+            </p:spPr>
+            <p:style>
+              <a:lnRef idx="3">
+                <a:schemeClr val="accent2"/>
+              </a:lnRef>
+              <a:fillRef idx="0">
+                <a:schemeClr val="accent2"/>
+              </a:fillRef>
+              <a:effectRef idx="2">
+                <a:schemeClr val="accent2"/>
+              </a:effectRef>
+              <a:fontRef idx="minor">
+                <a:schemeClr val="tx1"/>
+              </a:fontRef>
+            </p:style>
+          </p:cxnSp>
+          <p:cxnSp>
+            <p:nvCxnSpPr>
+              <p:cNvPr id="71" name="Connector: Elbow 70">
+                <a:extLst>
+                  <a:ext uri="{FF2B5EF4-FFF2-40B4-BE49-F238E27FC236}">
+                    <a16:creationId xmlns:a16="http://schemas.microsoft.com/office/drawing/2014/main" id="{69897B8E-4607-4AE4-8831-FB9A9F8FCA7F}"/>
+                  </a:ext>
+                </a:extLst>
+              </p:cNvPr>
+              <p:cNvCxnSpPr>
+                <a:cxnSpLocks/>
+                <a:stCxn id="32" idx="3"/>
+                <a:endCxn id="65" idx="3"/>
+              </p:cNvCxnSpPr>
+              <p:nvPr/>
+            </p:nvCxnSpPr>
+            <p:spPr>
+              <a:xfrm rot="10800000">
+                <a:off x="2633987" y="3566182"/>
+                <a:ext cx="1352574" cy="595785"/>
+              </a:xfrm>
+              <a:prstGeom prst="bentConnector3">
+                <a:avLst>
+                  <a:gd name="adj1" fmla="val 50000"/>
+                </a:avLst>
+              </a:prstGeom>
+              <a:ln>
+                <a:prstDash val="sysDash"/>
+              </a:ln>
+            </p:spPr>
+            <p:style>
+              <a:lnRef idx="3">
+                <a:schemeClr val="accent2"/>
+              </a:lnRef>
+              <a:fillRef idx="0">
+                <a:schemeClr val="accent2"/>
+              </a:fillRef>
+              <a:effectRef idx="2">
+                <a:schemeClr val="accent2"/>
+              </a:effectRef>
+              <a:fontRef idx="minor">
+                <a:schemeClr val="tx1"/>
+              </a:fontRef>
+            </p:style>
+          </p:cxnSp>
+          <p:cxnSp>
+            <p:nvCxnSpPr>
+              <p:cNvPr id="74" name="Connector: Elbow 73">
+                <a:extLst>
+                  <a:ext uri="{FF2B5EF4-FFF2-40B4-BE49-F238E27FC236}">
+                    <a16:creationId xmlns:a16="http://schemas.microsoft.com/office/drawing/2014/main" id="{548CE8C1-0890-437C-95DC-FECC905C9514}"/>
+                  </a:ext>
+                </a:extLst>
+              </p:cNvPr>
+              <p:cNvCxnSpPr>
+                <a:cxnSpLocks/>
+                <a:stCxn id="185" idx="3"/>
+                <a:endCxn id="66" idx="3"/>
+              </p:cNvCxnSpPr>
+              <p:nvPr/>
+            </p:nvCxnSpPr>
+            <p:spPr>
+              <a:xfrm rot="10800000" flipV="1">
+                <a:off x="2633988" y="2521169"/>
+                <a:ext cx="885139" cy="405024"/>
+              </a:xfrm>
+              <a:prstGeom prst="bentConnector3">
+                <a:avLst>
+                  <a:gd name="adj1" fmla="val 50000"/>
+                </a:avLst>
+              </a:prstGeom>
+              <a:ln>
+                <a:prstDash val="sysDash"/>
+              </a:ln>
+            </p:spPr>
+            <p:style>
+              <a:lnRef idx="3">
+                <a:schemeClr val="accent2"/>
+              </a:lnRef>
+              <a:fillRef idx="0">
+                <a:schemeClr val="accent2"/>
+              </a:fillRef>
+              <a:effectRef idx="2">
+                <a:schemeClr val="accent2"/>
+              </a:effectRef>
+              <a:fontRef idx="minor">
+                <a:schemeClr val="tx1"/>
+              </a:fontRef>
+            </p:style>
+          </p:cxnSp>
+          <p:cxnSp>
+            <p:nvCxnSpPr>
+              <p:cNvPr id="77" name="Connector: Elbow 76">
+                <a:extLst>
+                  <a:ext uri="{FF2B5EF4-FFF2-40B4-BE49-F238E27FC236}">
+                    <a16:creationId xmlns:a16="http://schemas.microsoft.com/office/drawing/2014/main" id="{0A2662F9-9696-4A63-98E4-27194AE72325}"/>
+                  </a:ext>
+                </a:extLst>
+              </p:cNvPr>
+              <p:cNvCxnSpPr>
+                <a:cxnSpLocks/>
+                <a:stCxn id="33" idx="0"/>
+                <a:endCxn id="67" idx="3"/>
+              </p:cNvCxnSpPr>
+              <p:nvPr/>
+            </p:nvCxnSpPr>
+            <p:spPr>
+              <a:xfrm rot="10800000" flipV="1">
+                <a:off x="2633987" y="2070357"/>
+                <a:ext cx="1523980" cy="215847"/>
+              </a:xfrm>
+              <a:prstGeom prst="bentConnector3">
+                <a:avLst>
+                  <a:gd name="adj1" fmla="val 50000"/>
+                </a:avLst>
+              </a:prstGeom>
+              <a:ln>
+                <a:prstDash val="sysDash"/>
+              </a:ln>
+            </p:spPr>
+            <p:style>
+              <a:lnRef idx="3">
+                <a:schemeClr val="accent2"/>
+              </a:lnRef>
+              <a:fillRef idx="0">
+                <a:schemeClr val="accent2"/>
+              </a:fillRef>
+              <a:effectRef idx="2">
+                <a:schemeClr val="accent2"/>
+              </a:effectRef>
+              <a:fontRef idx="minor">
+                <a:schemeClr val="tx1"/>
+              </a:fontRef>
+            </p:style>
+          </p:cxnSp>
+          <p:sp>
+            <p:nvSpPr>
+              <p:cNvPr id="59" name="TextBox 58">
+                <a:extLst>
+                  <a:ext uri="{FF2B5EF4-FFF2-40B4-BE49-F238E27FC236}">
+                    <a16:creationId xmlns:a16="http://schemas.microsoft.com/office/drawing/2014/main" id="{7721B185-E415-4B39-87A5-E928E73DEB35}"/>
+                  </a:ext>
+                </a:extLst>
+              </p:cNvPr>
+              <p:cNvSpPr txBox="1"/>
+              <p:nvPr/>
+            </p:nvSpPr>
+            <p:spPr>
+              <a:xfrm>
+                <a:off x="2151163" y="4052280"/>
+                <a:ext cx="482824" cy="307777"/>
+              </a:xfrm>
+              <a:prstGeom prst="rect">
+                <a:avLst/>
+              </a:prstGeom>
+              <a:noFill/>
+            </p:spPr>
+            <p:txBody>
+              <a:bodyPr wrap="none" rtlCol="0">
+                <a:spAutoFit/>
+              </a:bodyPr>
+              <a:lstStyle/>
+              <a:p>
+                <a:r>
+                  <a:rPr lang="en-AU" sz="1400" dirty="0">
+                    <a:solidFill>
+                      <a:schemeClr val="accent2"/>
+                    </a:solidFill>
+                    <a:latin typeface="Consolas" panose="020B0609020204030204" pitchFamily="49" charset="0"/>
+                  </a:rPr>
+                  <a:t>P01</a:t>
+                </a:r>
+              </a:p>
+            </p:txBody>
+          </p:sp>
+          <p:sp>
+            <p:nvSpPr>
+              <p:cNvPr id="64" name="TextBox 63">
+                <a:extLst>
+                  <a:ext uri="{FF2B5EF4-FFF2-40B4-BE49-F238E27FC236}">
+                    <a16:creationId xmlns:a16="http://schemas.microsoft.com/office/drawing/2014/main" id="{AC3D3792-5114-440F-A55D-C7442A84FF3B}"/>
+                  </a:ext>
+                </a:extLst>
+              </p:cNvPr>
+              <p:cNvSpPr txBox="1"/>
+              <p:nvPr/>
+            </p:nvSpPr>
+            <p:spPr>
+              <a:xfrm>
+                <a:off x="2151163" y="4692268"/>
+                <a:ext cx="482824" cy="307777"/>
+              </a:xfrm>
+              <a:prstGeom prst="rect">
+                <a:avLst/>
+              </a:prstGeom>
+              <a:noFill/>
+            </p:spPr>
+            <p:txBody>
+              <a:bodyPr wrap="square" rtlCol="0">
+                <a:spAutoFit/>
+              </a:bodyPr>
+              <a:lstStyle/>
+              <a:p>
+                <a:r>
+                  <a:rPr lang="en-AU" sz="1400" dirty="0">
+                    <a:solidFill>
+                      <a:schemeClr val="accent2"/>
+                    </a:solidFill>
+                    <a:latin typeface="Consolas" panose="020B0609020204030204" pitchFamily="49" charset="0"/>
+                  </a:rPr>
+                  <a:t>F01</a:t>
+                </a:r>
+              </a:p>
+            </p:txBody>
+          </p:sp>
+          <p:sp>
+            <p:nvSpPr>
+              <p:cNvPr id="65" name="TextBox 64">
+                <a:extLst>
+                  <a:ext uri="{FF2B5EF4-FFF2-40B4-BE49-F238E27FC236}">
+                    <a16:creationId xmlns:a16="http://schemas.microsoft.com/office/drawing/2014/main" id="{8A4D7292-5F5E-49C2-9B89-3DC84A08ACFD}"/>
+                  </a:ext>
+                </a:extLst>
+              </p:cNvPr>
+              <p:cNvSpPr txBox="1"/>
+              <p:nvPr/>
+            </p:nvSpPr>
+            <p:spPr>
+              <a:xfrm>
+                <a:off x="2151163" y="3412292"/>
+                <a:ext cx="482824" cy="307777"/>
+              </a:xfrm>
+              <a:prstGeom prst="rect">
+                <a:avLst/>
+              </a:prstGeom>
+              <a:noFill/>
+            </p:spPr>
+            <p:txBody>
+              <a:bodyPr wrap="none" rtlCol="0">
+                <a:spAutoFit/>
+              </a:bodyPr>
+              <a:lstStyle/>
+              <a:p>
+                <a:r>
+                  <a:rPr lang="en-AU" sz="1400" dirty="0">
+                    <a:solidFill>
+                      <a:schemeClr val="accent2"/>
+                    </a:solidFill>
+                    <a:latin typeface="Consolas" panose="020B0609020204030204" pitchFamily="49" charset="0"/>
+                  </a:rPr>
+                  <a:t>P02</a:t>
+                </a:r>
+              </a:p>
+            </p:txBody>
+          </p:sp>
+          <p:sp>
+            <p:nvSpPr>
+              <p:cNvPr id="66" name="TextBox 65">
+                <a:extLst>
+                  <a:ext uri="{FF2B5EF4-FFF2-40B4-BE49-F238E27FC236}">
+                    <a16:creationId xmlns:a16="http://schemas.microsoft.com/office/drawing/2014/main" id="{49FCA270-C8A6-4592-814F-223D06D3CA95}"/>
+                  </a:ext>
+                </a:extLst>
+              </p:cNvPr>
+              <p:cNvSpPr txBox="1"/>
+              <p:nvPr/>
+            </p:nvSpPr>
+            <p:spPr>
+              <a:xfrm>
+                <a:off x="2151163" y="2772304"/>
+                <a:ext cx="482824" cy="307777"/>
+              </a:xfrm>
+              <a:prstGeom prst="rect">
+                <a:avLst/>
+              </a:prstGeom>
+              <a:noFill/>
+            </p:spPr>
+            <p:txBody>
+              <a:bodyPr wrap="none" rtlCol="0">
+                <a:spAutoFit/>
+              </a:bodyPr>
+              <a:lstStyle/>
+              <a:p>
+                <a:r>
+                  <a:rPr lang="en-AU" sz="1400" dirty="0">
+                    <a:solidFill>
+                      <a:schemeClr val="accent2"/>
+                    </a:solidFill>
+                    <a:latin typeface="Consolas" panose="020B0609020204030204" pitchFamily="49" charset="0"/>
+                  </a:rPr>
+                  <a:t>P03</a:t>
+                </a:r>
+              </a:p>
+            </p:txBody>
+          </p:sp>
+          <p:sp>
+            <p:nvSpPr>
+              <p:cNvPr id="67" name="TextBox 66">
+                <a:extLst>
+                  <a:ext uri="{FF2B5EF4-FFF2-40B4-BE49-F238E27FC236}">
+                    <a16:creationId xmlns:a16="http://schemas.microsoft.com/office/drawing/2014/main" id="{2E96E36A-9932-4BA9-9B28-4F809C9E1641}"/>
+                  </a:ext>
+                </a:extLst>
+              </p:cNvPr>
+              <p:cNvSpPr txBox="1"/>
+              <p:nvPr/>
+            </p:nvSpPr>
+            <p:spPr>
+              <a:xfrm>
+                <a:off x="2151163" y="2132316"/>
+                <a:ext cx="482824" cy="307777"/>
+              </a:xfrm>
+              <a:prstGeom prst="rect">
+                <a:avLst/>
+              </a:prstGeom>
+              <a:noFill/>
+            </p:spPr>
+            <p:txBody>
+              <a:bodyPr wrap="none" rtlCol="0">
+                <a:spAutoFit/>
+              </a:bodyPr>
+              <a:lstStyle/>
+              <a:p>
+                <a:r>
+                  <a:rPr lang="en-AU" sz="1400" dirty="0">
+                    <a:solidFill>
+                      <a:schemeClr val="accent2"/>
+                    </a:solidFill>
+                    <a:latin typeface="Consolas" panose="020B0609020204030204" pitchFamily="49" charset="0"/>
+                  </a:rPr>
+                  <a:t>F03</a:t>
+                </a:r>
+              </a:p>
+            </p:txBody>
+          </p:sp>
+          <p:sp>
+            <p:nvSpPr>
+              <p:cNvPr id="82" name="TextBox 81">
+                <a:extLst>
+                  <a:ext uri="{FF2B5EF4-FFF2-40B4-BE49-F238E27FC236}">
+                    <a16:creationId xmlns:a16="http://schemas.microsoft.com/office/drawing/2014/main" id="{35846744-BECB-49B8-98F0-0F98B42E59A8}"/>
+                  </a:ext>
+                </a:extLst>
+              </p:cNvPr>
+              <p:cNvSpPr txBox="1"/>
+              <p:nvPr/>
+            </p:nvSpPr>
+            <p:spPr>
+              <a:xfrm>
+                <a:off x="7272013" y="4052280"/>
+                <a:ext cx="482824" cy="307777"/>
+              </a:xfrm>
+              <a:prstGeom prst="rect">
+                <a:avLst/>
+              </a:prstGeom>
+              <a:noFill/>
+            </p:spPr>
+            <p:txBody>
+              <a:bodyPr wrap="none" rtlCol="0">
+                <a:spAutoFit/>
+              </a:bodyPr>
+              <a:lstStyle/>
+              <a:p>
+                <a:r>
+                  <a:rPr lang="en-AU" sz="1400" dirty="0">
+                    <a:solidFill>
+                      <a:schemeClr val="accent2"/>
+                    </a:solidFill>
+                    <a:latin typeface="Consolas" panose="020B0609020204030204" pitchFamily="49" charset="0"/>
+                  </a:rPr>
+                  <a:t>P04</a:t>
+                </a:r>
+              </a:p>
+            </p:txBody>
+          </p:sp>
+          <p:sp>
+            <p:nvSpPr>
+              <p:cNvPr id="83" name="TextBox 82">
+                <a:extLst>
+                  <a:ext uri="{FF2B5EF4-FFF2-40B4-BE49-F238E27FC236}">
+                    <a16:creationId xmlns:a16="http://schemas.microsoft.com/office/drawing/2014/main" id="{E58B5B88-614A-4DEA-90D5-8491FCDD3D18}"/>
+                  </a:ext>
+                </a:extLst>
+              </p:cNvPr>
+              <p:cNvSpPr txBox="1"/>
+              <p:nvPr/>
+            </p:nvSpPr>
+            <p:spPr>
+              <a:xfrm>
+                <a:off x="7272013" y="4692268"/>
+                <a:ext cx="482824" cy="307777"/>
+              </a:xfrm>
+              <a:prstGeom prst="rect">
+                <a:avLst/>
+              </a:prstGeom>
+              <a:noFill/>
+            </p:spPr>
+            <p:txBody>
+              <a:bodyPr wrap="square" rtlCol="0">
+                <a:spAutoFit/>
+              </a:bodyPr>
+              <a:lstStyle/>
+              <a:p>
+                <a:r>
+                  <a:rPr lang="en-AU" sz="1400" dirty="0">
+                    <a:solidFill>
+                      <a:schemeClr val="accent2"/>
+                    </a:solidFill>
+                    <a:latin typeface="Consolas" panose="020B0609020204030204" pitchFamily="49" charset="0"/>
+                  </a:rPr>
+                  <a:t>F04</a:t>
+                </a:r>
+              </a:p>
+            </p:txBody>
+          </p:sp>
+          <p:sp>
+            <p:nvSpPr>
+              <p:cNvPr id="84" name="TextBox 83">
+                <a:extLst>
+                  <a:ext uri="{FF2B5EF4-FFF2-40B4-BE49-F238E27FC236}">
+                    <a16:creationId xmlns:a16="http://schemas.microsoft.com/office/drawing/2014/main" id="{1E6F6716-09A9-4ACA-9190-2D83C7B29834}"/>
+                  </a:ext>
+                </a:extLst>
+              </p:cNvPr>
+              <p:cNvSpPr txBox="1"/>
+              <p:nvPr/>
+            </p:nvSpPr>
+            <p:spPr>
+              <a:xfrm>
+                <a:off x="7272013" y="3412292"/>
+                <a:ext cx="482824" cy="307777"/>
+              </a:xfrm>
+              <a:prstGeom prst="rect">
+                <a:avLst/>
+              </a:prstGeom>
+              <a:noFill/>
+            </p:spPr>
+            <p:txBody>
+              <a:bodyPr wrap="none" rtlCol="0">
+                <a:spAutoFit/>
+              </a:bodyPr>
+              <a:lstStyle/>
+              <a:p>
+                <a:r>
+                  <a:rPr lang="en-AU" sz="1400" dirty="0">
+                    <a:solidFill>
+                      <a:schemeClr val="accent2"/>
+                    </a:solidFill>
+                    <a:latin typeface="Consolas" panose="020B0609020204030204" pitchFamily="49" charset="0"/>
+                  </a:rPr>
+                  <a:t>P05</a:t>
+                </a:r>
+              </a:p>
+            </p:txBody>
+          </p:sp>
+          <p:sp>
+            <p:nvSpPr>
+              <p:cNvPr id="85" name="TextBox 84">
+                <a:extLst>
+                  <a:ext uri="{FF2B5EF4-FFF2-40B4-BE49-F238E27FC236}">
+                    <a16:creationId xmlns:a16="http://schemas.microsoft.com/office/drawing/2014/main" id="{74621499-EA22-40A0-BA96-D612527A8534}"/>
+                  </a:ext>
+                </a:extLst>
+              </p:cNvPr>
+              <p:cNvSpPr txBox="1"/>
+              <p:nvPr/>
+            </p:nvSpPr>
+            <p:spPr>
+              <a:xfrm>
+                <a:off x="7272013" y="2772304"/>
+                <a:ext cx="482824" cy="307777"/>
+              </a:xfrm>
+              <a:prstGeom prst="rect">
+                <a:avLst/>
+              </a:prstGeom>
+              <a:noFill/>
+            </p:spPr>
+            <p:txBody>
+              <a:bodyPr wrap="none" rtlCol="0">
+                <a:spAutoFit/>
+              </a:bodyPr>
+              <a:lstStyle/>
+              <a:p>
+                <a:r>
+                  <a:rPr lang="en-AU" sz="1400" dirty="0">
+                    <a:solidFill>
+                      <a:schemeClr val="accent2"/>
+                    </a:solidFill>
+                    <a:latin typeface="Consolas" panose="020B0609020204030204" pitchFamily="49" charset="0"/>
+                  </a:rPr>
+                  <a:t>P06</a:t>
+                </a:r>
+              </a:p>
+            </p:txBody>
+          </p:sp>
+          <p:sp>
+            <p:nvSpPr>
+              <p:cNvPr id="86" name="TextBox 85">
+                <a:extLst>
+                  <a:ext uri="{FF2B5EF4-FFF2-40B4-BE49-F238E27FC236}">
+                    <a16:creationId xmlns:a16="http://schemas.microsoft.com/office/drawing/2014/main" id="{72A50F05-2832-4241-A4D3-885B42804461}"/>
+                  </a:ext>
+                </a:extLst>
+              </p:cNvPr>
+              <p:cNvSpPr txBox="1"/>
+              <p:nvPr/>
+            </p:nvSpPr>
+            <p:spPr>
+              <a:xfrm>
+                <a:off x="7272013" y="2132316"/>
+                <a:ext cx="482824" cy="307777"/>
+              </a:xfrm>
+              <a:prstGeom prst="rect">
+                <a:avLst/>
+              </a:prstGeom>
+              <a:noFill/>
+            </p:spPr>
+            <p:txBody>
+              <a:bodyPr wrap="none" rtlCol="0">
+                <a:spAutoFit/>
+              </a:bodyPr>
+              <a:lstStyle/>
+              <a:p>
+                <a:r>
+                  <a:rPr lang="en-AU" sz="1400" dirty="0">
+                    <a:solidFill>
+                      <a:schemeClr val="accent2"/>
+                    </a:solidFill>
+                    <a:latin typeface="Consolas" panose="020B0609020204030204" pitchFamily="49" charset="0"/>
+                  </a:rPr>
+                  <a:t>F06</a:t>
+                </a:r>
+              </a:p>
+            </p:txBody>
+          </p:sp>
+          <p:cxnSp>
+            <p:nvCxnSpPr>
+              <p:cNvPr id="88" name="Connector: Elbow 87">
+                <a:extLst>
+                  <a:ext uri="{FF2B5EF4-FFF2-40B4-BE49-F238E27FC236}">
+                    <a16:creationId xmlns:a16="http://schemas.microsoft.com/office/drawing/2014/main" id="{925E8F2C-E9C8-42C3-AF53-E05983FBBBEB}"/>
+                  </a:ext>
+                </a:extLst>
+              </p:cNvPr>
+              <p:cNvCxnSpPr>
+                <a:cxnSpLocks/>
+                <a:stCxn id="16" idx="2"/>
+                <a:endCxn id="82" idx="1"/>
+              </p:cNvCxnSpPr>
+              <p:nvPr/>
+            </p:nvCxnSpPr>
+            <p:spPr>
+              <a:xfrm flipV="1">
+                <a:off x="6481062" y="4206169"/>
+                <a:ext cx="790951" cy="466889"/>
+              </a:xfrm>
+              <a:prstGeom prst="bentConnector3">
+                <a:avLst>
+                  <a:gd name="adj1" fmla="val 50000"/>
+                </a:avLst>
+              </a:prstGeom>
+              <a:ln>
+                <a:prstDash val="sysDash"/>
+              </a:ln>
+            </p:spPr>
+            <p:style>
+              <a:lnRef idx="3">
+                <a:schemeClr val="accent2"/>
+              </a:lnRef>
+              <a:fillRef idx="0">
+                <a:schemeClr val="accent2"/>
+              </a:fillRef>
+              <a:effectRef idx="2">
+                <a:schemeClr val="accent2"/>
+              </a:effectRef>
+              <a:fontRef idx="minor">
+                <a:schemeClr val="tx1"/>
+              </a:fontRef>
+            </p:style>
+          </p:cxnSp>
+          <p:cxnSp>
+            <p:nvCxnSpPr>
+              <p:cNvPr id="89" name="Connector: Elbow 88">
+                <a:extLst>
+                  <a:ext uri="{FF2B5EF4-FFF2-40B4-BE49-F238E27FC236}">
+                    <a16:creationId xmlns:a16="http://schemas.microsoft.com/office/drawing/2014/main" id="{2BB83EA9-D76C-4884-9752-4A0B3F21BFA2}"/>
+                  </a:ext>
+                </a:extLst>
+              </p:cNvPr>
+              <p:cNvCxnSpPr>
+                <a:cxnSpLocks/>
+                <a:stCxn id="19" idx="2"/>
+                <a:endCxn id="83" idx="2"/>
+              </p:cNvCxnSpPr>
+              <p:nvPr/>
+            </p:nvCxnSpPr>
+            <p:spPr>
+              <a:xfrm rot="16200000" flipH="1">
+                <a:off x="6604946" y="4091565"/>
+                <a:ext cx="288069" cy="1528889"/>
+              </a:xfrm>
+              <a:prstGeom prst="bentConnector3">
+                <a:avLst>
+                  <a:gd name="adj1" fmla="val 179356"/>
+                </a:avLst>
+              </a:prstGeom>
+              <a:ln>
+                <a:prstDash val="sysDash"/>
+              </a:ln>
+            </p:spPr>
+            <p:style>
+              <a:lnRef idx="3">
+                <a:schemeClr val="accent2"/>
+              </a:lnRef>
+              <a:fillRef idx="0">
+                <a:schemeClr val="accent2"/>
+              </a:fillRef>
+              <a:effectRef idx="2">
+                <a:schemeClr val="accent2"/>
+              </a:effectRef>
+              <a:fontRef idx="minor">
+                <a:schemeClr val="tx1"/>
+              </a:fontRef>
+            </p:style>
+          </p:cxnSp>
+          <p:cxnSp>
+            <p:nvCxnSpPr>
+              <p:cNvPr id="90" name="Connector: Elbow 89">
+                <a:extLst>
+                  <a:ext uri="{FF2B5EF4-FFF2-40B4-BE49-F238E27FC236}">
+                    <a16:creationId xmlns:a16="http://schemas.microsoft.com/office/drawing/2014/main" id="{84E98BDF-941E-4511-A004-29B2022291B0}"/>
+                  </a:ext>
+                </a:extLst>
+              </p:cNvPr>
+              <p:cNvCxnSpPr>
+                <a:cxnSpLocks/>
+                <a:stCxn id="189" idx="3"/>
+                <a:endCxn id="84" idx="1"/>
+              </p:cNvCxnSpPr>
+              <p:nvPr/>
+            </p:nvCxnSpPr>
+            <p:spPr>
+              <a:xfrm flipV="1">
+                <a:off x="5919440" y="3566181"/>
+                <a:ext cx="1352573" cy="595785"/>
+              </a:xfrm>
+              <a:prstGeom prst="bentConnector3">
+                <a:avLst>
+                  <a:gd name="adj1" fmla="val 50000"/>
+                </a:avLst>
+              </a:prstGeom>
+              <a:ln>
+                <a:prstDash val="sysDash"/>
+              </a:ln>
+            </p:spPr>
+            <p:style>
+              <a:lnRef idx="3">
+                <a:schemeClr val="accent2"/>
+              </a:lnRef>
+              <a:fillRef idx="0">
+                <a:schemeClr val="accent2"/>
+              </a:fillRef>
+              <a:effectRef idx="2">
+                <a:schemeClr val="accent2"/>
+              </a:effectRef>
+              <a:fontRef idx="minor">
+                <a:schemeClr val="tx1"/>
+              </a:fontRef>
+            </p:style>
+          </p:cxnSp>
+          <p:cxnSp>
+            <p:nvCxnSpPr>
+              <p:cNvPr id="91" name="Connector: Elbow 90">
+                <a:extLst>
+                  <a:ext uri="{FF2B5EF4-FFF2-40B4-BE49-F238E27FC236}">
+                    <a16:creationId xmlns:a16="http://schemas.microsoft.com/office/drawing/2014/main" id="{4381D84D-966E-4CCF-A647-015EA9AE4EA9}"/>
+                  </a:ext>
+                </a:extLst>
+              </p:cNvPr>
+              <p:cNvCxnSpPr>
+                <a:cxnSpLocks/>
+                <a:stCxn id="15" idx="3"/>
+                <a:endCxn id="85" idx="1"/>
+              </p:cNvCxnSpPr>
+              <p:nvPr/>
+            </p:nvCxnSpPr>
+            <p:spPr>
+              <a:xfrm>
+                <a:off x="6386875" y="2521169"/>
+                <a:ext cx="885138" cy="405024"/>
+              </a:xfrm>
+              <a:prstGeom prst="bentConnector3">
+                <a:avLst>
+                  <a:gd name="adj1" fmla="val 50000"/>
+                </a:avLst>
+              </a:prstGeom>
+              <a:ln>
+                <a:prstDash val="sysDash"/>
+              </a:ln>
+            </p:spPr>
+            <p:style>
+              <a:lnRef idx="3">
+                <a:schemeClr val="accent2"/>
+              </a:lnRef>
+              <a:fillRef idx="0">
+                <a:schemeClr val="accent2"/>
+              </a:fillRef>
+              <a:effectRef idx="2">
+                <a:schemeClr val="accent2"/>
+              </a:effectRef>
+              <a:fontRef idx="minor">
+                <a:schemeClr val="tx1"/>
+              </a:fontRef>
+            </p:style>
+          </p:cxnSp>
+          <p:cxnSp>
+            <p:nvCxnSpPr>
+              <p:cNvPr id="92" name="Connector: Elbow 91">
+                <a:extLst>
+                  <a:ext uri="{FF2B5EF4-FFF2-40B4-BE49-F238E27FC236}">
+                    <a16:creationId xmlns:a16="http://schemas.microsoft.com/office/drawing/2014/main" id="{49791505-CB41-4D41-9255-DEBA4B370D03}"/>
+                  </a:ext>
+                </a:extLst>
+              </p:cNvPr>
+              <p:cNvCxnSpPr>
+                <a:cxnSpLocks/>
+                <a:stCxn id="18" idx="0"/>
+                <a:endCxn id="86" idx="1"/>
+              </p:cNvCxnSpPr>
+              <p:nvPr/>
+            </p:nvCxnSpPr>
+            <p:spPr>
+              <a:xfrm>
+                <a:off x="5749079" y="2076144"/>
+                <a:ext cx="1522934" cy="210061"/>
+              </a:xfrm>
+              <a:prstGeom prst="bentConnector3">
+                <a:avLst>
+                  <a:gd name="adj1" fmla="val 50000"/>
+                </a:avLst>
+              </a:prstGeom>
+              <a:ln>
+                <a:prstDash val="sysDash"/>
+              </a:ln>
+            </p:spPr>
+            <p:style>
+              <a:lnRef idx="3">
+                <a:schemeClr val="accent2"/>
+              </a:lnRef>
+              <a:fillRef idx="0">
+                <a:schemeClr val="accent2"/>
+              </a:fillRef>
+              <a:effectRef idx="2">
+                <a:schemeClr val="accent2"/>
+              </a:effectRef>
+              <a:fontRef idx="minor">
+                <a:schemeClr val="tx1"/>
+              </a:fontRef>
+            </p:style>
+          </p:cxnSp>
+          <p:grpSp>
+            <p:nvGrpSpPr>
+              <p:cNvPr id="136" name="Group 135">
+                <a:extLst>
+                  <a:ext uri="{FF2B5EF4-FFF2-40B4-BE49-F238E27FC236}">
+                    <a16:creationId xmlns:a16="http://schemas.microsoft.com/office/drawing/2014/main" id="{C81E79D9-6DF4-4AB0-9682-515BDC99B7B8}"/>
+                  </a:ext>
+                </a:extLst>
+              </p:cNvPr>
+              <p:cNvGrpSpPr/>
+              <p:nvPr/>
+            </p:nvGrpSpPr>
+            <p:grpSpPr>
+              <a:xfrm>
+                <a:off x="2592392" y="5406204"/>
+                <a:ext cx="4721217" cy="523220"/>
+                <a:chOff x="2800950" y="5406204"/>
+                <a:chExt cx="4721217" cy="523220"/>
+              </a:xfrm>
+            </p:grpSpPr>
+            <p:sp>
+              <p:nvSpPr>
+                <p:cNvPr id="133" name="TextBox 132">
+                  <a:extLst>
+                    <a:ext uri="{FF2B5EF4-FFF2-40B4-BE49-F238E27FC236}">
+                      <a16:creationId xmlns:a16="http://schemas.microsoft.com/office/drawing/2014/main" id="{37092CCE-856D-44C5-8AF9-EAE3AEE2F17F}"/>
+                    </a:ext>
+                  </a:extLst>
+                </p:cNvPr>
+                <p:cNvSpPr txBox="1"/>
+                <p:nvPr/>
+              </p:nvSpPr>
+              <p:spPr>
+                <a:xfrm>
+                  <a:off x="5305087" y="5406204"/>
+                  <a:ext cx="2217080" cy="523220"/>
+                </a:xfrm>
+                <a:prstGeom prst="rect">
+                  <a:avLst/>
+                </a:prstGeom>
+                <a:noFill/>
+              </p:spPr>
+              <p:txBody>
+                <a:bodyPr wrap="square" numCol="1" rtlCol="0">
+                  <a:spAutoFit/>
+                </a:bodyPr>
+                <a:lstStyle/>
+                <a:p>
+                  <a:pPr algn="ctr"/>
+                  <a:r>
+                    <a:rPr lang="en-AU" sz="1400" dirty="0">
+                      <a:solidFill>
+                        <a:schemeClr val="accent2"/>
+                      </a:solidFill>
+                      <a:latin typeface="Consolas" panose="020B0609020204030204" pitchFamily="49" charset="0"/>
+                    </a:rPr>
+                    <a:t>F: Force Sensor</a:t>
+                  </a:r>
+                </a:p>
+                <a:p>
+                  <a:pPr algn="ctr"/>
+                  <a:r>
+                    <a:rPr lang="en-AU" sz="1400" dirty="0">
+                      <a:solidFill>
+                        <a:schemeClr val="accent2"/>
+                      </a:solidFill>
+                      <a:latin typeface="Consolas" panose="020B0609020204030204" pitchFamily="49" charset="0"/>
+                    </a:rPr>
+                    <a:t>P: Position Sensor</a:t>
+                  </a:r>
+                </a:p>
+              </p:txBody>
+            </p:sp>
+            <p:sp>
+              <p:nvSpPr>
+                <p:cNvPr id="135" name="TextBox 134">
+                  <a:extLst>
+                    <a:ext uri="{FF2B5EF4-FFF2-40B4-BE49-F238E27FC236}">
+                      <a16:creationId xmlns:a16="http://schemas.microsoft.com/office/drawing/2014/main" id="{A76CC896-F2CF-4873-9EE5-DD4BC93CE0D0}"/>
+                    </a:ext>
+                  </a:extLst>
+                </p:cNvPr>
+                <p:cNvSpPr txBox="1"/>
+                <p:nvPr/>
+              </p:nvSpPr>
+              <p:spPr>
+                <a:xfrm>
+                  <a:off x="2800950" y="5406204"/>
+                  <a:ext cx="2217080" cy="523220"/>
+                </a:xfrm>
+                <a:prstGeom prst="rect">
+                  <a:avLst/>
+                </a:prstGeom>
+                <a:noFill/>
+              </p:spPr>
+              <p:txBody>
+                <a:bodyPr wrap="square" numCol="1" rtlCol="0">
+                  <a:spAutoFit/>
+                </a:bodyPr>
+                <a:lstStyle/>
+                <a:p>
+                  <a:pPr algn="ctr"/>
+                  <a:r>
+                    <a:rPr lang="en-AU" sz="1400" dirty="0">
+                      <a:solidFill>
+                        <a:schemeClr val="accent2"/>
+                      </a:solidFill>
+                      <a:latin typeface="Consolas" panose="020B0609020204030204" pitchFamily="49" charset="0"/>
+                    </a:rPr>
+                    <a:t>T: Actuator Torque</a:t>
+                  </a:r>
+                </a:p>
+                <a:p>
+                  <a:pPr algn="ctr"/>
+                  <a:r>
+                    <a:rPr lang="en-AU" sz="1400" dirty="0">
+                      <a:solidFill>
+                        <a:schemeClr val="accent2"/>
+                      </a:solidFill>
+                      <a:latin typeface="Consolas" panose="020B0609020204030204" pitchFamily="49" charset="0"/>
+                    </a:rPr>
+                    <a:t>C: Controller Module</a:t>
+                  </a:r>
+                </a:p>
+              </p:txBody>
+            </p:sp>
+          </p:grpSp>
+          <p:sp>
+            <p:nvSpPr>
+              <p:cNvPr id="15" name="Rectangle 14">
+                <a:extLst>
+                  <a:ext uri="{FF2B5EF4-FFF2-40B4-BE49-F238E27FC236}">
+                    <a16:creationId xmlns:a16="http://schemas.microsoft.com/office/drawing/2014/main" id="{BF522F2B-687C-4EFF-B396-260C2604B002}"/>
+                  </a:ext>
+                </a:extLst>
+              </p:cNvPr>
+              <p:cNvSpPr/>
+              <p:nvPr/>
+            </p:nvSpPr>
+            <p:spPr>
+              <a:xfrm rot="18986352">
+                <a:off x="6024782" y="2631499"/>
+                <a:ext cx="419904" cy="68705"/>
+              </a:xfrm>
+              <a:prstGeom prst="rect">
+                <a:avLst/>
+              </a:prstGeom>
+              <a:ln w="31750"/>
+            </p:spPr>
+            <p:style>
+              <a:lnRef idx="2">
+                <a:schemeClr val="accent4">
+                  <a:shade val="50000"/>
+                </a:schemeClr>
+              </a:lnRef>
+              <a:fillRef idx="1">
+                <a:schemeClr val="accent4"/>
+              </a:fillRef>
+              <a:effectRef idx="0">
+                <a:schemeClr val="accent4"/>
               </a:effectRef>
               <a:fontRef idx="minor">
                 <a:schemeClr val="lt1"/>
@@ -31461,10 +33058,10 @@
           </p:sp>
           <p:sp>
             <p:nvSpPr>
-              <p:cNvPr id="33" name="Rectangle 32">
+              <p:cNvPr id="185" name="Rectangle 184">
                 <a:extLst>
                   <a:ext uri="{FF2B5EF4-FFF2-40B4-BE49-F238E27FC236}">
-                    <a16:creationId xmlns:a16="http://schemas.microsoft.com/office/drawing/2014/main" id="{9D89E359-7655-4985-99F2-9449D0066643}"/>
+                    <a16:creationId xmlns:a16="http://schemas.microsoft.com/office/drawing/2014/main" id="{2664434C-21CD-4C69-9907-DD12EDF4DFB8}"/>
                   </a:ext>
                 </a:extLst>
               </p:cNvPr>
@@ -31472,9 +33069,9 @@
               <p:nvPr/>
             </p:nvSpPr>
             <p:spPr>
-              <a:xfrm rot="18393796" flipH="1">
-                <a:off x="3927587" y="2056470"/>
-                <a:ext cx="484664" cy="68705"/>
+              <a:xfrm rot="2613648" flipH="1">
+                <a:off x="3461315" y="2631499"/>
+                <a:ext cx="419904" cy="68705"/>
               </a:xfrm>
               <a:prstGeom prst="rect">
                 <a:avLst/>
@@ -31483,15 +33080,15 @@
             </p:spPr>
             <p:style>
               <a:lnRef idx="2">
-                <a:schemeClr val="accent6">
+                <a:schemeClr val="accent4">
                   <a:shade val="50000"/>
                 </a:schemeClr>
               </a:lnRef>
               <a:fillRef idx="1">
-                <a:schemeClr val="accent6"/>
+                <a:schemeClr val="accent4"/>
               </a:fillRef>
               <a:effectRef idx="0">
-                <a:schemeClr val="accent6"/>
+                <a:schemeClr val="accent4"/>
               </a:effectRef>
               <a:fontRef idx="minor">
                 <a:schemeClr val="lt1"/>
@@ -31513,1840 +33110,243 @@
               </a:p>
             </p:txBody>
           </p:sp>
-        </p:grpSp>
-        <p:sp>
-          <p:nvSpPr>
-            <p:cNvPr id="19" name="Rectangle 18">
-              <a:extLst>
-                <a:ext uri="{FF2B5EF4-FFF2-40B4-BE49-F238E27FC236}">
-                  <a16:creationId xmlns:a16="http://schemas.microsoft.com/office/drawing/2014/main" id="{2789937D-7436-4ACA-8307-F59F29E92A8A}"/>
-                </a:ext>
-              </a:extLst>
-            </p:cNvPr>
-            <p:cNvSpPr/>
-            <p:nvPr/>
-          </p:nvSpPr>
-          <p:spPr>
-            <a:xfrm rot="1223974">
-              <a:off x="5754177" y="4645425"/>
-              <a:ext cx="484666" cy="68705"/>
-            </a:xfrm>
-            <a:prstGeom prst="rect">
-              <a:avLst/>
-            </a:prstGeom>
-            <a:ln w="31750"/>
-          </p:spPr>
-          <p:style>
-            <a:lnRef idx="2">
-              <a:schemeClr val="accent6">
-                <a:shade val="50000"/>
-              </a:schemeClr>
-            </a:lnRef>
-            <a:fillRef idx="1">
-              <a:schemeClr val="accent6"/>
-            </a:fillRef>
-            <a:effectRef idx="0">
-              <a:schemeClr val="accent6"/>
-            </a:effectRef>
-            <a:fontRef idx="minor">
-              <a:schemeClr val="lt1"/>
-            </a:fontRef>
-          </p:style>
-          <p:txBody>
-            <a:bodyPr rot="0" spcFirstLastPara="0" vertOverflow="overflow" horzOverflow="overflow" vert="horz" wrap="square" lIns="0" tIns="0" rIns="0" bIns="0" numCol="1" spcCol="0" rtlCol="0" fromWordArt="0" anchor="ctr" anchorCtr="0" forceAA="0" compatLnSpc="1">
-              <a:prstTxWarp prst="textNoShape">
+          <p:grpSp>
+            <p:nvGrpSpPr>
+              <p:cNvPr id="192" name="Group 191">
+                <a:extLst>
+                  <a:ext uri="{FF2B5EF4-FFF2-40B4-BE49-F238E27FC236}">
+                    <a16:creationId xmlns:a16="http://schemas.microsoft.com/office/drawing/2014/main" id="{43D7BCD6-11C4-41D6-9E24-C13DA8AB517D}"/>
+                  </a:ext>
+                </a:extLst>
+              </p:cNvPr>
+              <p:cNvGrpSpPr/>
+              <p:nvPr/>
+            </p:nvGrpSpPr>
+            <p:grpSpPr>
+              <a:xfrm>
+                <a:off x="3961226" y="4027631"/>
+                <a:ext cx="1983549" cy="68705"/>
+                <a:chOff x="3966981" y="4027631"/>
+                <a:chExt cx="1983549" cy="68705"/>
+              </a:xfrm>
+            </p:grpSpPr>
+            <p:sp>
+              <p:nvSpPr>
+                <p:cNvPr id="32" name="Rectangle 31">
+                  <a:extLst>
+                    <a:ext uri="{FF2B5EF4-FFF2-40B4-BE49-F238E27FC236}">
+                      <a16:creationId xmlns:a16="http://schemas.microsoft.com/office/drawing/2014/main" id="{2F4AF0C5-191D-4D63-A262-C842C126DD83}"/>
+                    </a:ext>
+                  </a:extLst>
+                </p:cNvPr>
+                <p:cNvSpPr/>
+                <p:nvPr/>
+              </p:nvSpPr>
+              <p:spPr>
+                <a:xfrm rot="19893684" flipH="1">
+                  <a:off x="3966981" y="4027631"/>
+                  <a:ext cx="419902" cy="68705"/>
+                </a:xfrm>
+                <a:prstGeom prst="rect">
+                  <a:avLst/>
+                </a:prstGeom>
+                <a:ln w="31750"/>
+              </p:spPr>
+              <p:style>
+                <a:lnRef idx="2">
+                  <a:schemeClr val="accent4">
+                    <a:shade val="50000"/>
+                  </a:schemeClr>
+                </a:lnRef>
+                <a:fillRef idx="1">
+                  <a:schemeClr val="accent4"/>
+                </a:fillRef>
+                <a:effectRef idx="0">
+                  <a:schemeClr val="accent4"/>
+                </a:effectRef>
+                <a:fontRef idx="minor">
+                  <a:schemeClr val="lt1"/>
+                </a:fontRef>
+              </p:style>
+              <p:txBody>
+                <a:bodyPr rot="0" spcFirstLastPara="0" vertOverflow="overflow" horzOverflow="overflow" vert="horz" wrap="square" lIns="0" tIns="0" rIns="0" bIns="0" numCol="1" spcCol="0" rtlCol="0" fromWordArt="0" anchor="ctr" anchorCtr="0" forceAA="0" compatLnSpc="1">
+                  <a:prstTxWarp prst="textNoShape">
+                    <a:avLst/>
+                  </a:prstTxWarp>
+                  <a:noAutofit/>
+                </a:bodyPr>
+                <a:lstStyle/>
+                <a:p>
+                  <a:pPr algn="ctr"/>
+                  <a:endParaRPr lang="en-AU" sz="1400">
+                    <a:latin typeface="Consolas" panose="020B0609020204030204" pitchFamily="49" charset="0"/>
+                  </a:endParaRPr>
+                </a:p>
+              </p:txBody>
+            </p:sp>
+            <p:sp>
+              <p:nvSpPr>
+                <p:cNvPr id="189" name="Rectangle 188">
+                  <a:extLst>
+                    <a:ext uri="{FF2B5EF4-FFF2-40B4-BE49-F238E27FC236}">
+                      <a16:creationId xmlns:a16="http://schemas.microsoft.com/office/drawing/2014/main" id="{F9450B42-476D-4AB3-9CEC-6209EA3EE728}"/>
+                    </a:ext>
+                  </a:extLst>
+                </p:cNvPr>
+                <p:cNvSpPr/>
+                <p:nvPr/>
+              </p:nvSpPr>
+              <p:spPr>
+                <a:xfrm rot="1706316">
+                  <a:off x="5530628" y="4027631"/>
+                  <a:ext cx="419902" cy="68705"/>
+                </a:xfrm>
+                <a:prstGeom prst="rect">
+                  <a:avLst/>
+                </a:prstGeom>
+                <a:ln w="31750"/>
+              </p:spPr>
+              <p:style>
+                <a:lnRef idx="2">
+                  <a:schemeClr val="accent4">
+                    <a:shade val="50000"/>
+                  </a:schemeClr>
+                </a:lnRef>
+                <a:fillRef idx="1">
+                  <a:schemeClr val="accent4"/>
+                </a:fillRef>
+                <a:effectRef idx="0">
+                  <a:schemeClr val="accent4"/>
+                </a:effectRef>
+                <a:fontRef idx="minor">
+                  <a:schemeClr val="lt1"/>
+                </a:fontRef>
+              </p:style>
+              <p:txBody>
+                <a:bodyPr rot="0" spcFirstLastPara="0" vertOverflow="overflow" horzOverflow="overflow" vert="horz" wrap="square" lIns="0" tIns="0" rIns="0" bIns="0" numCol="1" spcCol="0" rtlCol="0" fromWordArt="0" anchor="ctr" anchorCtr="0" forceAA="0" compatLnSpc="1">
+                  <a:prstTxWarp prst="textNoShape">
+                    <a:avLst/>
+                  </a:prstTxWarp>
+                  <a:noAutofit/>
+                </a:bodyPr>
+                <a:lstStyle/>
+                <a:p>
+                  <a:pPr algn="ctr"/>
+                  <a:endParaRPr lang="en-AU" sz="1400">
+                    <a:latin typeface="Consolas" panose="020B0609020204030204" pitchFamily="49" charset="0"/>
+                  </a:endParaRPr>
+                </a:p>
+              </p:txBody>
+            </p:sp>
+          </p:grpSp>
+          <p:sp>
+            <p:nvSpPr>
+              <p:cNvPr id="16" name="Rectangle 15">
+                <a:extLst>
+                  <a:ext uri="{FF2B5EF4-FFF2-40B4-BE49-F238E27FC236}">
+                    <a16:creationId xmlns:a16="http://schemas.microsoft.com/office/drawing/2014/main" id="{0827AFBB-F288-4965-8922-EDBF3EA5C55B}"/>
+                  </a:ext>
+                </a:extLst>
+              </p:cNvPr>
+              <p:cNvSpPr/>
+              <p:nvPr/>
+            </p:nvSpPr>
+            <p:spPr>
+              <a:xfrm rot="17508150">
+                <a:off x="6239216" y="4625947"/>
+                <a:ext cx="419902" cy="68705"/>
+              </a:xfrm>
+              <a:prstGeom prst="rect">
                 <a:avLst/>
-              </a:prstTxWarp>
-              <a:noAutofit/>
-            </a:bodyPr>
-            <a:lstStyle/>
-            <a:p>
-              <a:pPr algn="ctr"/>
-              <a:endParaRPr lang="en-AU" sz="1400">
-                <a:latin typeface="Consolas" panose="020B0609020204030204" pitchFamily="49" charset="0"/>
-              </a:endParaRPr>
-            </a:p>
-          </p:txBody>
-        </p:sp>
-        <p:sp>
-          <p:nvSpPr>
-            <p:cNvPr id="34" name="Rectangle 33">
-              <a:extLst>
-                <a:ext uri="{FF2B5EF4-FFF2-40B4-BE49-F238E27FC236}">
-                  <a16:creationId xmlns:a16="http://schemas.microsoft.com/office/drawing/2014/main" id="{7DDCCD10-5749-4932-A629-241C96962068}"/>
-                </a:ext>
-              </a:extLst>
-            </p:cNvPr>
-            <p:cNvSpPr/>
-            <p:nvPr/>
-          </p:nvSpPr>
-          <p:spPr>
-            <a:xfrm rot="20376026" flipH="1">
-              <a:off x="3667159" y="4645424"/>
-              <a:ext cx="484664" cy="68705"/>
-            </a:xfrm>
-            <a:prstGeom prst="rect">
-              <a:avLst/>
-            </a:prstGeom>
-            <a:ln w="31750"/>
-          </p:spPr>
-          <p:style>
-            <a:lnRef idx="2">
-              <a:schemeClr val="accent6">
-                <a:shade val="50000"/>
-              </a:schemeClr>
-            </a:lnRef>
-            <a:fillRef idx="1">
-              <a:schemeClr val="accent6"/>
-            </a:fillRef>
-            <a:effectRef idx="0">
-              <a:schemeClr val="accent6"/>
-            </a:effectRef>
-            <a:fontRef idx="minor">
-              <a:schemeClr val="lt1"/>
-            </a:fontRef>
-          </p:style>
-          <p:txBody>
-            <a:bodyPr rot="0" spcFirstLastPara="0" vertOverflow="overflow" horzOverflow="overflow" vert="horz" wrap="square" lIns="0" tIns="0" rIns="0" bIns="0" numCol="1" spcCol="0" rtlCol="0" fromWordArt="0" anchor="ctr" anchorCtr="0" forceAA="0" compatLnSpc="1">
-              <a:prstTxWarp prst="textNoShape">
+              </a:prstGeom>
+              <a:ln w="31750"/>
+            </p:spPr>
+            <p:style>
+              <a:lnRef idx="2">
+                <a:schemeClr val="accent4">
+                  <a:shade val="50000"/>
+                </a:schemeClr>
+              </a:lnRef>
+              <a:fillRef idx="1">
+                <a:schemeClr val="accent4"/>
+              </a:fillRef>
+              <a:effectRef idx="0">
+                <a:schemeClr val="accent4"/>
+              </a:effectRef>
+              <a:fontRef idx="minor">
+                <a:schemeClr val="lt1"/>
+              </a:fontRef>
+            </p:style>
+            <p:txBody>
+              <a:bodyPr rot="0" spcFirstLastPara="0" vertOverflow="overflow" horzOverflow="overflow" vert="horz" wrap="square" lIns="0" tIns="0" rIns="0" bIns="0" numCol="1" spcCol="0" rtlCol="0" fromWordArt="0" anchor="ctr" anchorCtr="0" forceAA="0" compatLnSpc="1">
+                <a:prstTxWarp prst="textNoShape">
+                  <a:avLst/>
+                </a:prstTxWarp>
+                <a:noAutofit/>
+              </a:bodyPr>
+              <a:lstStyle/>
+              <a:p>
+                <a:pPr algn="ctr"/>
+                <a:endParaRPr lang="en-AU" sz="1400">
+                  <a:latin typeface="Consolas" panose="020B0609020204030204" pitchFamily="49" charset="0"/>
+                </a:endParaRPr>
+              </a:p>
+            </p:txBody>
+          </p:sp>
+          <p:sp>
+            <p:nvSpPr>
+              <p:cNvPr id="191" name="Rectangle 190">
+                <a:extLst>
+                  <a:ext uri="{FF2B5EF4-FFF2-40B4-BE49-F238E27FC236}">
+                    <a16:creationId xmlns:a16="http://schemas.microsoft.com/office/drawing/2014/main" id="{13E1BD59-9E9E-4400-B57E-B02D10F2E0D7}"/>
+                  </a:ext>
+                </a:extLst>
+              </p:cNvPr>
+              <p:cNvSpPr/>
+              <p:nvPr/>
+            </p:nvSpPr>
+            <p:spPr>
+              <a:xfrm rot="4091850" flipH="1">
+                <a:off x="3246883" y="4625947"/>
+                <a:ext cx="419902" cy="68705"/>
+              </a:xfrm>
+              <a:prstGeom prst="rect">
                 <a:avLst/>
-              </a:prstTxWarp>
-              <a:noAutofit/>
-            </a:bodyPr>
-            <a:lstStyle/>
-            <a:p>
-              <a:pPr algn="ctr"/>
-              <a:endParaRPr lang="en-AU" sz="1400">
-                <a:latin typeface="Consolas" panose="020B0609020204030204" pitchFamily="49" charset="0"/>
-              </a:endParaRPr>
-            </a:p>
-          </p:txBody>
-        </p:sp>
-      </p:grpSp>
-      <p:grpSp>
-        <p:nvGrpSpPr>
-          <p:cNvPr id="174" name="Group 173">
-            <a:extLst>
-              <a:ext uri="{FF2B5EF4-FFF2-40B4-BE49-F238E27FC236}">
-                <a16:creationId xmlns:a16="http://schemas.microsoft.com/office/drawing/2014/main" id="{27F0B13F-61A8-4981-8EA5-D4D7AAADC5B3}"/>
-              </a:ext>
-            </a:extLst>
-          </p:cNvPr>
-          <p:cNvGrpSpPr/>
-          <p:nvPr/>
-        </p:nvGrpSpPr>
-        <p:grpSpPr>
-          <a:xfrm>
-            <a:off x="3645994" y="2294536"/>
-            <a:ext cx="2614012" cy="245146"/>
-            <a:chOff x="3660044" y="2294536"/>
-            <a:chExt cx="2614012" cy="245146"/>
-          </a:xfrm>
-          <a:solidFill>
-            <a:schemeClr val="accent5"/>
-          </a:solidFill>
-        </p:grpSpPr>
-        <p:sp>
-          <p:nvSpPr>
-            <p:cNvPr id="20" name="Rectangle 19">
-              <a:extLst>
-                <a:ext uri="{FF2B5EF4-FFF2-40B4-BE49-F238E27FC236}">
-                  <a16:creationId xmlns:a16="http://schemas.microsoft.com/office/drawing/2014/main" id="{7F69A4C8-DC23-4351-BEED-1A87F7E1001A}"/>
-                </a:ext>
-              </a:extLst>
-            </p:cNvPr>
-            <p:cNvSpPr/>
-            <p:nvPr/>
-          </p:nvSpPr>
-          <p:spPr>
-            <a:xfrm>
-              <a:off x="5970814" y="2294537"/>
-              <a:ext cx="303242" cy="245145"/>
-            </a:xfrm>
-            <a:prstGeom prst="rect">
-              <a:avLst/>
-            </a:prstGeom>
-            <a:ln w="31750"/>
-          </p:spPr>
-          <p:style>
-            <a:lnRef idx="2">
-              <a:schemeClr val="accent5">
-                <a:shade val="50000"/>
-              </a:schemeClr>
-            </a:lnRef>
-            <a:fillRef idx="1">
-              <a:schemeClr val="accent5"/>
-            </a:fillRef>
-            <a:effectRef idx="0">
-              <a:schemeClr val="accent5"/>
-            </a:effectRef>
-            <a:fontRef idx="minor">
-              <a:schemeClr val="lt1"/>
-            </a:fontRef>
-          </p:style>
-          <p:txBody>
-            <a:bodyPr lIns="0" tIns="0" rIns="0" bIns="0" rtlCol="0" anchor="ctr"/>
-            <a:lstStyle/>
-            <a:p>
-              <a:pPr algn="ctr"/>
-              <a:r>
-                <a:rPr lang="en-AU" sz="1400" dirty="0">
+              </a:prstGeom>
+              <a:ln w="31750"/>
+            </p:spPr>
+            <p:style>
+              <a:lnRef idx="2">
+                <a:schemeClr val="accent4">
+                  <a:shade val="50000"/>
+                </a:schemeClr>
+              </a:lnRef>
+              <a:fillRef idx="1">
+                <a:schemeClr val="accent4"/>
+              </a:fillRef>
+              <a:effectRef idx="0">
+                <a:schemeClr val="accent4"/>
+              </a:effectRef>
+              <a:fontRef idx="minor">
+                <a:schemeClr val="lt1"/>
+              </a:fontRef>
+            </p:style>
+            <p:txBody>
+              <a:bodyPr rot="0" spcFirstLastPara="0" vertOverflow="overflow" horzOverflow="overflow" vert="horz" wrap="square" lIns="0" tIns="0" rIns="0" bIns="0" numCol="1" spcCol="0" rtlCol="0" fromWordArt="0" anchor="ctr" anchorCtr="0" forceAA="0" compatLnSpc="1">
+                <a:prstTxWarp prst="textNoShape">
+                  <a:avLst/>
+                </a:prstTxWarp>
+                <a:noAutofit/>
+              </a:bodyPr>
+              <a:lstStyle/>
+              <a:p>
+                <a:pPr algn="ctr"/>
+                <a:endParaRPr lang="en-AU" sz="1400">
                   <a:latin typeface="Consolas" panose="020B0609020204030204" pitchFamily="49" charset="0"/>
-                </a:rPr>
-                <a:t>C06</a:t>
-              </a:r>
-            </a:p>
-          </p:txBody>
-        </p:sp>
-        <p:sp>
-          <p:nvSpPr>
-            <p:cNvPr id="35" name="Rectangle 34">
-              <a:extLst>
-                <a:ext uri="{FF2B5EF4-FFF2-40B4-BE49-F238E27FC236}">
-                  <a16:creationId xmlns:a16="http://schemas.microsoft.com/office/drawing/2014/main" id="{54C7CA5C-F7AF-4730-AF12-75A9D13AF783}"/>
-                </a:ext>
-              </a:extLst>
-            </p:cNvPr>
-            <p:cNvSpPr/>
-            <p:nvPr/>
-          </p:nvSpPr>
-          <p:spPr>
-            <a:xfrm flipH="1">
-              <a:off x="3660044" y="2294536"/>
-              <a:ext cx="303242" cy="245145"/>
-            </a:xfrm>
-            <a:prstGeom prst="rect">
-              <a:avLst/>
-            </a:prstGeom>
-            <a:ln w="31750"/>
-          </p:spPr>
-          <p:style>
-            <a:lnRef idx="2">
-              <a:schemeClr val="accent5">
-                <a:shade val="50000"/>
-              </a:schemeClr>
-            </a:lnRef>
-            <a:fillRef idx="1">
-              <a:schemeClr val="accent5"/>
-            </a:fillRef>
-            <a:effectRef idx="0">
-              <a:schemeClr val="accent5"/>
-            </a:effectRef>
-            <a:fontRef idx="minor">
-              <a:schemeClr val="lt1"/>
-            </a:fontRef>
-          </p:style>
-          <p:txBody>
-            <a:bodyPr lIns="0" tIns="0" rIns="0" bIns="0" rtlCol="0" anchor="ctr"/>
-            <a:lstStyle/>
-            <a:p>
-              <a:pPr algn="ctr"/>
-              <a:r>
-                <a:rPr lang="en-AU" sz="1400" dirty="0">
-                  <a:latin typeface="Consolas" panose="020B0609020204030204" pitchFamily="49" charset="0"/>
-                </a:rPr>
-                <a:t>C02</a:t>
-              </a:r>
-            </a:p>
-          </p:txBody>
-        </p:sp>
-      </p:grpSp>
-      <p:sp>
-        <p:nvSpPr>
-          <p:cNvPr id="36" name="Rectangle 35">
-            <a:extLst>
-              <a:ext uri="{FF2B5EF4-FFF2-40B4-BE49-F238E27FC236}">
-                <a16:creationId xmlns:a16="http://schemas.microsoft.com/office/drawing/2014/main" id="{070E04E6-8C9C-4F93-B657-8E589C455B52}"/>
-              </a:ext>
-            </a:extLst>
-          </p:cNvPr>
-          <p:cNvSpPr/>
-          <p:nvPr/>
-        </p:nvSpPr>
-        <p:spPr>
-          <a:xfrm flipH="1">
-            <a:off x="3915897" y="3645223"/>
-            <a:ext cx="303242" cy="245145"/>
-          </a:xfrm>
-          <a:prstGeom prst="rect">
-            <a:avLst/>
-          </a:prstGeom>
-          <a:ln w="31750"/>
-        </p:spPr>
-        <p:style>
-          <a:lnRef idx="2">
-            <a:schemeClr val="accent5">
-              <a:shade val="50000"/>
-            </a:schemeClr>
-          </a:lnRef>
-          <a:fillRef idx="1">
-            <a:schemeClr val="accent5"/>
-          </a:fillRef>
-          <a:effectRef idx="0">
-            <a:schemeClr val="accent5"/>
-          </a:effectRef>
-          <a:fontRef idx="minor">
-            <a:schemeClr val="lt1"/>
-          </a:fontRef>
-        </p:style>
-        <p:txBody>
-          <a:bodyPr lIns="0" tIns="0" rIns="0" bIns="0" rtlCol="0" anchor="ctr"/>
-          <a:lstStyle/>
-          <a:p>
-            <a:pPr algn="ctr"/>
-            <a:r>
-              <a:rPr lang="en-AU" sz="1400" dirty="0">
-                <a:latin typeface="Consolas" panose="020B0609020204030204" pitchFamily="49" charset="0"/>
-              </a:rPr>
-              <a:t>C02</a:t>
-            </a:r>
-          </a:p>
-        </p:txBody>
-      </p:sp>
-      <p:cxnSp>
-        <p:nvCxnSpPr>
-          <p:cNvPr id="38" name="Connector: Curved 37">
-            <a:extLst>
-              <a:ext uri="{FF2B5EF4-FFF2-40B4-BE49-F238E27FC236}">
-                <a16:creationId xmlns:a16="http://schemas.microsoft.com/office/drawing/2014/main" id="{91D6435D-8032-4713-BF0F-36883674608E}"/>
-              </a:ext>
-            </a:extLst>
-          </p:cNvPr>
-          <p:cNvCxnSpPr>
-            <a:cxnSpLocks/>
-            <a:stCxn id="36" idx="1"/>
-            <a:endCxn id="35" idx="1"/>
-          </p:cNvCxnSpPr>
-          <p:nvPr/>
-        </p:nvCxnSpPr>
-        <p:spPr>
-          <a:xfrm flipH="1" flipV="1">
-            <a:off x="3949236" y="2417109"/>
-            <a:ext cx="269903" cy="1350687"/>
-          </a:xfrm>
-          <a:prstGeom prst="curvedConnector3">
-            <a:avLst>
-              <a:gd name="adj1" fmla="val -84697"/>
-            </a:avLst>
-          </a:prstGeom>
-          <a:ln w="31750">
-            <a:solidFill>
-              <a:srgbClr val="7030A0"/>
-            </a:solidFill>
-          </a:ln>
-        </p:spPr>
-        <p:style>
-          <a:lnRef idx="3">
-            <a:schemeClr val="accent5"/>
-          </a:lnRef>
-          <a:fillRef idx="0">
-            <a:schemeClr val="accent5"/>
-          </a:fillRef>
-          <a:effectRef idx="2">
-            <a:schemeClr val="accent5"/>
-          </a:effectRef>
-          <a:fontRef idx="minor">
-            <a:schemeClr val="tx1"/>
-          </a:fontRef>
-        </p:style>
-      </p:cxnSp>
-      <p:cxnSp>
-        <p:nvCxnSpPr>
-          <p:cNvPr id="51" name="Connector: Curved 50">
-            <a:extLst>
-              <a:ext uri="{FF2B5EF4-FFF2-40B4-BE49-F238E27FC236}">
-                <a16:creationId xmlns:a16="http://schemas.microsoft.com/office/drawing/2014/main" id="{E004236B-2759-41DF-A15A-08F02B7DB758}"/>
-              </a:ext>
-            </a:extLst>
-          </p:cNvPr>
-          <p:cNvCxnSpPr>
-            <a:cxnSpLocks/>
-            <a:stCxn id="21" idx="1"/>
-            <a:endCxn id="20" idx="1"/>
-          </p:cNvCxnSpPr>
-          <p:nvPr/>
-        </p:nvCxnSpPr>
-        <p:spPr>
-          <a:xfrm rot="10800000" flipH="1">
-            <a:off x="5686858" y="2417111"/>
-            <a:ext cx="269905" cy="1350683"/>
-          </a:xfrm>
-          <a:prstGeom prst="curvedConnector3">
-            <a:avLst>
-              <a:gd name="adj1" fmla="val -84696"/>
-            </a:avLst>
-          </a:prstGeom>
-          <a:ln w="31750">
-            <a:solidFill>
-              <a:srgbClr val="7030A0"/>
-            </a:solidFill>
-          </a:ln>
-        </p:spPr>
-        <p:style>
-          <a:lnRef idx="3">
-            <a:schemeClr val="accent5"/>
-          </a:lnRef>
-          <a:fillRef idx="0">
-            <a:schemeClr val="accent5"/>
-          </a:fillRef>
-          <a:effectRef idx="2">
-            <a:schemeClr val="accent5"/>
-          </a:effectRef>
-          <a:fontRef idx="minor">
-            <a:schemeClr val="tx1"/>
-          </a:fontRef>
-        </p:style>
-      </p:cxnSp>
-      <p:cxnSp>
-        <p:nvCxnSpPr>
-          <p:cNvPr id="54" name="Connector: Curved 53">
-            <a:extLst>
-              <a:ext uri="{FF2B5EF4-FFF2-40B4-BE49-F238E27FC236}">
-                <a16:creationId xmlns:a16="http://schemas.microsoft.com/office/drawing/2014/main" id="{A8DEC879-2203-420B-A6CB-4FAA3B553BFD}"/>
-              </a:ext>
-            </a:extLst>
-          </p:cNvPr>
-          <p:cNvCxnSpPr>
-            <a:cxnSpLocks/>
-            <a:stCxn id="35" idx="1"/>
-            <a:endCxn id="20" idx="1"/>
-          </p:cNvCxnSpPr>
-          <p:nvPr/>
-        </p:nvCxnSpPr>
-        <p:spPr>
-          <a:xfrm>
-            <a:off x="3949236" y="2417109"/>
-            <a:ext cx="2007528" cy="1"/>
-          </a:xfrm>
-          <a:prstGeom prst="curvedConnector3">
-            <a:avLst>
-              <a:gd name="adj1" fmla="val 50000"/>
-            </a:avLst>
-          </a:prstGeom>
-          <a:ln w="31750">
-            <a:solidFill>
-              <a:srgbClr val="7030A0"/>
-            </a:solidFill>
-          </a:ln>
-        </p:spPr>
-        <p:style>
-          <a:lnRef idx="3">
-            <a:schemeClr val="accent5"/>
-          </a:lnRef>
-          <a:fillRef idx="0">
-            <a:schemeClr val="accent5"/>
-          </a:fillRef>
-          <a:effectRef idx="2">
-            <a:schemeClr val="accent5"/>
-          </a:effectRef>
-          <a:fontRef idx="minor">
-            <a:schemeClr val="tx1"/>
-          </a:fontRef>
-        </p:style>
-      </p:cxnSp>
-      <p:cxnSp>
-        <p:nvCxnSpPr>
-          <p:cNvPr id="58" name="Straight Connector 57">
-            <a:extLst>
-              <a:ext uri="{FF2B5EF4-FFF2-40B4-BE49-F238E27FC236}">
-                <a16:creationId xmlns:a16="http://schemas.microsoft.com/office/drawing/2014/main" id="{4049BF07-1044-49B6-9789-CA06022B2E56}"/>
-              </a:ext>
-            </a:extLst>
-          </p:cNvPr>
-          <p:cNvCxnSpPr>
-            <a:cxnSpLocks/>
-            <a:stCxn id="24" idx="2"/>
-            <a:endCxn id="5" idx="2"/>
-          </p:cNvCxnSpPr>
-          <p:nvPr/>
-        </p:nvCxnSpPr>
-        <p:spPr>
-          <a:xfrm>
-            <a:off x="4652304" y="1628049"/>
-            <a:ext cx="601392" cy="0"/>
-          </a:xfrm>
-          <a:prstGeom prst="line">
-            <a:avLst/>
-          </a:prstGeom>
-          <a:ln w="31750"/>
-        </p:spPr>
-        <p:style>
-          <a:lnRef idx="2">
-            <a:schemeClr val="dk1"/>
-          </a:lnRef>
-          <a:fillRef idx="1">
-            <a:schemeClr val="lt1"/>
-          </a:fillRef>
-          <a:effectRef idx="0">
-            <a:schemeClr val="dk1"/>
-          </a:effectRef>
-          <a:fontRef idx="minor">
-            <a:schemeClr val="dk1"/>
-          </a:fontRef>
-        </p:style>
-      </p:cxnSp>
-      <p:cxnSp>
-        <p:nvCxnSpPr>
-          <p:cNvPr id="61" name="Connector: Elbow 60">
-            <a:extLst>
-              <a:ext uri="{FF2B5EF4-FFF2-40B4-BE49-F238E27FC236}">
-                <a16:creationId xmlns:a16="http://schemas.microsoft.com/office/drawing/2014/main" id="{6B4D21ED-D8D8-4C61-8E45-70CBBCE9BB8A}"/>
-              </a:ext>
-            </a:extLst>
-          </p:cNvPr>
-          <p:cNvCxnSpPr>
-            <a:cxnSpLocks/>
-            <a:stCxn id="191" idx="2"/>
-            <a:endCxn id="59" idx="3"/>
-          </p:cNvCxnSpPr>
-          <p:nvPr/>
-        </p:nvCxnSpPr>
-        <p:spPr>
-          <a:xfrm rot="10800000">
-            <a:off x="2633987" y="4206170"/>
-            <a:ext cx="790952" cy="466889"/>
-          </a:xfrm>
-          <a:prstGeom prst="bentConnector3">
-            <a:avLst>
-              <a:gd name="adj1" fmla="val 50000"/>
-            </a:avLst>
-          </a:prstGeom>
-          <a:ln>
-            <a:prstDash val="sysDash"/>
-          </a:ln>
-        </p:spPr>
-        <p:style>
-          <a:lnRef idx="3">
-            <a:schemeClr val="accent2"/>
-          </a:lnRef>
-          <a:fillRef idx="0">
-            <a:schemeClr val="accent2"/>
-          </a:fillRef>
-          <a:effectRef idx="2">
-            <a:schemeClr val="accent2"/>
-          </a:effectRef>
-          <a:fontRef idx="minor">
-            <a:schemeClr val="tx1"/>
-          </a:fontRef>
-        </p:style>
-      </p:cxnSp>
-      <p:cxnSp>
-        <p:nvCxnSpPr>
-          <p:cNvPr id="68" name="Connector: Elbow 67">
-            <a:extLst>
-              <a:ext uri="{FF2B5EF4-FFF2-40B4-BE49-F238E27FC236}">
-                <a16:creationId xmlns:a16="http://schemas.microsoft.com/office/drawing/2014/main" id="{05BB0A0F-6937-4CBB-9F04-90195AB8D127}"/>
-              </a:ext>
-            </a:extLst>
-          </p:cNvPr>
-          <p:cNvCxnSpPr>
-            <a:cxnSpLocks/>
-            <a:stCxn id="34" idx="2"/>
-            <a:endCxn id="64" idx="2"/>
-          </p:cNvCxnSpPr>
-          <p:nvPr/>
-        </p:nvCxnSpPr>
-        <p:spPr>
-          <a:xfrm rot="5400000">
-            <a:off x="3012985" y="4091565"/>
-            <a:ext cx="288070" cy="1528890"/>
-          </a:xfrm>
-          <a:prstGeom prst="bentConnector3">
-            <a:avLst>
-              <a:gd name="adj1" fmla="val 179356"/>
-            </a:avLst>
-          </a:prstGeom>
-          <a:ln>
-            <a:prstDash val="sysDash"/>
-          </a:ln>
-        </p:spPr>
-        <p:style>
-          <a:lnRef idx="3">
-            <a:schemeClr val="accent2"/>
-          </a:lnRef>
-          <a:fillRef idx="0">
-            <a:schemeClr val="accent2"/>
-          </a:fillRef>
-          <a:effectRef idx="2">
-            <a:schemeClr val="accent2"/>
-          </a:effectRef>
-          <a:fontRef idx="minor">
-            <a:schemeClr val="tx1"/>
-          </a:fontRef>
-        </p:style>
-      </p:cxnSp>
-      <p:cxnSp>
-        <p:nvCxnSpPr>
-          <p:cNvPr id="71" name="Connector: Elbow 70">
-            <a:extLst>
-              <a:ext uri="{FF2B5EF4-FFF2-40B4-BE49-F238E27FC236}">
-                <a16:creationId xmlns:a16="http://schemas.microsoft.com/office/drawing/2014/main" id="{69897B8E-4607-4AE4-8831-FB9A9F8FCA7F}"/>
-              </a:ext>
-            </a:extLst>
-          </p:cNvPr>
-          <p:cNvCxnSpPr>
-            <a:cxnSpLocks/>
-            <a:stCxn id="32" idx="3"/>
-            <a:endCxn id="65" idx="3"/>
-          </p:cNvCxnSpPr>
-          <p:nvPr/>
-        </p:nvCxnSpPr>
-        <p:spPr>
-          <a:xfrm rot="10800000">
-            <a:off x="2633987" y="3566182"/>
-            <a:ext cx="1352574" cy="595785"/>
-          </a:xfrm>
-          <a:prstGeom prst="bentConnector3">
-            <a:avLst>
-              <a:gd name="adj1" fmla="val 50000"/>
-            </a:avLst>
-          </a:prstGeom>
-          <a:ln>
-            <a:prstDash val="sysDash"/>
-          </a:ln>
-        </p:spPr>
-        <p:style>
-          <a:lnRef idx="3">
-            <a:schemeClr val="accent2"/>
-          </a:lnRef>
-          <a:fillRef idx="0">
-            <a:schemeClr val="accent2"/>
-          </a:fillRef>
-          <a:effectRef idx="2">
-            <a:schemeClr val="accent2"/>
-          </a:effectRef>
-          <a:fontRef idx="minor">
-            <a:schemeClr val="tx1"/>
-          </a:fontRef>
-        </p:style>
-      </p:cxnSp>
-      <p:cxnSp>
-        <p:nvCxnSpPr>
-          <p:cNvPr id="74" name="Connector: Elbow 73">
-            <a:extLst>
-              <a:ext uri="{FF2B5EF4-FFF2-40B4-BE49-F238E27FC236}">
-                <a16:creationId xmlns:a16="http://schemas.microsoft.com/office/drawing/2014/main" id="{548CE8C1-0890-437C-95DC-FECC905C9514}"/>
-              </a:ext>
-            </a:extLst>
-          </p:cNvPr>
-          <p:cNvCxnSpPr>
-            <a:cxnSpLocks/>
-            <a:stCxn id="185" idx="3"/>
-            <a:endCxn id="66" idx="3"/>
-          </p:cNvCxnSpPr>
-          <p:nvPr/>
-        </p:nvCxnSpPr>
-        <p:spPr>
-          <a:xfrm rot="10800000" flipV="1">
-            <a:off x="2633988" y="2521169"/>
-            <a:ext cx="885139" cy="405024"/>
-          </a:xfrm>
-          <a:prstGeom prst="bentConnector3">
-            <a:avLst>
-              <a:gd name="adj1" fmla="val 50000"/>
-            </a:avLst>
-          </a:prstGeom>
-          <a:ln>
-            <a:prstDash val="sysDash"/>
-          </a:ln>
-        </p:spPr>
-        <p:style>
-          <a:lnRef idx="3">
-            <a:schemeClr val="accent2"/>
-          </a:lnRef>
-          <a:fillRef idx="0">
-            <a:schemeClr val="accent2"/>
-          </a:fillRef>
-          <a:effectRef idx="2">
-            <a:schemeClr val="accent2"/>
-          </a:effectRef>
-          <a:fontRef idx="minor">
-            <a:schemeClr val="tx1"/>
-          </a:fontRef>
-        </p:style>
-      </p:cxnSp>
-      <p:cxnSp>
-        <p:nvCxnSpPr>
-          <p:cNvPr id="77" name="Connector: Elbow 76">
-            <a:extLst>
-              <a:ext uri="{FF2B5EF4-FFF2-40B4-BE49-F238E27FC236}">
-                <a16:creationId xmlns:a16="http://schemas.microsoft.com/office/drawing/2014/main" id="{0A2662F9-9696-4A63-98E4-27194AE72325}"/>
-              </a:ext>
-            </a:extLst>
-          </p:cNvPr>
-          <p:cNvCxnSpPr>
-            <a:cxnSpLocks/>
-            <a:stCxn id="33" idx="0"/>
-            <a:endCxn id="67" idx="3"/>
-          </p:cNvCxnSpPr>
-          <p:nvPr/>
-        </p:nvCxnSpPr>
-        <p:spPr>
-          <a:xfrm rot="10800000" flipV="1">
-            <a:off x="2633987" y="2070357"/>
-            <a:ext cx="1523980" cy="215847"/>
-          </a:xfrm>
-          <a:prstGeom prst="bentConnector3">
-            <a:avLst>
-              <a:gd name="adj1" fmla="val 50000"/>
-            </a:avLst>
-          </a:prstGeom>
-          <a:ln>
-            <a:prstDash val="sysDash"/>
-          </a:ln>
-        </p:spPr>
-        <p:style>
-          <a:lnRef idx="3">
-            <a:schemeClr val="accent2"/>
-          </a:lnRef>
-          <a:fillRef idx="0">
-            <a:schemeClr val="accent2"/>
-          </a:fillRef>
-          <a:effectRef idx="2">
-            <a:schemeClr val="accent2"/>
-          </a:effectRef>
-          <a:fontRef idx="minor">
-            <a:schemeClr val="tx1"/>
-          </a:fontRef>
-        </p:style>
-      </p:cxnSp>
-      <p:sp>
-        <p:nvSpPr>
-          <p:cNvPr id="59" name="TextBox 58">
-            <a:extLst>
-              <a:ext uri="{FF2B5EF4-FFF2-40B4-BE49-F238E27FC236}">
-                <a16:creationId xmlns:a16="http://schemas.microsoft.com/office/drawing/2014/main" id="{7721B185-E415-4B39-87A5-E928E73DEB35}"/>
-              </a:ext>
-            </a:extLst>
-          </p:cNvPr>
-          <p:cNvSpPr txBox="1"/>
-          <p:nvPr/>
-        </p:nvSpPr>
-        <p:spPr>
-          <a:xfrm>
-            <a:off x="2151163" y="4052280"/>
-            <a:ext cx="482824" cy="307777"/>
-          </a:xfrm>
-          <a:prstGeom prst="rect">
-            <a:avLst/>
-          </a:prstGeom>
-          <a:noFill/>
-        </p:spPr>
-        <p:txBody>
-          <a:bodyPr wrap="none" rtlCol="0">
-            <a:spAutoFit/>
-          </a:bodyPr>
-          <a:lstStyle/>
-          <a:p>
-            <a:r>
-              <a:rPr lang="en-AU" sz="1400" dirty="0">
-                <a:solidFill>
-                  <a:schemeClr val="accent2"/>
-                </a:solidFill>
-                <a:latin typeface="Consolas" panose="020B0609020204030204" pitchFamily="49" charset="0"/>
-              </a:rPr>
-              <a:t>P01</a:t>
-            </a:r>
-          </a:p>
-        </p:txBody>
-      </p:sp>
-      <p:sp>
-        <p:nvSpPr>
-          <p:cNvPr id="64" name="TextBox 63">
-            <a:extLst>
-              <a:ext uri="{FF2B5EF4-FFF2-40B4-BE49-F238E27FC236}">
-                <a16:creationId xmlns:a16="http://schemas.microsoft.com/office/drawing/2014/main" id="{AC3D3792-5114-440F-A55D-C7442A84FF3B}"/>
-              </a:ext>
-            </a:extLst>
-          </p:cNvPr>
-          <p:cNvSpPr txBox="1"/>
-          <p:nvPr/>
-        </p:nvSpPr>
-        <p:spPr>
-          <a:xfrm>
-            <a:off x="2151163" y="4692268"/>
-            <a:ext cx="482824" cy="307777"/>
-          </a:xfrm>
-          <a:prstGeom prst="rect">
-            <a:avLst/>
-          </a:prstGeom>
-          <a:noFill/>
-        </p:spPr>
-        <p:txBody>
-          <a:bodyPr wrap="square" rtlCol="0">
-            <a:spAutoFit/>
-          </a:bodyPr>
-          <a:lstStyle/>
-          <a:p>
-            <a:r>
-              <a:rPr lang="en-AU" sz="1400" dirty="0">
-                <a:solidFill>
-                  <a:schemeClr val="accent2"/>
-                </a:solidFill>
-                <a:latin typeface="Consolas" panose="020B0609020204030204" pitchFamily="49" charset="0"/>
-              </a:rPr>
-              <a:t>F01</a:t>
-            </a:r>
-          </a:p>
-        </p:txBody>
-      </p:sp>
-      <p:sp>
-        <p:nvSpPr>
-          <p:cNvPr id="65" name="TextBox 64">
-            <a:extLst>
-              <a:ext uri="{FF2B5EF4-FFF2-40B4-BE49-F238E27FC236}">
-                <a16:creationId xmlns:a16="http://schemas.microsoft.com/office/drawing/2014/main" id="{8A4D7292-5F5E-49C2-9B89-3DC84A08ACFD}"/>
-              </a:ext>
-            </a:extLst>
-          </p:cNvPr>
-          <p:cNvSpPr txBox="1"/>
-          <p:nvPr/>
-        </p:nvSpPr>
-        <p:spPr>
-          <a:xfrm>
-            <a:off x="2151163" y="3412292"/>
-            <a:ext cx="482824" cy="307777"/>
-          </a:xfrm>
-          <a:prstGeom prst="rect">
-            <a:avLst/>
-          </a:prstGeom>
-          <a:noFill/>
-        </p:spPr>
-        <p:txBody>
-          <a:bodyPr wrap="none" rtlCol="0">
-            <a:spAutoFit/>
-          </a:bodyPr>
-          <a:lstStyle/>
-          <a:p>
-            <a:r>
-              <a:rPr lang="en-AU" sz="1400" dirty="0">
-                <a:solidFill>
-                  <a:schemeClr val="accent2"/>
-                </a:solidFill>
-                <a:latin typeface="Consolas" panose="020B0609020204030204" pitchFamily="49" charset="0"/>
-              </a:rPr>
-              <a:t>P02</a:t>
-            </a:r>
-          </a:p>
-        </p:txBody>
-      </p:sp>
-      <p:sp>
-        <p:nvSpPr>
-          <p:cNvPr id="66" name="TextBox 65">
-            <a:extLst>
-              <a:ext uri="{FF2B5EF4-FFF2-40B4-BE49-F238E27FC236}">
-                <a16:creationId xmlns:a16="http://schemas.microsoft.com/office/drawing/2014/main" id="{49FCA270-C8A6-4592-814F-223D06D3CA95}"/>
-              </a:ext>
-            </a:extLst>
-          </p:cNvPr>
-          <p:cNvSpPr txBox="1"/>
-          <p:nvPr/>
-        </p:nvSpPr>
-        <p:spPr>
-          <a:xfrm>
-            <a:off x="2151163" y="2772304"/>
-            <a:ext cx="482824" cy="307777"/>
-          </a:xfrm>
-          <a:prstGeom prst="rect">
-            <a:avLst/>
-          </a:prstGeom>
-          <a:noFill/>
-        </p:spPr>
-        <p:txBody>
-          <a:bodyPr wrap="none" rtlCol="0">
-            <a:spAutoFit/>
-          </a:bodyPr>
-          <a:lstStyle/>
-          <a:p>
-            <a:r>
-              <a:rPr lang="en-AU" sz="1400" dirty="0">
-                <a:solidFill>
-                  <a:schemeClr val="accent2"/>
-                </a:solidFill>
-                <a:latin typeface="Consolas" panose="020B0609020204030204" pitchFamily="49" charset="0"/>
-              </a:rPr>
-              <a:t>P03</a:t>
-            </a:r>
-          </a:p>
-        </p:txBody>
-      </p:sp>
-      <p:sp>
-        <p:nvSpPr>
-          <p:cNvPr id="67" name="TextBox 66">
-            <a:extLst>
-              <a:ext uri="{FF2B5EF4-FFF2-40B4-BE49-F238E27FC236}">
-                <a16:creationId xmlns:a16="http://schemas.microsoft.com/office/drawing/2014/main" id="{2E96E36A-9932-4BA9-9B28-4F809C9E1641}"/>
-              </a:ext>
-            </a:extLst>
-          </p:cNvPr>
-          <p:cNvSpPr txBox="1"/>
-          <p:nvPr/>
-        </p:nvSpPr>
-        <p:spPr>
-          <a:xfrm>
-            <a:off x="2151163" y="2132316"/>
-            <a:ext cx="482824" cy="307777"/>
-          </a:xfrm>
-          <a:prstGeom prst="rect">
-            <a:avLst/>
-          </a:prstGeom>
-          <a:noFill/>
-        </p:spPr>
-        <p:txBody>
-          <a:bodyPr wrap="none" rtlCol="0">
-            <a:spAutoFit/>
-          </a:bodyPr>
-          <a:lstStyle/>
-          <a:p>
-            <a:r>
-              <a:rPr lang="en-AU" sz="1400" dirty="0">
-                <a:solidFill>
-                  <a:schemeClr val="accent2"/>
-                </a:solidFill>
-                <a:latin typeface="Consolas" panose="020B0609020204030204" pitchFamily="49" charset="0"/>
-              </a:rPr>
-              <a:t>F03</a:t>
-            </a:r>
-          </a:p>
-        </p:txBody>
-      </p:sp>
-      <p:sp>
-        <p:nvSpPr>
-          <p:cNvPr id="82" name="TextBox 81">
-            <a:extLst>
-              <a:ext uri="{FF2B5EF4-FFF2-40B4-BE49-F238E27FC236}">
-                <a16:creationId xmlns:a16="http://schemas.microsoft.com/office/drawing/2014/main" id="{35846744-BECB-49B8-98F0-0F98B42E59A8}"/>
-              </a:ext>
-            </a:extLst>
-          </p:cNvPr>
-          <p:cNvSpPr txBox="1"/>
-          <p:nvPr/>
-        </p:nvSpPr>
-        <p:spPr>
-          <a:xfrm>
-            <a:off x="7272013" y="4052280"/>
-            <a:ext cx="482824" cy="307777"/>
-          </a:xfrm>
-          <a:prstGeom prst="rect">
-            <a:avLst/>
-          </a:prstGeom>
-          <a:noFill/>
-        </p:spPr>
-        <p:txBody>
-          <a:bodyPr wrap="none" rtlCol="0">
-            <a:spAutoFit/>
-          </a:bodyPr>
-          <a:lstStyle/>
-          <a:p>
-            <a:r>
-              <a:rPr lang="en-AU" sz="1400" dirty="0">
-                <a:solidFill>
-                  <a:schemeClr val="accent2"/>
-                </a:solidFill>
-                <a:latin typeface="Consolas" panose="020B0609020204030204" pitchFamily="49" charset="0"/>
-              </a:rPr>
-              <a:t>P04</a:t>
-            </a:r>
-          </a:p>
-        </p:txBody>
-      </p:sp>
-      <p:sp>
-        <p:nvSpPr>
-          <p:cNvPr id="83" name="TextBox 82">
-            <a:extLst>
-              <a:ext uri="{FF2B5EF4-FFF2-40B4-BE49-F238E27FC236}">
-                <a16:creationId xmlns:a16="http://schemas.microsoft.com/office/drawing/2014/main" id="{E58B5B88-614A-4DEA-90D5-8491FCDD3D18}"/>
-              </a:ext>
-            </a:extLst>
-          </p:cNvPr>
-          <p:cNvSpPr txBox="1"/>
-          <p:nvPr/>
-        </p:nvSpPr>
-        <p:spPr>
-          <a:xfrm>
-            <a:off x="7272013" y="4692268"/>
-            <a:ext cx="482824" cy="307777"/>
-          </a:xfrm>
-          <a:prstGeom prst="rect">
-            <a:avLst/>
-          </a:prstGeom>
-          <a:noFill/>
-        </p:spPr>
-        <p:txBody>
-          <a:bodyPr wrap="square" rtlCol="0">
-            <a:spAutoFit/>
-          </a:bodyPr>
-          <a:lstStyle/>
-          <a:p>
-            <a:r>
-              <a:rPr lang="en-AU" sz="1400" dirty="0">
-                <a:solidFill>
-                  <a:schemeClr val="accent2"/>
-                </a:solidFill>
-                <a:latin typeface="Consolas" panose="020B0609020204030204" pitchFamily="49" charset="0"/>
-              </a:rPr>
-              <a:t>F04</a:t>
-            </a:r>
-          </a:p>
-        </p:txBody>
-      </p:sp>
-      <p:sp>
-        <p:nvSpPr>
-          <p:cNvPr id="84" name="TextBox 83">
-            <a:extLst>
-              <a:ext uri="{FF2B5EF4-FFF2-40B4-BE49-F238E27FC236}">
-                <a16:creationId xmlns:a16="http://schemas.microsoft.com/office/drawing/2014/main" id="{1E6F6716-09A9-4ACA-9190-2D83C7B29834}"/>
-              </a:ext>
-            </a:extLst>
-          </p:cNvPr>
-          <p:cNvSpPr txBox="1"/>
-          <p:nvPr/>
-        </p:nvSpPr>
-        <p:spPr>
-          <a:xfrm>
-            <a:off x="7272013" y="3412292"/>
-            <a:ext cx="482824" cy="307777"/>
-          </a:xfrm>
-          <a:prstGeom prst="rect">
-            <a:avLst/>
-          </a:prstGeom>
-          <a:noFill/>
-        </p:spPr>
-        <p:txBody>
-          <a:bodyPr wrap="none" rtlCol="0">
-            <a:spAutoFit/>
-          </a:bodyPr>
-          <a:lstStyle/>
-          <a:p>
-            <a:r>
-              <a:rPr lang="en-AU" sz="1400" dirty="0">
-                <a:solidFill>
-                  <a:schemeClr val="accent2"/>
-                </a:solidFill>
-                <a:latin typeface="Consolas" panose="020B0609020204030204" pitchFamily="49" charset="0"/>
-              </a:rPr>
-              <a:t>P05</a:t>
-            </a:r>
-          </a:p>
-        </p:txBody>
-      </p:sp>
-      <p:sp>
-        <p:nvSpPr>
-          <p:cNvPr id="85" name="TextBox 84">
-            <a:extLst>
-              <a:ext uri="{FF2B5EF4-FFF2-40B4-BE49-F238E27FC236}">
-                <a16:creationId xmlns:a16="http://schemas.microsoft.com/office/drawing/2014/main" id="{74621499-EA22-40A0-BA96-D612527A8534}"/>
-              </a:ext>
-            </a:extLst>
-          </p:cNvPr>
-          <p:cNvSpPr txBox="1"/>
-          <p:nvPr/>
-        </p:nvSpPr>
-        <p:spPr>
-          <a:xfrm>
-            <a:off x="7272013" y="2772304"/>
-            <a:ext cx="482824" cy="307777"/>
-          </a:xfrm>
-          <a:prstGeom prst="rect">
-            <a:avLst/>
-          </a:prstGeom>
-          <a:noFill/>
-        </p:spPr>
-        <p:txBody>
-          <a:bodyPr wrap="none" rtlCol="0">
-            <a:spAutoFit/>
-          </a:bodyPr>
-          <a:lstStyle/>
-          <a:p>
-            <a:r>
-              <a:rPr lang="en-AU" sz="1400" dirty="0">
-                <a:solidFill>
-                  <a:schemeClr val="accent2"/>
-                </a:solidFill>
-                <a:latin typeface="Consolas" panose="020B0609020204030204" pitchFamily="49" charset="0"/>
-              </a:rPr>
-              <a:t>P06</a:t>
-            </a:r>
-          </a:p>
-        </p:txBody>
-      </p:sp>
-      <p:sp>
-        <p:nvSpPr>
-          <p:cNvPr id="86" name="TextBox 85">
-            <a:extLst>
-              <a:ext uri="{FF2B5EF4-FFF2-40B4-BE49-F238E27FC236}">
-                <a16:creationId xmlns:a16="http://schemas.microsoft.com/office/drawing/2014/main" id="{72A50F05-2832-4241-A4D3-885B42804461}"/>
-              </a:ext>
-            </a:extLst>
-          </p:cNvPr>
-          <p:cNvSpPr txBox="1"/>
-          <p:nvPr/>
-        </p:nvSpPr>
-        <p:spPr>
-          <a:xfrm>
-            <a:off x="7272013" y="2132316"/>
-            <a:ext cx="482824" cy="307777"/>
-          </a:xfrm>
-          <a:prstGeom prst="rect">
-            <a:avLst/>
-          </a:prstGeom>
-          <a:noFill/>
-        </p:spPr>
-        <p:txBody>
-          <a:bodyPr wrap="none" rtlCol="0">
-            <a:spAutoFit/>
-          </a:bodyPr>
-          <a:lstStyle/>
-          <a:p>
-            <a:r>
-              <a:rPr lang="en-AU" sz="1400" dirty="0">
-                <a:solidFill>
-                  <a:schemeClr val="accent2"/>
-                </a:solidFill>
-                <a:latin typeface="Consolas" panose="020B0609020204030204" pitchFamily="49" charset="0"/>
-              </a:rPr>
-              <a:t>F06</a:t>
-            </a:r>
-          </a:p>
-        </p:txBody>
-      </p:sp>
-      <p:cxnSp>
-        <p:nvCxnSpPr>
-          <p:cNvPr id="88" name="Connector: Elbow 87">
-            <a:extLst>
-              <a:ext uri="{FF2B5EF4-FFF2-40B4-BE49-F238E27FC236}">
-                <a16:creationId xmlns:a16="http://schemas.microsoft.com/office/drawing/2014/main" id="{925E8F2C-E9C8-42C3-AF53-E05983FBBBEB}"/>
-              </a:ext>
-            </a:extLst>
-          </p:cNvPr>
-          <p:cNvCxnSpPr>
-            <a:cxnSpLocks/>
-            <a:stCxn id="16" idx="2"/>
-            <a:endCxn id="82" idx="1"/>
-          </p:cNvCxnSpPr>
-          <p:nvPr/>
-        </p:nvCxnSpPr>
-        <p:spPr>
-          <a:xfrm flipV="1">
-            <a:off x="6481062" y="4206169"/>
-            <a:ext cx="790951" cy="466889"/>
-          </a:xfrm>
-          <a:prstGeom prst="bentConnector3">
-            <a:avLst>
-              <a:gd name="adj1" fmla="val 50000"/>
-            </a:avLst>
-          </a:prstGeom>
-          <a:ln>
-            <a:prstDash val="sysDash"/>
-          </a:ln>
-        </p:spPr>
-        <p:style>
-          <a:lnRef idx="3">
-            <a:schemeClr val="accent2"/>
-          </a:lnRef>
-          <a:fillRef idx="0">
-            <a:schemeClr val="accent2"/>
-          </a:fillRef>
-          <a:effectRef idx="2">
-            <a:schemeClr val="accent2"/>
-          </a:effectRef>
-          <a:fontRef idx="minor">
-            <a:schemeClr val="tx1"/>
-          </a:fontRef>
-        </p:style>
-      </p:cxnSp>
-      <p:cxnSp>
-        <p:nvCxnSpPr>
-          <p:cNvPr id="89" name="Connector: Elbow 88">
-            <a:extLst>
-              <a:ext uri="{FF2B5EF4-FFF2-40B4-BE49-F238E27FC236}">
-                <a16:creationId xmlns:a16="http://schemas.microsoft.com/office/drawing/2014/main" id="{2BB83EA9-D76C-4884-9752-4A0B3F21BFA2}"/>
-              </a:ext>
-            </a:extLst>
-          </p:cNvPr>
-          <p:cNvCxnSpPr>
-            <a:cxnSpLocks/>
-            <a:stCxn id="19" idx="2"/>
-            <a:endCxn id="83" idx="2"/>
-          </p:cNvCxnSpPr>
-          <p:nvPr/>
-        </p:nvCxnSpPr>
-        <p:spPr>
-          <a:xfrm rot="16200000" flipH="1">
-            <a:off x="6604946" y="4091565"/>
-            <a:ext cx="288069" cy="1528889"/>
-          </a:xfrm>
-          <a:prstGeom prst="bentConnector3">
-            <a:avLst>
-              <a:gd name="adj1" fmla="val 179356"/>
-            </a:avLst>
-          </a:prstGeom>
-          <a:ln>
-            <a:prstDash val="sysDash"/>
-          </a:ln>
-        </p:spPr>
-        <p:style>
-          <a:lnRef idx="3">
-            <a:schemeClr val="accent2"/>
-          </a:lnRef>
-          <a:fillRef idx="0">
-            <a:schemeClr val="accent2"/>
-          </a:fillRef>
-          <a:effectRef idx="2">
-            <a:schemeClr val="accent2"/>
-          </a:effectRef>
-          <a:fontRef idx="minor">
-            <a:schemeClr val="tx1"/>
-          </a:fontRef>
-        </p:style>
-      </p:cxnSp>
-      <p:cxnSp>
-        <p:nvCxnSpPr>
-          <p:cNvPr id="90" name="Connector: Elbow 89">
-            <a:extLst>
-              <a:ext uri="{FF2B5EF4-FFF2-40B4-BE49-F238E27FC236}">
-                <a16:creationId xmlns:a16="http://schemas.microsoft.com/office/drawing/2014/main" id="{84E98BDF-941E-4511-A004-29B2022291B0}"/>
-              </a:ext>
-            </a:extLst>
-          </p:cNvPr>
-          <p:cNvCxnSpPr>
-            <a:cxnSpLocks/>
-            <a:stCxn id="189" idx="3"/>
-            <a:endCxn id="84" idx="1"/>
-          </p:cNvCxnSpPr>
-          <p:nvPr/>
-        </p:nvCxnSpPr>
-        <p:spPr>
-          <a:xfrm flipV="1">
-            <a:off x="5919440" y="3566181"/>
-            <a:ext cx="1352573" cy="595785"/>
-          </a:xfrm>
-          <a:prstGeom prst="bentConnector3">
-            <a:avLst>
-              <a:gd name="adj1" fmla="val 50000"/>
-            </a:avLst>
-          </a:prstGeom>
-          <a:ln>
-            <a:prstDash val="sysDash"/>
-          </a:ln>
-        </p:spPr>
-        <p:style>
-          <a:lnRef idx="3">
-            <a:schemeClr val="accent2"/>
-          </a:lnRef>
-          <a:fillRef idx="0">
-            <a:schemeClr val="accent2"/>
-          </a:fillRef>
-          <a:effectRef idx="2">
-            <a:schemeClr val="accent2"/>
-          </a:effectRef>
-          <a:fontRef idx="minor">
-            <a:schemeClr val="tx1"/>
-          </a:fontRef>
-        </p:style>
-      </p:cxnSp>
-      <p:cxnSp>
-        <p:nvCxnSpPr>
-          <p:cNvPr id="91" name="Connector: Elbow 90">
-            <a:extLst>
-              <a:ext uri="{FF2B5EF4-FFF2-40B4-BE49-F238E27FC236}">
-                <a16:creationId xmlns:a16="http://schemas.microsoft.com/office/drawing/2014/main" id="{4381D84D-966E-4CCF-A647-015EA9AE4EA9}"/>
-              </a:ext>
-            </a:extLst>
-          </p:cNvPr>
-          <p:cNvCxnSpPr>
-            <a:cxnSpLocks/>
-            <a:stCxn id="15" idx="3"/>
-            <a:endCxn id="85" idx="1"/>
-          </p:cNvCxnSpPr>
-          <p:nvPr/>
-        </p:nvCxnSpPr>
-        <p:spPr>
-          <a:xfrm>
-            <a:off x="6386875" y="2521169"/>
-            <a:ext cx="885138" cy="405024"/>
-          </a:xfrm>
-          <a:prstGeom prst="bentConnector3">
-            <a:avLst>
-              <a:gd name="adj1" fmla="val 50000"/>
-            </a:avLst>
-          </a:prstGeom>
-          <a:ln>
-            <a:prstDash val="sysDash"/>
-          </a:ln>
-        </p:spPr>
-        <p:style>
-          <a:lnRef idx="3">
-            <a:schemeClr val="accent2"/>
-          </a:lnRef>
-          <a:fillRef idx="0">
-            <a:schemeClr val="accent2"/>
-          </a:fillRef>
-          <a:effectRef idx="2">
-            <a:schemeClr val="accent2"/>
-          </a:effectRef>
-          <a:fontRef idx="minor">
-            <a:schemeClr val="tx1"/>
-          </a:fontRef>
-        </p:style>
-      </p:cxnSp>
-      <p:cxnSp>
-        <p:nvCxnSpPr>
-          <p:cNvPr id="92" name="Connector: Elbow 91">
-            <a:extLst>
-              <a:ext uri="{FF2B5EF4-FFF2-40B4-BE49-F238E27FC236}">
-                <a16:creationId xmlns:a16="http://schemas.microsoft.com/office/drawing/2014/main" id="{49791505-CB41-4D41-9255-DEBA4B370D03}"/>
-              </a:ext>
-            </a:extLst>
-          </p:cNvPr>
-          <p:cNvCxnSpPr>
-            <a:cxnSpLocks/>
-            <a:stCxn id="18" idx="0"/>
-            <a:endCxn id="86" idx="1"/>
-          </p:cNvCxnSpPr>
-          <p:nvPr/>
-        </p:nvCxnSpPr>
-        <p:spPr>
-          <a:xfrm>
-            <a:off x="5749079" y="2076144"/>
-            <a:ext cx="1522934" cy="210061"/>
-          </a:xfrm>
-          <a:prstGeom prst="bentConnector3">
-            <a:avLst>
-              <a:gd name="adj1" fmla="val 50000"/>
-            </a:avLst>
-          </a:prstGeom>
-          <a:ln>
-            <a:prstDash val="sysDash"/>
-          </a:ln>
-        </p:spPr>
-        <p:style>
-          <a:lnRef idx="3">
-            <a:schemeClr val="accent2"/>
-          </a:lnRef>
-          <a:fillRef idx="0">
-            <a:schemeClr val="accent2"/>
-          </a:fillRef>
-          <a:effectRef idx="2">
-            <a:schemeClr val="accent2"/>
-          </a:effectRef>
-          <a:fontRef idx="minor">
-            <a:schemeClr val="tx1"/>
-          </a:fontRef>
-        </p:style>
-      </p:cxnSp>
-      <p:grpSp>
-        <p:nvGrpSpPr>
-          <p:cNvPr id="136" name="Group 135">
-            <a:extLst>
-              <a:ext uri="{FF2B5EF4-FFF2-40B4-BE49-F238E27FC236}">
-                <a16:creationId xmlns:a16="http://schemas.microsoft.com/office/drawing/2014/main" id="{C81E79D9-6DF4-4AB0-9682-515BDC99B7B8}"/>
-              </a:ext>
-            </a:extLst>
-          </p:cNvPr>
-          <p:cNvGrpSpPr/>
-          <p:nvPr/>
-        </p:nvGrpSpPr>
-        <p:grpSpPr>
-          <a:xfrm>
-            <a:off x="2592392" y="5406204"/>
-            <a:ext cx="4721217" cy="523220"/>
-            <a:chOff x="2800950" y="5406204"/>
-            <a:chExt cx="4721217" cy="523220"/>
-          </a:xfrm>
-        </p:grpSpPr>
-        <p:sp>
-          <p:nvSpPr>
-            <p:cNvPr id="133" name="TextBox 132">
-              <a:extLst>
-                <a:ext uri="{FF2B5EF4-FFF2-40B4-BE49-F238E27FC236}">
-                  <a16:creationId xmlns:a16="http://schemas.microsoft.com/office/drawing/2014/main" id="{37092CCE-856D-44C5-8AF9-EAE3AEE2F17F}"/>
-                </a:ext>
-              </a:extLst>
-            </p:cNvPr>
-            <p:cNvSpPr txBox="1"/>
-            <p:nvPr/>
-          </p:nvSpPr>
-          <p:spPr>
-            <a:xfrm>
-              <a:off x="5305087" y="5406204"/>
-              <a:ext cx="2217080" cy="523220"/>
-            </a:xfrm>
-            <a:prstGeom prst="rect">
-              <a:avLst/>
-            </a:prstGeom>
-            <a:noFill/>
-          </p:spPr>
-          <p:txBody>
-            <a:bodyPr wrap="square" numCol="1" rtlCol="0">
-              <a:spAutoFit/>
-            </a:bodyPr>
-            <a:lstStyle/>
-            <a:p>
-              <a:pPr algn="ctr"/>
-              <a:r>
-                <a:rPr lang="en-AU" sz="1400" dirty="0">
-                  <a:solidFill>
-                    <a:schemeClr val="accent2"/>
-                  </a:solidFill>
-                  <a:latin typeface="Consolas" panose="020B0609020204030204" pitchFamily="49" charset="0"/>
-                </a:rPr>
-                <a:t>F: Force Sensor</a:t>
-              </a:r>
-            </a:p>
-            <a:p>
-              <a:pPr algn="ctr"/>
-              <a:r>
-                <a:rPr lang="en-AU" sz="1400" dirty="0">
-                  <a:solidFill>
-                    <a:schemeClr val="accent2"/>
-                  </a:solidFill>
-                  <a:latin typeface="Consolas" panose="020B0609020204030204" pitchFamily="49" charset="0"/>
-                </a:rPr>
-                <a:t>P: Position Sensor</a:t>
-              </a:r>
-            </a:p>
-          </p:txBody>
-        </p:sp>
-        <p:sp>
-          <p:nvSpPr>
-            <p:cNvPr id="135" name="TextBox 134">
-              <a:extLst>
-                <a:ext uri="{FF2B5EF4-FFF2-40B4-BE49-F238E27FC236}">
-                  <a16:creationId xmlns:a16="http://schemas.microsoft.com/office/drawing/2014/main" id="{A76CC896-F2CF-4873-9EE5-DD4BC93CE0D0}"/>
-                </a:ext>
-              </a:extLst>
-            </p:cNvPr>
-            <p:cNvSpPr txBox="1"/>
-            <p:nvPr/>
-          </p:nvSpPr>
-          <p:spPr>
-            <a:xfrm>
-              <a:off x="2800950" y="5406204"/>
-              <a:ext cx="2217080" cy="523220"/>
-            </a:xfrm>
-            <a:prstGeom prst="rect">
-              <a:avLst/>
-            </a:prstGeom>
-            <a:noFill/>
-          </p:spPr>
-          <p:txBody>
-            <a:bodyPr wrap="square" numCol="1" rtlCol="0">
-              <a:spAutoFit/>
-            </a:bodyPr>
-            <a:lstStyle/>
-            <a:p>
-              <a:pPr algn="ctr"/>
-              <a:r>
-                <a:rPr lang="en-AU" sz="1400" dirty="0">
-                  <a:solidFill>
-                    <a:schemeClr val="accent2"/>
-                  </a:solidFill>
-                  <a:latin typeface="Consolas" panose="020B0609020204030204" pitchFamily="49" charset="0"/>
-                </a:rPr>
-                <a:t>T: Actuator Torque</a:t>
-              </a:r>
-            </a:p>
-            <a:p>
-              <a:pPr algn="ctr"/>
-              <a:r>
-                <a:rPr lang="en-AU" sz="1400" dirty="0">
-                  <a:solidFill>
-                    <a:schemeClr val="accent2"/>
-                  </a:solidFill>
-                  <a:latin typeface="Consolas" panose="020B0609020204030204" pitchFamily="49" charset="0"/>
-                </a:rPr>
-                <a:t>C: Controller Module</a:t>
-              </a:r>
-            </a:p>
-          </p:txBody>
-        </p:sp>
-      </p:grpSp>
-      <p:sp>
-        <p:nvSpPr>
-          <p:cNvPr id="15" name="Rectangle 14">
-            <a:extLst>
-              <a:ext uri="{FF2B5EF4-FFF2-40B4-BE49-F238E27FC236}">
-                <a16:creationId xmlns:a16="http://schemas.microsoft.com/office/drawing/2014/main" id="{BF522F2B-687C-4EFF-B396-260C2604B002}"/>
-              </a:ext>
-            </a:extLst>
-          </p:cNvPr>
-          <p:cNvSpPr/>
-          <p:nvPr/>
-        </p:nvSpPr>
-        <p:spPr>
-          <a:xfrm rot="18986352">
-            <a:off x="6024782" y="2631499"/>
-            <a:ext cx="419904" cy="68705"/>
-          </a:xfrm>
-          <a:prstGeom prst="rect">
-            <a:avLst/>
-          </a:prstGeom>
-          <a:ln w="31750"/>
-        </p:spPr>
-        <p:style>
-          <a:lnRef idx="2">
-            <a:schemeClr val="accent4">
-              <a:shade val="50000"/>
-            </a:schemeClr>
-          </a:lnRef>
-          <a:fillRef idx="1">
-            <a:schemeClr val="accent4"/>
-          </a:fillRef>
-          <a:effectRef idx="0">
-            <a:schemeClr val="accent4"/>
-          </a:effectRef>
-          <a:fontRef idx="minor">
-            <a:schemeClr val="lt1"/>
-          </a:fontRef>
-        </p:style>
-        <p:txBody>
-          <a:bodyPr rot="0" spcFirstLastPara="0" vertOverflow="overflow" horzOverflow="overflow" vert="horz" wrap="square" lIns="0" tIns="0" rIns="0" bIns="0" numCol="1" spcCol="0" rtlCol="0" fromWordArt="0" anchor="ctr" anchorCtr="0" forceAA="0" compatLnSpc="1">
-            <a:prstTxWarp prst="textNoShape">
-              <a:avLst/>
-            </a:prstTxWarp>
-            <a:noAutofit/>
-          </a:bodyPr>
-          <a:lstStyle/>
-          <a:p>
-            <a:pPr algn="ctr"/>
-            <a:endParaRPr lang="en-AU" sz="1400">
-              <a:latin typeface="Consolas" panose="020B0609020204030204" pitchFamily="49" charset="0"/>
-            </a:endParaRPr>
-          </a:p>
-        </p:txBody>
-      </p:sp>
-      <p:sp>
-        <p:nvSpPr>
-          <p:cNvPr id="185" name="Rectangle 184">
-            <a:extLst>
-              <a:ext uri="{FF2B5EF4-FFF2-40B4-BE49-F238E27FC236}">
-                <a16:creationId xmlns:a16="http://schemas.microsoft.com/office/drawing/2014/main" id="{2664434C-21CD-4C69-9907-DD12EDF4DFB8}"/>
-              </a:ext>
-            </a:extLst>
-          </p:cNvPr>
-          <p:cNvSpPr/>
-          <p:nvPr/>
-        </p:nvSpPr>
-        <p:spPr>
-          <a:xfrm rot="2613648" flipH="1">
-            <a:off x="3461315" y="2631499"/>
-            <a:ext cx="419904" cy="68705"/>
-          </a:xfrm>
-          <a:prstGeom prst="rect">
-            <a:avLst/>
-          </a:prstGeom>
-          <a:ln w="31750"/>
-        </p:spPr>
-        <p:style>
-          <a:lnRef idx="2">
-            <a:schemeClr val="accent4">
-              <a:shade val="50000"/>
-            </a:schemeClr>
-          </a:lnRef>
-          <a:fillRef idx="1">
-            <a:schemeClr val="accent4"/>
-          </a:fillRef>
-          <a:effectRef idx="0">
-            <a:schemeClr val="accent4"/>
-          </a:effectRef>
-          <a:fontRef idx="minor">
-            <a:schemeClr val="lt1"/>
-          </a:fontRef>
-        </p:style>
-        <p:txBody>
-          <a:bodyPr rot="0" spcFirstLastPara="0" vertOverflow="overflow" horzOverflow="overflow" vert="horz" wrap="square" lIns="0" tIns="0" rIns="0" bIns="0" numCol="1" spcCol="0" rtlCol="0" fromWordArt="0" anchor="ctr" anchorCtr="0" forceAA="0" compatLnSpc="1">
-            <a:prstTxWarp prst="textNoShape">
-              <a:avLst/>
-            </a:prstTxWarp>
-            <a:noAutofit/>
-          </a:bodyPr>
-          <a:lstStyle/>
-          <a:p>
-            <a:pPr algn="ctr"/>
-            <a:endParaRPr lang="en-AU" sz="1400">
-              <a:latin typeface="Consolas" panose="020B0609020204030204" pitchFamily="49" charset="0"/>
-            </a:endParaRPr>
-          </a:p>
-        </p:txBody>
-      </p:sp>
-      <p:grpSp>
-        <p:nvGrpSpPr>
-          <p:cNvPr id="192" name="Group 191">
-            <a:extLst>
-              <a:ext uri="{FF2B5EF4-FFF2-40B4-BE49-F238E27FC236}">
-                <a16:creationId xmlns:a16="http://schemas.microsoft.com/office/drawing/2014/main" id="{43D7BCD6-11C4-41D6-9E24-C13DA8AB517D}"/>
-              </a:ext>
-            </a:extLst>
-          </p:cNvPr>
-          <p:cNvGrpSpPr/>
-          <p:nvPr/>
-        </p:nvGrpSpPr>
-        <p:grpSpPr>
-          <a:xfrm>
-            <a:off x="3961226" y="4027631"/>
-            <a:ext cx="1983549" cy="68705"/>
-            <a:chOff x="3966981" y="4027631"/>
-            <a:chExt cx="1983549" cy="68705"/>
-          </a:xfrm>
-        </p:grpSpPr>
-        <p:sp>
-          <p:nvSpPr>
-            <p:cNvPr id="32" name="Rectangle 31">
-              <a:extLst>
-                <a:ext uri="{FF2B5EF4-FFF2-40B4-BE49-F238E27FC236}">
-                  <a16:creationId xmlns:a16="http://schemas.microsoft.com/office/drawing/2014/main" id="{2F4AF0C5-191D-4D63-A262-C842C126DD83}"/>
-                </a:ext>
-              </a:extLst>
-            </p:cNvPr>
-            <p:cNvSpPr/>
-            <p:nvPr/>
-          </p:nvSpPr>
-          <p:spPr>
-            <a:xfrm rot="19893684" flipH="1">
-              <a:off x="3966981" y="4027631"/>
-              <a:ext cx="419902" cy="68705"/>
-            </a:xfrm>
-            <a:prstGeom prst="rect">
-              <a:avLst/>
-            </a:prstGeom>
-            <a:ln w="31750"/>
-          </p:spPr>
-          <p:style>
-            <a:lnRef idx="2">
-              <a:schemeClr val="accent4">
-                <a:shade val="50000"/>
-              </a:schemeClr>
-            </a:lnRef>
-            <a:fillRef idx="1">
-              <a:schemeClr val="accent4"/>
-            </a:fillRef>
-            <a:effectRef idx="0">
-              <a:schemeClr val="accent4"/>
-            </a:effectRef>
-            <a:fontRef idx="minor">
-              <a:schemeClr val="lt1"/>
-            </a:fontRef>
-          </p:style>
-          <p:txBody>
-            <a:bodyPr rot="0" spcFirstLastPara="0" vertOverflow="overflow" horzOverflow="overflow" vert="horz" wrap="square" lIns="0" tIns="0" rIns="0" bIns="0" numCol="1" spcCol="0" rtlCol="0" fromWordArt="0" anchor="ctr" anchorCtr="0" forceAA="0" compatLnSpc="1">
-              <a:prstTxWarp prst="textNoShape">
-                <a:avLst/>
-              </a:prstTxWarp>
-              <a:noAutofit/>
-            </a:bodyPr>
-            <a:lstStyle/>
-            <a:p>
-              <a:pPr algn="ctr"/>
-              <a:endParaRPr lang="en-AU" sz="1400">
-                <a:latin typeface="Consolas" panose="020B0609020204030204" pitchFamily="49" charset="0"/>
-              </a:endParaRPr>
-            </a:p>
-          </p:txBody>
-        </p:sp>
-        <p:sp>
-          <p:nvSpPr>
-            <p:cNvPr id="189" name="Rectangle 188">
-              <a:extLst>
-                <a:ext uri="{FF2B5EF4-FFF2-40B4-BE49-F238E27FC236}">
-                  <a16:creationId xmlns:a16="http://schemas.microsoft.com/office/drawing/2014/main" id="{F9450B42-476D-4AB3-9CEC-6209EA3EE728}"/>
-                </a:ext>
-              </a:extLst>
-            </p:cNvPr>
-            <p:cNvSpPr/>
-            <p:nvPr/>
-          </p:nvSpPr>
-          <p:spPr>
-            <a:xfrm rot="1706316">
-              <a:off x="5530628" y="4027631"/>
-              <a:ext cx="419902" cy="68705"/>
-            </a:xfrm>
-            <a:prstGeom prst="rect">
-              <a:avLst/>
-            </a:prstGeom>
-            <a:ln w="31750"/>
-          </p:spPr>
-          <p:style>
-            <a:lnRef idx="2">
-              <a:schemeClr val="accent4">
-                <a:shade val="50000"/>
-              </a:schemeClr>
-            </a:lnRef>
-            <a:fillRef idx="1">
-              <a:schemeClr val="accent4"/>
-            </a:fillRef>
-            <a:effectRef idx="0">
-              <a:schemeClr val="accent4"/>
-            </a:effectRef>
-            <a:fontRef idx="minor">
-              <a:schemeClr val="lt1"/>
-            </a:fontRef>
-          </p:style>
-          <p:txBody>
-            <a:bodyPr rot="0" spcFirstLastPara="0" vertOverflow="overflow" horzOverflow="overflow" vert="horz" wrap="square" lIns="0" tIns="0" rIns="0" bIns="0" numCol="1" spcCol="0" rtlCol="0" fromWordArt="0" anchor="ctr" anchorCtr="0" forceAA="0" compatLnSpc="1">
-              <a:prstTxWarp prst="textNoShape">
-                <a:avLst/>
-              </a:prstTxWarp>
-              <a:noAutofit/>
-            </a:bodyPr>
-            <a:lstStyle/>
-            <a:p>
-              <a:pPr algn="ctr"/>
-              <a:endParaRPr lang="en-AU" sz="1400">
-                <a:latin typeface="Consolas" panose="020B0609020204030204" pitchFamily="49" charset="0"/>
-              </a:endParaRPr>
-            </a:p>
-          </p:txBody>
-        </p:sp>
-      </p:grpSp>
-      <p:sp>
-        <p:nvSpPr>
-          <p:cNvPr id="16" name="Rectangle 15">
-            <a:extLst>
-              <a:ext uri="{FF2B5EF4-FFF2-40B4-BE49-F238E27FC236}">
-                <a16:creationId xmlns:a16="http://schemas.microsoft.com/office/drawing/2014/main" id="{0827AFBB-F288-4965-8922-EDBF3EA5C55B}"/>
-              </a:ext>
-            </a:extLst>
-          </p:cNvPr>
-          <p:cNvSpPr/>
-          <p:nvPr/>
-        </p:nvSpPr>
-        <p:spPr>
-          <a:xfrm rot="17508150">
-            <a:off x="6239216" y="4625947"/>
-            <a:ext cx="419902" cy="68705"/>
-          </a:xfrm>
-          <a:prstGeom prst="rect">
-            <a:avLst/>
-          </a:prstGeom>
-          <a:ln w="31750"/>
-        </p:spPr>
-        <p:style>
-          <a:lnRef idx="2">
-            <a:schemeClr val="accent4">
-              <a:shade val="50000"/>
-            </a:schemeClr>
-          </a:lnRef>
-          <a:fillRef idx="1">
-            <a:schemeClr val="accent4"/>
-          </a:fillRef>
-          <a:effectRef idx="0">
-            <a:schemeClr val="accent4"/>
-          </a:effectRef>
-          <a:fontRef idx="minor">
-            <a:schemeClr val="lt1"/>
-          </a:fontRef>
-        </p:style>
-        <p:txBody>
-          <a:bodyPr rot="0" spcFirstLastPara="0" vertOverflow="overflow" horzOverflow="overflow" vert="horz" wrap="square" lIns="0" tIns="0" rIns="0" bIns="0" numCol="1" spcCol="0" rtlCol="0" fromWordArt="0" anchor="ctr" anchorCtr="0" forceAA="0" compatLnSpc="1">
-            <a:prstTxWarp prst="textNoShape">
-              <a:avLst/>
-            </a:prstTxWarp>
-            <a:noAutofit/>
-          </a:bodyPr>
-          <a:lstStyle/>
-          <a:p>
-            <a:pPr algn="ctr"/>
-            <a:endParaRPr lang="en-AU" sz="1400">
-              <a:latin typeface="Consolas" panose="020B0609020204030204" pitchFamily="49" charset="0"/>
-            </a:endParaRPr>
-          </a:p>
-        </p:txBody>
-      </p:sp>
-      <p:sp>
-        <p:nvSpPr>
-          <p:cNvPr id="191" name="Rectangle 190">
-            <a:extLst>
-              <a:ext uri="{FF2B5EF4-FFF2-40B4-BE49-F238E27FC236}">
-                <a16:creationId xmlns:a16="http://schemas.microsoft.com/office/drawing/2014/main" id="{13E1BD59-9E9E-4400-B57E-B02D10F2E0D7}"/>
-              </a:ext>
-            </a:extLst>
-          </p:cNvPr>
-          <p:cNvSpPr/>
-          <p:nvPr/>
-        </p:nvSpPr>
-        <p:spPr>
-          <a:xfrm rot="4091850" flipH="1">
-            <a:off x="3246883" y="4625947"/>
-            <a:ext cx="419902" cy="68705"/>
-          </a:xfrm>
-          <a:prstGeom prst="rect">
-            <a:avLst/>
-          </a:prstGeom>
-          <a:ln w="31750"/>
-        </p:spPr>
-        <p:style>
-          <a:lnRef idx="2">
-            <a:schemeClr val="accent4">
-              <a:shade val="50000"/>
-            </a:schemeClr>
-          </a:lnRef>
-          <a:fillRef idx="1">
-            <a:schemeClr val="accent4"/>
-          </a:fillRef>
-          <a:effectRef idx="0">
-            <a:schemeClr val="accent4"/>
-          </a:effectRef>
-          <a:fontRef idx="minor">
-            <a:schemeClr val="lt1"/>
-          </a:fontRef>
-        </p:style>
-        <p:txBody>
-          <a:bodyPr rot="0" spcFirstLastPara="0" vertOverflow="overflow" horzOverflow="overflow" vert="horz" wrap="square" lIns="0" tIns="0" rIns="0" bIns="0" numCol="1" spcCol="0" rtlCol="0" fromWordArt="0" anchor="ctr" anchorCtr="0" forceAA="0" compatLnSpc="1">
-            <a:prstTxWarp prst="textNoShape">
-              <a:avLst/>
-            </a:prstTxWarp>
-            <a:noAutofit/>
-          </a:bodyPr>
-          <a:lstStyle/>
-          <a:p>
-            <a:pPr algn="ctr"/>
-            <a:endParaRPr lang="en-AU" sz="1400">
-              <a:latin typeface="Consolas" panose="020B0609020204030204" pitchFamily="49" charset="0"/>
-            </a:endParaRPr>
-          </a:p>
-        </p:txBody>
-      </p:sp>
-      <p:grpSp>
-        <p:nvGrpSpPr>
-          <p:cNvPr id="220" name="Group 219">
-            <a:extLst>
-              <a:ext uri="{FF2B5EF4-FFF2-40B4-BE49-F238E27FC236}">
-                <a16:creationId xmlns:a16="http://schemas.microsoft.com/office/drawing/2014/main" id="{20AE39E6-57B0-4F46-80C4-85DD5AD195F4}"/>
-              </a:ext>
-            </a:extLst>
-          </p:cNvPr>
-          <p:cNvGrpSpPr/>
-          <p:nvPr/>
-        </p:nvGrpSpPr>
-        <p:grpSpPr>
-          <a:xfrm>
-            <a:off x="3452808" y="1692830"/>
-            <a:ext cx="3000385" cy="2923587"/>
-            <a:chOff x="3446827" y="1692830"/>
-            <a:chExt cx="3000385" cy="2923587"/>
-          </a:xfrm>
-        </p:grpSpPr>
-        <p:grpSp>
-          <p:nvGrpSpPr>
-            <p:cNvPr id="211" name="Group 210">
-              <a:extLst>
-                <a:ext uri="{FF2B5EF4-FFF2-40B4-BE49-F238E27FC236}">
-                  <a16:creationId xmlns:a16="http://schemas.microsoft.com/office/drawing/2014/main" id="{9F30FEF4-41D1-49DF-A97B-7613280CA9DD}"/>
-                </a:ext>
-              </a:extLst>
-            </p:cNvPr>
-            <p:cNvGrpSpPr/>
-            <p:nvPr/>
-          </p:nvGrpSpPr>
-          <p:grpSpPr>
-            <a:xfrm>
-              <a:off x="3446827" y="1692830"/>
-              <a:ext cx="745209" cy="2923587"/>
-              <a:chOff x="3446827" y="1692830"/>
-              <a:chExt cx="745209" cy="2923587"/>
-            </a:xfrm>
-          </p:grpSpPr>
+                </a:endParaRPr>
+              </a:p>
+            </p:txBody>
+          </p:sp>
           <p:sp>
             <p:nvSpPr>
               <p:cNvPr id="208" name="TextBox 207">
@@ -33361,7 +33361,7 @@
             </p:nvSpPr>
             <p:spPr>
               <a:xfrm>
-                <a:off x="3808598" y="1692830"/>
+                <a:off x="3814579" y="1692830"/>
                 <a:ext cx="383438" cy="307777"/>
               </a:xfrm>
               <a:prstGeom prst="rect">
@@ -33386,43 +33386,6 @@
           </p:sp>
           <p:sp>
             <p:nvSpPr>
-              <p:cNvPr id="209" name="TextBox 208">
-                <a:extLst>
-                  <a:ext uri="{FF2B5EF4-FFF2-40B4-BE49-F238E27FC236}">
-                    <a16:creationId xmlns:a16="http://schemas.microsoft.com/office/drawing/2014/main" id="{EA46A19F-5009-4FEB-A2A4-FF4C8B4F49B9}"/>
-                  </a:ext>
-                </a:extLst>
-              </p:cNvPr>
-              <p:cNvSpPr txBox="1"/>
-              <p:nvPr/>
-            </p:nvSpPr>
-            <p:spPr>
-              <a:xfrm>
-                <a:off x="3446827" y="3314940"/>
-                <a:ext cx="383438" cy="307777"/>
-              </a:xfrm>
-              <a:prstGeom prst="rect">
-                <a:avLst/>
-              </a:prstGeom>
-              <a:noFill/>
-            </p:spPr>
-            <p:txBody>
-              <a:bodyPr wrap="none" rtlCol="0">
-                <a:spAutoFit/>
-              </a:bodyPr>
-              <a:lstStyle/>
-              <a:p>
-                <a:r>
-                  <a:rPr lang="en-AU" sz="1400" dirty="0">
-                    <a:latin typeface="Consolas" panose="020B0609020204030204" pitchFamily="49" charset="0"/>
-                  </a:rPr>
-                  <a:t>LS</a:t>
-                </a:r>
-              </a:p>
-            </p:txBody>
-          </p:sp>
-          <p:sp>
-            <p:nvSpPr>
               <p:cNvPr id="210" name="TextBox 209">
                 <a:extLst>
                   <a:ext uri="{FF2B5EF4-FFF2-40B4-BE49-F238E27FC236}">
@@ -33435,7 +33398,7 @@
             </p:nvSpPr>
             <p:spPr>
               <a:xfrm>
-                <a:off x="3587978" y="4308640"/>
+                <a:off x="3593959" y="4308640"/>
                 <a:ext cx="383438" cy="307777"/>
               </a:xfrm>
               <a:prstGeom prst="rect">
@@ -33458,27 +33421,6 @@
               </a:p>
             </p:txBody>
           </p:sp>
-        </p:grpSp>
-        <p:grpSp>
-          <p:nvGrpSpPr>
-            <p:cNvPr id="216" name="Group 215">
-              <a:extLst>
-                <a:ext uri="{FF2B5EF4-FFF2-40B4-BE49-F238E27FC236}">
-                  <a16:creationId xmlns:a16="http://schemas.microsoft.com/office/drawing/2014/main" id="{A1F5C187-573F-4015-AAF4-221395EA1B0A}"/>
-                </a:ext>
-              </a:extLst>
-            </p:cNvPr>
-            <p:cNvGrpSpPr/>
-            <p:nvPr/>
-          </p:nvGrpSpPr>
-          <p:grpSpPr>
-            <a:xfrm flipH="1">
-              <a:off x="5702003" y="1692830"/>
-              <a:ext cx="745209" cy="2923587"/>
-              <a:chOff x="3446827" y="1692830"/>
-              <a:chExt cx="745209" cy="2923587"/>
-            </a:xfrm>
-          </p:grpSpPr>
           <p:sp>
             <p:nvSpPr>
               <p:cNvPr id="217" name="TextBox 216">
@@ -33492,8 +33434,8 @@
               <p:nvPr/>
             </p:nvSpPr>
             <p:spPr>
-              <a:xfrm>
-                <a:off x="3808598" y="1692830"/>
+              <a:xfrm flipH="1">
+                <a:off x="5707984" y="1692830"/>
                 <a:ext cx="383438" cy="307777"/>
               </a:xfrm>
               <a:prstGeom prst="rect">
@@ -33516,43 +33458,101 @@
               </a:p>
             </p:txBody>
           </p:sp>
-          <p:sp>
-            <p:nvSpPr>
-              <p:cNvPr id="218" name="TextBox 217">
+          <p:grpSp>
+            <p:nvGrpSpPr>
+              <p:cNvPr id="232" name="Group 231">
                 <a:extLst>
                   <a:ext uri="{FF2B5EF4-FFF2-40B4-BE49-F238E27FC236}">
-                    <a16:creationId xmlns:a16="http://schemas.microsoft.com/office/drawing/2014/main" id="{B1DA8CC7-916E-42C2-9D06-D2407CD4A29F}"/>
+                    <a16:creationId xmlns:a16="http://schemas.microsoft.com/office/drawing/2014/main" id="{2C8CB564-869A-46BF-A95A-9F483FFFBA03}"/>
                   </a:ext>
                 </a:extLst>
               </p:cNvPr>
-              <p:cNvSpPr txBox="1"/>
+              <p:cNvGrpSpPr/>
               <p:nvPr/>
-            </p:nvSpPr>
-            <p:spPr>
+            </p:nvGrpSpPr>
+            <p:grpSpPr>
               <a:xfrm>
-                <a:off x="3446827" y="3314940"/>
-                <a:ext cx="383438" cy="307777"/>
+                <a:off x="3634287" y="2976961"/>
+                <a:ext cx="2637427" cy="307777"/>
+                <a:chOff x="3652661" y="2976961"/>
+                <a:chExt cx="2637427" cy="307777"/>
               </a:xfrm>
-              <a:prstGeom prst="rect">
-                <a:avLst/>
-              </a:prstGeom>
-              <a:noFill/>
-            </p:spPr>
-            <p:txBody>
-              <a:bodyPr wrap="none" rtlCol="0">
-                <a:spAutoFit/>
-              </a:bodyPr>
-              <a:lstStyle/>
-              <a:p>
-                <a:r>
-                  <a:rPr lang="en-AU" sz="1400" dirty="0">
-                    <a:latin typeface="Consolas" panose="020B0609020204030204" pitchFamily="49" charset="0"/>
-                  </a:rPr>
-                  <a:t>RS</a:t>
-                </a:r>
-              </a:p>
-            </p:txBody>
-          </p:sp>
+            </p:grpSpPr>
+            <p:sp>
+              <p:nvSpPr>
+                <p:cNvPr id="209" name="TextBox 208">
+                  <a:extLst>
+                    <a:ext uri="{FF2B5EF4-FFF2-40B4-BE49-F238E27FC236}">
+                      <a16:creationId xmlns:a16="http://schemas.microsoft.com/office/drawing/2014/main" id="{EA46A19F-5009-4FEB-A2A4-FF4C8B4F49B9}"/>
+                    </a:ext>
+                  </a:extLst>
+                </p:cNvPr>
+                <p:cNvSpPr txBox="1"/>
+                <p:nvPr/>
+              </p:nvSpPr>
+              <p:spPr>
+                <a:xfrm>
+                  <a:off x="3652661" y="2976961"/>
+                  <a:ext cx="383438" cy="307777"/>
+                </a:xfrm>
+                <a:prstGeom prst="rect">
+                  <a:avLst/>
+                </a:prstGeom>
+                <a:noFill/>
+              </p:spPr>
+              <p:txBody>
+                <a:bodyPr wrap="none" rtlCol="0">
+                  <a:spAutoFit/>
+                </a:bodyPr>
+                <a:lstStyle/>
+                <a:p>
+                  <a:r>
+                    <a:rPr lang="en-AU" sz="1400" dirty="0">
+                      <a:latin typeface="Consolas" panose="020B0609020204030204" pitchFamily="49" charset="0"/>
+                    </a:rPr>
+                    <a:t>LS</a:t>
+                  </a:r>
+                </a:p>
+              </p:txBody>
+            </p:sp>
+            <p:sp>
+              <p:nvSpPr>
+                <p:cNvPr id="218" name="TextBox 217">
+                  <a:extLst>
+                    <a:ext uri="{FF2B5EF4-FFF2-40B4-BE49-F238E27FC236}">
+                      <a16:creationId xmlns:a16="http://schemas.microsoft.com/office/drawing/2014/main" id="{B1DA8CC7-916E-42C2-9D06-D2407CD4A29F}"/>
+                    </a:ext>
+                  </a:extLst>
+                </p:cNvPr>
+                <p:cNvSpPr txBox="1"/>
+                <p:nvPr/>
+              </p:nvSpPr>
+              <p:spPr>
+                <a:xfrm flipH="1">
+                  <a:off x="5906650" y="2976961"/>
+                  <a:ext cx="383438" cy="307777"/>
+                </a:xfrm>
+                <a:prstGeom prst="rect">
+                  <a:avLst/>
+                </a:prstGeom>
+                <a:noFill/>
+              </p:spPr>
+              <p:txBody>
+                <a:bodyPr wrap="none" rtlCol="0">
+                  <a:spAutoFit/>
+                </a:bodyPr>
+                <a:lstStyle/>
+                <a:p>
+                  <a:r>
+                    <a:rPr lang="en-AU" sz="1400" dirty="0">
+                      <a:latin typeface="Consolas" panose="020B0609020204030204" pitchFamily="49" charset="0"/>
+                    </a:rPr>
+                    <a:t>RS</a:t>
+                  </a:r>
+                </a:p>
+              </p:txBody>
+            </p:sp>
+          </p:grpSp>
           <p:sp>
             <p:nvSpPr>
               <p:cNvPr id="219" name="TextBox 218">
@@ -33566,8 +33566,8 @@
               <p:nvPr/>
             </p:nvSpPr>
             <p:spPr>
-              <a:xfrm>
-                <a:off x="3587978" y="4308640"/>
+              <a:xfrm flipH="1">
+                <a:off x="5928604" y="4308640"/>
                 <a:ext cx="383438" cy="307777"/>
               </a:xfrm>
               <a:prstGeom prst="rect">
@@ -33590,112 +33590,246 @@
               </a:p>
             </p:txBody>
           </p:sp>
+          <p:sp>
+            <p:nvSpPr>
+              <p:cNvPr id="223" name="Rectangle 222">
+                <a:extLst>
+                  <a:ext uri="{FF2B5EF4-FFF2-40B4-BE49-F238E27FC236}">
+                    <a16:creationId xmlns:a16="http://schemas.microsoft.com/office/drawing/2014/main" id="{5EDF3D43-44DB-47E2-B3A8-8A4D641FAE98}"/>
+                  </a:ext>
+                </a:extLst>
+              </p:cNvPr>
+              <p:cNvSpPr/>
+              <p:nvPr/>
+            </p:nvSpPr>
+            <p:spPr>
+              <a:xfrm flipH="1">
+                <a:off x="3595986" y="3645223"/>
+                <a:ext cx="303242" cy="245145"/>
+              </a:xfrm>
+              <a:prstGeom prst="rect">
+                <a:avLst/>
+              </a:prstGeom>
+              <a:ln w="31750"/>
+            </p:spPr>
+            <p:style>
+              <a:lnRef idx="2">
+                <a:schemeClr val="accent5">
+                  <a:shade val="50000"/>
+                </a:schemeClr>
+              </a:lnRef>
+              <a:fillRef idx="1">
+                <a:schemeClr val="accent5"/>
+              </a:fillRef>
+              <a:effectRef idx="0">
+                <a:schemeClr val="accent5"/>
+              </a:effectRef>
+              <a:fontRef idx="minor">
+                <a:schemeClr val="lt1"/>
+              </a:fontRef>
+            </p:style>
+            <p:txBody>
+              <a:bodyPr lIns="0" tIns="0" rIns="0" bIns="0" rtlCol="0" anchor="ctr"/>
+              <a:lstStyle/>
+              <a:p>
+                <a:pPr algn="ctr"/>
+                <a:r>
+                  <a:rPr lang="en-AU" sz="1400" dirty="0">
+                    <a:latin typeface="Consolas" panose="020B0609020204030204" pitchFamily="49" charset="0"/>
+                  </a:rPr>
+                  <a:t>C01</a:t>
+                </a:r>
+              </a:p>
+            </p:txBody>
+          </p:sp>
+          <p:sp>
+            <p:nvSpPr>
+              <p:cNvPr id="225" name="Rectangle 224">
+                <a:extLst>
+                  <a:ext uri="{FF2B5EF4-FFF2-40B4-BE49-F238E27FC236}">
+                    <a16:creationId xmlns:a16="http://schemas.microsoft.com/office/drawing/2014/main" id="{0E3EA661-E1E5-44F8-8943-6053A5A2F4A6}"/>
+                  </a:ext>
+                </a:extLst>
+              </p:cNvPr>
+              <p:cNvSpPr/>
+              <p:nvPr/>
+            </p:nvSpPr>
+            <p:spPr>
+              <a:xfrm>
+                <a:off x="6009239" y="3645220"/>
+                <a:ext cx="303242" cy="245145"/>
+              </a:xfrm>
+              <a:prstGeom prst="rect">
+                <a:avLst/>
+              </a:prstGeom>
+              <a:ln w="31750"/>
+            </p:spPr>
+            <p:style>
+              <a:lnRef idx="2">
+                <a:schemeClr val="accent5">
+                  <a:shade val="50000"/>
+                </a:schemeClr>
+              </a:lnRef>
+              <a:fillRef idx="1">
+                <a:schemeClr val="accent5"/>
+              </a:fillRef>
+              <a:effectRef idx="0">
+                <a:schemeClr val="accent5"/>
+              </a:effectRef>
+              <a:fontRef idx="minor">
+                <a:schemeClr val="lt1"/>
+              </a:fontRef>
+            </p:style>
+            <p:txBody>
+              <a:bodyPr lIns="0" tIns="0" rIns="0" bIns="0" rtlCol="0" anchor="ctr"/>
+              <a:lstStyle/>
+              <a:p>
+                <a:pPr algn="ctr"/>
+                <a:r>
+                  <a:rPr lang="en-AU" sz="1400" dirty="0">
+                    <a:latin typeface="Consolas" panose="020B0609020204030204" pitchFamily="49" charset="0"/>
+                  </a:rPr>
+                  <a:t>C05</a:t>
+                </a:r>
+              </a:p>
+            </p:txBody>
+          </p:sp>
+          <p:cxnSp>
+            <p:nvCxnSpPr>
+              <p:cNvPr id="226" name="Connector: Curved 225">
+                <a:extLst>
+                  <a:ext uri="{FF2B5EF4-FFF2-40B4-BE49-F238E27FC236}">
+                    <a16:creationId xmlns:a16="http://schemas.microsoft.com/office/drawing/2014/main" id="{0C06E48A-E7F0-4EF6-976E-E8758F716E23}"/>
+                  </a:ext>
+                </a:extLst>
+              </p:cNvPr>
+              <p:cNvCxnSpPr>
+                <a:cxnSpLocks/>
+                <a:stCxn id="36" idx="0"/>
+                <a:endCxn id="223" idx="0"/>
+              </p:cNvCxnSpPr>
+              <p:nvPr/>
+            </p:nvCxnSpPr>
+            <p:spPr>
+              <a:xfrm rot="16200000" flipV="1">
+                <a:off x="3907563" y="3485267"/>
+                <a:ext cx="12700" cy="319911"/>
+              </a:xfrm>
+              <a:prstGeom prst="curvedConnector3">
+                <a:avLst>
+                  <a:gd name="adj1" fmla="val 1800000"/>
+                </a:avLst>
+              </a:prstGeom>
+              <a:ln w="60325">
+                <a:solidFill>
+                  <a:srgbClr val="7030A0"/>
+                </a:solidFill>
+              </a:ln>
+            </p:spPr>
+            <p:style>
+              <a:lnRef idx="3">
+                <a:schemeClr val="accent5"/>
+              </a:lnRef>
+              <a:fillRef idx="0">
+                <a:schemeClr val="accent5"/>
+              </a:fillRef>
+              <a:effectRef idx="2">
+                <a:schemeClr val="accent5"/>
+              </a:effectRef>
+              <a:fontRef idx="minor">
+                <a:schemeClr val="tx1"/>
+              </a:fontRef>
+            </p:style>
+          </p:cxnSp>
+          <p:cxnSp>
+            <p:nvCxnSpPr>
+              <p:cNvPr id="229" name="Connector: Curved 228">
+                <a:extLst>
+                  <a:ext uri="{FF2B5EF4-FFF2-40B4-BE49-F238E27FC236}">
+                    <a16:creationId xmlns:a16="http://schemas.microsoft.com/office/drawing/2014/main" id="{E45D3A1A-E4C5-4220-B902-744CBC857D18}"/>
+                  </a:ext>
+                </a:extLst>
+              </p:cNvPr>
+              <p:cNvCxnSpPr>
+                <a:cxnSpLocks/>
+                <a:stCxn id="225" idx="0"/>
+                <a:endCxn id="21" idx="0"/>
+              </p:cNvCxnSpPr>
+              <p:nvPr/>
+            </p:nvCxnSpPr>
+            <p:spPr>
+              <a:xfrm rot="16200000" flipV="1">
+                <a:off x="5999670" y="3484030"/>
+                <a:ext cx="12700" cy="322380"/>
+              </a:xfrm>
+              <a:prstGeom prst="curvedConnector3">
+                <a:avLst>
+                  <a:gd name="adj1" fmla="val 1800000"/>
+                </a:avLst>
+              </a:prstGeom>
+              <a:ln w="60325">
+                <a:solidFill>
+                  <a:srgbClr val="7030A0"/>
+                </a:solidFill>
+              </a:ln>
+            </p:spPr>
+            <p:style>
+              <a:lnRef idx="3">
+                <a:schemeClr val="accent5"/>
+              </a:lnRef>
+              <a:fillRef idx="0">
+                <a:schemeClr val="accent5"/>
+              </a:fillRef>
+              <a:effectRef idx="2">
+                <a:schemeClr val="accent5"/>
+              </a:effectRef>
+              <a:fontRef idx="minor">
+                <a:schemeClr val="tx1"/>
+              </a:fontRef>
+            </p:style>
+          </p:cxnSp>
         </p:grpSp>
+        <p:sp>
+          <p:nvSpPr>
+            <p:cNvPr id="234" name="TextBox 233">
+              <a:extLst>
+                <a:ext uri="{FF2B5EF4-FFF2-40B4-BE49-F238E27FC236}">
+                  <a16:creationId xmlns:a16="http://schemas.microsoft.com/office/drawing/2014/main" id="{135B7AF5-3C18-4053-9324-BCD803DFF11F}"/>
+                </a:ext>
+              </a:extLst>
+            </p:cNvPr>
+            <p:cNvSpPr txBox="1"/>
+            <p:nvPr/>
+          </p:nvSpPr>
+          <p:spPr>
+            <a:xfrm>
+              <a:off x="4562509" y="1882236"/>
+              <a:ext cx="780983" cy="307777"/>
+            </a:xfrm>
+            <a:prstGeom prst="rect">
+              <a:avLst/>
+            </a:prstGeom>
+            <a:noFill/>
+          </p:spPr>
+          <p:txBody>
+            <a:bodyPr wrap="none" rtlCol="0">
+              <a:spAutoFit/>
+            </a:bodyPr>
+            <a:lstStyle/>
+            <a:p>
+              <a:r>
+                <a:rPr lang="en-AU" sz="1400" dirty="0">
+                  <a:solidFill>
+                    <a:srgbClr val="7030A0"/>
+                  </a:solidFill>
+                  <a:latin typeface="Consolas" panose="020B0609020204030204" pitchFamily="49" charset="0"/>
+                </a:rPr>
+                <a:t>Comms.</a:t>
+              </a:r>
+            </a:p>
+          </p:txBody>
+        </p:sp>
       </p:grpSp>
-      <p:sp>
-        <p:nvSpPr>
-          <p:cNvPr id="223" name="Rectangle 222">
-            <a:extLst>
-              <a:ext uri="{FF2B5EF4-FFF2-40B4-BE49-F238E27FC236}">
-                <a16:creationId xmlns:a16="http://schemas.microsoft.com/office/drawing/2014/main" id="{5EDF3D43-44DB-47E2-B3A8-8A4D641FAE98}"/>
-              </a:ext>
-            </a:extLst>
-          </p:cNvPr>
-          <p:cNvSpPr/>
-          <p:nvPr/>
-        </p:nvSpPr>
-        <p:spPr>
-          <a:xfrm flipH="1">
-            <a:off x="3595986" y="3645223"/>
-            <a:ext cx="303242" cy="245145"/>
-          </a:xfrm>
-          <a:prstGeom prst="rect">
-            <a:avLst/>
-          </a:prstGeom>
-          <a:ln w="31750"/>
-        </p:spPr>
-        <p:style>
-          <a:lnRef idx="2">
-            <a:schemeClr val="accent5">
-              <a:shade val="50000"/>
-            </a:schemeClr>
-          </a:lnRef>
-          <a:fillRef idx="1">
-            <a:schemeClr val="accent5"/>
-          </a:fillRef>
-          <a:effectRef idx="0">
-            <a:schemeClr val="accent5"/>
-          </a:effectRef>
-          <a:fontRef idx="minor">
-            <a:schemeClr val="lt1"/>
-          </a:fontRef>
-        </p:style>
-        <p:txBody>
-          <a:bodyPr lIns="0" tIns="0" rIns="0" bIns="0" rtlCol="0" anchor="ctr"/>
-          <a:lstStyle/>
-          <a:p>
-            <a:pPr algn="ctr"/>
-            <a:r>
-              <a:rPr lang="en-AU" sz="1400" dirty="0">
-                <a:latin typeface="Consolas" panose="020B0609020204030204" pitchFamily="49" charset="0"/>
-              </a:rPr>
-              <a:t>C01</a:t>
-            </a:r>
-          </a:p>
-        </p:txBody>
-      </p:sp>
-      <p:sp>
-        <p:nvSpPr>
-          <p:cNvPr id="225" name="Rectangle 224">
-            <a:extLst>
-              <a:ext uri="{FF2B5EF4-FFF2-40B4-BE49-F238E27FC236}">
-                <a16:creationId xmlns:a16="http://schemas.microsoft.com/office/drawing/2014/main" id="{0E3EA661-E1E5-44F8-8943-6053A5A2F4A6}"/>
-              </a:ext>
-            </a:extLst>
-          </p:cNvPr>
-          <p:cNvSpPr/>
-          <p:nvPr/>
-        </p:nvSpPr>
-        <p:spPr>
-          <a:xfrm>
-            <a:off x="6009239" y="3645220"/>
-            <a:ext cx="303242" cy="245145"/>
-          </a:xfrm>
-          <a:prstGeom prst="rect">
-            <a:avLst/>
-          </a:prstGeom>
-          <a:ln w="31750"/>
-        </p:spPr>
-        <p:style>
-          <a:lnRef idx="2">
-            <a:schemeClr val="accent5">
-              <a:shade val="50000"/>
-            </a:schemeClr>
-          </a:lnRef>
-          <a:fillRef idx="1">
-            <a:schemeClr val="accent5"/>
-          </a:fillRef>
-          <a:effectRef idx="0">
-            <a:schemeClr val="accent5"/>
-          </a:effectRef>
-          <a:fontRef idx="minor">
-            <a:schemeClr val="lt1"/>
-          </a:fontRef>
-        </p:style>
-        <p:txBody>
-          <a:bodyPr lIns="0" tIns="0" rIns="0" bIns="0" rtlCol="0" anchor="ctr"/>
-          <a:lstStyle/>
-          <a:p>
-            <a:pPr algn="ctr"/>
-            <a:r>
-              <a:rPr lang="en-AU" sz="1400" dirty="0">
-                <a:latin typeface="Consolas" panose="020B0609020204030204" pitchFamily="49" charset="0"/>
-              </a:rPr>
-              <a:t>C05</a:t>
-            </a:r>
-          </a:p>
-        </p:txBody>
-      </p:sp>
     </p:spTree>
     <p:extLst>
       <p:ext uri="{BB962C8B-B14F-4D97-AF65-F5344CB8AC3E}">
